--- a/!docs/common.pptx
+++ b/!docs/common.pptx
@@ -3807,7 +3807,7 @@
         </p:nvSpPr>
         <p:spPr>
           <a:xfrm>
-            <a:off x="431540" y="2274838"/>
+            <a:off x="431540" y="500896"/>
             <a:ext cx="8280920" cy="2308324"/>
           </a:xfrm>
           <a:prstGeom prst="rect">
@@ -3824,10 +3824,17 @@
             <a:r>
               <a:rPr lang="ru-RU" sz="4800" dirty="0" smtClean="0">
                 <a:solidFill>
-                  <a:schemeClr val="tx2">
-                    <a:lumMod val="25000"/>
+                  <a:schemeClr val="tx1">
+                    <a:lumMod val="75000"/>
                   </a:schemeClr>
                 </a:solidFill>
+                <a:effectLst>
+                  <a:outerShdw blurRad="38100" dist="38100" dir="2700000" algn="tl">
+                    <a:srgbClr val="000000">
+                      <a:alpha val="43137"/>
+                    </a:srgbClr>
+                  </a:outerShdw>
+                </a:effectLst>
                 <a:latin typeface="Calibri" pitchFamily="34" charset="0"/>
                 <a:cs typeface="Calibri" pitchFamily="34" charset="0"/>
               </a:rPr>
@@ -3836,10 +3843,17 @@
             <a:r>
               <a:rPr lang="ru-RU" sz="4800" dirty="0" err="1" smtClean="0">
                 <a:solidFill>
-                  <a:schemeClr val="tx2">
-                    <a:lumMod val="25000"/>
+                  <a:schemeClr val="tx1">
+                    <a:lumMod val="75000"/>
                   </a:schemeClr>
                 </a:solidFill>
+                <a:effectLst>
+                  <a:outerShdw blurRad="38100" dist="38100" dir="2700000" algn="tl">
+                    <a:srgbClr val="000000">
+                      <a:alpha val="43137"/>
+                    </a:srgbClr>
+                  </a:outerShdw>
+                </a:effectLst>
                 <a:latin typeface="Calibri" pitchFamily="34" charset="0"/>
                 <a:cs typeface="Calibri" pitchFamily="34" charset="0"/>
               </a:rPr>
@@ -3848,10 +3862,17 @@
             <a:r>
               <a:rPr lang="ru-RU" sz="4800" dirty="0" smtClean="0">
                 <a:solidFill>
-                  <a:schemeClr val="tx2">
-                    <a:lumMod val="25000"/>
+                  <a:schemeClr val="tx1">
+                    <a:lumMod val="75000"/>
                   </a:schemeClr>
                 </a:solidFill>
+                <a:effectLst>
+                  <a:outerShdw blurRad="38100" dist="38100" dir="2700000" algn="tl">
+                    <a:srgbClr val="000000">
+                      <a:alpha val="43137"/>
+                    </a:srgbClr>
+                  </a:outerShdw>
+                </a:effectLst>
                 <a:latin typeface="Calibri" pitchFamily="34" charset="0"/>
                 <a:cs typeface="Calibri" pitchFamily="34" charset="0"/>
               </a:rPr>
@@ -3860,10 +3881,17 @@
             <a:r>
               <a:rPr lang="en-US" sz="4800" dirty="0" smtClean="0">
                 <a:solidFill>
-                  <a:schemeClr val="tx2">
-                    <a:lumMod val="25000"/>
+                  <a:schemeClr val="tx1">
+                    <a:lumMod val="75000"/>
                   </a:schemeClr>
                 </a:solidFill>
+                <a:effectLst>
+                  <a:outerShdw blurRad="38100" dist="38100" dir="2700000" algn="tl">
+                    <a:srgbClr val="000000">
+                      <a:alpha val="43137"/>
+                    </a:srgbClr>
+                  </a:outerShdw>
+                </a:effectLst>
                 <a:latin typeface="Calibri" pitchFamily="34" charset="0"/>
                 <a:cs typeface="Calibri" pitchFamily="34" charset="0"/>
               </a:rPr>
@@ -3871,13 +3899,90 @@
             </a:r>
             <a:endParaRPr lang="ru-RU" sz="4800" dirty="0">
               <a:solidFill>
-                <a:schemeClr val="tx2">
-                  <a:lumMod val="25000"/>
+                <a:schemeClr val="tx1">
+                  <a:lumMod val="75000"/>
                 </a:schemeClr>
               </a:solidFill>
+              <a:effectLst>
+                <a:outerShdw blurRad="38100" dist="38100" dir="2700000" algn="tl">
+                  <a:srgbClr val="000000">
+                    <a:alpha val="43137"/>
+                  </a:srgbClr>
+                </a:outerShdw>
+              </a:effectLst>
               <a:latin typeface="Calibri" pitchFamily="34" charset="0"/>
               <a:cs typeface="Calibri" pitchFamily="34" charset="0"/>
             </a:endParaRPr>
+          </a:p>
+        </p:txBody>
+      </p:sp>
+      <p:sp>
+        <p:nvSpPr>
+          <p:cNvPr id="3" name="TextBox 2"/>
+          <p:cNvSpPr txBox="1"/>
+          <p:nvPr/>
+        </p:nvSpPr>
+        <p:spPr>
+          <a:xfrm>
+            <a:off x="431540" y="3310116"/>
+            <a:ext cx="8280920" cy="3046988"/>
+          </a:xfrm>
+          <a:prstGeom prst="rect">
+            <a:avLst/>
+          </a:prstGeom>
+          <a:noFill/>
+        </p:spPr>
+        <p:txBody>
+          <a:bodyPr wrap="square" rtlCol="0" anchor="ctr">
+            <a:spAutoFit/>
+          </a:bodyPr>
+          <a:lstStyle/>
+          <a:p>
+            <a:pPr>
+              <a:lnSpc>
+                <a:spcPct val="150000"/>
+              </a:lnSpc>
+            </a:pPr>
+            <a:r>
+              <a:rPr lang="ru-RU" sz="3200" dirty="0"/>
+              <a:t>П</a:t>
+            </a:r>
+            <a:r>
+              <a:rPr lang="ru-RU" sz="3200" dirty="0" smtClean="0"/>
+              <a:t>роектирование </a:t>
+            </a:r>
+            <a:r>
+              <a:rPr lang="ru-RU" sz="3200" dirty="0"/>
+              <a:t>подсистем </a:t>
+            </a:r>
+            <a:r>
+              <a:rPr lang="ru-RU" sz="3200" dirty="0" smtClean="0"/>
+              <a:t>хранения </a:t>
+            </a:r>
+            <a:r>
+              <a:rPr lang="ru-RU" sz="3200" dirty="0"/>
+              <a:t>и обработки информации в </a:t>
+            </a:r>
+            <a:r>
+              <a:rPr lang="ru-RU" sz="3200" dirty="0" smtClean="0"/>
+              <a:t>CMS</a:t>
+            </a:r>
+          </a:p>
+          <a:p>
+            <a:pPr>
+              <a:lnSpc>
+                <a:spcPct val="150000"/>
+              </a:lnSpc>
+            </a:pPr>
+            <a:r>
+              <a:rPr lang="ru-RU" sz="3200" dirty="0"/>
+              <a:t>Проектирование подсистемы вывода и представления информации в </a:t>
+            </a:r>
+            <a:r>
+              <a:rPr lang="ru-RU" sz="3200" dirty="0" smtClean="0"/>
+              <a:t>CMS</a:t>
+            </a:r>
+            <a:endParaRPr lang="ru-RU" sz="3200" dirty="0"/>
           </a:p>
         </p:txBody>
       </p:sp>
@@ -3943,11 +4048,6 @@
             <a:pPr algn="ctr"/>
             <a:r>
               <a:rPr lang="ru-RU" sz="4800" dirty="0" smtClean="0">
-                <a:solidFill>
-                  <a:schemeClr val="tx2">
-                    <a:lumMod val="25000"/>
-                  </a:schemeClr>
-                </a:solidFill>
                 <a:effectLst>
                   <a:outerShdw blurRad="38100" dist="38100" dir="2700000" algn="tl">
                     <a:srgbClr val="000000">
@@ -3961,11 +4061,6 @@
               <a:t>Использованные веб-технологии:</a:t>
             </a:r>
             <a:endParaRPr lang="ru-RU" sz="4800" dirty="0">
-              <a:solidFill>
-                <a:schemeClr val="tx2">
-                  <a:lumMod val="25000"/>
-                </a:schemeClr>
-              </a:solidFill>
               <a:effectLst>
                 <a:outerShdw blurRad="38100" dist="38100" dir="2700000" algn="tl">
                   <a:srgbClr val="000000">
@@ -4004,11 +4099,6 @@
             <a:pPr algn="ctr"/>
             <a:r>
               <a:rPr lang="en-US" sz="3600" dirty="0" smtClean="0">
-                <a:solidFill>
-                  <a:schemeClr val="tx2">
-                    <a:lumMod val="25000"/>
-                  </a:schemeClr>
-                </a:solidFill>
                 <a:effectLst>
                   <a:outerShdw blurRad="38100" dist="38100" dir="2700000" algn="tl">
                     <a:srgbClr val="000000">
@@ -4022,11 +4112,6 @@
               <a:t>PHP</a:t>
             </a:r>
             <a:endParaRPr lang="ru-RU" sz="3600" dirty="0">
-              <a:solidFill>
-                <a:schemeClr val="tx2">
-                  <a:lumMod val="25000"/>
-                </a:schemeClr>
-              </a:solidFill>
               <a:effectLst>
                 <a:outerShdw blurRad="38100" dist="38100" dir="2700000" algn="tl">
                   <a:srgbClr val="000000">
@@ -4065,11 +4150,6 @@
             <a:pPr algn="ctr"/>
             <a:r>
               <a:rPr lang="en-US" sz="3600" dirty="0" smtClean="0">
-                <a:solidFill>
-                  <a:schemeClr val="tx2">
-                    <a:lumMod val="25000"/>
-                  </a:schemeClr>
-                </a:solidFill>
                 <a:effectLst>
                   <a:outerShdw blurRad="38100" dist="38100" dir="2700000" algn="tl">
                     <a:srgbClr val="000000">
@@ -4087,11 +4167,6 @@
             <a:pPr algn="ctr"/>
             <a:r>
               <a:rPr lang="en-US" sz="3600" dirty="0" smtClean="0">
-                <a:solidFill>
-                  <a:schemeClr val="tx2">
-                    <a:lumMod val="25000"/>
-                  </a:schemeClr>
-                </a:solidFill>
                 <a:effectLst>
                   <a:outerShdw blurRad="38100" dist="38100" dir="2700000" algn="tl">
                     <a:srgbClr val="000000">
@@ -4109,11 +4184,6 @@
             <a:pPr algn="ctr"/>
             <a:r>
               <a:rPr lang="en-US" sz="3600" dirty="0" smtClean="0">
-                <a:solidFill>
-                  <a:schemeClr val="tx2">
-                    <a:lumMod val="25000"/>
-                  </a:schemeClr>
-                </a:solidFill>
                 <a:effectLst>
                   <a:outerShdw blurRad="38100" dist="38100" dir="2700000" algn="tl">
                     <a:srgbClr val="000000">
@@ -4127,11 +4197,6 @@
               <a:t>CSS</a:t>
             </a:r>
             <a:endParaRPr lang="ru-RU" sz="3600" dirty="0">
-              <a:solidFill>
-                <a:schemeClr val="tx2">
-                  <a:lumMod val="25000"/>
-                </a:schemeClr>
-              </a:solidFill>
               <a:effectLst>
                 <a:outerShdw blurRad="38100" dist="38100" dir="2700000" algn="tl">
                   <a:srgbClr val="000000">
@@ -4170,11 +4235,6 @@
             <a:pPr algn="ctr"/>
             <a:r>
               <a:rPr lang="ru-RU" sz="3600" dirty="0" smtClean="0">
-                <a:solidFill>
-                  <a:schemeClr val="tx2">
-                    <a:lumMod val="25000"/>
-                  </a:schemeClr>
-                </a:solidFill>
                 <a:effectLst>
                   <a:outerShdw blurRad="38100" dist="38100" dir="2700000" algn="tl">
                     <a:srgbClr val="000000">
@@ -4189,11 +4249,6 @@
             </a:r>
             <a:r>
               <a:rPr lang="en-US" sz="3600" dirty="0" smtClean="0">
-                <a:solidFill>
-                  <a:schemeClr val="tx2">
-                    <a:lumMod val="25000"/>
-                  </a:schemeClr>
-                </a:solidFill>
                 <a:effectLst>
                   <a:outerShdw blurRad="38100" dist="38100" dir="2700000" algn="tl">
                     <a:srgbClr val="000000">
@@ -4207,11 +4262,6 @@
               <a:t>MySQL</a:t>
             </a:r>
             <a:endParaRPr lang="ru-RU" sz="3600" dirty="0" smtClean="0">
-              <a:solidFill>
-                <a:schemeClr val="tx2">
-                  <a:lumMod val="25000"/>
-                </a:schemeClr>
-              </a:solidFill>
               <a:effectLst>
                 <a:outerShdw blurRad="38100" dist="38100" dir="2700000" algn="tl">
                   <a:srgbClr val="000000">
@@ -4234,7 +4284,7 @@
           <p:nvPr>
             <p:extLst>
               <p:ext uri="{D42A27DB-BD31-4B8C-83A1-F6EECF244321}">
-                <p14:modId xmlns:p14="http://schemas.microsoft.com/office/powerpoint/2010/main" val="450149995"/>
+                <p14:modId xmlns:p14="http://schemas.microsoft.com/office/powerpoint/2010/main" val="57592027"/>
               </p:ext>
             </p:extLst>
           </p:nvPr>
@@ -4247,7 +4297,7 @@
           <a:graphicData uri="http://schemas.openxmlformats.org/presentationml/2006/ole">
             <mc:AlternateContent xmlns:mc="http://schemas.openxmlformats.org/markup-compatibility/2006">
               <mc:Choice xmlns:v="urn:schemas-microsoft-com:vml" Requires="v">
-                <p:oleObj spid="_x0000_s14342" name="Visio" r:id="rId3" imgW="3846693" imgH="4746600" progId="Visio.Drawing.11">
+                <p:oleObj spid="_x0000_s14350" name="Visio" r:id="rId3" imgW="3846693" imgH="4746600" progId="Visio.Drawing.11">
                   <p:embed/>
                 </p:oleObj>
               </mc:Choice>
@@ -4567,7 +4617,7 @@
         </p:nvSpPr>
         <p:spPr>
           <a:xfrm>
-            <a:off x="431540" y="332656"/>
+            <a:off x="431540" y="993338"/>
             <a:ext cx="8280920" cy="830997"/>
           </a:xfrm>
           <a:prstGeom prst="rect">
@@ -4582,10 +4632,26 @@
           <a:lstStyle/>
           <a:p>
             <a:r>
-              <a:rPr lang="ru-RU" sz="4800" dirty="0" smtClean="0"/>
+              <a:rPr lang="ru-RU" sz="4800" dirty="0" smtClean="0">
+                <a:effectLst>
+                  <a:outerShdw blurRad="38100" dist="38100" dir="2700000" algn="tl">
+                    <a:srgbClr val="000000">
+                      <a:alpha val="43137"/>
+                    </a:srgbClr>
+                  </a:outerShdw>
+                </a:effectLst>
+              </a:rPr>
               <a:t>Используемые средства:</a:t>
             </a:r>
-            <a:endParaRPr lang="ru-RU" sz="4800" dirty="0"/>
+            <a:endParaRPr lang="ru-RU" sz="4800" dirty="0">
+              <a:effectLst>
+                <a:outerShdw blurRad="38100" dist="38100" dir="2700000" algn="tl">
+                  <a:srgbClr val="000000">
+                    <a:alpha val="43137"/>
+                  </a:srgbClr>
+                </a:outerShdw>
+              </a:effectLst>
+            </a:endParaRPr>
           </a:p>
         </p:txBody>
       </p:sp>
@@ -4597,7 +4663,7 @@
         </p:nvSpPr>
         <p:spPr>
           <a:xfrm>
-            <a:off x="91320" y="2030656"/>
+            <a:off x="91320" y="2817673"/>
             <a:ext cx="9036496" cy="3046988"/>
           </a:xfrm>
           <a:prstGeom prst="rect">
@@ -4752,10 +4818,26 @@
           <a:lstStyle/>
           <a:p>
             <a:r>
-              <a:rPr lang="ru-RU" sz="4800" dirty="0" smtClean="0"/>
+              <a:rPr lang="ru-RU" sz="4800" dirty="0" smtClean="0">
+                <a:effectLst>
+                  <a:outerShdw blurRad="38100" dist="38100" dir="2700000" algn="tl">
+                    <a:srgbClr val="000000">
+                      <a:alpha val="43137"/>
+                    </a:srgbClr>
+                  </a:outerShdw>
+                </a:effectLst>
+              </a:rPr>
               <a:t>Веб сервер</a:t>
             </a:r>
-            <a:endParaRPr lang="ru-RU" sz="4800" dirty="0"/>
+            <a:endParaRPr lang="ru-RU" sz="4800" dirty="0">
+              <a:effectLst>
+                <a:outerShdw blurRad="38100" dist="38100" dir="2700000" algn="tl">
+                  <a:srgbClr val="000000">
+                    <a:alpha val="43137"/>
+                  </a:srgbClr>
+                </a:outerShdw>
+              </a:effectLst>
+            </a:endParaRPr>
           </a:p>
         </p:txBody>
       </p:sp>
@@ -4933,10 +5015,26 @@
           <a:lstStyle/>
           <a:p>
             <a:r>
-              <a:rPr lang="ru-RU" sz="4800" dirty="0" smtClean="0"/>
+              <a:rPr lang="ru-RU" sz="4800" dirty="0" smtClean="0">
+                <a:effectLst>
+                  <a:outerShdw blurRad="38100" dist="38100" dir="2700000" algn="tl">
+                    <a:srgbClr val="000000">
+                      <a:alpha val="43137"/>
+                    </a:srgbClr>
+                  </a:outerShdw>
+                </a:effectLst>
+              </a:rPr>
               <a:t>Среды разработки</a:t>
             </a:r>
-            <a:endParaRPr lang="ru-RU" sz="4800" dirty="0"/>
+            <a:endParaRPr lang="ru-RU" sz="4800" dirty="0">
+              <a:effectLst>
+                <a:outerShdw blurRad="38100" dist="38100" dir="2700000" algn="tl">
+                  <a:srgbClr val="000000">
+                    <a:alpha val="43137"/>
+                  </a:srgbClr>
+                </a:outerShdw>
+              </a:effectLst>
+            </a:endParaRPr>
           </a:p>
         </p:txBody>
       </p:sp>
@@ -5103,20 +5201,52 @@
           <a:lstStyle/>
           <a:p>
             <a:r>
-              <a:rPr lang="ru-RU" sz="4800" dirty="0" smtClean="0"/>
+              <a:rPr lang="ru-RU" sz="4800" dirty="0" smtClean="0">
+                <a:effectLst>
+                  <a:outerShdw blurRad="38100" dist="38100" dir="2700000" algn="tl">
+                    <a:srgbClr val="000000">
+                      <a:alpha val="43137"/>
+                    </a:srgbClr>
+                  </a:outerShdw>
+                </a:effectLst>
+              </a:rPr>
               <a:t>Средства отладки. </a:t>
             </a:r>
           </a:p>
           <a:p>
             <a:r>
-              <a:rPr lang="ru-RU" sz="3600" dirty="0"/>
+              <a:rPr lang="ru-RU" sz="3600" dirty="0">
+                <a:effectLst>
+                  <a:outerShdw blurRad="38100" dist="38100" dir="2700000" algn="tl">
+                    <a:srgbClr val="000000">
+                      <a:alpha val="43137"/>
+                    </a:srgbClr>
+                  </a:outerShdw>
+                </a:effectLst>
+              </a:rPr>
               <a:t>К</a:t>
             </a:r>
             <a:r>
-              <a:rPr lang="ru-RU" sz="3600" dirty="0" smtClean="0"/>
+              <a:rPr lang="ru-RU" sz="3600" dirty="0" smtClean="0">
+                <a:effectLst>
+                  <a:outerShdw blurRad="38100" dist="38100" dir="2700000" algn="tl">
+                    <a:srgbClr val="000000">
+                      <a:alpha val="43137"/>
+                    </a:srgbClr>
+                  </a:outerShdw>
+                </a:effectLst>
+              </a:rPr>
               <a:t>лиентская часть</a:t>
             </a:r>
-            <a:endParaRPr lang="ru-RU" sz="3600" dirty="0"/>
+            <a:endParaRPr lang="ru-RU" sz="3600" dirty="0">
+              <a:effectLst>
+                <a:outerShdw blurRad="38100" dist="38100" dir="2700000" algn="tl">
+                  <a:srgbClr val="000000">
+                    <a:alpha val="43137"/>
+                  </a:srgbClr>
+                </a:outerShdw>
+              </a:effectLst>
+            </a:endParaRPr>
           </a:p>
         </p:txBody>
       </p:sp>
@@ -5347,21 +5477,61 @@
           <a:lstStyle/>
           <a:p>
             <a:r>
-              <a:rPr lang="ru-RU" sz="4800" dirty="0" smtClean="0"/>
+              <a:rPr lang="ru-RU" sz="4800" dirty="0" smtClean="0">
+                <a:effectLst>
+                  <a:outerShdw blurRad="38100" dist="38100" dir="2700000" algn="tl">
+                    <a:srgbClr val="000000">
+                      <a:alpha val="43137"/>
+                    </a:srgbClr>
+                  </a:outerShdw>
+                </a:effectLst>
+              </a:rPr>
               <a:t>Средства отладки. </a:t>
             </a:r>
-            <a:endParaRPr lang="ru-RU" sz="4800" dirty="0"/>
-          </a:p>
-          <a:p>
-            <a:r>
-              <a:rPr lang="ru-RU" sz="3600" dirty="0"/>
+            <a:endParaRPr lang="ru-RU" sz="4800" dirty="0">
+              <a:effectLst>
+                <a:outerShdw blurRad="38100" dist="38100" dir="2700000" algn="tl">
+                  <a:srgbClr val="000000">
+                    <a:alpha val="43137"/>
+                  </a:srgbClr>
+                </a:outerShdw>
+              </a:effectLst>
+            </a:endParaRPr>
+          </a:p>
+          <a:p>
+            <a:r>
+              <a:rPr lang="ru-RU" sz="3600" dirty="0">
+                <a:effectLst>
+                  <a:outerShdw blurRad="38100" dist="38100" dir="2700000" algn="tl">
+                    <a:srgbClr val="000000">
+                      <a:alpha val="43137"/>
+                    </a:srgbClr>
+                  </a:outerShdw>
+                </a:effectLst>
+              </a:rPr>
               <a:t>С</a:t>
             </a:r>
             <a:r>
-              <a:rPr lang="ru-RU" sz="3600" dirty="0" smtClean="0"/>
+              <a:rPr lang="ru-RU" sz="3600" dirty="0" smtClean="0">
+                <a:effectLst>
+                  <a:outerShdw blurRad="38100" dist="38100" dir="2700000" algn="tl">
+                    <a:srgbClr val="000000">
+                      <a:alpha val="43137"/>
+                    </a:srgbClr>
+                  </a:outerShdw>
+                </a:effectLst>
+              </a:rPr>
               <a:t>ерверная часть</a:t>
             </a:r>
-            <a:endParaRPr lang="ru-RU" sz="3600" dirty="0"/>
+            <a:endParaRPr lang="ru-RU" sz="3600" dirty="0">
+              <a:effectLst>
+                <a:outerShdw blurRad="38100" dist="38100" dir="2700000" algn="tl">
+                  <a:srgbClr val="000000">
+                    <a:alpha val="43137"/>
+                  </a:srgbClr>
+                </a:outerShdw>
+              </a:effectLst>
+            </a:endParaRPr>
           </a:p>
         </p:txBody>
       </p:sp>
@@ -5373,8 +5543,8 @@
         </p:nvSpPr>
         <p:spPr>
           <a:xfrm>
-            <a:off x="69116" y="5505618"/>
-            <a:ext cx="9036496" cy="584775"/>
+            <a:off x="251520" y="5505618"/>
+            <a:ext cx="8640960" cy="584775"/>
           </a:xfrm>
           <a:prstGeom prst="rect">
             <a:avLst/>
@@ -5525,7 +5695,7 @@
         </p:nvSpPr>
         <p:spPr>
           <a:xfrm>
-            <a:off x="323528" y="-36675"/>
+            <a:off x="323528" y="188640"/>
             <a:ext cx="8280920" cy="1569660"/>
           </a:xfrm>
           <a:prstGeom prst="rect">
@@ -5540,10 +5710,26 @@
           <a:lstStyle/>
           <a:p>
             <a:r>
-              <a:rPr lang="ru-RU" sz="4800" dirty="0" smtClean="0"/>
+              <a:rPr lang="ru-RU" sz="4800" dirty="0" smtClean="0">
+                <a:effectLst>
+                  <a:outerShdw blurRad="38100" dist="38100" dir="2700000" algn="tl">
+                    <a:srgbClr val="000000">
+                      <a:alpha val="43137"/>
+                    </a:srgbClr>
+                  </a:outerShdw>
+                </a:effectLst>
+              </a:rPr>
               <a:t>Система контроля версий программного кода</a:t>
             </a:r>
-            <a:endParaRPr lang="ru-RU" sz="4800" dirty="0"/>
+            <a:endParaRPr lang="ru-RU" sz="4800" dirty="0">
+              <a:effectLst>
+                <a:outerShdw blurRad="38100" dist="38100" dir="2700000" algn="tl">
+                  <a:srgbClr val="000000">
+                    <a:alpha val="43137"/>
+                  </a:srgbClr>
+                </a:outerShdw>
+              </a:effectLst>
+            </a:endParaRPr>
           </a:p>
         </p:txBody>
       </p:sp>
@@ -5710,10 +5896,26 @@
           <a:lstStyle/>
           <a:p>
             <a:r>
-              <a:rPr lang="ru-RU" sz="4800" dirty="0" smtClean="0"/>
+              <a:rPr lang="ru-RU" sz="4800" dirty="0" smtClean="0">
+                <a:effectLst>
+                  <a:outerShdw blurRad="38100" dist="38100" dir="2700000" algn="tl">
+                    <a:srgbClr val="000000">
+                      <a:alpha val="43137"/>
+                    </a:srgbClr>
+                  </a:outerShdw>
+                </a:effectLst>
+              </a:rPr>
               <a:t>Вспомогательные средства</a:t>
             </a:r>
-            <a:endParaRPr lang="ru-RU" sz="4800" dirty="0"/>
+            <a:endParaRPr lang="ru-RU" sz="4800" dirty="0">
+              <a:effectLst>
+                <a:outerShdw blurRad="38100" dist="38100" dir="2700000" algn="tl">
+                  <a:srgbClr val="000000">
+                    <a:alpha val="43137"/>
+                  </a:srgbClr>
+                </a:outerShdw>
+              </a:effectLst>
+            </a:endParaRPr>
           </a:p>
         </p:txBody>
       </p:sp>
@@ -5863,22 +6065,26 @@
             <a:pPr algn="ctr"/>
             <a:r>
               <a:rPr lang="ru-RU" sz="4800" dirty="0" smtClean="0">
-                <a:solidFill>
-                  <a:schemeClr val="tx2">
-                    <a:lumMod val="25000"/>
-                  </a:schemeClr>
-                </a:solidFill>
+                <a:effectLst>
+                  <a:outerShdw blurRad="38100" dist="38100" dir="2700000" algn="tl">
+                    <a:srgbClr val="000000">
+                      <a:alpha val="43137"/>
+                    </a:srgbClr>
+                  </a:outerShdw>
+                </a:effectLst>
                 <a:latin typeface="Calibri" pitchFamily="34" charset="0"/>
                 <a:cs typeface="Calibri" pitchFamily="34" charset="0"/>
               </a:rPr>
               <a:t>Архитектура веб-приложения</a:t>
             </a:r>
             <a:endParaRPr lang="ru-RU" sz="4800" dirty="0">
-              <a:solidFill>
-                <a:schemeClr val="tx2">
-                  <a:lumMod val="25000"/>
-                </a:schemeClr>
-              </a:solidFill>
+              <a:effectLst>
+                <a:outerShdw blurRad="38100" dist="38100" dir="2700000" algn="tl">
+                  <a:srgbClr val="000000">
+                    <a:alpha val="43137"/>
+                  </a:srgbClr>
+                </a:outerShdw>
+              </a:effectLst>
               <a:latin typeface="Calibri" pitchFamily="34" charset="0"/>
               <a:cs typeface="Calibri" pitchFamily="34" charset="0"/>
             </a:endParaRPr>
@@ -5894,7 +6100,7 @@
           <p:nvPr>
             <p:extLst>
               <p:ext uri="{D42A27DB-BD31-4B8C-83A1-F6EECF244321}">
-                <p14:modId xmlns:p14="http://schemas.microsoft.com/office/powerpoint/2010/main" val="1641133425"/>
+                <p14:modId xmlns:p14="http://schemas.microsoft.com/office/powerpoint/2010/main" val="3163758457"/>
               </p:ext>
             </p:extLst>
           </p:nvPr>
@@ -5907,7 +6113,7 @@
           <a:graphicData uri="http://schemas.openxmlformats.org/presentationml/2006/ole">
             <mc:AlternateContent xmlns:mc="http://schemas.openxmlformats.org/markup-compatibility/2006">
               <mc:Choice xmlns:v="urn:schemas-microsoft-com:vml" Requires="v">
-                <p:oleObj spid="_x0000_s15370" name="Visio" r:id="rId3" imgW="4714900" imgH="3406320" progId="Visio.Drawing.11">
+                <p:oleObj spid="_x0000_s15386" name="Visio" r:id="rId3" imgW="4714900" imgH="3406320" progId="Visio.Drawing.11">
                   <p:embed/>
                 </p:oleObj>
               </mc:Choice>
@@ -5951,7 +6157,7 @@
           <p:nvPr>
             <p:extLst>
               <p:ext uri="{D42A27DB-BD31-4B8C-83A1-F6EECF244321}">
-                <p14:modId xmlns:p14="http://schemas.microsoft.com/office/powerpoint/2010/main" val="353098211"/>
+                <p14:modId xmlns:p14="http://schemas.microsoft.com/office/powerpoint/2010/main" val="622919475"/>
               </p:ext>
             </p:extLst>
           </p:nvPr>
@@ -5964,7 +6170,7 @@
           <a:graphicData uri="http://schemas.openxmlformats.org/presentationml/2006/ole">
             <mc:AlternateContent xmlns:mc="http://schemas.openxmlformats.org/markup-compatibility/2006">
               <mc:Choice xmlns:v="urn:schemas-microsoft-com:vml" Requires="v">
-                <p:oleObj spid="_x0000_s15371" name="Visio" r:id="rId5" imgW="3455000" imgH="3946320" progId="Visio.Drawing.11">
+                <p:oleObj spid="_x0000_s15387" name="Visio" r:id="rId5" imgW="3455000" imgH="3946320" progId="Visio.Drawing.11">
                   <p:embed/>
                 </p:oleObj>
               </mc:Choice>
@@ -6024,22 +6230,12 @@
             <a:pPr algn="ctr"/>
             <a:r>
               <a:rPr lang="en-US" sz="3600" dirty="0" smtClean="0">
-                <a:solidFill>
-                  <a:schemeClr val="tx2">
-                    <a:lumMod val="25000"/>
-                  </a:schemeClr>
-                </a:solidFill>
                 <a:latin typeface="Calibri" pitchFamily="34" charset="0"/>
                 <a:cs typeface="Calibri" pitchFamily="34" charset="0"/>
               </a:rPr>
               <a:t>MVC</a:t>
             </a:r>
             <a:endParaRPr lang="ru-RU" sz="3600" dirty="0">
-              <a:solidFill>
-                <a:schemeClr val="tx2">
-                  <a:lumMod val="25000"/>
-                </a:schemeClr>
-              </a:solidFill>
               <a:latin typeface="Calibri" pitchFamily="34" charset="0"/>
               <a:cs typeface="Calibri" pitchFamily="34" charset="0"/>
             </a:endParaRPr>
@@ -6071,22 +6267,12 @@
             <a:pPr algn="ctr"/>
             <a:r>
               <a:rPr lang="en-US" sz="3600" dirty="0" smtClean="0">
-                <a:solidFill>
-                  <a:schemeClr val="tx2">
-                    <a:lumMod val="25000"/>
-                  </a:schemeClr>
-                </a:solidFill>
                 <a:latin typeface="Calibri" pitchFamily="34" charset="0"/>
                 <a:cs typeface="Calibri" pitchFamily="34" charset="0"/>
               </a:rPr>
               <a:t>MVP</a:t>
             </a:r>
             <a:endParaRPr lang="ru-RU" sz="3600" dirty="0">
-              <a:solidFill>
-                <a:schemeClr val="tx2">
-                  <a:lumMod val="25000"/>
-                </a:schemeClr>
-              </a:solidFill>
               <a:latin typeface="Calibri" pitchFamily="34" charset="0"/>
               <a:cs typeface="Calibri" pitchFamily="34" charset="0"/>
             </a:endParaRPr>
@@ -6357,22 +6543,26 @@
           <a:p>
             <a:r>
               <a:rPr lang="ru-RU" sz="4800" dirty="0" smtClean="0">
-                <a:solidFill>
-                  <a:schemeClr val="tx2">
-                    <a:lumMod val="25000"/>
-                  </a:schemeClr>
-                </a:solidFill>
+                <a:effectLst>
+                  <a:outerShdw blurRad="38100" dist="38100" dir="2700000" algn="tl">
+                    <a:srgbClr val="000000">
+                      <a:alpha val="43137"/>
+                    </a:srgbClr>
+                  </a:outerShdw>
+                </a:effectLst>
                 <a:latin typeface="Calibri" pitchFamily="34" charset="0"/>
                 <a:cs typeface="Calibri" pitchFamily="34" charset="0"/>
               </a:rPr>
               <a:t>Архитектура веб-приложения</a:t>
             </a:r>
             <a:endParaRPr lang="ru-RU" sz="4800" dirty="0">
-              <a:solidFill>
-                <a:schemeClr val="tx2">
-                  <a:lumMod val="25000"/>
-                </a:schemeClr>
-              </a:solidFill>
+              <a:effectLst>
+                <a:outerShdw blurRad="38100" dist="38100" dir="2700000" algn="tl">
+                  <a:srgbClr val="000000">
+                    <a:alpha val="43137"/>
+                  </a:srgbClr>
+                </a:outerShdw>
+              </a:effectLst>
               <a:latin typeface="Calibri" pitchFamily="34" charset="0"/>
               <a:cs typeface="Calibri" pitchFamily="34" charset="0"/>
             </a:endParaRPr>
@@ -6388,7 +6578,7 @@
           <p:nvPr>
             <p:extLst>
               <p:ext uri="{D42A27DB-BD31-4B8C-83A1-F6EECF244321}">
-                <p14:modId xmlns:p14="http://schemas.microsoft.com/office/powerpoint/2010/main" val="3656824706"/>
+                <p14:modId xmlns:p14="http://schemas.microsoft.com/office/powerpoint/2010/main" val="3094038730"/>
               </p:ext>
             </p:extLst>
           </p:nvPr>
@@ -6401,7 +6591,7 @@
           <a:graphicData uri="http://schemas.openxmlformats.org/presentationml/2006/ole">
             <mc:AlternateContent xmlns:mc="http://schemas.openxmlformats.org/markup-compatibility/2006">
               <mc:Choice xmlns:v="urn:schemas-microsoft-com:vml" Requires="v">
-                <p:oleObj spid="_x0000_s16390" name="Visio" r:id="rId3" imgW="7234971" imgH="5531760" progId="Visio.Drawing.11">
+                <p:oleObj spid="_x0000_s16398" name="Visio" r:id="rId3" imgW="7234971" imgH="5531760" progId="Visio.Drawing.11">
                   <p:embed/>
                 </p:oleObj>
               </mc:Choice>
@@ -6460,11 +6650,6 @@
           <a:p>
             <a:r>
               <a:rPr lang="ru-RU" sz="3600" dirty="0" smtClean="0">
-                <a:solidFill>
-                  <a:schemeClr val="tx2">
-                    <a:lumMod val="25000"/>
-                  </a:schemeClr>
-                </a:solidFill>
                 <a:latin typeface="Calibri" pitchFamily="34" charset="0"/>
                 <a:cs typeface="Calibri" pitchFamily="34" charset="0"/>
               </a:rPr>
@@ -6474,22 +6659,12 @@
           <a:p>
             <a:r>
               <a:rPr lang="ru-RU" sz="3600" dirty="0" smtClean="0">
-                <a:solidFill>
-                  <a:schemeClr val="tx2">
-                    <a:lumMod val="25000"/>
-                  </a:schemeClr>
-                </a:solidFill>
                 <a:latin typeface="Calibri" pitchFamily="34" charset="0"/>
                 <a:cs typeface="Calibri" pitchFamily="34" charset="0"/>
               </a:rPr>
               <a:t>схема</a:t>
             </a:r>
             <a:endParaRPr lang="ru-RU" sz="3600" dirty="0">
-              <a:solidFill>
-                <a:schemeClr val="tx2">
-                  <a:lumMod val="25000"/>
-                </a:schemeClr>
-              </a:solidFill>
               <a:latin typeface="Calibri" pitchFamily="34" charset="0"/>
               <a:cs typeface="Calibri" pitchFamily="34" charset="0"/>
             </a:endParaRPr>
@@ -6557,11 +6732,13 @@
           <a:p>
             <a:r>
               <a:rPr lang="ru-RU" sz="4800" dirty="0" smtClean="0">
-                <a:solidFill>
-                  <a:schemeClr val="tx2">
-                    <a:lumMod val="25000"/>
-                  </a:schemeClr>
-                </a:solidFill>
+                <a:effectLst>
+                  <a:outerShdw blurRad="38100" dist="38100" dir="2700000" algn="tl">
+                    <a:srgbClr val="000000">
+                      <a:alpha val="43137"/>
+                    </a:srgbClr>
+                  </a:outerShdw>
+                </a:effectLst>
                 <a:latin typeface="Calibri" pitchFamily="34" charset="0"/>
                 <a:cs typeface="Calibri" pitchFamily="34" charset="0"/>
               </a:rPr>
@@ -6569,22 +6746,26 @@
             </a:r>
             <a:r>
               <a:rPr lang="en-US" sz="4800" dirty="0" smtClean="0">
-                <a:solidFill>
-                  <a:schemeClr val="tx2">
-                    <a:lumMod val="25000"/>
-                  </a:schemeClr>
-                </a:solidFill>
+                <a:effectLst>
+                  <a:outerShdw blurRad="38100" dist="38100" dir="2700000" algn="tl">
+                    <a:srgbClr val="000000">
+                      <a:alpha val="43137"/>
+                    </a:srgbClr>
+                  </a:outerShdw>
+                </a:effectLst>
                 <a:latin typeface="Calibri" pitchFamily="34" charset="0"/>
                 <a:cs typeface="Calibri" pitchFamily="34" charset="0"/>
               </a:rPr>
               <a:t>CMS:</a:t>
             </a:r>
             <a:endParaRPr lang="ru-RU" sz="4800" dirty="0">
-              <a:solidFill>
-                <a:schemeClr val="tx2">
-                  <a:lumMod val="25000"/>
-                </a:schemeClr>
-              </a:solidFill>
+              <a:effectLst>
+                <a:outerShdw blurRad="38100" dist="38100" dir="2700000" algn="tl">
+                  <a:srgbClr val="000000">
+                    <a:alpha val="43137"/>
+                  </a:srgbClr>
+                </a:outerShdw>
+              </a:effectLst>
               <a:latin typeface="Calibri" pitchFamily="34" charset="0"/>
               <a:cs typeface="Calibri" pitchFamily="34" charset="0"/>
             </a:endParaRPr>
@@ -6622,11 +6803,6 @@
             </a:pPr>
             <a:r>
               <a:rPr lang="ru-RU" sz="3600" dirty="0" smtClean="0">
-                <a:solidFill>
-                  <a:schemeClr val="tx2">
-                    <a:lumMod val="25000"/>
-                  </a:schemeClr>
-                </a:solidFill>
                 <a:latin typeface="Calibri" pitchFamily="34" charset="0"/>
                 <a:cs typeface="Calibri" pitchFamily="34" charset="0"/>
               </a:rPr>
@@ -6643,11 +6819,6 @@
             </a:pPr>
             <a:r>
               <a:rPr lang="ru-RU" sz="3600" dirty="0" smtClean="0">
-                <a:solidFill>
-                  <a:schemeClr val="tx2">
-                    <a:lumMod val="25000"/>
-                  </a:schemeClr>
-                </a:solidFill>
                 <a:latin typeface="Calibri" pitchFamily="34" charset="0"/>
                 <a:cs typeface="Calibri" pitchFamily="34" charset="0"/>
               </a:rPr>
@@ -6664,11 +6835,6 @@
             </a:pPr>
             <a:r>
               <a:rPr lang="ru-RU" sz="3600" dirty="0" smtClean="0">
-                <a:solidFill>
-                  <a:schemeClr val="tx2">
-                    <a:lumMod val="25000"/>
-                  </a:schemeClr>
-                </a:solidFill>
                 <a:latin typeface="Calibri" pitchFamily="34" charset="0"/>
                 <a:cs typeface="Calibri" pitchFamily="34" charset="0"/>
               </a:rPr>
@@ -6685,11 +6851,6 @@
             </a:pPr>
             <a:r>
               <a:rPr lang="ru-RU" sz="3600" dirty="0" smtClean="0">
-                <a:solidFill>
-                  <a:schemeClr val="tx2">
-                    <a:lumMod val="25000"/>
-                  </a:schemeClr>
-                </a:solidFill>
                 <a:latin typeface="Calibri" pitchFamily="34" charset="0"/>
                 <a:cs typeface="Calibri" pitchFamily="34" charset="0"/>
               </a:rPr>
@@ -6759,22 +6920,26 @@
           <a:p>
             <a:r>
               <a:rPr lang="ru-RU" sz="4800" dirty="0" smtClean="0">
-                <a:solidFill>
-                  <a:schemeClr val="tx2">
-                    <a:lumMod val="25000"/>
-                  </a:schemeClr>
-                </a:solidFill>
+                <a:effectLst>
+                  <a:outerShdw blurRad="38100" dist="38100" dir="2700000" algn="tl">
+                    <a:srgbClr val="000000">
+                      <a:alpha val="43137"/>
+                    </a:srgbClr>
+                  </a:outerShdw>
+                </a:effectLst>
                 <a:latin typeface="Calibri" pitchFamily="34" charset="0"/>
                 <a:cs typeface="Calibri" pitchFamily="34" charset="0"/>
               </a:rPr>
               <a:t>Архитектура веб-приложения</a:t>
             </a:r>
             <a:endParaRPr lang="ru-RU" sz="4800" dirty="0">
-              <a:solidFill>
-                <a:schemeClr val="tx2">
-                  <a:lumMod val="25000"/>
-                </a:schemeClr>
-              </a:solidFill>
+              <a:effectLst>
+                <a:outerShdw blurRad="38100" dist="38100" dir="2700000" algn="tl">
+                  <a:srgbClr val="000000">
+                    <a:alpha val="43137"/>
+                  </a:srgbClr>
+                </a:outerShdw>
+              </a:effectLst>
               <a:latin typeface="Calibri" pitchFamily="34" charset="0"/>
               <a:cs typeface="Calibri" pitchFamily="34" charset="0"/>
             </a:endParaRPr>
@@ -6805,22 +6970,12 @@
           <a:p>
             <a:r>
               <a:rPr lang="ru-RU" sz="3600" dirty="0" smtClean="0">
-                <a:solidFill>
-                  <a:schemeClr val="tx2">
-                    <a:lumMod val="25000"/>
-                  </a:schemeClr>
-                </a:solidFill>
                 <a:latin typeface="Calibri" pitchFamily="34" charset="0"/>
                 <a:cs typeface="Calibri" pitchFamily="34" charset="0"/>
               </a:rPr>
               <a:t>Распределенная схема</a:t>
             </a:r>
             <a:endParaRPr lang="ru-RU" sz="3600" dirty="0">
-              <a:solidFill>
-                <a:schemeClr val="tx2">
-                  <a:lumMod val="25000"/>
-                </a:schemeClr>
-              </a:solidFill>
               <a:latin typeface="Calibri" pitchFamily="34" charset="0"/>
               <a:cs typeface="Calibri" pitchFamily="34" charset="0"/>
             </a:endParaRPr>
@@ -6836,7 +6991,7 @@
           <p:nvPr>
             <p:extLst>
               <p:ext uri="{D42A27DB-BD31-4B8C-83A1-F6EECF244321}">
-                <p14:modId xmlns:p14="http://schemas.microsoft.com/office/powerpoint/2010/main" val="3427758103"/>
+                <p14:modId xmlns:p14="http://schemas.microsoft.com/office/powerpoint/2010/main" val="1532069232"/>
               </p:ext>
             </p:extLst>
           </p:nvPr>
@@ -6849,7 +7004,7 @@
           <a:graphicData uri="http://schemas.openxmlformats.org/presentationml/2006/ole">
             <mc:AlternateContent xmlns:mc="http://schemas.openxmlformats.org/markup-compatibility/2006">
               <mc:Choice xmlns:v="urn:schemas-microsoft-com:vml" Requires="v">
-                <p:oleObj spid="_x0000_s17414" name="Visio" r:id="rId3" imgW="7954875" imgH="3843720" progId="Visio.Drawing.11">
+                <p:oleObj spid="_x0000_s17422" name="Visio" r:id="rId3" imgW="7954875" imgH="3843720" progId="Visio.Drawing.11">
                   <p:embed/>
                 </p:oleObj>
               </mc:Choice>
@@ -6945,22 +7100,26 @@
           <a:p>
             <a:r>
               <a:rPr lang="ru-RU" sz="4800" dirty="0" smtClean="0">
-                <a:solidFill>
-                  <a:schemeClr val="tx2">
-                    <a:lumMod val="25000"/>
-                  </a:schemeClr>
-                </a:solidFill>
+                <a:effectLst>
+                  <a:outerShdw blurRad="38100" dist="38100" dir="2700000" algn="tl">
+                    <a:srgbClr val="000000">
+                      <a:alpha val="43137"/>
+                    </a:srgbClr>
+                  </a:outerShdw>
+                </a:effectLst>
                 <a:latin typeface="Calibri" pitchFamily="34" charset="0"/>
                 <a:cs typeface="Calibri" pitchFamily="34" charset="0"/>
               </a:rPr>
               <a:t>Архитектура веб-приложения</a:t>
             </a:r>
             <a:endParaRPr lang="ru-RU" sz="4800" dirty="0">
-              <a:solidFill>
-                <a:schemeClr val="tx2">
-                  <a:lumMod val="25000"/>
-                </a:schemeClr>
-              </a:solidFill>
+              <a:effectLst>
+                <a:outerShdw blurRad="38100" dist="38100" dir="2700000" algn="tl">
+                  <a:srgbClr val="000000">
+                    <a:alpha val="43137"/>
+                  </a:srgbClr>
+                </a:outerShdw>
+              </a:effectLst>
               <a:latin typeface="Calibri" pitchFamily="34" charset="0"/>
               <a:cs typeface="Calibri" pitchFamily="34" charset="0"/>
             </a:endParaRPr>
@@ -6991,22 +7150,12 @@
           <a:p>
             <a:r>
               <a:rPr lang="ru-RU" sz="3600" dirty="0" smtClean="0">
-                <a:solidFill>
-                  <a:schemeClr val="tx2">
-                    <a:lumMod val="25000"/>
-                  </a:schemeClr>
-                </a:solidFill>
                 <a:latin typeface="Calibri" pitchFamily="34" charset="0"/>
                 <a:cs typeface="Calibri" pitchFamily="34" charset="0"/>
               </a:rPr>
               <a:t>Модульная схема</a:t>
             </a:r>
             <a:endParaRPr lang="ru-RU" sz="3600" dirty="0">
-              <a:solidFill>
-                <a:schemeClr val="tx2">
-                  <a:lumMod val="25000"/>
-                </a:schemeClr>
-              </a:solidFill>
               <a:latin typeface="Calibri" pitchFamily="34" charset="0"/>
               <a:cs typeface="Calibri" pitchFamily="34" charset="0"/>
             </a:endParaRPr>
@@ -7022,7 +7171,7 @@
           <p:nvPr>
             <p:extLst>
               <p:ext uri="{D42A27DB-BD31-4B8C-83A1-F6EECF244321}">
-                <p14:modId xmlns:p14="http://schemas.microsoft.com/office/powerpoint/2010/main" val="2870794601"/>
+                <p14:modId xmlns:p14="http://schemas.microsoft.com/office/powerpoint/2010/main" val="3652050747"/>
               </p:ext>
             </p:extLst>
           </p:nvPr>
@@ -7035,7 +7184,7 @@
           <a:graphicData uri="http://schemas.openxmlformats.org/presentationml/2006/ole">
             <mc:AlternateContent xmlns:mc="http://schemas.openxmlformats.org/markup-compatibility/2006">
               <mc:Choice xmlns:v="urn:schemas-microsoft-com:vml" Requires="v">
-                <p:oleObj spid="_x0000_s19461" name="Visio" r:id="rId3" imgW="8675049" imgH="4026240" progId="Visio.Drawing.11">
+                <p:oleObj spid="_x0000_s19469" name="Visio" r:id="rId3" imgW="8675049" imgH="4026240" progId="Visio.Drawing.11">
                   <p:embed/>
                 </p:oleObj>
               </mc:Choice>
@@ -7130,10 +7279,26 @@
           <a:lstStyle/>
           <a:p>
             <a:r>
-              <a:rPr lang="ru-RU" sz="4800" dirty="0" smtClean="0"/>
+              <a:rPr lang="ru-RU" sz="4800" dirty="0" smtClean="0">
+                <a:effectLst>
+                  <a:outerShdw blurRad="38100" dist="38100" dir="2700000" algn="tl">
+                    <a:srgbClr val="000000">
+                      <a:alpha val="43137"/>
+                    </a:srgbClr>
+                  </a:outerShdw>
+                </a:effectLst>
+              </a:rPr>
               <a:t>Логическое проектирование базы данных</a:t>
             </a:r>
-            <a:endParaRPr lang="ru-RU" sz="4800" dirty="0"/>
+            <a:endParaRPr lang="ru-RU" sz="4800" dirty="0">
+              <a:effectLst>
+                <a:outerShdw blurRad="38100" dist="38100" dir="2700000" algn="tl">
+                  <a:srgbClr val="000000">
+                    <a:alpha val="43137"/>
+                  </a:srgbClr>
+                </a:outerShdw>
+              </a:effectLst>
+            </a:endParaRPr>
           </a:p>
         </p:txBody>
       </p:sp>
@@ -7291,10 +7456,26 @@
           <a:lstStyle/>
           <a:p>
             <a:r>
-              <a:rPr lang="ru-RU" sz="4800" dirty="0" smtClean="0"/>
+              <a:rPr lang="ru-RU" sz="4800" dirty="0" smtClean="0">
+                <a:effectLst>
+                  <a:outerShdw blurRad="38100" dist="38100" dir="2700000" algn="tl">
+                    <a:srgbClr val="000000">
+                      <a:alpha val="43137"/>
+                    </a:srgbClr>
+                  </a:outerShdw>
+                </a:effectLst>
+              </a:rPr>
               <a:t>Физическое проектирование базы данных</a:t>
             </a:r>
-            <a:endParaRPr lang="ru-RU" sz="4800" dirty="0"/>
+            <a:endParaRPr lang="ru-RU" sz="4800" dirty="0">
+              <a:effectLst>
+                <a:outerShdw blurRad="38100" dist="38100" dir="2700000" algn="tl">
+                  <a:srgbClr val="000000">
+                    <a:alpha val="43137"/>
+                  </a:srgbClr>
+                </a:outerShdw>
+              </a:effectLst>
+            </a:endParaRPr>
           </a:p>
         </p:txBody>
       </p:sp>
@@ -7551,22 +7732,26 @@
           <a:p>
             <a:r>
               <a:rPr lang="ru-RU" sz="4800" dirty="0" smtClean="0">
-                <a:solidFill>
-                  <a:schemeClr val="tx2">
-                    <a:lumMod val="25000"/>
-                  </a:schemeClr>
-                </a:solidFill>
+                <a:effectLst>
+                  <a:outerShdw blurRad="38100" dist="38100" dir="2700000" algn="tl">
+                    <a:srgbClr val="000000">
+                      <a:alpha val="43137"/>
+                    </a:srgbClr>
+                  </a:outerShdw>
+                </a:effectLst>
                 <a:latin typeface="Calibri" pitchFamily="34" charset="0"/>
                 <a:cs typeface="Calibri" pitchFamily="34" charset="0"/>
               </a:rPr>
               <a:t>Модули веб-приложения</a:t>
             </a:r>
             <a:endParaRPr lang="ru-RU" sz="4800" dirty="0">
-              <a:solidFill>
-                <a:schemeClr val="tx2">
-                  <a:lumMod val="25000"/>
-                </a:schemeClr>
-              </a:solidFill>
+              <a:effectLst>
+                <a:outerShdw blurRad="38100" dist="38100" dir="2700000" algn="tl">
+                  <a:srgbClr val="000000">
+                    <a:alpha val="43137"/>
+                  </a:srgbClr>
+                </a:outerShdw>
+              </a:effectLst>
               <a:latin typeface="Calibri" pitchFamily="34" charset="0"/>
               <a:cs typeface="Calibri" pitchFamily="34" charset="0"/>
             </a:endParaRPr>
@@ -7597,22 +7782,12 @@
           <a:p>
             <a:r>
               <a:rPr lang="ru-RU" sz="3600" dirty="0" smtClean="0">
-                <a:solidFill>
-                  <a:schemeClr val="tx2">
-                    <a:lumMod val="25000"/>
-                  </a:schemeClr>
-                </a:solidFill>
                 <a:latin typeface="Calibri" pitchFamily="34" charset="0"/>
                 <a:cs typeface="Calibri" pitchFamily="34" charset="0"/>
               </a:rPr>
               <a:t>Модуль навигации «Хлебные крошки»</a:t>
             </a:r>
             <a:endParaRPr lang="ru-RU" sz="3600" dirty="0">
-              <a:solidFill>
-                <a:schemeClr val="tx2">
-                  <a:lumMod val="25000"/>
-                </a:schemeClr>
-              </a:solidFill>
               <a:latin typeface="Calibri" pitchFamily="34" charset="0"/>
               <a:cs typeface="Calibri" pitchFamily="34" charset="0"/>
             </a:endParaRPr>
@@ -7706,22 +7881,12 @@
             <a:pPr algn="r"/>
             <a:r>
               <a:rPr lang="en-US" sz="3600" dirty="0" err="1" smtClean="0">
-                <a:solidFill>
-                  <a:schemeClr val="tx2">
-                    <a:lumMod val="25000"/>
-                  </a:schemeClr>
-                </a:solidFill>
                 <a:latin typeface="Consolas" pitchFamily="49" charset="0"/>
                 <a:cs typeface="Consolas" pitchFamily="49" charset="0"/>
               </a:rPr>
               <a:t>bread_crumbs.php</a:t>
             </a:r>
             <a:endParaRPr lang="en-US" sz="3600" dirty="0" smtClean="0">
-              <a:solidFill>
-                <a:schemeClr val="tx2">
-                  <a:lumMod val="25000"/>
-                </a:schemeClr>
-              </a:solidFill>
               <a:latin typeface="Consolas" pitchFamily="49" charset="0"/>
               <a:cs typeface="Consolas" pitchFamily="49" charset="0"/>
             </a:endParaRPr>
@@ -7730,22 +7895,12 @@
             <a:pPr algn="r"/>
             <a:r>
               <a:rPr lang="en-US" sz="3600" dirty="0" err="1" smtClean="0">
-                <a:solidFill>
-                  <a:schemeClr val="tx2">
-                    <a:lumMod val="25000"/>
-                  </a:schemeClr>
-                </a:solidFill>
                 <a:latin typeface="Consolas" pitchFamily="49" charset="0"/>
                 <a:cs typeface="Consolas" pitchFamily="49" charset="0"/>
               </a:rPr>
               <a:t>nav-item.tpl</a:t>
             </a:r>
             <a:endParaRPr lang="ru-RU" sz="3600" dirty="0">
-              <a:solidFill>
-                <a:schemeClr val="tx2">
-                  <a:lumMod val="25000"/>
-                </a:schemeClr>
-              </a:solidFill>
               <a:latin typeface="Consolas" pitchFamily="49" charset="0"/>
               <a:cs typeface="Consolas" pitchFamily="49" charset="0"/>
             </a:endParaRPr>
@@ -7776,22 +7931,12 @@
           <a:p>
             <a:r>
               <a:rPr lang="ru-RU" sz="3600" dirty="0" smtClean="0">
-                <a:solidFill>
-                  <a:schemeClr val="tx2">
-                    <a:lumMod val="25000"/>
-                  </a:schemeClr>
-                </a:solidFill>
                 <a:latin typeface="Calibri" pitchFamily="34" charset="0"/>
                 <a:cs typeface="Calibri" pitchFamily="34" charset="0"/>
               </a:rPr>
               <a:t>Модуль авторизации</a:t>
             </a:r>
             <a:endParaRPr lang="ru-RU" sz="3600" dirty="0">
-              <a:solidFill>
-                <a:schemeClr val="tx2">
-                  <a:lumMod val="25000"/>
-                </a:schemeClr>
-              </a:solidFill>
               <a:latin typeface="Calibri" pitchFamily="34" charset="0"/>
               <a:cs typeface="Calibri" pitchFamily="34" charset="0"/>
             </a:endParaRPr>
@@ -7951,22 +8096,12 @@
             <a:pPr algn="r"/>
             <a:r>
               <a:rPr lang="ru-RU" sz="3600" dirty="0" err="1" smtClean="0">
-                <a:solidFill>
-                  <a:schemeClr val="tx2">
-                    <a:lumMod val="25000"/>
-                  </a:schemeClr>
-                </a:solidFill>
                 <a:latin typeface="Consolas" pitchFamily="49" charset="0"/>
                 <a:cs typeface="Consolas" pitchFamily="49" charset="0"/>
               </a:rPr>
               <a:t>log_reg.php</a:t>
             </a:r>
             <a:endParaRPr lang="ru-RU" sz="3600" dirty="0">
-              <a:solidFill>
-                <a:schemeClr val="tx2">
-                  <a:lumMod val="25000"/>
-                </a:schemeClr>
-              </a:solidFill>
               <a:latin typeface="Consolas" pitchFamily="49" charset="0"/>
               <a:cs typeface="Consolas" pitchFamily="49" charset="0"/>
             </a:endParaRPr>
@@ -7975,22 +8110,12 @@
             <a:pPr algn="r"/>
             <a:r>
               <a:rPr lang="ru-RU" sz="3600" dirty="0" err="1">
-                <a:solidFill>
-                  <a:schemeClr val="tx2">
-                    <a:lumMod val="25000"/>
-                  </a:schemeClr>
-                </a:solidFill>
                 <a:latin typeface="Consolas" pitchFamily="49" charset="0"/>
                 <a:cs typeface="Consolas" pitchFamily="49" charset="0"/>
               </a:rPr>
               <a:t>login-hello.tpl</a:t>
             </a:r>
             <a:endParaRPr lang="ru-RU" sz="3600" dirty="0">
-              <a:solidFill>
-                <a:schemeClr val="tx2">
-                  <a:lumMod val="25000"/>
-                </a:schemeClr>
-              </a:solidFill>
               <a:latin typeface="Consolas" pitchFamily="49" charset="0"/>
               <a:cs typeface="Consolas" pitchFamily="49" charset="0"/>
             </a:endParaRPr>
@@ -7999,22 +8124,12 @@
             <a:pPr algn="r"/>
             <a:r>
               <a:rPr lang="ru-RU" sz="3600" dirty="0" err="1" smtClean="0">
-                <a:solidFill>
-                  <a:schemeClr val="tx2">
-                    <a:lumMod val="25000"/>
-                  </a:schemeClr>
-                </a:solidFill>
                 <a:latin typeface="Consolas" pitchFamily="49" charset="0"/>
                 <a:cs typeface="Consolas" pitchFamily="49" charset="0"/>
               </a:rPr>
               <a:t>login-form.tpl</a:t>
             </a:r>
             <a:endParaRPr lang="ru-RU" sz="3600" dirty="0" smtClean="0">
-              <a:solidFill>
-                <a:schemeClr val="tx2">
-                  <a:lumMod val="25000"/>
-                </a:schemeClr>
-              </a:solidFill>
               <a:latin typeface="Consolas" pitchFamily="49" charset="0"/>
               <a:cs typeface="Consolas" pitchFamily="49" charset="0"/>
             </a:endParaRPr>
@@ -8392,22 +8507,26 @@
           <a:p>
             <a:r>
               <a:rPr lang="ru-RU" sz="4800" dirty="0" smtClean="0">
-                <a:solidFill>
-                  <a:schemeClr val="tx2">
-                    <a:lumMod val="25000"/>
-                  </a:schemeClr>
-                </a:solidFill>
+                <a:effectLst>
+                  <a:outerShdw blurRad="38100" dist="38100" dir="2700000" algn="tl">
+                    <a:srgbClr val="000000">
+                      <a:alpha val="43137"/>
+                    </a:srgbClr>
+                  </a:outerShdw>
+                </a:effectLst>
                 <a:latin typeface="Calibri" pitchFamily="34" charset="0"/>
                 <a:cs typeface="Calibri" pitchFamily="34" charset="0"/>
               </a:rPr>
               <a:t>Внешний вид веб-приложения</a:t>
             </a:r>
             <a:endParaRPr lang="ru-RU" sz="4800" dirty="0">
-              <a:solidFill>
-                <a:schemeClr val="tx2">
-                  <a:lumMod val="25000"/>
-                </a:schemeClr>
-              </a:solidFill>
+              <a:effectLst>
+                <a:outerShdw blurRad="38100" dist="38100" dir="2700000" algn="tl">
+                  <a:srgbClr val="000000">
+                    <a:alpha val="43137"/>
+                  </a:srgbClr>
+                </a:outerShdw>
+              </a:effectLst>
               <a:latin typeface="Calibri" pitchFamily="34" charset="0"/>
               <a:cs typeface="Calibri" pitchFamily="34" charset="0"/>
             </a:endParaRPr>
@@ -8441,11 +8560,6 @@
             </a:pPr>
             <a:r>
               <a:rPr lang="ru-RU" sz="3200" dirty="0" smtClean="0">
-                <a:solidFill>
-                  <a:schemeClr val="tx2">
-                    <a:lumMod val="25000"/>
-                  </a:schemeClr>
-                </a:solidFill>
                 <a:latin typeface="Calibri" pitchFamily="34" charset="0"/>
                 <a:cs typeface="Calibri" pitchFamily="34" charset="0"/>
               </a:rPr>
@@ -8458,11 +8572,6 @@
             </a:pPr>
             <a:r>
               <a:rPr lang="ru-RU" sz="3200" dirty="0" smtClean="0">
-                <a:solidFill>
-                  <a:schemeClr val="tx2">
-                    <a:lumMod val="25000"/>
-                  </a:schemeClr>
-                </a:solidFill>
                 <a:latin typeface="Calibri" pitchFamily="34" charset="0"/>
                 <a:cs typeface="Calibri" pitchFamily="34" charset="0"/>
               </a:rPr>
@@ -8474,11 +8583,6 @@
               <a:buAutoNum type="arabicPeriod"/>
             </a:pPr>
             <a:endParaRPr lang="ru-RU" sz="3200" dirty="0">
-              <a:solidFill>
-                <a:schemeClr val="tx2">
-                  <a:lumMod val="25000"/>
-                </a:schemeClr>
-              </a:solidFill>
               <a:latin typeface="Calibri" pitchFamily="34" charset="0"/>
               <a:cs typeface="Calibri" pitchFamily="34" charset="0"/>
             </a:endParaRPr>
@@ -8488,11 +8592,6 @@
               <a:buAutoNum type="arabicPeriod"/>
             </a:pPr>
             <a:endParaRPr lang="ru-RU" sz="3200" dirty="0" smtClean="0">
-              <a:solidFill>
-                <a:schemeClr val="tx2">
-                  <a:lumMod val="25000"/>
-                </a:schemeClr>
-              </a:solidFill>
               <a:latin typeface="Calibri" pitchFamily="34" charset="0"/>
               <a:cs typeface="Calibri" pitchFamily="34" charset="0"/>
             </a:endParaRPr>
@@ -8503,11 +8602,6 @@
             </a:pPr>
             <a:r>
               <a:rPr lang="ru-RU" sz="3200" dirty="0" smtClean="0">
-                <a:solidFill>
-                  <a:schemeClr val="tx2">
-                    <a:lumMod val="25000"/>
-                  </a:schemeClr>
-                </a:solidFill>
                 <a:latin typeface="Calibri" pitchFamily="34" charset="0"/>
                 <a:cs typeface="Calibri" pitchFamily="34" charset="0"/>
               </a:rPr>
@@ -8520,22 +8614,12 @@
             </a:pPr>
             <a:r>
               <a:rPr lang="ru-RU" sz="3200" dirty="0" smtClean="0">
-                <a:solidFill>
-                  <a:schemeClr val="tx2">
-                    <a:lumMod val="25000"/>
-                  </a:schemeClr>
-                </a:solidFill>
                 <a:latin typeface="Calibri" pitchFamily="34" charset="0"/>
                 <a:cs typeface="Calibri" pitchFamily="34" charset="0"/>
               </a:rPr>
               <a:t>Клиентские скрипты</a:t>
             </a:r>
             <a:endParaRPr lang="ru-RU" sz="3200" dirty="0">
-              <a:solidFill>
-                <a:schemeClr val="tx2">
-                  <a:lumMod val="25000"/>
-                </a:schemeClr>
-              </a:solidFill>
               <a:latin typeface="Calibri" pitchFamily="34" charset="0"/>
               <a:cs typeface="Calibri" pitchFamily="34" charset="0"/>
             </a:endParaRPr>
@@ -8551,7 +8635,7 @@
           <p:nvPr>
             <p:extLst>
               <p:ext uri="{D42A27DB-BD31-4B8C-83A1-F6EECF244321}">
-                <p14:modId xmlns:p14="http://schemas.microsoft.com/office/powerpoint/2010/main" val="3432898757"/>
+                <p14:modId xmlns:p14="http://schemas.microsoft.com/office/powerpoint/2010/main" val="453568112"/>
               </p:ext>
             </p:extLst>
           </p:nvPr>
@@ -8564,7 +8648,7 @@
           <a:graphicData uri="http://schemas.openxmlformats.org/presentationml/2006/ole">
             <mc:AlternateContent xmlns:mc="http://schemas.openxmlformats.org/markup-compatibility/2006">
               <mc:Choice xmlns:v="urn:schemas-microsoft-com:vml" Requires="v">
-                <p:oleObj spid="_x0000_s18438" name="Visio" r:id="rId3" imgW="8526746" imgH="4026780" progId="Visio.Drawing.11">
+                <p:oleObj spid="_x0000_s18446" name="Visio" r:id="rId3" imgW="8526746" imgH="4026780" progId="Visio.Drawing.11">
                   <p:embed/>
                 </p:oleObj>
               </mc:Choice>
@@ -8791,16 +8875,61 @@
           <a:lstStyle/>
           <a:p>
             <a:r>
-              <a:rPr lang="ru-RU" sz="4800" dirty="0" smtClean="0"/>
-              <a:t>Проектирование модулей.</a:t>
-            </a:r>
-          </a:p>
-          <a:p>
-            <a:r>
-              <a:rPr lang="ru-RU" sz="3600" dirty="0" smtClean="0"/>
+              <a:rPr lang="ru-RU" sz="4800" dirty="0" smtClean="0">
+                <a:effectLst>
+                  <a:outerShdw blurRad="38100" dist="38100" dir="2700000" algn="tl">
+                    <a:srgbClr val="000000">
+                      <a:alpha val="43137"/>
+                    </a:srgbClr>
+                  </a:outerShdw>
+                </a:effectLst>
+              </a:rPr>
+              <a:t>Проектирование </a:t>
+            </a:r>
+            <a:r>
+              <a:rPr lang="ru-RU" sz="4800" dirty="0" smtClean="0">
+                <a:effectLst>
+                  <a:outerShdw blurRad="38100" dist="38100" dir="2700000" algn="tl">
+                    <a:srgbClr val="000000">
+                      <a:alpha val="43137"/>
+                    </a:srgbClr>
+                  </a:outerShdw>
+                </a:effectLst>
+              </a:rPr>
+              <a:t>модулей</a:t>
+            </a:r>
+            <a:endParaRPr lang="ru-RU" sz="4800" dirty="0" smtClean="0">
+              <a:effectLst>
+                <a:outerShdw blurRad="38100" dist="38100" dir="2700000" algn="tl">
+                  <a:srgbClr val="000000">
+                    <a:alpha val="43137"/>
+                  </a:srgbClr>
+                </a:outerShdw>
+              </a:effectLst>
+            </a:endParaRPr>
+          </a:p>
+          <a:p>
+            <a:r>
+              <a:rPr lang="ru-RU" sz="3600" dirty="0" smtClean="0">
+                <a:effectLst>
+                  <a:outerShdw blurRad="38100" dist="38100" dir="2700000" algn="tl">
+                    <a:srgbClr val="000000">
+                      <a:alpha val="43137"/>
+                    </a:srgbClr>
+                  </a:outerShdw>
+                </a:effectLst>
+              </a:rPr>
               <a:t>Регистрация</a:t>
             </a:r>
-            <a:endParaRPr lang="ru-RU" sz="3600" dirty="0"/>
+            <a:endParaRPr lang="ru-RU" sz="3600" dirty="0">
+              <a:effectLst>
+                <a:outerShdw blurRad="38100" dist="38100" dir="2700000" algn="tl">
+                  <a:srgbClr val="000000">
+                    <a:alpha val="43137"/>
+                  </a:srgbClr>
+                </a:outerShdw>
+              </a:effectLst>
+            </a:endParaRPr>
           </a:p>
         </p:txBody>
       </p:sp>
@@ -9052,16 +9181,61 @@
           <a:lstStyle/>
           <a:p>
             <a:r>
-              <a:rPr lang="ru-RU" sz="4800" dirty="0" smtClean="0"/>
-              <a:t>Проектирование модулей.</a:t>
-            </a:r>
-          </a:p>
-          <a:p>
-            <a:r>
-              <a:rPr lang="ru-RU" sz="3600" dirty="0" smtClean="0"/>
+              <a:rPr lang="ru-RU" sz="4800" dirty="0" smtClean="0">
+                <a:effectLst>
+                  <a:outerShdw blurRad="38100" dist="38100" dir="2700000" algn="tl">
+                    <a:srgbClr val="000000">
+                      <a:alpha val="43137"/>
+                    </a:srgbClr>
+                  </a:outerShdw>
+                </a:effectLst>
+              </a:rPr>
+              <a:t>Проектирование </a:t>
+            </a:r>
+            <a:r>
+              <a:rPr lang="ru-RU" sz="4800" dirty="0" smtClean="0">
+                <a:effectLst>
+                  <a:outerShdw blurRad="38100" dist="38100" dir="2700000" algn="tl">
+                    <a:srgbClr val="000000">
+                      <a:alpha val="43137"/>
+                    </a:srgbClr>
+                  </a:outerShdw>
+                </a:effectLst>
+              </a:rPr>
+              <a:t>модулей</a:t>
+            </a:r>
+            <a:endParaRPr lang="ru-RU" sz="4800" dirty="0" smtClean="0">
+              <a:effectLst>
+                <a:outerShdw blurRad="38100" dist="38100" dir="2700000" algn="tl">
+                  <a:srgbClr val="000000">
+                    <a:alpha val="43137"/>
+                  </a:srgbClr>
+                </a:outerShdw>
+              </a:effectLst>
+            </a:endParaRPr>
+          </a:p>
+          <a:p>
+            <a:r>
+              <a:rPr lang="ru-RU" sz="3600" dirty="0" smtClean="0">
+                <a:effectLst>
+                  <a:outerShdw blurRad="38100" dist="38100" dir="2700000" algn="tl">
+                    <a:srgbClr val="000000">
+                      <a:alpha val="43137"/>
+                    </a:srgbClr>
+                  </a:outerShdw>
+                </a:effectLst>
+              </a:rPr>
               <a:t>Профиль пользователя</a:t>
             </a:r>
-            <a:endParaRPr lang="ru-RU" sz="3600" dirty="0"/>
+            <a:endParaRPr lang="ru-RU" sz="3600" dirty="0">
+              <a:effectLst>
+                <a:outerShdw blurRad="38100" dist="38100" dir="2700000" algn="tl">
+                  <a:srgbClr val="000000">
+                    <a:alpha val="43137"/>
+                  </a:srgbClr>
+                </a:outerShdw>
+              </a:effectLst>
+            </a:endParaRPr>
           </a:p>
         </p:txBody>
       </p:sp>
@@ -9253,16 +9427,61 @@
           <a:lstStyle/>
           <a:p>
             <a:r>
-              <a:rPr lang="ru-RU" sz="4800" dirty="0" smtClean="0"/>
-              <a:t>Проектирование модулей.</a:t>
-            </a:r>
-          </a:p>
-          <a:p>
-            <a:r>
-              <a:rPr lang="ru-RU" sz="3600" dirty="0" smtClean="0"/>
+              <a:rPr lang="ru-RU" sz="4800" dirty="0" smtClean="0">
+                <a:effectLst>
+                  <a:outerShdw blurRad="38100" dist="38100" dir="2700000" algn="tl">
+                    <a:srgbClr val="000000">
+                      <a:alpha val="43137"/>
+                    </a:srgbClr>
+                  </a:outerShdw>
+                </a:effectLst>
+              </a:rPr>
+              <a:t>Проектирование </a:t>
+            </a:r>
+            <a:r>
+              <a:rPr lang="ru-RU" sz="4800" dirty="0" smtClean="0">
+                <a:effectLst>
+                  <a:outerShdw blurRad="38100" dist="38100" dir="2700000" algn="tl">
+                    <a:srgbClr val="000000">
+                      <a:alpha val="43137"/>
+                    </a:srgbClr>
+                  </a:outerShdw>
+                </a:effectLst>
+              </a:rPr>
+              <a:t>модулей</a:t>
+            </a:r>
+            <a:endParaRPr lang="ru-RU" sz="4800" dirty="0" smtClean="0">
+              <a:effectLst>
+                <a:outerShdw blurRad="38100" dist="38100" dir="2700000" algn="tl">
+                  <a:srgbClr val="000000">
+                    <a:alpha val="43137"/>
+                  </a:srgbClr>
+                </a:outerShdw>
+              </a:effectLst>
+            </a:endParaRPr>
+          </a:p>
+          <a:p>
+            <a:r>
+              <a:rPr lang="ru-RU" sz="3600" dirty="0" smtClean="0">
+                <a:effectLst>
+                  <a:outerShdw blurRad="38100" dist="38100" dir="2700000" algn="tl">
+                    <a:srgbClr val="000000">
+                      <a:alpha val="43137"/>
+                    </a:srgbClr>
+                  </a:outerShdw>
+                </a:effectLst>
+              </a:rPr>
               <a:t>Список категорий</a:t>
             </a:r>
-            <a:endParaRPr lang="ru-RU" sz="3600" dirty="0"/>
+            <a:endParaRPr lang="ru-RU" sz="3600" dirty="0">
+              <a:effectLst>
+                <a:outerShdw blurRad="38100" dist="38100" dir="2700000" algn="tl">
+                  <a:srgbClr val="000000">
+                    <a:alpha val="43137"/>
+                  </a:srgbClr>
+                </a:outerShdw>
+              </a:effectLst>
+            </a:endParaRPr>
           </a:p>
         </p:txBody>
       </p:sp>
@@ -9390,16 +9609,61 @@
           <a:lstStyle/>
           <a:p>
             <a:r>
-              <a:rPr lang="ru-RU" sz="4800" dirty="0" smtClean="0"/>
-              <a:t>Проектирование модулей.</a:t>
-            </a:r>
-          </a:p>
-          <a:p>
-            <a:r>
-              <a:rPr lang="ru-RU" sz="3600" dirty="0" smtClean="0"/>
+              <a:rPr lang="ru-RU" sz="4800" dirty="0" smtClean="0">
+                <a:effectLst>
+                  <a:outerShdw blurRad="38100" dist="38100" dir="2700000" algn="tl">
+                    <a:srgbClr val="000000">
+                      <a:alpha val="43137"/>
+                    </a:srgbClr>
+                  </a:outerShdw>
+                </a:effectLst>
+              </a:rPr>
+              <a:t>Проектирование </a:t>
+            </a:r>
+            <a:r>
+              <a:rPr lang="ru-RU" sz="4800" dirty="0" smtClean="0">
+                <a:effectLst>
+                  <a:outerShdw blurRad="38100" dist="38100" dir="2700000" algn="tl">
+                    <a:srgbClr val="000000">
+                      <a:alpha val="43137"/>
+                    </a:srgbClr>
+                  </a:outerShdw>
+                </a:effectLst>
+              </a:rPr>
+              <a:t>модулей</a:t>
+            </a:r>
+            <a:endParaRPr lang="ru-RU" sz="4800" dirty="0" smtClean="0">
+              <a:effectLst>
+                <a:outerShdw blurRad="38100" dist="38100" dir="2700000" algn="tl">
+                  <a:srgbClr val="000000">
+                    <a:alpha val="43137"/>
+                  </a:srgbClr>
+                </a:outerShdw>
+              </a:effectLst>
+            </a:endParaRPr>
+          </a:p>
+          <a:p>
+            <a:r>
+              <a:rPr lang="ru-RU" sz="3600" dirty="0" smtClean="0">
+                <a:effectLst>
+                  <a:outerShdw blurRad="38100" dist="38100" dir="2700000" algn="tl">
+                    <a:srgbClr val="000000">
+                      <a:alpha val="43137"/>
+                    </a:srgbClr>
+                  </a:outerShdw>
+                </a:effectLst>
+              </a:rPr>
               <a:t>Список тем</a:t>
             </a:r>
-            <a:endParaRPr lang="ru-RU" sz="3600" dirty="0"/>
+            <a:endParaRPr lang="ru-RU" sz="3600" dirty="0">
+              <a:effectLst>
+                <a:outerShdw blurRad="38100" dist="38100" dir="2700000" algn="tl">
+                  <a:srgbClr val="000000">
+                    <a:alpha val="43137"/>
+                  </a:srgbClr>
+                </a:outerShdw>
+              </a:effectLst>
+            </a:endParaRPr>
           </a:p>
         </p:txBody>
       </p:sp>
@@ -9528,11 +9792,13 @@
           <a:p>
             <a:r>
               <a:rPr lang="ru-RU" sz="4800" dirty="0" smtClean="0">
-                <a:solidFill>
-                  <a:schemeClr val="tx2">
-                    <a:lumMod val="25000"/>
-                  </a:schemeClr>
-                </a:solidFill>
+                <a:effectLst>
+                  <a:outerShdw blurRad="38100" dist="38100" dir="2700000" algn="tl">
+                    <a:srgbClr val="000000">
+                      <a:alpha val="43137"/>
+                    </a:srgbClr>
+                  </a:outerShdw>
+                </a:effectLst>
                 <a:latin typeface="Calibri" pitchFamily="34" charset="0"/>
                 <a:cs typeface="Calibri" pitchFamily="34" charset="0"/>
               </a:rPr>
@@ -9540,22 +9806,26 @@
             </a:r>
             <a:r>
               <a:rPr lang="en-US" sz="4800" dirty="0" smtClean="0">
-                <a:solidFill>
-                  <a:schemeClr val="tx2">
-                    <a:lumMod val="25000"/>
-                  </a:schemeClr>
-                </a:solidFill>
+                <a:effectLst>
+                  <a:outerShdw blurRad="38100" dist="38100" dir="2700000" algn="tl">
+                    <a:srgbClr val="000000">
+                      <a:alpha val="43137"/>
+                    </a:srgbClr>
+                  </a:outerShdw>
+                </a:effectLst>
                 <a:latin typeface="Calibri" pitchFamily="34" charset="0"/>
                 <a:cs typeface="Calibri" pitchFamily="34" charset="0"/>
               </a:rPr>
               <a:t>:</a:t>
             </a:r>
             <a:endParaRPr lang="ru-RU" sz="4800" dirty="0">
-              <a:solidFill>
-                <a:schemeClr val="tx2">
-                  <a:lumMod val="25000"/>
-                </a:schemeClr>
-              </a:solidFill>
+              <a:effectLst>
+                <a:outerShdw blurRad="38100" dist="38100" dir="2700000" algn="tl">
+                  <a:srgbClr val="000000">
+                    <a:alpha val="43137"/>
+                  </a:srgbClr>
+                </a:outerShdw>
+              </a:effectLst>
               <a:latin typeface="Calibri" pitchFamily="34" charset="0"/>
               <a:cs typeface="Calibri" pitchFamily="34" charset="0"/>
             </a:endParaRPr>
@@ -9593,11 +9863,6 @@
             </a:pPr>
             <a:r>
               <a:rPr lang="ru-RU" sz="3200" dirty="0" smtClean="0">
-                <a:solidFill>
-                  <a:schemeClr val="tx2">
-                    <a:lumMod val="25000"/>
-                  </a:schemeClr>
-                </a:solidFill>
                 <a:latin typeface="Calibri" pitchFamily="34" charset="0"/>
                 <a:cs typeface="Calibri" pitchFamily="34" charset="0"/>
               </a:rPr>
@@ -9605,11 +9870,6 @@
             </a:r>
             <a:r>
               <a:rPr lang="en-US" sz="3200" dirty="0" smtClean="0">
-                <a:solidFill>
-                  <a:schemeClr val="tx2">
-                    <a:lumMod val="25000"/>
-                  </a:schemeClr>
-                </a:solidFill>
                 <a:latin typeface="Calibri" pitchFamily="34" charset="0"/>
                 <a:cs typeface="Calibri" pitchFamily="34" charset="0"/>
               </a:rPr>
@@ -9617,11 +9877,6 @@
             </a:r>
             <a:r>
               <a:rPr lang="ru-RU" sz="3200" dirty="0" smtClean="0">
-                <a:solidFill>
-                  <a:schemeClr val="tx2">
-                    <a:lumMod val="25000"/>
-                  </a:schemeClr>
-                </a:solidFill>
                 <a:latin typeface="Calibri" pitchFamily="34" charset="0"/>
                 <a:cs typeface="Calibri" pitchFamily="34" charset="0"/>
               </a:rPr>
@@ -9629,11 +9884,6 @@
             </a:r>
             <a:r>
               <a:rPr lang="en-US" sz="3200" dirty="0" smtClean="0">
-                <a:solidFill>
-                  <a:schemeClr val="tx2">
-                    <a:lumMod val="25000"/>
-                  </a:schemeClr>
-                </a:solidFill>
                 <a:latin typeface="Calibri" pitchFamily="34" charset="0"/>
                 <a:cs typeface="Calibri" pitchFamily="34" charset="0"/>
               </a:rPr>
@@ -9641,11 +9891,6 @@
             </a:r>
             <a:r>
               <a:rPr lang="ru-RU" sz="3200" dirty="0" smtClean="0">
-                <a:solidFill>
-                  <a:schemeClr val="tx2">
-                    <a:lumMod val="25000"/>
-                  </a:schemeClr>
-                </a:solidFill>
                 <a:latin typeface="Calibri" pitchFamily="34" charset="0"/>
                 <a:cs typeface="Calibri" pitchFamily="34" charset="0"/>
               </a:rPr>
@@ -9662,11 +9907,6 @@
             </a:pPr>
             <a:r>
               <a:rPr lang="ru-RU" sz="3200" dirty="0" smtClean="0">
-                <a:solidFill>
-                  <a:schemeClr val="tx2">
-                    <a:lumMod val="25000"/>
-                  </a:schemeClr>
-                </a:solidFill>
                 <a:latin typeface="Calibri" pitchFamily="34" charset="0"/>
                 <a:cs typeface="Calibri" pitchFamily="34" charset="0"/>
               </a:rPr>
@@ -9683,11 +9923,6 @@
             </a:pPr>
             <a:r>
               <a:rPr lang="ru-RU" sz="3200" dirty="0" smtClean="0">
-                <a:solidFill>
-                  <a:schemeClr val="tx2">
-                    <a:lumMod val="25000"/>
-                  </a:schemeClr>
-                </a:solidFill>
                 <a:latin typeface="Calibri" pitchFamily="34" charset="0"/>
                 <a:cs typeface="Calibri" pitchFamily="34" charset="0"/>
               </a:rPr>
@@ -9704,11 +9939,6 @@
             </a:pPr>
             <a:r>
               <a:rPr lang="ru-RU" sz="3200" dirty="0" smtClean="0">
-                <a:solidFill>
-                  <a:schemeClr val="tx2">
-                    <a:lumMod val="25000"/>
-                  </a:schemeClr>
-                </a:solidFill>
                 <a:latin typeface="Calibri" pitchFamily="34" charset="0"/>
                 <a:cs typeface="Calibri" pitchFamily="34" charset="0"/>
               </a:rPr>
@@ -9725,11 +9955,6 @@
             </a:pPr>
             <a:r>
               <a:rPr lang="ru-RU" sz="3200" dirty="0" smtClean="0">
-                <a:solidFill>
-                  <a:schemeClr val="tx2">
-                    <a:lumMod val="25000"/>
-                  </a:schemeClr>
-                </a:solidFill>
                 <a:latin typeface="Calibri" pitchFamily="34" charset="0"/>
                 <a:cs typeface="Calibri" pitchFamily="34" charset="0"/>
               </a:rPr>
@@ -9746,11 +9971,6 @@
             </a:pPr>
             <a:r>
               <a:rPr lang="ru-RU" sz="3200" dirty="0" smtClean="0">
-                <a:solidFill>
-                  <a:schemeClr val="tx2">
-                    <a:lumMod val="25000"/>
-                  </a:schemeClr>
-                </a:solidFill>
                 <a:latin typeface="Calibri" pitchFamily="34" charset="0"/>
                 <a:cs typeface="Calibri" pitchFamily="34" charset="0"/>
               </a:rPr>
@@ -9819,16 +10039,61 @@
           <a:lstStyle/>
           <a:p>
             <a:r>
-              <a:rPr lang="ru-RU" sz="4800" dirty="0" smtClean="0"/>
-              <a:t>Проектирование модулей.</a:t>
-            </a:r>
-          </a:p>
-          <a:p>
-            <a:r>
-              <a:rPr lang="ru-RU" sz="3600" dirty="0" smtClean="0"/>
+              <a:rPr lang="ru-RU" sz="4800" dirty="0" smtClean="0">
+                <a:effectLst>
+                  <a:outerShdw blurRad="38100" dist="38100" dir="2700000" algn="tl">
+                    <a:srgbClr val="000000">
+                      <a:alpha val="43137"/>
+                    </a:srgbClr>
+                  </a:outerShdw>
+                </a:effectLst>
+              </a:rPr>
+              <a:t>Проектирование </a:t>
+            </a:r>
+            <a:r>
+              <a:rPr lang="ru-RU" sz="4800" dirty="0" smtClean="0">
+                <a:effectLst>
+                  <a:outerShdw blurRad="38100" dist="38100" dir="2700000" algn="tl">
+                    <a:srgbClr val="000000">
+                      <a:alpha val="43137"/>
+                    </a:srgbClr>
+                  </a:outerShdw>
+                </a:effectLst>
+              </a:rPr>
+              <a:t>модулей</a:t>
+            </a:r>
+            <a:endParaRPr lang="ru-RU" sz="4800" dirty="0" smtClean="0">
+              <a:effectLst>
+                <a:outerShdw blurRad="38100" dist="38100" dir="2700000" algn="tl">
+                  <a:srgbClr val="000000">
+                    <a:alpha val="43137"/>
+                  </a:srgbClr>
+                </a:outerShdw>
+              </a:effectLst>
+            </a:endParaRPr>
+          </a:p>
+          <a:p>
+            <a:r>
+              <a:rPr lang="ru-RU" sz="3600" dirty="0" smtClean="0">
+                <a:effectLst>
+                  <a:outerShdw blurRad="38100" dist="38100" dir="2700000" algn="tl">
+                    <a:srgbClr val="000000">
+                      <a:alpha val="43137"/>
+                    </a:srgbClr>
+                  </a:outerShdw>
+                </a:effectLst>
+              </a:rPr>
               <a:t>Создание темы</a:t>
             </a:r>
-            <a:endParaRPr lang="ru-RU" sz="3600" dirty="0"/>
+            <a:endParaRPr lang="ru-RU" sz="3600" dirty="0">
+              <a:effectLst>
+                <a:outerShdw blurRad="38100" dist="38100" dir="2700000" algn="tl">
+                  <a:srgbClr val="000000">
+                    <a:alpha val="43137"/>
+                  </a:srgbClr>
+                </a:outerShdw>
+              </a:effectLst>
+            </a:endParaRPr>
           </a:p>
         </p:txBody>
       </p:sp>
@@ -9956,16 +10221,61 @@
           <a:lstStyle/>
           <a:p>
             <a:r>
-              <a:rPr lang="ru-RU" sz="4800" dirty="0" smtClean="0"/>
-              <a:t>Проектирование модулей.</a:t>
-            </a:r>
-          </a:p>
-          <a:p>
-            <a:r>
-              <a:rPr lang="ru-RU" sz="3600" dirty="0" smtClean="0"/>
+              <a:rPr lang="ru-RU" sz="4800" dirty="0" smtClean="0">
+                <a:effectLst>
+                  <a:outerShdw blurRad="38100" dist="38100" dir="2700000" algn="tl">
+                    <a:srgbClr val="000000">
+                      <a:alpha val="43137"/>
+                    </a:srgbClr>
+                  </a:outerShdw>
+                </a:effectLst>
+              </a:rPr>
+              <a:t>Проектирование </a:t>
+            </a:r>
+            <a:r>
+              <a:rPr lang="ru-RU" sz="4800" dirty="0" smtClean="0">
+                <a:effectLst>
+                  <a:outerShdw blurRad="38100" dist="38100" dir="2700000" algn="tl">
+                    <a:srgbClr val="000000">
+                      <a:alpha val="43137"/>
+                    </a:srgbClr>
+                  </a:outerShdw>
+                </a:effectLst>
+              </a:rPr>
+              <a:t>модулей</a:t>
+            </a:r>
+            <a:endParaRPr lang="ru-RU" sz="4800" dirty="0" smtClean="0">
+              <a:effectLst>
+                <a:outerShdw blurRad="38100" dist="38100" dir="2700000" algn="tl">
+                  <a:srgbClr val="000000">
+                    <a:alpha val="43137"/>
+                  </a:srgbClr>
+                </a:outerShdw>
+              </a:effectLst>
+            </a:endParaRPr>
+          </a:p>
+          <a:p>
+            <a:r>
+              <a:rPr lang="ru-RU" sz="3600" dirty="0" smtClean="0">
+                <a:effectLst>
+                  <a:outerShdw blurRad="38100" dist="38100" dir="2700000" algn="tl">
+                    <a:srgbClr val="000000">
+                      <a:alpha val="43137"/>
+                    </a:srgbClr>
+                  </a:outerShdw>
+                </a:effectLst>
+              </a:rPr>
               <a:t>Список сообщений</a:t>
             </a:r>
-            <a:endParaRPr lang="ru-RU" sz="3600" dirty="0"/>
+            <a:endParaRPr lang="ru-RU" sz="3600" dirty="0">
+              <a:effectLst>
+                <a:outerShdw blurRad="38100" dist="38100" dir="2700000" algn="tl">
+                  <a:srgbClr val="000000">
+                    <a:alpha val="43137"/>
+                  </a:srgbClr>
+                </a:outerShdw>
+              </a:effectLst>
+            </a:endParaRPr>
           </a:p>
         </p:txBody>
       </p:sp>
@@ -10093,16 +10403,61 @@
           <a:lstStyle/>
           <a:p>
             <a:r>
-              <a:rPr lang="ru-RU" sz="4800" dirty="0" smtClean="0"/>
-              <a:t>Проектирование модулей.</a:t>
-            </a:r>
-          </a:p>
-          <a:p>
-            <a:r>
-              <a:rPr lang="ru-RU" sz="3600" dirty="0" smtClean="0"/>
+              <a:rPr lang="ru-RU" sz="4800" dirty="0" smtClean="0">
+                <a:effectLst>
+                  <a:outerShdw blurRad="38100" dist="38100" dir="2700000" algn="tl">
+                    <a:srgbClr val="000000">
+                      <a:alpha val="43137"/>
+                    </a:srgbClr>
+                  </a:outerShdw>
+                </a:effectLst>
+              </a:rPr>
+              <a:t>Проектирование </a:t>
+            </a:r>
+            <a:r>
+              <a:rPr lang="ru-RU" sz="4800" dirty="0" smtClean="0">
+                <a:effectLst>
+                  <a:outerShdw blurRad="38100" dist="38100" dir="2700000" algn="tl">
+                    <a:srgbClr val="000000">
+                      <a:alpha val="43137"/>
+                    </a:srgbClr>
+                  </a:outerShdw>
+                </a:effectLst>
+              </a:rPr>
+              <a:t>модулей</a:t>
+            </a:r>
+            <a:endParaRPr lang="ru-RU" sz="4800" dirty="0" smtClean="0">
+              <a:effectLst>
+                <a:outerShdw blurRad="38100" dist="38100" dir="2700000" algn="tl">
+                  <a:srgbClr val="000000">
+                    <a:alpha val="43137"/>
+                  </a:srgbClr>
+                </a:outerShdw>
+              </a:effectLst>
+            </a:endParaRPr>
+          </a:p>
+          <a:p>
+            <a:r>
+              <a:rPr lang="ru-RU" sz="3600" dirty="0" smtClean="0">
+                <a:effectLst>
+                  <a:outerShdw blurRad="38100" dist="38100" dir="2700000" algn="tl">
+                    <a:srgbClr val="000000">
+                      <a:alpha val="43137"/>
+                    </a:srgbClr>
+                  </a:outerShdw>
+                </a:effectLst>
+              </a:rPr>
               <a:t>Написание сообщения</a:t>
             </a:r>
-            <a:endParaRPr lang="ru-RU" sz="3600" dirty="0"/>
+            <a:endParaRPr lang="ru-RU" sz="3600" dirty="0">
+              <a:effectLst>
+                <a:outerShdw blurRad="38100" dist="38100" dir="2700000" algn="tl">
+                  <a:srgbClr val="000000">
+                    <a:alpha val="43137"/>
+                  </a:srgbClr>
+                </a:outerShdw>
+              </a:effectLst>
+            </a:endParaRPr>
           </a:p>
         </p:txBody>
       </p:sp>
@@ -10230,9 +10585,38 @@
           <a:lstStyle/>
           <a:p>
             <a:r>
-              <a:rPr lang="ru-RU" sz="4800" dirty="0" smtClean="0"/>
-              <a:t>Проектирование модулей.</a:t>
-            </a:r>
+              <a:rPr lang="ru-RU" sz="4800" dirty="0" smtClean="0">
+                <a:effectLst>
+                  <a:outerShdw blurRad="38100" dist="38100" dir="2700000" algn="tl">
+                    <a:srgbClr val="000000">
+                      <a:alpha val="43137"/>
+                    </a:srgbClr>
+                  </a:outerShdw>
+                </a:effectLst>
+              </a:rPr>
+              <a:t>Проектирование </a:t>
+            </a:r>
+            <a:r>
+              <a:rPr lang="ru-RU" sz="4800" dirty="0" smtClean="0">
+                <a:effectLst>
+                  <a:outerShdw blurRad="38100" dist="38100" dir="2700000" algn="tl">
+                    <a:srgbClr val="000000">
+                      <a:alpha val="43137"/>
+                    </a:srgbClr>
+                  </a:outerShdw>
+                </a:effectLst>
+              </a:rPr>
+              <a:t>безопасности</a:t>
+            </a:r>
+            <a:endParaRPr lang="ru-RU" sz="4800" dirty="0" smtClean="0">
+              <a:effectLst>
+                <a:outerShdw blurRad="38100" dist="38100" dir="2700000" algn="tl">
+                  <a:srgbClr val="000000">
+                    <a:alpha val="43137"/>
+                  </a:srgbClr>
+                </a:outerShdw>
+              </a:effectLst>
+            </a:endParaRPr>
           </a:p>
         </p:txBody>
       </p:sp>
@@ -10321,7 +10705,7 @@
           <a:graphicData uri="http://schemas.openxmlformats.org/presentationml/2006/ole">
             <mc:AlternateContent xmlns:mc="http://schemas.openxmlformats.org/markup-compatibility/2006">
               <mc:Choice xmlns:v="urn:schemas-microsoft-com:vml" Requires="v">
-                <p:oleObj spid="_x0000_s13324" name="Visio" r:id="rId3" imgW="6322461" imgH="6354180" progId="Visio.Drawing.11">
+                <p:oleObj spid="_x0000_s13340" name="Visio" r:id="rId3" imgW="6322461" imgH="6354180" progId="Visio.Drawing.11">
                   <p:embed/>
                 </p:oleObj>
               </mc:Choice>
@@ -10460,7 +10844,7 @@
           <a:graphicData uri="http://schemas.openxmlformats.org/presentationml/2006/ole">
             <mc:AlternateContent xmlns:mc="http://schemas.openxmlformats.org/markup-compatibility/2006">
               <mc:Choice xmlns:v="urn:schemas-microsoft-com:vml" Requires="v">
-                <p:oleObj spid="_x0000_s13325" name="Visio" r:id="rId5" imgW="5741676" imgH="4985280" progId="Visio.Drawing.11">
+                <p:oleObj spid="_x0000_s13341" name="Visio" r:id="rId5" imgW="5741676" imgH="4985280" progId="Visio.Drawing.11">
                   <p:embed/>
                 </p:oleObj>
               </mc:Choice>
@@ -10597,9 +10981,38 @@
           <a:lstStyle/>
           <a:p>
             <a:r>
-              <a:rPr lang="ru-RU" sz="4800" dirty="0" smtClean="0"/>
-              <a:t>Проектирование модулей.</a:t>
-            </a:r>
+              <a:rPr lang="ru-RU" sz="4800" dirty="0" smtClean="0">
+                <a:effectLst>
+                  <a:outerShdw blurRad="38100" dist="38100" dir="2700000" algn="tl">
+                    <a:srgbClr val="000000">
+                      <a:alpha val="43137"/>
+                    </a:srgbClr>
+                  </a:outerShdw>
+                </a:effectLst>
+              </a:rPr>
+              <a:t>Проектирование </a:t>
+            </a:r>
+            <a:r>
+              <a:rPr lang="ru-RU" sz="4800" dirty="0" smtClean="0">
+                <a:effectLst>
+                  <a:outerShdw blurRad="38100" dist="38100" dir="2700000" algn="tl">
+                    <a:srgbClr val="000000">
+                      <a:alpha val="43137"/>
+                    </a:srgbClr>
+                  </a:outerShdw>
+                </a:effectLst>
+              </a:rPr>
+              <a:t>безопасности</a:t>
+            </a:r>
+            <a:endParaRPr lang="ru-RU" sz="4800" dirty="0">
+              <a:effectLst>
+                <a:outerShdw blurRad="38100" dist="38100" dir="2700000" algn="tl">
+                  <a:srgbClr val="000000">
+                    <a:alpha val="43137"/>
+                  </a:srgbClr>
+                </a:outerShdw>
+              </a:effectLst>
+            </a:endParaRPr>
           </a:p>
         </p:txBody>
       </p:sp>
@@ -10613,8 +11026,8 @@
         </p:nvSpPr>
         <p:spPr bwMode="auto">
           <a:xfrm>
-            <a:off x="0" y="0"/>
-            <a:ext cx="9144000" cy="0"/>
+            <a:off x="0" y="-184666"/>
+            <a:ext cx="184731" cy="369332"/>
           </a:xfrm>
           <a:prstGeom prst="rect">
             <a:avLst/>
@@ -10676,8 +11089,8 @@
         </p:nvSpPr>
         <p:spPr bwMode="auto">
           <a:xfrm>
-            <a:off x="0" y="0"/>
-            <a:ext cx="9144000" cy="0"/>
+            <a:off x="0" y="-184666"/>
+            <a:ext cx="184731" cy="369332"/>
           </a:xfrm>
           <a:prstGeom prst="rect">
             <a:avLst/>
@@ -10952,22 +11365,26 @@
           <a:p>
             <a:r>
               <a:rPr lang="ru-RU" sz="4800" dirty="0" smtClean="0">
-                <a:solidFill>
-                  <a:schemeClr val="tx2">
-                    <a:lumMod val="25000"/>
-                  </a:schemeClr>
-                </a:solidFill>
+                <a:effectLst>
+                  <a:outerShdw blurRad="38100" dist="38100" dir="2700000" algn="tl">
+                    <a:srgbClr val="000000">
+                      <a:alpha val="43137"/>
+                    </a:srgbClr>
+                  </a:outerShdw>
+                </a:effectLst>
                 <a:latin typeface="Calibri" pitchFamily="34" charset="0"/>
                 <a:cs typeface="Calibri" pitchFamily="34" charset="0"/>
               </a:rPr>
               <a:t>Итоги работы:</a:t>
             </a:r>
             <a:endParaRPr lang="ru-RU" sz="4800" dirty="0">
-              <a:solidFill>
-                <a:schemeClr val="tx2">
-                  <a:lumMod val="25000"/>
-                </a:schemeClr>
-              </a:solidFill>
+              <a:effectLst>
+                <a:outerShdw blurRad="38100" dist="38100" dir="2700000" algn="tl">
+                  <a:srgbClr val="000000">
+                    <a:alpha val="43137"/>
+                  </a:srgbClr>
+                </a:outerShdw>
+              </a:effectLst>
               <a:latin typeface="Calibri" pitchFamily="34" charset="0"/>
               <a:cs typeface="Calibri" pitchFamily="34" charset="0"/>
             </a:endParaRPr>
@@ -11005,11 +11422,6 @@
             </a:pPr>
             <a:r>
               <a:rPr lang="ru-RU" sz="2800" dirty="0" smtClean="0">
-                <a:solidFill>
-                  <a:schemeClr val="tx2">
-                    <a:lumMod val="25000"/>
-                  </a:schemeClr>
-                </a:solidFill>
                 <a:latin typeface="Calibri" pitchFamily="34" charset="0"/>
                 <a:cs typeface="Calibri" pitchFamily="34" charset="0"/>
               </a:rPr>
@@ -11026,11 +11438,6 @@
             </a:pPr>
             <a:r>
               <a:rPr lang="ru-RU" sz="2800" dirty="0" smtClean="0">
-                <a:solidFill>
-                  <a:schemeClr val="tx2">
-                    <a:lumMod val="25000"/>
-                  </a:schemeClr>
-                </a:solidFill>
                 <a:latin typeface="Calibri" pitchFamily="34" charset="0"/>
                 <a:cs typeface="Calibri" pitchFamily="34" charset="0"/>
               </a:rPr>
@@ -11047,11 +11454,6 @@
             </a:pPr>
             <a:r>
               <a:rPr lang="ru-RU" sz="2800" dirty="0" smtClean="0">
-                <a:solidFill>
-                  <a:schemeClr val="tx2">
-                    <a:lumMod val="25000"/>
-                  </a:schemeClr>
-                </a:solidFill>
                 <a:latin typeface="Calibri" pitchFamily="34" charset="0"/>
                 <a:cs typeface="Calibri" pitchFamily="34" charset="0"/>
               </a:rPr>
@@ -11068,11 +11470,6 @@
             </a:pPr>
             <a:r>
               <a:rPr lang="ru-RU" sz="2800" dirty="0" smtClean="0">
-                <a:solidFill>
-                  <a:schemeClr val="tx2">
-                    <a:lumMod val="25000"/>
-                  </a:schemeClr>
-                </a:solidFill>
                 <a:latin typeface="Calibri" pitchFamily="34" charset="0"/>
                 <a:cs typeface="Calibri" pitchFamily="34" charset="0"/>
               </a:rPr>
@@ -11089,11 +11486,6 @@
             </a:pPr>
             <a:r>
               <a:rPr lang="ru-RU" sz="2800" dirty="0" smtClean="0">
-                <a:solidFill>
-                  <a:schemeClr val="tx2">
-                    <a:lumMod val="25000"/>
-                  </a:schemeClr>
-                </a:solidFill>
                 <a:latin typeface="Calibri" pitchFamily="34" charset="0"/>
                 <a:cs typeface="Calibri" pitchFamily="34" charset="0"/>
               </a:rPr>
@@ -11110,11 +11502,6 @@
             </a:pPr>
             <a:r>
               <a:rPr lang="ru-RU" sz="2800" dirty="0" smtClean="0">
-                <a:solidFill>
-                  <a:schemeClr val="tx2">
-                    <a:lumMod val="25000"/>
-                  </a:schemeClr>
-                </a:solidFill>
                 <a:latin typeface="Calibri" pitchFamily="34" charset="0"/>
                 <a:cs typeface="Calibri" pitchFamily="34" charset="0"/>
               </a:rPr>
@@ -11122,11 +11509,6 @@
             </a:r>
             <a:r>
               <a:rPr lang="ru-RU" sz="2800" dirty="0">
-                <a:solidFill>
-                  <a:schemeClr val="tx2">
-                    <a:lumMod val="25000"/>
-                  </a:schemeClr>
-                </a:solidFill>
                 <a:latin typeface="Calibri" pitchFamily="34" charset="0"/>
                 <a:cs typeface="Calibri" pitchFamily="34" charset="0"/>
               </a:rPr>
@@ -11143,11 +11525,6 @@
             </a:pPr>
             <a:r>
               <a:rPr lang="ru-RU" sz="2800" dirty="0" smtClean="0">
-                <a:solidFill>
-                  <a:schemeClr val="tx2">
-                    <a:lumMod val="25000"/>
-                  </a:schemeClr>
-                </a:solidFill>
                 <a:latin typeface="Calibri" pitchFamily="34" charset="0"/>
                 <a:cs typeface="Calibri" pitchFamily="34" charset="0"/>
               </a:rPr>
@@ -11164,11 +11541,6 @@
             </a:pPr>
             <a:r>
               <a:rPr lang="ru-RU" sz="2800" dirty="0" smtClean="0">
-                <a:solidFill>
-                  <a:schemeClr val="tx2">
-                    <a:lumMod val="25000"/>
-                  </a:schemeClr>
-                </a:solidFill>
                 <a:latin typeface="Calibri" pitchFamily="34" charset="0"/>
                 <a:cs typeface="Calibri" pitchFamily="34" charset="0"/>
               </a:rPr>
@@ -11185,11 +11557,6 @@
             </a:pPr>
             <a:r>
               <a:rPr lang="ru-RU" sz="2800" dirty="0" smtClean="0">
-                <a:solidFill>
-                  <a:schemeClr val="tx2">
-                    <a:lumMod val="25000"/>
-                  </a:schemeClr>
-                </a:solidFill>
                 <a:latin typeface="Calibri" pitchFamily="34" charset="0"/>
                 <a:cs typeface="Calibri" pitchFamily="34" charset="0"/>
               </a:rPr>
@@ -11243,7 +11610,7 @@
         </p:nvSpPr>
         <p:spPr>
           <a:xfrm>
-            <a:off x="443817" y="1021956"/>
+            <a:off x="443817" y="1147227"/>
             <a:ext cx="8280920" cy="830997"/>
           </a:xfrm>
           <a:prstGeom prst="rect">
@@ -11259,11 +11626,13 @@
           <a:p>
             <a:r>
               <a:rPr lang="ru-RU" sz="4800" dirty="0" smtClean="0">
-                <a:solidFill>
-                  <a:schemeClr val="tx2">
-                    <a:lumMod val="25000"/>
-                  </a:schemeClr>
-                </a:solidFill>
+                <a:effectLst>
+                  <a:outerShdw blurRad="38100" dist="38100" dir="2700000" algn="tl">
+                    <a:srgbClr val="000000">
+                      <a:alpha val="43137"/>
+                    </a:srgbClr>
+                  </a:outerShdw>
+                </a:effectLst>
                 <a:latin typeface="Calibri" pitchFamily="34" charset="0"/>
                 <a:cs typeface="Calibri" pitchFamily="34" charset="0"/>
               </a:rPr>
@@ -11271,11 +11640,13 @@
             </a:r>
             <a:r>
               <a:rPr lang="ru-RU" sz="4800" dirty="0" err="1" smtClean="0">
-                <a:solidFill>
-                  <a:schemeClr val="tx2">
-                    <a:lumMod val="25000"/>
-                  </a:schemeClr>
-                </a:solidFill>
+                <a:effectLst>
+                  <a:outerShdw blurRad="38100" dist="38100" dir="2700000" algn="tl">
+                    <a:srgbClr val="000000">
+                      <a:alpha val="43137"/>
+                    </a:srgbClr>
+                  </a:outerShdw>
+                </a:effectLst>
                 <a:latin typeface="Calibri" pitchFamily="34" charset="0"/>
                 <a:cs typeface="Calibri" pitchFamily="34" charset="0"/>
               </a:rPr>
@@ -11283,11 +11654,13 @@
             </a:r>
             <a:r>
               <a:rPr lang="ru-RU" sz="4800" dirty="0" smtClean="0">
-                <a:solidFill>
-                  <a:schemeClr val="tx2">
-                    <a:lumMod val="25000"/>
-                  </a:schemeClr>
-                </a:solidFill>
+                <a:effectLst>
+                  <a:outerShdw blurRad="38100" dist="38100" dir="2700000" algn="tl">
+                    <a:srgbClr val="000000">
+                      <a:alpha val="43137"/>
+                    </a:srgbClr>
+                  </a:outerShdw>
+                </a:effectLst>
                 <a:latin typeface="Calibri" pitchFamily="34" charset="0"/>
                 <a:cs typeface="Calibri" pitchFamily="34" charset="0"/>
               </a:rPr>
@@ -11295,22 +11668,26 @@
             </a:r>
             <a:r>
               <a:rPr lang="en-US" sz="4800" dirty="0" smtClean="0">
-                <a:solidFill>
-                  <a:schemeClr val="tx2">
-                    <a:lumMod val="25000"/>
-                  </a:schemeClr>
-                </a:solidFill>
+                <a:effectLst>
+                  <a:outerShdw blurRad="38100" dist="38100" dir="2700000" algn="tl">
+                    <a:srgbClr val="000000">
+                      <a:alpha val="43137"/>
+                    </a:srgbClr>
+                  </a:outerShdw>
+                </a:effectLst>
                 <a:latin typeface="Calibri" pitchFamily="34" charset="0"/>
                 <a:cs typeface="Calibri" pitchFamily="34" charset="0"/>
               </a:rPr>
               <a:t>CMS:</a:t>
             </a:r>
             <a:endParaRPr lang="ru-RU" sz="4800" dirty="0">
-              <a:solidFill>
-                <a:schemeClr val="tx2">
-                  <a:lumMod val="25000"/>
-                </a:schemeClr>
-              </a:solidFill>
+              <a:effectLst>
+                <a:outerShdw blurRad="38100" dist="38100" dir="2700000" algn="tl">
+                  <a:srgbClr val="000000">
+                    <a:alpha val="43137"/>
+                  </a:srgbClr>
+                </a:outerShdw>
+              </a:effectLst>
               <a:latin typeface="Calibri" pitchFamily="34" charset="0"/>
               <a:cs typeface="Calibri" pitchFamily="34" charset="0"/>
             </a:endParaRPr>
@@ -11325,7 +11702,7 @@
         </p:nvSpPr>
         <p:spPr>
           <a:xfrm>
-            <a:off x="463589" y="3247481"/>
+            <a:off x="463589" y="3125451"/>
             <a:ext cx="8280920" cy="2585323"/>
           </a:xfrm>
           <a:prstGeom prst="rect">
@@ -11348,11 +11725,6 @@
             </a:pPr>
             <a:r>
               <a:rPr lang="ru-RU" sz="3600" dirty="0" smtClean="0">
-                <a:solidFill>
-                  <a:schemeClr val="tx2">
-                    <a:lumMod val="25000"/>
-                  </a:schemeClr>
-                </a:solidFill>
                 <a:latin typeface="Calibri" pitchFamily="34" charset="0"/>
                 <a:cs typeface="Calibri" pitchFamily="34" charset="0"/>
               </a:rPr>
@@ -11369,11 +11741,6 @@
             </a:pPr>
             <a:r>
               <a:rPr lang="ru-RU" sz="3600" dirty="0" smtClean="0">
-                <a:solidFill>
-                  <a:schemeClr val="tx2">
-                    <a:lumMod val="25000"/>
-                  </a:schemeClr>
-                </a:solidFill>
                 <a:latin typeface="Calibri" pitchFamily="34" charset="0"/>
                 <a:cs typeface="Calibri" pitchFamily="34" charset="0"/>
               </a:rPr>
@@ -11381,22 +11748,12 @@
             </a:r>
             <a:r>
               <a:rPr lang="en-US" sz="3600" dirty="0" smtClean="0">
-                <a:solidFill>
-                  <a:schemeClr val="tx2">
-                    <a:lumMod val="25000"/>
-                  </a:schemeClr>
-                </a:solidFill>
                 <a:latin typeface="Calibri" pitchFamily="34" charset="0"/>
                 <a:cs typeface="Calibri" pitchFamily="34" charset="0"/>
               </a:rPr>
               <a:t>CMS</a:t>
             </a:r>
             <a:endParaRPr lang="ru-RU" sz="3600" dirty="0" smtClean="0">
-              <a:solidFill>
-                <a:schemeClr val="tx2">
-                  <a:lumMod val="25000"/>
-                </a:schemeClr>
-              </a:solidFill>
               <a:latin typeface="Calibri" pitchFamily="34" charset="0"/>
               <a:cs typeface="Calibri" pitchFamily="34" charset="0"/>
             </a:endParaRPr>
@@ -11464,22 +11821,62 @@
           <a:p>
             <a:pPr lvl="0"/>
             <a:r>
-              <a:rPr lang="ru-RU" sz="4800" dirty="0"/>
+              <a:rPr lang="ru-RU" sz="4800" dirty="0">
+                <a:effectLst>
+                  <a:outerShdw blurRad="38100" dist="38100" dir="2700000" algn="tl">
+                    <a:srgbClr val="000000">
+                      <a:alpha val="43137"/>
+                    </a:srgbClr>
+                  </a:outerShdw>
+                </a:effectLst>
+              </a:rPr>
               <a:t>Плагин для </a:t>
             </a:r>
             <a:r>
-              <a:rPr lang="ru-RU" sz="4800" dirty="0" err="1"/>
+              <a:rPr lang="ru-RU" sz="4800" dirty="0" err="1">
+                <a:effectLst>
+                  <a:outerShdw blurRad="38100" dist="38100" dir="2700000" algn="tl">
+                    <a:srgbClr val="000000">
+                      <a:alpha val="43137"/>
+                    </a:srgbClr>
+                  </a:outerShdw>
+                </a:effectLst>
+              </a:rPr>
               <a:t>WordPress</a:t>
             </a:r>
             <a:r>
-              <a:rPr lang="ru-RU" sz="4800" dirty="0"/>
+              <a:rPr lang="ru-RU" sz="4800" dirty="0">
+                <a:effectLst>
+                  <a:outerShdw blurRad="38100" dist="38100" dir="2700000" algn="tl">
+                    <a:srgbClr val="000000">
+                      <a:alpha val="43137"/>
+                    </a:srgbClr>
+                  </a:outerShdw>
+                </a:effectLst>
+              </a:rPr>
               <a:t> – </a:t>
             </a:r>
             <a:r>
-              <a:rPr lang="ru-RU" sz="4800" dirty="0" err="1" smtClean="0"/>
+              <a:rPr lang="ru-RU" sz="4800" dirty="0" err="1" smtClean="0">
+                <a:effectLst>
+                  <a:outerShdw blurRad="38100" dist="38100" dir="2700000" algn="tl">
+                    <a:srgbClr val="000000">
+                      <a:alpha val="43137"/>
+                    </a:srgbClr>
+                  </a:outerShdw>
+                </a:effectLst>
+              </a:rPr>
               <a:t>Simpleforum</a:t>
             </a:r>
-            <a:endParaRPr lang="ru-RU" sz="4800" dirty="0"/>
+            <a:endParaRPr lang="ru-RU" sz="4800" dirty="0">
+              <a:effectLst>
+                <a:outerShdw blurRad="38100" dist="38100" dir="2700000" algn="tl">
+                  <a:srgbClr val="000000">
+                    <a:alpha val="43137"/>
+                  </a:srgbClr>
+                </a:outerShdw>
+              </a:effectLst>
+            </a:endParaRPr>
           </a:p>
         </p:txBody>
       </p:sp>
@@ -11554,7 +11951,7 @@
               <a:t>необходима установленная система </a:t>
             </a:r>
             <a:r>
-              <a:rPr lang="en-US" sz="3200" dirty="0" err="1">
+              <a:rPr lang="en-US" sz="3200" dirty="0" err="1" smtClean="0">
                 <a:solidFill>
                   <a:srgbClr val="FF0000"/>
                 </a:solidFill>
@@ -11562,12 +11959,12 @@
               <a:t>Wordpress</a:t>
             </a:r>
             <a:r>
-              <a:rPr lang="ru-RU" sz="3200" dirty="0">
+              <a:rPr lang="ru-RU" sz="3200" dirty="0" smtClean="0">
                 <a:solidFill>
                   <a:srgbClr val="FF0000"/>
                 </a:solidFill>
               </a:rPr>
-              <a:t>. </a:t>
+              <a:t> </a:t>
             </a:r>
             <a:endParaRPr lang="en-US" sz="3200" dirty="0" smtClean="0">
               <a:solidFill>
@@ -11701,19 +12098,51 @@
           <a:lstStyle/>
           <a:p>
             <a:r>
-              <a:rPr lang="en-US" sz="4800" dirty="0"/>
+              <a:rPr lang="en-US" sz="4800" dirty="0">
+                <a:effectLst>
+                  <a:outerShdw blurRad="38100" dist="38100" dir="2700000" algn="tl">
+                    <a:srgbClr val="000000">
+                      <a:alpha val="43137"/>
+                    </a:srgbClr>
+                  </a:outerShdw>
+                </a:effectLst>
+              </a:rPr>
               <a:t>Simple Machine Forum</a:t>
             </a:r>
             <a:r>
-              <a:rPr lang="ru-RU" sz="4800" dirty="0"/>
+              <a:rPr lang="ru-RU" sz="4800" dirty="0">
+                <a:effectLst>
+                  <a:outerShdw blurRad="38100" dist="38100" dir="2700000" algn="tl">
+                    <a:srgbClr val="000000">
+                      <a:alpha val="43137"/>
+                    </a:srgbClr>
+                  </a:outerShdw>
+                </a:effectLst>
+              </a:rPr>
               <a:t> (</a:t>
             </a:r>
             <a:r>
-              <a:rPr lang="en-US" sz="4800" dirty="0"/>
+              <a:rPr lang="en-US" sz="4800" dirty="0">
+                <a:effectLst>
+                  <a:outerShdw blurRad="38100" dist="38100" dir="2700000" algn="tl">
+                    <a:srgbClr val="000000">
+                      <a:alpha val="43137"/>
+                    </a:srgbClr>
+                  </a:outerShdw>
+                </a:effectLst>
+              </a:rPr>
               <a:t>SMF</a:t>
             </a:r>
             <a:r>
-              <a:rPr lang="ru-RU" sz="4800" dirty="0"/>
+              <a:rPr lang="ru-RU" sz="4800" dirty="0">
+                <a:effectLst>
+                  <a:outerShdw blurRad="38100" dist="38100" dir="2700000" algn="tl">
+                    <a:srgbClr val="000000">
+                      <a:alpha val="43137"/>
+                    </a:srgbClr>
+                  </a:outerShdw>
+                </a:effectLst>
+              </a:rPr>
               <a:t>)</a:t>
             </a:r>
           </a:p>
@@ -11982,10 +12411,26 @@
           <a:lstStyle/>
           <a:p>
             <a:r>
-              <a:rPr lang="en-US" sz="4800" dirty="0" err="1"/>
+              <a:rPr lang="en-US" sz="4800" dirty="0" err="1">
+                <a:effectLst>
+                  <a:outerShdw blurRad="38100" dist="38100" dir="2700000" algn="tl">
+                    <a:srgbClr val="000000">
+                      <a:alpha val="43137"/>
+                    </a:srgbClr>
+                  </a:outerShdw>
+                </a:effectLst>
+              </a:rPr>
               <a:t>phpBB</a:t>
             </a:r>
-            <a:endParaRPr lang="ru-RU" sz="4800" dirty="0"/>
+            <a:endParaRPr lang="ru-RU" sz="4800" dirty="0">
+              <a:effectLst>
+                <a:outerShdw blurRad="38100" dist="38100" dir="2700000" algn="tl">
+                  <a:srgbClr val="000000">
+                    <a:alpha val="43137"/>
+                  </a:srgbClr>
+                </a:outerShdw>
+              </a:effectLst>
+            </a:endParaRPr>
           </a:p>
         </p:txBody>
       </p:sp>
@@ -12277,7 +12722,7 @@
         </p:nvSpPr>
         <p:spPr>
           <a:xfrm>
-            <a:off x="431540" y="332656"/>
+            <a:off x="431540" y="1321633"/>
             <a:ext cx="8280920" cy="830997"/>
           </a:xfrm>
           <a:prstGeom prst="rect">
@@ -12292,10 +12737,26 @@
           <a:lstStyle/>
           <a:p>
             <a:r>
-              <a:rPr lang="ru-RU" sz="4800" dirty="0" smtClean="0"/>
+              <a:rPr lang="ru-RU" sz="4800" dirty="0" smtClean="0">
+                <a:effectLst>
+                  <a:outerShdw blurRad="38100" dist="38100" dir="2700000" algn="tl">
+                    <a:srgbClr val="000000">
+                      <a:alpha val="43137"/>
+                    </a:srgbClr>
+                  </a:outerShdw>
+                </a:effectLst>
+              </a:rPr>
               <a:t>Общие недостатки:</a:t>
             </a:r>
-            <a:endParaRPr lang="ru-RU" sz="4800" dirty="0"/>
+            <a:endParaRPr lang="ru-RU" sz="4800" dirty="0">
+              <a:effectLst>
+                <a:outerShdw blurRad="38100" dist="38100" dir="2700000" algn="tl">
+                  <a:srgbClr val="000000">
+                    <a:alpha val="43137"/>
+                  </a:srgbClr>
+                </a:outerShdw>
+              </a:effectLst>
+            </a:endParaRPr>
           </a:p>
         </p:txBody>
       </p:sp>
@@ -12307,8 +12768,8 @@
         </p:nvSpPr>
         <p:spPr>
           <a:xfrm>
-            <a:off x="91320" y="2523093"/>
-            <a:ext cx="9036496" cy="2062103"/>
+            <a:off x="323528" y="2981821"/>
+            <a:ext cx="8208912" cy="3046988"/>
           </a:xfrm>
           <a:prstGeom prst="rect">
             <a:avLst/>
@@ -12321,7 +12782,11 @@
           </a:bodyPr>
           <a:lstStyle/>
           <a:p>
-            <a:pPr lvl="0"/>
+            <a:pPr lvl="0">
+              <a:lnSpc>
+                <a:spcPct val="150000"/>
+              </a:lnSpc>
+            </a:pPr>
             <a:r>
               <a:rPr lang="ru-RU" sz="3200" dirty="0" smtClean="0"/>
               <a:t>- перегруженность </a:t>
@@ -12332,7 +12797,11 @@
             </a:r>
           </a:p>
           <a:p>
-            <a:pPr lvl="0"/>
+            <a:pPr lvl="0">
+              <a:lnSpc>
+                <a:spcPct val="150000"/>
+              </a:lnSpc>
+            </a:pPr>
             <a:r>
               <a:rPr lang="ru-RU" sz="3200" dirty="0" smtClean="0"/>
               <a:t>- отсутствие </a:t>
@@ -12343,7 +12812,11 @@
             </a:r>
           </a:p>
           <a:p>
-            <a:pPr lvl="0"/>
+            <a:pPr lvl="0">
+              <a:lnSpc>
+                <a:spcPct val="150000"/>
+              </a:lnSpc>
+            </a:pPr>
             <a:r>
               <a:rPr lang="ru-RU" sz="3200" dirty="0" smtClean="0"/>
               <a:t>- низкая </a:t>
@@ -12355,10 +12828,6 @@
             <a:r>
               <a:rPr lang="ru-RU" sz="3200" dirty="0" smtClean="0"/>
               <a:t>данных</a:t>
-            </a:r>
-            <a:r>
-              <a:rPr lang="en-US" sz="3200" dirty="0" smtClean="0"/>
-              <a:t>.</a:t>
             </a:r>
             <a:endParaRPr lang="ru-RU" sz="3200" dirty="0"/>
           </a:p>
@@ -12409,7 +12878,7 @@
         </p:nvSpPr>
         <p:spPr>
           <a:xfrm>
-            <a:off x="431540" y="332656"/>
+            <a:off x="431540" y="481232"/>
             <a:ext cx="8280920" cy="830997"/>
           </a:xfrm>
           <a:prstGeom prst="rect">
@@ -12424,10 +12893,26 @@
           <a:lstStyle/>
           <a:p>
             <a:r>
-              <a:rPr lang="ru-RU" sz="4800" dirty="0" smtClean="0"/>
+              <a:rPr lang="ru-RU" sz="4800" dirty="0" smtClean="0">
+                <a:effectLst>
+                  <a:outerShdw blurRad="38100" dist="38100" dir="2700000" algn="tl">
+                    <a:srgbClr val="000000">
+                      <a:alpha val="43137"/>
+                    </a:srgbClr>
+                  </a:outerShdw>
+                </a:effectLst>
+              </a:rPr>
               <a:t>Постановка задачи</a:t>
             </a:r>
-            <a:endParaRPr lang="ru-RU" sz="4800" dirty="0"/>
+            <a:endParaRPr lang="ru-RU" sz="4800" dirty="0">
+              <a:effectLst>
+                <a:outerShdw blurRad="38100" dist="38100" dir="2700000" algn="tl">
+                  <a:srgbClr val="000000">
+                    <a:alpha val="43137"/>
+                  </a:srgbClr>
+                </a:outerShdw>
+              </a:effectLst>
+            </a:endParaRPr>
           </a:p>
         </p:txBody>
       </p:sp>
@@ -12439,8 +12924,8 @@
         </p:nvSpPr>
         <p:spPr>
           <a:xfrm>
-            <a:off x="107504" y="2049237"/>
-            <a:ext cx="9036496" cy="4031873"/>
+            <a:off x="107504" y="1793461"/>
+            <a:ext cx="9036496" cy="4583306"/>
           </a:xfrm>
           <a:prstGeom prst="rect">
             <a:avLst/>
@@ -12453,6 +12938,11 @@
           </a:bodyPr>
           <a:lstStyle/>
           <a:p>
+            <a:pPr>
+              <a:lnSpc>
+                <a:spcPct val="114000"/>
+              </a:lnSpc>
+            </a:pPr>
             <a:r>
               <a:rPr lang="ru-RU" sz="3200" dirty="0" smtClean="0"/>
               <a:t>Реализовать </a:t>
@@ -12483,36 +12973,47 @@
             </a:r>
           </a:p>
           <a:p>
+            <a:pPr>
+              <a:lnSpc>
+                <a:spcPct val="114000"/>
+              </a:lnSpc>
+            </a:pPr>
             <a:r>
               <a:rPr lang="ru-RU" sz="3200" dirty="0" smtClean="0"/>
-              <a:t> </a:t>
-            </a:r>
-            <a:r>
-              <a:rPr lang="ru-RU" sz="3200" dirty="0"/>
               <a:t>- </a:t>
             </a:r>
             <a:r>
               <a:rPr lang="ru-RU" sz="3200" dirty="0" smtClean="0"/>
-              <a:t>русскоязычный интерфейс</a:t>
-            </a:r>
-            <a:r>
-              <a:rPr lang="en-US" sz="3200" dirty="0" smtClean="0"/>
-              <a:t>;</a:t>
+              <a:t>русскоязычный </a:t>
+            </a:r>
+            <a:r>
+              <a:rPr lang="ru-RU" sz="3200" dirty="0" smtClean="0"/>
+              <a:t>интерфейс</a:t>
             </a:r>
             <a:endParaRPr lang="ru-RU" sz="3200" dirty="0"/>
           </a:p>
           <a:p>
+            <a:pPr>
+              <a:lnSpc>
+                <a:spcPct val="114000"/>
+              </a:lnSpc>
+            </a:pPr>
             <a:r>
               <a:rPr lang="ru-RU" sz="3200" dirty="0" smtClean="0"/>
-              <a:t>- отсутствие перегруженности интерфейса</a:t>
-            </a:r>
-            <a:r>
-              <a:rPr lang="en-US" sz="3200" dirty="0" smtClean="0"/>
-              <a:t>;</a:t>
+              <a:t>- отсутствие перегруженности </a:t>
+            </a:r>
+            <a:r>
+              <a:rPr lang="ru-RU" sz="3200" dirty="0" smtClean="0"/>
+              <a:t>интерфейса</a:t>
             </a:r>
             <a:endParaRPr lang="ru-RU" sz="3200" dirty="0"/>
           </a:p>
           <a:p>
+            <a:pPr>
+              <a:lnSpc>
+                <a:spcPct val="114000"/>
+              </a:lnSpc>
+            </a:pPr>
             <a:r>
               <a:rPr lang="ru-RU" sz="3200" dirty="0" smtClean="0"/>
               <a:t>- основн</a:t>
@@ -12533,24 +13034,30 @@
               <a:rPr lang="ru-RU" sz="3200" dirty="0" smtClean="0"/>
               <a:t>форума</a:t>
             </a:r>
-            <a:r>
-              <a:rPr lang="en-US" sz="3200" dirty="0" smtClean="0"/>
-              <a:t>;</a:t>
-            </a:r>
             <a:endParaRPr lang="ru-RU" sz="3200" dirty="0"/>
           </a:p>
           <a:p>
+            <a:pPr>
+              <a:lnSpc>
+                <a:spcPct val="114000"/>
+              </a:lnSpc>
+            </a:pPr>
             <a:r>
               <a:rPr lang="ru-RU" sz="3200" dirty="0" smtClean="0"/>
-              <a:t>- идентификация пользователя в системе</a:t>
-            </a:r>
-            <a:r>
-              <a:rPr lang="en-US" sz="3200" dirty="0" smtClean="0"/>
-              <a:t>;</a:t>
+              <a:t>- идентификация пользователя в </a:t>
+            </a:r>
+            <a:r>
+              <a:rPr lang="ru-RU" sz="3200" dirty="0" smtClean="0"/>
+              <a:t>системе</a:t>
             </a:r>
             <a:endParaRPr lang="ru-RU" sz="3200" dirty="0"/>
           </a:p>
           <a:p>
+            <a:pPr>
+              <a:lnSpc>
+                <a:spcPct val="114000"/>
+              </a:lnSpc>
+            </a:pPr>
             <a:r>
               <a:rPr lang="ru-RU" sz="3200" dirty="0" smtClean="0"/>
               <a:t>- разделение </a:t>
@@ -12562,10 +13069,6 @@
             <a:r>
               <a:rPr lang="ru-RU" sz="3200" dirty="0" smtClean="0"/>
               <a:t>пользователей</a:t>
-            </a:r>
-            <a:r>
-              <a:rPr lang="en-US" sz="3200" dirty="0" smtClean="0"/>
-              <a:t>;</a:t>
             </a:r>
             <a:r>
               <a:rPr lang="ru-RU" sz="3200" dirty="0" smtClean="0"/>
@@ -12576,11 +13079,11 @@
             </a:br>
             <a:r>
               <a:rPr lang="ru-RU" sz="3200" dirty="0" smtClean="0"/>
-              <a:t>- функции администрирования</a:t>
-            </a:r>
-            <a:r>
-              <a:rPr lang="en-US" sz="3200" dirty="0" smtClean="0"/>
-              <a:t>.</a:t>
+              <a:t>- функции </a:t>
+            </a:r>
+            <a:r>
+              <a:rPr lang="ru-RU" sz="3200" dirty="0" smtClean="0"/>
+              <a:t>администрирования</a:t>
             </a:r>
             <a:endParaRPr lang="ru-RU" sz="3200" dirty="0" smtClean="0"/>
           </a:p>
@@ -12609,9 +13112,9 @@
 <file path=ppt/theme/theme1.xml><?xml version="1.0" encoding="utf-8"?>
 <a:theme xmlns:a="http://schemas.openxmlformats.org/drawingml/2006/main" name="Базовая">
   <a:themeElements>
-    <a:clrScheme name="Другая 1">
+    <a:clrScheme name="Другая 3">
       <a:dk1>
-        <a:sysClr val="windowText" lastClr="000000"/>
+        <a:srgbClr val="242852"/>
       </a:dk1>
       <a:lt1>
         <a:sysClr val="window" lastClr="FFFFFF"/>

--- a/!docs/common.pptx
+++ b/!docs/common.pptx
@@ -9,37 +9,30 @@
     <p:sldId id="310" r:id="rId3"/>
     <p:sldId id="311" r:id="rId4"/>
     <p:sldId id="261" r:id="rId5"/>
-    <p:sldId id="257" r:id="rId6"/>
-    <p:sldId id="266" r:id="rId7"/>
-    <p:sldId id="267" r:id="rId8"/>
-    <p:sldId id="268" r:id="rId9"/>
-    <p:sldId id="269" r:id="rId10"/>
-    <p:sldId id="312" r:id="rId11"/>
-    <p:sldId id="291" r:id="rId12"/>
-    <p:sldId id="292" r:id="rId13"/>
-    <p:sldId id="293" r:id="rId14"/>
-    <p:sldId id="294" r:id="rId15"/>
-    <p:sldId id="295" r:id="rId16"/>
-    <p:sldId id="296" r:id="rId17"/>
-    <p:sldId id="297" r:id="rId18"/>
-    <p:sldId id="313" r:id="rId19"/>
-    <p:sldId id="314" r:id="rId20"/>
-    <p:sldId id="315" r:id="rId21"/>
-    <p:sldId id="319" r:id="rId22"/>
-    <p:sldId id="298" r:id="rId23"/>
-    <p:sldId id="299" r:id="rId24"/>
-    <p:sldId id="316" r:id="rId25"/>
-    <p:sldId id="317" r:id="rId26"/>
-    <p:sldId id="300" r:id="rId27"/>
-    <p:sldId id="301" r:id="rId28"/>
-    <p:sldId id="302" r:id="rId29"/>
-    <p:sldId id="303" r:id="rId30"/>
-    <p:sldId id="304" r:id="rId31"/>
-    <p:sldId id="305" r:id="rId32"/>
-    <p:sldId id="306" r:id="rId33"/>
-    <p:sldId id="307" r:id="rId34"/>
-    <p:sldId id="308" r:id="rId35"/>
-    <p:sldId id="318" r:id="rId36"/>
+    <p:sldId id="268" r:id="rId6"/>
+    <p:sldId id="269" r:id="rId7"/>
+    <p:sldId id="312" r:id="rId8"/>
+    <p:sldId id="291" r:id="rId9"/>
+    <p:sldId id="292" r:id="rId10"/>
+    <p:sldId id="293" r:id="rId11"/>
+    <p:sldId id="294" r:id="rId12"/>
+    <p:sldId id="295" r:id="rId13"/>
+    <p:sldId id="296" r:id="rId14"/>
+    <p:sldId id="297" r:id="rId15"/>
+    <p:sldId id="313" r:id="rId16"/>
+    <p:sldId id="314" r:id="rId17"/>
+    <p:sldId id="315" r:id="rId18"/>
+    <p:sldId id="319" r:id="rId19"/>
+    <p:sldId id="298" r:id="rId20"/>
+    <p:sldId id="299" r:id="rId21"/>
+    <p:sldId id="316" r:id="rId22"/>
+    <p:sldId id="317" r:id="rId23"/>
+    <p:sldId id="300" r:id="rId24"/>
+    <p:sldId id="301" r:id="rId25"/>
+    <p:sldId id="302" r:id="rId26"/>
+    <p:sldId id="307" r:id="rId27"/>
+    <p:sldId id="308" r:id="rId28"/>
+    <p:sldId id="318" r:id="rId29"/>
   </p:sldIdLst>
   <p:sldSz cx="9144000" cy="6858000" type="screen4x3"/>
   <p:notesSz cx="6858000" cy="9144000"/>
@@ -155,9 +148,6 @@
         <p14:section name="2с) Аналогичные продукты, их достоинства и недостатки, постановка нашей задачи" id="{753AA875-BC36-4318-9B50-6DB1398E2110}">
           <p14:sldIdLst>
             <p14:sldId id="261"/>
-            <p14:sldId id="257"/>
-            <p14:sldId id="266"/>
-            <p14:sldId id="267"/>
             <p14:sldId id="268"/>
             <p14:sldId id="269"/>
           </p14:sldIdLst>
@@ -203,10 +193,6 @@
             <p14:sldId id="300"/>
             <p14:sldId id="301"/>
             <p14:sldId id="302"/>
-            <p14:sldId id="303"/>
-            <p14:sldId id="304"/>
-            <p14:sldId id="305"/>
-            <p14:sldId id="306"/>
             <p14:sldId id="307"/>
             <p14:sldId id="308"/>
           </p14:sldIdLst>
@@ -459,7 +445,7 @@
           <a:p>
             <a:fld id="{F34D2577-27A9-48D8-B09C-5DF8AFE9C2EC}" type="datetimeFigureOut">
               <a:rPr lang="ru-RU" smtClean="0"/>
-              <a:t>03.06.2012</a:t>
+              <a:t>11.06.2012</a:t>
             </a:fld>
             <a:endParaRPr lang="ru-RU"/>
           </a:p>
@@ -629,7 +615,7 @@
           <a:p>
             <a:fld id="{F34D2577-27A9-48D8-B09C-5DF8AFE9C2EC}" type="datetimeFigureOut">
               <a:rPr lang="ru-RU" smtClean="0"/>
-              <a:t>03.06.2012</a:t>
+              <a:t>11.06.2012</a:t>
             </a:fld>
             <a:endParaRPr lang="ru-RU"/>
           </a:p>
@@ -804,7 +790,7 @@
           <a:p>
             <a:fld id="{F34D2577-27A9-48D8-B09C-5DF8AFE9C2EC}" type="datetimeFigureOut">
               <a:rPr lang="ru-RU" smtClean="0"/>
-              <a:t>03.06.2012</a:t>
+              <a:t>11.06.2012</a:t>
             </a:fld>
             <a:endParaRPr lang="ru-RU"/>
           </a:p>
@@ -969,7 +955,7 @@
           <a:p>
             <a:fld id="{F34D2577-27A9-48D8-B09C-5DF8AFE9C2EC}" type="datetimeFigureOut">
               <a:rPr lang="ru-RU" smtClean="0"/>
-              <a:t>03.06.2012</a:t>
+              <a:t>11.06.2012</a:t>
             </a:fld>
             <a:endParaRPr lang="ru-RU"/>
           </a:p>
@@ -1226,7 +1212,7 @@
           <a:p>
             <a:fld id="{F34D2577-27A9-48D8-B09C-5DF8AFE9C2EC}" type="datetimeFigureOut">
               <a:rPr lang="ru-RU" smtClean="0"/>
-              <a:t>03.06.2012</a:t>
+              <a:t>11.06.2012</a:t>
             </a:fld>
             <a:endParaRPr lang="ru-RU"/>
           </a:p>
@@ -1366,7 +1352,7 @@
           <a:p>
             <a:fld id="{F34D2577-27A9-48D8-B09C-5DF8AFE9C2EC}" type="datetimeFigureOut">
               <a:rPr lang="ru-RU" smtClean="0"/>
-              <a:t>03.06.2012</a:t>
+              <a:t>11.06.2012</a:t>
             </a:fld>
             <a:endParaRPr lang="ru-RU"/>
           </a:p>
@@ -2016,7 +2002,7 @@
           <a:p>
             <a:fld id="{F34D2577-27A9-48D8-B09C-5DF8AFE9C2EC}" type="datetimeFigureOut">
               <a:rPr lang="ru-RU" smtClean="0"/>
-              <a:t>03.06.2012</a:t>
+              <a:t>11.06.2012</a:t>
             </a:fld>
             <a:endParaRPr lang="ru-RU"/>
           </a:p>
@@ -2129,7 +2115,7 @@
           <a:p>
             <a:fld id="{F34D2577-27A9-48D8-B09C-5DF8AFE9C2EC}" type="datetimeFigureOut">
               <a:rPr lang="ru-RU" smtClean="0"/>
-              <a:t>03.06.2012</a:t>
+              <a:t>11.06.2012</a:t>
             </a:fld>
             <a:endParaRPr lang="ru-RU"/>
           </a:p>
@@ -2219,7 +2205,7 @@
           <a:p>
             <a:fld id="{F34D2577-27A9-48D8-B09C-5DF8AFE9C2EC}" type="datetimeFigureOut">
               <a:rPr lang="ru-RU" smtClean="0"/>
-              <a:t>03.06.2012</a:t>
+              <a:t>11.06.2012</a:t>
             </a:fld>
             <a:endParaRPr lang="ru-RU"/>
           </a:p>
@@ -2509,7 +2495,7 @@
           <a:p>
             <a:fld id="{F34D2577-27A9-48D8-B09C-5DF8AFE9C2EC}" type="datetimeFigureOut">
               <a:rPr lang="ru-RU" smtClean="0"/>
-              <a:t>03.06.2012</a:t>
+              <a:t>11.06.2012</a:t>
             </a:fld>
             <a:endParaRPr lang="ru-RU"/>
           </a:p>
@@ -2832,7 +2818,7 @@
           <a:p>
             <a:fld id="{F34D2577-27A9-48D8-B09C-5DF8AFE9C2EC}" type="datetimeFigureOut">
               <a:rPr lang="ru-RU" smtClean="0"/>
-              <a:t>03.06.2012</a:t>
+              <a:t>11.06.2012</a:t>
             </a:fld>
             <a:endParaRPr lang="ru-RU"/>
           </a:p>
@@ -3289,7 +3275,7 @@
           <a:p>
             <a:fld id="{F34D2577-27A9-48D8-B09C-5DF8AFE9C2EC}" type="datetimeFigureOut">
               <a:rPr lang="ru-RU" smtClean="0"/>
-              <a:t>03.06.2012</a:t>
+              <a:t>11.06.2012</a:t>
             </a:fld>
             <a:endParaRPr lang="ru-RU"/>
           </a:p>
@@ -3807,7 +3793,7 @@
         </p:nvSpPr>
         <p:spPr>
           <a:xfrm>
-            <a:off x="431540" y="500896"/>
+            <a:off x="431540" y="2274838"/>
             <a:ext cx="8280920" cy="2308324"/>
           </a:xfrm>
           <a:prstGeom prst="rect">
@@ -3824,17 +3810,10 @@
             <a:r>
               <a:rPr lang="ru-RU" sz="4800" dirty="0" smtClean="0">
                 <a:solidFill>
-                  <a:schemeClr val="tx1">
-                    <a:lumMod val="75000"/>
+                  <a:schemeClr val="tx2">
+                    <a:lumMod val="25000"/>
                   </a:schemeClr>
                 </a:solidFill>
-                <a:effectLst>
-                  <a:outerShdw blurRad="38100" dist="38100" dir="2700000" algn="tl">
-                    <a:srgbClr val="000000">
-                      <a:alpha val="43137"/>
-                    </a:srgbClr>
-                  </a:outerShdw>
-                </a:effectLst>
                 <a:latin typeface="Calibri" pitchFamily="34" charset="0"/>
                 <a:cs typeface="Calibri" pitchFamily="34" charset="0"/>
               </a:rPr>
@@ -3843,17 +3822,10 @@
             <a:r>
               <a:rPr lang="ru-RU" sz="4800" dirty="0" err="1" smtClean="0">
                 <a:solidFill>
-                  <a:schemeClr val="tx1">
-                    <a:lumMod val="75000"/>
+                  <a:schemeClr val="tx2">
+                    <a:lumMod val="25000"/>
                   </a:schemeClr>
                 </a:solidFill>
-                <a:effectLst>
-                  <a:outerShdw blurRad="38100" dist="38100" dir="2700000" algn="tl">
-                    <a:srgbClr val="000000">
-                      <a:alpha val="43137"/>
-                    </a:srgbClr>
-                  </a:outerShdw>
-                </a:effectLst>
                 <a:latin typeface="Calibri" pitchFamily="34" charset="0"/>
                 <a:cs typeface="Calibri" pitchFamily="34" charset="0"/>
               </a:rPr>
@@ -3862,17 +3834,10 @@
             <a:r>
               <a:rPr lang="ru-RU" sz="4800" dirty="0" smtClean="0">
                 <a:solidFill>
-                  <a:schemeClr val="tx1">
-                    <a:lumMod val="75000"/>
+                  <a:schemeClr val="tx2">
+                    <a:lumMod val="25000"/>
                   </a:schemeClr>
                 </a:solidFill>
-                <a:effectLst>
-                  <a:outerShdw blurRad="38100" dist="38100" dir="2700000" algn="tl">
-                    <a:srgbClr val="000000">
-                      <a:alpha val="43137"/>
-                    </a:srgbClr>
-                  </a:outerShdw>
-                </a:effectLst>
                 <a:latin typeface="Calibri" pitchFamily="34" charset="0"/>
                 <a:cs typeface="Calibri" pitchFamily="34" charset="0"/>
               </a:rPr>
@@ -3881,17 +3846,10 @@
             <a:r>
               <a:rPr lang="en-US" sz="4800" dirty="0" smtClean="0">
                 <a:solidFill>
-                  <a:schemeClr val="tx1">
-                    <a:lumMod val="75000"/>
+                  <a:schemeClr val="tx2">
+                    <a:lumMod val="25000"/>
                   </a:schemeClr>
                 </a:solidFill>
-                <a:effectLst>
-                  <a:outerShdw blurRad="38100" dist="38100" dir="2700000" algn="tl">
-                    <a:srgbClr val="000000">
-                      <a:alpha val="43137"/>
-                    </a:srgbClr>
-                  </a:outerShdw>
-                </a:effectLst>
                 <a:latin typeface="Calibri" pitchFamily="34" charset="0"/>
                 <a:cs typeface="Calibri" pitchFamily="34" charset="0"/>
               </a:rPr>
@@ -3899,90 +3857,13 @@
             </a:r>
             <a:endParaRPr lang="ru-RU" sz="4800" dirty="0">
               <a:solidFill>
-                <a:schemeClr val="tx1">
-                  <a:lumMod val="75000"/>
+                <a:schemeClr val="tx2">
+                  <a:lumMod val="25000"/>
                 </a:schemeClr>
               </a:solidFill>
-              <a:effectLst>
-                <a:outerShdw blurRad="38100" dist="38100" dir="2700000" algn="tl">
-                  <a:srgbClr val="000000">
-                    <a:alpha val="43137"/>
-                  </a:srgbClr>
-                </a:outerShdw>
-              </a:effectLst>
               <a:latin typeface="Calibri" pitchFamily="34" charset="0"/>
               <a:cs typeface="Calibri" pitchFamily="34" charset="0"/>
             </a:endParaRPr>
-          </a:p>
-        </p:txBody>
-      </p:sp>
-      <p:sp>
-        <p:nvSpPr>
-          <p:cNvPr id="3" name="TextBox 2"/>
-          <p:cNvSpPr txBox="1"/>
-          <p:nvPr/>
-        </p:nvSpPr>
-        <p:spPr>
-          <a:xfrm>
-            <a:off x="431540" y="3310116"/>
-            <a:ext cx="8280920" cy="3046988"/>
-          </a:xfrm>
-          <a:prstGeom prst="rect">
-            <a:avLst/>
-          </a:prstGeom>
-          <a:noFill/>
-        </p:spPr>
-        <p:txBody>
-          <a:bodyPr wrap="square" rtlCol="0" anchor="ctr">
-            <a:spAutoFit/>
-          </a:bodyPr>
-          <a:lstStyle/>
-          <a:p>
-            <a:pPr>
-              <a:lnSpc>
-                <a:spcPct val="150000"/>
-              </a:lnSpc>
-            </a:pPr>
-            <a:r>
-              <a:rPr lang="ru-RU" sz="3200" dirty="0"/>
-              <a:t>П</a:t>
-            </a:r>
-            <a:r>
-              <a:rPr lang="ru-RU" sz="3200" dirty="0" smtClean="0"/>
-              <a:t>роектирование </a:t>
-            </a:r>
-            <a:r>
-              <a:rPr lang="ru-RU" sz="3200" dirty="0"/>
-              <a:t>подсистем </a:t>
-            </a:r>
-            <a:r>
-              <a:rPr lang="ru-RU" sz="3200" dirty="0" smtClean="0"/>
-              <a:t>хранения </a:t>
-            </a:r>
-            <a:r>
-              <a:rPr lang="ru-RU" sz="3200" dirty="0"/>
-              <a:t>и обработки информации в </a:t>
-            </a:r>
-            <a:r>
-              <a:rPr lang="ru-RU" sz="3200" dirty="0" smtClean="0"/>
-              <a:t>CMS</a:t>
-            </a:r>
-          </a:p>
-          <a:p>
-            <a:pPr>
-              <a:lnSpc>
-                <a:spcPct val="150000"/>
-              </a:lnSpc>
-            </a:pPr>
-            <a:r>
-              <a:rPr lang="ru-RU" sz="3200" dirty="0"/>
-              <a:t>Проектирование подсистемы вывода и представления информации в </a:t>
-            </a:r>
-            <a:r>
-              <a:rPr lang="ru-RU" sz="3200" dirty="0" smtClean="0"/>
-              <a:t>CMS</a:t>
-            </a:r>
-            <a:endParaRPr lang="ru-RU" sz="3200" dirty="0"/>
           </a:p>
         </p:txBody>
       </p:sp>
@@ -4031,778 +3912,6 @@
         </p:nvSpPr>
         <p:spPr>
           <a:xfrm>
-            <a:off x="-508" y="58672"/>
-            <a:ext cx="9145016" cy="830997"/>
-          </a:xfrm>
-          <a:prstGeom prst="rect">
-            <a:avLst/>
-          </a:prstGeom>
-          <a:noFill/>
-        </p:spPr>
-        <p:txBody>
-          <a:bodyPr wrap="square" rtlCol="0" anchor="ctr">
-            <a:spAutoFit/>
-          </a:bodyPr>
-          <a:lstStyle/>
-          <a:p>
-            <a:pPr algn="ctr"/>
-            <a:r>
-              <a:rPr lang="ru-RU" sz="4800" dirty="0" smtClean="0">
-                <a:effectLst>
-                  <a:outerShdw blurRad="38100" dist="38100" dir="2700000" algn="tl">
-                    <a:srgbClr val="000000">
-                      <a:alpha val="43137"/>
-                    </a:srgbClr>
-                  </a:outerShdw>
-                </a:effectLst>
-                <a:latin typeface="Calibri" pitchFamily="34" charset="0"/>
-                <a:cs typeface="Calibri" pitchFamily="34" charset="0"/>
-              </a:rPr>
-              <a:t>Использованные веб-технологии:</a:t>
-            </a:r>
-            <a:endParaRPr lang="ru-RU" sz="4800" dirty="0">
-              <a:effectLst>
-                <a:outerShdw blurRad="38100" dist="38100" dir="2700000" algn="tl">
-                  <a:srgbClr val="000000">
-                    <a:alpha val="43137"/>
-                  </a:srgbClr>
-                </a:outerShdw>
-              </a:effectLst>
-              <a:latin typeface="Calibri" pitchFamily="34" charset="0"/>
-              <a:cs typeface="Calibri" pitchFamily="34" charset="0"/>
-            </a:endParaRPr>
-          </a:p>
-        </p:txBody>
-      </p:sp>
-      <p:sp>
-        <p:nvSpPr>
-          <p:cNvPr id="12" name="TextBox 11"/>
-          <p:cNvSpPr txBox="1"/>
-          <p:nvPr/>
-        </p:nvSpPr>
-        <p:spPr>
-          <a:xfrm>
-            <a:off x="-1" y="1862916"/>
-            <a:ext cx="2339753" cy="646331"/>
-          </a:xfrm>
-          <a:prstGeom prst="rect">
-            <a:avLst/>
-          </a:prstGeom>
-          <a:noFill/>
-        </p:spPr>
-        <p:txBody>
-          <a:bodyPr wrap="square" rtlCol="0" anchor="ctr">
-            <a:spAutoFit/>
-          </a:bodyPr>
-          <a:lstStyle/>
-          <a:p>
-            <a:pPr algn="ctr"/>
-            <a:r>
-              <a:rPr lang="en-US" sz="3600" dirty="0" smtClean="0">
-                <a:effectLst>
-                  <a:outerShdw blurRad="38100" dist="38100" dir="2700000" algn="tl">
-                    <a:srgbClr val="000000">
-                      <a:alpha val="43137"/>
-                    </a:srgbClr>
-                  </a:outerShdw>
-                </a:effectLst>
-                <a:latin typeface="Calibri" pitchFamily="34" charset="0"/>
-                <a:cs typeface="Calibri" pitchFamily="34" charset="0"/>
-              </a:rPr>
-              <a:t>PHP</a:t>
-            </a:r>
-            <a:endParaRPr lang="ru-RU" sz="3600" dirty="0">
-              <a:effectLst>
-                <a:outerShdw blurRad="38100" dist="38100" dir="2700000" algn="tl">
-                  <a:srgbClr val="000000">
-                    <a:alpha val="43137"/>
-                  </a:srgbClr>
-                </a:outerShdw>
-              </a:effectLst>
-              <a:latin typeface="Calibri" pitchFamily="34" charset="0"/>
-              <a:cs typeface="Calibri" pitchFamily="34" charset="0"/>
-            </a:endParaRPr>
-          </a:p>
-        </p:txBody>
-      </p:sp>
-      <p:sp>
-        <p:nvSpPr>
-          <p:cNvPr id="13" name="TextBox 12"/>
-          <p:cNvSpPr txBox="1"/>
-          <p:nvPr/>
-        </p:nvSpPr>
-        <p:spPr>
-          <a:xfrm>
-            <a:off x="0" y="4366647"/>
-            <a:ext cx="2339752" cy="1754326"/>
-          </a:xfrm>
-          <a:prstGeom prst="rect">
-            <a:avLst/>
-          </a:prstGeom>
-          <a:noFill/>
-        </p:spPr>
-        <p:txBody>
-          <a:bodyPr wrap="square" rtlCol="0" anchor="ctr">
-            <a:spAutoFit/>
-          </a:bodyPr>
-          <a:lstStyle/>
-          <a:p>
-            <a:pPr algn="ctr"/>
-            <a:r>
-              <a:rPr lang="en-US" sz="3600" dirty="0" smtClean="0">
-                <a:effectLst>
-                  <a:outerShdw blurRad="38100" dist="38100" dir="2700000" algn="tl">
-                    <a:srgbClr val="000000">
-                      <a:alpha val="43137"/>
-                    </a:srgbClr>
-                  </a:outerShdw>
-                </a:effectLst>
-                <a:latin typeface="Calibri" pitchFamily="34" charset="0"/>
-                <a:cs typeface="Calibri" pitchFamily="34" charset="0"/>
-              </a:rPr>
-              <a:t>JavaScript</a:t>
-            </a:r>
-          </a:p>
-          <a:p>
-            <a:pPr algn="ctr"/>
-            <a:r>
-              <a:rPr lang="en-US" sz="3600" dirty="0" smtClean="0">
-                <a:effectLst>
-                  <a:outerShdw blurRad="38100" dist="38100" dir="2700000" algn="tl">
-                    <a:srgbClr val="000000">
-                      <a:alpha val="43137"/>
-                    </a:srgbClr>
-                  </a:outerShdw>
-                </a:effectLst>
-                <a:latin typeface="Calibri" pitchFamily="34" charset="0"/>
-                <a:cs typeface="Calibri" pitchFamily="34" charset="0"/>
-              </a:rPr>
-              <a:t>HTML</a:t>
-            </a:r>
-          </a:p>
-          <a:p>
-            <a:pPr algn="ctr"/>
-            <a:r>
-              <a:rPr lang="en-US" sz="3600" dirty="0" smtClean="0">
-                <a:effectLst>
-                  <a:outerShdw blurRad="38100" dist="38100" dir="2700000" algn="tl">
-                    <a:srgbClr val="000000">
-                      <a:alpha val="43137"/>
-                    </a:srgbClr>
-                  </a:outerShdw>
-                </a:effectLst>
-                <a:latin typeface="Calibri" pitchFamily="34" charset="0"/>
-                <a:cs typeface="Calibri" pitchFamily="34" charset="0"/>
-              </a:rPr>
-              <a:t>CSS</a:t>
-            </a:r>
-            <a:endParaRPr lang="ru-RU" sz="3600" dirty="0">
-              <a:effectLst>
-                <a:outerShdw blurRad="38100" dist="38100" dir="2700000" algn="tl">
-                  <a:srgbClr val="000000">
-                    <a:alpha val="43137"/>
-                  </a:srgbClr>
-                </a:outerShdw>
-              </a:effectLst>
-              <a:latin typeface="Calibri" pitchFamily="34" charset="0"/>
-              <a:cs typeface="Calibri" pitchFamily="34" charset="0"/>
-            </a:endParaRPr>
-          </a:p>
-        </p:txBody>
-      </p:sp>
-      <p:sp>
-        <p:nvSpPr>
-          <p:cNvPr id="14" name="TextBox 13"/>
-          <p:cNvSpPr txBox="1"/>
-          <p:nvPr/>
-        </p:nvSpPr>
-        <p:spPr>
-          <a:xfrm>
-            <a:off x="6200826" y="3748388"/>
-            <a:ext cx="2952328" cy="1200329"/>
-          </a:xfrm>
-          <a:prstGeom prst="rect">
-            <a:avLst/>
-          </a:prstGeom>
-          <a:noFill/>
-        </p:spPr>
-        <p:txBody>
-          <a:bodyPr wrap="square" rtlCol="0" anchor="ctr">
-            <a:spAutoFit/>
-          </a:bodyPr>
-          <a:lstStyle/>
-          <a:p>
-            <a:pPr algn="ctr"/>
-            <a:r>
-              <a:rPr lang="ru-RU" sz="3600" dirty="0" smtClean="0">
-                <a:effectLst>
-                  <a:outerShdw blurRad="38100" dist="38100" dir="2700000" algn="tl">
-                    <a:srgbClr val="000000">
-                      <a:alpha val="43137"/>
-                    </a:srgbClr>
-                  </a:outerShdw>
-                </a:effectLst>
-                <a:latin typeface="Calibri" pitchFamily="34" charset="0"/>
-                <a:cs typeface="Calibri" pitchFamily="34" charset="0"/>
-              </a:rPr>
-              <a:t>База данных: </a:t>
-            </a:r>
-            <a:r>
-              <a:rPr lang="en-US" sz="3600" dirty="0" smtClean="0">
-                <a:effectLst>
-                  <a:outerShdw blurRad="38100" dist="38100" dir="2700000" algn="tl">
-                    <a:srgbClr val="000000">
-                      <a:alpha val="43137"/>
-                    </a:srgbClr>
-                  </a:outerShdw>
-                </a:effectLst>
-                <a:latin typeface="Calibri" pitchFamily="34" charset="0"/>
-                <a:cs typeface="Calibri" pitchFamily="34" charset="0"/>
-              </a:rPr>
-              <a:t>MySQL</a:t>
-            </a:r>
-            <a:endParaRPr lang="ru-RU" sz="3600" dirty="0" smtClean="0">
-              <a:effectLst>
-                <a:outerShdw blurRad="38100" dist="38100" dir="2700000" algn="tl">
-                  <a:srgbClr val="000000">
-                    <a:alpha val="43137"/>
-                  </a:srgbClr>
-                </a:outerShdw>
-              </a:effectLst>
-              <a:latin typeface="Calibri" pitchFamily="34" charset="0"/>
-              <a:cs typeface="Calibri" pitchFamily="34" charset="0"/>
-            </a:endParaRPr>
-          </a:p>
-        </p:txBody>
-      </p:sp>
-      <p:graphicFrame>
-        <p:nvGraphicFramePr>
-          <p:cNvPr id="2" name="Объект 1"/>
-          <p:cNvGraphicFramePr>
-            <a:graphicFrameLocks noChangeAspect="1"/>
-          </p:cNvGraphicFramePr>
-          <p:nvPr>
-            <p:extLst>
-              <p:ext uri="{D42A27DB-BD31-4B8C-83A1-F6EECF244321}">
-                <p14:modId xmlns:p14="http://schemas.microsoft.com/office/powerpoint/2010/main" val="57592027"/>
-              </p:ext>
-            </p:extLst>
-          </p:nvPr>
-        </p:nvGraphicFramePr>
-        <p:xfrm>
-          <a:off x="2314625" y="1055688"/>
-          <a:ext cx="4514751" cy="5571236"/>
-        </p:xfrm>
-        <a:graphic>
-          <a:graphicData uri="http://schemas.openxmlformats.org/presentationml/2006/ole">
-            <mc:AlternateContent xmlns:mc="http://schemas.openxmlformats.org/markup-compatibility/2006">
-              <mc:Choice xmlns:v="urn:schemas-microsoft-com:vml" Requires="v">
-                <p:oleObj spid="_x0000_s14350" name="Visio" r:id="rId3" imgW="3846693" imgH="4746600" progId="Visio.Drawing.11">
-                  <p:embed/>
-                </p:oleObj>
-              </mc:Choice>
-              <mc:Fallback>
-                <p:oleObj name="Visio" r:id="rId3" imgW="3846693" imgH="4746600" progId="Visio.Drawing.11">
-                  <p:embed/>
-                  <p:pic>
-                    <p:nvPicPr>
-                      <p:cNvPr id="0" name=""/>
-                      <p:cNvPicPr/>
-                      <p:nvPr/>
-                    </p:nvPicPr>
-                    <p:blipFill>
-                      <a:blip r:embed="rId4"/>
-                      <a:stretch>
-                        <a:fillRect/>
-                      </a:stretch>
-                    </p:blipFill>
-                    <p:spPr>
-                      <a:xfrm>
-                        <a:off x="2314625" y="1055688"/>
-                        <a:ext cx="4514751" cy="5571236"/>
-                      </a:xfrm>
-                      <a:prstGeom prst="rect">
-                        <a:avLst/>
-                      </a:prstGeom>
-                    </p:spPr>
-                  </p:pic>
-                </p:oleObj>
-              </mc:Fallback>
-            </mc:AlternateContent>
-          </a:graphicData>
-        </a:graphic>
-      </p:graphicFrame>
-    </p:spTree>
-    <p:extLst>
-      <p:ext uri="{BB962C8B-B14F-4D97-AF65-F5344CB8AC3E}">
-        <p14:creationId xmlns:p14="http://schemas.microsoft.com/office/powerpoint/2010/main" val="1051544388"/>
-      </p:ext>
-    </p:extLst>
-  </p:cSld>
-  <p:clrMapOvr>
-    <a:masterClrMapping/>
-  </p:clrMapOvr>
-  <p:timing>
-    <p:tnLst>
-      <p:par>
-        <p:cTn id="1" dur="indefinite" restart="never" nodeType="tmRoot">
-          <p:childTnLst>
-            <p:seq concurrent="1" nextAc="seek">
-              <p:cTn id="2" dur="indefinite" nodeType="mainSeq">
-                <p:childTnLst>
-                  <p:par>
-                    <p:cTn id="3" fill="hold">
-                      <p:stCondLst>
-                        <p:cond delay="indefinite"/>
-                      </p:stCondLst>
-                      <p:childTnLst>
-                        <p:par>
-                          <p:cTn id="4" fill="hold">
-                            <p:stCondLst>
-                              <p:cond delay="0"/>
-                            </p:stCondLst>
-                            <p:childTnLst>
-                              <p:par>
-                                <p:cTn id="5" presetID="10" presetClass="entr" presetSubtype="0" fill="hold" nodeType="clickEffect">
-                                  <p:stCondLst>
-                                    <p:cond delay="0"/>
-                                  </p:stCondLst>
-                                  <p:childTnLst>
-                                    <p:set>
-                                      <p:cBhvr>
-                                        <p:cTn id="6" dur="1" fill="hold">
-                                          <p:stCondLst>
-                                            <p:cond delay="0"/>
-                                          </p:stCondLst>
-                                        </p:cTn>
-                                        <p:tgtEl>
-                                          <p:spTgt spid="2"/>
-                                        </p:tgtEl>
-                                        <p:attrNameLst>
-                                          <p:attrName>style.visibility</p:attrName>
-                                        </p:attrNameLst>
-                                      </p:cBhvr>
-                                      <p:to>
-                                        <p:strVal val="visible"/>
-                                      </p:to>
-                                    </p:set>
-                                    <p:animEffect transition="in" filter="fade">
-                                      <p:cBhvr>
-                                        <p:cTn id="7" dur="500"/>
-                                        <p:tgtEl>
-                                          <p:spTgt spid="2"/>
-                                        </p:tgtEl>
-                                      </p:cBhvr>
-                                    </p:animEffect>
-                                  </p:childTnLst>
-                                </p:cTn>
-                              </p:par>
-                            </p:childTnLst>
-                          </p:cTn>
-                        </p:par>
-                      </p:childTnLst>
-                    </p:cTn>
-                  </p:par>
-                  <p:par>
-                    <p:cTn id="8" fill="hold">
-                      <p:stCondLst>
-                        <p:cond delay="indefinite"/>
-                      </p:stCondLst>
-                      <p:childTnLst>
-                        <p:par>
-                          <p:cTn id="9" fill="hold">
-                            <p:stCondLst>
-                              <p:cond delay="0"/>
-                            </p:stCondLst>
-                            <p:childTnLst>
-                              <p:par>
-                                <p:cTn id="10" presetID="10" presetClass="entr" presetSubtype="0" fill="hold" grpId="0" nodeType="clickEffect">
-                                  <p:stCondLst>
-                                    <p:cond delay="0"/>
-                                  </p:stCondLst>
-                                  <p:childTnLst>
-                                    <p:set>
-                                      <p:cBhvr>
-                                        <p:cTn id="11" dur="1" fill="hold">
-                                          <p:stCondLst>
-                                            <p:cond delay="0"/>
-                                          </p:stCondLst>
-                                        </p:cTn>
-                                        <p:tgtEl>
-                                          <p:spTgt spid="12"/>
-                                        </p:tgtEl>
-                                        <p:attrNameLst>
-                                          <p:attrName>style.visibility</p:attrName>
-                                        </p:attrNameLst>
-                                      </p:cBhvr>
-                                      <p:to>
-                                        <p:strVal val="visible"/>
-                                      </p:to>
-                                    </p:set>
-                                    <p:animEffect transition="in" filter="fade">
-                                      <p:cBhvr>
-                                        <p:cTn id="12" dur="500"/>
-                                        <p:tgtEl>
-                                          <p:spTgt spid="12"/>
-                                        </p:tgtEl>
-                                      </p:cBhvr>
-                                    </p:animEffect>
-                                  </p:childTnLst>
-                                </p:cTn>
-                              </p:par>
-                            </p:childTnLst>
-                          </p:cTn>
-                        </p:par>
-                      </p:childTnLst>
-                    </p:cTn>
-                  </p:par>
-                  <p:par>
-                    <p:cTn id="13" fill="hold">
-                      <p:stCondLst>
-                        <p:cond delay="indefinite"/>
-                      </p:stCondLst>
-                      <p:childTnLst>
-                        <p:par>
-                          <p:cTn id="14" fill="hold">
-                            <p:stCondLst>
-                              <p:cond delay="0"/>
-                            </p:stCondLst>
-                            <p:childTnLst>
-                              <p:par>
-                                <p:cTn id="15" presetID="10" presetClass="entr" presetSubtype="0" fill="hold" grpId="0" nodeType="clickEffect">
-                                  <p:stCondLst>
-                                    <p:cond delay="0"/>
-                                  </p:stCondLst>
-                                  <p:childTnLst>
-                                    <p:set>
-                                      <p:cBhvr>
-                                        <p:cTn id="16" dur="1" fill="hold">
-                                          <p:stCondLst>
-                                            <p:cond delay="0"/>
-                                          </p:stCondLst>
-                                        </p:cTn>
-                                        <p:tgtEl>
-                                          <p:spTgt spid="13"/>
-                                        </p:tgtEl>
-                                        <p:attrNameLst>
-                                          <p:attrName>style.visibility</p:attrName>
-                                        </p:attrNameLst>
-                                      </p:cBhvr>
-                                      <p:to>
-                                        <p:strVal val="visible"/>
-                                      </p:to>
-                                    </p:set>
-                                    <p:animEffect transition="in" filter="fade">
-                                      <p:cBhvr>
-                                        <p:cTn id="17" dur="500"/>
-                                        <p:tgtEl>
-                                          <p:spTgt spid="13"/>
-                                        </p:tgtEl>
-                                      </p:cBhvr>
-                                    </p:animEffect>
-                                  </p:childTnLst>
-                                </p:cTn>
-                              </p:par>
-                            </p:childTnLst>
-                          </p:cTn>
-                        </p:par>
-                      </p:childTnLst>
-                    </p:cTn>
-                  </p:par>
-                  <p:par>
-                    <p:cTn id="18" fill="hold">
-                      <p:stCondLst>
-                        <p:cond delay="indefinite"/>
-                      </p:stCondLst>
-                      <p:childTnLst>
-                        <p:par>
-                          <p:cTn id="19" fill="hold">
-                            <p:stCondLst>
-                              <p:cond delay="0"/>
-                            </p:stCondLst>
-                            <p:childTnLst>
-                              <p:par>
-                                <p:cTn id="20" presetID="10" presetClass="entr" presetSubtype="0" fill="hold" grpId="0" nodeType="clickEffect">
-                                  <p:stCondLst>
-                                    <p:cond delay="0"/>
-                                  </p:stCondLst>
-                                  <p:childTnLst>
-                                    <p:set>
-                                      <p:cBhvr>
-                                        <p:cTn id="21" dur="1" fill="hold">
-                                          <p:stCondLst>
-                                            <p:cond delay="0"/>
-                                          </p:stCondLst>
-                                        </p:cTn>
-                                        <p:tgtEl>
-                                          <p:spTgt spid="14"/>
-                                        </p:tgtEl>
-                                        <p:attrNameLst>
-                                          <p:attrName>style.visibility</p:attrName>
-                                        </p:attrNameLst>
-                                      </p:cBhvr>
-                                      <p:to>
-                                        <p:strVal val="visible"/>
-                                      </p:to>
-                                    </p:set>
-                                    <p:animEffect transition="in" filter="fade">
-                                      <p:cBhvr>
-                                        <p:cTn id="22" dur="500"/>
-                                        <p:tgtEl>
-                                          <p:spTgt spid="14"/>
-                                        </p:tgtEl>
-                                      </p:cBhvr>
-                                    </p:animEffect>
-                                  </p:childTnLst>
-                                </p:cTn>
-                              </p:par>
-                            </p:childTnLst>
-                          </p:cTn>
-                        </p:par>
-                      </p:childTnLst>
-                    </p:cTn>
-                  </p:par>
-                </p:childTnLst>
-              </p:cTn>
-              <p:prevCondLst>
-                <p:cond evt="onPrev" delay="0">
-                  <p:tgtEl>
-                    <p:sldTgt/>
-                  </p:tgtEl>
-                </p:cond>
-              </p:prevCondLst>
-              <p:nextCondLst>
-                <p:cond evt="onNext" delay="0">
-                  <p:tgtEl>
-                    <p:sldTgt/>
-                  </p:tgtEl>
-                </p:cond>
-              </p:nextCondLst>
-            </p:seq>
-          </p:childTnLst>
-        </p:cTn>
-      </p:par>
-    </p:tnLst>
-    <p:bldLst>
-      <p:bldP spid="12" grpId="0"/>
-      <p:bldP spid="13" grpId="0"/>
-      <p:bldP spid="14" grpId="0"/>
-    </p:bldLst>
-  </p:timing>
-</p:sld>
-</file>
-
-<file path=ppt/slides/slide11.xml><?xml version="1.0" encoding="utf-8"?>
-<p:sld xmlns:a="http://schemas.openxmlformats.org/drawingml/2006/main" xmlns:r="http://schemas.openxmlformats.org/officeDocument/2006/relationships" xmlns:p="http://schemas.openxmlformats.org/presentationml/2006/main">
-  <p:cSld>
-    <p:spTree>
-      <p:nvGrpSpPr>
-        <p:cNvPr id="1" name=""/>
-        <p:cNvGrpSpPr/>
-        <p:nvPr/>
-      </p:nvGrpSpPr>
-      <p:grpSpPr>
-        <a:xfrm>
-          <a:off x="0" y="0"/>
-          <a:ext cx="0" cy="0"/>
-          <a:chOff x="0" y="0"/>
-          <a:chExt cx="0" cy="0"/>
-        </a:xfrm>
-      </p:grpSpPr>
-      <p:sp>
-        <p:nvSpPr>
-          <p:cNvPr id="4" name="TextBox 3"/>
-          <p:cNvSpPr txBox="1"/>
-          <p:nvPr/>
-        </p:nvSpPr>
-        <p:spPr>
-          <a:xfrm>
-            <a:off x="431540" y="993338"/>
-            <a:ext cx="8280920" cy="830997"/>
-          </a:xfrm>
-          <a:prstGeom prst="rect">
-            <a:avLst/>
-          </a:prstGeom>
-          <a:noFill/>
-        </p:spPr>
-        <p:txBody>
-          <a:bodyPr wrap="square" rtlCol="0" anchor="ctr">
-            <a:spAutoFit/>
-          </a:bodyPr>
-          <a:lstStyle/>
-          <a:p>
-            <a:r>
-              <a:rPr lang="ru-RU" sz="4800" dirty="0" smtClean="0">
-                <a:effectLst>
-                  <a:outerShdw blurRad="38100" dist="38100" dir="2700000" algn="tl">
-                    <a:srgbClr val="000000">
-                      <a:alpha val="43137"/>
-                    </a:srgbClr>
-                  </a:outerShdw>
-                </a:effectLst>
-              </a:rPr>
-              <a:t>Используемые средства:</a:t>
-            </a:r>
-            <a:endParaRPr lang="ru-RU" sz="4800" dirty="0">
-              <a:effectLst>
-                <a:outerShdw blurRad="38100" dist="38100" dir="2700000" algn="tl">
-                  <a:srgbClr val="000000">
-                    <a:alpha val="43137"/>
-                  </a:srgbClr>
-                </a:outerShdw>
-              </a:effectLst>
-            </a:endParaRPr>
-          </a:p>
-        </p:txBody>
-      </p:sp>
-      <p:sp>
-        <p:nvSpPr>
-          <p:cNvPr id="3" name="TextBox 2"/>
-          <p:cNvSpPr txBox="1"/>
-          <p:nvPr/>
-        </p:nvSpPr>
-        <p:spPr>
-          <a:xfrm>
-            <a:off x="91320" y="2817673"/>
-            <a:ext cx="9036496" cy="3046988"/>
-          </a:xfrm>
-          <a:prstGeom prst="rect">
-            <a:avLst/>
-          </a:prstGeom>
-          <a:noFill/>
-        </p:spPr>
-        <p:txBody>
-          <a:bodyPr wrap="square" rtlCol="0" anchor="ctr">
-            <a:spAutoFit/>
-          </a:bodyPr>
-          <a:lstStyle/>
-          <a:p>
-            <a:pPr lvl="0"/>
-            <a:r>
-              <a:rPr lang="ru-RU" sz="3200" dirty="0" smtClean="0"/>
-              <a:t>- Веб сервер</a:t>
-            </a:r>
-            <a:r>
-              <a:rPr lang="en-US" sz="3200" dirty="0" smtClean="0"/>
-              <a:t>;</a:t>
-            </a:r>
-            <a:endParaRPr lang="ru-RU" sz="3200" dirty="0" smtClean="0"/>
-          </a:p>
-          <a:p>
-            <a:pPr lvl="0"/>
-            <a:r>
-              <a:rPr lang="ru-RU" sz="3200" dirty="0" smtClean="0"/>
-              <a:t>- Среды разработки</a:t>
-            </a:r>
-            <a:r>
-              <a:rPr lang="en-US" sz="3200" dirty="0" smtClean="0"/>
-              <a:t>;</a:t>
-            </a:r>
-            <a:endParaRPr lang="ru-RU" sz="3200" dirty="0" smtClean="0"/>
-          </a:p>
-          <a:p>
-            <a:pPr lvl="0"/>
-            <a:r>
-              <a:rPr lang="ru-RU" sz="3200" dirty="0" smtClean="0"/>
-              <a:t>- Средства </a:t>
-            </a:r>
-            <a:r>
-              <a:rPr lang="ru-RU" sz="3200" dirty="0"/>
-              <a:t>отладки программного </a:t>
-            </a:r>
-            <a:r>
-              <a:rPr lang="ru-RU" sz="3200" dirty="0" smtClean="0"/>
-              <a:t>кода</a:t>
-            </a:r>
-            <a:r>
-              <a:rPr lang="en-US" sz="3200" dirty="0" smtClean="0"/>
-              <a:t>;</a:t>
-            </a:r>
-            <a:endParaRPr lang="ru-RU" sz="3200" dirty="0"/>
-          </a:p>
-          <a:p>
-            <a:pPr lvl="0"/>
-            <a:r>
-              <a:rPr lang="ru-RU" sz="3200" dirty="0" smtClean="0"/>
-              <a:t>- Системы </a:t>
-            </a:r>
-            <a:r>
-              <a:rPr lang="ru-RU" sz="3200" dirty="0"/>
-              <a:t>контроля версий программного </a:t>
-            </a:r>
-            <a:r>
-              <a:rPr lang="ru-RU" sz="3200" dirty="0" smtClean="0"/>
-              <a:t>кода</a:t>
-            </a:r>
-            <a:r>
-              <a:rPr lang="en-US" sz="3200" dirty="0" smtClean="0"/>
-              <a:t>;</a:t>
-            </a:r>
-            <a:endParaRPr lang="ru-RU" sz="3200" dirty="0"/>
-          </a:p>
-          <a:p>
-            <a:pPr lvl="0"/>
-            <a:r>
-              <a:rPr lang="ru-RU" sz="3200" dirty="0" smtClean="0"/>
-              <a:t>- Вспомогательные средства</a:t>
-            </a:r>
-            <a:r>
-              <a:rPr lang="en-US" sz="3200" dirty="0" smtClean="0"/>
-              <a:t>.</a:t>
-            </a:r>
-            <a:endParaRPr lang="ru-RU" sz="3200" dirty="0"/>
-          </a:p>
-          <a:p>
-            <a:pPr lvl="0"/>
-            <a:endParaRPr lang="ru-RU" sz="3200" dirty="0"/>
-          </a:p>
-        </p:txBody>
-      </p:sp>
-    </p:spTree>
-    <p:extLst>
-      <p:ext uri="{BB962C8B-B14F-4D97-AF65-F5344CB8AC3E}">
-        <p14:creationId xmlns:p14="http://schemas.microsoft.com/office/powerpoint/2010/main" val="1468609376"/>
-      </p:ext>
-    </p:extLst>
-  </p:cSld>
-  <p:clrMapOvr>
-    <a:masterClrMapping/>
-  </p:clrMapOvr>
-  <p:timing>
-    <p:tnLst>
-      <p:par>
-        <p:cTn id="1" dur="indefinite" restart="never" nodeType="tmRoot"/>
-      </p:par>
-    </p:tnLst>
-  </p:timing>
-</p:sld>
-</file>
-
-<file path=ppt/slides/slide12.xml><?xml version="1.0" encoding="utf-8"?>
-<p:sld xmlns:a="http://schemas.openxmlformats.org/drawingml/2006/main" xmlns:r="http://schemas.openxmlformats.org/officeDocument/2006/relationships" xmlns:p="http://schemas.openxmlformats.org/presentationml/2006/main">
-  <p:cSld>
-    <p:spTree>
-      <p:nvGrpSpPr>
-        <p:cNvPr id="1" name=""/>
-        <p:cNvGrpSpPr/>
-        <p:nvPr/>
-      </p:nvGrpSpPr>
-      <p:grpSpPr>
-        <a:xfrm>
-          <a:off x="0" y="0"/>
-          <a:ext cx="0" cy="0"/>
-          <a:chOff x="0" y="0"/>
-          <a:chExt cx="0" cy="0"/>
-        </a:xfrm>
-      </p:grpSpPr>
-      <p:sp>
-        <p:nvSpPr>
-          <p:cNvPr id="4" name="TextBox 3"/>
-          <p:cNvSpPr txBox="1"/>
-          <p:nvPr/>
-        </p:nvSpPr>
-        <p:spPr>
-          <a:xfrm>
             <a:off x="431540" y="332656"/>
             <a:ext cx="8280920" cy="830997"/>
           </a:xfrm>
@@ -4818,223 +3927,10 @@
           <a:lstStyle/>
           <a:p>
             <a:r>
-              <a:rPr lang="ru-RU" sz="4800" dirty="0" smtClean="0">
-                <a:effectLst>
-                  <a:outerShdw blurRad="38100" dist="38100" dir="2700000" algn="tl">
-                    <a:srgbClr val="000000">
-                      <a:alpha val="43137"/>
-                    </a:srgbClr>
-                  </a:outerShdw>
-                </a:effectLst>
-              </a:rPr>
-              <a:t>Веб сервер</a:t>
-            </a:r>
-            <a:endParaRPr lang="ru-RU" sz="4800" dirty="0">
-              <a:effectLst>
-                <a:outerShdw blurRad="38100" dist="38100" dir="2700000" algn="tl">
-                  <a:srgbClr val="000000">
-                    <a:alpha val="43137"/>
-                  </a:srgbClr>
-                </a:outerShdw>
-              </a:effectLst>
-            </a:endParaRPr>
-          </a:p>
-        </p:txBody>
-      </p:sp>
-      <p:sp>
-        <p:nvSpPr>
-          <p:cNvPr id="3" name="TextBox 2"/>
-          <p:cNvSpPr txBox="1"/>
-          <p:nvPr/>
-        </p:nvSpPr>
-        <p:spPr>
-          <a:xfrm>
-            <a:off x="69116" y="5013176"/>
-            <a:ext cx="9036496" cy="1569660"/>
-          </a:xfrm>
-          <a:prstGeom prst="rect">
-            <a:avLst/>
-          </a:prstGeom>
-          <a:noFill/>
-        </p:spPr>
-        <p:txBody>
-          <a:bodyPr wrap="square" rtlCol="0" anchor="ctr">
-            <a:spAutoFit/>
-          </a:bodyPr>
-          <a:lstStyle/>
-          <a:p>
-            <a:pPr lvl="0"/>
-            <a:r>
-              <a:rPr lang="ru-RU" sz="3200" dirty="0" smtClean="0"/>
-              <a:t>XAMPP </a:t>
-            </a:r>
-            <a:r>
-              <a:rPr lang="ru-RU" sz="3200" dirty="0"/>
-              <a:t>— кроссплатформенная сборка веб-сервера, содержащая </a:t>
-            </a:r>
-            <a:r>
-              <a:rPr lang="ru-RU" sz="3200" dirty="0" err="1"/>
-              <a:t>Apache</a:t>
-            </a:r>
-            <a:r>
-              <a:rPr lang="ru-RU" sz="3200" dirty="0"/>
-              <a:t>, </a:t>
-            </a:r>
-            <a:r>
-              <a:rPr lang="ru-RU" sz="3200" dirty="0" err="1"/>
-              <a:t>MySQL</a:t>
-            </a:r>
-            <a:r>
-              <a:rPr lang="ru-RU" sz="3200" dirty="0"/>
-              <a:t>, интерпретатор скриптов PHP</a:t>
-            </a:r>
-          </a:p>
-        </p:txBody>
-      </p:sp>
-      <p:pic>
-        <p:nvPicPr>
-          <p:cNvPr id="11266" name="Picture 2"/>
-          <p:cNvPicPr>
-            <a:picLocks noChangeAspect="1" noChangeArrowheads="1"/>
-          </p:cNvPicPr>
-          <p:nvPr/>
-        </p:nvPicPr>
-        <p:blipFill>
-          <a:blip r:embed="rId2">
-            <a:extLst>
-              <a:ext uri="{28A0092B-C50C-407E-A947-70E740481C1C}">
-                <a14:useLocalDpi xmlns:a14="http://schemas.microsoft.com/office/drawing/2010/main" val="0"/>
-              </a:ext>
-            </a:extLst>
-          </a:blip>
-          <a:srcRect/>
-          <a:stretch>
-            <a:fillRect/>
-          </a:stretch>
-        </p:blipFill>
-        <p:spPr bwMode="auto">
-          <a:xfrm>
-            <a:off x="2268538" y="1125538"/>
-            <a:ext cx="4327525" cy="3832225"/>
-          </a:xfrm>
-          <a:prstGeom prst="rect">
-            <a:avLst/>
-          </a:prstGeom>
-          <a:noFill/>
-          <a:ln>
-            <a:noFill/>
-          </a:ln>
-          <a:effectLst/>
-          <a:extLst>
-            <a:ext uri="{909E8E84-426E-40DD-AFC4-6F175D3DCCD1}">
-              <a14:hiddenFill xmlns:a14="http://schemas.microsoft.com/office/drawing/2010/main">
-                <a:solidFill>
-                  <a:schemeClr val="accent1"/>
-                </a:solidFill>
-              </a14:hiddenFill>
-            </a:ext>
-            <a:ext uri="{91240B29-F687-4F45-9708-019B960494DF}">
-              <a14:hiddenLine xmlns:a14="http://schemas.microsoft.com/office/drawing/2010/main" w="9525">
-                <a:solidFill>
-                  <a:schemeClr val="tx1"/>
-                </a:solidFill>
-                <a:miter lim="800000"/>
-                <a:headEnd/>
-                <a:tailEnd/>
-              </a14:hiddenLine>
-            </a:ext>
-            <a:ext uri="{AF507438-7753-43E0-B8FC-AC1667EBCBE1}">
-              <a14:hiddenEffects xmlns:a14="http://schemas.microsoft.com/office/drawing/2010/main">
-                <a:effectLst>
-                  <a:outerShdw dist="35921" dir="2700000" algn="ctr" rotWithShape="0">
-                    <a:schemeClr val="bg2"/>
-                  </a:outerShdw>
-                </a:effectLst>
-              </a14:hiddenEffects>
-            </a:ext>
-          </a:extLst>
-        </p:spPr>
-      </p:pic>
-    </p:spTree>
-    <p:extLst>
-      <p:ext uri="{BB962C8B-B14F-4D97-AF65-F5344CB8AC3E}">
-        <p14:creationId xmlns:p14="http://schemas.microsoft.com/office/powerpoint/2010/main" val="1762064774"/>
-      </p:ext>
-    </p:extLst>
-  </p:cSld>
-  <p:clrMapOvr>
-    <a:masterClrMapping/>
-  </p:clrMapOvr>
-  <p:timing>
-    <p:tnLst>
-      <p:par>
-        <p:cTn id="1" dur="indefinite" restart="never" nodeType="tmRoot"/>
-      </p:par>
-    </p:tnLst>
-  </p:timing>
-</p:sld>
-</file>
-
-<file path=ppt/slides/slide13.xml><?xml version="1.0" encoding="utf-8"?>
-<p:sld xmlns:a="http://schemas.openxmlformats.org/drawingml/2006/main" xmlns:r="http://schemas.openxmlformats.org/officeDocument/2006/relationships" xmlns:p="http://schemas.openxmlformats.org/presentationml/2006/main">
-  <p:cSld>
-    <p:spTree>
-      <p:nvGrpSpPr>
-        <p:cNvPr id="1" name=""/>
-        <p:cNvGrpSpPr/>
-        <p:nvPr/>
-      </p:nvGrpSpPr>
-      <p:grpSpPr>
-        <a:xfrm>
-          <a:off x="0" y="0"/>
-          <a:ext cx="0" cy="0"/>
-          <a:chOff x="0" y="0"/>
-          <a:chExt cx="0" cy="0"/>
-        </a:xfrm>
-      </p:grpSpPr>
-      <p:sp>
-        <p:nvSpPr>
-          <p:cNvPr id="4" name="TextBox 3"/>
-          <p:cNvSpPr txBox="1"/>
-          <p:nvPr/>
-        </p:nvSpPr>
-        <p:spPr>
-          <a:xfrm>
-            <a:off x="431540" y="332656"/>
-            <a:ext cx="8280920" cy="830997"/>
-          </a:xfrm>
-          <a:prstGeom prst="rect">
-            <a:avLst/>
-          </a:prstGeom>
-          <a:noFill/>
-        </p:spPr>
-        <p:txBody>
-          <a:bodyPr wrap="square" rtlCol="0" anchor="ctr">
-            <a:spAutoFit/>
-          </a:bodyPr>
-          <a:lstStyle/>
-          <a:p>
-            <a:r>
-              <a:rPr lang="ru-RU" sz="4800" dirty="0" smtClean="0">
-                <a:effectLst>
-                  <a:outerShdw blurRad="38100" dist="38100" dir="2700000" algn="tl">
-                    <a:srgbClr val="000000">
-                      <a:alpha val="43137"/>
-                    </a:srgbClr>
-                  </a:outerShdw>
-                </a:effectLst>
-              </a:rPr>
+              <a:rPr lang="ru-RU" sz="4800" dirty="0" smtClean="0"/>
               <a:t>Среды разработки</a:t>
             </a:r>
-            <a:endParaRPr lang="ru-RU" sz="4800" dirty="0">
-              <a:effectLst>
-                <a:outerShdw blurRad="38100" dist="38100" dir="2700000" algn="tl">
-                  <a:srgbClr val="000000">
-                    <a:alpha val="43137"/>
-                  </a:srgbClr>
-                </a:outerShdw>
-              </a:effectLst>
-            </a:endParaRPr>
+            <a:endParaRPr lang="ru-RU" sz="4800" dirty="0"/>
           </a:p>
         </p:txBody>
       </p:sp>
@@ -5161,7 +4057,7 @@
 </p:sld>
 </file>
 
-<file path=ppt/slides/slide14.xml><?xml version="1.0" encoding="utf-8"?>
+<file path=ppt/slides/slide11.xml><?xml version="1.0" encoding="utf-8"?>
 <p:sld xmlns:a="http://schemas.openxmlformats.org/drawingml/2006/main" xmlns:r="http://schemas.openxmlformats.org/officeDocument/2006/relationships" xmlns:p="http://schemas.openxmlformats.org/presentationml/2006/main">
   <p:cSld>
     <p:spTree>
@@ -5201,52 +4097,20 @@
           <a:lstStyle/>
           <a:p>
             <a:r>
-              <a:rPr lang="ru-RU" sz="4800" dirty="0" smtClean="0">
-                <a:effectLst>
-                  <a:outerShdw blurRad="38100" dist="38100" dir="2700000" algn="tl">
-                    <a:srgbClr val="000000">
-                      <a:alpha val="43137"/>
-                    </a:srgbClr>
-                  </a:outerShdw>
-                </a:effectLst>
-              </a:rPr>
+              <a:rPr lang="ru-RU" sz="4800" dirty="0" smtClean="0"/>
               <a:t>Средства отладки. </a:t>
             </a:r>
           </a:p>
           <a:p>
             <a:r>
-              <a:rPr lang="ru-RU" sz="3600" dirty="0">
-                <a:effectLst>
-                  <a:outerShdw blurRad="38100" dist="38100" dir="2700000" algn="tl">
-                    <a:srgbClr val="000000">
-                      <a:alpha val="43137"/>
-                    </a:srgbClr>
-                  </a:outerShdw>
-                </a:effectLst>
-              </a:rPr>
+              <a:rPr lang="ru-RU" sz="3600" dirty="0"/>
               <a:t>К</a:t>
             </a:r>
             <a:r>
-              <a:rPr lang="ru-RU" sz="3600" dirty="0" smtClean="0">
-                <a:effectLst>
-                  <a:outerShdw blurRad="38100" dist="38100" dir="2700000" algn="tl">
-                    <a:srgbClr val="000000">
-                      <a:alpha val="43137"/>
-                    </a:srgbClr>
-                  </a:outerShdw>
-                </a:effectLst>
-              </a:rPr>
+              <a:rPr lang="ru-RU" sz="3600" dirty="0" smtClean="0"/>
               <a:t>лиентская часть</a:t>
             </a:r>
-            <a:endParaRPr lang="ru-RU" sz="3600" dirty="0">
-              <a:effectLst>
-                <a:outerShdw blurRad="38100" dist="38100" dir="2700000" algn="tl">
-                  <a:srgbClr val="000000">
-                    <a:alpha val="43137"/>
-                  </a:srgbClr>
-                </a:outerShdw>
-              </a:effectLst>
-            </a:endParaRPr>
+            <a:endParaRPr lang="ru-RU" sz="3600" dirty="0"/>
           </a:p>
         </p:txBody>
       </p:sp>
@@ -5437,7 +4301,7 @@
 </p:sld>
 </file>
 
-<file path=ppt/slides/slide15.xml><?xml version="1.0" encoding="utf-8"?>
+<file path=ppt/slides/slide12.xml><?xml version="1.0" encoding="utf-8"?>
 <p:sld xmlns:a="http://schemas.openxmlformats.org/drawingml/2006/main" xmlns:r="http://schemas.openxmlformats.org/officeDocument/2006/relationships" xmlns:p="http://schemas.openxmlformats.org/presentationml/2006/main">
   <p:cSld>
     <p:spTree>
@@ -5477,61 +4341,21 @@
           <a:lstStyle/>
           <a:p>
             <a:r>
-              <a:rPr lang="ru-RU" sz="4800" dirty="0" smtClean="0">
-                <a:effectLst>
-                  <a:outerShdw blurRad="38100" dist="38100" dir="2700000" algn="tl">
-                    <a:srgbClr val="000000">
-                      <a:alpha val="43137"/>
-                    </a:srgbClr>
-                  </a:outerShdw>
-                </a:effectLst>
-              </a:rPr>
+              <a:rPr lang="ru-RU" sz="4800" dirty="0" smtClean="0"/>
               <a:t>Средства отладки. </a:t>
             </a:r>
-            <a:endParaRPr lang="ru-RU" sz="4800" dirty="0">
-              <a:effectLst>
-                <a:outerShdw blurRad="38100" dist="38100" dir="2700000" algn="tl">
-                  <a:srgbClr val="000000">
-                    <a:alpha val="43137"/>
-                  </a:srgbClr>
-                </a:outerShdw>
-              </a:effectLst>
-            </a:endParaRPr>
-          </a:p>
-          <a:p>
-            <a:r>
-              <a:rPr lang="ru-RU" sz="3600" dirty="0">
-                <a:effectLst>
-                  <a:outerShdw blurRad="38100" dist="38100" dir="2700000" algn="tl">
-                    <a:srgbClr val="000000">
-                      <a:alpha val="43137"/>
-                    </a:srgbClr>
-                  </a:outerShdw>
-                </a:effectLst>
-              </a:rPr>
+            <a:endParaRPr lang="ru-RU" sz="4800" dirty="0"/>
+          </a:p>
+          <a:p>
+            <a:r>
+              <a:rPr lang="ru-RU" sz="3600" dirty="0"/>
               <a:t>С</a:t>
             </a:r>
             <a:r>
-              <a:rPr lang="ru-RU" sz="3600" dirty="0" smtClean="0">
-                <a:effectLst>
-                  <a:outerShdw blurRad="38100" dist="38100" dir="2700000" algn="tl">
-                    <a:srgbClr val="000000">
-                      <a:alpha val="43137"/>
-                    </a:srgbClr>
-                  </a:outerShdw>
-                </a:effectLst>
-              </a:rPr>
+              <a:rPr lang="ru-RU" sz="3600" dirty="0" smtClean="0"/>
               <a:t>ерверная часть</a:t>
             </a:r>
-            <a:endParaRPr lang="ru-RU" sz="3600" dirty="0">
-              <a:effectLst>
-                <a:outerShdw blurRad="38100" dist="38100" dir="2700000" algn="tl">
-                  <a:srgbClr val="000000">
-                    <a:alpha val="43137"/>
-                  </a:srgbClr>
-                </a:outerShdw>
-              </a:effectLst>
-            </a:endParaRPr>
+            <a:endParaRPr lang="ru-RU" sz="3600" dirty="0"/>
           </a:p>
         </p:txBody>
       </p:sp>
@@ -5543,8 +4367,8 @@
         </p:nvSpPr>
         <p:spPr>
           <a:xfrm>
-            <a:off x="251520" y="5505618"/>
-            <a:ext cx="8640960" cy="584775"/>
+            <a:off x="69116" y="5505618"/>
+            <a:ext cx="9036496" cy="584775"/>
           </a:xfrm>
           <a:prstGeom prst="rect">
             <a:avLst/>
@@ -5670,7 +4494,7 @@
 </p:sld>
 </file>
 
-<file path=ppt/slides/slide16.xml><?xml version="1.0" encoding="utf-8"?>
+<file path=ppt/slides/slide13.xml><?xml version="1.0" encoding="utf-8"?>
 <p:sld xmlns:a="http://schemas.openxmlformats.org/drawingml/2006/main" xmlns:r="http://schemas.openxmlformats.org/officeDocument/2006/relationships" xmlns:p="http://schemas.openxmlformats.org/presentationml/2006/main">
   <p:cSld>
     <p:spTree>
@@ -5695,7 +4519,7 @@
         </p:nvSpPr>
         <p:spPr>
           <a:xfrm>
-            <a:off x="323528" y="188640"/>
+            <a:off x="323528" y="-36675"/>
             <a:ext cx="8280920" cy="1569660"/>
           </a:xfrm>
           <a:prstGeom prst="rect">
@@ -5710,26 +4534,10 @@
           <a:lstStyle/>
           <a:p>
             <a:r>
-              <a:rPr lang="ru-RU" sz="4800" dirty="0" smtClean="0">
-                <a:effectLst>
-                  <a:outerShdw blurRad="38100" dist="38100" dir="2700000" algn="tl">
-                    <a:srgbClr val="000000">
-                      <a:alpha val="43137"/>
-                    </a:srgbClr>
-                  </a:outerShdw>
-                </a:effectLst>
-              </a:rPr>
+              <a:rPr lang="ru-RU" sz="4800" dirty="0" smtClean="0"/>
               <a:t>Система контроля версий программного кода</a:t>
             </a:r>
-            <a:endParaRPr lang="ru-RU" sz="4800" dirty="0">
-              <a:effectLst>
-                <a:outerShdw blurRad="38100" dist="38100" dir="2700000" algn="tl">
-                  <a:srgbClr val="000000">
-                    <a:alpha val="43137"/>
-                  </a:srgbClr>
-                </a:outerShdw>
-              </a:effectLst>
-            </a:endParaRPr>
+            <a:endParaRPr lang="ru-RU" sz="4800" dirty="0"/>
           </a:p>
         </p:txBody>
       </p:sp>
@@ -5856,7 +4664,7 @@
 </p:sld>
 </file>
 
-<file path=ppt/slides/slide17.xml><?xml version="1.0" encoding="utf-8"?>
+<file path=ppt/slides/slide14.xml><?xml version="1.0" encoding="utf-8"?>
 <p:sld xmlns:a="http://schemas.openxmlformats.org/drawingml/2006/main" xmlns:r="http://schemas.openxmlformats.org/officeDocument/2006/relationships" xmlns:p="http://schemas.openxmlformats.org/presentationml/2006/main">
   <p:cSld>
     <p:spTree>
@@ -5896,26 +4704,10 @@
           <a:lstStyle/>
           <a:p>
             <a:r>
-              <a:rPr lang="ru-RU" sz="4800" dirty="0" smtClean="0">
-                <a:effectLst>
-                  <a:outerShdw blurRad="38100" dist="38100" dir="2700000" algn="tl">
-                    <a:srgbClr val="000000">
-                      <a:alpha val="43137"/>
-                    </a:srgbClr>
-                  </a:outerShdw>
-                </a:effectLst>
-              </a:rPr>
+              <a:rPr lang="ru-RU" sz="4800" dirty="0" smtClean="0"/>
               <a:t>Вспомогательные средства</a:t>
             </a:r>
-            <a:endParaRPr lang="ru-RU" sz="4800" dirty="0">
-              <a:effectLst>
-                <a:outerShdw blurRad="38100" dist="38100" dir="2700000" algn="tl">
-                  <a:srgbClr val="000000">
-                    <a:alpha val="43137"/>
-                  </a:srgbClr>
-                </a:outerShdw>
-              </a:effectLst>
-            </a:endParaRPr>
+            <a:endParaRPr lang="ru-RU" sz="4800" dirty="0"/>
           </a:p>
         </p:txBody>
       </p:sp>
@@ -6023,7 +4815,7 @@
 </p:sld>
 </file>
 
-<file path=ppt/slides/slide18.xml><?xml version="1.0" encoding="utf-8"?>
+<file path=ppt/slides/slide15.xml><?xml version="1.0" encoding="utf-8"?>
 <p:sld xmlns:a="http://schemas.openxmlformats.org/drawingml/2006/main" xmlns:r="http://schemas.openxmlformats.org/officeDocument/2006/relationships" xmlns:p="http://schemas.openxmlformats.org/presentationml/2006/main">
   <p:cSld>
     <p:spTree>
@@ -6065,26 +4857,22 @@
             <a:pPr algn="ctr"/>
             <a:r>
               <a:rPr lang="ru-RU" sz="4800" dirty="0" smtClean="0">
-                <a:effectLst>
-                  <a:outerShdw blurRad="38100" dist="38100" dir="2700000" algn="tl">
-                    <a:srgbClr val="000000">
-                      <a:alpha val="43137"/>
-                    </a:srgbClr>
-                  </a:outerShdw>
-                </a:effectLst>
+                <a:solidFill>
+                  <a:schemeClr val="tx2">
+                    <a:lumMod val="25000"/>
+                  </a:schemeClr>
+                </a:solidFill>
                 <a:latin typeface="Calibri" pitchFamily="34" charset="0"/>
                 <a:cs typeface="Calibri" pitchFamily="34" charset="0"/>
               </a:rPr>
               <a:t>Архитектура веб-приложения</a:t>
             </a:r>
             <a:endParaRPr lang="ru-RU" sz="4800" dirty="0">
-              <a:effectLst>
-                <a:outerShdw blurRad="38100" dist="38100" dir="2700000" algn="tl">
-                  <a:srgbClr val="000000">
-                    <a:alpha val="43137"/>
-                  </a:srgbClr>
-                </a:outerShdw>
-              </a:effectLst>
+              <a:solidFill>
+                <a:schemeClr val="tx2">
+                  <a:lumMod val="25000"/>
+                </a:schemeClr>
+              </a:solidFill>
               <a:latin typeface="Calibri" pitchFamily="34" charset="0"/>
               <a:cs typeface="Calibri" pitchFamily="34" charset="0"/>
             </a:endParaRPr>
@@ -6100,7 +4888,7 @@
           <p:nvPr>
             <p:extLst>
               <p:ext uri="{D42A27DB-BD31-4B8C-83A1-F6EECF244321}">
-                <p14:modId xmlns:p14="http://schemas.microsoft.com/office/powerpoint/2010/main" val="3163758457"/>
+                <p14:modId xmlns:p14="http://schemas.microsoft.com/office/powerpoint/2010/main" val="1641133425"/>
               </p:ext>
             </p:extLst>
           </p:nvPr>
@@ -6113,7 +4901,7 @@
           <a:graphicData uri="http://schemas.openxmlformats.org/presentationml/2006/ole">
             <mc:AlternateContent xmlns:mc="http://schemas.openxmlformats.org/markup-compatibility/2006">
               <mc:Choice xmlns:v="urn:schemas-microsoft-com:vml" Requires="v">
-                <p:oleObj spid="_x0000_s15386" name="Visio" r:id="rId3" imgW="4714900" imgH="3406320" progId="Visio.Drawing.11">
+                <p:oleObj spid="_x0000_s15378" name="Visio" r:id="rId3" imgW="4714900" imgH="3406320" progId="Visio.Drawing.11">
                   <p:embed/>
                 </p:oleObj>
               </mc:Choice>
@@ -6157,7 +4945,7 @@
           <p:nvPr>
             <p:extLst>
               <p:ext uri="{D42A27DB-BD31-4B8C-83A1-F6EECF244321}">
-                <p14:modId xmlns:p14="http://schemas.microsoft.com/office/powerpoint/2010/main" val="622919475"/>
+                <p14:modId xmlns:p14="http://schemas.microsoft.com/office/powerpoint/2010/main" val="353098211"/>
               </p:ext>
             </p:extLst>
           </p:nvPr>
@@ -6170,7 +4958,7 @@
           <a:graphicData uri="http://schemas.openxmlformats.org/presentationml/2006/ole">
             <mc:AlternateContent xmlns:mc="http://schemas.openxmlformats.org/markup-compatibility/2006">
               <mc:Choice xmlns:v="urn:schemas-microsoft-com:vml" Requires="v">
-                <p:oleObj spid="_x0000_s15387" name="Visio" r:id="rId5" imgW="3455000" imgH="3946320" progId="Visio.Drawing.11">
+                <p:oleObj spid="_x0000_s15379" name="Visio" r:id="rId5" imgW="3455000" imgH="3946320" progId="Visio.Drawing.11">
                   <p:embed/>
                 </p:oleObj>
               </mc:Choice>
@@ -6230,12 +5018,22 @@
             <a:pPr algn="ctr"/>
             <a:r>
               <a:rPr lang="en-US" sz="3600" dirty="0" smtClean="0">
+                <a:solidFill>
+                  <a:schemeClr val="tx2">
+                    <a:lumMod val="25000"/>
+                  </a:schemeClr>
+                </a:solidFill>
                 <a:latin typeface="Calibri" pitchFamily="34" charset="0"/>
                 <a:cs typeface="Calibri" pitchFamily="34" charset="0"/>
               </a:rPr>
               <a:t>MVC</a:t>
             </a:r>
             <a:endParaRPr lang="ru-RU" sz="3600" dirty="0">
+              <a:solidFill>
+                <a:schemeClr val="tx2">
+                  <a:lumMod val="25000"/>
+                </a:schemeClr>
+              </a:solidFill>
               <a:latin typeface="Calibri" pitchFamily="34" charset="0"/>
               <a:cs typeface="Calibri" pitchFamily="34" charset="0"/>
             </a:endParaRPr>
@@ -6267,12 +5065,22 @@
             <a:pPr algn="ctr"/>
             <a:r>
               <a:rPr lang="en-US" sz="3600" dirty="0" smtClean="0">
+                <a:solidFill>
+                  <a:schemeClr val="tx2">
+                    <a:lumMod val="25000"/>
+                  </a:schemeClr>
+                </a:solidFill>
                 <a:latin typeface="Calibri" pitchFamily="34" charset="0"/>
                 <a:cs typeface="Calibri" pitchFamily="34" charset="0"/>
               </a:rPr>
               <a:t>MVP</a:t>
             </a:r>
             <a:endParaRPr lang="ru-RU" sz="3600" dirty="0">
+              <a:solidFill>
+                <a:schemeClr val="tx2">
+                  <a:lumMod val="25000"/>
+                </a:schemeClr>
+              </a:solidFill>
               <a:latin typeface="Calibri" pitchFamily="34" charset="0"/>
               <a:cs typeface="Calibri" pitchFamily="34" charset="0"/>
             </a:endParaRPr>
@@ -6502,7 +5310,7 @@
 </p:sld>
 </file>
 
-<file path=ppt/slides/slide19.xml><?xml version="1.0" encoding="utf-8"?>
+<file path=ppt/slides/slide16.xml><?xml version="1.0" encoding="utf-8"?>
 <p:sld xmlns:a="http://schemas.openxmlformats.org/drawingml/2006/main" xmlns:r="http://schemas.openxmlformats.org/officeDocument/2006/relationships" xmlns:p="http://schemas.openxmlformats.org/presentationml/2006/main">
   <p:cSld>
     <p:spTree>
@@ -6543,26 +5351,22 @@
           <a:p>
             <a:r>
               <a:rPr lang="ru-RU" sz="4800" dirty="0" smtClean="0">
-                <a:effectLst>
-                  <a:outerShdw blurRad="38100" dist="38100" dir="2700000" algn="tl">
-                    <a:srgbClr val="000000">
-                      <a:alpha val="43137"/>
-                    </a:srgbClr>
-                  </a:outerShdw>
-                </a:effectLst>
+                <a:solidFill>
+                  <a:schemeClr val="tx2">
+                    <a:lumMod val="25000"/>
+                  </a:schemeClr>
+                </a:solidFill>
                 <a:latin typeface="Calibri" pitchFamily="34" charset="0"/>
                 <a:cs typeface="Calibri" pitchFamily="34" charset="0"/>
               </a:rPr>
               <a:t>Архитектура веб-приложения</a:t>
             </a:r>
             <a:endParaRPr lang="ru-RU" sz="4800" dirty="0">
-              <a:effectLst>
-                <a:outerShdw blurRad="38100" dist="38100" dir="2700000" algn="tl">
-                  <a:srgbClr val="000000">
-                    <a:alpha val="43137"/>
-                  </a:srgbClr>
-                </a:outerShdw>
-              </a:effectLst>
+              <a:solidFill>
+                <a:schemeClr val="tx2">
+                  <a:lumMod val="25000"/>
+                </a:schemeClr>
+              </a:solidFill>
               <a:latin typeface="Calibri" pitchFamily="34" charset="0"/>
               <a:cs typeface="Calibri" pitchFamily="34" charset="0"/>
             </a:endParaRPr>
@@ -6578,7 +5382,7 @@
           <p:nvPr>
             <p:extLst>
               <p:ext uri="{D42A27DB-BD31-4B8C-83A1-F6EECF244321}">
-                <p14:modId xmlns:p14="http://schemas.microsoft.com/office/powerpoint/2010/main" val="3094038730"/>
+                <p14:modId xmlns:p14="http://schemas.microsoft.com/office/powerpoint/2010/main" val="3656824706"/>
               </p:ext>
             </p:extLst>
           </p:nvPr>
@@ -6591,7 +5395,7 @@
           <a:graphicData uri="http://schemas.openxmlformats.org/presentationml/2006/ole">
             <mc:AlternateContent xmlns:mc="http://schemas.openxmlformats.org/markup-compatibility/2006">
               <mc:Choice xmlns:v="urn:schemas-microsoft-com:vml" Requires="v">
-                <p:oleObj spid="_x0000_s16398" name="Visio" r:id="rId3" imgW="7234971" imgH="5531760" progId="Visio.Drawing.11">
+                <p:oleObj spid="_x0000_s16394" name="Visio" r:id="rId3" imgW="7234971" imgH="5531760" progId="Visio.Drawing.11">
                   <p:embed/>
                 </p:oleObj>
               </mc:Choice>
@@ -6650,6 +5454,11 @@
           <a:p>
             <a:r>
               <a:rPr lang="ru-RU" sz="3600" dirty="0" smtClean="0">
+                <a:solidFill>
+                  <a:schemeClr val="tx2">
+                    <a:lumMod val="25000"/>
+                  </a:schemeClr>
+                </a:solidFill>
                 <a:latin typeface="Calibri" pitchFamily="34" charset="0"/>
                 <a:cs typeface="Calibri" pitchFamily="34" charset="0"/>
               </a:rPr>
@@ -6659,12 +5468,22 @@
           <a:p>
             <a:r>
               <a:rPr lang="ru-RU" sz="3600" dirty="0" smtClean="0">
+                <a:solidFill>
+                  <a:schemeClr val="tx2">
+                    <a:lumMod val="25000"/>
+                  </a:schemeClr>
+                </a:solidFill>
                 <a:latin typeface="Calibri" pitchFamily="34" charset="0"/>
                 <a:cs typeface="Calibri" pitchFamily="34" charset="0"/>
               </a:rPr>
               <a:t>схема</a:t>
             </a:r>
             <a:endParaRPr lang="ru-RU" sz="3600" dirty="0">
+              <a:solidFill>
+                <a:schemeClr val="tx2">
+                  <a:lumMod val="25000"/>
+                </a:schemeClr>
+              </a:solidFill>
               <a:latin typeface="Calibri" pitchFamily="34" charset="0"/>
               <a:cs typeface="Calibri" pitchFamily="34" charset="0"/>
             </a:endParaRPr>
@@ -6691,7 +5510,7 @@
 </p:sld>
 </file>
 
-<file path=ppt/slides/slide2.xml><?xml version="1.0" encoding="utf-8"?>
+<file path=ppt/slides/slide17.xml><?xml version="1.0" encoding="utf-8"?>
 <p:sld xmlns:a="http://schemas.openxmlformats.org/drawingml/2006/main" xmlns:r="http://schemas.openxmlformats.org/officeDocument/2006/relationships" xmlns:p="http://schemas.openxmlformats.org/presentationml/2006/main">
   <p:cSld>
     <p:spTree>
@@ -6716,194 +5535,6 @@
         </p:nvSpPr>
         <p:spPr>
           <a:xfrm>
-            <a:off x="443817" y="652625"/>
-            <a:ext cx="8280920" cy="1569660"/>
-          </a:xfrm>
-          <a:prstGeom prst="rect">
-            <a:avLst/>
-          </a:prstGeom>
-          <a:noFill/>
-        </p:spPr>
-        <p:txBody>
-          <a:bodyPr wrap="square" rtlCol="0" anchor="ctr">
-            <a:spAutoFit/>
-          </a:bodyPr>
-          <a:lstStyle/>
-          <a:p>
-            <a:r>
-              <a:rPr lang="ru-RU" sz="4800" dirty="0" smtClean="0">
-                <a:effectLst>
-                  <a:outerShdw blurRad="38100" dist="38100" dir="2700000" algn="tl">
-                    <a:srgbClr val="000000">
-                      <a:alpha val="43137"/>
-                    </a:srgbClr>
-                  </a:outerShdw>
-                </a:effectLst>
-                <a:latin typeface="Calibri" pitchFamily="34" charset="0"/>
-                <a:cs typeface="Calibri" pitchFamily="34" charset="0"/>
-              </a:rPr>
-              <a:t>Категории веб-приложений, использующих </a:t>
-            </a:r>
-            <a:r>
-              <a:rPr lang="en-US" sz="4800" dirty="0" smtClean="0">
-                <a:effectLst>
-                  <a:outerShdw blurRad="38100" dist="38100" dir="2700000" algn="tl">
-                    <a:srgbClr val="000000">
-                      <a:alpha val="43137"/>
-                    </a:srgbClr>
-                  </a:outerShdw>
-                </a:effectLst>
-                <a:latin typeface="Calibri" pitchFamily="34" charset="0"/>
-                <a:cs typeface="Calibri" pitchFamily="34" charset="0"/>
-              </a:rPr>
-              <a:t>CMS:</a:t>
-            </a:r>
-            <a:endParaRPr lang="ru-RU" sz="4800" dirty="0">
-              <a:effectLst>
-                <a:outerShdw blurRad="38100" dist="38100" dir="2700000" algn="tl">
-                  <a:srgbClr val="000000">
-                    <a:alpha val="43137"/>
-                  </a:srgbClr>
-                </a:outerShdw>
-              </a:effectLst>
-              <a:latin typeface="Calibri" pitchFamily="34" charset="0"/>
-              <a:cs typeface="Calibri" pitchFamily="34" charset="0"/>
-            </a:endParaRPr>
-          </a:p>
-        </p:txBody>
-      </p:sp>
-      <p:sp>
-        <p:nvSpPr>
-          <p:cNvPr id="3" name="TextBox 2"/>
-          <p:cNvSpPr txBox="1"/>
-          <p:nvPr/>
-        </p:nvSpPr>
-        <p:spPr>
-          <a:xfrm>
-            <a:off x="463589" y="2831982"/>
-            <a:ext cx="8280920" cy="3416320"/>
-          </a:xfrm>
-          <a:prstGeom prst="rect">
-            <a:avLst/>
-          </a:prstGeom>
-          <a:noFill/>
-        </p:spPr>
-        <p:txBody>
-          <a:bodyPr wrap="square" rtlCol="0" anchor="ctr">
-            <a:spAutoFit/>
-          </a:bodyPr>
-          <a:lstStyle/>
-          <a:p>
-            <a:pPr marL="571500" indent="-571500">
-              <a:lnSpc>
-                <a:spcPct val="150000"/>
-              </a:lnSpc>
-              <a:buFontTx/>
-              <a:buChar char="-"/>
-            </a:pPr>
-            <a:r>
-              <a:rPr lang="ru-RU" sz="3600" dirty="0" smtClean="0">
-                <a:latin typeface="Calibri" pitchFamily="34" charset="0"/>
-                <a:cs typeface="Calibri" pitchFamily="34" charset="0"/>
-              </a:rPr>
-              <a:t>информационные ресурсы</a:t>
-            </a:r>
-          </a:p>
-          <a:p>
-            <a:pPr marL="571500" indent="-571500">
-              <a:lnSpc>
-                <a:spcPct val="150000"/>
-              </a:lnSpc>
-              <a:buFontTx/>
-              <a:buChar char="-"/>
-            </a:pPr>
-            <a:r>
-              <a:rPr lang="ru-RU" sz="3600" dirty="0" smtClean="0">
-                <a:latin typeface="Calibri" pitchFamily="34" charset="0"/>
-                <a:cs typeface="Calibri" pitchFamily="34" charset="0"/>
-              </a:rPr>
-              <a:t>интернет-представительства</a:t>
-            </a:r>
-          </a:p>
-          <a:p>
-            <a:pPr marL="571500" indent="-571500">
-              <a:lnSpc>
-                <a:spcPct val="150000"/>
-              </a:lnSpc>
-              <a:buFontTx/>
-              <a:buChar char="-"/>
-            </a:pPr>
-            <a:r>
-              <a:rPr lang="ru-RU" sz="3600" dirty="0" smtClean="0">
-                <a:latin typeface="Calibri" pitchFamily="34" charset="0"/>
-                <a:cs typeface="Calibri" pitchFamily="34" charset="0"/>
-              </a:rPr>
-              <a:t>веб-сервисы</a:t>
-            </a:r>
-          </a:p>
-          <a:p>
-            <a:pPr marL="571500" indent="-571500">
-              <a:lnSpc>
-                <a:spcPct val="150000"/>
-              </a:lnSpc>
-              <a:buFontTx/>
-              <a:buChar char="-"/>
-            </a:pPr>
-            <a:r>
-              <a:rPr lang="ru-RU" sz="3600" dirty="0" smtClean="0">
-                <a:latin typeface="Calibri" pitchFamily="34" charset="0"/>
-                <a:cs typeface="Calibri" pitchFamily="34" charset="0"/>
-              </a:rPr>
-              <a:t>комбинированные веб-сервисы</a:t>
-            </a:r>
-          </a:p>
-        </p:txBody>
-      </p:sp>
-    </p:spTree>
-    <p:extLst>
-      <p:ext uri="{BB962C8B-B14F-4D97-AF65-F5344CB8AC3E}">
-        <p14:creationId xmlns:p14="http://schemas.microsoft.com/office/powerpoint/2010/main" val="3068317123"/>
-      </p:ext>
-    </p:extLst>
-  </p:cSld>
-  <p:clrMapOvr>
-    <a:masterClrMapping/>
-  </p:clrMapOvr>
-  <p:timing>
-    <p:tnLst>
-      <p:par>
-        <p:cTn id="1" dur="indefinite" restart="never" nodeType="tmRoot"/>
-      </p:par>
-    </p:tnLst>
-  </p:timing>
-</p:sld>
-</file>
-
-<file path=ppt/slides/slide20.xml><?xml version="1.0" encoding="utf-8"?>
-<p:sld xmlns:a="http://schemas.openxmlformats.org/drawingml/2006/main" xmlns:r="http://schemas.openxmlformats.org/officeDocument/2006/relationships" xmlns:p="http://schemas.openxmlformats.org/presentationml/2006/main">
-  <p:cSld>
-    <p:spTree>
-      <p:nvGrpSpPr>
-        <p:cNvPr id="1" name=""/>
-        <p:cNvGrpSpPr/>
-        <p:nvPr/>
-      </p:nvGrpSpPr>
-      <p:grpSpPr>
-        <a:xfrm>
-          <a:off x="0" y="0"/>
-          <a:ext cx="0" cy="0"/>
-          <a:chOff x="0" y="0"/>
-          <a:chExt cx="0" cy="0"/>
-        </a:xfrm>
-      </p:grpSpPr>
-      <p:sp>
-        <p:nvSpPr>
-          <p:cNvPr id="4" name="TextBox 3"/>
-          <p:cNvSpPr txBox="1"/>
-          <p:nvPr/>
-        </p:nvSpPr>
-        <p:spPr>
-          <a:xfrm>
             <a:off x="251520" y="190959"/>
             <a:ext cx="8640960" cy="830997"/>
           </a:xfrm>
@@ -6920,26 +5551,22 @@
           <a:p>
             <a:r>
               <a:rPr lang="ru-RU" sz="4800" dirty="0" smtClean="0">
-                <a:effectLst>
-                  <a:outerShdw blurRad="38100" dist="38100" dir="2700000" algn="tl">
-                    <a:srgbClr val="000000">
-                      <a:alpha val="43137"/>
-                    </a:srgbClr>
-                  </a:outerShdw>
-                </a:effectLst>
+                <a:solidFill>
+                  <a:schemeClr val="tx2">
+                    <a:lumMod val="25000"/>
+                  </a:schemeClr>
+                </a:solidFill>
                 <a:latin typeface="Calibri" pitchFamily="34" charset="0"/>
                 <a:cs typeface="Calibri" pitchFamily="34" charset="0"/>
               </a:rPr>
               <a:t>Архитектура веб-приложения</a:t>
             </a:r>
             <a:endParaRPr lang="ru-RU" sz="4800" dirty="0">
-              <a:effectLst>
-                <a:outerShdw blurRad="38100" dist="38100" dir="2700000" algn="tl">
-                  <a:srgbClr val="000000">
-                    <a:alpha val="43137"/>
-                  </a:srgbClr>
-                </a:outerShdw>
-              </a:effectLst>
+              <a:solidFill>
+                <a:schemeClr val="tx2">
+                  <a:lumMod val="25000"/>
+                </a:schemeClr>
+              </a:solidFill>
               <a:latin typeface="Calibri" pitchFamily="34" charset="0"/>
               <a:cs typeface="Calibri" pitchFamily="34" charset="0"/>
             </a:endParaRPr>
@@ -6970,12 +5597,22 @@
           <a:p>
             <a:r>
               <a:rPr lang="ru-RU" sz="3600" dirty="0" smtClean="0">
+                <a:solidFill>
+                  <a:schemeClr val="tx2">
+                    <a:lumMod val="25000"/>
+                  </a:schemeClr>
+                </a:solidFill>
                 <a:latin typeface="Calibri" pitchFamily="34" charset="0"/>
                 <a:cs typeface="Calibri" pitchFamily="34" charset="0"/>
               </a:rPr>
               <a:t>Распределенная схема</a:t>
             </a:r>
             <a:endParaRPr lang="ru-RU" sz="3600" dirty="0">
+              <a:solidFill>
+                <a:schemeClr val="tx2">
+                  <a:lumMod val="25000"/>
+                </a:schemeClr>
+              </a:solidFill>
               <a:latin typeface="Calibri" pitchFamily="34" charset="0"/>
               <a:cs typeface="Calibri" pitchFamily="34" charset="0"/>
             </a:endParaRPr>
@@ -6991,7 +5628,7 @@
           <p:nvPr>
             <p:extLst>
               <p:ext uri="{D42A27DB-BD31-4B8C-83A1-F6EECF244321}">
-                <p14:modId xmlns:p14="http://schemas.microsoft.com/office/powerpoint/2010/main" val="1532069232"/>
+                <p14:modId xmlns:p14="http://schemas.microsoft.com/office/powerpoint/2010/main" val="3427758103"/>
               </p:ext>
             </p:extLst>
           </p:nvPr>
@@ -7004,7 +5641,7 @@
           <a:graphicData uri="http://schemas.openxmlformats.org/presentationml/2006/ole">
             <mc:AlternateContent xmlns:mc="http://schemas.openxmlformats.org/markup-compatibility/2006">
               <mc:Choice xmlns:v="urn:schemas-microsoft-com:vml" Requires="v">
-                <p:oleObj spid="_x0000_s17422" name="Visio" r:id="rId3" imgW="7954875" imgH="3843720" progId="Visio.Drawing.11">
+                <p:oleObj spid="_x0000_s17418" name="Visio" r:id="rId3" imgW="7954875" imgH="3843720" progId="Visio.Drawing.11">
                   <p:embed/>
                 </p:oleObj>
               </mc:Choice>
@@ -7059,7 +5696,7 @@
 </p:sld>
 </file>
 
-<file path=ppt/slides/slide21.xml><?xml version="1.0" encoding="utf-8"?>
+<file path=ppt/slides/slide18.xml><?xml version="1.0" encoding="utf-8"?>
 <p:sld xmlns:a="http://schemas.openxmlformats.org/drawingml/2006/main" xmlns:r="http://schemas.openxmlformats.org/officeDocument/2006/relationships" xmlns:p="http://schemas.openxmlformats.org/presentationml/2006/main">
   <p:cSld>
     <p:spTree>
@@ -7100,26 +5737,22 @@
           <a:p>
             <a:r>
               <a:rPr lang="ru-RU" sz="4800" dirty="0" smtClean="0">
-                <a:effectLst>
-                  <a:outerShdw blurRad="38100" dist="38100" dir="2700000" algn="tl">
-                    <a:srgbClr val="000000">
-                      <a:alpha val="43137"/>
-                    </a:srgbClr>
-                  </a:outerShdw>
-                </a:effectLst>
+                <a:solidFill>
+                  <a:schemeClr val="tx2">
+                    <a:lumMod val="25000"/>
+                  </a:schemeClr>
+                </a:solidFill>
                 <a:latin typeface="Calibri" pitchFamily="34" charset="0"/>
                 <a:cs typeface="Calibri" pitchFamily="34" charset="0"/>
               </a:rPr>
               <a:t>Архитектура веб-приложения</a:t>
             </a:r>
             <a:endParaRPr lang="ru-RU" sz="4800" dirty="0">
-              <a:effectLst>
-                <a:outerShdw blurRad="38100" dist="38100" dir="2700000" algn="tl">
-                  <a:srgbClr val="000000">
-                    <a:alpha val="43137"/>
-                  </a:srgbClr>
-                </a:outerShdw>
-              </a:effectLst>
+              <a:solidFill>
+                <a:schemeClr val="tx2">
+                  <a:lumMod val="25000"/>
+                </a:schemeClr>
+              </a:solidFill>
               <a:latin typeface="Calibri" pitchFamily="34" charset="0"/>
               <a:cs typeface="Calibri" pitchFamily="34" charset="0"/>
             </a:endParaRPr>
@@ -7150,12 +5783,22 @@
           <a:p>
             <a:r>
               <a:rPr lang="ru-RU" sz="3600" dirty="0" smtClean="0">
+                <a:solidFill>
+                  <a:schemeClr val="tx2">
+                    <a:lumMod val="25000"/>
+                  </a:schemeClr>
+                </a:solidFill>
                 <a:latin typeface="Calibri" pitchFamily="34" charset="0"/>
                 <a:cs typeface="Calibri" pitchFamily="34" charset="0"/>
               </a:rPr>
               <a:t>Модульная схема</a:t>
             </a:r>
             <a:endParaRPr lang="ru-RU" sz="3600" dirty="0">
+              <a:solidFill>
+                <a:schemeClr val="tx2">
+                  <a:lumMod val="25000"/>
+                </a:schemeClr>
+              </a:solidFill>
               <a:latin typeface="Calibri" pitchFamily="34" charset="0"/>
               <a:cs typeface="Calibri" pitchFamily="34" charset="0"/>
             </a:endParaRPr>
@@ -7171,7 +5814,7 @@
           <p:nvPr>
             <p:extLst>
               <p:ext uri="{D42A27DB-BD31-4B8C-83A1-F6EECF244321}">
-                <p14:modId xmlns:p14="http://schemas.microsoft.com/office/powerpoint/2010/main" val="3652050747"/>
+                <p14:modId xmlns:p14="http://schemas.microsoft.com/office/powerpoint/2010/main" val="2870794601"/>
               </p:ext>
             </p:extLst>
           </p:nvPr>
@@ -7184,7 +5827,7 @@
           <a:graphicData uri="http://schemas.openxmlformats.org/presentationml/2006/ole">
             <mc:AlternateContent xmlns:mc="http://schemas.openxmlformats.org/markup-compatibility/2006">
               <mc:Choice xmlns:v="urn:schemas-microsoft-com:vml" Requires="v">
-                <p:oleObj spid="_x0000_s19469" name="Visio" r:id="rId3" imgW="8675049" imgH="4026240" progId="Visio.Drawing.11">
+                <p:oleObj spid="_x0000_s19465" name="Visio" r:id="rId3" imgW="8675049" imgH="4026240" progId="Visio.Drawing.11">
                   <p:embed/>
                 </p:oleObj>
               </mc:Choice>
@@ -7239,7 +5882,7 @@
 </p:sld>
 </file>
 
-<file path=ppt/slides/slide22.xml><?xml version="1.0" encoding="utf-8"?>
+<file path=ppt/slides/slide19.xml><?xml version="1.0" encoding="utf-8"?>
 <p:sld xmlns:a="http://schemas.openxmlformats.org/drawingml/2006/main" xmlns:r="http://schemas.openxmlformats.org/officeDocument/2006/relationships" xmlns:p="http://schemas.openxmlformats.org/presentationml/2006/main">
   <p:cSld>
     <p:spTree>
@@ -7279,26 +5922,10 @@
           <a:lstStyle/>
           <a:p>
             <a:r>
-              <a:rPr lang="ru-RU" sz="4800" dirty="0" smtClean="0">
-                <a:effectLst>
-                  <a:outerShdw blurRad="38100" dist="38100" dir="2700000" algn="tl">
-                    <a:srgbClr val="000000">
-                      <a:alpha val="43137"/>
-                    </a:srgbClr>
-                  </a:outerShdw>
-                </a:effectLst>
-              </a:rPr>
+              <a:rPr lang="ru-RU" sz="4800" dirty="0" smtClean="0"/>
               <a:t>Логическое проектирование базы данных</a:t>
             </a:r>
-            <a:endParaRPr lang="ru-RU" sz="4800" dirty="0">
-              <a:effectLst>
-                <a:outerShdw blurRad="38100" dist="38100" dir="2700000" algn="tl">
-                  <a:srgbClr val="000000">
-                    <a:alpha val="43137"/>
-                  </a:srgbClr>
-                </a:outerShdw>
-              </a:effectLst>
-            </a:endParaRPr>
+            <a:endParaRPr lang="ru-RU" sz="4800" dirty="0"/>
           </a:p>
         </p:txBody>
       </p:sp>
@@ -7374,8 +6001,8 @@
         </p:nvSpPr>
         <p:spPr>
           <a:xfrm>
-            <a:off x="503548" y="5157192"/>
-            <a:ext cx="7920880" cy="369332"/>
+            <a:off x="475546" y="5157192"/>
+            <a:ext cx="7920880" cy="830997"/>
           </a:xfrm>
           <a:prstGeom prst="rect">
             <a:avLst/>
@@ -7389,10 +6016,10 @@
           <a:lstStyle/>
           <a:p>
             <a:r>
-              <a:rPr lang="ru-RU" dirty="0" smtClean="0"/>
+              <a:rPr lang="ru-RU" sz="2400" dirty="0" smtClean="0"/>
               <a:t>Идентифицирующее отношение между сущностью «тема» и «категория»</a:t>
             </a:r>
-            <a:endParaRPr lang="ru-RU" dirty="0"/>
+            <a:endParaRPr lang="ru-RU" sz="2400" dirty="0"/>
           </a:p>
         </p:txBody>
       </p:sp>
@@ -7416,7 +6043,7 @@
 </p:sld>
 </file>
 
-<file path=ppt/slides/slide23.xml><?xml version="1.0" encoding="utf-8"?>
+<file path=ppt/slides/slide2.xml><?xml version="1.0" encoding="utf-8"?>
 <p:sld xmlns:a="http://schemas.openxmlformats.org/drawingml/2006/main" xmlns:r="http://schemas.openxmlformats.org/officeDocument/2006/relationships" xmlns:p="http://schemas.openxmlformats.org/presentationml/2006/main">
   <p:cSld>
     <p:spTree>
@@ -7441,6 +6068,208 @@
         </p:nvSpPr>
         <p:spPr>
           <a:xfrm>
+            <a:off x="443817" y="652625"/>
+            <a:ext cx="8280920" cy="1569660"/>
+          </a:xfrm>
+          <a:prstGeom prst="rect">
+            <a:avLst/>
+          </a:prstGeom>
+          <a:noFill/>
+        </p:spPr>
+        <p:txBody>
+          <a:bodyPr wrap="square" rtlCol="0" anchor="ctr">
+            <a:spAutoFit/>
+          </a:bodyPr>
+          <a:lstStyle/>
+          <a:p>
+            <a:r>
+              <a:rPr lang="ru-RU" sz="4800" dirty="0" smtClean="0">
+                <a:solidFill>
+                  <a:schemeClr val="tx2">
+                    <a:lumMod val="25000"/>
+                  </a:schemeClr>
+                </a:solidFill>
+                <a:latin typeface="Calibri" pitchFamily="34" charset="0"/>
+                <a:cs typeface="Calibri" pitchFamily="34" charset="0"/>
+              </a:rPr>
+              <a:t>Категории веб-приложений, использующих </a:t>
+            </a:r>
+            <a:r>
+              <a:rPr lang="en-US" sz="4800" dirty="0" smtClean="0">
+                <a:solidFill>
+                  <a:schemeClr val="tx2">
+                    <a:lumMod val="25000"/>
+                  </a:schemeClr>
+                </a:solidFill>
+                <a:latin typeface="Calibri" pitchFamily="34" charset="0"/>
+                <a:cs typeface="Calibri" pitchFamily="34" charset="0"/>
+              </a:rPr>
+              <a:t>CMS:</a:t>
+            </a:r>
+            <a:endParaRPr lang="ru-RU" sz="4800" dirty="0">
+              <a:solidFill>
+                <a:schemeClr val="tx2">
+                  <a:lumMod val="25000"/>
+                </a:schemeClr>
+              </a:solidFill>
+              <a:latin typeface="Calibri" pitchFamily="34" charset="0"/>
+              <a:cs typeface="Calibri" pitchFamily="34" charset="0"/>
+            </a:endParaRPr>
+          </a:p>
+        </p:txBody>
+      </p:sp>
+      <p:sp>
+        <p:nvSpPr>
+          <p:cNvPr id="3" name="TextBox 2"/>
+          <p:cNvSpPr txBox="1"/>
+          <p:nvPr/>
+        </p:nvSpPr>
+        <p:spPr>
+          <a:xfrm>
+            <a:off x="463589" y="2831982"/>
+            <a:ext cx="8280920" cy="3416320"/>
+          </a:xfrm>
+          <a:prstGeom prst="rect">
+            <a:avLst/>
+          </a:prstGeom>
+          <a:noFill/>
+        </p:spPr>
+        <p:txBody>
+          <a:bodyPr wrap="square" rtlCol="0" anchor="ctr">
+            <a:spAutoFit/>
+          </a:bodyPr>
+          <a:lstStyle/>
+          <a:p>
+            <a:pPr marL="571500" indent="-571500">
+              <a:lnSpc>
+                <a:spcPct val="150000"/>
+              </a:lnSpc>
+              <a:buFontTx/>
+              <a:buChar char="-"/>
+            </a:pPr>
+            <a:r>
+              <a:rPr lang="ru-RU" sz="3600" dirty="0" smtClean="0">
+                <a:solidFill>
+                  <a:schemeClr val="tx2">
+                    <a:lumMod val="25000"/>
+                  </a:schemeClr>
+                </a:solidFill>
+                <a:latin typeface="Calibri" pitchFamily="34" charset="0"/>
+                <a:cs typeface="Calibri" pitchFamily="34" charset="0"/>
+              </a:rPr>
+              <a:t>информационные ресурсы</a:t>
+            </a:r>
+          </a:p>
+          <a:p>
+            <a:pPr marL="571500" indent="-571500">
+              <a:lnSpc>
+                <a:spcPct val="150000"/>
+              </a:lnSpc>
+              <a:buFontTx/>
+              <a:buChar char="-"/>
+            </a:pPr>
+            <a:r>
+              <a:rPr lang="ru-RU" sz="3600" dirty="0" smtClean="0">
+                <a:solidFill>
+                  <a:schemeClr val="tx2">
+                    <a:lumMod val="25000"/>
+                  </a:schemeClr>
+                </a:solidFill>
+                <a:latin typeface="Calibri" pitchFamily="34" charset="0"/>
+                <a:cs typeface="Calibri" pitchFamily="34" charset="0"/>
+              </a:rPr>
+              <a:t>интернет-представительства</a:t>
+            </a:r>
+          </a:p>
+          <a:p>
+            <a:pPr marL="571500" indent="-571500">
+              <a:lnSpc>
+                <a:spcPct val="150000"/>
+              </a:lnSpc>
+              <a:buFontTx/>
+              <a:buChar char="-"/>
+            </a:pPr>
+            <a:r>
+              <a:rPr lang="ru-RU" sz="3600" dirty="0" smtClean="0">
+                <a:solidFill>
+                  <a:schemeClr val="tx2">
+                    <a:lumMod val="25000"/>
+                  </a:schemeClr>
+                </a:solidFill>
+                <a:latin typeface="Calibri" pitchFamily="34" charset="0"/>
+                <a:cs typeface="Calibri" pitchFamily="34" charset="0"/>
+              </a:rPr>
+              <a:t>веб-сервисы</a:t>
+            </a:r>
+          </a:p>
+          <a:p>
+            <a:pPr marL="571500" indent="-571500">
+              <a:lnSpc>
+                <a:spcPct val="150000"/>
+              </a:lnSpc>
+              <a:buFontTx/>
+              <a:buChar char="-"/>
+            </a:pPr>
+            <a:r>
+              <a:rPr lang="ru-RU" sz="3600" dirty="0" smtClean="0">
+                <a:solidFill>
+                  <a:schemeClr val="tx2">
+                    <a:lumMod val="25000"/>
+                  </a:schemeClr>
+                </a:solidFill>
+                <a:latin typeface="Calibri" pitchFamily="34" charset="0"/>
+                <a:cs typeface="Calibri" pitchFamily="34" charset="0"/>
+              </a:rPr>
+              <a:t>комбинированные веб-сервисы</a:t>
+            </a:r>
+          </a:p>
+        </p:txBody>
+      </p:sp>
+    </p:spTree>
+    <p:extLst>
+      <p:ext uri="{BB962C8B-B14F-4D97-AF65-F5344CB8AC3E}">
+        <p14:creationId xmlns:p14="http://schemas.microsoft.com/office/powerpoint/2010/main" val="3068317123"/>
+      </p:ext>
+    </p:extLst>
+  </p:cSld>
+  <p:clrMapOvr>
+    <a:masterClrMapping/>
+  </p:clrMapOvr>
+  <p:timing>
+    <p:tnLst>
+      <p:par>
+        <p:cTn id="1" dur="indefinite" restart="never" nodeType="tmRoot"/>
+      </p:par>
+    </p:tnLst>
+  </p:timing>
+</p:sld>
+</file>
+
+<file path=ppt/slides/slide20.xml><?xml version="1.0" encoding="utf-8"?>
+<p:sld xmlns:a="http://schemas.openxmlformats.org/drawingml/2006/main" xmlns:r="http://schemas.openxmlformats.org/officeDocument/2006/relationships" xmlns:p="http://schemas.openxmlformats.org/presentationml/2006/main">
+  <p:cSld>
+    <p:spTree>
+      <p:nvGrpSpPr>
+        <p:cNvPr id="1" name=""/>
+        <p:cNvGrpSpPr/>
+        <p:nvPr/>
+      </p:nvGrpSpPr>
+      <p:grpSpPr>
+        <a:xfrm>
+          <a:off x="0" y="0"/>
+          <a:ext cx="0" cy="0"/>
+          <a:chOff x="0" y="0"/>
+          <a:chExt cx="0" cy="0"/>
+        </a:xfrm>
+      </p:grpSpPr>
+      <p:sp>
+        <p:nvSpPr>
+          <p:cNvPr id="4" name="TextBox 3"/>
+          <p:cNvSpPr txBox="1"/>
+          <p:nvPr/>
+        </p:nvSpPr>
+        <p:spPr>
+          <a:xfrm>
             <a:off x="323528" y="-36675"/>
             <a:ext cx="8280920" cy="1569660"/>
           </a:xfrm>
@@ -7456,26 +6285,10 @@
           <a:lstStyle/>
           <a:p>
             <a:r>
-              <a:rPr lang="ru-RU" sz="4800" dirty="0" smtClean="0">
-                <a:effectLst>
-                  <a:outerShdw blurRad="38100" dist="38100" dir="2700000" algn="tl">
-                    <a:srgbClr val="000000">
-                      <a:alpha val="43137"/>
-                    </a:srgbClr>
-                  </a:outerShdw>
-                </a:effectLst>
-              </a:rPr>
+              <a:rPr lang="ru-RU" sz="4800" dirty="0" smtClean="0"/>
               <a:t>Физическое проектирование базы данных</a:t>
             </a:r>
-            <a:endParaRPr lang="ru-RU" sz="4800" dirty="0">
-              <a:effectLst>
-                <a:outerShdw blurRad="38100" dist="38100" dir="2700000" algn="tl">
-                  <a:srgbClr val="000000">
-                    <a:alpha val="43137"/>
-                  </a:srgbClr>
-                </a:outerShdw>
-              </a:effectLst>
-            </a:endParaRPr>
+            <a:endParaRPr lang="ru-RU" sz="4800" dirty="0"/>
           </a:p>
         </p:txBody>
       </p:sp>
@@ -7691,7 +6504,7 @@
 </p:sld>
 </file>
 
-<file path=ppt/slides/slide24.xml><?xml version="1.0" encoding="utf-8"?>
+<file path=ppt/slides/slide21.xml><?xml version="1.0" encoding="utf-8"?>
 <p:sld xmlns:a="http://schemas.openxmlformats.org/drawingml/2006/main" xmlns:r="http://schemas.openxmlformats.org/officeDocument/2006/relationships" xmlns:p="http://schemas.openxmlformats.org/presentationml/2006/main">
   <p:cSld>
     <p:spTree>
@@ -7732,26 +6545,22 @@
           <a:p>
             <a:r>
               <a:rPr lang="ru-RU" sz="4800" dirty="0" smtClean="0">
-                <a:effectLst>
-                  <a:outerShdw blurRad="38100" dist="38100" dir="2700000" algn="tl">
-                    <a:srgbClr val="000000">
-                      <a:alpha val="43137"/>
-                    </a:srgbClr>
-                  </a:outerShdw>
-                </a:effectLst>
+                <a:solidFill>
+                  <a:schemeClr val="tx2">
+                    <a:lumMod val="25000"/>
+                  </a:schemeClr>
+                </a:solidFill>
                 <a:latin typeface="Calibri" pitchFamily="34" charset="0"/>
                 <a:cs typeface="Calibri" pitchFamily="34" charset="0"/>
               </a:rPr>
               <a:t>Модули веб-приложения</a:t>
             </a:r>
             <a:endParaRPr lang="ru-RU" sz="4800" dirty="0">
-              <a:effectLst>
-                <a:outerShdw blurRad="38100" dist="38100" dir="2700000" algn="tl">
-                  <a:srgbClr val="000000">
-                    <a:alpha val="43137"/>
-                  </a:srgbClr>
-                </a:outerShdw>
-              </a:effectLst>
+              <a:solidFill>
+                <a:schemeClr val="tx2">
+                  <a:lumMod val="25000"/>
+                </a:schemeClr>
+              </a:solidFill>
               <a:latin typeface="Calibri" pitchFamily="34" charset="0"/>
               <a:cs typeface="Calibri" pitchFamily="34" charset="0"/>
             </a:endParaRPr>
@@ -7782,12 +6591,22 @@
           <a:p>
             <a:r>
               <a:rPr lang="ru-RU" sz="3600" dirty="0" smtClean="0">
+                <a:solidFill>
+                  <a:schemeClr val="tx2">
+                    <a:lumMod val="25000"/>
+                  </a:schemeClr>
+                </a:solidFill>
                 <a:latin typeface="Calibri" pitchFamily="34" charset="0"/>
                 <a:cs typeface="Calibri" pitchFamily="34" charset="0"/>
               </a:rPr>
               <a:t>Модуль навигации «Хлебные крошки»</a:t>
             </a:r>
             <a:endParaRPr lang="ru-RU" sz="3600" dirty="0">
+              <a:solidFill>
+                <a:schemeClr val="tx2">
+                  <a:lumMod val="25000"/>
+                </a:schemeClr>
+              </a:solidFill>
               <a:latin typeface="Calibri" pitchFamily="34" charset="0"/>
               <a:cs typeface="Calibri" pitchFamily="34" charset="0"/>
             </a:endParaRPr>
@@ -7881,12 +6700,22 @@
             <a:pPr algn="r"/>
             <a:r>
               <a:rPr lang="en-US" sz="3600" dirty="0" err="1" smtClean="0">
+                <a:solidFill>
+                  <a:schemeClr val="tx2">
+                    <a:lumMod val="25000"/>
+                  </a:schemeClr>
+                </a:solidFill>
                 <a:latin typeface="Consolas" pitchFamily="49" charset="0"/>
                 <a:cs typeface="Consolas" pitchFamily="49" charset="0"/>
               </a:rPr>
               <a:t>bread_crumbs.php</a:t>
             </a:r>
             <a:endParaRPr lang="en-US" sz="3600" dirty="0" smtClean="0">
+              <a:solidFill>
+                <a:schemeClr val="tx2">
+                  <a:lumMod val="25000"/>
+                </a:schemeClr>
+              </a:solidFill>
               <a:latin typeface="Consolas" pitchFamily="49" charset="0"/>
               <a:cs typeface="Consolas" pitchFamily="49" charset="0"/>
             </a:endParaRPr>
@@ -7895,12 +6724,22 @@
             <a:pPr algn="r"/>
             <a:r>
               <a:rPr lang="en-US" sz="3600" dirty="0" err="1" smtClean="0">
+                <a:solidFill>
+                  <a:schemeClr val="tx2">
+                    <a:lumMod val="25000"/>
+                  </a:schemeClr>
+                </a:solidFill>
                 <a:latin typeface="Consolas" pitchFamily="49" charset="0"/>
                 <a:cs typeface="Consolas" pitchFamily="49" charset="0"/>
               </a:rPr>
               <a:t>nav-item.tpl</a:t>
             </a:r>
             <a:endParaRPr lang="ru-RU" sz="3600" dirty="0">
+              <a:solidFill>
+                <a:schemeClr val="tx2">
+                  <a:lumMod val="25000"/>
+                </a:schemeClr>
+              </a:solidFill>
               <a:latin typeface="Consolas" pitchFamily="49" charset="0"/>
               <a:cs typeface="Consolas" pitchFamily="49" charset="0"/>
             </a:endParaRPr>
@@ -7931,12 +6770,22 @@
           <a:p>
             <a:r>
               <a:rPr lang="ru-RU" sz="3600" dirty="0" smtClean="0">
+                <a:solidFill>
+                  <a:schemeClr val="tx2">
+                    <a:lumMod val="25000"/>
+                  </a:schemeClr>
+                </a:solidFill>
                 <a:latin typeface="Calibri" pitchFamily="34" charset="0"/>
                 <a:cs typeface="Calibri" pitchFamily="34" charset="0"/>
               </a:rPr>
               <a:t>Модуль авторизации</a:t>
             </a:r>
             <a:endParaRPr lang="ru-RU" sz="3600" dirty="0">
+              <a:solidFill>
+                <a:schemeClr val="tx2">
+                  <a:lumMod val="25000"/>
+                </a:schemeClr>
+              </a:solidFill>
               <a:latin typeface="Calibri" pitchFamily="34" charset="0"/>
               <a:cs typeface="Calibri" pitchFamily="34" charset="0"/>
             </a:endParaRPr>
@@ -8096,12 +6945,22 @@
             <a:pPr algn="r"/>
             <a:r>
               <a:rPr lang="ru-RU" sz="3600" dirty="0" err="1" smtClean="0">
+                <a:solidFill>
+                  <a:schemeClr val="tx2">
+                    <a:lumMod val="25000"/>
+                  </a:schemeClr>
+                </a:solidFill>
                 <a:latin typeface="Consolas" pitchFamily="49" charset="0"/>
                 <a:cs typeface="Consolas" pitchFamily="49" charset="0"/>
               </a:rPr>
               <a:t>log_reg.php</a:t>
             </a:r>
             <a:endParaRPr lang="ru-RU" sz="3600" dirty="0">
+              <a:solidFill>
+                <a:schemeClr val="tx2">
+                  <a:lumMod val="25000"/>
+                </a:schemeClr>
+              </a:solidFill>
               <a:latin typeface="Consolas" pitchFamily="49" charset="0"/>
               <a:cs typeface="Consolas" pitchFamily="49" charset="0"/>
             </a:endParaRPr>
@@ -8110,12 +6969,22 @@
             <a:pPr algn="r"/>
             <a:r>
               <a:rPr lang="ru-RU" sz="3600" dirty="0" err="1">
+                <a:solidFill>
+                  <a:schemeClr val="tx2">
+                    <a:lumMod val="25000"/>
+                  </a:schemeClr>
+                </a:solidFill>
                 <a:latin typeface="Consolas" pitchFamily="49" charset="0"/>
                 <a:cs typeface="Consolas" pitchFamily="49" charset="0"/>
               </a:rPr>
               <a:t>login-hello.tpl</a:t>
             </a:r>
             <a:endParaRPr lang="ru-RU" sz="3600" dirty="0">
+              <a:solidFill>
+                <a:schemeClr val="tx2">
+                  <a:lumMod val="25000"/>
+                </a:schemeClr>
+              </a:solidFill>
               <a:latin typeface="Consolas" pitchFamily="49" charset="0"/>
               <a:cs typeface="Consolas" pitchFamily="49" charset="0"/>
             </a:endParaRPr>
@@ -8124,12 +6993,22 @@
             <a:pPr algn="r"/>
             <a:r>
               <a:rPr lang="ru-RU" sz="3600" dirty="0" err="1" smtClean="0">
+                <a:solidFill>
+                  <a:schemeClr val="tx2">
+                    <a:lumMod val="25000"/>
+                  </a:schemeClr>
+                </a:solidFill>
                 <a:latin typeface="Consolas" pitchFamily="49" charset="0"/>
                 <a:cs typeface="Consolas" pitchFamily="49" charset="0"/>
               </a:rPr>
               <a:t>login-form.tpl</a:t>
             </a:r>
             <a:endParaRPr lang="ru-RU" sz="3600" dirty="0" smtClean="0">
+              <a:solidFill>
+                <a:schemeClr val="tx2">
+                  <a:lumMod val="25000"/>
+                </a:schemeClr>
+              </a:solidFill>
               <a:latin typeface="Consolas" pitchFamily="49" charset="0"/>
               <a:cs typeface="Consolas" pitchFamily="49" charset="0"/>
             </a:endParaRPr>
@@ -8466,7 +7345,7 @@
 </p:sld>
 </file>
 
-<file path=ppt/slides/slide25.xml><?xml version="1.0" encoding="utf-8"?>
+<file path=ppt/slides/slide22.xml><?xml version="1.0" encoding="utf-8"?>
 <p:sld xmlns:a="http://schemas.openxmlformats.org/drawingml/2006/main" xmlns:r="http://schemas.openxmlformats.org/officeDocument/2006/relationships" xmlns:p="http://schemas.openxmlformats.org/presentationml/2006/main">
   <p:cSld>
     <p:spTree>
@@ -8507,26 +7386,22 @@
           <a:p>
             <a:r>
               <a:rPr lang="ru-RU" sz="4800" dirty="0" smtClean="0">
-                <a:effectLst>
-                  <a:outerShdw blurRad="38100" dist="38100" dir="2700000" algn="tl">
-                    <a:srgbClr val="000000">
-                      <a:alpha val="43137"/>
-                    </a:srgbClr>
-                  </a:outerShdw>
-                </a:effectLst>
+                <a:solidFill>
+                  <a:schemeClr val="tx2">
+                    <a:lumMod val="25000"/>
+                  </a:schemeClr>
+                </a:solidFill>
                 <a:latin typeface="Calibri" pitchFamily="34" charset="0"/>
                 <a:cs typeface="Calibri" pitchFamily="34" charset="0"/>
               </a:rPr>
               <a:t>Внешний вид веб-приложения</a:t>
             </a:r>
             <a:endParaRPr lang="ru-RU" sz="4800" dirty="0">
-              <a:effectLst>
-                <a:outerShdw blurRad="38100" dist="38100" dir="2700000" algn="tl">
-                  <a:srgbClr val="000000">
-                    <a:alpha val="43137"/>
-                  </a:srgbClr>
-                </a:outerShdw>
-              </a:effectLst>
+              <a:solidFill>
+                <a:schemeClr val="tx2">
+                  <a:lumMod val="25000"/>
+                </a:schemeClr>
+              </a:solidFill>
               <a:latin typeface="Calibri" pitchFamily="34" charset="0"/>
               <a:cs typeface="Calibri" pitchFamily="34" charset="0"/>
             </a:endParaRPr>
@@ -8560,6 +7435,11 @@
             </a:pPr>
             <a:r>
               <a:rPr lang="ru-RU" sz="3200" dirty="0" smtClean="0">
+                <a:solidFill>
+                  <a:schemeClr val="tx2">
+                    <a:lumMod val="25000"/>
+                  </a:schemeClr>
+                </a:solidFill>
                 <a:latin typeface="Calibri" pitchFamily="34" charset="0"/>
                 <a:cs typeface="Calibri" pitchFamily="34" charset="0"/>
               </a:rPr>
@@ -8572,6 +7452,11 @@
             </a:pPr>
             <a:r>
               <a:rPr lang="ru-RU" sz="3200" dirty="0" smtClean="0">
+                <a:solidFill>
+                  <a:schemeClr val="tx2">
+                    <a:lumMod val="25000"/>
+                  </a:schemeClr>
+                </a:solidFill>
                 <a:latin typeface="Calibri" pitchFamily="34" charset="0"/>
                 <a:cs typeface="Calibri" pitchFamily="34" charset="0"/>
               </a:rPr>
@@ -8583,6 +7468,11 @@
               <a:buAutoNum type="arabicPeriod"/>
             </a:pPr>
             <a:endParaRPr lang="ru-RU" sz="3200" dirty="0">
+              <a:solidFill>
+                <a:schemeClr val="tx2">
+                  <a:lumMod val="25000"/>
+                </a:schemeClr>
+              </a:solidFill>
               <a:latin typeface="Calibri" pitchFamily="34" charset="0"/>
               <a:cs typeface="Calibri" pitchFamily="34" charset="0"/>
             </a:endParaRPr>
@@ -8592,6 +7482,11 @@
               <a:buAutoNum type="arabicPeriod"/>
             </a:pPr>
             <a:endParaRPr lang="ru-RU" sz="3200" dirty="0" smtClean="0">
+              <a:solidFill>
+                <a:schemeClr val="tx2">
+                  <a:lumMod val="25000"/>
+                </a:schemeClr>
+              </a:solidFill>
               <a:latin typeface="Calibri" pitchFamily="34" charset="0"/>
               <a:cs typeface="Calibri" pitchFamily="34" charset="0"/>
             </a:endParaRPr>
@@ -8602,6 +7497,11 @@
             </a:pPr>
             <a:r>
               <a:rPr lang="ru-RU" sz="3200" dirty="0" smtClean="0">
+                <a:solidFill>
+                  <a:schemeClr val="tx2">
+                    <a:lumMod val="25000"/>
+                  </a:schemeClr>
+                </a:solidFill>
                 <a:latin typeface="Calibri" pitchFamily="34" charset="0"/>
                 <a:cs typeface="Calibri" pitchFamily="34" charset="0"/>
               </a:rPr>
@@ -8614,12 +7514,22 @@
             </a:pPr>
             <a:r>
               <a:rPr lang="ru-RU" sz="3200" dirty="0" smtClean="0">
+                <a:solidFill>
+                  <a:schemeClr val="tx2">
+                    <a:lumMod val="25000"/>
+                  </a:schemeClr>
+                </a:solidFill>
                 <a:latin typeface="Calibri" pitchFamily="34" charset="0"/>
                 <a:cs typeface="Calibri" pitchFamily="34" charset="0"/>
               </a:rPr>
               <a:t>Клиентские скрипты</a:t>
             </a:r>
             <a:endParaRPr lang="ru-RU" sz="3200" dirty="0">
+              <a:solidFill>
+                <a:schemeClr val="tx2">
+                  <a:lumMod val="25000"/>
+                </a:schemeClr>
+              </a:solidFill>
               <a:latin typeface="Calibri" pitchFamily="34" charset="0"/>
               <a:cs typeface="Calibri" pitchFamily="34" charset="0"/>
             </a:endParaRPr>
@@ -8635,7 +7545,7 @@
           <p:nvPr>
             <p:extLst>
               <p:ext uri="{D42A27DB-BD31-4B8C-83A1-F6EECF244321}">
-                <p14:modId xmlns:p14="http://schemas.microsoft.com/office/powerpoint/2010/main" val="453568112"/>
+                <p14:modId xmlns:p14="http://schemas.microsoft.com/office/powerpoint/2010/main" val="3432898757"/>
               </p:ext>
             </p:extLst>
           </p:nvPr>
@@ -8648,7 +7558,7 @@
           <a:graphicData uri="http://schemas.openxmlformats.org/presentationml/2006/ole">
             <mc:AlternateContent xmlns:mc="http://schemas.openxmlformats.org/markup-compatibility/2006">
               <mc:Choice xmlns:v="urn:schemas-microsoft-com:vml" Requires="v">
-                <p:oleObj spid="_x0000_s18446" name="Visio" r:id="rId3" imgW="8526746" imgH="4026780" progId="Visio.Drawing.11">
+                <p:oleObj spid="_x0000_s18442" name="Visio" r:id="rId3" imgW="8526746" imgH="4026780" progId="Visio.Drawing.11">
                   <p:embed/>
                 </p:oleObj>
               </mc:Choice>
@@ -8835,7 +7745,7 @@
 </p:sld>
 </file>
 
-<file path=ppt/slides/slide26.xml><?xml version="1.0" encoding="utf-8"?>
+<file path=ppt/slides/slide23.xml><?xml version="1.0" encoding="utf-8"?>
 <p:sld xmlns:a="http://schemas.openxmlformats.org/drawingml/2006/main" xmlns:r="http://schemas.openxmlformats.org/officeDocument/2006/relationships" xmlns:p="http://schemas.openxmlformats.org/presentationml/2006/main">
   <p:cSld>
     <p:spTree>
@@ -8875,61 +7785,16 @@
           <a:lstStyle/>
           <a:p>
             <a:r>
-              <a:rPr lang="ru-RU" sz="4800" dirty="0" smtClean="0">
-                <a:effectLst>
-                  <a:outerShdw blurRad="38100" dist="38100" dir="2700000" algn="tl">
-                    <a:srgbClr val="000000">
-                      <a:alpha val="43137"/>
-                    </a:srgbClr>
-                  </a:outerShdw>
-                </a:effectLst>
-              </a:rPr>
-              <a:t>Проектирование </a:t>
-            </a:r>
-            <a:r>
-              <a:rPr lang="ru-RU" sz="4800" dirty="0" smtClean="0">
-                <a:effectLst>
-                  <a:outerShdw blurRad="38100" dist="38100" dir="2700000" algn="tl">
-                    <a:srgbClr val="000000">
-                      <a:alpha val="43137"/>
-                    </a:srgbClr>
-                  </a:outerShdw>
-                </a:effectLst>
-              </a:rPr>
-              <a:t>модулей</a:t>
-            </a:r>
-            <a:endParaRPr lang="ru-RU" sz="4800" dirty="0" smtClean="0">
-              <a:effectLst>
-                <a:outerShdw blurRad="38100" dist="38100" dir="2700000" algn="tl">
-                  <a:srgbClr val="000000">
-                    <a:alpha val="43137"/>
-                  </a:srgbClr>
-                </a:outerShdw>
-              </a:effectLst>
-            </a:endParaRPr>
-          </a:p>
-          <a:p>
-            <a:r>
-              <a:rPr lang="ru-RU" sz="3600" dirty="0" smtClean="0">
-                <a:effectLst>
-                  <a:outerShdw blurRad="38100" dist="38100" dir="2700000" algn="tl">
-                    <a:srgbClr val="000000">
-                      <a:alpha val="43137"/>
-                    </a:srgbClr>
-                  </a:outerShdw>
-                </a:effectLst>
-              </a:rPr>
+              <a:rPr lang="ru-RU" sz="4800" dirty="0" smtClean="0"/>
+              <a:t>Проектирование модулей.</a:t>
+            </a:r>
+          </a:p>
+          <a:p>
+            <a:r>
+              <a:rPr lang="ru-RU" sz="3600" dirty="0" smtClean="0"/>
               <a:t>Регистрация</a:t>
             </a:r>
-            <a:endParaRPr lang="ru-RU" sz="3600" dirty="0">
-              <a:effectLst>
-                <a:outerShdw blurRad="38100" dist="38100" dir="2700000" algn="tl">
-                  <a:srgbClr val="000000">
-                    <a:alpha val="43137"/>
-                  </a:srgbClr>
-                </a:outerShdw>
-              </a:effectLst>
-            </a:endParaRPr>
+            <a:endParaRPr lang="ru-RU" sz="3600" dirty="0"/>
           </a:p>
         </p:txBody>
       </p:sp>
@@ -9141,7 +8006,7 @@
 </p:sld>
 </file>
 
-<file path=ppt/slides/slide27.xml><?xml version="1.0" encoding="utf-8"?>
+<file path=ppt/slides/slide24.xml><?xml version="1.0" encoding="utf-8"?>
 <p:sld xmlns:a="http://schemas.openxmlformats.org/drawingml/2006/main" xmlns:r="http://schemas.openxmlformats.org/officeDocument/2006/relationships" xmlns:p="http://schemas.openxmlformats.org/presentationml/2006/main">
   <p:cSld>
     <p:spTree>
@@ -9181,61 +8046,16 @@
           <a:lstStyle/>
           <a:p>
             <a:r>
-              <a:rPr lang="ru-RU" sz="4800" dirty="0" smtClean="0">
-                <a:effectLst>
-                  <a:outerShdw blurRad="38100" dist="38100" dir="2700000" algn="tl">
-                    <a:srgbClr val="000000">
-                      <a:alpha val="43137"/>
-                    </a:srgbClr>
-                  </a:outerShdw>
-                </a:effectLst>
-              </a:rPr>
-              <a:t>Проектирование </a:t>
-            </a:r>
-            <a:r>
-              <a:rPr lang="ru-RU" sz="4800" dirty="0" smtClean="0">
-                <a:effectLst>
-                  <a:outerShdw blurRad="38100" dist="38100" dir="2700000" algn="tl">
-                    <a:srgbClr val="000000">
-                      <a:alpha val="43137"/>
-                    </a:srgbClr>
-                  </a:outerShdw>
-                </a:effectLst>
-              </a:rPr>
-              <a:t>модулей</a:t>
-            </a:r>
-            <a:endParaRPr lang="ru-RU" sz="4800" dirty="0" smtClean="0">
-              <a:effectLst>
-                <a:outerShdw blurRad="38100" dist="38100" dir="2700000" algn="tl">
-                  <a:srgbClr val="000000">
-                    <a:alpha val="43137"/>
-                  </a:srgbClr>
-                </a:outerShdw>
-              </a:effectLst>
-            </a:endParaRPr>
-          </a:p>
-          <a:p>
-            <a:r>
-              <a:rPr lang="ru-RU" sz="3600" dirty="0" smtClean="0">
-                <a:effectLst>
-                  <a:outerShdw blurRad="38100" dist="38100" dir="2700000" algn="tl">
-                    <a:srgbClr val="000000">
-                      <a:alpha val="43137"/>
-                    </a:srgbClr>
-                  </a:outerShdw>
-                </a:effectLst>
-              </a:rPr>
+              <a:rPr lang="ru-RU" sz="4800" dirty="0" smtClean="0"/>
+              <a:t>Проектирование модулей.</a:t>
+            </a:r>
+          </a:p>
+          <a:p>
+            <a:r>
+              <a:rPr lang="ru-RU" sz="3600" dirty="0" smtClean="0"/>
               <a:t>Профиль пользователя</a:t>
             </a:r>
-            <a:endParaRPr lang="ru-RU" sz="3600" dirty="0">
-              <a:effectLst>
-                <a:outerShdw blurRad="38100" dist="38100" dir="2700000" algn="tl">
-                  <a:srgbClr val="000000">
-                    <a:alpha val="43137"/>
-                  </a:srgbClr>
-                </a:outerShdw>
-              </a:effectLst>
-            </a:endParaRPr>
+            <a:endParaRPr lang="ru-RU" sz="3600" dirty="0"/>
           </a:p>
         </p:txBody>
       </p:sp>
@@ -9387,7 +8207,7 @@
 </p:sld>
 </file>
 
-<file path=ppt/slides/slide28.xml><?xml version="1.0" encoding="utf-8"?>
+<file path=ppt/slides/slide25.xml><?xml version="1.0" encoding="utf-8"?>
 <p:sld xmlns:a="http://schemas.openxmlformats.org/drawingml/2006/main" xmlns:r="http://schemas.openxmlformats.org/officeDocument/2006/relationships" xmlns:p="http://schemas.openxmlformats.org/presentationml/2006/main">
   <p:cSld>
     <p:spTree>
@@ -9427,61 +8247,16 @@
           <a:lstStyle/>
           <a:p>
             <a:r>
-              <a:rPr lang="ru-RU" sz="4800" dirty="0" smtClean="0">
-                <a:effectLst>
-                  <a:outerShdw blurRad="38100" dist="38100" dir="2700000" algn="tl">
-                    <a:srgbClr val="000000">
-                      <a:alpha val="43137"/>
-                    </a:srgbClr>
-                  </a:outerShdw>
-                </a:effectLst>
-              </a:rPr>
-              <a:t>Проектирование </a:t>
-            </a:r>
-            <a:r>
-              <a:rPr lang="ru-RU" sz="4800" dirty="0" smtClean="0">
-                <a:effectLst>
-                  <a:outerShdw blurRad="38100" dist="38100" dir="2700000" algn="tl">
-                    <a:srgbClr val="000000">
-                      <a:alpha val="43137"/>
-                    </a:srgbClr>
-                  </a:outerShdw>
-                </a:effectLst>
-              </a:rPr>
-              <a:t>модулей</a:t>
-            </a:r>
-            <a:endParaRPr lang="ru-RU" sz="4800" dirty="0" smtClean="0">
-              <a:effectLst>
-                <a:outerShdw blurRad="38100" dist="38100" dir="2700000" algn="tl">
-                  <a:srgbClr val="000000">
-                    <a:alpha val="43137"/>
-                  </a:srgbClr>
-                </a:outerShdw>
-              </a:effectLst>
-            </a:endParaRPr>
-          </a:p>
-          <a:p>
-            <a:r>
-              <a:rPr lang="ru-RU" sz="3600" dirty="0" smtClean="0">
-                <a:effectLst>
-                  <a:outerShdw blurRad="38100" dist="38100" dir="2700000" algn="tl">
-                    <a:srgbClr val="000000">
-                      <a:alpha val="43137"/>
-                    </a:srgbClr>
-                  </a:outerShdw>
-                </a:effectLst>
-              </a:rPr>
-              <a:t>Список категорий</a:t>
-            </a:r>
-            <a:endParaRPr lang="ru-RU" sz="3600" dirty="0">
-              <a:effectLst>
-                <a:outerShdw blurRad="38100" dist="38100" dir="2700000" algn="tl">
-                  <a:srgbClr val="000000">
-                    <a:alpha val="43137"/>
-                  </a:srgbClr>
-                </a:outerShdw>
-              </a:effectLst>
-            </a:endParaRPr>
+              <a:rPr lang="ru-RU" sz="4800" dirty="0" smtClean="0"/>
+              <a:t>Проектирование модулей.</a:t>
+            </a:r>
+          </a:p>
+          <a:p>
+            <a:r>
+              <a:rPr lang="ru-RU" sz="3600" dirty="0" smtClean="0"/>
+              <a:t>Разделы форума</a:t>
+            </a:r>
+            <a:endParaRPr lang="ru-RU" sz="3600" dirty="0"/>
           </a:p>
         </p:txBody>
       </p:sp>
@@ -9508,8 +8283,136 @@
         </p:blipFill>
         <p:spPr bwMode="auto">
           <a:xfrm>
-            <a:off x="657225" y="2147888"/>
+            <a:off x="414858" y="1700808"/>
             <a:ext cx="7829550" cy="2562225"/>
+          </a:xfrm>
+          <a:prstGeom prst="rect">
+            <a:avLst/>
+          </a:prstGeom>
+          <a:noFill/>
+          <a:ln>
+            <a:noFill/>
+          </a:ln>
+          <a:effectLst/>
+          <a:extLst>
+            <a:ext uri="{909E8E84-426E-40DD-AFC4-6F175D3DCCD1}">
+              <a14:hiddenFill xmlns:a14="http://schemas.microsoft.com/office/drawing/2010/main">
+                <a:solidFill>
+                  <a:schemeClr val="accent1"/>
+                </a:solidFill>
+              </a14:hiddenFill>
+            </a:ext>
+            <a:ext uri="{91240B29-F687-4F45-9708-019B960494DF}">
+              <a14:hiddenLine xmlns:a14="http://schemas.microsoft.com/office/drawing/2010/main" w="9525">
+                <a:solidFill>
+                  <a:schemeClr val="tx1"/>
+                </a:solidFill>
+                <a:miter lim="800000"/>
+                <a:headEnd/>
+                <a:tailEnd/>
+              </a14:hiddenLine>
+            </a:ext>
+            <a:ext uri="{AF507438-7753-43E0-B8FC-AC1667EBCBE1}">
+              <a14:hiddenEffects xmlns:a14="http://schemas.microsoft.com/office/drawing/2010/main">
+                <a:effectLst>
+                  <a:outerShdw dist="35921" dir="2700000" algn="ctr" rotWithShape="0">
+                    <a:schemeClr val="bg2"/>
+                  </a:outerShdw>
+                </a:effectLst>
+              </a14:hiddenEffects>
+            </a:ext>
+          </a:extLst>
+        </p:spPr>
+      </p:pic>
+      <p:pic>
+        <p:nvPicPr>
+          <p:cNvPr id="5" name="Picture 2"/>
+          <p:cNvPicPr>
+            <a:picLocks noChangeAspect="1" noChangeArrowheads="1"/>
+          </p:cNvPicPr>
+          <p:nvPr/>
+        </p:nvPicPr>
+        <p:blipFill>
+          <a:blip r:embed="rId3">
+            <a:extLst>
+              <a:ext uri="{28A0092B-C50C-407E-A947-70E740481C1C}">
+                <a14:useLocalDpi xmlns:a14="http://schemas.microsoft.com/office/drawing/2010/main" val="0"/>
+              </a:ext>
+            </a:extLst>
+          </a:blip>
+          <a:srcRect/>
+          <a:stretch>
+            <a:fillRect/>
+          </a:stretch>
+        </p:blipFill>
+        <p:spPr bwMode="auto">
+          <a:xfrm>
+            <a:off x="417764" y="1700808"/>
+            <a:ext cx="8265734" cy="4248472"/>
+          </a:xfrm>
+          <a:prstGeom prst="rect">
+            <a:avLst/>
+          </a:prstGeom>
+          <a:noFill/>
+          <a:ln>
+            <a:noFill/>
+          </a:ln>
+          <a:effectLst/>
+          <a:extLst>
+            <a:ext uri="{909E8E84-426E-40DD-AFC4-6F175D3DCCD1}">
+              <a14:hiddenFill xmlns:a14="http://schemas.microsoft.com/office/drawing/2010/main">
+                <a:solidFill>
+                  <a:schemeClr val="accent1"/>
+                </a:solidFill>
+              </a14:hiddenFill>
+            </a:ext>
+            <a:ext uri="{91240B29-F687-4F45-9708-019B960494DF}">
+              <a14:hiddenLine xmlns:a14="http://schemas.microsoft.com/office/drawing/2010/main" w="9525">
+                <a:solidFill>
+                  <a:schemeClr val="tx1"/>
+                </a:solidFill>
+                <a:miter lim="800000"/>
+                <a:headEnd/>
+                <a:tailEnd/>
+              </a14:hiddenLine>
+            </a:ext>
+            <a:ext uri="{AF507438-7753-43E0-B8FC-AC1667EBCBE1}">
+              <a14:hiddenEffects xmlns:a14="http://schemas.microsoft.com/office/drawing/2010/main">
+                <a:effectLst>
+                  <a:outerShdw dist="35921" dir="2700000" algn="ctr" rotWithShape="0">
+                    <a:schemeClr val="bg2"/>
+                  </a:outerShdw>
+                </a:effectLst>
+              </a14:hiddenEffects>
+            </a:ext>
+          </a:extLst>
+        </p:spPr>
+      </p:pic>
+      <p:pic>
+        <p:nvPicPr>
+          <p:cNvPr id="6" name="Picture 3"/>
+          <p:cNvPicPr>
+            <a:picLocks noChangeAspect="1" noChangeArrowheads="1"/>
+          </p:cNvPicPr>
+          <p:nvPr/>
+        </p:nvPicPr>
+        <p:blipFill>
+          <a:blip r:embed="rId4">
+            <a:extLst>
+              <a:ext uri="{28A0092B-C50C-407E-A947-70E740481C1C}">
+                <a14:useLocalDpi xmlns:a14="http://schemas.microsoft.com/office/drawing/2010/main" val="0"/>
+              </a:ext>
+            </a:extLst>
+          </a:blip>
+          <a:srcRect/>
+          <a:stretch>
+            <a:fillRect/>
+          </a:stretch>
+        </p:blipFill>
+        <p:spPr bwMode="auto">
+          <a:xfrm>
+            <a:off x="417764" y="1700808"/>
+            <a:ext cx="8191500" cy="4533900"/>
           </a:xfrm>
           <a:prstGeom prst="rect">
             <a:avLst/>
@@ -9559,17 +8462,321 @@
   <p:clrMapOvr>
     <a:masterClrMapping/>
   </p:clrMapOvr>
+  <mc:AlternateContent xmlns:mc="http://schemas.openxmlformats.org/markup-compatibility/2006">
+    <mc:Choice xmlns:p14="http://schemas.microsoft.com/office/powerpoint/2010/main" Requires="p14">
+      <p:transition p14:dur="10"/>
+    </mc:Choice>
+    <mc:Fallback>
+      <p:transition/>
+    </mc:Fallback>
+  </mc:AlternateContent>
   <p:timing>
     <p:tnLst>
       <p:par>
-        <p:cTn id="1" dur="indefinite" restart="never" nodeType="tmRoot"/>
+        <p:cTn id="1" dur="indefinite" restart="never" nodeType="tmRoot">
+          <p:childTnLst>
+            <p:seq concurrent="1" nextAc="seek">
+              <p:cTn id="2" dur="indefinite" nodeType="mainSeq">
+                <p:childTnLst>
+                  <p:par>
+                    <p:cTn id="3" fill="hold">
+                      <p:stCondLst>
+                        <p:cond delay="indefinite"/>
+                      </p:stCondLst>
+                      <p:childTnLst>
+                        <p:par>
+                          <p:cTn id="4" fill="hold">
+                            <p:stCondLst>
+                              <p:cond delay="0"/>
+                            </p:stCondLst>
+                            <p:childTnLst>
+                              <p:par>
+                                <p:cTn id="5" presetID="2" presetClass="entr" presetSubtype="4" fill="hold" nodeType="clickEffect">
+                                  <p:stCondLst>
+                                    <p:cond delay="0"/>
+                                  </p:stCondLst>
+                                  <p:childTnLst>
+                                    <p:set>
+                                      <p:cBhvr>
+                                        <p:cTn id="6" dur="1" fill="hold">
+                                          <p:stCondLst>
+                                            <p:cond delay="0"/>
+                                          </p:stCondLst>
+                                        </p:cTn>
+                                        <p:tgtEl>
+                                          <p:spTgt spid="11266"/>
+                                        </p:tgtEl>
+                                        <p:attrNameLst>
+                                          <p:attrName>style.visibility</p:attrName>
+                                        </p:attrNameLst>
+                                      </p:cBhvr>
+                                      <p:to>
+                                        <p:strVal val="visible"/>
+                                      </p:to>
+                                    </p:set>
+                                    <p:anim calcmode="lin" valueType="num">
+                                      <p:cBhvr additive="base">
+                                        <p:cTn id="7" dur="500" fill="hold"/>
+                                        <p:tgtEl>
+                                          <p:spTgt spid="11266"/>
+                                        </p:tgtEl>
+                                        <p:attrNameLst>
+                                          <p:attrName>ppt_x</p:attrName>
+                                        </p:attrNameLst>
+                                      </p:cBhvr>
+                                      <p:tavLst>
+                                        <p:tav tm="0">
+                                          <p:val>
+                                            <p:strVal val="#ppt_x"/>
+                                          </p:val>
+                                        </p:tav>
+                                        <p:tav tm="100000">
+                                          <p:val>
+                                            <p:strVal val="#ppt_x"/>
+                                          </p:val>
+                                        </p:tav>
+                                      </p:tavLst>
+                                    </p:anim>
+                                    <p:anim calcmode="lin" valueType="num">
+                                      <p:cBhvr additive="base">
+                                        <p:cTn id="8" dur="500" fill="hold"/>
+                                        <p:tgtEl>
+                                          <p:spTgt spid="11266"/>
+                                        </p:tgtEl>
+                                        <p:attrNameLst>
+                                          <p:attrName>ppt_y</p:attrName>
+                                        </p:attrNameLst>
+                                      </p:cBhvr>
+                                      <p:tavLst>
+                                        <p:tav tm="0">
+                                          <p:val>
+                                            <p:strVal val="1+#ppt_h/2"/>
+                                          </p:val>
+                                        </p:tav>
+                                        <p:tav tm="100000">
+                                          <p:val>
+                                            <p:strVal val="#ppt_y"/>
+                                          </p:val>
+                                        </p:tav>
+                                      </p:tavLst>
+                                    </p:anim>
+                                  </p:childTnLst>
+                                </p:cTn>
+                              </p:par>
+                            </p:childTnLst>
+                          </p:cTn>
+                        </p:par>
+                      </p:childTnLst>
+                    </p:cTn>
+                  </p:par>
+                  <p:par>
+                    <p:cTn id="9" fill="hold">
+                      <p:stCondLst>
+                        <p:cond delay="indefinite"/>
+                      </p:stCondLst>
+                      <p:childTnLst>
+                        <p:par>
+                          <p:cTn id="10" fill="hold">
+                            <p:stCondLst>
+                              <p:cond delay="0"/>
+                            </p:stCondLst>
+                            <p:childTnLst>
+                              <p:par>
+                                <p:cTn id="11" presetID="2" presetClass="entr" presetSubtype="4" fill="hold" nodeType="clickEffect">
+                                  <p:stCondLst>
+                                    <p:cond delay="0"/>
+                                  </p:stCondLst>
+                                  <p:childTnLst>
+                                    <p:set>
+                                      <p:cBhvr>
+                                        <p:cTn id="12" dur="1" fill="hold">
+                                          <p:stCondLst>
+                                            <p:cond delay="0"/>
+                                          </p:stCondLst>
+                                        </p:cTn>
+                                        <p:tgtEl>
+                                          <p:spTgt spid="5"/>
+                                        </p:tgtEl>
+                                        <p:attrNameLst>
+                                          <p:attrName>style.visibility</p:attrName>
+                                        </p:attrNameLst>
+                                      </p:cBhvr>
+                                      <p:to>
+                                        <p:strVal val="visible"/>
+                                      </p:to>
+                                    </p:set>
+                                    <p:anim calcmode="lin" valueType="num">
+                                      <p:cBhvr additive="base">
+                                        <p:cTn id="13" dur="500" fill="hold"/>
+                                        <p:tgtEl>
+                                          <p:spTgt spid="5"/>
+                                        </p:tgtEl>
+                                        <p:attrNameLst>
+                                          <p:attrName>ppt_x</p:attrName>
+                                        </p:attrNameLst>
+                                      </p:cBhvr>
+                                      <p:tavLst>
+                                        <p:tav tm="0">
+                                          <p:val>
+                                            <p:strVal val="#ppt_x"/>
+                                          </p:val>
+                                        </p:tav>
+                                        <p:tav tm="100000">
+                                          <p:val>
+                                            <p:strVal val="#ppt_x"/>
+                                          </p:val>
+                                        </p:tav>
+                                      </p:tavLst>
+                                    </p:anim>
+                                    <p:anim calcmode="lin" valueType="num">
+                                      <p:cBhvr additive="base">
+                                        <p:cTn id="14" dur="500" fill="hold"/>
+                                        <p:tgtEl>
+                                          <p:spTgt spid="5"/>
+                                        </p:tgtEl>
+                                        <p:attrNameLst>
+                                          <p:attrName>ppt_y</p:attrName>
+                                        </p:attrNameLst>
+                                      </p:cBhvr>
+                                      <p:tavLst>
+                                        <p:tav tm="0">
+                                          <p:val>
+                                            <p:strVal val="1+#ppt_h/2"/>
+                                          </p:val>
+                                        </p:tav>
+                                        <p:tav tm="100000">
+                                          <p:val>
+                                            <p:strVal val="#ppt_y"/>
+                                          </p:val>
+                                        </p:tav>
+                                      </p:tavLst>
+                                    </p:anim>
+                                  </p:childTnLst>
+                                </p:cTn>
+                              </p:par>
+                            </p:childTnLst>
+                          </p:cTn>
+                        </p:par>
+                      </p:childTnLst>
+                    </p:cTn>
+                  </p:par>
+                  <p:par>
+                    <p:cTn id="15" fill="hold">
+                      <p:stCondLst>
+                        <p:cond delay="indefinite"/>
+                      </p:stCondLst>
+                      <p:childTnLst>
+                        <p:par>
+                          <p:cTn id="16" fill="hold">
+                            <p:stCondLst>
+                              <p:cond delay="0"/>
+                            </p:stCondLst>
+                            <p:childTnLst>
+                              <p:par>
+                                <p:cTn id="17" presetID="2" presetClass="entr" presetSubtype="4" fill="hold" nodeType="clickEffect">
+                                  <p:stCondLst>
+                                    <p:cond delay="0"/>
+                                  </p:stCondLst>
+                                  <p:childTnLst>
+                                    <p:set>
+                                      <p:cBhvr>
+                                        <p:cTn id="18" dur="1" fill="hold">
+                                          <p:stCondLst>
+                                            <p:cond delay="0"/>
+                                          </p:stCondLst>
+                                        </p:cTn>
+                                        <p:tgtEl>
+                                          <p:spTgt spid="6"/>
+                                        </p:tgtEl>
+                                        <p:attrNameLst>
+                                          <p:attrName>style.visibility</p:attrName>
+                                        </p:attrNameLst>
+                                      </p:cBhvr>
+                                      <p:to>
+                                        <p:strVal val="visible"/>
+                                      </p:to>
+                                    </p:set>
+                                    <p:anim calcmode="lin" valueType="num">
+                                      <p:cBhvr additive="base">
+                                        <p:cTn id="19" dur="500" fill="hold"/>
+                                        <p:tgtEl>
+                                          <p:spTgt spid="6"/>
+                                        </p:tgtEl>
+                                        <p:attrNameLst>
+                                          <p:attrName>ppt_x</p:attrName>
+                                        </p:attrNameLst>
+                                      </p:cBhvr>
+                                      <p:tavLst>
+                                        <p:tav tm="0">
+                                          <p:val>
+                                            <p:strVal val="#ppt_x"/>
+                                          </p:val>
+                                        </p:tav>
+                                        <p:tav tm="100000">
+                                          <p:val>
+                                            <p:strVal val="#ppt_x"/>
+                                          </p:val>
+                                        </p:tav>
+                                      </p:tavLst>
+                                    </p:anim>
+                                    <p:anim calcmode="lin" valueType="num">
+                                      <p:cBhvr additive="base">
+                                        <p:cTn id="20" dur="500" fill="hold"/>
+                                        <p:tgtEl>
+                                          <p:spTgt spid="6"/>
+                                        </p:tgtEl>
+                                        <p:attrNameLst>
+                                          <p:attrName>ppt_y</p:attrName>
+                                        </p:attrNameLst>
+                                      </p:cBhvr>
+                                      <p:tavLst>
+                                        <p:tav tm="0">
+                                          <p:val>
+                                            <p:strVal val="1+#ppt_h/2"/>
+                                          </p:val>
+                                        </p:tav>
+                                        <p:tav tm="100000">
+                                          <p:val>
+                                            <p:strVal val="#ppt_y"/>
+                                          </p:val>
+                                        </p:tav>
+                                      </p:tavLst>
+                                    </p:anim>
+                                  </p:childTnLst>
+                                </p:cTn>
+                              </p:par>
+                            </p:childTnLst>
+                          </p:cTn>
+                        </p:par>
+                      </p:childTnLst>
+                    </p:cTn>
+                  </p:par>
+                </p:childTnLst>
+              </p:cTn>
+              <p:prevCondLst>
+                <p:cond evt="onPrev" delay="0">
+                  <p:tgtEl>
+                    <p:sldTgt/>
+                  </p:tgtEl>
+                </p:cond>
+              </p:prevCondLst>
+              <p:nextCondLst>
+                <p:cond evt="onNext" delay="0">
+                  <p:tgtEl>
+                    <p:sldTgt/>
+                  </p:tgtEl>
+                </p:cond>
+              </p:nextCondLst>
+            </p:seq>
+          </p:childTnLst>
+        </p:cTn>
       </p:par>
     </p:tnLst>
   </p:timing>
 </p:sld>
 </file>
 
-<file path=ppt/slides/slide29.xml><?xml version="1.0" encoding="utf-8"?>
+<file path=ppt/slides/slide26.xml><?xml version="1.0" encoding="utf-8"?>
 <p:sld xmlns:a="http://schemas.openxmlformats.org/drawingml/2006/main" xmlns:r="http://schemas.openxmlformats.org/officeDocument/2006/relationships" xmlns:p="http://schemas.openxmlformats.org/presentationml/2006/main">
   <p:cSld>
     <p:spTree>
@@ -9594,982 +8801,6 @@
         </p:nvSpPr>
         <p:spPr>
           <a:xfrm>
-            <a:off x="323528" y="55657"/>
-            <a:ext cx="8280920" cy="1384995"/>
-          </a:xfrm>
-          <a:prstGeom prst="rect">
-            <a:avLst/>
-          </a:prstGeom>
-          <a:noFill/>
-        </p:spPr>
-        <p:txBody>
-          <a:bodyPr wrap="square" rtlCol="0" anchor="ctr">
-            <a:spAutoFit/>
-          </a:bodyPr>
-          <a:lstStyle/>
-          <a:p>
-            <a:r>
-              <a:rPr lang="ru-RU" sz="4800" dirty="0" smtClean="0">
-                <a:effectLst>
-                  <a:outerShdw blurRad="38100" dist="38100" dir="2700000" algn="tl">
-                    <a:srgbClr val="000000">
-                      <a:alpha val="43137"/>
-                    </a:srgbClr>
-                  </a:outerShdw>
-                </a:effectLst>
-              </a:rPr>
-              <a:t>Проектирование </a:t>
-            </a:r>
-            <a:r>
-              <a:rPr lang="ru-RU" sz="4800" dirty="0" smtClean="0">
-                <a:effectLst>
-                  <a:outerShdw blurRad="38100" dist="38100" dir="2700000" algn="tl">
-                    <a:srgbClr val="000000">
-                      <a:alpha val="43137"/>
-                    </a:srgbClr>
-                  </a:outerShdw>
-                </a:effectLst>
-              </a:rPr>
-              <a:t>модулей</a:t>
-            </a:r>
-            <a:endParaRPr lang="ru-RU" sz="4800" dirty="0" smtClean="0">
-              <a:effectLst>
-                <a:outerShdw blurRad="38100" dist="38100" dir="2700000" algn="tl">
-                  <a:srgbClr val="000000">
-                    <a:alpha val="43137"/>
-                  </a:srgbClr>
-                </a:outerShdw>
-              </a:effectLst>
-            </a:endParaRPr>
-          </a:p>
-          <a:p>
-            <a:r>
-              <a:rPr lang="ru-RU" sz="3600" dirty="0" smtClean="0">
-                <a:effectLst>
-                  <a:outerShdw blurRad="38100" dist="38100" dir="2700000" algn="tl">
-                    <a:srgbClr val="000000">
-                      <a:alpha val="43137"/>
-                    </a:srgbClr>
-                  </a:outerShdw>
-                </a:effectLst>
-              </a:rPr>
-              <a:t>Список тем</a:t>
-            </a:r>
-            <a:endParaRPr lang="ru-RU" sz="3600" dirty="0">
-              <a:effectLst>
-                <a:outerShdw blurRad="38100" dist="38100" dir="2700000" algn="tl">
-                  <a:srgbClr val="000000">
-                    <a:alpha val="43137"/>
-                  </a:srgbClr>
-                </a:outerShdw>
-              </a:effectLst>
-            </a:endParaRPr>
-          </a:p>
-        </p:txBody>
-      </p:sp>
-      <p:pic>
-        <p:nvPicPr>
-          <p:cNvPr id="15362" name="Picture 2"/>
-          <p:cNvPicPr>
-            <a:picLocks noChangeAspect="1" noChangeArrowheads="1"/>
-          </p:cNvPicPr>
-          <p:nvPr/>
-        </p:nvPicPr>
-        <p:blipFill>
-          <a:blip r:embed="rId2">
-            <a:extLst>
-              <a:ext uri="{28A0092B-C50C-407E-A947-70E740481C1C}">
-                <a14:useLocalDpi xmlns:a14="http://schemas.microsoft.com/office/drawing/2010/main" val="0"/>
-              </a:ext>
-            </a:extLst>
-          </a:blip>
-          <a:srcRect/>
-          <a:stretch>
-            <a:fillRect/>
-          </a:stretch>
-        </p:blipFill>
-        <p:spPr bwMode="auto">
-          <a:xfrm>
-            <a:off x="390661" y="1772816"/>
-            <a:ext cx="8172450" cy="4200525"/>
-          </a:xfrm>
-          <a:prstGeom prst="rect">
-            <a:avLst/>
-          </a:prstGeom>
-          <a:noFill/>
-          <a:ln>
-            <a:noFill/>
-          </a:ln>
-          <a:effectLst/>
-          <a:extLst>
-            <a:ext uri="{909E8E84-426E-40DD-AFC4-6F175D3DCCD1}">
-              <a14:hiddenFill xmlns:a14="http://schemas.microsoft.com/office/drawing/2010/main">
-                <a:solidFill>
-                  <a:schemeClr val="accent1"/>
-                </a:solidFill>
-              </a14:hiddenFill>
-            </a:ext>
-            <a:ext uri="{91240B29-F687-4F45-9708-019B960494DF}">
-              <a14:hiddenLine xmlns:a14="http://schemas.microsoft.com/office/drawing/2010/main" w="9525">
-                <a:solidFill>
-                  <a:schemeClr val="tx1"/>
-                </a:solidFill>
-                <a:miter lim="800000"/>
-                <a:headEnd/>
-                <a:tailEnd/>
-              </a14:hiddenLine>
-            </a:ext>
-            <a:ext uri="{AF507438-7753-43E0-B8FC-AC1667EBCBE1}">
-              <a14:hiddenEffects xmlns:a14="http://schemas.microsoft.com/office/drawing/2010/main">
-                <a:effectLst>
-                  <a:outerShdw dist="35921" dir="2700000" algn="ctr" rotWithShape="0">
-                    <a:schemeClr val="bg2"/>
-                  </a:outerShdw>
-                </a:effectLst>
-              </a14:hiddenEffects>
-            </a:ext>
-          </a:extLst>
-        </p:spPr>
-      </p:pic>
-    </p:spTree>
-    <p:extLst>
-      <p:ext uri="{BB962C8B-B14F-4D97-AF65-F5344CB8AC3E}">
-        <p14:creationId xmlns:p14="http://schemas.microsoft.com/office/powerpoint/2010/main" val="3700226695"/>
-      </p:ext>
-    </p:extLst>
-  </p:cSld>
-  <p:clrMapOvr>
-    <a:masterClrMapping/>
-  </p:clrMapOvr>
-  <p:timing>
-    <p:tnLst>
-      <p:par>
-        <p:cTn id="1" dur="indefinite" restart="never" nodeType="tmRoot"/>
-      </p:par>
-    </p:tnLst>
-  </p:timing>
-</p:sld>
-</file>
-
-<file path=ppt/slides/slide3.xml><?xml version="1.0" encoding="utf-8"?>
-<p:sld xmlns:a="http://schemas.openxmlformats.org/drawingml/2006/main" xmlns:r="http://schemas.openxmlformats.org/officeDocument/2006/relationships" xmlns:p="http://schemas.openxmlformats.org/presentationml/2006/main">
-  <p:cSld>
-    <p:spTree>
-      <p:nvGrpSpPr>
-        <p:cNvPr id="1" name=""/>
-        <p:cNvGrpSpPr/>
-        <p:nvPr/>
-      </p:nvGrpSpPr>
-      <p:grpSpPr>
-        <a:xfrm>
-          <a:off x="0" y="0"/>
-          <a:ext cx="0" cy="0"/>
-          <a:chOff x="0" y="0"/>
-          <a:chExt cx="0" cy="0"/>
-        </a:xfrm>
-      </p:grpSpPr>
-      <p:sp>
-        <p:nvSpPr>
-          <p:cNvPr id="4" name="TextBox 3"/>
-          <p:cNvSpPr txBox="1"/>
-          <p:nvPr/>
-        </p:nvSpPr>
-        <p:spPr>
-          <a:xfrm>
-            <a:off x="431540" y="500896"/>
-            <a:ext cx="8280920" cy="830997"/>
-          </a:xfrm>
-          <a:prstGeom prst="rect">
-            <a:avLst/>
-          </a:prstGeom>
-          <a:noFill/>
-        </p:spPr>
-        <p:txBody>
-          <a:bodyPr wrap="square" rtlCol="0" anchor="ctr">
-            <a:spAutoFit/>
-          </a:bodyPr>
-          <a:lstStyle/>
-          <a:p>
-            <a:r>
-              <a:rPr lang="ru-RU" sz="4800" dirty="0" smtClean="0">
-                <a:effectLst>
-                  <a:outerShdw blurRad="38100" dist="38100" dir="2700000" algn="tl">
-                    <a:srgbClr val="000000">
-                      <a:alpha val="43137"/>
-                    </a:srgbClr>
-                  </a:outerShdw>
-                </a:effectLst>
-                <a:latin typeface="Calibri" pitchFamily="34" charset="0"/>
-                <a:cs typeface="Calibri" pitchFamily="34" charset="0"/>
-              </a:rPr>
-              <a:t>Основные признаки форума</a:t>
-            </a:r>
-            <a:r>
-              <a:rPr lang="en-US" sz="4800" dirty="0" smtClean="0">
-                <a:effectLst>
-                  <a:outerShdw blurRad="38100" dist="38100" dir="2700000" algn="tl">
-                    <a:srgbClr val="000000">
-                      <a:alpha val="43137"/>
-                    </a:srgbClr>
-                  </a:outerShdw>
-                </a:effectLst>
-                <a:latin typeface="Calibri" pitchFamily="34" charset="0"/>
-                <a:cs typeface="Calibri" pitchFamily="34" charset="0"/>
-              </a:rPr>
-              <a:t>:</a:t>
-            </a:r>
-            <a:endParaRPr lang="ru-RU" sz="4800" dirty="0">
-              <a:effectLst>
-                <a:outerShdw blurRad="38100" dist="38100" dir="2700000" algn="tl">
-                  <a:srgbClr val="000000">
-                    <a:alpha val="43137"/>
-                  </a:srgbClr>
-                </a:outerShdw>
-              </a:effectLst>
-              <a:latin typeface="Calibri" pitchFamily="34" charset="0"/>
-              <a:cs typeface="Calibri" pitchFamily="34" charset="0"/>
-            </a:endParaRPr>
-          </a:p>
-        </p:txBody>
-      </p:sp>
-      <p:sp>
-        <p:nvSpPr>
-          <p:cNvPr id="3" name="TextBox 2"/>
-          <p:cNvSpPr txBox="1"/>
-          <p:nvPr/>
-        </p:nvSpPr>
-        <p:spPr>
-          <a:xfrm>
-            <a:off x="53752" y="1832789"/>
-            <a:ext cx="9036496" cy="4524315"/>
-          </a:xfrm>
-          <a:prstGeom prst="rect">
-            <a:avLst/>
-          </a:prstGeom>
-          <a:noFill/>
-        </p:spPr>
-        <p:txBody>
-          <a:bodyPr wrap="square" rtlCol="0" anchor="ctr">
-            <a:spAutoFit/>
-          </a:bodyPr>
-          <a:lstStyle/>
-          <a:p>
-            <a:pPr marL="571500" indent="-571500">
-              <a:lnSpc>
-                <a:spcPct val="150000"/>
-              </a:lnSpc>
-              <a:buFontTx/>
-              <a:buChar char="-"/>
-            </a:pPr>
-            <a:r>
-              <a:rPr lang="ru-RU" sz="3200" dirty="0" smtClean="0">
-                <a:latin typeface="Calibri" pitchFamily="34" charset="0"/>
-                <a:cs typeface="Calibri" pitchFamily="34" charset="0"/>
-              </a:rPr>
-              <a:t>иерархия: категории </a:t>
-            </a:r>
-            <a:r>
-              <a:rPr lang="en-US" sz="3200" dirty="0" smtClean="0">
-                <a:latin typeface="Calibri" pitchFamily="34" charset="0"/>
-                <a:cs typeface="Calibri" pitchFamily="34" charset="0"/>
-              </a:rPr>
-              <a:t>&gt; </a:t>
-            </a:r>
-            <a:r>
-              <a:rPr lang="ru-RU" sz="3200" dirty="0" smtClean="0">
-                <a:latin typeface="Calibri" pitchFamily="34" charset="0"/>
-                <a:cs typeface="Calibri" pitchFamily="34" charset="0"/>
-              </a:rPr>
-              <a:t>темы </a:t>
-            </a:r>
-            <a:r>
-              <a:rPr lang="en-US" sz="3200" dirty="0" smtClean="0">
-                <a:latin typeface="Calibri" pitchFamily="34" charset="0"/>
-                <a:cs typeface="Calibri" pitchFamily="34" charset="0"/>
-              </a:rPr>
-              <a:t>&gt; </a:t>
-            </a:r>
-            <a:r>
-              <a:rPr lang="ru-RU" sz="3200" dirty="0" smtClean="0">
-                <a:latin typeface="Calibri" pitchFamily="34" charset="0"/>
-                <a:cs typeface="Calibri" pitchFamily="34" charset="0"/>
-              </a:rPr>
-              <a:t>сообщения</a:t>
-            </a:r>
-          </a:p>
-          <a:p>
-            <a:pPr marL="571500" indent="-571500">
-              <a:lnSpc>
-                <a:spcPct val="150000"/>
-              </a:lnSpc>
-              <a:buFontTx/>
-              <a:buChar char="-"/>
-            </a:pPr>
-            <a:r>
-              <a:rPr lang="ru-RU" sz="3200" dirty="0" smtClean="0">
-                <a:latin typeface="Calibri" pitchFamily="34" charset="0"/>
-                <a:cs typeface="Calibri" pitchFamily="34" charset="0"/>
-              </a:rPr>
-              <a:t>информация: тема, содержание, автор, время</a:t>
-            </a:r>
-          </a:p>
-          <a:p>
-            <a:pPr marL="571500" indent="-571500">
-              <a:lnSpc>
-                <a:spcPct val="150000"/>
-              </a:lnSpc>
-              <a:buFontTx/>
-              <a:buChar char="-"/>
-            </a:pPr>
-            <a:r>
-              <a:rPr lang="ru-RU" sz="3200" dirty="0" smtClean="0">
-                <a:latin typeface="Calibri" pitchFamily="34" charset="0"/>
-                <a:cs typeface="Calibri" pitchFamily="34" charset="0"/>
-              </a:rPr>
-              <a:t>механизмы обеспечения порядка в дискуссиях</a:t>
-            </a:r>
-          </a:p>
-          <a:p>
-            <a:pPr marL="571500" indent="-571500">
-              <a:lnSpc>
-                <a:spcPct val="150000"/>
-              </a:lnSpc>
-              <a:buFontTx/>
-              <a:buChar char="-"/>
-            </a:pPr>
-            <a:r>
-              <a:rPr lang="ru-RU" sz="3200" dirty="0" smtClean="0">
-                <a:latin typeface="Calibri" pitchFamily="34" charset="0"/>
-                <a:cs typeface="Calibri" pitchFamily="34" charset="0"/>
-              </a:rPr>
-              <a:t>разделение прав доступа</a:t>
-            </a:r>
-          </a:p>
-          <a:p>
-            <a:pPr marL="571500" indent="-571500">
-              <a:lnSpc>
-                <a:spcPct val="150000"/>
-              </a:lnSpc>
-              <a:buFontTx/>
-              <a:buChar char="-"/>
-            </a:pPr>
-            <a:r>
-              <a:rPr lang="ru-RU" sz="3200" dirty="0" smtClean="0">
-                <a:latin typeface="Calibri" pitchFamily="34" charset="0"/>
-                <a:cs typeface="Calibri" pitchFamily="34" charset="0"/>
-              </a:rPr>
-              <a:t>возможность идентификации пользователя</a:t>
-            </a:r>
-          </a:p>
-          <a:p>
-            <a:pPr marL="571500" indent="-571500">
-              <a:lnSpc>
-                <a:spcPct val="150000"/>
-              </a:lnSpc>
-              <a:buFontTx/>
-              <a:buChar char="-"/>
-            </a:pPr>
-            <a:r>
-              <a:rPr lang="ru-RU" sz="3200" dirty="0" smtClean="0">
-                <a:latin typeface="Calibri" pitchFamily="34" charset="0"/>
-                <a:cs typeface="Calibri" pitchFamily="34" charset="0"/>
-              </a:rPr>
-              <a:t>отсутствие динамики «реального времени»</a:t>
-            </a:r>
-          </a:p>
-        </p:txBody>
-      </p:sp>
-    </p:spTree>
-    <p:extLst>
-      <p:ext uri="{BB962C8B-B14F-4D97-AF65-F5344CB8AC3E}">
-        <p14:creationId xmlns:p14="http://schemas.microsoft.com/office/powerpoint/2010/main" val="277236206"/>
-      </p:ext>
-    </p:extLst>
-  </p:cSld>
-  <p:clrMapOvr>
-    <a:masterClrMapping/>
-  </p:clrMapOvr>
-  <p:timing>
-    <p:tnLst>
-      <p:par>
-        <p:cTn id="1" dur="indefinite" restart="never" nodeType="tmRoot"/>
-      </p:par>
-    </p:tnLst>
-  </p:timing>
-</p:sld>
-</file>
-
-<file path=ppt/slides/slide30.xml><?xml version="1.0" encoding="utf-8"?>
-<p:sld xmlns:a="http://schemas.openxmlformats.org/drawingml/2006/main" xmlns:r="http://schemas.openxmlformats.org/officeDocument/2006/relationships" xmlns:p="http://schemas.openxmlformats.org/presentationml/2006/main">
-  <p:cSld>
-    <p:spTree>
-      <p:nvGrpSpPr>
-        <p:cNvPr id="1" name=""/>
-        <p:cNvGrpSpPr/>
-        <p:nvPr/>
-      </p:nvGrpSpPr>
-      <p:grpSpPr>
-        <a:xfrm>
-          <a:off x="0" y="0"/>
-          <a:ext cx="0" cy="0"/>
-          <a:chOff x="0" y="0"/>
-          <a:chExt cx="0" cy="0"/>
-        </a:xfrm>
-      </p:grpSpPr>
-      <p:sp>
-        <p:nvSpPr>
-          <p:cNvPr id="4" name="TextBox 3"/>
-          <p:cNvSpPr txBox="1"/>
-          <p:nvPr/>
-        </p:nvSpPr>
-        <p:spPr>
-          <a:xfrm>
-            <a:off x="323528" y="55657"/>
-            <a:ext cx="8280920" cy="1384995"/>
-          </a:xfrm>
-          <a:prstGeom prst="rect">
-            <a:avLst/>
-          </a:prstGeom>
-          <a:noFill/>
-        </p:spPr>
-        <p:txBody>
-          <a:bodyPr wrap="square" rtlCol="0" anchor="ctr">
-            <a:spAutoFit/>
-          </a:bodyPr>
-          <a:lstStyle/>
-          <a:p>
-            <a:r>
-              <a:rPr lang="ru-RU" sz="4800" dirty="0" smtClean="0">
-                <a:effectLst>
-                  <a:outerShdw blurRad="38100" dist="38100" dir="2700000" algn="tl">
-                    <a:srgbClr val="000000">
-                      <a:alpha val="43137"/>
-                    </a:srgbClr>
-                  </a:outerShdw>
-                </a:effectLst>
-              </a:rPr>
-              <a:t>Проектирование </a:t>
-            </a:r>
-            <a:r>
-              <a:rPr lang="ru-RU" sz="4800" dirty="0" smtClean="0">
-                <a:effectLst>
-                  <a:outerShdw blurRad="38100" dist="38100" dir="2700000" algn="tl">
-                    <a:srgbClr val="000000">
-                      <a:alpha val="43137"/>
-                    </a:srgbClr>
-                  </a:outerShdw>
-                </a:effectLst>
-              </a:rPr>
-              <a:t>модулей</a:t>
-            </a:r>
-            <a:endParaRPr lang="ru-RU" sz="4800" dirty="0" smtClean="0">
-              <a:effectLst>
-                <a:outerShdw blurRad="38100" dist="38100" dir="2700000" algn="tl">
-                  <a:srgbClr val="000000">
-                    <a:alpha val="43137"/>
-                  </a:srgbClr>
-                </a:outerShdw>
-              </a:effectLst>
-            </a:endParaRPr>
-          </a:p>
-          <a:p>
-            <a:r>
-              <a:rPr lang="ru-RU" sz="3600" dirty="0" smtClean="0">
-                <a:effectLst>
-                  <a:outerShdw blurRad="38100" dist="38100" dir="2700000" algn="tl">
-                    <a:srgbClr val="000000">
-                      <a:alpha val="43137"/>
-                    </a:srgbClr>
-                  </a:outerShdw>
-                </a:effectLst>
-              </a:rPr>
-              <a:t>Создание темы</a:t>
-            </a:r>
-            <a:endParaRPr lang="ru-RU" sz="3600" dirty="0">
-              <a:effectLst>
-                <a:outerShdw blurRad="38100" dist="38100" dir="2700000" algn="tl">
-                  <a:srgbClr val="000000">
-                    <a:alpha val="43137"/>
-                  </a:srgbClr>
-                </a:outerShdw>
-              </a:effectLst>
-            </a:endParaRPr>
-          </a:p>
-        </p:txBody>
-      </p:sp>
-      <p:pic>
-        <p:nvPicPr>
-          <p:cNvPr id="16386" name="Picture 2"/>
-          <p:cNvPicPr>
-            <a:picLocks noChangeAspect="1" noChangeArrowheads="1"/>
-          </p:cNvPicPr>
-          <p:nvPr/>
-        </p:nvPicPr>
-        <p:blipFill>
-          <a:blip r:embed="rId2">
-            <a:extLst>
-              <a:ext uri="{28A0092B-C50C-407E-A947-70E740481C1C}">
-                <a14:useLocalDpi xmlns:a14="http://schemas.microsoft.com/office/drawing/2010/main" val="0"/>
-              </a:ext>
-            </a:extLst>
-          </a:blip>
-          <a:srcRect/>
-          <a:stretch>
-            <a:fillRect/>
-          </a:stretch>
-        </p:blipFill>
-        <p:spPr bwMode="auto">
-          <a:xfrm>
-            <a:off x="600075" y="1771650"/>
-            <a:ext cx="7943850" cy="3314700"/>
-          </a:xfrm>
-          <a:prstGeom prst="rect">
-            <a:avLst/>
-          </a:prstGeom>
-          <a:noFill/>
-          <a:ln>
-            <a:noFill/>
-          </a:ln>
-          <a:effectLst/>
-          <a:extLst>
-            <a:ext uri="{909E8E84-426E-40DD-AFC4-6F175D3DCCD1}">
-              <a14:hiddenFill xmlns:a14="http://schemas.microsoft.com/office/drawing/2010/main">
-                <a:solidFill>
-                  <a:schemeClr val="accent1"/>
-                </a:solidFill>
-              </a14:hiddenFill>
-            </a:ext>
-            <a:ext uri="{91240B29-F687-4F45-9708-019B960494DF}">
-              <a14:hiddenLine xmlns:a14="http://schemas.microsoft.com/office/drawing/2010/main" w="9525">
-                <a:solidFill>
-                  <a:schemeClr val="tx1"/>
-                </a:solidFill>
-                <a:miter lim="800000"/>
-                <a:headEnd/>
-                <a:tailEnd/>
-              </a14:hiddenLine>
-            </a:ext>
-            <a:ext uri="{AF507438-7753-43E0-B8FC-AC1667EBCBE1}">
-              <a14:hiddenEffects xmlns:a14="http://schemas.microsoft.com/office/drawing/2010/main">
-                <a:effectLst>
-                  <a:outerShdw dist="35921" dir="2700000" algn="ctr" rotWithShape="0">
-                    <a:schemeClr val="bg2"/>
-                  </a:outerShdw>
-                </a:effectLst>
-              </a14:hiddenEffects>
-            </a:ext>
-          </a:extLst>
-        </p:spPr>
-      </p:pic>
-    </p:spTree>
-    <p:extLst>
-      <p:ext uri="{BB962C8B-B14F-4D97-AF65-F5344CB8AC3E}">
-        <p14:creationId xmlns:p14="http://schemas.microsoft.com/office/powerpoint/2010/main" val="800767739"/>
-      </p:ext>
-    </p:extLst>
-  </p:cSld>
-  <p:clrMapOvr>
-    <a:masterClrMapping/>
-  </p:clrMapOvr>
-  <p:timing>
-    <p:tnLst>
-      <p:par>
-        <p:cTn id="1" dur="indefinite" restart="never" nodeType="tmRoot"/>
-      </p:par>
-    </p:tnLst>
-  </p:timing>
-</p:sld>
-</file>
-
-<file path=ppt/slides/slide31.xml><?xml version="1.0" encoding="utf-8"?>
-<p:sld xmlns:a="http://schemas.openxmlformats.org/drawingml/2006/main" xmlns:r="http://schemas.openxmlformats.org/officeDocument/2006/relationships" xmlns:p="http://schemas.openxmlformats.org/presentationml/2006/main">
-  <p:cSld>
-    <p:spTree>
-      <p:nvGrpSpPr>
-        <p:cNvPr id="1" name=""/>
-        <p:cNvGrpSpPr/>
-        <p:nvPr/>
-      </p:nvGrpSpPr>
-      <p:grpSpPr>
-        <a:xfrm>
-          <a:off x="0" y="0"/>
-          <a:ext cx="0" cy="0"/>
-          <a:chOff x="0" y="0"/>
-          <a:chExt cx="0" cy="0"/>
-        </a:xfrm>
-      </p:grpSpPr>
-      <p:sp>
-        <p:nvSpPr>
-          <p:cNvPr id="4" name="TextBox 3"/>
-          <p:cNvSpPr txBox="1"/>
-          <p:nvPr/>
-        </p:nvSpPr>
-        <p:spPr>
-          <a:xfrm>
-            <a:off x="323528" y="55657"/>
-            <a:ext cx="8280920" cy="1384995"/>
-          </a:xfrm>
-          <a:prstGeom prst="rect">
-            <a:avLst/>
-          </a:prstGeom>
-          <a:noFill/>
-        </p:spPr>
-        <p:txBody>
-          <a:bodyPr wrap="square" rtlCol="0" anchor="ctr">
-            <a:spAutoFit/>
-          </a:bodyPr>
-          <a:lstStyle/>
-          <a:p>
-            <a:r>
-              <a:rPr lang="ru-RU" sz="4800" dirty="0" smtClean="0">
-                <a:effectLst>
-                  <a:outerShdw blurRad="38100" dist="38100" dir="2700000" algn="tl">
-                    <a:srgbClr val="000000">
-                      <a:alpha val="43137"/>
-                    </a:srgbClr>
-                  </a:outerShdw>
-                </a:effectLst>
-              </a:rPr>
-              <a:t>Проектирование </a:t>
-            </a:r>
-            <a:r>
-              <a:rPr lang="ru-RU" sz="4800" dirty="0" smtClean="0">
-                <a:effectLst>
-                  <a:outerShdw blurRad="38100" dist="38100" dir="2700000" algn="tl">
-                    <a:srgbClr val="000000">
-                      <a:alpha val="43137"/>
-                    </a:srgbClr>
-                  </a:outerShdw>
-                </a:effectLst>
-              </a:rPr>
-              <a:t>модулей</a:t>
-            </a:r>
-            <a:endParaRPr lang="ru-RU" sz="4800" dirty="0" smtClean="0">
-              <a:effectLst>
-                <a:outerShdw blurRad="38100" dist="38100" dir="2700000" algn="tl">
-                  <a:srgbClr val="000000">
-                    <a:alpha val="43137"/>
-                  </a:srgbClr>
-                </a:outerShdw>
-              </a:effectLst>
-            </a:endParaRPr>
-          </a:p>
-          <a:p>
-            <a:r>
-              <a:rPr lang="ru-RU" sz="3600" dirty="0" smtClean="0">
-                <a:effectLst>
-                  <a:outerShdw blurRad="38100" dist="38100" dir="2700000" algn="tl">
-                    <a:srgbClr val="000000">
-                      <a:alpha val="43137"/>
-                    </a:srgbClr>
-                  </a:outerShdw>
-                </a:effectLst>
-              </a:rPr>
-              <a:t>Список сообщений</a:t>
-            </a:r>
-            <a:endParaRPr lang="ru-RU" sz="3600" dirty="0">
-              <a:effectLst>
-                <a:outerShdw blurRad="38100" dist="38100" dir="2700000" algn="tl">
-                  <a:srgbClr val="000000">
-                    <a:alpha val="43137"/>
-                  </a:srgbClr>
-                </a:outerShdw>
-              </a:effectLst>
-            </a:endParaRPr>
-          </a:p>
-        </p:txBody>
-      </p:sp>
-      <p:pic>
-        <p:nvPicPr>
-          <p:cNvPr id="17411" name="Picture 3"/>
-          <p:cNvPicPr>
-            <a:picLocks noChangeAspect="1" noChangeArrowheads="1"/>
-          </p:cNvPicPr>
-          <p:nvPr/>
-        </p:nvPicPr>
-        <p:blipFill>
-          <a:blip r:embed="rId2">
-            <a:extLst>
-              <a:ext uri="{28A0092B-C50C-407E-A947-70E740481C1C}">
-                <a14:useLocalDpi xmlns:a14="http://schemas.microsoft.com/office/drawing/2010/main" val="0"/>
-              </a:ext>
-            </a:extLst>
-          </a:blip>
-          <a:srcRect/>
-          <a:stretch>
-            <a:fillRect/>
-          </a:stretch>
-        </p:blipFill>
-        <p:spPr bwMode="auto">
-          <a:xfrm>
-            <a:off x="511113" y="1844824"/>
-            <a:ext cx="8191500" cy="4533900"/>
-          </a:xfrm>
-          <a:prstGeom prst="rect">
-            <a:avLst/>
-          </a:prstGeom>
-          <a:noFill/>
-          <a:ln>
-            <a:noFill/>
-          </a:ln>
-          <a:effectLst/>
-          <a:extLst>
-            <a:ext uri="{909E8E84-426E-40DD-AFC4-6F175D3DCCD1}">
-              <a14:hiddenFill xmlns:a14="http://schemas.microsoft.com/office/drawing/2010/main">
-                <a:solidFill>
-                  <a:schemeClr val="accent1"/>
-                </a:solidFill>
-              </a14:hiddenFill>
-            </a:ext>
-            <a:ext uri="{91240B29-F687-4F45-9708-019B960494DF}">
-              <a14:hiddenLine xmlns:a14="http://schemas.microsoft.com/office/drawing/2010/main" w="9525">
-                <a:solidFill>
-                  <a:schemeClr val="tx1"/>
-                </a:solidFill>
-                <a:miter lim="800000"/>
-                <a:headEnd/>
-                <a:tailEnd/>
-              </a14:hiddenLine>
-            </a:ext>
-            <a:ext uri="{AF507438-7753-43E0-B8FC-AC1667EBCBE1}">
-              <a14:hiddenEffects xmlns:a14="http://schemas.microsoft.com/office/drawing/2010/main">
-                <a:effectLst>
-                  <a:outerShdw dist="35921" dir="2700000" algn="ctr" rotWithShape="0">
-                    <a:schemeClr val="bg2"/>
-                  </a:outerShdw>
-                </a:effectLst>
-              </a14:hiddenEffects>
-            </a:ext>
-          </a:extLst>
-        </p:spPr>
-      </p:pic>
-    </p:spTree>
-    <p:extLst>
-      <p:ext uri="{BB962C8B-B14F-4D97-AF65-F5344CB8AC3E}">
-        <p14:creationId xmlns:p14="http://schemas.microsoft.com/office/powerpoint/2010/main" val="4144975576"/>
-      </p:ext>
-    </p:extLst>
-  </p:cSld>
-  <p:clrMapOvr>
-    <a:masterClrMapping/>
-  </p:clrMapOvr>
-  <p:timing>
-    <p:tnLst>
-      <p:par>
-        <p:cTn id="1" dur="indefinite" restart="never" nodeType="tmRoot"/>
-      </p:par>
-    </p:tnLst>
-  </p:timing>
-</p:sld>
-</file>
-
-<file path=ppt/slides/slide32.xml><?xml version="1.0" encoding="utf-8"?>
-<p:sld xmlns:a="http://schemas.openxmlformats.org/drawingml/2006/main" xmlns:r="http://schemas.openxmlformats.org/officeDocument/2006/relationships" xmlns:p="http://schemas.openxmlformats.org/presentationml/2006/main">
-  <p:cSld>
-    <p:spTree>
-      <p:nvGrpSpPr>
-        <p:cNvPr id="1" name=""/>
-        <p:cNvGrpSpPr/>
-        <p:nvPr/>
-      </p:nvGrpSpPr>
-      <p:grpSpPr>
-        <a:xfrm>
-          <a:off x="0" y="0"/>
-          <a:ext cx="0" cy="0"/>
-          <a:chOff x="0" y="0"/>
-          <a:chExt cx="0" cy="0"/>
-        </a:xfrm>
-      </p:grpSpPr>
-      <p:sp>
-        <p:nvSpPr>
-          <p:cNvPr id="4" name="TextBox 3"/>
-          <p:cNvSpPr txBox="1"/>
-          <p:nvPr/>
-        </p:nvSpPr>
-        <p:spPr>
-          <a:xfrm>
-            <a:off x="323528" y="55657"/>
-            <a:ext cx="8280920" cy="1384995"/>
-          </a:xfrm>
-          <a:prstGeom prst="rect">
-            <a:avLst/>
-          </a:prstGeom>
-          <a:noFill/>
-        </p:spPr>
-        <p:txBody>
-          <a:bodyPr wrap="square" rtlCol="0" anchor="ctr">
-            <a:spAutoFit/>
-          </a:bodyPr>
-          <a:lstStyle/>
-          <a:p>
-            <a:r>
-              <a:rPr lang="ru-RU" sz="4800" dirty="0" smtClean="0">
-                <a:effectLst>
-                  <a:outerShdw blurRad="38100" dist="38100" dir="2700000" algn="tl">
-                    <a:srgbClr val="000000">
-                      <a:alpha val="43137"/>
-                    </a:srgbClr>
-                  </a:outerShdw>
-                </a:effectLst>
-              </a:rPr>
-              <a:t>Проектирование </a:t>
-            </a:r>
-            <a:r>
-              <a:rPr lang="ru-RU" sz="4800" dirty="0" smtClean="0">
-                <a:effectLst>
-                  <a:outerShdw blurRad="38100" dist="38100" dir="2700000" algn="tl">
-                    <a:srgbClr val="000000">
-                      <a:alpha val="43137"/>
-                    </a:srgbClr>
-                  </a:outerShdw>
-                </a:effectLst>
-              </a:rPr>
-              <a:t>модулей</a:t>
-            </a:r>
-            <a:endParaRPr lang="ru-RU" sz="4800" dirty="0" smtClean="0">
-              <a:effectLst>
-                <a:outerShdw blurRad="38100" dist="38100" dir="2700000" algn="tl">
-                  <a:srgbClr val="000000">
-                    <a:alpha val="43137"/>
-                  </a:srgbClr>
-                </a:outerShdw>
-              </a:effectLst>
-            </a:endParaRPr>
-          </a:p>
-          <a:p>
-            <a:r>
-              <a:rPr lang="ru-RU" sz="3600" dirty="0" smtClean="0">
-                <a:effectLst>
-                  <a:outerShdw blurRad="38100" dist="38100" dir="2700000" algn="tl">
-                    <a:srgbClr val="000000">
-                      <a:alpha val="43137"/>
-                    </a:srgbClr>
-                  </a:outerShdw>
-                </a:effectLst>
-              </a:rPr>
-              <a:t>Написание сообщения</a:t>
-            </a:r>
-            <a:endParaRPr lang="ru-RU" sz="3600" dirty="0">
-              <a:effectLst>
-                <a:outerShdw blurRad="38100" dist="38100" dir="2700000" algn="tl">
-                  <a:srgbClr val="000000">
-                    <a:alpha val="43137"/>
-                  </a:srgbClr>
-                </a:outerShdw>
-              </a:effectLst>
-            </a:endParaRPr>
-          </a:p>
-        </p:txBody>
-      </p:sp>
-      <p:pic>
-        <p:nvPicPr>
-          <p:cNvPr id="18434" name="Picture 2"/>
-          <p:cNvPicPr>
-            <a:picLocks noChangeAspect="1" noChangeArrowheads="1"/>
-          </p:cNvPicPr>
-          <p:nvPr/>
-        </p:nvPicPr>
-        <p:blipFill>
-          <a:blip r:embed="rId2">
-            <a:extLst>
-              <a:ext uri="{28A0092B-C50C-407E-A947-70E740481C1C}">
-                <a14:useLocalDpi xmlns:a14="http://schemas.microsoft.com/office/drawing/2010/main" val="0"/>
-              </a:ext>
-            </a:extLst>
-          </a:blip>
-          <a:srcRect/>
-          <a:stretch>
-            <a:fillRect/>
-          </a:stretch>
-        </p:blipFill>
-        <p:spPr bwMode="auto">
-          <a:xfrm>
-            <a:off x="595313" y="1905000"/>
-            <a:ext cx="7953375" cy="3048000"/>
-          </a:xfrm>
-          <a:prstGeom prst="rect">
-            <a:avLst/>
-          </a:prstGeom>
-          <a:noFill/>
-          <a:ln>
-            <a:noFill/>
-          </a:ln>
-          <a:effectLst/>
-          <a:extLst>
-            <a:ext uri="{909E8E84-426E-40DD-AFC4-6F175D3DCCD1}">
-              <a14:hiddenFill xmlns:a14="http://schemas.microsoft.com/office/drawing/2010/main">
-                <a:solidFill>
-                  <a:schemeClr val="accent1"/>
-                </a:solidFill>
-              </a14:hiddenFill>
-            </a:ext>
-            <a:ext uri="{91240B29-F687-4F45-9708-019B960494DF}">
-              <a14:hiddenLine xmlns:a14="http://schemas.microsoft.com/office/drawing/2010/main" w="9525">
-                <a:solidFill>
-                  <a:schemeClr val="tx1"/>
-                </a:solidFill>
-                <a:miter lim="800000"/>
-                <a:headEnd/>
-                <a:tailEnd/>
-              </a14:hiddenLine>
-            </a:ext>
-            <a:ext uri="{AF507438-7753-43E0-B8FC-AC1667EBCBE1}">
-              <a14:hiddenEffects xmlns:a14="http://schemas.microsoft.com/office/drawing/2010/main">
-                <a:effectLst>
-                  <a:outerShdw dist="35921" dir="2700000" algn="ctr" rotWithShape="0">
-                    <a:schemeClr val="bg2"/>
-                  </a:outerShdw>
-                </a:effectLst>
-              </a14:hiddenEffects>
-            </a:ext>
-          </a:extLst>
-        </p:spPr>
-      </p:pic>
-    </p:spTree>
-    <p:extLst>
-      <p:ext uri="{BB962C8B-B14F-4D97-AF65-F5344CB8AC3E}">
-        <p14:creationId xmlns:p14="http://schemas.microsoft.com/office/powerpoint/2010/main" val="3747753594"/>
-      </p:ext>
-    </p:extLst>
-  </p:cSld>
-  <p:clrMapOvr>
-    <a:masterClrMapping/>
-  </p:clrMapOvr>
-  <p:timing>
-    <p:tnLst>
-      <p:par>
-        <p:cTn id="1" dur="indefinite" restart="never" nodeType="tmRoot"/>
-      </p:par>
-    </p:tnLst>
-  </p:timing>
-</p:sld>
-</file>
-
-<file path=ppt/slides/slide33.xml><?xml version="1.0" encoding="utf-8"?>
-<p:sld xmlns:a="http://schemas.openxmlformats.org/drawingml/2006/main" xmlns:r="http://schemas.openxmlformats.org/officeDocument/2006/relationships" xmlns:p="http://schemas.openxmlformats.org/presentationml/2006/main">
-  <p:cSld>
-    <p:spTree>
-      <p:nvGrpSpPr>
-        <p:cNvPr id="1" name=""/>
-        <p:cNvGrpSpPr/>
-        <p:nvPr/>
-      </p:nvGrpSpPr>
-      <p:grpSpPr>
-        <a:xfrm>
-          <a:off x="0" y="0"/>
-          <a:ext cx="0" cy="0"/>
-          <a:chOff x="0" y="0"/>
-          <a:chExt cx="0" cy="0"/>
-        </a:xfrm>
-      </p:grpSpPr>
-      <p:sp>
-        <p:nvSpPr>
-          <p:cNvPr id="4" name="TextBox 3"/>
-          <p:cNvSpPr txBox="1"/>
-          <p:nvPr/>
-        </p:nvSpPr>
-        <p:spPr>
-          <a:xfrm>
             <a:off x="323528" y="332656"/>
             <a:ext cx="8280920" cy="830997"/>
           </a:xfrm>
@@ -10585,38 +8816,9 @@
           <a:lstStyle/>
           <a:p>
             <a:r>
-              <a:rPr lang="ru-RU" sz="4800" dirty="0" smtClean="0">
-                <a:effectLst>
-                  <a:outerShdw blurRad="38100" dist="38100" dir="2700000" algn="tl">
-                    <a:srgbClr val="000000">
-                      <a:alpha val="43137"/>
-                    </a:srgbClr>
-                  </a:outerShdw>
-                </a:effectLst>
-              </a:rPr>
-              <a:t>Проектирование </a:t>
-            </a:r>
-            <a:r>
-              <a:rPr lang="ru-RU" sz="4800" dirty="0" smtClean="0">
-                <a:effectLst>
-                  <a:outerShdw blurRad="38100" dist="38100" dir="2700000" algn="tl">
-                    <a:srgbClr val="000000">
-                      <a:alpha val="43137"/>
-                    </a:srgbClr>
-                  </a:outerShdw>
-                </a:effectLst>
-              </a:rPr>
-              <a:t>безопасности</a:t>
-            </a:r>
-            <a:endParaRPr lang="ru-RU" sz="4800" dirty="0" smtClean="0">
-              <a:effectLst>
-                <a:outerShdw blurRad="38100" dist="38100" dir="2700000" algn="tl">
-                  <a:srgbClr val="000000">
-                    <a:alpha val="43137"/>
-                  </a:srgbClr>
-                </a:outerShdw>
-              </a:effectLst>
-            </a:endParaRPr>
+              <a:rPr lang="ru-RU" sz="4800" dirty="0" smtClean="0"/>
+              <a:t>Проектирование модулей.</a:t>
+            </a:r>
           </a:p>
         </p:txBody>
       </p:sp>
@@ -10705,7 +8907,7 @@
           <a:graphicData uri="http://schemas.openxmlformats.org/presentationml/2006/ole">
             <mc:AlternateContent xmlns:mc="http://schemas.openxmlformats.org/markup-compatibility/2006">
               <mc:Choice xmlns:v="urn:schemas-microsoft-com:vml" Requires="v">
-                <p:oleObj spid="_x0000_s13340" name="Visio" r:id="rId3" imgW="6322461" imgH="6354180" progId="Visio.Drawing.11">
+                <p:oleObj spid="_x0000_s13332" name="Visio" r:id="rId3" imgW="6322461" imgH="6354180" progId="Visio.Drawing.11">
                   <p:embed/>
                 </p:oleObj>
               </mc:Choice>
@@ -10844,7 +9046,7 @@
           <a:graphicData uri="http://schemas.openxmlformats.org/presentationml/2006/ole">
             <mc:AlternateContent xmlns:mc="http://schemas.openxmlformats.org/markup-compatibility/2006">
               <mc:Choice xmlns:v="urn:schemas-microsoft-com:vml" Requires="v">
-                <p:oleObj spid="_x0000_s13341" name="Visio" r:id="rId5" imgW="5741676" imgH="4985280" progId="Visio.Drawing.11">
+                <p:oleObj spid="_x0000_s13333" name="Visio" r:id="rId5" imgW="5741676" imgH="4985280" progId="Visio.Drawing.11">
                   <p:embed/>
                 </p:oleObj>
               </mc:Choice>
@@ -10941,7 +9143,7 @@
 </p:sld>
 </file>
 
-<file path=ppt/slides/slide34.xml><?xml version="1.0" encoding="utf-8"?>
+<file path=ppt/slides/slide27.xml><?xml version="1.0" encoding="utf-8"?>
 <p:sld xmlns:a="http://schemas.openxmlformats.org/drawingml/2006/main" xmlns:r="http://schemas.openxmlformats.org/officeDocument/2006/relationships" xmlns:p="http://schemas.openxmlformats.org/presentationml/2006/main">
   <p:cSld>
     <p:spTree>
@@ -10981,38 +9183,9 @@
           <a:lstStyle/>
           <a:p>
             <a:r>
-              <a:rPr lang="ru-RU" sz="4800" dirty="0" smtClean="0">
-                <a:effectLst>
-                  <a:outerShdw blurRad="38100" dist="38100" dir="2700000" algn="tl">
-                    <a:srgbClr val="000000">
-                      <a:alpha val="43137"/>
-                    </a:srgbClr>
-                  </a:outerShdw>
-                </a:effectLst>
-              </a:rPr>
-              <a:t>Проектирование </a:t>
-            </a:r>
-            <a:r>
-              <a:rPr lang="ru-RU" sz="4800" dirty="0" smtClean="0">
-                <a:effectLst>
-                  <a:outerShdw blurRad="38100" dist="38100" dir="2700000" algn="tl">
-                    <a:srgbClr val="000000">
-                      <a:alpha val="43137"/>
-                    </a:srgbClr>
-                  </a:outerShdw>
-                </a:effectLst>
-              </a:rPr>
-              <a:t>безопасности</a:t>
-            </a:r>
-            <a:endParaRPr lang="ru-RU" sz="4800" dirty="0">
-              <a:effectLst>
-                <a:outerShdw blurRad="38100" dist="38100" dir="2700000" algn="tl">
-                  <a:srgbClr val="000000">
-                    <a:alpha val="43137"/>
-                  </a:srgbClr>
-                </a:outerShdw>
-              </a:effectLst>
-            </a:endParaRPr>
+              <a:rPr lang="ru-RU" sz="4800" dirty="0" smtClean="0"/>
+              <a:t>Проектирование модулей.</a:t>
+            </a:r>
           </a:p>
         </p:txBody>
       </p:sp>
@@ -11026,8 +9199,8 @@
         </p:nvSpPr>
         <p:spPr bwMode="auto">
           <a:xfrm>
-            <a:off x="0" y="-184666"/>
-            <a:ext cx="184731" cy="369332"/>
+            <a:off x="0" y="0"/>
+            <a:ext cx="9144000" cy="0"/>
           </a:xfrm>
           <a:prstGeom prst="rect">
             <a:avLst/>
@@ -11089,8 +9262,8 @@
         </p:nvSpPr>
         <p:spPr bwMode="auto">
           <a:xfrm>
-            <a:off x="0" y="-184666"/>
-            <a:ext cx="184731" cy="369332"/>
+            <a:off x="0" y="0"/>
+            <a:ext cx="9144000" cy="0"/>
           </a:xfrm>
           <a:prstGeom prst="rect">
             <a:avLst/>
@@ -11324,7 +9497,7 @@
 </p:sld>
 </file>
 
-<file path=ppt/slides/slide35.xml><?xml version="1.0" encoding="utf-8"?>
+<file path=ppt/slides/slide28.xml><?xml version="1.0" encoding="utf-8"?>
 <p:sld xmlns:a="http://schemas.openxmlformats.org/drawingml/2006/main" xmlns:r="http://schemas.openxmlformats.org/officeDocument/2006/relationships" xmlns:p="http://schemas.openxmlformats.org/presentationml/2006/main">
   <p:cSld>
     <p:spTree>
@@ -11365,26 +9538,22 @@
           <a:p>
             <a:r>
               <a:rPr lang="ru-RU" sz="4800" dirty="0" smtClean="0">
-                <a:effectLst>
-                  <a:outerShdw blurRad="38100" dist="38100" dir="2700000" algn="tl">
-                    <a:srgbClr val="000000">
-                      <a:alpha val="43137"/>
-                    </a:srgbClr>
-                  </a:outerShdw>
-                </a:effectLst>
+                <a:solidFill>
+                  <a:schemeClr val="tx2">
+                    <a:lumMod val="25000"/>
+                  </a:schemeClr>
+                </a:solidFill>
                 <a:latin typeface="Calibri" pitchFamily="34" charset="0"/>
                 <a:cs typeface="Calibri" pitchFamily="34" charset="0"/>
               </a:rPr>
               <a:t>Итоги работы:</a:t>
             </a:r>
             <a:endParaRPr lang="ru-RU" sz="4800" dirty="0">
-              <a:effectLst>
-                <a:outerShdw blurRad="38100" dist="38100" dir="2700000" algn="tl">
-                  <a:srgbClr val="000000">
-                    <a:alpha val="43137"/>
-                  </a:srgbClr>
-                </a:outerShdw>
-              </a:effectLst>
+              <a:solidFill>
+                <a:schemeClr val="tx2">
+                  <a:lumMod val="25000"/>
+                </a:schemeClr>
+              </a:solidFill>
               <a:latin typeface="Calibri" pitchFamily="34" charset="0"/>
               <a:cs typeface="Calibri" pitchFamily="34" charset="0"/>
             </a:endParaRPr>
@@ -11422,6 +9591,11 @@
             </a:pPr>
             <a:r>
               <a:rPr lang="ru-RU" sz="2800" dirty="0" smtClean="0">
+                <a:solidFill>
+                  <a:schemeClr val="tx2">
+                    <a:lumMod val="25000"/>
+                  </a:schemeClr>
+                </a:solidFill>
                 <a:latin typeface="Calibri" pitchFamily="34" charset="0"/>
                 <a:cs typeface="Calibri" pitchFamily="34" charset="0"/>
               </a:rPr>
@@ -11438,6 +9612,11 @@
             </a:pPr>
             <a:r>
               <a:rPr lang="ru-RU" sz="2800" dirty="0" smtClean="0">
+                <a:solidFill>
+                  <a:schemeClr val="tx2">
+                    <a:lumMod val="25000"/>
+                  </a:schemeClr>
+                </a:solidFill>
                 <a:latin typeface="Calibri" pitchFamily="34" charset="0"/>
                 <a:cs typeface="Calibri" pitchFamily="34" charset="0"/>
               </a:rPr>
@@ -11454,6 +9633,11 @@
             </a:pPr>
             <a:r>
               <a:rPr lang="ru-RU" sz="2800" dirty="0" smtClean="0">
+                <a:solidFill>
+                  <a:schemeClr val="tx2">
+                    <a:lumMod val="25000"/>
+                  </a:schemeClr>
+                </a:solidFill>
                 <a:latin typeface="Calibri" pitchFamily="34" charset="0"/>
                 <a:cs typeface="Calibri" pitchFamily="34" charset="0"/>
               </a:rPr>
@@ -11470,6 +9654,11 @@
             </a:pPr>
             <a:r>
               <a:rPr lang="ru-RU" sz="2800" dirty="0" smtClean="0">
+                <a:solidFill>
+                  <a:schemeClr val="tx2">
+                    <a:lumMod val="25000"/>
+                  </a:schemeClr>
+                </a:solidFill>
                 <a:latin typeface="Calibri" pitchFamily="34" charset="0"/>
                 <a:cs typeface="Calibri" pitchFamily="34" charset="0"/>
               </a:rPr>
@@ -11486,6 +9675,11 @@
             </a:pPr>
             <a:r>
               <a:rPr lang="ru-RU" sz="2800" dirty="0" smtClean="0">
+                <a:solidFill>
+                  <a:schemeClr val="tx2">
+                    <a:lumMod val="25000"/>
+                  </a:schemeClr>
+                </a:solidFill>
                 <a:latin typeface="Calibri" pitchFamily="34" charset="0"/>
                 <a:cs typeface="Calibri" pitchFamily="34" charset="0"/>
               </a:rPr>
@@ -11502,6 +9696,11 @@
             </a:pPr>
             <a:r>
               <a:rPr lang="ru-RU" sz="2800" dirty="0" smtClean="0">
+                <a:solidFill>
+                  <a:schemeClr val="tx2">
+                    <a:lumMod val="25000"/>
+                  </a:schemeClr>
+                </a:solidFill>
                 <a:latin typeface="Calibri" pitchFamily="34" charset="0"/>
                 <a:cs typeface="Calibri" pitchFamily="34" charset="0"/>
               </a:rPr>
@@ -11509,6 +9708,11 @@
             </a:r>
             <a:r>
               <a:rPr lang="ru-RU" sz="2800" dirty="0">
+                <a:solidFill>
+                  <a:schemeClr val="tx2">
+                    <a:lumMod val="25000"/>
+                  </a:schemeClr>
+                </a:solidFill>
                 <a:latin typeface="Calibri" pitchFamily="34" charset="0"/>
                 <a:cs typeface="Calibri" pitchFamily="34" charset="0"/>
               </a:rPr>
@@ -11525,6 +9729,11 @@
             </a:pPr>
             <a:r>
               <a:rPr lang="ru-RU" sz="2800" dirty="0" smtClean="0">
+                <a:solidFill>
+                  <a:schemeClr val="tx2">
+                    <a:lumMod val="25000"/>
+                  </a:schemeClr>
+                </a:solidFill>
                 <a:latin typeface="Calibri" pitchFamily="34" charset="0"/>
                 <a:cs typeface="Calibri" pitchFamily="34" charset="0"/>
               </a:rPr>
@@ -11541,6 +9750,11 @@
             </a:pPr>
             <a:r>
               <a:rPr lang="ru-RU" sz="2800" dirty="0" smtClean="0">
+                <a:solidFill>
+                  <a:schemeClr val="tx2">
+                    <a:lumMod val="25000"/>
+                  </a:schemeClr>
+                </a:solidFill>
                 <a:latin typeface="Calibri" pitchFamily="34" charset="0"/>
                 <a:cs typeface="Calibri" pitchFamily="34" charset="0"/>
               </a:rPr>
@@ -11557,6 +9771,11 @@
             </a:pPr>
             <a:r>
               <a:rPr lang="ru-RU" sz="2800" dirty="0" smtClean="0">
+                <a:solidFill>
+                  <a:schemeClr val="tx2">
+                    <a:lumMod val="25000"/>
+                  </a:schemeClr>
+                </a:solidFill>
                 <a:latin typeface="Calibri" pitchFamily="34" charset="0"/>
                 <a:cs typeface="Calibri" pitchFamily="34" charset="0"/>
               </a:rPr>
@@ -11569,6 +9788,298 @@
     <p:extLst>
       <p:ext uri="{BB962C8B-B14F-4D97-AF65-F5344CB8AC3E}">
         <p14:creationId xmlns:p14="http://schemas.microsoft.com/office/powerpoint/2010/main" val="1271984859"/>
+      </p:ext>
+    </p:extLst>
+  </p:cSld>
+  <p:clrMapOvr>
+    <a:masterClrMapping/>
+  </p:clrMapOvr>
+  <p:timing>
+    <p:tnLst>
+      <p:par>
+        <p:cTn id="1" dur="indefinite" restart="never" nodeType="tmRoot"/>
+      </p:par>
+    </p:tnLst>
+  </p:timing>
+</p:sld>
+</file>
+
+<file path=ppt/slides/slide3.xml><?xml version="1.0" encoding="utf-8"?>
+<p:sld xmlns:a="http://schemas.openxmlformats.org/drawingml/2006/main" xmlns:r="http://schemas.openxmlformats.org/officeDocument/2006/relationships" xmlns:p="http://schemas.openxmlformats.org/presentationml/2006/main">
+  <p:cSld>
+    <p:spTree>
+      <p:nvGrpSpPr>
+        <p:cNvPr id="1" name=""/>
+        <p:cNvGrpSpPr/>
+        <p:nvPr/>
+      </p:nvGrpSpPr>
+      <p:grpSpPr>
+        <a:xfrm>
+          <a:off x="0" y="0"/>
+          <a:ext cx="0" cy="0"/>
+          <a:chOff x="0" y="0"/>
+          <a:chExt cx="0" cy="0"/>
+        </a:xfrm>
+      </p:grpSpPr>
+      <p:sp>
+        <p:nvSpPr>
+          <p:cNvPr id="4" name="TextBox 3"/>
+          <p:cNvSpPr txBox="1"/>
+          <p:nvPr/>
+        </p:nvSpPr>
+        <p:spPr>
+          <a:xfrm>
+            <a:off x="431540" y="500896"/>
+            <a:ext cx="8280920" cy="830997"/>
+          </a:xfrm>
+          <a:prstGeom prst="rect">
+            <a:avLst/>
+          </a:prstGeom>
+          <a:noFill/>
+        </p:spPr>
+        <p:txBody>
+          <a:bodyPr wrap="square" rtlCol="0" anchor="ctr">
+            <a:spAutoFit/>
+          </a:bodyPr>
+          <a:lstStyle/>
+          <a:p>
+            <a:r>
+              <a:rPr lang="ru-RU" sz="4800" dirty="0" smtClean="0">
+                <a:solidFill>
+                  <a:schemeClr val="tx2">
+                    <a:lumMod val="25000"/>
+                  </a:schemeClr>
+                </a:solidFill>
+                <a:latin typeface="Calibri" pitchFamily="34" charset="0"/>
+                <a:cs typeface="Calibri" pitchFamily="34" charset="0"/>
+              </a:rPr>
+              <a:t>Основные признаки форума</a:t>
+            </a:r>
+            <a:r>
+              <a:rPr lang="en-US" sz="4800" dirty="0" smtClean="0">
+                <a:solidFill>
+                  <a:schemeClr val="tx2">
+                    <a:lumMod val="25000"/>
+                  </a:schemeClr>
+                </a:solidFill>
+                <a:latin typeface="Calibri" pitchFamily="34" charset="0"/>
+                <a:cs typeface="Calibri" pitchFamily="34" charset="0"/>
+              </a:rPr>
+              <a:t>:</a:t>
+            </a:r>
+            <a:endParaRPr lang="ru-RU" sz="4800" dirty="0">
+              <a:solidFill>
+                <a:schemeClr val="tx2">
+                  <a:lumMod val="25000"/>
+                </a:schemeClr>
+              </a:solidFill>
+              <a:latin typeface="Calibri" pitchFamily="34" charset="0"/>
+              <a:cs typeface="Calibri" pitchFamily="34" charset="0"/>
+            </a:endParaRPr>
+          </a:p>
+        </p:txBody>
+      </p:sp>
+      <p:sp>
+        <p:nvSpPr>
+          <p:cNvPr id="3" name="TextBox 2"/>
+          <p:cNvSpPr txBox="1"/>
+          <p:nvPr/>
+        </p:nvSpPr>
+        <p:spPr>
+          <a:xfrm>
+            <a:off x="53752" y="1832789"/>
+            <a:ext cx="9036496" cy="4524315"/>
+          </a:xfrm>
+          <a:prstGeom prst="rect">
+            <a:avLst/>
+          </a:prstGeom>
+          <a:noFill/>
+        </p:spPr>
+        <p:txBody>
+          <a:bodyPr wrap="square" rtlCol="0" anchor="ctr">
+            <a:spAutoFit/>
+          </a:bodyPr>
+          <a:lstStyle/>
+          <a:p>
+            <a:pPr marL="571500" indent="-571500">
+              <a:lnSpc>
+                <a:spcPct val="150000"/>
+              </a:lnSpc>
+              <a:buFontTx/>
+              <a:buChar char="-"/>
+            </a:pPr>
+            <a:r>
+              <a:rPr lang="ru-RU" sz="3200" dirty="0" smtClean="0">
+                <a:solidFill>
+                  <a:schemeClr val="tx2">
+                    <a:lumMod val="25000"/>
+                  </a:schemeClr>
+                </a:solidFill>
+                <a:latin typeface="Calibri" pitchFamily="34" charset="0"/>
+                <a:cs typeface="Calibri" pitchFamily="34" charset="0"/>
+              </a:rPr>
+              <a:t>иерархия: категории </a:t>
+            </a:r>
+            <a:r>
+              <a:rPr lang="en-US" sz="3200" dirty="0" smtClean="0">
+                <a:solidFill>
+                  <a:schemeClr val="tx2">
+                    <a:lumMod val="25000"/>
+                  </a:schemeClr>
+                </a:solidFill>
+                <a:latin typeface="Calibri" pitchFamily="34" charset="0"/>
+                <a:cs typeface="Calibri" pitchFamily="34" charset="0"/>
+              </a:rPr>
+              <a:t>&gt; </a:t>
+            </a:r>
+            <a:r>
+              <a:rPr lang="ru-RU" sz="3200" dirty="0" smtClean="0">
+                <a:solidFill>
+                  <a:schemeClr val="tx2">
+                    <a:lumMod val="25000"/>
+                  </a:schemeClr>
+                </a:solidFill>
+                <a:latin typeface="Calibri" pitchFamily="34" charset="0"/>
+                <a:cs typeface="Calibri" pitchFamily="34" charset="0"/>
+              </a:rPr>
+              <a:t>темы </a:t>
+            </a:r>
+            <a:r>
+              <a:rPr lang="en-US" sz="3200" dirty="0" smtClean="0">
+                <a:solidFill>
+                  <a:schemeClr val="tx2">
+                    <a:lumMod val="25000"/>
+                  </a:schemeClr>
+                </a:solidFill>
+                <a:latin typeface="Calibri" pitchFamily="34" charset="0"/>
+                <a:cs typeface="Calibri" pitchFamily="34" charset="0"/>
+              </a:rPr>
+              <a:t>&gt; </a:t>
+            </a:r>
+            <a:r>
+              <a:rPr lang="ru-RU" sz="3200" dirty="0" smtClean="0">
+                <a:solidFill>
+                  <a:schemeClr val="tx2">
+                    <a:lumMod val="25000"/>
+                  </a:schemeClr>
+                </a:solidFill>
+                <a:latin typeface="Calibri" pitchFamily="34" charset="0"/>
+                <a:cs typeface="Calibri" pitchFamily="34" charset="0"/>
+              </a:rPr>
+              <a:t>сообщения</a:t>
+            </a:r>
+          </a:p>
+          <a:p>
+            <a:pPr marL="571500" indent="-571500">
+              <a:lnSpc>
+                <a:spcPct val="150000"/>
+              </a:lnSpc>
+              <a:buFontTx/>
+              <a:buChar char="-"/>
+            </a:pPr>
+            <a:r>
+              <a:rPr lang="ru-RU" sz="3200" dirty="0" smtClean="0">
+                <a:solidFill>
+                  <a:schemeClr val="tx2">
+                    <a:lumMod val="25000"/>
+                  </a:schemeClr>
+                </a:solidFill>
+                <a:latin typeface="Calibri" pitchFamily="34" charset="0"/>
+                <a:cs typeface="Calibri" pitchFamily="34" charset="0"/>
+              </a:rPr>
+              <a:t>информация: тема, содержание, автор, время</a:t>
+            </a:r>
+          </a:p>
+          <a:p>
+            <a:pPr marL="571500" indent="-571500">
+              <a:lnSpc>
+                <a:spcPct val="150000"/>
+              </a:lnSpc>
+              <a:buFontTx/>
+              <a:buChar char="-"/>
+            </a:pPr>
+            <a:r>
+              <a:rPr lang="ru-RU" sz="3200" dirty="0" smtClean="0">
+                <a:solidFill>
+                  <a:schemeClr val="tx2">
+                    <a:lumMod val="25000"/>
+                  </a:schemeClr>
+                </a:solidFill>
+                <a:latin typeface="Calibri" pitchFamily="34" charset="0"/>
+                <a:cs typeface="Calibri" pitchFamily="34" charset="0"/>
+              </a:rPr>
+              <a:t>механизмы обеспечения порядка в дискуссиях</a:t>
+            </a:r>
+          </a:p>
+          <a:p>
+            <a:pPr marL="571500" indent="-571500">
+              <a:lnSpc>
+                <a:spcPct val="150000"/>
+              </a:lnSpc>
+              <a:buFontTx/>
+              <a:buChar char="-"/>
+            </a:pPr>
+            <a:r>
+              <a:rPr lang="ru-RU" sz="3200" dirty="0" smtClean="0">
+                <a:solidFill>
+                  <a:schemeClr val="tx2">
+                    <a:lumMod val="25000"/>
+                  </a:schemeClr>
+                </a:solidFill>
+                <a:latin typeface="Calibri" pitchFamily="34" charset="0"/>
+                <a:cs typeface="Calibri" pitchFamily="34" charset="0"/>
+              </a:rPr>
+              <a:t>разделение прав доступа</a:t>
+            </a:r>
+          </a:p>
+          <a:p>
+            <a:pPr marL="571500" indent="-571500">
+              <a:lnSpc>
+                <a:spcPct val="150000"/>
+              </a:lnSpc>
+              <a:buFontTx/>
+              <a:buChar char="-"/>
+            </a:pPr>
+            <a:r>
+              <a:rPr lang="ru-RU" sz="3200" dirty="0" smtClean="0">
+                <a:solidFill>
+                  <a:schemeClr val="tx2">
+                    <a:lumMod val="25000"/>
+                  </a:schemeClr>
+                </a:solidFill>
+                <a:latin typeface="Calibri" pitchFamily="34" charset="0"/>
+                <a:cs typeface="Calibri" pitchFamily="34" charset="0"/>
+              </a:rPr>
+              <a:t>возможность идентификации пользователя</a:t>
+            </a:r>
+          </a:p>
+          <a:p>
+            <a:pPr marL="571500" indent="-571500">
+              <a:lnSpc>
+                <a:spcPct val="150000"/>
+              </a:lnSpc>
+              <a:buFontTx/>
+              <a:buChar char="-"/>
+            </a:pPr>
+            <a:r>
+              <a:rPr lang="ru-RU" sz="3200" dirty="0" smtClean="0">
+                <a:solidFill>
+                  <a:schemeClr val="tx2">
+                    <a:lumMod val="25000"/>
+                  </a:schemeClr>
+                </a:solidFill>
+                <a:latin typeface="Calibri" pitchFamily="34" charset="0"/>
+                <a:cs typeface="Calibri" pitchFamily="34" charset="0"/>
+              </a:rPr>
+              <a:t>отсутствие динамики «реального времени»</a:t>
+            </a:r>
+          </a:p>
+        </p:txBody>
+      </p:sp>
+    </p:spTree>
+    <p:extLst>
+      <p:ext uri="{BB962C8B-B14F-4D97-AF65-F5344CB8AC3E}">
+        <p14:creationId xmlns:p14="http://schemas.microsoft.com/office/powerpoint/2010/main" val="277236206"/>
       </p:ext>
     </p:extLst>
   </p:cSld>
@@ -11610,7 +10121,7 @@
         </p:nvSpPr>
         <p:spPr>
           <a:xfrm>
-            <a:off x="443817" y="1147227"/>
+            <a:off x="443817" y="1021956"/>
             <a:ext cx="8280920" cy="830997"/>
           </a:xfrm>
           <a:prstGeom prst="rect">
@@ -11626,13 +10137,11 @@
           <a:p>
             <a:r>
               <a:rPr lang="ru-RU" sz="4800" dirty="0" smtClean="0">
-                <a:effectLst>
-                  <a:outerShdw blurRad="38100" dist="38100" dir="2700000" algn="tl">
-                    <a:srgbClr val="000000">
-                      <a:alpha val="43137"/>
-                    </a:srgbClr>
-                  </a:outerShdw>
-                </a:effectLst>
+                <a:solidFill>
+                  <a:schemeClr val="tx2">
+                    <a:lumMod val="25000"/>
+                  </a:schemeClr>
+                </a:solidFill>
                 <a:latin typeface="Calibri" pitchFamily="34" charset="0"/>
                 <a:cs typeface="Calibri" pitchFamily="34" charset="0"/>
               </a:rPr>
@@ -11640,13 +10149,11 @@
             </a:r>
             <a:r>
               <a:rPr lang="ru-RU" sz="4800" dirty="0" err="1" smtClean="0">
-                <a:effectLst>
-                  <a:outerShdw blurRad="38100" dist="38100" dir="2700000" algn="tl">
-                    <a:srgbClr val="000000">
-                      <a:alpha val="43137"/>
-                    </a:srgbClr>
-                  </a:outerShdw>
-                </a:effectLst>
+                <a:solidFill>
+                  <a:schemeClr val="tx2">
+                    <a:lumMod val="25000"/>
+                  </a:schemeClr>
+                </a:solidFill>
                 <a:latin typeface="Calibri" pitchFamily="34" charset="0"/>
                 <a:cs typeface="Calibri" pitchFamily="34" charset="0"/>
               </a:rPr>
@@ -11654,13 +10161,11 @@
             </a:r>
             <a:r>
               <a:rPr lang="ru-RU" sz="4800" dirty="0" smtClean="0">
-                <a:effectLst>
-                  <a:outerShdw blurRad="38100" dist="38100" dir="2700000" algn="tl">
-                    <a:srgbClr val="000000">
-                      <a:alpha val="43137"/>
-                    </a:srgbClr>
-                  </a:outerShdw>
-                </a:effectLst>
+                <a:solidFill>
+                  <a:schemeClr val="tx2">
+                    <a:lumMod val="25000"/>
+                  </a:schemeClr>
+                </a:solidFill>
                 <a:latin typeface="Calibri" pitchFamily="34" charset="0"/>
                 <a:cs typeface="Calibri" pitchFamily="34" charset="0"/>
               </a:rPr>
@@ -11668,26 +10173,22 @@
             </a:r>
             <a:r>
               <a:rPr lang="en-US" sz="4800" dirty="0" smtClean="0">
-                <a:effectLst>
-                  <a:outerShdw blurRad="38100" dist="38100" dir="2700000" algn="tl">
-                    <a:srgbClr val="000000">
-                      <a:alpha val="43137"/>
-                    </a:srgbClr>
-                  </a:outerShdw>
-                </a:effectLst>
+                <a:solidFill>
+                  <a:schemeClr val="tx2">
+                    <a:lumMod val="25000"/>
+                  </a:schemeClr>
+                </a:solidFill>
                 <a:latin typeface="Calibri" pitchFamily="34" charset="0"/>
                 <a:cs typeface="Calibri" pitchFamily="34" charset="0"/>
               </a:rPr>
               <a:t>CMS:</a:t>
             </a:r>
             <a:endParaRPr lang="ru-RU" sz="4800" dirty="0">
-              <a:effectLst>
-                <a:outerShdw blurRad="38100" dist="38100" dir="2700000" algn="tl">
-                  <a:srgbClr val="000000">
-                    <a:alpha val="43137"/>
-                  </a:srgbClr>
-                </a:outerShdw>
-              </a:effectLst>
+              <a:solidFill>
+                <a:schemeClr val="tx2">
+                  <a:lumMod val="25000"/>
+                </a:schemeClr>
+              </a:solidFill>
               <a:latin typeface="Calibri" pitchFamily="34" charset="0"/>
               <a:cs typeface="Calibri" pitchFamily="34" charset="0"/>
             </a:endParaRPr>
@@ -11702,7 +10203,7 @@
         </p:nvSpPr>
         <p:spPr>
           <a:xfrm>
-            <a:off x="463589" y="3125451"/>
+            <a:off x="463589" y="3247481"/>
             <a:ext cx="8280920" cy="2585323"/>
           </a:xfrm>
           <a:prstGeom prst="rect">
@@ -11725,6 +10226,11 @@
             </a:pPr>
             <a:r>
               <a:rPr lang="ru-RU" sz="3600" dirty="0" smtClean="0">
+                <a:solidFill>
+                  <a:schemeClr val="tx2">
+                    <a:lumMod val="25000"/>
+                  </a:schemeClr>
+                </a:solidFill>
                 <a:latin typeface="Calibri" pitchFamily="34" charset="0"/>
                 <a:cs typeface="Calibri" pitchFamily="34" charset="0"/>
               </a:rPr>
@@ -11741,6 +10247,11 @@
             </a:pPr>
             <a:r>
               <a:rPr lang="ru-RU" sz="3600" dirty="0" smtClean="0">
+                <a:solidFill>
+                  <a:schemeClr val="tx2">
+                    <a:lumMod val="25000"/>
+                  </a:schemeClr>
+                </a:solidFill>
                 <a:latin typeface="Calibri" pitchFamily="34" charset="0"/>
                 <a:cs typeface="Calibri" pitchFamily="34" charset="0"/>
               </a:rPr>
@@ -11748,12 +10259,22 @@
             </a:r>
             <a:r>
               <a:rPr lang="en-US" sz="3600" dirty="0" smtClean="0">
+                <a:solidFill>
+                  <a:schemeClr val="tx2">
+                    <a:lumMod val="25000"/>
+                  </a:schemeClr>
+                </a:solidFill>
                 <a:latin typeface="Calibri" pitchFamily="34" charset="0"/>
                 <a:cs typeface="Calibri" pitchFamily="34" charset="0"/>
               </a:rPr>
               <a:t>CMS</a:t>
             </a:r>
             <a:endParaRPr lang="ru-RU" sz="3600" dirty="0" smtClean="0">
+              <a:solidFill>
+                <a:schemeClr val="tx2">
+                  <a:lumMod val="25000"/>
+                </a:schemeClr>
+              </a:solidFill>
               <a:latin typeface="Calibri" pitchFamily="34" charset="0"/>
               <a:cs typeface="Calibri" pitchFamily="34" charset="0"/>
             </a:endParaRPr>
@@ -11805,8 +10326,8 @@
         </p:nvSpPr>
         <p:spPr>
           <a:xfrm>
-            <a:off x="431540" y="131565"/>
-            <a:ext cx="8280920" cy="1569660"/>
+            <a:off x="431540" y="188640"/>
+            <a:ext cx="8280920" cy="1384995"/>
           </a:xfrm>
           <a:prstGeom prst="rect">
             <a:avLst/>
@@ -11819,64 +10340,17 @@
           </a:bodyPr>
           <a:lstStyle/>
           <a:p>
-            <a:pPr lvl="0"/>
-            <a:r>
-              <a:rPr lang="ru-RU" sz="4800" dirty="0">
-                <a:effectLst>
-                  <a:outerShdw blurRad="38100" dist="38100" dir="2700000" algn="tl">
-                    <a:srgbClr val="000000">
-                      <a:alpha val="43137"/>
-                    </a:srgbClr>
-                  </a:outerShdw>
-                </a:effectLst>
-              </a:rPr>
-              <a:t>Плагин для </a:t>
-            </a:r>
-            <a:r>
-              <a:rPr lang="ru-RU" sz="4800" dirty="0" err="1">
-                <a:effectLst>
-                  <a:outerShdw blurRad="38100" dist="38100" dir="2700000" algn="tl">
-                    <a:srgbClr val="000000">
-                      <a:alpha val="43137"/>
-                    </a:srgbClr>
-                  </a:outerShdw>
-                </a:effectLst>
-              </a:rPr>
-              <a:t>WordPress</a:t>
-            </a:r>
-            <a:r>
-              <a:rPr lang="ru-RU" sz="4800" dirty="0">
-                <a:effectLst>
-                  <a:outerShdw blurRad="38100" dist="38100" dir="2700000" algn="tl">
-                    <a:srgbClr val="000000">
-                      <a:alpha val="43137"/>
-                    </a:srgbClr>
-                  </a:outerShdw>
-                </a:effectLst>
-              </a:rPr>
-              <a:t> – </a:t>
-            </a:r>
-            <a:r>
-              <a:rPr lang="ru-RU" sz="4800" dirty="0" err="1" smtClean="0">
-                <a:effectLst>
-                  <a:outerShdw blurRad="38100" dist="38100" dir="2700000" algn="tl">
-                    <a:srgbClr val="000000">
-                      <a:alpha val="43137"/>
-                    </a:srgbClr>
-                  </a:outerShdw>
-                </a:effectLst>
-              </a:rPr>
-              <a:t>Simpleforum</a:t>
-            </a:r>
-            <a:endParaRPr lang="ru-RU" sz="4800" dirty="0">
-              <a:effectLst>
-                <a:outerShdw blurRad="38100" dist="38100" dir="2700000" algn="tl">
-                  <a:srgbClr val="000000">
-                    <a:alpha val="43137"/>
-                  </a:srgbClr>
-                </a:outerShdw>
-              </a:effectLst>
-            </a:endParaRPr>
+            <a:r>
+              <a:rPr lang="ru-RU" sz="4800" dirty="0" smtClean="0"/>
+              <a:t>Аналогичные продукты</a:t>
+            </a:r>
+          </a:p>
+          <a:p>
+            <a:r>
+              <a:rPr lang="ru-RU" sz="3600" dirty="0" smtClean="0"/>
+              <a:t>Общие недостатки</a:t>
+            </a:r>
+            <a:endParaRPr lang="ru-RU" sz="3600" dirty="0"/>
           </a:p>
         </p:txBody>
       </p:sp>
@@ -11888,8 +10362,8 @@
         </p:nvSpPr>
         <p:spPr>
           <a:xfrm>
-            <a:off x="53752" y="5157192"/>
-            <a:ext cx="9036496" cy="1569660"/>
+            <a:off x="395536" y="1916832"/>
+            <a:ext cx="9036496" cy="4524315"/>
           </a:xfrm>
           <a:prstGeom prst="rect">
             <a:avLst/>
@@ -11902,146 +10376,135 @@
           </a:bodyPr>
           <a:lstStyle/>
           <a:p>
-            <a:r>
-              <a:rPr lang="en-US" sz="3200" dirty="0">
-                <a:solidFill>
-                  <a:srgbClr val="00B050"/>
-                </a:solidFill>
-              </a:rPr>
-              <a:t>+ </a:t>
-            </a:r>
-            <a:r>
-              <a:rPr lang="ru-RU" sz="3200" dirty="0">
-                <a:solidFill>
-                  <a:srgbClr val="00B050"/>
-                </a:solidFill>
-              </a:rPr>
-              <a:t>неперегруженный внешний вид и понятный интерфейс </a:t>
-            </a:r>
-            <a:endParaRPr lang="ru-RU" sz="3200" dirty="0">
-              <a:solidFill>
-                <a:srgbClr val="00B050"/>
-              </a:solidFill>
-              <a:effectLst>
-                <a:outerShdw blurRad="38100" dist="38100" dir="2700000" algn="tl">
-                  <a:srgbClr val="000000">
-                    <a:alpha val="43137"/>
-                  </a:srgbClr>
-                </a:outerShdw>
-              </a:effectLst>
-              <a:latin typeface="Calibri" pitchFamily="34" charset="0"/>
-              <a:cs typeface="Calibri" pitchFamily="34" charset="0"/>
-            </a:endParaRPr>
-          </a:p>
-          <a:p>
-            <a:r>
-              <a:rPr lang="ru-RU" sz="3200" dirty="0" smtClean="0">
-                <a:solidFill>
-                  <a:srgbClr val="FF0000"/>
-                </a:solidFill>
-              </a:rPr>
-              <a:t>– </a:t>
-            </a:r>
-            <a:r>
-              <a:rPr lang="ru-RU" sz="3200" dirty="0">
-                <a:solidFill>
-                  <a:srgbClr val="FF0000"/>
-                </a:solidFill>
-              </a:rPr>
-              <a:t>необходима установленная система </a:t>
-            </a:r>
-            <a:r>
-              <a:rPr lang="en-US" sz="3200" dirty="0" err="1" smtClean="0">
-                <a:solidFill>
-                  <a:srgbClr val="FF0000"/>
-                </a:solidFill>
-              </a:rPr>
-              <a:t>Wordpress</a:t>
-            </a:r>
-            <a:r>
-              <a:rPr lang="ru-RU" sz="3200" dirty="0" smtClean="0">
-                <a:solidFill>
-                  <a:srgbClr val="FF0000"/>
-                </a:solidFill>
-              </a:rPr>
-              <a:t> </a:t>
-            </a:r>
-            <a:endParaRPr lang="en-US" sz="3200" dirty="0" smtClean="0">
-              <a:solidFill>
-                <a:srgbClr val="FF0000"/>
-              </a:solidFill>
-            </a:endParaRPr>
-          </a:p>
-        </p:txBody>
-      </p:sp>
-      <p:pic>
-        <p:nvPicPr>
-          <p:cNvPr id="8194" name="Picture 2"/>
-          <p:cNvPicPr>
-            <a:picLocks noChangeAspect="1" noChangeArrowheads="1"/>
-          </p:cNvPicPr>
-          <p:nvPr/>
-        </p:nvPicPr>
-        <p:blipFill>
-          <a:blip r:embed="rId2">
-            <a:extLst>
-              <a:ext uri="{28A0092B-C50C-407E-A947-70E740481C1C}">
-                <a14:useLocalDpi xmlns:a14="http://schemas.microsoft.com/office/drawing/2010/main" val="0"/>
-              </a:ext>
-            </a:extLst>
-          </a:blip>
-          <a:srcRect/>
-          <a:stretch>
-            <a:fillRect/>
-          </a:stretch>
-        </p:blipFill>
-        <p:spPr bwMode="auto">
-          <a:xfrm>
-            <a:off x="2267744" y="1916832"/>
-            <a:ext cx="4320778" cy="2769729"/>
-          </a:xfrm>
-          <a:prstGeom prst="rect">
-            <a:avLst/>
-          </a:prstGeom>
-          <a:noFill/>
-          <a:ln>
-            <a:noFill/>
-          </a:ln>
-          <a:effectLst/>
-          <a:extLst>
-            <a:ext uri="{909E8E84-426E-40DD-AFC4-6F175D3DCCD1}">
-              <a14:hiddenFill xmlns:a14="http://schemas.microsoft.com/office/drawing/2010/main">
-                <a:solidFill>
-                  <a:schemeClr val="accent1"/>
-                </a:solidFill>
-              </a14:hiddenFill>
-            </a:ext>
-            <a:ext uri="{91240B29-F687-4F45-9708-019B960494DF}">
-              <a14:hiddenLine xmlns:a14="http://schemas.microsoft.com/office/drawing/2010/main" w="9525">
-                <a:solidFill>
-                  <a:schemeClr val="tx1"/>
-                </a:solidFill>
-                <a:miter lim="800000"/>
-                <a:headEnd/>
-                <a:tailEnd/>
-              </a14:hiddenLine>
-            </a:ext>
-            <a:ext uri="{AF507438-7753-43E0-B8FC-AC1667EBCBE1}">
-              <a14:hiddenEffects xmlns:a14="http://schemas.microsoft.com/office/drawing/2010/main">
-                <a:effectLst>
-                  <a:outerShdw dist="35921" dir="2700000" algn="ctr" rotWithShape="0">
-                    <a:schemeClr val="bg2"/>
-                  </a:outerShdw>
-                </a:effectLst>
-              </a14:hiddenEffects>
-            </a:ext>
-          </a:extLst>
-        </p:spPr>
-      </p:pic>
+            <a:pPr lvl="0"/>
+            <a:r>
+              <a:rPr lang="ru-RU" sz="3200" dirty="0" smtClean="0"/>
+              <a:t>Были рассмотрены следующие </a:t>
+            </a:r>
+            <a:r>
+              <a:rPr lang="en-US" sz="3200" dirty="0" smtClean="0"/>
+              <a:t>CMS:</a:t>
+            </a:r>
+          </a:p>
+          <a:p>
+            <a:pPr marL="457200" indent="-457200">
+              <a:buFont typeface="Arial" pitchFamily="34" charset="0"/>
+              <a:buChar char="•"/>
+            </a:pPr>
+            <a:r>
+              <a:rPr lang="ru-RU" sz="3200" dirty="0"/>
+              <a:t>Плагин для </a:t>
+            </a:r>
+            <a:r>
+              <a:rPr lang="ru-RU" sz="3200" dirty="0" err="1"/>
+              <a:t>WordPress</a:t>
+            </a:r>
+            <a:r>
+              <a:rPr lang="ru-RU" sz="3200" dirty="0"/>
+              <a:t> – </a:t>
+            </a:r>
+            <a:r>
+              <a:rPr lang="ru-RU" sz="3200" dirty="0" err="1"/>
+              <a:t>Simpleforum</a:t>
+            </a:r>
+            <a:endParaRPr lang="ru-RU" sz="3200" dirty="0"/>
+          </a:p>
+          <a:p>
+            <a:pPr marL="457200" lvl="0" indent="-457200">
+              <a:buFont typeface="Arial" pitchFamily="34" charset="0"/>
+              <a:buChar char="•"/>
+            </a:pPr>
+            <a:r>
+              <a:rPr lang="en-US" sz="3200" dirty="0"/>
+              <a:t>Simple Machine Forum</a:t>
+            </a:r>
+            <a:r>
+              <a:rPr lang="ru-RU" sz="3200" dirty="0"/>
+              <a:t> (</a:t>
+            </a:r>
+            <a:r>
+              <a:rPr lang="en-US" sz="3200" dirty="0"/>
+              <a:t>SMF</a:t>
+            </a:r>
+            <a:r>
+              <a:rPr lang="ru-RU" sz="3200" dirty="0" smtClean="0"/>
+              <a:t>)</a:t>
+            </a:r>
+            <a:endParaRPr lang="en-US" sz="3200" dirty="0" smtClean="0"/>
+          </a:p>
+          <a:p>
+            <a:pPr marL="457200" indent="-457200">
+              <a:buFont typeface="Arial" pitchFamily="34" charset="0"/>
+              <a:buChar char="•"/>
+            </a:pPr>
+            <a:r>
+              <a:rPr lang="en-US" sz="3200" dirty="0" err="1" smtClean="0"/>
+              <a:t>phpBB</a:t>
+            </a:r>
+            <a:endParaRPr lang="ru-RU" sz="3200" dirty="0" smtClean="0"/>
+          </a:p>
+          <a:p>
+            <a:pPr lvl="0"/>
+            <a:r>
+              <a:rPr lang="ru-RU" sz="3200" dirty="0" smtClean="0"/>
+              <a:t>Были выявлены общие недостатки:</a:t>
+            </a:r>
+            <a:endParaRPr lang="ru-RU" sz="3200" dirty="0" smtClean="0"/>
+          </a:p>
+          <a:p>
+            <a:pPr marL="457200" lvl="0" indent="-457200">
+              <a:buFont typeface="Arial" pitchFamily="34" charset="0"/>
+              <a:buChar char="•"/>
+            </a:pPr>
+            <a:r>
+              <a:rPr lang="ru-RU" sz="3200" dirty="0" smtClean="0"/>
+              <a:t>сложный интерфейс</a:t>
+            </a:r>
+            <a:endParaRPr lang="ru-RU" sz="3200" dirty="0"/>
+          </a:p>
+          <a:p>
+            <a:pPr marL="457200" lvl="0" indent="-457200">
+              <a:buFont typeface="Arial" pitchFamily="34" charset="0"/>
+              <a:buChar char="•"/>
+            </a:pPr>
+            <a:r>
+              <a:rPr lang="ru-RU" sz="3200" dirty="0" smtClean="0"/>
+              <a:t>отсутствие </a:t>
+            </a:r>
+            <a:r>
+              <a:rPr lang="ru-RU" sz="3200" dirty="0"/>
+              <a:t>русского языка в интерфейсе</a:t>
+            </a:r>
+          </a:p>
+          <a:p>
+            <a:pPr marL="457200" lvl="0" indent="-457200">
+              <a:buFont typeface="Arial" pitchFamily="34" charset="0"/>
+              <a:buChar char="•"/>
+            </a:pPr>
+            <a:r>
+              <a:rPr lang="ru-RU" sz="3200" dirty="0" smtClean="0"/>
+              <a:t>низкая </a:t>
+            </a:r>
+            <a:r>
+              <a:rPr lang="ru-RU" sz="3200" dirty="0"/>
+              <a:t>производительность из-за сложных запросов к базе </a:t>
+            </a:r>
+            <a:r>
+              <a:rPr lang="ru-RU" sz="3200" dirty="0" smtClean="0"/>
+              <a:t>данных</a:t>
+            </a:r>
+            <a:r>
+              <a:rPr lang="en-US" sz="3200" dirty="0" smtClean="0"/>
+              <a:t>.</a:t>
+            </a:r>
+            <a:endParaRPr lang="ru-RU" sz="3200" dirty="0"/>
+          </a:p>
+        </p:txBody>
+      </p:sp>
     </p:spTree>
     <p:extLst>
       <p:ext uri="{BB962C8B-B14F-4D97-AF65-F5344CB8AC3E}">
-        <p14:creationId xmlns:p14="http://schemas.microsoft.com/office/powerpoint/2010/main" val="2649868190"/>
+        <p14:creationId xmlns:p14="http://schemas.microsoft.com/office/powerpoint/2010/main" val="4182994554"/>
       </p:ext>
     </p:extLst>
   </p:cSld>
@@ -12098,53 +10561,10 @@
           <a:lstStyle/>
           <a:p>
             <a:r>
-              <a:rPr lang="en-US" sz="4800" dirty="0">
-                <a:effectLst>
-                  <a:outerShdw blurRad="38100" dist="38100" dir="2700000" algn="tl">
-                    <a:srgbClr val="000000">
-                      <a:alpha val="43137"/>
-                    </a:srgbClr>
-                  </a:outerShdw>
-                </a:effectLst>
-              </a:rPr>
-              <a:t>Simple Machine Forum</a:t>
-            </a:r>
-            <a:r>
-              <a:rPr lang="ru-RU" sz="4800" dirty="0">
-                <a:effectLst>
-                  <a:outerShdw blurRad="38100" dist="38100" dir="2700000" algn="tl">
-                    <a:srgbClr val="000000">
-                      <a:alpha val="43137"/>
-                    </a:srgbClr>
-                  </a:outerShdw>
-                </a:effectLst>
-              </a:rPr>
-              <a:t> (</a:t>
-            </a:r>
-            <a:r>
-              <a:rPr lang="en-US" sz="4800" dirty="0">
-                <a:effectLst>
-                  <a:outerShdw blurRad="38100" dist="38100" dir="2700000" algn="tl">
-                    <a:srgbClr val="000000">
-                      <a:alpha val="43137"/>
-                    </a:srgbClr>
-                  </a:outerShdw>
-                </a:effectLst>
-              </a:rPr>
-              <a:t>SMF</a:t>
-            </a:r>
-            <a:r>
-              <a:rPr lang="ru-RU" sz="4800" dirty="0">
-                <a:effectLst>
-                  <a:outerShdw blurRad="38100" dist="38100" dir="2700000" algn="tl">
-                    <a:srgbClr val="000000">
-                      <a:alpha val="43137"/>
-                    </a:srgbClr>
-                  </a:outerShdw>
-                </a:effectLst>
-              </a:rPr>
-              <a:t>)</a:t>
-            </a:r>
+              <a:rPr lang="ru-RU" sz="4800" dirty="0" smtClean="0"/>
+              <a:t>Постановка задачи</a:t>
+            </a:r>
+            <a:endParaRPr lang="ru-RU" sz="4800" dirty="0"/>
           </a:p>
         </p:txBody>
       </p:sp>
@@ -12156,8 +10576,8 @@
         </p:nvSpPr>
         <p:spPr>
           <a:xfrm>
-            <a:off x="53752" y="4664750"/>
-            <a:ext cx="9036496" cy="2554545"/>
+            <a:off x="107504" y="2049237"/>
+            <a:ext cx="9036496" cy="4031873"/>
           </a:xfrm>
           <a:prstGeom prst="rect">
             <a:avLst/>
@@ -12170,191 +10590,143 @@
           </a:bodyPr>
           <a:lstStyle/>
           <a:p>
-            <a:pPr lvl="0"/>
-            <a:r>
-              <a:rPr lang="en-US" sz="3200" dirty="0">
-                <a:solidFill>
-                  <a:srgbClr val="00B050"/>
-                </a:solidFill>
-              </a:rPr>
-              <a:t>+ </a:t>
-            </a:r>
-            <a:r>
-              <a:rPr lang="ru-RU" sz="3200" dirty="0">
-                <a:solidFill>
-                  <a:srgbClr val="00B050"/>
-                </a:solidFill>
-              </a:rPr>
-              <a:t>Богатый функционал</a:t>
-            </a:r>
-          </a:p>
-          <a:p>
-            <a:pPr lvl="0"/>
-            <a:r>
-              <a:rPr lang="en-US" sz="3200" dirty="0" smtClean="0">
-                <a:solidFill>
-                  <a:srgbClr val="00B050"/>
-                </a:solidFill>
-              </a:rPr>
-              <a:t>+ </a:t>
-            </a:r>
-            <a:r>
-              <a:rPr lang="ru-RU" sz="3200" dirty="0" smtClean="0">
-                <a:solidFill>
-                  <a:srgbClr val="00B050"/>
-                </a:solidFill>
-              </a:rPr>
-              <a:t>Множество </a:t>
-            </a:r>
-            <a:r>
-              <a:rPr lang="ru-RU" sz="3200" dirty="0">
-                <a:solidFill>
-                  <a:srgbClr val="00B050"/>
-                </a:solidFill>
-              </a:rPr>
-              <a:t>настроек в панели администратора </a:t>
-            </a:r>
-          </a:p>
-          <a:p>
-            <a:pPr lvl="0"/>
-            <a:r>
-              <a:rPr lang="ru-RU" sz="3200" dirty="0" smtClean="0">
-                <a:solidFill>
-                  <a:srgbClr val="FF0000"/>
-                </a:solidFill>
-              </a:rPr>
-              <a:t>– </a:t>
-            </a:r>
-            <a:r>
-              <a:rPr lang="ru-RU" sz="3200" dirty="0">
-                <a:solidFill>
-                  <a:srgbClr val="FF0000"/>
-                </a:solidFill>
-              </a:rPr>
-              <a:t>Перегруженность лишней информацией</a:t>
-            </a:r>
-          </a:p>
-          <a:p>
-            <a:pPr lvl="0"/>
-            <a:r>
-              <a:rPr lang="ru-RU" sz="3200" dirty="0">
-                <a:solidFill>
-                  <a:srgbClr val="FF0000"/>
-                </a:solidFill>
-              </a:rPr>
-              <a:t>–</a:t>
-            </a:r>
-            <a:r>
-              <a:rPr lang="en-US" sz="3200" dirty="0" smtClean="0">
-                <a:solidFill>
-                  <a:srgbClr val="FF0000"/>
-                </a:solidFill>
-              </a:rPr>
+            <a:r>
+              <a:rPr lang="ru-RU" sz="3200" dirty="0" smtClean="0"/>
+              <a:t>Реализовать </a:t>
+            </a:r>
+            <a:r>
+              <a:rPr lang="ru-RU" sz="3200" dirty="0" err="1" smtClean="0"/>
+              <a:t>форумную</a:t>
+            </a:r>
+            <a:r>
+              <a:rPr lang="ru-RU" sz="3200" dirty="0" smtClean="0"/>
               <a:t> </a:t>
             </a:r>
             <a:r>
-              <a:rPr lang="ru-RU" sz="3200" dirty="0" smtClean="0">
-                <a:solidFill>
-                  <a:srgbClr val="FF0000"/>
-                </a:solidFill>
-              </a:rPr>
-              <a:t>Отсутствие </a:t>
-            </a:r>
-            <a:r>
-              <a:rPr lang="ru-RU" sz="3200" dirty="0">
-                <a:solidFill>
-                  <a:srgbClr val="FF0000"/>
-                </a:solidFill>
-              </a:rPr>
-              <a:t>русского языка</a:t>
-            </a:r>
-          </a:p>
-          <a:p>
-            <a:endParaRPr lang="ru-RU" sz="3200" dirty="0" smtClean="0">
-              <a:solidFill>
-                <a:srgbClr val="00B050"/>
-              </a:solidFill>
-              <a:effectLst>
-                <a:outerShdw blurRad="38100" dist="38100" dir="2700000" algn="tl">
-                  <a:srgbClr val="000000">
-                    <a:alpha val="43137"/>
-                  </a:srgbClr>
-                </a:outerShdw>
-              </a:effectLst>
-              <a:latin typeface="Calibri" pitchFamily="34" charset="0"/>
-              <a:cs typeface="Calibri" pitchFamily="34" charset="0"/>
-            </a:endParaRPr>
-          </a:p>
-        </p:txBody>
-      </p:sp>
-      <p:pic>
-        <p:nvPicPr>
-          <p:cNvPr id="9218" name="Picture 2"/>
-          <p:cNvPicPr>
-            <a:picLocks noChangeAspect="1" noChangeArrowheads="1"/>
-          </p:cNvPicPr>
-          <p:nvPr/>
-        </p:nvPicPr>
-        <p:blipFill>
-          <a:blip r:embed="rId2">
-            <a:extLst>
-              <a:ext uri="{28A0092B-C50C-407E-A947-70E740481C1C}">
-                <a14:useLocalDpi xmlns:a14="http://schemas.microsoft.com/office/drawing/2010/main" val="0"/>
-              </a:ext>
-            </a:extLst>
-          </a:blip>
-          <a:srcRect/>
-          <a:stretch>
-            <a:fillRect/>
-          </a:stretch>
-        </p:blipFill>
-        <p:spPr bwMode="auto">
-          <a:xfrm>
-            <a:off x="1619250" y="1341438"/>
-            <a:ext cx="5546725" cy="3323311"/>
-          </a:xfrm>
-          <a:prstGeom prst="rect">
-            <a:avLst/>
-          </a:prstGeom>
-          <a:noFill/>
-          <a:ln>
-            <a:noFill/>
-          </a:ln>
-          <a:effectLst/>
-          <a:extLst>
-            <a:ext uri="{909E8E84-426E-40DD-AFC4-6F175D3DCCD1}">
-              <a14:hiddenFill xmlns:a14="http://schemas.microsoft.com/office/drawing/2010/main">
-                <a:solidFill>
-                  <a:schemeClr val="accent1"/>
-                </a:solidFill>
-              </a14:hiddenFill>
-            </a:ext>
-            <a:ext uri="{91240B29-F687-4F45-9708-019B960494DF}">
-              <a14:hiddenLine xmlns:a14="http://schemas.microsoft.com/office/drawing/2010/main" w="9525">
-                <a:solidFill>
-                  <a:schemeClr val="tx1"/>
-                </a:solidFill>
-                <a:miter lim="800000"/>
-                <a:headEnd/>
-                <a:tailEnd/>
-              </a14:hiddenLine>
-            </a:ext>
-            <a:ext uri="{AF507438-7753-43E0-B8FC-AC1667EBCBE1}">
-              <a14:hiddenEffects xmlns:a14="http://schemas.microsoft.com/office/drawing/2010/main">
-                <a:effectLst>
-                  <a:outerShdw dist="35921" dir="2700000" algn="ctr" rotWithShape="0">
-                    <a:schemeClr val="bg2"/>
-                  </a:outerShdw>
-                </a:effectLst>
-              </a14:hiddenEffects>
-            </a:ext>
-          </a:extLst>
-        </p:spPr>
-      </p:pic>
+              <a:rPr lang="en-US" sz="3200" dirty="0" smtClean="0"/>
+              <a:t>CMS</a:t>
+            </a:r>
+            <a:r>
+              <a:rPr lang="ru-RU" sz="3200" dirty="0" smtClean="0"/>
+              <a:t>, </a:t>
+            </a:r>
+            <a:r>
+              <a:rPr lang="ru-RU" sz="3200" dirty="0"/>
+              <a:t>удовлетворяющую следующим </a:t>
+            </a:r>
+            <a:r>
+              <a:rPr lang="ru-RU" sz="3200" dirty="0" smtClean="0"/>
+              <a:t>требованиям:</a:t>
+            </a:r>
+          </a:p>
+          <a:p>
+            <a:r>
+              <a:rPr lang="ru-RU" sz="3200" dirty="0" smtClean="0"/>
+              <a:t> </a:t>
+            </a:r>
+            <a:r>
+              <a:rPr lang="ru-RU" sz="3200" dirty="0"/>
+              <a:t>- </a:t>
+            </a:r>
+            <a:r>
+              <a:rPr lang="ru-RU" sz="3200" dirty="0" smtClean="0"/>
+              <a:t>русскоязычный интерфейс</a:t>
+            </a:r>
+            <a:r>
+              <a:rPr lang="en-US" sz="3200" dirty="0" smtClean="0"/>
+              <a:t>;</a:t>
+            </a:r>
+            <a:endParaRPr lang="ru-RU" sz="3200" dirty="0"/>
+          </a:p>
+          <a:p>
+            <a:r>
+              <a:rPr lang="ru-RU" sz="3200" dirty="0" smtClean="0"/>
+              <a:t>- отсутствие перегруженности интерфейса</a:t>
+            </a:r>
+            <a:r>
+              <a:rPr lang="en-US" sz="3200" dirty="0" smtClean="0"/>
+              <a:t>;</a:t>
+            </a:r>
+            <a:endParaRPr lang="ru-RU" sz="3200" dirty="0"/>
+          </a:p>
+          <a:p>
+            <a:r>
+              <a:rPr lang="ru-RU" sz="3200" dirty="0" smtClean="0"/>
+              <a:t>- основн</a:t>
+            </a:r>
+            <a:r>
+              <a:rPr lang="ru-RU" sz="3200" dirty="0"/>
+              <a:t>ы</a:t>
+            </a:r>
+            <a:r>
+              <a:rPr lang="ru-RU" sz="3200" dirty="0" smtClean="0"/>
+              <a:t>е </a:t>
+            </a:r>
+            <a:r>
+              <a:rPr lang="ru-RU" sz="3200" dirty="0"/>
+              <a:t>функции </a:t>
+            </a:r>
+            <a:r>
+              <a:rPr lang="ru-RU" sz="3200" dirty="0" smtClean="0"/>
+              <a:t>форума</a:t>
+            </a:r>
+            <a:r>
+              <a:rPr lang="en-US" sz="3200" dirty="0" smtClean="0"/>
+              <a:t>;</a:t>
+            </a:r>
+            <a:endParaRPr lang="ru-RU" sz="3200" dirty="0"/>
+          </a:p>
+          <a:p>
+            <a:r>
+              <a:rPr lang="ru-RU" sz="3200" dirty="0" smtClean="0"/>
+              <a:t>- идентификация пользователя в системе</a:t>
+            </a:r>
+            <a:r>
+              <a:rPr lang="en-US" sz="3200" dirty="0" smtClean="0"/>
+              <a:t>;</a:t>
+            </a:r>
+            <a:endParaRPr lang="ru-RU" sz="3200" dirty="0"/>
+          </a:p>
+          <a:p>
+            <a:r>
+              <a:rPr lang="ru-RU" sz="3200" dirty="0" smtClean="0"/>
+              <a:t>- разделение </a:t>
+            </a:r>
+            <a:r>
+              <a:rPr lang="ru-RU" sz="3200" dirty="0"/>
+              <a:t>прав </a:t>
+            </a:r>
+            <a:r>
+              <a:rPr lang="ru-RU" sz="3200" dirty="0" smtClean="0"/>
+              <a:t>пользователей</a:t>
+            </a:r>
+            <a:r>
+              <a:rPr lang="en-US" sz="3200" dirty="0" smtClean="0"/>
+              <a:t>;</a:t>
+            </a:r>
+            <a:r>
+              <a:rPr lang="ru-RU" sz="3200" dirty="0" smtClean="0"/>
+              <a:t/>
+            </a:r>
+            <a:br>
+              <a:rPr lang="ru-RU" sz="3200" dirty="0" smtClean="0"/>
+            </a:br>
+            <a:r>
+              <a:rPr lang="ru-RU" sz="3200" dirty="0" smtClean="0"/>
+              <a:t>- функции администрирования</a:t>
+            </a:r>
+            <a:r>
+              <a:rPr lang="en-US" sz="3200" dirty="0" smtClean="0"/>
+              <a:t>.</a:t>
+            </a:r>
+            <a:endParaRPr lang="ru-RU" sz="3200" dirty="0" smtClean="0"/>
+          </a:p>
+        </p:txBody>
+      </p:sp>
     </p:spTree>
     <p:extLst>
       <p:ext uri="{BB962C8B-B14F-4D97-AF65-F5344CB8AC3E}">
-        <p14:creationId xmlns:p14="http://schemas.microsoft.com/office/powerpoint/2010/main" val="3420707109"/>
+        <p14:creationId xmlns:p14="http://schemas.microsoft.com/office/powerpoint/2010/main" val="3074632434"/>
       </p:ext>
     </p:extLst>
   </p:cSld>
@@ -12396,8 +10768,8 @@
         </p:nvSpPr>
         <p:spPr>
           <a:xfrm>
-            <a:off x="431540" y="332657"/>
-            <a:ext cx="8280920" cy="830997"/>
+            <a:off x="-508" y="58672"/>
+            <a:ext cx="9145016" cy="830997"/>
           </a:xfrm>
           <a:prstGeom prst="rect">
             <a:avLst/>
@@ -12410,8 +10782,14 @@
           </a:bodyPr>
           <a:lstStyle/>
           <a:p>
-            <a:r>
-              <a:rPr lang="en-US" sz="4800" dirty="0" err="1">
+            <a:pPr algn="ctr"/>
+            <a:r>
+              <a:rPr lang="ru-RU" sz="4800" dirty="0" smtClean="0">
+                <a:solidFill>
+                  <a:schemeClr val="tx2">
+                    <a:lumMod val="25000"/>
+                  </a:schemeClr>
+                </a:solidFill>
                 <a:effectLst>
                   <a:outerShdw blurRad="38100" dist="38100" dir="2700000" algn="tl">
                     <a:srgbClr val="000000">
@@ -12419,186 +10797,16 @@
                     </a:srgbClr>
                   </a:outerShdw>
                 </a:effectLst>
+                <a:latin typeface="Calibri" pitchFamily="34" charset="0"/>
+                <a:cs typeface="Calibri" pitchFamily="34" charset="0"/>
               </a:rPr>
-              <a:t>phpBB</a:t>
+              <a:t>Использованные веб-технологии:</a:t>
             </a:r>
             <a:endParaRPr lang="ru-RU" sz="4800" dirty="0">
-              <a:effectLst>
-                <a:outerShdw blurRad="38100" dist="38100" dir="2700000" algn="tl">
-                  <a:srgbClr val="000000">
-                    <a:alpha val="43137"/>
-                  </a:srgbClr>
-                </a:outerShdw>
-              </a:effectLst>
-            </a:endParaRPr>
-          </a:p>
-        </p:txBody>
-      </p:sp>
-      <p:sp>
-        <p:nvSpPr>
-          <p:cNvPr id="3" name="TextBox 2"/>
-          <p:cNvSpPr txBox="1"/>
-          <p:nvPr/>
-        </p:nvSpPr>
-        <p:spPr>
-          <a:xfrm>
-            <a:off x="53752" y="4149080"/>
-            <a:ext cx="9036496" cy="2554545"/>
-          </a:xfrm>
-          <a:prstGeom prst="rect">
-            <a:avLst/>
-          </a:prstGeom>
-          <a:noFill/>
-        </p:spPr>
-        <p:txBody>
-          <a:bodyPr wrap="square" rtlCol="0" anchor="ctr">
-            <a:spAutoFit/>
-          </a:bodyPr>
-          <a:lstStyle/>
-          <a:p>
-            <a:pPr lvl="0"/>
-            <a:r>
-              <a:rPr lang="en-US" sz="3200" dirty="0">
-                <a:solidFill>
-                  <a:srgbClr val="00B050"/>
-                </a:solidFill>
-              </a:rPr>
-              <a:t>+ </a:t>
-            </a:r>
-            <a:r>
-              <a:rPr lang="ru-RU" sz="3200" dirty="0">
-                <a:solidFill>
-                  <a:srgbClr val="00B050"/>
-                </a:solidFill>
-              </a:rPr>
-              <a:t>Несложная в использовании система </a:t>
-            </a:r>
-            <a:r>
-              <a:rPr lang="ru-RU" sz="3200" dirty="0" smtClean="0">
-                <a:solidFill>
-                  <a:srgbClr val="00B050"/>
-                </a:solidFill>
-              </a:rPr>
-              <a:t>шаблонов</a:t>
-            </a:r>
-            <a:endParaRPr lang="ru-RU" sz="3200" dirty="0">
               <a:solidFill>
-                <a:srgbClr val="00B050"/>
-              </a:solidFill>
-            </a:endParaRPr>
-          </a:p>
-          <a:p>
-            <a:pPr lvl="0"/>
-            <a:r>
-              <a:rPr lang="en-US" sz="3200" dirty="0" smtClean="0">
-                <a:solidFill>
-                  <a:srgbClr val="00B050"/>
-                </a:solidFill>
-              </a:rPr>
-              <a:t>+ </a:t>
-            </a:r>
-            <a:r>
-              <a:rPr lang="ru-RU" sz="3200" dirty="0" smtClean="0">
-                <a:solidFill>
-                  <a:srgbClr val="00B050"/>
-                </a:solidFill>
-              </a:rPr>
-              <a:t>Многоязычный интерфейс</a:t>
-            </a:r>
-            <a:endParaRPr lang="ru-RU" sz="3200" dirty="0">
-              <a:solidFill>
-                <a:srgbClr val="00B050"/>
-              </a:solidFill>
-            </a:endParaRPr>
-          </a:p>
-          <a:p>
-            <a:r>
-              <a:rPr lang="ru-RU" sz="3200" dirty="0" smtClean="0">
-                <a:solidFill>
-                  <a:srgbClr val="FF0000"/>
-                </a:solidFill>
-              </a:rPr>
-              <a:t>– </a:t>
-            </a:r>
-            <a:r>
-              <a:rPr lang="ru-RU" sz="3200" dirty="0">
-                <a:solidFill>
-                  <a:srgbClr val="FF0000"/>
-                </a:solidFill>
-              </a:rPr>
-              <a:t>И</a:t>
-            </a:r>
-            <a:r>
-              <a:rPr lang="ru-RU" sz="3200" dirty="0" smtClean="0">
-                <a:solidFill>
-                  <a:srgbClr val="FF0000"/>
-                </a:solidFill>
-              </a:rPr>
-              <a:t>зобилие </a:t>
-            </a:r>
-            <a:r>
-              <a:rPr lang="ru-RU" sz="3200" dirty="0">
-                <a:solidFill>
-                  <a:srgbClr val="FF0000"/>
-                </a:solidFill>
-              </a:rPr>
-              <a:t>лишней </a:t>
-            </a:r>
-            <a:r>
-              <a:rPr lang="ru-RU" sz="3200" dirty="0" smtClean="0">
-                <a:solidFill>
-                  <a:srgbClr val="FF0000"/>
-                </a:solidFill>
-              </a:rPr>
-              <a:t>анимации</a:t>
-            </a:r>
-          </a:p>
-          <a:p>
-            <a:r>
-              <a:rPr lang="ru-RU" sz="3200" dirty="0" smtClean="0">
-                <a:solidFill>
-                  <a:srgbClr val="FF0000"/>
-                </a:solidFill>
-              </a:rPr>
-              <a:t>– Очень </a:t>
-            </a:r>
-            <a:r>
-              <a:rPr lang="ru-RU" sz="3200" dirty="0">
-                <a:solidFill>
-                  <a:srgbClr val="FF0000"/>
-                </a:solidFill>
-              </a:rPr>
-              <a:t>яркие </a:t>
-            </a:r>
-            <a:r>
-              <a:rPr lang="ru-RU" sz="3200" dirty="0" smtClean="0">
-                <a:solidFill>
-                  <a:srgbClr val="FF0000"/>
-                </a:solidFill>
-              </a:rPr>
-              <a:t>цвета </a:t>
-            </a:r>
-          </a:p>
-          <a:p>
-            <a:r>
-              <a:rPr lang="ru-RU" sz="3200" dirty="0">
-                <a:solidFill>
-                  <a:srgbClr val="FF0000"/>
-                </a:solidFill>
-              </a:rPr>
-              <a:t>– </a:t>
-            </a:r>
-            <a:r>
-              <a:rPr lang="ru-RU" sz="3200" dirty="0" smtClean="0">
-                <a:solidFill>
-                  <a:srgbClr val="FF0000"/>
-                </a:solidFill>
-              </a:rPr>
-              <a:t>Низкая производительность</a:t>
-            </a:r>
-            <a:endParaRPr lang="ru-RU" sz="3200" dirty="0" smtClean="0">
-              <a:solidFill>
-                <a:srgbClr val="FF0000"/>
+                <a:schemeClr val="tx2">
+                  <a:lumMod val="25000"/>
+                </a:schemeClr>
               </a:solidFill>
               <a:effectLst>
                 <a:outerShdw blurRad="38100" dist="38100" dir="2700000" algn="tl">
@@ -12613,74 +10821,313 @@
           </a:p>
         </p:txBody>
       </p:sp>
-      <p:pic>
-        <p:nvPicPr>
-          <p:cNvPr id="10242" name="Picture 2"/>
-          <p:cNvPicPr>
-            <a:picLocks noChangeAspect="1" noChangeArrowheads="1"/>
-          </p:cNvPicPr>
+      <p:sp>
+        <p:nvSpPr>
+          <p:cNvPr id="12" name="TextBox 11"/>
+          <p:cNvSpPr txBox="1"/>
           <p:nvPr/>
-        </p:nvPicPr>
-        <p:blipFill>
-          <a:blip r:embed="rId2">
-            <a:extLst>
-              <a:ext uri="{28A0092B-C50C-407E-A947-70E740481C1C}">
-                <a14:useLocalDpi xmlns:a14="http://schemas.microsoft.com/office/drawing/2010/main" val="0"/>
-              </a:ext>
-            </a:extLst>
-          </a:blip>
-          <a:srcRect/>
-          <a:stretch>
-            <a:fillRect/>
-          </a:stretch>
-        </p:blipFill>
-        <p:spPr bwMode="auto">
+        </p:nvSpPr>
+        <p:spPr>
           <a:xfrm>
-            <a:off x="1547813" y="1196975"/>
-            <a:ext cx="5950491" cy="2880097"/>
+            <a:off x="-1" y="1862916"/>
+            <a:ext cx="2339753" cy="646331"/>
           </a:xfrm>
           <a:prstGeom prst="rect">
             <a:avLst/>
           </a:prstGeom>
           <a:noFill/>
-          <a:ln>
-            <a:noFill/>
-          </a:ln>
-          <a:effectLst/>
-          <a:extLst>
-            <a:ext uri="{909E8E84-426E-40DD-AFC4-6F175D3DCCD1}">
-              <a14:hiddenFill xmlns:a14="http://schemas.microsoft.com/office/drawing/2010/main">
-                <a:solidFill>
-                  <a:schemeClr val="accent1"/>
-                </a:solidFill>
-              </a14:hiddenFill>
-            </a:ext>
-            <a:ext uri="{91240B29-F687-4F45-9708-019B960494DF}">
-              <a14:hiddenLine xmlns:a14="http://schemas.microsoft.com/office/drawing/2010/main" w="9525">
-                <a:solidFill>
-                  <a:schemeClr val="tx1"/>
-                </a:solidFill>
-                <a:miter lim="800000"/>
-                <a:headEnd/>
-                <a:tailEnd/>
-              </a14:hiddenLine>
-            </a:ext>
-            <a:ext uri="{AF507438-7753-43E0-B8FC-AC1667EBCBE1}">
-              <a14:hiddenEffects xmlns:a14="http://schemas.microsoft.com/office/drawing/2010/main">
+        </p:spPr>
+        <p:txBody>
+          <a:bodyPr wrap="square" rtlCol="0" anchor="ctr">
+            <a:spAutoFit/>
+          </a:bodyPr>
+          <a:lstStyle/>
+          <a:p>
+            <a:pPr algn="ctr"/>
+            <a:r>
+              <a:rPr lang="en-US" sz="3600" dirty="0" smtClean="0">
+                <a:solidFill>
+                  <a:schemeClr val="tx2">
+                    <a:lumMod val="25000"/>
+                  </a:schemeClr>
+                </a:solidFill>
                 <a:effectLst>
-                  <a:outerShdw dist="35921" dir="2700000" algn="ctr" rotWithShape="0">
-                    <a:schemeClr val="bg2"/>
+                  <a:outerShdw blurRad="38100" dist="38100" dir="2700000" algn="tl">
+                    <a:srgbClr val="000000">
+                      <a:alpha val="43137"/>
+                    </a:srgbClr>
                   </a:outerShdw>
                 </a:effectLst>
-              </a14:hiddenEffects>
-            </a:ext>
-          </a:extLst>
+                <a:latin typeface="Calibri" pitchFamily="34" charset="0"/>
+                <a:cs typeface="Calibri" pitchFamily="34" charset="0"/>
+              </a:rPr>
+              <a:t>PHP</a:t>
+            </a:r>
+            <a:endParaRPr lang="ru-RU" sz="3600" dirty="0">
+              <a:solidFill>
+                <a:schemeClr val="tx2">
+                  <a:lumMod val="25000"/>
+                </a:schemeClr>
+              </a:solidFill>
+              <a:effectLst>
+                <a:outerShdw blurRad="38100" dist="38100" dir="2700000" algn="tl">
+                  <a:srgbClr val="000000">
+                    <a:alpha val="43137"/>
+                  </a:srgbClr>
+                </a:outerShdw>
+              </a:effectLst>
+              <a:latin typeface="Calibri" pitchFamily="34" charset="0"/>
+              <a:cs typeface="Calibri" pitchFamily="34" charset="0"/>
+            </a:endParaRPr>
+          </a:p>
+        </p:txBody>
+      </p:sp>
+      <p:sp>
+        <p:nvSpPr>
+          <p:cNvPr id="13" name="TextBox 12"/>
+          <p:cNvSpPr txBox="1"/>
+          <p:nvPr/>
+        </p:nvSpPr>
+        <p:spPr>
+          <a:xfrm>
+            <a:off x="0" y="4366647"/>
+            <a:ext cx="2339752" cy="1754326"/>
+          </a:xfrm>
+          <a:prstGeom prst="rect">
+            <a:avLst/>
+          </a:prstGeom>
+          <a:noFill/>
         </p:spPr>
-      </p:pic>
+        <p:txBody>
+          <a:bodyPr wrap="square" rtlCol="0" anchor="ctr">
+            <a:spAutoFit/>
+          </a:bodyPr>
+          <a:lstStyle/>
+          <a:p>
+            <a:pPr algn="ctr"/>
+            <a:r>
+              <a:rPr lang="en-US" sz="3600" dirty="0" smtClean="0">
+                <a:solidFill>
+                  <a:schemeClr val="tx2">
+                    <a:lumMod val="25000"/>
+                  </a:schemeClr>
+                </a:solidFill>
+                <a:effectLst>
+                  <a:outerShdw blurRad="38100" dist="38100" dir="2700000" algn="tl">
+                    <a:srgbClr val="000000">
+                      <a:alpha val="43137"/>
+                    </a:srgbClr>
+                  </a:outerShdw>
+                </a:effectLst>
+                <a:latin typeface="Calibri" pitchFamily="34" charset="0"/>
+                <a:cs typeface="Calibri" pitchFamily="34" charset="0"/>
+              </a:rPr>
+              <a:t>JavaScript</a:t>
+            </a:r>
+          </a:p>
+          <a:p>
+            <a:pPr algn="ctr"/>
+            <a:r>
+              <a:rPr lang="en-US" sz="3600" dirty="0" smtClean="0">
+                <a:solidFill>
+                  <a:schemeClr val="tx2">
+                    <a:lumMod val="25000"/>
+                  </a:schemeClr>
+                </a:solidFill>
+                <a:effectLst>
+                  <a:outerShdw blurRad="38100" dist="38100" dir="2700000" algn="tl">
+                    <a:srgbClr val="000000">
+                      <a:alpha val="43137"/>
+                    </a:srgbClr>
+                  </a:outerShdw>
+                </a:effectLst>
+                <a:latin typeface="Calibri" pitchFamily="34" charset="0"/>
+                <a:cs typeface="Calibri" pitchFamily="34" charset="0"/>
+              </a:rPr>
+              <a:t>HTML</a:t>
+            </a:r>
+          </a:p>
+          <a:p>
+            <a:pPr algn="ctr"/>
+            <a:r>
+              <a:rPr lang="en-US" sz="3600" dirty="0" smtClean="0">
+                <a:solidFill>
+                  <a:schemeClr val="tx2">
+                    <a:lumMod val="25000"/>
+                  </a:schemeClr>
+                </a:solidFill>
+                <a:effectLst>
+                  <a:outerShdw blurRad="38100" dist="38100" dir="2700000" algn="tl">
+                    <a:srgbClr val="000000">
+                      <a:alpha val="43137"/>
+                    </a:srgbClr>
+                  </a:outerShdw>
+                </a:effectLst>
+                <a:latin typeface="Calibri" pitchFamily="34" charset="0"/>
+                <a:cs typeface="Calibri" pitchFamily="34" charset="0"/>
+              </a:rPr>
+              <a:t>CSS</a:t>
+            </a:r>
+            <a:endParaRPr lang="ru-RU" sz="3600" dirty="0">
+              <a:solidFill>
+                <a:schemeClr val="tx2">
+                  <a:lumMod val="25000"/>
+                </a:schemeClr>
+              </a:solidFill>
+              <a:effectLst>
+                <a:outerShdw blurRad="38100" dist="38100" dir="2700000" algn="tl">
+                  <a:srgbClr val="000000">
+                    <a:alpha val="43137"/>
+                  </a:srgbClr>
+                </a:outerShdw>
+              </a:effectLst>
+              <a:latin typeface="Calibri" pitchFamily="34" charset="0"/>
+              <a:cs typeface="Calibri" pitchFamily="34" charset="0"/>
+            </a:endParaRPr>
+          </a:p>
+        </p:txBody>
+      </p:sp>
+      <p:sp>
+        <p:nvSpPr>
+          <p:cNvPr id="14" name="TextBox 13"/>
+          <p:cNvSpPr txBox="1"/>
+          <p:nvPr/>
+        </p:nvSpPr>
+        <p:spPr>
+          <a:xfrm>
+            <a:off x="6200826" y="3748388"/>
+            <a:ext cx="2952328" cy="1200329"/>
+          </a:xfrm>
+          <a:prstGeom prst="rect">
+            <a:avLst/>
+          </a:prstGeom>
+          <a:noFill/>
+        </p:spPr>
+        <p:txBody>
+          <a:bodyPr wrap="square" rtlCol="0" anchor="ctr">
+            <a:spAutoFit/>
+          </a:bodyPr>
+          <a:lstStyle/>
+          <a:p>
+            <a:pPr algn="ctr"/>
+            <a:r>
+              <a:rPr lang="ru-RU" sz="3600" dirty="0" smtClean="0">
+                <a:solidFill>
+                  <a:schemeClr val="tx2">
+                    <a:lumMod val="25000"/>
+                  </a:schemeClr>
+                </a:solidFill>
+                <a:effectLst>
+                  <a:outerShdw blurRad="38100" dist="38100" dir="2700000" algn="tl">
+                    <a:srgbClr val="000000">
+                      <a:alpha val="43137"/>
+                    </a:srgbClr>
+                  </a:outerShdw>
+                </a:effectLst>
+                <a:latin typeface="Calibri" pitchFamily="34" charset="0"/>
+                <a:cs typeface="Calibri" pitchFamily="34" charset="0"/>
+              </a:rPr>
+              <a:t>База данных: </a:t>
+            </a:r>
+            <a:r>
+              <a:rPr lang="en-US" sz="3600" dirty="0" smtClean="0">
+                <a:solidFill>
+                  <a:schemeClr val="tx2">
+                    <a:lumMod val="25000"/>
+                  </a:schemeClr>
+                </a:solidFill>
+                <a:effectLst>
+                  <a:outerShdw blurRad="38100" dist="38100" dir="2700000" algn="tl">
+                    <a:srgbClr val="000000">
+                      <a:alpha val="43137"/>
+                    </a:srgbClr>
+                  </a:outerShdw>
+                </a:effectLst>
+                <a:latin typeface="Calibri" pitchFamily="34" charset="0"/>
+                <a:cs typeface="Calibri" pitchFamily="34" charset="0"/>
+              </a:rPr>
+              <a:t>MySQL</a:t>
+            </a:r>
+            <a:endParaRPr lang="ru-RU" sz="3600" dirty="0" smtClean="0">
+              <a:solidFill>
+                <a:schemeClr val="tx2">
+                  <a:lumMod val="25000"/>
+                </a:schemeClr>
+              </a:solidFill>
+              <a:effectLst>
+                <a:outerShdw blurRad="38100" dist="38100" dir="2700000" algn="tl">
+                  <a:srgbClr val="000000">
+                    <a:alpha val="43137"/>
+                  </a:srgbClr>
+                </a:outerShdw>
+              </a:effectLst>
+              <a:latin typeface="Calibri" pitchFamily="34" charset="0"/>
+              <a:cs typeface="Calibri" pitchFamily="34" charset="0"/>
+            </a:endParaRPr>
+          </a:p>
+        </p:txBody>
+      </p:sp>
+      <p:graphicFrame>
+        <p:nvGraphicFramePr>
+          <p:cNvPr id="2" name="Объект 1"/>
+          <p:cNvGraphicFramePr>
+            <a:graphicFrameLocks noChangeAspect="1"/>
+          </p:cNvGraphicFramePr>
+          <p:nvPr>
+            <p:extLst>
+              <p:ext uri="{D42A27DB-BD31-4B8C-83A1-F6EECF244321}">
+                <p14:modId xmlns:p14="http://schemas.microsoft.com/office/powerpoint/2010/main" val="450149995"/>
+              </p:ext>
+            </p:extLst>
+          </p:nvPr>
+        </p:nvGraphicFramePr>
+        <p:xfrm>
+          <a:off x="2314625" y="1055688"/>
+          <a:ext cx="4514751" cy="5571236"/>
+        </p:xfrm>
+        <a:graphic>
+          <a:graphicData uri="http://schemas.openxmlformats.org/presentationml/2006/ole">
+            <mc:AlternateContent xmlns:mc="http://schemas.openxmlformats.org/markup-compatibility/2006">
+              <mc:Choice xmlns:v="urn:schemas-microsoft-com:vml" Requires="v">
+                <p:oleObj spid="_x0000_s14346" name="Visio" r:id="rId3" imgW="3846693" imgH="4746600" progId="Visio.Drawing.11">
+                  <p:embed/>
+                </p:oleObj>
+              </mc:Choice>
+              <mc:Fallback>
+                <p:oleObj name="Visio" r:id="rId3" imgW="3846693" imgH="4746600" progId="Visio.Drawing.11">
+                  <p:embed/>
+                  <p:pic>
+                    <p:nvPicPr>
+                      <p:cNvPr id="0" name=""/>
+                      <p:cNvPicPr/>
+                      <p:nvPr/>
+                    </p:nvPicPr>
+                    <p:blipFill>
+                      <a:blip r:embed="rId4"/>
+                      <a:stretch>
+                        <a:fillRect/>
+                      </a:stretch>
+                    </p:blipFill>
+                    <p:spPr>
+                      <a:xfrm>
+                        <a:off x="2314625" y="1055688"/>
+                        <a:ext cx="4514751" cy="5571236"/>
+                      </a:xfrm>
+                      <a:prstGeom prst="rect">
+                        <a:avLst/>
+                      </a:prstGeom>
+                    </p:spPr>
+                  </p:pic>
+                </p:oleObj>
+              </mc:Fallback>
+            </mc:AlternateContent>
+          </a:graphicData>
+        </a:graphic>
+      </p:graphicFrame>
     </p:spTree>
     <p:extLst>
       <p:ext uri="{BB962C8B-B14F-4D97-AF65-F5344CB8AC3E}">
-        <p14:creationId xmlns:p14="http://schemas.microsoft.com/office/powerpoint/2010/main" val="1617243140"/>
+        <p14:creationId xmlns:p14="http://schemas.microsoft.com/office/powerpoint/2010/main" val="1051544388"/>
       </p:ext>
     </p:extLst>
   </p:cSld>
@@ -12690,9 +11137,249 @@
   <p:timing>
     <p:tnLst>
       <p:par>
-        <p:cTn id="1" dur="indefinite" restart="never" nodeType="tmRoot"/>
+        <p:cTn id="1" dur="indefinite" restart="never" nodeType="tmRoot">
+          <p:childTnLst>
+            <p:seq concurrent="1" nextAc="seek">
+              <p:cTn id="2" dur="indefinite" nodeType="mainSeq">
+                <p:childTnLst>
+                  <p:par>
+                    <p:cTn id="3" fill="hold">
+                      <p:stCondLst>
+                        <p:cond delay="indefinite"/>
+                      </p:stCondLst>
+                      <p:childTnLst>
+                        <p:par>
+                          <p:cTn id="4" fill="hold">
+                            <p:stCondLst>
+                              <p:cond delay="0"/>
+                            </p:stCondLst>
+                            <p:childTnLst>
+                              <p:par>
+                                <p:cTn id="5" presetID="10" presetClass="entr" presetSubtype="0" fill="hold" nodeType="clickEffect">
+                                  <p:stCondLst>
+                                    <p:cond delay="0"/>
+                                  </p:stCondLst>
+                                  <p:childTnLst>
+                                    <p:set>
+                                      <p:cBhvr>
+                                        <p:cTn id="6" dur="1" fill="hold">
+                                          <p:stCondLst>
+                                            <p:cond delay="0"/>
+                                          </p:stCondLst>
+                                        </p:cTn>
+                                        <p:tgtEl>
+                                          <p:spTgt spid="2"/>
+                                        </p:tgtEl>
+                                        <p:attrNameLst>
+                                          <p:attrName>style.visibility</p:attrName>
+                                        </p:attrNameLst>
+                                      </p:cBhvr>
+                                      <p:to>
+                                        <p:strVal val="visible"/>
+                                      </p:to>
+                                    </p:set>
+                                    <p:animEffect transition="in" filter="fade">
+                                      <p:cBhvr>
+                                        <p:cTn id="7" dur="500"/>
+                                        <p:tgtEl>
+                                          <p:spTgt spid="2"/>
+                                        </p:tgtEl>
+                                      </p:cBhvr>
+                                    </p:animEffect>
+                                  </p:childTnLst>
+                                </p:cTn>
+                              </p:par>
+                            </p:childTnLst>
+                          </p:cTn>
+                        </p:par>
+                      </p:childTnLst>
+                    </p:cTn>
+                  </p:par>
+                  <p:par>
+                    <p:cTn id="8" fill="hold">
+                      <p:stCondLst>
+                        <p:cond delay="indefinite"/>
+                      </p:stCondLst>
+                      <p:childTnLst>
+                        <p:par>
+                          <p:cTn id="9" fill="hold">
+                            <p:stCondLst>
+                              <p:cond delay="0"/>
+                            </p:stCondLst>
+                            <p:childTnLst>
+                              <p:par>
+                                <p:cTn id="10" presetID="10" presetClass="entr" presetSubtype="0" fill="hold" grpId="0" nodeType="clickEffect">
+                                  <p:stCondLst>
+                                    <p:cond delay="0"/>
+                                  </p:stCondLst>
+                                  <p:childTnLst>
+                                    <p:set>
+                                      <p:cBhvr>
+                                        <p:cTn id="11" dur="1" fill="hold">
+                                          <p:stCondLst>
+                                            <p:cond delay="0"/>
+                                          </p:stCondLst>
+                                        </p:cTn>
+                                        <p:tgtEl>
+                                          <p:spTgt spid="12"/>
+                                        </p:tgtEl>
+                                        <p:attrNameLst>
+                                          <p:attrName>style.visibility</p:attrName>
+                                        </p:attrNameLst>
+                                      </p:cBhvr>
+                                      <p:to>
+                                        <p:strVal val="visible"/>
+                                      </p:to>
+                                    </p:set>
+                                    <p:animEffect transition="in" filter="fade">
+                                      <p:cBhvr>
+                                        <p:cTn id="12" dur="500"/>
+                                        <p:tgtEl>
+                                          <p:spTgt spid="12"/>
+                                        </p:tgtEl>
+                                      </p:cBhvr>
+                                    </p:animEffect>
+                                  </p:childTnLst>
+                                </p:cTn>
+                              </p:par>
+                            </p:childTnLst>
+                          </p:cTn>
+                        </p:par>
+                      </p:childTnLst>
+                    </p:cTn>
+                  </p:par>
+                  <p:par>
+                    <p:cTn id="13" fill="hold">
+                      <p:stCondLst>
+                        <p:cond delay="indefinite"/>
+                      </p:stCondLst>
+                      <p:childTnLst>
+                        <p:par>
+                          <p:cTn id="14" fill="hold">
+                            <p:stCondLst>
+                              <p:cond delay="0"/>
+                            </p:stCondLst>
+                            <p:childTnLst>
+                              <p:par>
+                                <p:cTn id="15" presetID="10" presetClass="entr" presetSubtype="0" fill="hold" grpId="0" nodeType="clickEffect">
+                                  <p:stCondLst>
+                                    <p:cond delay="0"/>
+                                  </p:stCondLst>
+                                  <p:childTnLst>
+                                    <p:set>
+                                      <p:cBhvr>
+                                        <p:cTn id="16" dur="1" fill="hold">
+                                          <p:stCondLst>
+                                            <p:cond delay="0"/>
+                                          </p:stCondLst>
+                                        </p:cTn>
+                                        <p:tgtEl>
+                                          <p:spTgt spid="13"/>
+                                        </p:tgtEl>
+                                        <p:attrNameLst>
+                                          <p:attrName>style.visibility</p:attrName>
+                                        </p:attrNameLst>
+                                      </p:cBhvr>
+                                      <p:to>
+                                        <p:strVal val="visible"/>
+                                      </p:to>
+                                    </p:set>
+                                    <p:animEffect transition="in" filter="fade">
+                                      <p:cBhvr>
+                                        <p:cTn id="17" dur="500"/>
+                                        <p:tgtEl>
+                                          <p:spTgt spid="13"/>
+                                        </p:tgtEl>
+                                      </p:cBhvr>
+                                    </p:animEffect>
+                                  </p:childTnLst>
+                                </p:cTn>
+                              </p:par>
+                            </p:childTnLst>
+                          </p:cTn>
+                        </p:par>
+                      </p:childTnLst>
+                    </p:cTn>
+                  </p:par>
+                  <p:par>
+                    <p:cTn id="18" fill="hold">
+                      <p:stCondLst>
+                        <p:cond delay="indefinite"/>
+                      </p:stCondLst>
+                      <p:childTnLst>
+                        <p:par>
+                          <p:cTn id="19" fill="hold">
+                            <p:stCondLst>
+                              <p:cond delay="0"/>
+                            </p:stCondLst>
+                            <p:childTnLst>
+                              <p:par>
+                                <p:cTn id="20" presetID="10" presetClass="entr" presetSubtype="0" fill="hold" grpId="0" nodeType="clickEffect">
+                                  <p:stCondLst>
+                                    <p:cond delay="0"/>
+                                  </p:stCondLst>
+                                  <p:childTnLst>
+                                    <p:set>
+                                      <p:cBhvr>
+                                        <p:cTn id="21" dur="1" fill="hold">
+                                          <p:stCondLst>
+                                            <p:cond delay="0"/>
+                                          </p:stCondLst>
+                                        </p:cTn>
+                                        <p:tgtEl>
+                                          <p:spTgt spid="14"/>
+                                        </p:tgtEl>
+                                        <p:attrNameLst>
+                                          <p:attrName>style.visibility</p:attrName>
+                                        </p:attrNameLst>
+                                      </p:cBhvr>
+                                      <p:to>
+                                        <p:strVal val="visible"/>
+                                      </p:to>
+                                    </p:set>
+                                    <p:animEffect transition="in" filter="fade">
+                                      <p:cBhvr>
+                                        <p:cTn id="22" dur="500"/>
+                                        <p:tgtEl>
+                                          <p:spTgt spid="14"/>
+                                        </p:tgtEl>
+                                      </p:cBhvr>
+                                    </p:animEffect>
+                                  </p:childTnLst>
+                                </p:cTn>
+                              </p:par>
+                            </p:childTnLst>
+                          </p:cTn>
+                        </p:par>
+                      </p:childTnLst>
+                    </p:cTn>
+                  </p:par>
+                </p:childTnLst>
+              </p:cTn>
+              <p:prevCondLst>
+                <p:cond evt="onPrev" delay="0">
+                  <p:tgtEl>
+                    <p:sldTgt/>
+                  </p:tgtEl>
+                </p:cond>
+              </p:prevCondLst>
+              <p:nextCondLst>
+                <p:cond evt="onNext" delay="0">
+                  <p:tgtEl>
+                    <p:sldTgt/>
+                  </p:tgtEl>
+                </p:cond>
+              </p:nextCondLst>
+            </p:seq>
+          </p:childTnLst>
+        </p:cTn>
       </p:par>
     </p:tnLst>
+    <p:bldLst>
+      <p:bldP spid="12" grpId="0"/>
+      <p:bldP spid="13" grpId="0"/>
+      <p:bldP spid="14" grpId="0"/>
+    </p:bldLst>
   </p:timing>
 </p:sld>
 </file>
@@ -12722,7 +11409,7 @@
         </p:nvSpPr>
         <p:spPr>
           <a:xfrm>
-            <a:off x="431540" y="1321633"/>
+            <a:off x="431540" y="332656"/>
             <a:ext cx="8280920" cy="830997"/>
           </a:xfrm>
           <a:prstGeom prst="rect">
@@ -12737,26 +11424,10 @@
           <a:lstStyle/>
           <a:p>
             <a:r>
-              <a:rPr lang="ru-RU" sz="4800" dirty="0" smtClean="0">
-                <a:effectLst>
-                  <a:outerShdw blurRad="38100" dist="38100" dir="2700000" algn="tl">
-                    <a:srgbClr val="000000">
-                      <a:alpha val="43137"/>
-                    </a:srgbClr>
-                  </a:outerShdw>
-                </a:effectLst>
-              </a:rPr>
-              <a:t>Общие недостатки:</a:t>
-            </a:r>
-            <a:endParaRPr lang="ru-RU" sz="4800" dirty="0">
-              <a:effectLst>
-                <a:outerShdw blurRad="38100" dist="38100" dir="2700000" algn="tl">
-                  <a:srgbClr val="000000">
-                    <a:alpha val="43137"/>
-                  </a:srgbClr>
-                </a:outerShdw>
-              </a:effectLst>
-            </a:endParaRPr>
+              <a:rPr lang="ru-RU" sz="4800" dirty="0" smtClean="0"/>
+              <a:t>Используемые средства:</a:t>
+            </a:r>
+            <a:endParaRPr lang="ru-RU" sz="4800" dirty="0"/>
           </a:p>
         </p:txBody>
       </p:sp>
@@ -12768,8 +11439,8 @@
         </p:nvSpPr>
         <p:spPr>
           <a:xfrm>
-            <a:off x="323528" y="2981821"/>
-            <a:ext cx="8208912" cy="3046988"/>
+            <a:off x="91320" y="2030656"/>
+            <a:ext cx="9036496" cy="3046988"/>
           </a:xfrm>
           <a:prstGeom prst="rect">
             <a:avLst/>
@@ -12782,53 +11453,83 @@
           </a:bodyPr>
           <a:lstStyle/>
           <a:p>
-            <a:pPr lvl="0">
-              <a:lnSpc>
-                <a:spcPct val="150000"/>
-              </a:lnSpc>
-            </a:pPr>
+            <a:pPr lvl="0"/>
             <a:r>
               <a:rPr lang="ru-RU" sz="3200" dirty="0" smtClean="0"/>
-              <a:t>- перегруженность </a:t>
+              <a:t>- Веб сервер</a:t>
+            </a:r>
+            <a:r>
+              <a:rPr lang="en-US" sz="3200" dirty="0" smtClean="0"/>
+              <a:t>;</a:t>
+            </a:r>
+            <a:endParaRPr lang="ru-RU" sz="3200" dirty="0" smtClean="0"/>
+          </a:p>
+          <a:p>
+            <a:pPr lvl="0"/>
+            <a:r>
+              <a:rPr lang="ru-RU" sz="3200" dirty="0" smtClean="0"/>
+              <a:t>- Среды разработки</a:t>
+            </a:r>
+            <a:r>
+              <a:rPr lang="en-US" sz="3200" dirty="0" smtClean="0"/>
+              <a:t>;</a:t>
+            </a:r>
+            <a:endParaRPr lang="ru-RU" sz="3200" dirty="0" smtClean="0"/>
+          </a:p>
+          <a:p>
+            <a:pPr lvl="0"/>
+            <a:r>
+              <a:rPr lang="ru-RU" sz="3200" dirty="0" smtClean="0"/>
+              <a:t>- Средства </a:t>
             </a:r>
             <a:r>
               <a:rPr lang="ru-RU" sz="3200" dirty="0"/>
-              <a:t>интерфейса</a:t>
-            </a:r>
-          </a:p>
-          <a:p>
-            <a:pPr lvl="0">
-              <a:lnSpc>
-                <a:spcPct val="150000"/>
-              </a:lnSpc>
-            </a:pPr>
+              <a:t>отладки программного </a:t>
+            </a:r>
             <a:r>
               <a:rPr lang="ru-RU" sz="3200" dirty="0" smtClean="0"/>
-              <a:t>- отсутствие </a:t>
+              <a:t>кода</a:t>
+            </a:r>
+            <a:r>
+              <a:rPr lang="en-US" sz="3200" dirty="0" smtClean="0"/>
+              <a:t>;</a:t>
+            </a:r>
+            <a:endParaRPr lang="ru-RU" sz="3200" dirty="0"/>
+          </a:p>
+          <a:p>
+            <a:pPr lvl="0"/>
+            <a:r>
+              <a:rPr lang="ru-RU" sz="3200" dirty="0" smtClean="0"/>
+              <a:t>- Системы </a:t>
             </a:r>
             <a:r>
               <a:rPr lang="ru-RU" sz="3200" dirty="0"/>
-              <a:t>русского языка в интерфейсе</a:t>
-            </a:r>
-          </a:p>
-          <a:p>
-            <a:pPr lvl="0">
-              <a:lnSpc>
-                <a:spcPct val="150000"/>
-              </a:lnSpc>
-            </a:pPr>
+              <a:t>контроля версий программного </a:t>
+            </a:r>
             <a:r>
               <a:rPr lang="ru-RU" sz="3200" dirty="0" smtClean="0"/>
-              <a:t>- низкая </a:t>
-            </a:r>
-            <a:r>
-              <a:rPr lang="ru-RU" sz="3200" dirty="0"/>
-              <a:t>производительность из-за сложных запросов к базе </a:t>
-            </a:r>
+              <a:t>кода</a:t>
+            </a:r>
+            <a:r>
+              <a:rPr lang="en-US" sz="3200" dirty="0" smtClean="0"/>
+              <a:t>;</a:t>
+            </a:r>
+            <a:endParaRPr lang="ru-RU" sz="3200" dirty="0"/>
+          </a:p>
+          <a:p>
+            <a:pPr lvl="0"/>
             <a:r>
               <a:rPr lang="ru-RU" sz="3200" dirty="0" smtClean="0"/>
-              <a:t>данных</a:t>
-            </a:r>
+              <a:t>- Вспомогательные средства</a:t>
+            </a:r>
+            <a:r>
+              <a:rPr lang="en-US" sz="3200" dirty="0" smtClean="0"/>
+              <a:t>.</a:t>
+            </a:r>
+            <a:endParaRPr lang="ru-RU" sz="3200" dirty="0"/>
+          </a:p>
+          <a:p>
+            <a:pPr lvl="0"/>
             <a:endParaRPr lang="ru-RU" sz="3200" dirty="0"/>
           </a:p>
         </p:txBody>
@@ -12836,7 +11537,7 @@
     </p:spTree>
     <p:extLst>
       <p:ext uri="{BB962C8B-B14F-4D97-AF65-F5344CB8AC3E}">
-        <p14:creationId xmlns:p14="http://schemas.microsoft.com/office/powerpoint/2010/main" val="4182994554"/>
+        <p14:creationId xmlns:p14="http://schemas.microsoft.com/office/powerpoint/2010/main" val="1468609376"/>
       </p:ext>
     </p:extLst>
   </p:cSld>
@@ -12878,7 +11579,7 @@
         </p:nvSpPr>
         <p:spPr>
           <a:xfrm>
-            <a:off x="431540" y="481232"/>
+            <a:off x="431540" y="332656"/>
             <a:ext cx="8280920" cy="830997"/>
           </a:xfrm>
           <a:prstGeom prst="rect">
@@ -12893,26 +11594,10 @@
           <a:lstStyle/>
           <a:p>
             <a:r>
-              <a:rPr lang="ru-RU" sz="4800" dirty="0" smtClean="0">
-                <a:effectLst>
-                  <a:outerShdw blurRad="38100" dist="38100" dir="2700000" algn="tl">
-                    <a:srgbClr val="000000">
-                      <a:alpha val="43137"/>
-                    </a:srgbClr>
-                  </a:outerShdw>
-                </a:effectLst>
-              </a:rPr>
-              <a:t>Постановка задачи</a:t>
-            </a:r>
-            <a:endParaRPr lang="ru-RU" sz="4800" dirty="0">
-              <a:effectLst>
-                <a:outerShdw blurRad="38100" dist="38100" dir="2700000" algn="tl">
-                  <a:srgbClr val="000000">
-                    <a:alpha val="43137"/>
-                  </a:srgbClr>
-                </a:outerShdw>
-              </a:effectLst>
-            </a:endParaRPr>
+              <a:rPr lang="ru-RU" sz="4800" dirty="0" smtClean="0"/>
+              <a:t>Веб сервер</a:t>
+            </a:r>
+            <a:endParaRPr lang="ru-RU" sz="4800" dirty="0"/>
           </a:p>
         </p:txBody>
       </p:sp>
@@ -12924,8 +11609,8 @@
         </p:nvSpPr>
         <p:spPr>
           <a:xfrm>
-            <a:off x="107504" y="1793461"/>
-            <a:ext cx="9036496" cy="4583306"/>
+            <a:off x="69116" y="5013176"/>
+            <a:ext cx="9036496" cy="1569660"/>
           </a:xfrm>
           <a:prstGeom prst="rect">
             <a:avLst/>
@@ -12938,161 +11623,102 @@
           </a:bodyPr>
           <a:lstStyle/>
           <a:p>
-            <a:pPr>
-              <a:lnSpc>
-                <a:spcPct val="114000"/>
-              </a:lnSpc>
-            </a:pPr>
+            <a:pPr lvl="0"/>
             <a:r>
               <a:rPr lang="ru-RU" sz="3200" dirty="0" smtClean="0"/>
-              <a:t>Реализовать </a:t>
-            </a:r>
-            <a:r>
-              <a:rPr lang="ru-RU" sz="3200" dirty="0" err="1" smtClean="0"/>
-              <a:t>форумную</a:t>
-            </a:r>
-            <a:r>
-              <a:rPr lang="ru-RU" sz="3200" dirty="0" smtClean="0"/>
-              <a:t> </a:t>
-            </a:r>
-            <a:r>
-              <a:rPr lang="en-US" sz="3200" dirty="0" smtClean="0"/>
-              <a:t>CMS</a:t>
-            </a:r>
-            <a:r>
-              <a:rPr lang="ru-RU" sz="3200" dirty="0" smtClean="0"/>
+              <a:t>XAMPP </a:t>
+            </a:r>
+            <a:r>
+              <a:rPr lang="ru-RU" sz="3200" dirty="0"/>
+              <a:t>— кроссплатформенная сборка веб-сервера, содержащая </a:t>
+            </a:r>
+            <a:r>
+              <a:rPr lang="ru-RU" sz="3200" dirty="0" err="1"/>
+              <a:t>Apache</a:t>
+            </a:r>
+            <a:r>
+              <a:rPr lang="ru-RU" sz="3200" dirty="0"/>
               <a:t>, </a:t>
             </a:r>
             <a:r>
+              <a:rPr lang="ru-RU" sz="3200" dirty="0" err="1"/>
+              <a:t>MySQL</a:t>
+            </a:r>
+            <a:r>
               <a:rPr lang="ru-RU" sz="3200" dirty="0"/>
-              <a:t>удовлетворяющую следующим </a:t>
-            </a:r>
-            <a:r>
-              <a:rPr lang="ru-RU" sz="3200" dirty="0" smtClean="0"/>
-              <a:t>требованиям:</a:t>
-            </a:r>
-          </a:p>
-          <a:p>
-            <a:pPr>
-              <a:lnSpc>
-                <a:spcPct val="114000"/>
-              </a:lnSpc>
-            </a:pPr>
-            <a:r>
-              <a:rPr lang="ru-RU" sz="3200" dirty="0" smtClean="0"/>
-              <a:t>- </a:t>
-            </a:r>
-            <a:r>
-              <a:rPr lang="ru-RU" sz="3200" dirty="0" smtClean="0"/>
-              <a:t>русскоязычный </a:t>
-            </a:r>
-            <a:r>
-              <a:rPr lang="ru-RU" sz="3200" dirty="0" smtClean="0"/>
-              <a:t>интерфейс</a:t>
-            </a:r>
-            <a:endParaRPr lang="ru-RU" sz="3200" dirty="0"/>
-          </a:p>
-          <a:p>
-            <a:pPr>
-              <a:lnSpc>
-                <a:spcPct val="114000"/>
-              </a:lnSpc>
-            </a:pPr>
-            <a:r>
-              <a:rPr lang="ru-RU" sz="3200" dirty="0" smtClean="0"/>
-              <a:t>- отсутствие перегруженности </a:t>
-            </a:r>
-            <a:r>
-              <a:rPr lang="ru-RU" sz="3200" dirty="0" smtClean="0"/>
-              <a:t>интерфейса</a:t>
-            </a:r>
-            <a:endParaRPr lang="ru-RU" sz="3200" dirty="0"/>
-          </a:p>
-          <a:p>
-            <a:pPr>
-              <a:lnSpc>
-                <a:spcPct val="114000"/>
-              </a:lnSpc>
-            </a:pPr>
-            <a:r>
-              <a:rPr lang="ru-RU" sz="3200" dirty="0" smtClean="0"/>
-              <a:t>- основн</a:t>
-            </a:r>
-            <a:r>
-              <a:rPr lang="ru-RU" sz="3200" dirty="0"/>
-              <a:t>ы</a:t>
-            </a:r>
-            <a:r>
-              <a:rPr lang="ru-RU" sz="3200" dirty="0" smtClean="0"/>
-              <a:t>е </a:t>
-            </a:r>
-            <a:r>
-              <a:rPr lang="ru-RU" sz="3200" dirty="0"/>
-              <a:t>функции </a:t>
-            </a:r>
-            <a:r>
-              <a:rPr lang="ru-RU" sz="3200" dirty="0" smtClean="0"/>
-              <a:t>форума</a:t>
-            </a:r>
-            <a:endParaRPr lang="ru-RU" sz="3200" dirty="0"/>
-          </a:p>
-          <a:p>
-            <a:pPr>
-              <a:lnSpc>
-                <a:spcPct val="114000"/>
-              </a:lnSpc>
-            </a:pPr>
-            <a:r>
-              <a:rPr lang="ru-RU" sz="3200" dirty="0" smtClean="0"/>
-              <a:t>- идентификация пользователя в </a:t>
-            </a:r>
-            <a:r>
-              <a:rPr lang="ru-RU" sz="3200" dirty="0" smtClean="0"/>
-              <a:t>системе</a:t>
-            </a:r>
-            <a:endParaRPr lang="ru-RU" sz="3200" dirty="0"/>
-          </a:p>
-          <a:p>
-            <a:pPr>
-              <a:lnSpc>
-                <a:spcPct val="114000"/>
-              </a:lnSpc>
-            </a:pPr>
-            <a:r>
-              <a:rPr lang="ru-RU" sz="3200" dirty="0" smtClean="0"/>
-              <a:t>- разделение </a:t>
-            </a:r>
-            <a:r>
-              <a:rPr lang="ru-RU" sz="3200" dirty="0"/>
-              <a:t>прав </a:t>
-            </a:r>
-            <a:r>
-              <a:rPr lang="ru-RU" sz="3200" dirty="0" smtClean="0"/>
-              <a:t>пользователей</a:t>
-            </a:r>
-            <a:r>
-              <a:rPr lang="ru-RU" sz="3200" dirty="0" smtClean="0"/>
-              <a:t/>
-            </a:r>
-            <a:br>
-              <a:rPr lang="ru-RU" sz="3200" dirty="0" smtClean="0"/>
-            </a:br>
-            <a:r>
-              <a:rPr lang="ru-RU" sz="3200" dirty="0" smtClean="0"/>
-              <a:t>- функции </a:t>
-            </a:r>
-            <a:r>
-              <a:rPr lang="ru-RU" sz="3200" dirty="0" smtClean="0"/>
-              <a:t>администрирования</a:t>
-            </a:r>
-            <a:endParaRPr lang="ru-RU" sz="3200" dirty="0" smtClean="0"/>
-          </a:p>
-        </p:txBody>
-      </p:sp>
+              <a:t>, интерпретатор скриптов PHP</a:t>
+            </a:r>
+          </a:p>
+        </p:txBody>
+      </p:sp>
+      <p:pic>
+        <p:nvPicPr>
+          <p:cNvPr id="11266" name="Picture 2"/>
+          <p:cNvPicPr>
+            <a:picLocks noChangeAspect="1" noChangeArrowheads="1"/>
+          </p:cNvPicPr>
+          <p:nvPr/>
+        </p:nvPicPr>
+        <p:blipFill>
+          <a:blip r:embed="rId2">
+            <a:extLst>
+              <a:ext uri="{28A0092B-C50C-407E-A947-70E740481C1C}">
+                <a14:useLocalDpi xmlns:a14="http://schemas.microsoft.com/office/drawing/2010/main" val="0"/>
+              </a:ext>
+            </a:extLst>
+          </a:blip>
+          <a:srcRect/>
+          <a:stretch>
+            <a:fillRect/>
+          </a:stretch>
+        </p:blipFill>
+        <p:spPr bwMode="auto">
+          <a:xfrm>
+            <a:off x="2268538" y="1125538"/>
+            <a:ext cx="4327525" cy="3832225"/>
+          </a:xfrm>
+          <a:prstGeom prst="rect">
+            <a:avLst/>
+          </a:prstGeom>
+          <a:noFill/>
+          <a:ln>
+            <a:noFill/>
+          </a:ln>
+          <a:effectLst/>
+          <a:extLst>
+            <a:ext uri="{909E8E84-426E-40DD-AFC4-6F175D3DCCD1}">
+              <a14:hiddenFill xmlns:a14="http://schemas.microsoft.com/office/drawing/2010/main">
+                <a:solidFill>
+                  <a:schemeClr val="accent1"/>
+                </a:solidFill>
+              </a14:hiddenFill>
+            </a:ext>
+            <a:ext uri="{91240B29-F687-4F45-9708-019B960494DF}">
+              <a14:hiddenLine xmlns:a14="http://schemas.microsoft.com/office/drawing/2010/main" w="9525">
+                <a:solidFill>
+                  <a:schemeClr val="tx1"/>
+                </a:solidFill>
+                <a:miter lim="800000"/>
+                <a:headEnd/>
+                <a:tailEnd/>
+              </a14:hiddenLine>
+            </a:ext>
+            <a:ext uri="{AF507438-7753-43E0-B8FC-AC1667EBCBE1}">
+              <a14:hiddenEffects xmlns:a14="http://schemas.microsoft.com/office/drawing/2010/main">
+                <a:effectLst>
+                  <a:outerShdw dist="35921" dir="2700000" algn="ctr" rotWithShape="0">
+                    <a:schemeClr val="bg2"/>
+                  </a:outerShdw>
+                </a:effectLst>
+              </a14:hiddenEffects>
+            </a:ext>
+          </a:extLst>
+        </p:spPr>
+      </p:pic>
     </p:spTree>
     <p:extLst>
       <p:ext uri="{BB962C8B-B14F-4D97-AF65-F5344CB8AC3E}">
-        <p14:creationId xmlns:p14="http://schemas.microsoft.com/office/powerpoint/2010/main" val="3074632434"/>
+        <p14:creationId xmlns:p14="http://schemas.microsoft.com/office/powerpoint/2010/main" val="1762064774"/>
       </p:ext>
     </p:extLst>
   </p:cSld>
@@ -13112,9 +11738,9 @@
 <file path=ppt/theme/theme1.xml><?xml version="1.0" encoding="utf-8"?>
 <a:theme xmlns:a="http://schemas.openxmlformats.org/drawingml/2006/main" name="Базовая">
   <a:themeElements>
-    <a:clrScheme name="Другая 3">
+    <a:clrScheme name="Другая 1">
       <a:dk1>
-        <a:srgbClr val="242852"/>
+        <a:sysClr val="windowText" lastClr="000000"/>
       </a:dk1>
       <a:lt1>
         <a:sysClr val="window" lastClr="FFFFFF"/>

--- a/!docs/common.pptx
+++ b/!docs/common.pptx
@@ -2,37 +2,31 @@
 <file path=ppt/presentation.xml><?xml version="1.0" encoding="utf-8"?>
 <p:presentation xmlns:a="http://schemas.openxmlformats.org/drawingml/2006/main" xmlns:r="http://schemas.openxmlformats.org/officeDocument/2006/relationships" xmlns:p="http://schemas.openxmlformats.org/presentationml/2006/main" saveSubsetFonts="1">
   <p:sldMasterIdLst>
-    <p:sldMasterId id="2147483696" r:id="rId1"/>
+    <p:sldMasterId id="2147483708" r:id="rId1"/>
   </p:sldMasterIdLst>
   <p:sldIdLst>
-    <p:sldId id="309" r:id="rId2"/>
-    <p:sldId id="310" r:id="rId3"/>
-    <p:sldId id="311" r:id="rId4"/>
-    <p:sldId id="261" r:id="rId5"/>
+    <p:sldId id="256" r:id="rId2"/>
+    <p:sldId id="261" r:id="rId3"/>
+    <p:sldId id="257" r:id="rId4"/>
+    <p:sldId id="267" r:id="rId5"/>
     <p:sldId id="268" r:id="rId6"/>
     <p:sldId id="269" r:id="rId7"/>
-    <p:sldId id="312" r:id="rId8"/>
-    <p:sldId id="291" r:id="rId9"/>
-    <p:sldId id="292" r:id="rId10"/>
-    <p:sldId id="293" r:id="rId11"/>
-    <p:sldId id="294" r:id="rId12"/>
-    <p:sldId id="295" r:id="rId13"/>
-    <p:sldId id="296" r:id="rId14"/>
-    <p:sldId id="297" r:id="rId15"/>
-    <p:sldId id="313" r:id="rId16"/>
-    <p:sldId id="314" r:id="rId17"/>
-    <p:sldId id="315" r:id="rId18"/>
-    <p:sldId id="319" r:id="rId19"/>
-    <p:sldId id="298" r:id="rId20"/>
-    <p:sldId id="299" r:id="rId21"/>
-    <p:sldId id="316" r:id="rId22"/>
-    <p:sldId id="317" r:id="rId23"/>
-    <p:sldId id="300" r:id="rId24"/>
-    <p:sldId id="301" r:id="rId25"/>
-    <p:sldId id="302" r:id="rId26"/>
-    <p:sldId id="307" r:id="rId27"/>
-    <p:sldId id="308" r:id="rId28"/>
-    <p:sldId id="318" r:id="rId29"/>
+    <p:sldId id="258" r:id="rId8"/>
+    <p:sldId id="270" r:id="rId9"/>
+    <p:sldId id="259" r:id="rId10"/>
+    <p:sldId id="260" r:id="rId11"/>
+    <p:sldId id="262" r:id="rId12"/>
+    <p:sldId id="263" r:id="rId13"/>
+    <p:sldId id="271" r:id="rId14"/>
+    <p:sldId id="272" r:id="rId15"/>
+    <p:sldId id="264" r:id="rId16"/>
+    <p:sldId id="265" r:id="rId17"/>
+    <p:sldId id="273" r:id="rId18"/>
+    <p:sldId id="274" r:id="rId19"/>
+    <p:sldId id="275" r:id="rId20"/>
+    <p:sldId id="276" r:id="rId21"/>
+    <p:sldId id="277" r:id="rId22"/>
+    <p:sldId id="266" r:id="rId23"/>
   </p:sldIdLst>
   <p:sldSz cx="9144000" cy="6858000" type="screen4x3"/>
   <p:notesSz cx="6858000" cy="9144000"/>
@@ -134,72 +128,62 @@
   <p:extLst>
     <p:ext uri="{521415D9-36F7-43E2-AB2F-B90AF26B5E84}">
       <p14:sectionLst xmlns:p14="http://schemas.microsoft.com/office/powerpoint/2010/main">
-        <p14:section name="Заголовки" id="{F5D1D464-8675-4A77-B998-BF06C76A958E}">
+        <p14:section name="1(д). Введение, роль форума" id="{9A2C4EC1-0B96-4A85-A987-1AD03E60887F}">
           <p14:sldIdLst>
-            <p14:sldId id="309"/>
+            <p14:sldId id="256"/>
+            <p14:sldId id="261"/>
+            <p14:sldId id="257"/>
           </p14:sldIdLst>
         </p14:section>
-        <p14:section name="1д) Что такое CMS, основные понятия. Роль форума на современном этапе" id="{51B5F363-7A1B-4829-BF7A-4B06AA72B7F3}">
+        <p14:section name="2(с). Обзор продуктов. Постановка задачи" id="{564BAEDC-55DC-4594-9729-618C3CFF8BDD}">
           <p14:sldIdLst>
-            <p14:sldId id="310"/>
-            <p14:sldId id="311"/>
-          </p14:sldIdLst>
-        </p14:section>
-        <p14:section name="2с) Аналогичные продукты, их достоинства и недостатки, постановка нашей задачи" id="{753AA875-BC36-4318-9B50-6DB1398E2110}">
-          <p14:sldIdLst>
-            <p14:sldId id="261"/>
+            <p14:sldId id="267"/>
             <p14:sldId id="268"/>
             <p14:sldId id="269"/>
           </p14:sldIdLst>
         </p14:section>
-        <p14:section name="3д) Анализ использованных технологий" id="{A2434A8F-240A-40BE-B608-8623C7F61908}">
+        <p14:section name="3(д). Технологии" id="{31ED3D5B-3121-459A-93B5-C216F1EC7A07}">
           <p14:sldIdLst>
-            <p14:sldId id="312"/>
+            <p14:sldId id="258"/>
           </p14:sldIdLst>
         </p14:section>
-        <p14:section name="4с) Анализ и выбор средств" id="{3B18B4A9-CBEE-4C21-A74B-60843B6B25B5}">
+        <p14:section name="4(с). Используемые средства" id="{B74A3C53-EB95-4348-AE68-C01E7E61A684}">
           <p14:sldIdLst>
-            <p14:sldId id="291"/>
-            <p14:sldId id="292"/>
-            <p14:sldId id="293"/>
-            <p14:sldId id="294"/>
-            <p14:sldId id="295"/>
-            <p14:sldId id="296"/>
-            <p14:sldId id="297"/>
+            <p14:sldId id="270"/>
           </p14:sldIdLst>
         </p14:section>
-        <p14:section name="5д) Архитектура" id="{E5DDE096-B03B-4463-8A3F-95DC81E960E1}">
+        <p14:section name="5(д). Архитектура" id="{C614C2A5-F0BA-4BAF-9C5E-816FCD5ECAB3}">
           <p14:sldIdLst>
-            <p14:sldId id="313"/>
-            <p14:sldId id="314"/>
-            <p14:sldId id="315"/>
-            <p14:sldId id="319"/>
+            <p14:sldId id="259"/>
+            <p14:sldId id="260"/>
+            <p14:sldId id="262"/>
+            <p14:sldId id="263"/>
           </p14:sldIdLst>
         </p14:section>
-        <p14:section name="6с) Базы данных" id="{493FB7D1-C456-429C-AD85-80737B8C1226}">
+        <p14:section name="6(с). База данных" id="{9B15BBA6-6730-429B-931E-070C277B7A3D}">
           <p14:sldIdLst>
-            <p14:sldId id="298"/>
-            <p14:sldId id="299"/>
+            <p14:sldId id="271"/>
+            <p14:sldId id="272"/>
           </p14:sldIdLst>
         </p14:section>
-        <p14:section name="7д) Программные модули, внешний вид" id="{F89E3ACF-B6EF-4E4F-8AE1-B9B8BE2C4883}">
+        <p14:section name="7(д). Модули, внешний вид" id="{6802FB34-D349-4E83-8A47-2E8ACF8A29DC}">
           <p14:sldIdLst>
-            <p14:sldId id="316"/>
-            <p14:sldId id="317"/>
+            <p14:sldId id="264"/>
+            <p14:sldId id="265"/>
           </p14:sldIdLst>
         </p14:section>
-        <p14:section name="8с) Программные модули, безопасность" id="{65A17376-D27D-40C0-A3BC-9647606D1575}">
+        <p14:section name="8(с). Модули. проектирование безопасности" id="{31E849B0-B0D6-4FA6-937E-225CD66068E6}">
           <p14:sldIdLst>
-            <p14:sldId id="300"/>
-            <p14:sldId id="301"/>
-            <p14:sldId id="302"/>
-            <p14:sldId id="307"/>
-            <p14:sldId id="308"/>
+            <p14:sldId id="273"/>
+            <p14:sldId id="274"/>
+            <p14:sldId id="275"/>
+            <p14:sldId id="276"/>
+            <p14:sldId id="277"/>
           </p14:sldIdLst>
         </p14:section>
-        <p14:section name="9д) Подведение итогов работы" id="{2A1810A7-958F-45F6-A966-B5D3FD556F9C}">
+        <p14:section name="9(д). Заключение" id="{1457F40A-26B8-4D1B-9D6E-ED31B952BE68}">
           <p14:sldIdLst>
-            <p14:sldId id="318"/>
+            <p14:sldId id="266"/>
           </p14:sldIdLst>
         </p14:section>
       </p14:sectionLst>
@@ -249,6 +233,9 @@
           <a:p>
             <a:r>
               <a:rPr lang="en-US" sz="6600" dirty="0" smtClean="0">
+                <a:solidFill>
+                  <a:prstClr val="black"/>
+                </a:solidFill>
                 <a:effectLst>
                   <a:outerShdw blurRad="38100" dist="38100" dir="2700000" algn="tl">
                     <a:srgbClr val="000000">
@@ -256,11 +243,13 @@
                     </a:srgbClr>
                   </a:outerShdw>
                 </a:effectLst>
-                <a:latin typeface="+mn-lt"/>
               </a:rPr>
               <a:t>{</a:t>
             </a:r>
             <a:endParaRPr lang="en-US" sz="6600" dirty="0">
+              <a:solidFill>
+                <a:prstClr val="black"/>
+              </a:solidFill>
               <a:effectLst>
                 <a:outerShdw blurRad="38100" dist="38100" dir="2700000" algn="tl">
                   <a:srgbClr val="000000">
@@ -268,7 +257,6 @@
                   </a:srgbClr>
                 </a:outerShdw>
               </a:effectLst>
-              <a:latin typeface="+mn-lt"/>
             </a:endParaRPr>
           </a:p>
         </p:txBody>
@@ -444,10 +432,23 @@
           <a:lstStyle/>
           <a:p>
             <a:fld id="{F34D2577-27A9-48D8-B09C-5DF8AFE9C2EC}" type="datetimeFigureOut">
-              <a:rPr lang="ru-RU" smtClean="0"/>
-              <a:t>11.06.2012</a:t>
+              <a:rPr lang="ru-RU" smtClean="0">
+                <a:solidFill>
+                  <a:prstClr val="black">
+                    <a:alpha val="60000"/>
+                  </a:prstClr>
+                </a:solidFill>
+              </a:rPr>
+              <a:pPr/>
+              <a:t>12.06.2012</a:t>
             </a:fld>
-            <a:endParaRPr lang="ru-RU"/>
+            <a:endParaRPr lang="ru-RU">
+              <a:solidFill>
+                <a:prstClr val="black">
+                  <a:alpha val="60000"/>
+                </a:prstClr>
+              </a:solidFill>
+            </a:endParaRPr>
           </a:p>
         </p:txBody>
       </p:sp>
@@ -467,10 +468,23 @@
           <a:lstStyle/>
           <a:p>
             <a:fld id="{62FD049D-D713-4090-9976-7AFA76CAD437}" type="slidenum">
-              <a:rPr lang="ru-RU" smtClean="0"/>
+              <a:rPr lang="ru-RU" smtClean="0">
+                <a:solidFill>
+                  <a:prstClr val="black">
+                    <a:alpha val="60000"/>
+                  </a:prstClr>
+                </a:solidFill>
+              </a:rPr>
+              <a:pPr/>
               <a:t>‹#›</a:t>
             </a:fld>
-            <a:endParaRPr lang="ru-RU"/>
+            <a:endParaRPr lang="ru-RU">
+              <a:solidFill>
+                <a:prstClr val="black">
+                  <a:alpha val="60000"/>
+                </a:prstClr>
+              </a:solidFill>
+            </a:endParaRPr>
           </a:p>
         </p:txBody>
       </p:sp>
@@ -489,11 +503,22 @@
           <a:bodyPr/>
           <a:lstStyle/>
           <a:p>
-            <a:endParaRPr lang="ru-RU"/>
+            <a:endParaRPr lang="ru-RU">
+              <a:solidFill>
+                <a:prstClr val="black">
+                  <a:alpha val="60000"/>
+                </a:prstClr>
+              </a:solidFill>
+            </a:endParaRPr>
           </a:p>
         </p:txBody>
       </p:sp>
     </p:spTree>
+    <p:extLst>
+      <p:ext uri="{BB962C8B-B14F-4D97-AF65-F5344CB8AC3E}">
+        <p14:creationId xmlns:p14="http://schemas.microsoft.com/office/powerpoint/2010/main" val="1227986513"/>
+      </p:ext>
+    </p:extLst>
   </p:cSld>
   <p:clrMapOvr>
     <a:masterClrMapping/>
@@ -614,10 +639,23 @@
           <a:lstStyle/>
           <a:p>
             <a:fld id="{F34D2577-27A9-48D8-B09C-5DF8AFE9C2EC}" type="datetimeFigureOut">
-              <a:rPr lang="ru-RU" smtClean="0"/>
-              <a:t>11.06.2012</a:t>
+              <a:rPr lang="ru-RU" smtClean="0">
+                <a:solidFill>
+                  <a:prstClr val="black">
+                    <a:alpha val="60000"/>
+                  </a:prstClr>
+                </a:solidFill>
+              </a:rPr>
+              <a:pPr/>
+              <a:t>12.06.2012</a:t>
             </a:fld>
-            <a:endParaRPr lang="ru-RU"/>
+            <a:endParaRPr lang="ru-RU">
+              <a:solidFill>
+                <a:prstClr val="black">
+                  <a:alpha val="60000"/>
+                </a:prstClr>
+              </a:solidFill>
+            </a:endParaRPr>
           </a:p>
         </p:txBody>
       </p:sp>
@@ -636,7 +674,13 @@
           <a:bodyPr/>
           <a:lstStyle/>
           <a:p>
-            <a:endParaRPr lang="ru-RU"/>
+            <a:endParaRPr lang="ru-RU">
+              <a:solidFill>
+                <a:prstClr val="black">
+                  <a:alpha val="60000"/>
+                </a:prstClr>
+              </a:solidFill>
+            </a:endParaRPr>
           </a:p>
         </p:txBody>
       </p:sp>
@@ -656,14 +700,32 @@
           <a:lstStyle/>
           <a:p>
             <a:fld id="{62FD049D-D713-4090-9976-7AFA76CAD437}" type="slidenum">
-              <a:rPr lang="ru-RU" smtClean="0"/>
+              <a:rPr lang="ru-RU" smtClean="0">
+                <a:solidFill>
+                  <a:prstClr val="black">
+                    <a:alpha val="60000"/>
+                  </a:prstClr>
+                </a:solidFill>
+              </a:rPr>
+              <a:pPr/>
               <a:t>‹#›</a:t>
             </a:fld>
-            <a:endParaRPr lang="ru-RU"/>
+            <a:endParaRPr lang="ru-RU">
+              <a:solidFill>
+                <a:prstClr val="black">
+                  <a:alpha val="60000"/>
+                </a:prstClr>
+              </a:solidFill>
+            </a:endParaRPr>
           </a:p>
         </p:txBody>
       </p:sp>
     </p:spTree>
+    <p:extLst>
+      <p:ext uri="{BB962C8B-B14F-4D97-AF65-F5344CB8AC3E}">
+        <p14:creationId xmlns:p14="http://schemas.microsoft.com/office/powerpoint/2010/main" val="994844631"/>
+      </p:ext>
+    </p:extLst>
   </p:cSld>
   <p:clrMapOvr>
     <a:masterClrMapping/>
@@ -789,10 +851,23 @@
           <a:lstStyle/>
           <a:p>
             <a:fld id="{F34D2577-27A9-48D8-B09C-5DF8AFE9C2EC}" type="datetimeFigureOut">
-              <a:rPr lang="ru-RU" smtClean="0"/>
-              <a:t>11.06.2012</a:t>
+              <a:rPr lang="ru-RU" smtClean="0">
+                <a:solidFill>
+                  <a:prstClr val="black">
+                    <a:alpha val="60000"/>
+                  </a:prstClr>
+                </a:solidFill>
+              </a:rPr>
+              <a:pPr/>
+              <a:t>12.06.2012</a:t>
             </a:fld>
-            <a:endParaRPr lang="ru-RU"/>
+            <a:endParaRPr lang="ru-RU">
+              <a:solidFill>
+                <a:prstClr val="black">
+                  <a:alpha val="60000"/>
+                </a:prstClr>
+              </a:solidFill>
+            </a:endParaRPr>
           </a:p>
         </p:txBody>
       </p:sp>
@@ -811,7 +886,13 @@
           <a:bodyPr/>
           <a:lstStyle/>
           <a:p>
-            <a:endParaRPr lang="ru-RU"/>
+            <a:endParaRPr lang="ru-RU">
+              <a:solidFill>
+                <a:prstClr val="black">
+                  <a:alpha val="60000"/>
+                </a:prstClr>
+              </a:solidFill>
+            </a:endParaRPr>
           </a:p>
         </p:txBody>
       </p:sp>
@@ -831,14 +912,32 @@
           <a:lstStyle/>
           <a:p>
             <a:fld id="{62FD049D-D713-4090-9976-7AFA76CAD437}" type="slidenum">
-              <a:rPr lang="ru-RU" smtClean="0"/>
+              <a:rPr lang="ru-RU" smtClean="0">
+                <a:solidFill>
+                  <a:prstClr val="black">
+                    <a:alpha val="60000"/>
+                  </a:prstClr>
+                </a:solidFill>
+              </a:rPr>
+              <a:pPr/>
               <a:t>‹#›</a:t>
             </a:fld>
-            <a:endParaRPr lang="ru-RU"/>
+            <a:endParaRPr lang="ru-RU">
+              <a:solidFill>
+                <a:prstClr val="black">
+                  <a:alpha val="60000"/>
+                </a:prstClr>
+              </a:solidFill>
+            </a:endParaRPr>
           </a:p>
         </p:txBody>
       </p:sp>
     </p:spTree>
+    <p:extLst>
+      <p:ext uri="{BB962C8B-B14F-4D97-AF65-F5344CB8AC3E}">
+        <p14:creationId xmlns:p14="http://schemas.microsoft.com/office/powerpoint/2010/main" val="2376798834"/>
+      </p:ext>
+    </p:extLst>
   </p:cSld>
   <p:clrMapOvr>
     <a:masterClrMapping/>
@@ -954,10 +1053,23 @@
           <a:lstStyle/>
           <a:p>
             <a:fld id="{F34D2577-27A9-48D8-B09C-5DF8AFE9C2EC}" type="datetimeFigureOut">
-              <a:rPr lang="ru-RU" smtClean="0"/>
-              <a:t>11.06.2012</a:t>
+              <a:rPr lang="ru-RU" smtClean="0">
+                <a:solidFill>
+                  <a:prstClr val="black">
+                    <a:alpha val="60000"/>
+                  </a:prstClr>
+                </a:solidFill>
+              </a:rPr>
+              <a:pPr/>
+              <a:t>12.06.2012</a:t>
             </a:fld>
-            <a:endParaRPr lang="ru-RU"/>
+            <a:endParaRPr lang="ru-RU">
+              <a:solidFill>
+                <a:prstClr val="black">
+                  <a:alpha val="60000"/>
+                </a:prstClr>
+              </a:solidFill>
+            </a:endParaRPr>
           </a:p>
         </p:txBody>
       </p:sp>
@@ -977,10 +1089,23 @@
           <a:lstStyle/>
           <a:p>
             <a:fld id="{62FD049D-D713-4090-9976-7AFA76CAD437}" type="slidenum">
-              <a:rPr lang="ru-RU" smtClean="0"/>
+              <a:rPr lang="ru-RU" smtClean="0">
+                <a:solidFill>
+                  <a:prstClr val="black">
+                    <a:alpha val="60000"/>
+                  </a:prstClr>
+                </a:solidFill>
+              </a:rPr>
+              <a:pPr/>
               <a:t>‹#›</a:t>
             </a:fld>
-            <a:endParaRPr lang="ru-RU"/>
+            <a:endParaRPr lang="ru-RU">
+              <a:solidFill>
+                <a:prstClr val="black">
+                  <a:alpha val="60000"/>
+                </a:prstClr>
+              </a:solidFill>
+            </a:endParaRPr>
           </a:p>
         </p:txBody>
       </p:sp>
@@ -999,11 +1124,22 @@
           <a:bodyPr/>
           <a:lstStyle/>
           <a:p>
-            <a:endParaRPr lang="ru-RU"/>
+            <a:endParaRPr lang="ru-RU">
+              <a:solidFill>
+                <a:prstClr val="black">
+                  <a:alpha val="60000"/>
+                </a:prstClr>
+              </a:solidFill>
+            </a:endParaRPr>
           </a:p>
         </p:txBody>
       </p:sp>
     </p:spTree>
+    <p:extLst>
+      <p:ext uri="{BB962C8B-B14F-4D97-AF65-F5344CB8AC3E}">
+        <p14:creationId xmlns:p14="http://schemas.microsoft.com/office/powerpoint/2010/main" val="3109500107"/>
+      </p:ext>
+    </p:extLst>
   </p:cSld>
   <p:clrMapOvr>
     <a:masterClrMapping/>
@@ -1052,6 +1188,9 @@
           <a:p>
             <a:r>
               <a:rPr lang="en-US" sz="6600" dirty="0" smtClean="0">
+                <a:solidFill>
+                  <a:prstClr val="black"/>
+                </a:solidFill>
                 <a:effectLst>
                   <a:outerShdw blurRad="38100" dist="38100" dir="2700000" algn="tl">
                     <a:srgbClr val="000000">
@@ -1059,11 +1198,13 @@
                     </a:srgbClr>
                   </a:outerShdw>
                 </a:effectLst>
-                <a:latin typeface="+mn-lt"/>
               </a:rPr>
               <a:t>{</a:t>
             </a:r>
             <a:endParaRPr lang="en-US" sz="6600" dirty="0">
+              <a:solidFill>
+                <a:prstClr val="black"/>
+              </a:solidFill>
               <a:effectLst>
                 <a:outerShdw blurRad="38100" dist="38100" dir="2700000" algn="tl">
                   <a:srgbClr val="000000">
@@ -1071,7 +1212,6 @@
                   </a:srgbClr>
                 </a:outerShdw>
               </a:effectLst>
-              <a:latin typeface="+mn-lt"/>
             </a:endParaRPr>
           </a:p>
         </p:txBody>
@@ -1211,10 +1351,23 @@
           <a:lstStyle/>
           <a:p>
             <a:fld id="{F34D2577-27A9-48D8-B09C-5DF8AFE9C2EC}" type="datetimeFigureOut">
-              <a:rPr lang="ru-RU" smtClean="0"/>
-              <a:t>11.06.2012</a:t>
+              <a:rPr lang="ru-RU" smtClean="0">
+                <a:solidFill>
+                  <a:prstClr val="black">
+                    <a:alpha val="60000"/>
+                  </a:prstClr>
+                </a:solidFill>
+              </a:rPr>
+              <a:pPr/>
+              <a:t>12.06.2012</a:t>
             </a:fld>
-            <a:endParaRPr lang="ru-RU"/>
+            <a:endParaRPr lang="ru-RU">
+              <a:solidFill>
+                <a:prstClr val="black">
+                  <a:alpha val="60000"/>
+                </a:prstClr>
+              </a:solidFill>
+            </a:endParaRPr>
           </a:p>
         </p:txBody>
       </p:sp>
@@ -1234,10 +1387,23 @@
           <a:lstStyle/>
           <a:p>
             <a:fld id="{62FD049D-D713-4090-9976-7AFA76CAD437}" type="slidenum">
-              <a:rPr lang="ru-RU" smtClean="0"/>
+              <a:rPr lang="ru-RU" smtClean="0">
+                <a:solidFill>
+                  <a:prstClr val="black">
+                    <a:alpha val="60000"/>
+                  </a:prstClr>
+                </a:solidFill>
+              </a:rPr>
+              <a:pPr/>
               <a:t>‹#›</a:t>
             </a:fld>
-            <a:endParaRPr lang="ru-RU"/>
+            <a:endParaRPr lang="ru-RU">
+              <a:solidFill>
+                <a:prstClr val="black">
+                  <a:alpha val="60000"/>
+                </a:prstClr>
+              </a:solidFill>
+            </a:endParaRPr>
           </a:p>
         </p:txBody>
       </p:sp>
@@ -1256,7 +1422,13 @@
           <a:bodyPr/>
           <a:lstStyle/>
           <a:p>
-            <a:endParaRPr lang="ru-RU"/>
+            <a:endParaRPr lang="ru-RU">
+              <a:solidFill>
+                <a:prstClr val="black">
+                  <a:alpha val="60000"/>
+                </a:prstClr>
+              </a:solidFill>
+            </a:endParaRPr>
           </a:p>
         </p:txBody>
       </p:sp>
@@ -1311,6 +1483,11 @@
         </p:txBody>
       </p:sp>
     </p:spTree>
+    <p:extLst>
+      <p:ext uri="{BB962C8B-B14F-4D97-AF65-F5344CB8AC3E}">
+        <p14:creationId xmlns:p14="http://schemas.microsoft.com/office/powerpoint/2010/main" val="2997317972"/>
+      </p:ext>
+    </p:extLst>
   </p:cSld>
   <p:clrMapOvr>
     <a:masterClrMapping/>
@@ -1351,10 +1528,23 @@
           <a:lstStyle/>
           <a:p>
             <a:fld id="{F34D2577-27A9-48D8-B09C-5DF8AFE9C2EC}" type="datetimeFigureOut">
-              <a:rPr lang="ru-RU" smtClean="0"/>
-              <a:t>11.06.2012</a:t>
+              <a:rPr lang="ru-RU" smtClean="0">
+                <a:solidFill>
+                  <a:prstClr val="black">
+                    <a:alpha val="60000"/>
+                  </a:prstClr>
+                </a:solidFill>
+              </a:rPr>
+              <a:pPr/>
+              <a:t>12.06.2012</a:t>
             </a:fld>
-            <a:endParaRPr lang="ru-RU"/>
+            <a:endParaRPr lang="ru-RU">
+              <a:solidFill>
+                <a:prstClr val="black">
+                  <a:alpha val="60000"/>
+                </a:prstClr>
+              </a:solidFill>
+            </a:endParaRPr>
           </a:p>
         </p:txBody>
       </p:sp>
@@ -1374,10 +1564,23 @@
           <a:lstStyle/>
           <a:p>
             <a:fld id="{62FD049D-D713-4090-9976-7AFA76CAD437}" type="slidenum">
-              <a:rPr lang="ru-RU" smtClean="0"/>
+              <a:rPr lang="ru-RU" smtClean="0">
+                <a:solidFill>
+                  <a:prstClr val="black">
+                    <a:alpha val="60000"/>
+                  </a:prstClr>
+                </a:solidFill>
+              </a:rPr>
+              <a:pPr/>
               <a:t>‹#›</a:t>
             </a:fld>
-            <a:endParaRPr lang="ru-RU"/>
+            <a:endParaRPr lang="ru-RU">
+              <a:solidFill>
+                <a:prstClr val="black">
+                  <a:alpha val="60000"/>
+                </a:prstClr>
+              </a:solidFill>
+            </a:endParaRPr>
           </a:p>
         </p:txBody>
       </p:sp>
@@ -1396,7 +1599,13 @@
           <a:bodyPr/>
           <a:lstStyle/>
           <a:p>
-            <a:endParaRPr lang="ru-RU"/>
+            <a:endParaRPr lang="ru-RU">
+              <a:solidFill>
+                <a:prstClr val="black">
+                  <a:alpha val="60000"/>
+                </a:prstClr>
+              </a:solidFill>
+            </a:endParaRPr>
           </a:p>
         </p:txBody>
       </p:sp>
@@ -1538,6 +1747,11 @@
         </p:txBody>
       </p:sp>
     </p:spTree>
+    <p:extLst>
+      <p:ext uri="{BB962C8B-B14F-4D97-AF65-F5344CB8AC3E}">
+        <p14:creationId xmlns:p14="http://schemas.microsoft.com/office/powerpoint/2010/main" val="3914007945"/>
+      </p:ext>
+    </p:extLst>
   </p:cSld>
   <p:clrMapOvr>
     <a:masterClrMapping/>
@@ -1890,6 +2104,9 @@
           <a:p>
             <a:r>
               <a:rPr lang="en-US" sz="6000" dirty="0" smtClean="0">
+                <a:solidFill>
+                  <a:prstClr val="black"/>
+                </a:solidFill>
                 <a:effectLst>
                   <a:outerShdw blurRad="38100" dist="38100" dir="2700000" algn="tl">
                     <a:srgbClr val="000000">
@@ -1897,11 +2114,13 @@
                     </a:srgbClr>
                   </a:outerShdw>
                 </a:effectLst>
-                <a:latin typeface="+mn-lt"/>
               </a:rPr>
               <a:t>{</a:t>
             </a:r>
             <a:endParaRPr lang="en-US" sz="6000" dirty="0">
+              <a:solidFill>
+                <a:prstClr val="black"/>
+              </a:solidFill>
               <a:effectLst>
                 <a:outerShdw blurRad="38100" dist="38100" dir="2700000" algn="tl">
                   <a:srgbClr val="000000">
@@ -1909,7 +2128,6 @@
                   </a:srgbClr>
                 </a:outerShdw>
               </a:effectLst>
-              <a:latin typeface="+mn-lt"/>
             </a:endParaRPr>
           </a:p>
         </p:txBody>
@@ -1938,6 +2156,9 @@
           <a:p>
             <a:r>
               <a:rPr lang="en-US" sz="6000" dirty="0" smtClean="0">
+                <a:solidFill>
+                  <a:prstClr val="black"/>
+                </a:solidFill>
                 <a:effectLst>
                   <a:outerShdw blurRad="38100" dist="38100" dir="2700000" algn="tl">
                     <a:srgbClr val="000000">
@@ -1945,11 +2166,13 @@
                     </a:srgbClr>
                   </a:outerShdw>
                 </a:effectLst>
-                <a:latin typeface="+mn-lt"/>
               </a:rPr>
               <a:t>{</a:t>
             </a:r>
             <a:endParaRPr lang="en-US" sz="6000" dirty="0">
+              <a:solidFill>
+                <a:prstClr val="black"/>
+              </a:solidFill>
               <a:effectLst>
                 <a:outerShdw blurRad="38100" dist="38100" dir="2700000" algn="tl">
                   <a:srgbClr val="000000">
@@ -1957,7 +2180,6 @@
                   </a:srgbClr>
                 </a:outerShdw>
               </a:effectLst>
-              <a:latin typeface="+mn-lt"/>
             </a:endParaRPr>
           </a:p>
         </p:txBody>
@@ -2001,10 +2223,23 @@
           <a:lstStyle/>
           <a:p>
             <a:fld id="{F34D2577-27A9-48D8-B09C-5DF8AFE9C2EC}" type="datetimeFigureOut">
-              <a:rPr lang="ru-RU" smtClean="0"/>
-              <a:t>11.06.2012</a:t>
+              <a:rPr lang="ru-RU" smtClean="0">
+                <a:solidFill>
+                  <a:prstClr val="black">
+                    <a:alpha val="60000"/>
+                  </a:prstClr>
+                </a:solidFill>
+              </a:rPr>
+              <a:pPr/>
+              <a:t>12.06.2012</a:t>
             </a:fld>
-            <a:endParaRPr lang="ru-RU"/>
+            <a:endParaRPr lang="ru-RU">
+              <a:solidFill>
+                <a:prstClr val="black">
+                  <a:alpha val="60000"/>
+                </a:prstClr>
+              </a:solidFill>
+            </a:endParaRPr>
           </a:p>
         </p:txBody>
       </p:sp>
@@ -2024,10 +2259,23 @@
           <a:lstStyle/>
           <a:p>
             <a:fld id="{62FD049D-D713-4090-9976-7AFA76CAD437}" type="slidenum">
-              <a:rPr lang="ru-RU" smtClean="0"/>
+              <a:rPr lang="ru-RU" smtClean="0">
+                <a:solidFill>
+                  <a:prstClr val="black">
+                    <a:alpha val="60000"/>
+                  </a:prstClr>
+                </a:solidFill>
+              </a:rPr>
+              <a:pPr/>
               <a:t>‹#›</a:t>
             </a:fld>
-            <a:endParaRPr lang="ru-RU"/>
+            <a:endParaRPr lang="ru-RU">
+              <a:solidFill>
+                <a:prstClr val="black">
+                  <a:alpha val="60000"/>
+                </a:prstClr>
+              </a:solidFill>
+            </a:endParaRPr>
           </a:p>
         </p:txBody>
       </p:sp>
@@ -2046,11 +2294,22 @@
           <a:bodyPr/>
           <a:lstStyle/>
           <a:p>
-            <a:endParaRPr lang="ru-RU"/>
+            <a:endParaRPr lang="ru-RU">
+              <a:solidFill>
+                <a:prstClr val="black">
+                  <a:alpha val="60000"/>
+                </a:prstClr>
+              </a:solidFill>
+            </a:endParaRPr>
           </a:p>
         </p:txBody>
       </p:sp>
     </p:spTree>
+    <p:extLst>
+      <p:ext uri="{BB962C8B-B14F-4D97-AF65-F5344CB8AC3E}">
+        <p14:creationId xmlns:p14="http://schemas.microsoft.com/office/powerpoint/2010/main" val="3737157904"/>
+      </p:ext>
+    </p:extLst>
   </p:cSld>
   <p:clrMapOvr>
     <a:masterClrMapping/>
@@ -2114,10 +2373,23 @@
           <a:lstStyle/>
           <a:p>
             <a:fld id="{F34D2577-27A9-48D8-B09C-5DF8AFE9C2EC}" type="datetimeFigureOut">
-              <a:rPr lang="ru-RU" smtClean="0"/>
-              <a:t>11.06.2012</a:t>
+              <a:rPr lang="ru-RU" smtClean="0">
+                <a:solidFill>
+                  <a:prstClr val="black">
+                    <a:alpha val="60000"/>
+                  </a:prstClr>
+                </a:solidFill>
+              </a:rPr>
+              <a:pPr/>
+              <a:t>12.06.2012</a:t>
             </a:fld>
-            <a:endParaRPr lang="ru-RU"/>
+            <a:endParaRPr lang="ru-RU">
+              <a:solidFill>
+                <a:prstClr val="black">
+                  <a:alpha val="60000"/>
+                </a:prstClr>
+              </a:solidFill>
+            </a:endParaRPr>
           </a:p>
         </p:txBody>
       </p:sp>
@@ -2137,10 +2409,23 @@
           <a:lstStyle/>
           <a:p>
             <a:fld id="{62FD049D-D713-4090-9976-7AFA76CAD437}" type="slidenum">
-              <a:rPr lang="ru-RU" smtClean="0"/>
+              <a:rPr lang="ru-RU" smtClean="0">
+                <a:solidFill>
+                  <a:prstClr val="black">
+                    <a:alpha val="60000"/>
+                  </a:prstClr>
+                </a:solidFill>
+              </a:rPr>
+              <a:pPr/>
               <a:t>‹#›</a:t>
             </a:fld>
-            <a:endParaRPr lang="ru-RU"/>
+            <a:endParaRPr lang="ru-RU">
+              <a:solidFill>
+                <a:prstClr val="black">
+                  <a:alpha val="60000"/>
+                </a:prstClr>
+              </a:solidFill>
+            </a:endParaRPr>
           </a:p>
         </p:txBody>
       </p:sp>
@@ -2159,11 +2444,22 @@
           <a:bodyPr/>
           <a:lstStyle/>
           <a:p>
-            <a:endParaRPr lang="ru-RU"/>
+            <a:endParaRPr lang="ru-RU">
+              <a:solidFill>
+                <a:prstClr val="black">
+                  <a:alpha val="60000"/>
+                </a:prstClr>
+              </a:solidFill>
+            </a:endParaRPr>
           </a:p>
         </p:txBody>
       </p:sp>
     </p:spTree>
+    <p:extLst>
+      <p:ext uri="{BB962C8B-B14F-4D97-AF65-F5344CB8AC3E}">
+        <p14:creationId xmlns:p14="http://schemas.microsoft.com/office/powerpoint/2010/main" val="3853048853"/>
+      </p:ext>
+    </p:extLst>
   </p:cSld>
   <p:clrMapOvr>
     <a:masterClrMapping/>
@@ -2204,10 +2500,23 @@
           <a:lstStyle/>
           <a:p>
             <a:fld id="{F34D2577-27A9-48D8-B09C-5DF8AFE9C2EC}" type="datetimeFigureOut">
-              <a:rPr lang="ru-RU" smtClean="0"/>
-              <a:t>11.06.2012</a:t>
+              <a:rPr lang="ru-RU" smtClean="0">
+                <a:solidFill>
+                  <a:prstClr val="black">
+                    <a:alpha val="60000"/>
+                  </a:prstClr>
+                </a:solidFill>
+              </a:rPr>
+              <a:pPr/>
+              <a:t>12.06.2012</a:t>
             </a:fld>
-            <a:endParaRPr lang="ru-RU"/>
+            <a:endParaRPr lang="ru-RU">
+              <a:solidFill>
+                <a:prstClr val="black">
+                  <a:alpha val="60000"/>
+                </a:prstClr>
+              </a:solidFill>
+            </a:endParaRPr>
           </a:p>
         </p:txBody>
       </p:sp>
@@ -2227,10 +2536,23 @@
           <a:lstStyle/>
           <a:p>
             <a:fld id="{62FD049D-D713-4090-9976-7AFA76CAD437}" type="slidenum">
-              <a:rPr lang="ru-RU" smtClean="0"/>
+              <a:rPr lang="ru-RU" smtClean="0">
+                <a:solidFill>
+                  <a:prstClr val="black">
+                    <a:alpha val="60000"/>
+                  </a:prstClr>
+                </a:solidFill>
+              </a:rPr>
+              <a:pPr/>
               <a:t>‹#›</a:t>
             </a:fld>
-            <a:endParaRPr lang="ru-RU"/>
+            <a:endParaRPr lang="ru-RU">
+              <a:solidFill>
+                <a:prstClr val="black">
+                  <a:alpha val="60000"/>
+                </a:prstClr>
+              </a:solidFill>
+            </a:endParaRPr>
           </a:p>
         </p:txBody>
       </p:sp>
@@ -2249,11 +2571,22 @@
           <a:bodyPr/>
           <a:lstStyle/>
           <a:p>
-            <a:endParaRPr lang="ru-RU"/>
+            <a:endParaRPr lang="ru-RU">
+              <a:solidFill>
+                <a:prstClr val="black">
+                  <a:alpha val="60000"/>
+                </a:prstClr>
+              </a:solidFill>
+            </a:endParaRPr>
           </a:p>
         </p:txBody>
       </p:sp>
     </p:spTree>
+    <p:extLst>
+      <p:ext uri="{BB962C8B-B14F-4D97-AF65-F5344CB8AC3E}">
+        <p14:creationId xmlns:p14="http://schemas.microsoft.com/office/powerpoint/2010/main" val="3713223614"/>
+      </p:ext>
+    </p:extLst>
   </p:cSld>
   <p:clrMapOvr>
     <a:masterClrMapping/>
@@ -2302,6 +2635,9 @@
           <a:p>
             <a:r>
               <a:rPr lang="en-US" sz="8000" dirty="0" smtClean="0">
+                <a:solidFill>
+                  <a:prstClr val="black"/>
+                </a:solidFill>
                 <a:effectLst>
                   <a:outerShdw blurRad="38100" dist="38100" dir="2700000" algn="tl">
                     <a:srgbClr val="000000">
@@ -2309,11 +2645,13 @@
                     </a:srgbClr>
                   </a:outerShdw>
                 </a:effectLst>
-                <a:latin typeface="+mn-lt"/>
               </a:rPr>
               <a:t>{</a:t>
             </a:r>
             <a:endParaRPr lang="en-US" sz="8000" dirty="0">
+              <a:solidFill>
+                <a:prstClr val="black"/>
+              </a:solidFill>
               <a:effectLst>
                 <a:outerShdw blurRad="38100" dist="38100" dir="2700000" algn="tl">
                   <a:srgbClr val="000000">
@@ -2321,7 +2659,6 @@
                   </a:srgbClr>
                 </a:outerShdw>
               </a:effectLst>
-              <a:latin typeface="+mn-lt"/>
             </a:endParaRPr>
           </a:p>
         </p:txBody>
@@ -2494,10 +2831,23 @@
           <a:lstStyle/>
           <a:p>
             <a:fld id="{F34D2577-27A9-48D8-B09C-5DF8AFE9C2EC}" type="datetimeFigureOut">
-              <a:rPr lang="ru-RU" smtClean="0"/>
-              <a:t>11.06.2012</a:t>
+              <a:rPr lang="ru-RU" smtClean="0">
+                <a:solidFill>
+                  <a:prstClr val="black">
+                    <a:alpha val="60000"/>
+                  </a:prstClr>
+                </a:solidFill>
+              </a:rPr>
+              <a:pPr/>
+              <a:t>12.06.2012</a:t>
             </a:fld>
-            <a:endParaRPr lang="ru-RU"/>
+            <a:endParaRPr lang="ru-RU">
+              <a:solidFill>
+                <a:prstClr val="black">
+                  <a:alpha val="60000"/>
+                </a:prstClr>
+              </a:solidFill>
+            </a:endParaRPr>
           </a:p>
         </p:txBody>
       </p:sp>
@@ -2517,10 +2867,23 @@
           <a:lstStyle/>
           <a:p>
             <a:fld id="{62FD049D-D713-4090-9976-7AFA76CAD437}" type="slidenum">
-              <a:rPr lang="ru-RU" smtClean="0"/>
+              <a:rPr lang="ru-RU" smtClean="0">
+                <a:solidFill>
+                  <a:prstClr val="black">
+                    <a:alpha val="60000"/>
+                  </a:prstClr>
+                </a:solidFill>
+              </a:rPr>
+              <a:pPr/>
               <a:t>‹#›</a:t>
             </a:fld>
-            <a:endParaRPr lang="ru-RU"/>
+            <a:endParaRPr lang="ru-RU">
+              <a:solidFill>
+                <a:prstClr val="black">
+                  <a:alpha val="60000"/>
+                </a:prstClr>
+              </a:solidFill>
+            </a:endParaRPr>
           </a:p>
         </p:txBody>
       </p:sp>
@@ -2539,7 +2902,13 @@
           <a:bodyPr/>
           <a:lstStyle/>
           <a:p>
-            <a:endParaRPr lang="ru-RU"/>
+            <a:endParaRPr lang="ru-RU">
+              <a:solidFill>
+                <a:prstClr val="black">
+                  <a:alpha val="60000"/>
+                </a:prstClr>
+              </a:solidFill>
+            </a:endParaRPr>
           </a:p>
         </p:txBody>
       </p:sp>
@@ -2567,6 +2936,11 @@
         </p:txBody>
       </p:sp>
     </p:spTree>
+    <p:extLst>
+      <p:ext uri="{BB962C8B-B14F-4D97-AF65-F5344CB8AC3E}">
+        <p14:creationId xmlns:p14="http://schemas.microsoft.com/office/powerpoint/2010/main" val="3960327328"/>
+      </p:ext>
+    </p:extLst>
   </p:cSld>
   <p:clrMapOvr>
     <a:masterClrMapping/>
@@ -2754,6 +3128,9 @@
           <a:p>
             <a:r>
               <a:rPr lang="en-US" sz="6000" dirty="0" smtClean="0">
+                <a:solidFill>
+                  <a:prstClr val="black"/>
+                </a:solidFill>
                 <a:effectLst>
                   <a:outerShdw blurRad="38100" dist="38100" dir="2700000" algn="tl">
                     <a:srgbClr val="000000">
@@ -2761,11 +3138,13 @@
                     </a:srgbClr>
                   </a:outerShdw>
                 </a:effectLst>
-                <a:latin typeface="+mn-lt"/>
               </a:rPr>
               <a:t>{</a:t>
             </a:r>
             <a:endParaRPr lang="en-US" sz="6000" dirty="0">
+              <a:solidFill>
+                <a:prstClr val="black"/>
+              </a:solidFill>
               <a:effectLst>
                 <a:outerShdw blurRad="38100" dist="38100" dir="2700000" algn="tl">
                   <a:srgbClr val="000000">
@@ -2773,7 +3152,6 @@
                   </a:srgbClr>
                 </a:outerShdw>
               </a:effectLst>
-              <a:latin typeface="+mn-lt"/>
             </a:endParaRPr>
           </a:p>
         </p:txBody>
@@ -2817,10 +3195,23 @@
           <a:lstStyle/>
           <a:p>
             <a:fld id="{F34D2577-27A9-48D8-B09C-5DF8AFE9C2EC}" type="datetimeFigureOut">
-              <a:rPr lang="ru-RU" smtClean="0"/>
-              <a:t>11.06.2012</a:t>
+              <a:rPr lang="ru-RU" smtClean="0">
+                <a:solidFill>
+                  <a:prstClr val="black">
+                    <a:alpha val="60000"/>
+                  </a:prstClr>
+                </a:solidFill>
+              </a:rPr>
+              <a:pPr/>
+              <a:t>12.06.2012</a:t>
             </a:fld>
-            <a:endParaRPr lang="ru-RU"/>
+            <a:endParaRPr lang="ru-RU">
+              <a:solidFill>
+                <a:prstClr val="black">
+                  <a:alpha val="60000"/>
+                </a:prstClr>
+              </a:solidFill>
+            </a:endParaRPr>
           </a:p>
         </p:txBody>
       </p:sp>
@@ -2840,10 +3231,23 @@
           <a:lstStyle/>
           <a:p>
             <a:fld id="{62FD049D-D713-4090-9976-7AFA76CAD437}" type="slidenum">
-              <a:rPr lang="ru-RU" smtClean="0"/>
+              <a:rPr lang="ru-RU" smtClean="0">
+                <a:solidFill>
+                  <a:prstClr val="black">
+                    <a:alpha val="60000"/>
+                  </a:prstClr>
+                </a:solidFill>
+              </a:rPr>
+              <a:pPr/>
               <a:t>‹#›</a:t>
             </a:fld>
-            <a:endParaRPr lang="ru-RU"/>
+            <a:endParaRPr lang="ru-RU">
+              <a:solidFill>
+                <a:prstClr val="black">
+                  <a:alpha val="60000"/>
+                </a:prstClr>
+              </a:solidFill>
+            </a:endParaRPr>
           </a:p>
         </p:txBody>
       </p:sp>
@@ -2862,11 +3266,22 @@
           <a:bodyPr/>
           <a:lstStyle/>
           <a:p>
-            <a:endParaRPr lang="ru-RU"/>
+            <a:endParaRPr lang="ru-RU">
+              <a:solidFill>
+                <a:prstClr val="black">
+                  <a:alpha val="60000"/>
+                </a:prstClr>
+              </a:solidFill>
+            </a:endParaRPr>
           </a:p>
         </p:txBody>
       </p:sp>
     </p:spTree>
+    <p:extLst>
+      <p:ext uri="{BB962C8B-B14F-4D97-AF65-F5344CB8AC3E}">
+        <p14:creationId xmlns:p14="http://schemas.microsoft.com/office/powerpoint/2010/main" val="1042491552"/>
+      </p:ext>
+    </p:extLst>
   </p:cSld>
   <p:clrMapOvr>
     <a:masterClrMapping/>
@@ -2878,7 +3293,7 @@
 <p:sldMaster xmlns:a="http://schemas.openxmlformats.org/drawingml/2006/main" xmlns:r="http://schemas.openxmlformats.org/officeDocument/2006/relationships" xmlns:p="http://schemas.openxmlformats.org/presentationml/2006/main">
   <p:cSld>
     <p:bg>
-      <p:bgRef idx="1001">
+      <p:bgRef idx="1002">
         <a:schemeClr val="bg1"/>
       </p:bgRef>
     </p:bg>
@@ -2951,7 +3366,11 @@
           <a:lstStyle/>
           <a:p>
             <a:pPr algn="ctr"/>
-            <a:endParaRPr lang="en-US"/>
+            <a:endParaRPr lang="en-US">
+              <a:solidFill>
+                <a:prstClr val="white"/>
+              </a:solidFill>
+            </a:endParaRPr>
           </a:p>
         </p:txBody>
       </p:sp>
@@ -3014,7 +3433,11 @@
           <a:lstStyle/>
           <a:p>
             <a:pPr algn="ctr"/>
-            <a:endParaRPr lang="en-US"/>
+            <a:endParaRPr lang="en-US">
+              <a:solidFill>
+                <a:prstClr val="white"/>
+              </a:solidFill>
+            </a:endParaRPr>
           </a:p>
         </p:txBody>
       </p:sp>
@@ -3077,7 +3500,11 @@
           <a:lstStyle/>
           <a:p>
             <a:pPr algn="ctr"/>
-            <a:endParaRPr lang="en-US"/>
+            <a:endParaRPr lang="en-US">
+              <a:solidFill>
+                <a:prstClr val="white"/>
+              </a:solidFill>
+            </a:endParaRPr>
           </a:p>
         </p:txBody>
       </p:sp>
@@ -3140,7 +3567,11 @@
           <a:lstStyle/>
           <a:p>
             <a:pPr algn="ctr"/>
-            <a:endParaRPr lang="en-US"/>
+            <a:endParaRPr lang="en-US">
+              <a:solidFill>
+                <a:prstClr val="white"/>
+              </a:solidFill>
+            </a:endParaRPr>
           </a:p>
         </p:txBody>
       </p:sp>
@@ -3274,10 +3705,23 @@
           </a:lstStyle>
           <a:p>
             <a:fld id="{F34D2577-27A9-48D8-B09C-5DF8AFE9C2EC}" type="datetimeFigureOut">
-              <a:rPr lang="ru-RU" smtClean="0"/>
-              <a:t>11.06.2012</a:t>
+              <a:rPr lang="ru-RU" smtClean="0">
+                <a:solidFill>
+                  <a:prstClr val="black">
+                    <a:alpha val="60000"/>
+                  </a:prstClr>
+                </a:solidFill>
+              </a:rPr>
+              <a:pPr/>
+              <a:t>12.06.2012</a:t>
             </a:fld>
-            <a:endParaRPr lang="ru-RU"/>
+            <a:endParaRPr lang="ru-RU">
+              <a:solidFill>
+                <a:prstClr val="black">
+                  <a:alpha val="60000"/>
+                </a:prstClr>
+              </a:solidFill>
+            </a:endParaRPr>
           </a:p>
         </p:txBody>
       </p:sp>
@@ -3315,7 +3759,13 @@
             </a:lvl1pPr>
           </a:lstStyle>
           <a:p>
-            <a:endParaRPr lang="ru-RU"/>
+            <a:endParaRPr lang="ru-RU">
+              <a:solidFill>
+                <a:prstClr val="black">
+                  <a:alpha val="60000"/>
+                </a:prstClr>
+              </a:solidFill>
+            </a:endParaRPr>
           </a:p>
         </p:txBody>
       </p:sp>
@@ -3354,28 +3804,46 @@
           </a:lstStyle>
           <a:p>
             <a:fld id="{62FD049D-D713-4090-9976-7AFA76CAD437}" type="slidenum">
-              <a:rPr lang="ru-RU" smtClean="0"/>
+              <a:rPr lang="ru-RU" smtClean="0">
+                <a:solidFill>
+                  <a:prstClr val="black">
+                    <a:alpha val="60000"/>
+                  </a:prstClr>
+                </a:solidFill>
+              </a:rPr>
+              <a:pPr/>
               <a:t>‹#›</a:t>
             </a:fld>
-            <a:endParaRPr lang="ru-RU"/>
+            <a:endParaRPr lang="ru-RU">
+              <a:solidFill>
+                <a:prstClr val="black">
+                  <a:alpha val="60000"/>
+                </a:prstClr>
+              </a:solidFill>
+            </a:endParaRPr>
           </a:p>
         </p:txBody>
       </p:sp>
     </p:spTree>
+    <p:extLst>
+      <p:ext uri="{BB962C8B-B14F-4D97-AF65-F5344CB8AC3E}">
+        <p14:creationId xmlns:p14="http://schemas.microsoft.com/office/powerpoint/2010/main" val="3031275192"/>
+      </p:ext>
+    </p:extLst>
   </p:cSld>
   <p:clrMap bg1="lt1" tx1="dk1" bg2="lt2" tx2="dk2" accent1="accent1" accent2="accent2" accent3="accent3" accent4="accent4" accent5="accent5" accent6="accent6" hlink="hlink" folHlink="folHlink"/>
   <p:sldLayoutIdLst>
-    <p:sldLayoutId id="2147483697" r:id="rId1"/>
-    <p:sldLayoutId id="2147483698" r:id="rId2"/>
-    <p:sldLayoutId id="2147483699" r:id="rId3"/>
-    <p:sldLayoutId id="2147483700" r:id="rId4"/>
-    <p:sldLayoutId id="2147483701" r:id="rId5"/>
-    <p:sldLayoutId id="2147483702" r:id="rId6"/>
-    <p:sldLayoutId id="2147483703" r:id="rId7"/>
-    <p:sldLayoutId id="2147483704" r:id="rId8"/>
-    <p:sldLayoutId id="2147483705" r:id="rId9"/>
-    <p:sldLayoutId id="2147483706" r:id="rId10"/>
-    <p:sldLayoutId id="2147483707" r:id="rId11"/>
+    <p:sldLayoutId id="2147483709" r:id="rId1"/>
+    <p:sldLayoutId id="2147483710" r:id="rId2"/>
+    <p:sldLayoutId id="2147483711" r:id="rId3"/>
+    <p:sldLayoutId id="2147483712" r:id="rId4"/>
+    <p:sldLayoutId id="2147483713" r:id="rId5"/>
+    <p:sldLayoutId id="2147483714" r:id="rId6"/>
+    <p:sldLayoutId id="2147483715" r:id="rId7"/>
+    <p:sldLayoutId id="2147483716" r:id="rId8"/>
+    <p:sldLayoutId id="2147483717" r:id="rId9"/>
+    <p:sldLayoutId id="2147483718" r:id="rId10"/>
+    <p:sldLayoutId id="2147483719" r:id="rId11"/>
   </p:sldLayoutIdLst>
   <p:txStyles>
     <p:titleStyle>
@@ -3808,7 +4276,7 @@
           <a:lstStyle/>
           <a:p>
             <a:r>
-              <a:rPr lang="ru-RU" sz="4800" dirty="0" smtClean="0">
+              <a:rPr lang="ru-RU" sz="4800" dirty="0">
                 <a:solidFill>
                   <a:schemeClr val="tx2">
                     <a:lumMod val="25000"/>
@@ -3817,10 +4285,10 @@
                 <a:latin typeface="Calibri" pitchFamily="34" charset="0"/>
                 <a:cs typeface="Calibri" pitchFamily="34" charset="0"/>
               </a:rPr>
-              <a:t>Проектирование и разработка </a:t>
-            </a:r>
-            <a:r>
-              <a:rPr lang="ru-RU" sz="4800" dirty="0" err="1" smtClean="0">
+              <a:t>Разработка </a:t>
+            </a:r>
+            <a:r>
+              <a:rPr lang="ru-RU" sz="4800" dirty="0" smtClean="0">
                 <a:solidFill>
                   <a:schemeClr val="tx2">
                     <a:lumMod val="25000"/>
@@ -3829,10 +4297,10 @@
                 <a:latin typeface="Calibri" pitchFamily="34" charset="0"/>
                 <a:cs typeface="Calibri" pitchFamily="34" charset="0"/>
               </a:rPr>
-              <a:t>форумной</a:t>
-            </a:r>
-            <a:r>
-              <a:rPr lang="ru-RU" sz="4800" dirty="0" smtClean="0">
+              <a:t>системы </a:t>
+            </a:r>
+            <a:r>
+              <a:rPr lang="ru-RU" sz="4800" dirty="0">
                 <a:solidFill>
                   <a:schemeClr val="tx2">
                     <a:lumMod val="25000"/>
@@ -3841,10 +4309,10 @@
                 <a:latin typeface="Calibri" pitchFamily="34" charset="0"/>
                 <a:cs typeface="Calibri" pitchFamily="34" charset="0"/>
               </a:rPr>
-              <a:t> системы управления контентом </a:t>
-            </a:r>
-            <a:r>
-              <a:rPr lang="en-US" sz="4800" dirty="0" smtClean="0">
+              <a:t>управления </a:t>
+            </a:r>
+            <a:r>
+              <a:rPr lang="ru-RU" sz="4800" dirty="0" smtClean="0">
                 <a:solidFill>
                   <a:schemeClr val="tx2">
                     <a:lumMod val="25000"/>
@@ -3853,7 +4321,67 @@
                 <a:latin typeface="Calibri" pitchFamily="34" charset="0"/>
                 <a:cs typeface="Calibri" pitchFamily="34" charset="0"/>
               </a:rPr>
-              <a:t>(CMS)</a:t>
+              <a:t>контентом (</a:t>
+            </a:r>
+            <a:r>
+              <a:rPr lang="en-US" sz="4800" dirty="0" smtClean="0">
+                <a:solidFill>
+                  <a:schemeClr val="tx2">
+                    <a:lumMod val="25000"/>
+                  </a:schemeClr>
+                </a:solidFill>
+                <a:latin typeface="Calibri" pitchFamily="34" charset="0"/>
+                <a:cs typeface="Calibri" pitchFamily="34" charset="0"/>
+              </a:rPr>
+              <a:t>CMS</a:t>
+            </a:r>
+            <a:r>
+              <a:rPr lang="ru-RU" sz="4800" dirty="0" smtClean="0">
+                <a:solidFill>
+                  <a:schemeClr val="tx2">
+                    <a:lumMod val="25000"/>
+                  </a:schemeClr>
+                </a:solidFill>
+                <a:latin typeface="Calibri" pitchFamily="34" charset="0"/>
+                <a:cs typeface="Calibri" pitchFamily="34" charset="0"/>
+              </a:rPr>
+              <a:t>)</a:t>
+            </a:r>
+            <a:r>
+              <a:rPr lang="en-US" sz="4800" dirty="0" smtClean="0">
+                <a:solidFill>
+                  <a:schemeClr val="tx2">
+                    <a:lumMod val="25000"/>
+                  </a:schemeClr>
+                </a:solidFill>
+                <a:latin typeface="Calibri" pitchFamily="34" charset="0"/>
+                <a:cs typeface="Calibri" pitchFamily="34" charset="0"/>
+              </a:rPr>
+              <a:t> </a:t>
+            </a:r>
+            <a:r>
+              <a:rPr lang="ru-RU" sz="4800" dirty="0" err="1" smtClean="0">
+                <a:solidFill>
+                  <a:schemeClr val="tx2">
+                    <a:lumMod val="25000"/>
+                  </a:schemeClr>
+                </a:solidFill>
+                <a:latin typeface="Calibri" pitchFamily="34" charset="0"/>
+                <a:cs typeface="Calibri" pitchFamily="34" charset="0"/>
+              </a:rPr>
+              <a:t>форумного</a:t>
+            </a:r>
+            <a:r>
+              <a:rPr lang="ru-RU" sz="4800" dirty="0" smtClean="0">
+                <a:solidFill>
+                  <a:schemeClr val="tx2">
+                    <a:lumMod val="25000"/>
+                  </a:schemeClr>
+                </a:solidFill>
+                <a:latin typeface="Calibri" pitchFamily="34" charset="0"/>
+                <a:cs typeface="Calibri" pitchFamily="34" charset="0"/>
+              </a:rPr>
+              <a:t> веб-сайта</a:t>
             </a:r>
             <a:endParaRPr lang="ru-RU" sz="4800" dirty="0">
               <a:solidFill>
@@ -3870,7 +4398,7 @@
     </p:spTree>
     <p:extLst>
       <p:ext uri="{BB962C8B-B14F-4D97-AF65-F5344CB8AC3E}">
-        <p14:creationId xmlns:p14="http://schemas.microsoft.com/office/powerpoint/2010/main" val="3312946522"/>
+        <p14:creationId xmlns:p14="http://schemas.microsoft.com/office/powerpoint/2010/main" val="4292391998"/>
       </p:ext>
     </p:extLst>
   </p:cSld>
@@ -3912,934 +4440,6 @@
         </p:nvSpPr>
         <p:spPr>
           <a:xfrm>
-            <a:off x="431540" y="332656"/>
-            <a:ext cx="8280920" cy="830997"/>
-          </a:xfrm>
-          <a:prstGeom prst="rect">
-            <a:avLst/>
-          </a:prstGeom>
-          <a:noFill/>
-        </p:spPr>
-        <p:txBody>
-          <a:bodyPr wrap="square" rtlCol="0" anchor="ctr">
-            <a:spAutoFit/>
-          </a:bodyPr>
-          <a:lstStyle/>
-          <a:p>
-            <a:r>
-              <a:rPr lang="ru-RU" sz="4800" dirty="0" smtClean="0"/>
-              <a:t>Среды разработки</a:t>
-            </a:r>
-            <a:endParaRPr lang="ru-RU" sz="4800" dirty="0"/>
-          </a:p>
-        </p:txBody>
-      </p:sp>
-      <p:sp>
-        <p:nvSpPr>
-          <p:cNvPr id="3" name="TextBox 2"/>
-          <p:cNvSpPr txBox="1"/>
-          <p:nvPr/>
-        </p:nvSpPr>
-        <p:spPr>
-          <a:xfrm>
-            <a:off x="69116" y="5259397"/>
-            <a:ext cx="9036496" cy="1077218"/>
-          </a:xfrm>
-          <a:prstGeom prst="rect">
-            <a:avLst/>
-          </a:prstGeom>
-          <a:noFill/>
-        </p:spPr>
-        <p:txBody>
-          <a:bodyPr wrap="square" rtlCol="0" anchor="ctr">
-            <a:spAutoFit/>
-          </a:bodyPr>
-          <a:lstStyle/>
-          <a:p>
-            <a:pPr lvl="0"/>
-            <a:r>
-              <a:rPr lang="ru-RU" sz="3200" dirty="0" err="1"/>
-              <a:t>NetBeans</a:t>
-            </a:r>
-            <a:r>
-              <a:rPr lang="ru-RU" sz="3200" dirty="0"/>
-              <a:t> IDE — свободная интегрированная среда разработки приложений (</a:t>
-            </a:r>
-            <a:r>
-              <a:rPr lang="ru-RU" sz="3200" dirty="0" smtClean="0"/>
-              <a:t>IDE)</a:t>
-            </a:r>
-            <a:endParaRPr lang="ru-RU" sz="3200" dirty="0"/>
-          </a:p>
-        </p:txBody>
-      </p:sp>
-      <p:pic>
-        <p:nvPicPr>
-          <p:cNvPr id="12290" name="Picture 2"/>
-          <p:cNvPicPr>
-            <a:picLocks noChangeAspect="1" noChangeArrowheads="1"/>
-          </p:cNvPicPr>
-          <p:nvPr/>
-        </p:nvPicPr>
-        <p:blipFill>
-          <a:blip r:embed="rId2">
-            <a:extLst>
-              <a:ext uri="{28A0092B-C50C-407E-A947-70E740481C1C}">
-                <a14:useLocalDpi xmlns:a14="http://schemas.microsoft.com/office/drawing/2010/main" val="0"/>
-              </a:ext>
-            </a:extLst>
-          </a:blip>
-          <a:srcRect/>
-          <a:stretch>
-            <a:fillRect/>
-          </a:stretch>
-        </p:blipFill>
-        <p:spPr bwMode="auto">
-          <a:xfrm>
-            <a:off x="1907704" y="1268413"/>
-            <a:ext cx="5039841" cy="3495851"/>
-          </a:xfrm>
-          <a:prstGeom prst="rect">
-            <a:avLst/>
-          </a:prstGeom>
-          <a:noFill/>
-          <a:ln>
-            <a:noFill/>
-          </a:ln>
-          <a:effectLst/>
-          <a:extLst>
-            <a:ext uri="{909E8E84-426E-40DD-AFC4-6F175D3DCCD1}">
-              <a14:hiddenFill xmlns:a14="http://schemas.microsoft.com/office/drawing/2010/main">
-                <a:solidFill>
-                  <a:schemeClr val="accent1"/>
-                </a:solidFill>
-              </a14:hiddenFill>
-            </a:ext>
-            <a:ext uri="{91240B29-F687-4F45-9708-019B960494DF}">
-              <a14:hiddenLine xmlns:a14="http://schemas.microsoft.com/office/drawing/2010/main" w="9525">
-                <a:solidFill>
-                  <a:schemeClr val="tx1"/>
-                </a:solidFill>
-                <a:miter lim="800000"/>
-                <a:headEnd/>
-                <a:tailEnd/>
-              </a14:hiddenLine>
-            </a:ext>
-            <a:ext uri="{AF507438-7753-43E0-B8FC-AC1667EBCBE1}">
-              <a14:hiddenEffects xmlns:a14="http://schemas.microsoft.com/office/drawing/2010/main">
-                <a:effectLst>
-                  <a:outerShdw dist="35921" dir="2700000" algn="ctr" rotWithShape="0">
-                    <a:schemeClr val="bg2"/>
-                  </a:outerShdw>
-                </a:effectLst>
-              </a14:hiddenEffects>
-            </a:ext>
-          </a:extLst>
-        </p:spPr>
-      </p:pic>
-    </p:spTree>
-    <p:extLst>
-      <p:ext uri="{BB962C8B-B14F-4D97-AF65-F5344CB8AC3E}">
-        <p14:creationId xmlns:p14="http://schemas.microsoft.com/office/powerpoint/2010/main" val="2453460055"/>
-      </p:ext>
-    </p:extLst>
-  </p:cSld>
-  <p:clrMapOvr>
-    <a:masterClrMapping/>
-  </p:clrMapOvr>
-  <p:timing>
-    <p:tnLst>
-      <p:par>
-        <p:cTn id="1" dur="indefinite" restart="never" nodeType="tmRoot"/>
-      </p:par>
-    </p:tnLst>
-  </p:timing>
-</p:sld>
-</file>
-
-<file path=ppt/slides/slide11.xml><?xml version="1.0" encoding="utf-8"?>
-<p:sld xmlns:a="http://schemas.openxmlformats.org/drawingml/2006/main" xmlns:r="http://schemas.openxmlformats.org/officeDocument/2006/relationships" xmlns:p="http://schemas.openxmlformats.org/presentationml/2006/main">
-  <p:cSld>
-    <p:spTree>
-      <p:nvGrpSpPr>
-        <p:cNvPr id="1" name=""/>
-        <p:cNvGrpSpPr/>
-        <p:nvPr/>
-      </p:nvGrpSpPr>
-      <p:grpSpPr>
-        <a:xfrm>
-          <a:off x="0" y="0"/>
-          <a:ext cx="0" cy="0"/>
-          <a:chOff x="0" y="0"/>
-          <a:chExt cx="0" cy="0"/>
-        </a:xfrm>
-      </p:grpSpPr>
-      <p:sp>
-        <p:nvSpPr>
-          <p:cNvPr id="4" name="TextBox 3"/>
-          <p:cNvSpPr txBox="1"/>
-          <p:nvPr/>
-        </p:nvSpPr>
-        <p:spPr>
-          <a:xfrm>
-            <a:off x="395288" y="55657"/>
-            <a:ext cx="8280920" cy="1384995"/>
-          </a:xfrm>
-          <a:prstGeom prst="rect">
-            <a:avLst/>
-          </a:prstGeom>
-          <a:noFill/>
-        </p:spPr>
-        <p:txBody>
-          <a:bodyPr wrap="square" rtlCol="0" anchor="ctr">
-            <a:spAutoFit/>
-          </a:bodyPr>
-          <a:lstStyle/>
-          <a:p>
-            <a:r>
-              <a:rPr lang="ru-RU" sz="4800" dirty="0" smtClean="0"/>
-              <a:t>Средства отладки. </a:t>
-            </a:r>
-          </a:p>
-          <a:p>
-            <a:r>
-              <a:rPr lang="ru-RU" sz="3600" dirty="0"/>
-              <a:t>К</a:t>
-            </a:r>
-            <a:r>
-              <a:rPr lang="ru-RU" sz="3600" dirty="0" smtClean="0"/>
-              <a:t>лиентская часть</a:t>
-            </a:r>
-            <a:endParaRPr lang="ru-RU" sz="3600" dirty="0"/>
-          </a:p>
-        </p:txBody>
-      </p:sp>
-      <p:sp>
-        <p:nvSpPr>
-          <p:cNvPr id="3" name="TextBox 2"/>
-          <p:cNvSpPr txBox="1"/>
-          <p:nvPr/>
-        </p:nvSpPr>
-        <p:spPr>
-          <a:xfrm>
-            <a:off x="69116" y="5505618"/>
-            <a:ext cx="9036496" cy="584775"/>
-          </a:xfrm>
-          <a:prstGeom prst="rect">
-            <a:avLst/>
-          </a:prstGeom>
-          <a:noFill/>
-        </p:spPr>
-        <p:txBody>
-          <a:bodyPr wrap="square" rtlCol="0" anchor="ctr">
-            <a:spAutoFit/>
-          </a:bodyPr>
-          <a:lstStyle/>
-          <a:p>
-            <a:pPr lvl="0"/>
-            <a:r>
-              <a:rPr lang="en-US" sz="3200" dirty="0" smtClean="0"/>
-              <a:t>Opera Dragonfly – </a:t>
-            </a:r>
-            <a:r>
-              <a:rPr lang="ru-RU" sz="3200" dirty="0" smtClean="0"/>
-              <a:t>отладчик браузера </a:t>
-            </a:r>
-            <a:r>
-              <a:rPr lang="en-US" sz="3200" dirty="0" smtClean="0"/>
-              <a:t>Opera</a:t>
-            </a:r>
-            <a:endParaRPr lang="ru-RU" sz="3200" dirty="0"/>
-          </a:p>
-        </p:txBody>
-      </p:sp>
-      <p:pic>
-        <p:nvPicPr>
-          <p:cNvPr id="13314" name="Picture 2"/>
-          <p:cNvPicPr>
-            <a:picLocks noChangeAspect="1" noChangeArrowheads="1"/>
-          </p:cNvPicPr>
-          <p:nvPr/>
-        </p:nvPicPr>
-        <p:blipFill>
-          <a:blip r:embed="rId2">
-            <a:extLst>
-              <a:ext uri="{28A0092B-C50C-407E-A947-70E740481C1C}">
-                <a14:useLocalDpi xmlns:a14="http://schemas.microsoft.com/office/drawing/2010/main" val="0"/>
-              </a:ext>
-            </a:extLst>
-          </a:blip>
-          <a:srcRect/>
-          <a:stretch>
-            <a:fillRect/>
-          </a:stretch>
-        </p:blipFill>
-        <p:spPr bwMode="auto">
-          <a:xfrm>
-            <a:off x="395288" y="1557338"/>
-            <a:ext cx="5943600" cy="3314700"/>
-          </a:xfrm>
-          <a:prstGeom prst="rect">
-            <a:avLst/>
-          </a:prstGeom>
-          <a:noFill/>
-          <a:ln>
-            <a:noFill/>
-          </a:ln>
-          <a:effectLst/>
-          <a:extLst>
-            <a:ext uri="{909E8E84-426E-40DD-AFC4-6F175D3DCCD1}">
-              <a14:hiddenFill xmlns:a14="http://schemas.microsoft.com/office/drawing/2010/main">
-                <a:solidFill>
-                  <a:schemeClr val="accent1"/>
-                </a:solidFill>
-              </a14:hiddenFill>
-            </a:ext>
-            <a:ext uri="{91240B29-F687-4F45-9708-019B960494DF}">
-              <a14:hiddenLine xmlns:a14="http://schemas.microsoft.com/office/drawing/2010/main" w="9525">
-                <a:solidFill>
-                  <a:schemeClr val="tx1"/>
-                </a:solidFill>
-                <a:miter lim="800000"/>
-                <a:headEnd/>
-                <a:tailEnd/>
-              </a14:hiddenLine>
-            </a:ext>
-            <a:ext uri="{AF507438-7753-43E0-B8FC-AC1667EBCBE1}">
-              <a14:hiddenEffects xmlns:a14="http://schemas.microsoft.com/office/drawing/2010/main">
-                <a:effectLst>
-                  <a:outerShdw dist="35921" dir="2700000" algn="ctr" rotWithShape="0">
-                    <a:schemeClr val="bg2"/>
-                  </a:outerShdw>
-                </a:effectLst>
-              </a14:hiddenEffects>
-            </a:ext>
-          </a:extLst>
-        </p:spPr>
-      </p:pic>
-      <p:pic>
-        <p:nvPicPr>
-          <p:cNvPr id="13315" name="Picture 3"/>
-          <p:cNvPicPr>
-            <a:picLocks noChangeAspect="1" noChangeArrowheads="1"/>
-          </p:cNvPicPr>
-          <p:nvPr/>
-        </p:nvPicPr>
-        <p:blipFill>
-          <a:blip r:embed="rId3">
-            <a:extLst>
-              <a:ext uri="{28A0092B-C50C-407E-A947-70E740481C1C}">
-                <a14:useLocalDpi xmlns:a14="http://schemas.microsoft.com/office/drawing/2010/main" val="0"/>
-              </a:ext>
-            </a:extLst>
-          </a:blip>
-          <a:srcRect/>
-          <a:stretch>
-            <a:fillRect/>
-          </a:stretch>
-        </p:blipFill>
-        <p:spPr bwMode="auto">
-          <a:xfrm>
-            <a:off x="6453538" y="1557338"/>
-            <a:ext cx="2510950" cy="3314700"/>
-          </a:xfrm>
-          <a:prstGeom prst="rect">
-            <a:avLst/>
-          </a:prstGeom>
-          <a:noFill/>
-          <a:ln>
-            <a:noFill/>
-          </a:ln>
-          <a:effectLst/>
-          <a:extLst>
-            <a:ext uri="{909E8E84-426E-40DD-AFC4-6F175D3DCCD1}">
-              <a14:hiddenFill xmlns:a14="http://schemas.microsoft.com/office/drawing/2010/main">
-                <a:solidFill>
-                  <a:schemeClr val="accent1"/>
-                </a:solidFill>
-              </a14:hiddenFill>
-            </a:ext>
-            <a:ext uri="{91240B29-F687-4F45-9708-019B960494DF}">
-              <a14:hiddenLine xmlns:a14="http://schemas.microsoft.com/office/drawing/2010/main" w="9525">
-                <a:solidFill>
-                  <a:schemeClr val="tx1"/>
-                </a:solidFill>
-                <a:miter lim="800000"/>
-                <a:headEnd/>
-                <a:tailEnd/>
-              </a14:hiddenLine>
-            </a:ext>
-            <a:ext uri="{AF507438-7753-43E0-B8FC-AC1667EBCBE1}">
-              <a14:hiddenEffects xmlns:a14="http://schemas.microsoft.com/office/drawing/2010/main">
-                <a:effectLst>
-                  <a:outerShdw dist="35921" dir="2700000" algn="ctr" rotWithShape="0">
-                    <a:schemeClr val="bg2"/>
-                  </a:outerShdw>
-                </a:effectLst>
-              </a14:hiddenEffects>
-            </a:ext>
-          </a:extLst>
-        </p:spPr>
-      </p:pic>
-    </p:spTree>
-    <p:extLst>
-      <p:ext uri="{BB962C8B-B14F-4D97-AF65-F5344CB8AC3E}">
-        <p14:creationId xmlns:p14="http://schemas.microsoft.com/office/powerpoint/2010/main" val="1621914358"/>
-      </p:ext>
-    </p:extLst>
-  </p:cSld>
-  <p:clrMapOvr>
-    <a:masterClrMapping/>
-  </p:clrMapOvr>
-  <p:timing>
-    <p:tnLst>
-      <p:par>
-        <p:cTn id="1" dur="indefinite" restart="never" nodeType="tmRoot"/>
-      </p:par>
-    </p:tnLst>
-  </p:timing>
-</p:sld>
-</file>
-
-<file path=ppt/slides/slide12.xml><?xml version="1.0" encoding="utf-8"?>
-<p:sld xmlns:a="http://schemas.openxmlformats.org/drawingml/2006/main" xmlns:r="http://schemas.openxmlformats.org/officeDocument/2006/relationships" xmlns:p="http://schemas.openxmlformats.org/presentationml/2006/main">
-  <p:cSld>
-    <p:spTree>
-      <p:nvGrpSpPr>
-        <p:cNvPr id="1" name=""/>
-        <p:cNvGrpSpPr/>
-        <p:nvPr/>
-      </p:nvGrpSpPr>
-      <p:grpSpPr>
-        <a:xfrm>
-          <a:off x="0" y="0"/>
-          <a:ext cx="0" cy="0"/>
-          <a:chOff x="0" y="0"/>
-          <a:chExt cx="0" cy="0"/>
-        </a:xfrm>
-      </p:grpSpPr>
-      <p:sp>
-        <p:nvSpPr>
-          <p:cNvPr id="4" name="TextBox 3"/>
-          <p:cNvSpPr txBox="1"/>
-          <p:nvPr/>
-        </p:nvSpPr>
-        <p:spPr>
-          <a:xfrm>
-            <a:off x="431540" y="55657"/>
-            <a:ext cx="8280920" cy="1384995"/>
-          </a:xfrm>
-          <a:prstGeom prst="rect">
-            <a:avLst/>
-          </a:prstGeom>
-          <a:noFill/>
-        </p:spPr>
-        <p:txBody>
-          <a:bodyPr wrap="square" rtlCol="0" anchor="ctr">
-            <a:spAutoFit/>
-          </a:bodyPr>
-          <a:lstStyle/>
-          <a:p>
-            <a:r>
-              <a:rPr lang="ru-RU" sz="4800" dirty="0" smtClean="0"/>
-              <a:t>Средства отладки. </a:t>
-            </a:r>
-            <a:endParaRPr lang="ru-RU" sz="4800" dirty="0"/>
-          </a:p>
-          <a:p>
-            <a:r>
-              <a:rPr lang="ru-RU" sz="3600" dirty="0"/>
-              <a:t>С</a:t>
-            </a:r>
-            <a:r>
-              <a:rPr lang="ru-RU" sz="3600" dirty="0" smtClean="0"/>
-              <a:t>ерверная часть</a:t>
-            </a:r>
-            <a:endParaRPr lang="ru-RU" sz="3600" dirty="0"/>
-          </a:p>
-        </p:txBody>
-      </p:sp>
-      <p:sp>
-        <p:nvSpPr>
-          <p:cNvPr id="3" name="TextBox 2"/>
-          <p:cNvSpPr txBox="1"/>
-          <p:nvPr/>
-        </p:nvSpPr>
-        <p:spPr>
-          <a:xfrm>
-            <a:off x="69116" y="5505618"/>
-            <a:ext cx="9036496" cy="584775"/>
-          </a:xfrm>
-          <a:prstGeom prst="rect">
-            <a:avLst/>
-          </a:prstGeom>
-          <a:noFill/>
-        </p:spPr>
-        <p:txBody>
-          <a:bodyPr wrap="square" rtlCol="0" anchor="ctr">
-            <a:spAutoFit/>
-          </a:bodyPr>
-          <a:lstStyle/>
-          <a:p>
-            <a:pPr lvl="0"/>
-            <a:r>
-              <a:rPr lang="ru-RU" sz="3200" dirty="0" err="1" smtClean="0"/>
-              <a:t>Xdebug</a:t>
-            </a:r>
-            <a:r>
-              <a:rPr lang="ru-RU" sz="3200" dirty="0" smtClean="0"/>
-              <a:t> </a:t>
-            </a:r>
-            <a:r>
-              <a:rPr lang="en-US" sz="3200" dirty="0" smtClean="0"/>
-              <a:t>– </a:t>
-            </a:r>
-            <a:r>
-              <a:rPr lang="ru-RU" sz="3200" dirty="0" smtClean="0"/>
-              <a:t>отладчик</a:t>
-            </a:r>
-            <a:r>
-              <a:rPr lang="en-US" sz="3200" dirty="0"/>
-              <a:t> </a:t>
-            </a:r>
-            <a:r>
-              <a:rPr lang="en-US" sz="3200" dirty="0" err="1"/>
-              <a:t>NetBeans</a:t>
-            </a:r>
-            <a:endParaRPr lang="ru-RU" sz="3200" dirty="0"/>
-          </a:p>
-        </p:txBody>
-      </p:sp>
-      <p:pic>
-        <p:nvPicPr>
-          <p:cNvPr id="15362" name="Picture 2"/>
-          <p:cNvPicPr>
-            <a:picLocks noChangeAspect="1" noChangeArrowheads="1"/>
-          </p:cNvPicPr>
-          <p:nvPr/>
-        </p:nvPicPr>
-        <p:blipFill>
-          <a:blip r:embed="rId2">
-            <a:extLst>
-              <a:ext uri="{28A0092B-C50C-407E-A947-70E740481C1C}">
-                <a14:useLocalDpi xmlns:a14="http://schemas.microsoft.com/office/drawing/2010/main" val="0"/>
-              </a:ext>
-            </a:extLst>
-          </a:blip>
-          <a:srcRect/>
-          <a:stretch>
-            <a:fillRect/>
-          </a:stretch>
-        </p:blipFill>
-        <p:spPr bwMode="auto">
-          <a:xfrm>
-            <a:off x="1979613" y="1700213"/>
-            <a:ext cx="4680619" cy="3600476"/>
-          </a:xfrm>
-          <a:prstGeom prst="rect">
-            <a:avLst/>
-          </a:prstGeom>
-          <a:noFill/>
-          <a:ln>
-            <a:noFill/>
-          </a:ln>
-          <a:effectLst/>
-          <a:extLst>
-            <a:ext uri="{909E8E84-426E-40DD-AFC4-6F175D3DCCD1}">
-              <a14:hiddenFill xmlns:a14="http://schemas.microsoft.com/office/drawing/2010/main">
-                <a:solidFill>
-                  <a:schemeClr val="accent1"/>
-                </a:solidFill>
-              </a14:hiddenFill>
-            </a:ext>
-            <a:ext uri="{91240B29-F687-4F45-9708-019B960494DF}">
-              <a14:hiddenLine xmlns:a14="http://schemas.microsoft.com/office/drawing/2010/main" w="9525">
-                <a:solidFill>
-                  <a:schemeClr val="tx1"/>
-                </a:solidFill>
-                <a:miter lim="800000"/>
-                <a:headEnd/>
-                <a:tailEnd/>
-              </a14:hiddenLine>
-            </a:ext>
-            <a:ext uri="{AF507438-7753-43E0-B8FC-AC1667EBCBE1}">
-              <a14:hiddenEffects xmlns:a14="http://schemas.microsoft.com/office/drawing/2010/main">
-                <a:effectLst>
-                  <a:outerShdw dist="35921" dir="2700000" algn="ctr" rotWithShape="0">
-                    <a:schemeClr val="bg2"/>
-                  </a:outerShdw>
-                </a:effectLst>
-              </a14:hiddenEffects>
-            </a:ext>
-          </a:extLst>
-        </p:spPr>
-      </p:pic>
-    </p:spTree>
-    <p:extLst>
-      <p:ext uri="{BB962C8B-B14F-4D97-AF65-F5344CB8AC3E}">
-        <p14:creationId xmlns:p14="http://schemas.microsoft.com/office/powerpoint/2010/main" val="1576961177"/>
-      </p:ext>
-    </p:extLst>
-  </p:cSld>
-  <p:clrMapOvr>
-    <a:masterClrMapping/>
-  </p:clrMapOvr>
-  <p:timing>
-    <p:tnLst>
-      <p:par>
-        <p:cTn id="1" dur="indefinite" restart="never" nodeType="tmRoot"/>
-      </p:par>
-    </p:tnLst>
-  </p:timing>
-</p:sld>
-</file>
-
-<file path=ppt/slides/slide13.xml><?xml version="1.0" encoding="utf-8"?>
-<p:sld xmlns:a="http://schemas.openxmlformats.org/drawingml/2006/main" xmlns:r="http://schemas.openxmlformats.org/officeDocument/2006/relationships" xmlns:p="http://schemas.openxmlformats.org/presentationml/2006/main">
-  <p:cSld>
-    <p:spTree>
-      <p:nvGrpSpPr>
-        <p:cNvPr id="1" name=""/>
-        <p:cNvGrpSpPr/>
-        <p:nvPr/>
-      </p:nvGrpSpPr>
-      <p:grpSpPr>
-        <a:xfrm>
-          <a:off x="0" y="0"/>
-          <a:ext cx="0" cy="0"/>
-          <a:chOff x="0" y="0"/>
-          <a:chExt cx="0" cy="0"/>
-        </a:xfrm>
-      </p:grpSpPr>
-      <p:sp>
-        <p:nvSpPr>
-          <p:cNvPr id="4" name="TextBox 3"/>
-          <p:cNvSpPr txBox="1"/>
-          <p:nvPr/>
-        </p:nvSpPr>
-        <p:spPr>
-          <a:xfrm>
-            <a:off x="323528" y="-36675"/>
-            <a:ext cx="8280920" cy="1569660"/>
-          </a:xfrm>
-          <a:prstGeom prst="rect">
-            <a:avLst/>
-          </a:prstGeom>
-          <a:noFill/>
-        </p:spPr>
-        <p:txBody>
-          <a:bodyPr wrap="square" rtlCol="0" anchor="ctr">
-            <a:spAutoFit/>
-          </a:bodyPr>
-          <a:lstStyle/>
-          <a:p>
-            <a:r>
-              <a:rPr lang="ru-RU" sz="4800" dirty="0" smtClean="0"/>
-              <a:t>Система контроля версий программного кода</a:t>
-            </a:r>
-            <a:endParaRPr lang="ru-RU" sz="4800" dirty="0"/>
-          </a:p>
-        </p:txBody>
-      </p:sp>
-      <p:sp>
-        <p:nvSpPr>
-          <p:cNvPr id="3" name="TextBox 2"/>
-          <p:cNvSpPr txBox="1"/>
-          <p:nvPr/>
-        </p:nvSpPr>
-        <p:spPr>
-          <a:xfrm>
-            <a:off x="69116" y="5259397"/>
-            <a:ext cx="9036496" cy="1077218"/>
-          </a:xfrm>
-          <a:prstGeom prst="rect">
-            <a:avLst/>
-          </a:prstGeom>
-          <a:noFill/>
-        </p:spPr>
-        <p:txBody>
-          <a:bodyPr wrap="square" rtlCol="0" anchor="ctr">
-            <a:spAutoFit/>
-          </a:bodyPr>
-          <a:lstStyle/>
-          <a:p>
-            <a:pPr lvl="0"/>
-            <a:r>
-              <a:rPr lang="en-US" sz="3200" dirty="0" err="1" smtClean="0"/>
-              <a:t>Git</a:t>
-            </a:r>
-            <a:r>
-              <a:rPr lang="en-US" sz="3200" dirty="0" smtClean="0"/>
-              <a:t> – </a:t>
-            </a:r>
-            <a:r>
-              <a:rPr lang="ru-RU" sz="3200" dirty="0"/>
-              <a:t>распределённая система управления версиями программного кода</a:t>
-            </a:r>
-            <a:endParaRPr lang="ru-RU" sz="3200" dirty="0" smtClean="0"/>
-          </a:p>
-        </p:txBody>
-      </p:sp>
-      <p:pic>
-        <p:nvPicPr>
-          <p:cNvPr id="14338" name="Picture 2"/>
-          <p:cNvPicPr>
-            <a:picLocks noChangeAspect="1" noChangeArrowheads="1"/>
-          </p:cNvPicPr>
-          <p:nvPr/>
-        </p:nvPicPr>
-        <p:blipFill>
-          <a:blip r:embed="rId2">
-            <a:extLst>
-              <a:ext uri="{28A0092B-C50C-407E-A947-70E740481C1C}">
-                <a14:useLocalDpi xmlns:a14="http://schemas.microsoft.com/office/drawing/2010/main" val="0"/>
-              </a:ext>
-            </a:extLst>
-          </a:blip>
-          <a:srcRect/>
-          <a:stretch>
-            <a:fillRect/>
-          </a:stretch>
-        </p:blipFill>
-        <p:spPr bwMode="auto">
-          <a:xfrm>
-            <a:off x="47625" y="2038350"/>
-            <a:ext cx="9048750" cy="2781300"/>
-          </a:xfrm>
-          <a:prstGeom prst="rect">
-            <a:avLst/>
-          </a:prstGeom>
-          <a:noFill/>
-          <a:ln>
-            <a:noFill/>
-          </a:ln>
-          <a:effectLst/>
-          <a:extLst>
-            <a:ext uri="{909E8E84-426E-40DD-AFC4-6F175D3DCCD1}">
-              <a14:hiddenFill xmlns:a14="http://schemas.microsoft.com/office/drawing/2010/main">
-                <a:solidFill>
-                  <a:schemeClr val="accent1"/>
-                </a:solidFill>
-              </a14:hiddenFill>
-            </a:ext>
-            <a:ext uri="{91240B29-F687-4F45-9708-019B960494DF}">
-              <a14:hiddenLine xmlns:a14="http://schemas.microsoft.com/office/drawing/2010/main" w="9525">
-                <a:solidFill>
-                  <a:schemeClr val="tx1"/>
-                </a:solidFill>
-                <a:miter lim="800000"/>
-                <a:headEnd/>
-                <a:tailEnd/>
-              </a14:hiddenLine>
-            </a:ext>
-            <a:ext uri="{AF507438-7753-43E0-B8FC-AC1667EBCBE1}">
-              <a14:hiddenEffects xmlns:a14="http://schemas.microsoft.com/office/drawing/2010/main">
-                <a:effectLst>
-                  <a:outerShdw dist="35921" dir="2700000" algn="ctr" rotWithShape="0">
-                    <a:schemeClr val="bg2"/>
-                  </a:outerShdw>
-                </a:effectLst>
-              </a14:hiddenEffects>
-            </a:ext>
-          </a:extLst>
-        </p:spPr>
-      </p:pic>
-    </p:spTree>
-    <p:extLst>
-      <p:ext uri="{BB962C8B-B14F-4D97-AF65-F5344CB8AC3E}">
-        <p14:creationId xmlns:p14="http://schemas.microsoft.com/office/powerpoint/2010/main" val="4089780930"/>
-      </p:ext>
-    </p:extLst>
-  </p:cSld>
-  <p:clrMapOvr>
-    <a:masterClrMapping/>
-  </p:clrMapOvr>
-  <p:timing>
-    <p:tnLst>
-      <p:par>
-        <p:cTn id="1" dur="indefinite" restart="never" nodeType="tmRoot"/>
-      </p:par>
-    </p:tnLst>
-  </p:timing>
-</p:sld>
-</file>
-
-<file path=ppt/slides/slide14.xml><?xml version="1.0" encoding="utf-8"?>
-<p:sld xmlns:a="http://schemas.openxmlformats.org/drawingml/2006/main" xmlns:r="http://schemas.openxmlformats.org/officeDocument/2006/relationships" xmlns:p="http://schemas.openxmlformats.org/presentationml/2006/main">
-  <p:cSld>
-    <p:spTree>
-      <p:nvGrpSpPr>
-        <p:cNvPr id="1" name=""/>
-        <p:cNvGrpSpPr/>
-        <p:nvPr/>
-      </p:nvGrpSpPr>
-      <p:grpSpPr>
-        <a:xfrm>
-          <a:off x="0" y="0"/>
-          <a:ext cx="0" cy="0"/>
-          <a:chOff x="0" y="0"/>
-          <a:chExt cx="0" cy="0"/>
-        </a:xfrm>
-      </p:grpSpPr>
-      <p:sp>
-        <p:nvSpPr>
-          <p:cNvPr id="4" name="TextBox 3"/>
-          <p:cNvSpPr txBox="1"/>
-          <p:nvPr/>
-        </p:nvSpPr>
-        <p:spPr>
-          <a:xfrm>
-            <a:off x="323528" y="332656"/>
-            <a:ext cx="8280920" cy="830997"/>
-          </a:xfrm>
-          <a:prstGeom prst="rect">
-            <a:avLst/>
-          </a:prstGeom>
-          <a:noFill/>
-        </p:spPr>
-        <p:txBody>
-          <a:bodyPr wrap="square" rtlCol="0" anchor="ctr">
-            <a:spAutoFit/>
-          </a:bodyPr>
-          <a:lstStyle/>
-          <a:p>
-            <a:r>
-              <a:rPr lang="ru-RU" sz="4800" dirty="0" smtClean="0"/>
-              <a:t>Вспомогательные средства</a:t>
-            </a:r>
-            <a:endParaRPr lang="ru-RU" sz="4800" dirty="0"/>
-          </a:p>
-        </p:txBody>
-      </p:sp>
-      <p:sp>
-        <p:nvSpPr>
-          <p:cNvPr id="3" name="TextBox 2"/>
-          <p:cNvSpPr txBox="1"/>
-          <p:nvPr/>
-        </p:nvSpPr>
-        <p:spPr>
-          <a:xfrm>
-            <a:off x="107504" y="2636912"/>
-            <a:ext cx="9036496" cy="1569660"/>
-          </a:xfrm>
-          <a:prstGeom prst="rect">
-            <a:avLst/>
-          </a:prstGeom>
-          <a:noFill/>
-        </p:spPr>
-        <p:txBody>
-          <a:bodyPr wrap="square" rtlCol="0" anchor="ctr">
-            <a:spAutoFit/>
-          </a:bodyPr>
-          <a:lstStyle/>
-          <a:p>
-            <a:pPr marL="457200" lvl="0" indent="-457200">
-              <a:buFontTx/>
-              <a:buChar char="-"/>
-            </a:pPr>
-            <a:r>
-              <a:rPr lang="en-US" sz="3200" dirty="0" smtClean="0"/>
-              <a:t>Skype (</a:t>
-            </a:r>
-            <a:r>
-              <a:rPr lang="ru-RU" sz="3200" dirty="0" smtClean="0"/>
-              <a:t>программа </a:t>
-            </a:r>
-            <a:r>
-              <a:rPr lang="ru-RU" sz="3200" dirty="0"/>
-              <a:t>интернет </a:t>
-            </a:r>
-            <a:r>
-              <a:rPr lang="ru-RU" sz="3200" dirty="0" smtClean="0"/>
-              <a:t>телефонии)</a:t>
-            </a:r>
-            <a:r>
-              <a:rPr lang="en-US" sz="3200" dirty="0" smtClean="0"/>
-              <a:t>;</a:t>
-            </a:r>
-            <a:endParaRPr lang="ru-RU" sz="3200" dirty="0" smtClean="0"/>
-          </a:p>
-          <a:p>
-            <a:pPr marL="457200" lvl="0" indent="-457200">
-              <a:buFontTx/>
-              <a:buChar char="-"/>
-            </a:pPr>
-            <a:r>
-              <a:rPr lang="en-US" sz="3200" dirty="0" smtClean="0"/>
-              <a:t>Microsoft Visio (</a:t>
-            </a:r>
-            <a:r>
-              <a:rPr lang="ru-RU" sz="3200" dirty="0" smtClean="0"/>
-              <a:t>рисование схем)</a:t>
-            </a:r>
-            <a:r>
-              <a:rPr lang="en-US" sz="3200" dirty="0" smtClean="0"/>
-              <a:t>;</a:t>
-            </a:r>
-            <a:endParaRPr lang="ru-RU" sz="3200" dirty="0" smtClean="0"/>
-          </a:p>
-          <a:p>
-            <a:pPr marL="457200" lvl="0" indent="-457200">
-              <a:buFontTx/>
-              <a:buChar char="-"/>
-            </a:pPr>
-            <a:r>
-              <a:rPr lang="ru-RU" sz="3200" dirty="0" smtClean="0"/>
-              <a:t>Браузеры </a:t>
-            </a:r>
-            <a:r>
-              <a:rPr lang="en-US" sz="3200" dirty="0" smtClean="0"/>
-              <a:t>(Opera, Google Chrome).</a:t>
-            </a:r>
-            <a:endParaRPr lang="ru-RU" sz="3200" dirty="0" smtClean="0"/>
-          </a:p>
-        </p:txBody>
-      </p:sp>
-    </p:spTree>
-    <p:extLst>
-      <p:ext uri="{BB962C8B-B14F-4D97-AF65-F5344CB8AC3E}">
-        <p14:creationId xmlns:p14="http://schemas.microsoft.com/office/powerpoint/2010/main" val="3090892600"/>
-      </p:ext>
-    </p:extLst>
-  </p:cSld>
-  <p:clrMapOvr>
-    <a:masterClrMapping/>
-  </p:clrMapOvr>
-  <p:timing>
-    <p:tnLst>
-      <p:par>
-        <p:cTn id="1" dur="indefinite" restart="never" nodeType="tmRoot"/>
-      </p:par>
-    </p:tnLst>
-  </p:timing>
-</p:sld>
-</file>
-
-<file path=ppt/slides/slide15.xml><?xml version="1.0" encoding="utf-8"?>
-<p:sld xmlns:a="http://schemas.openxmlformats.org/drawingml/2006/main" xmlns:r="http://schemas.openxmlformats.org/officeDocument/2006/relationships" xmlns:p="http://schemas.openxmlformats.org/presentationml/2006/main">
-  <p:cSld>
-    <p:spTree>
-      <p:nvGrpSpPr>
-        <p:cNvPr id="1" name=""/>
-        <p:cNvGrpSpPr/>
-        <p:nvPr/>
-      </p:nvGrpSpPr>
-      <p:grpSpPr>
-        <a:xfrm>
-          <a:off x="0" y="0"/>
-          <a:ext cx="0" cy="0"/>
-          <a:chOff x="0" y="0"/>
-          <a:chExt cx="0" cy="0"/>
-        </a:xfrm>
-      </p:grpSpPr>
-      <p:sp>
-        <p:nvSpPr>
-          <p:cNvPr id="4" name="TextBox 3"/>
-          <p:cNvSpPr txBox="1"/>
-          <p:nvPr/>
-        </p:nvSpPr>
-        <p:spPr>
-          <a:xfrm>
             <a:off x="251520" y="190959"/>
             <a:ext cx="8640960" cy="830997"/>
           </a:xfrm>
@@ -4854,7 +4454,6 @@
           </a:bodyPr>
           <a:lstStyle/>
           <a:p>
-            <a:pPr algn="ctr"/>
             <a:r>
               <a:rPr lang="ru-RU" sz="4800" dirty="0" smtClean="0">
                 <a:solidFill>
@@ -4888,501 +4487,7 @@
           <p:nvPr>
             <p:extLst>
               <p:ext uri="{D42A27DB-BD31-4B8C-83A1-F6EECF244321}">
-                <p14:modId xmlns:p14="http://schemas.microsoft.com/office/powerpoint/2010/main" val="1641133425"/>
-              </p:ext>
-            </p:extLst>
-          </p:nvPr>
-        </p:nvGraphicFramePr>
-        <p:xfrm>
-          <a:off x="74775" y="2236626"/>
-          <a:ext cx="5213160" cy="3766815"/>
-        </p:xfrm>
-        <a:graphic>
-          <a:graphicData uri="http://schemas.openxmlformats.org/presentationml/2006/ole">
-            <mc:AlternateContent xmlns:mc="http://schemas.openxmlformats.org/markup-compatibility/2006">
-              <mc:Choice xmlns:v="urn:schemas-microsoft-com:vml" Requires="v">
-                <p:oleObj spid="_x0000_s15378" name="Visio" r:id="rId3" imgW="4714900" imgH="3406320" progId="Visio.Drawing.11">
-                  <p:embed/>
-                </p:oleObj>
-              </mc:Choice>
-              <mc:Fallback>
-                <p:oleObj name="Visio" r:id="rId3" imgW="4714900" imgH="3406320" progId="Visio.Drawing.11">
-                  <p:embed/>
-                  <p:pic>
-                    <p:nvPicPr>
-                      <p:cNvPr id="0" name=""/>
-                      <p:cNvPicPr/>
-                      <p:nvPr/>
-                    </p:nvPicPr>
-                    <p:blipFill>
-                      <a:blip r:embed="rId4"/>
-                      <a:stretch>
-                        <a:fillRect/>
-                      </a:stretch>
-                    </p:blipFill>
-                    <p:spPr>
-                      <a:xfrm>
-                        <a:off x="74775" y="2236626"/>
-                        <a:ext cx="5213160" cy="3766815"/>
-                      </a:xfrm>
-                      <a:prstGeom prst="rect">
-                        <a:avLst/>
-                      </a:prstGeom>
-                    </p:spPr>
-                  </p:pic>
-                </p:oleObj>
-              </mc:Fallback>
-            </mc:AlternateContent>
-          </a:graphicData>
-        </a:graphic>
-      </p:graphicFrame>
-      <p:graphicFrame>
-        <p:nvGraphicFramePr>
-          <p:cNvPr id="5" name="Объект 4"/>
-          <p:cNvGraphicFramePr>
-            <a:graphicFrameLocks noChangeAspect="1"/>
-          </p:cNvGraphicFramePr>
-          <p:nvPr>
-            <p:extLst>
-              <p:ext uri="{D42A27DB-BD31-4B8C-83A1-F6EECF244321}">
-                <p14:modId xmlns:p14="http://schemas.microsoft.com/office/powerpoint/2010/main" val="353098211"/>
-              </p:ext>
-            </p:extLst>
-          </p:nvPr>
-        </p:nvGraphicFramePr>
-        <p:xfrm>
-          <a:off x="5362710" y="2002755"/>
-          <a:ext cx="3706515" cy="4234557"/>
-        </p:xfrm>
-        <a:graphic>
-          <a:graphicData uri="http://schemas.openxmlformats.org/presentationml/2006/ole">
-            <mc:AlternateContent xmlns:mc="http://schemas.openxmlformats.org/markup-compatibility/2006">
-              <mc:Choice xmlns:v="urn:schemas-microsoft-com:vml" Requires="v">
-                <p:oleObj spid="_x0000_s15379" name="Visio" r:id="rId5" imgW="3455000" imgH="3946320" progId="Visio.Drawing.11">
-                  <p:embed/>
-                </p:oleObj>
-              </mc:Choice>
-              <mc:Fallback>
-                <p:oleObj name="Visio" r:id="rId5" imgW="3455000" imgH="3946320" progId="Visio.Drawing.11">
-                  <p:embed/>
-                  <p:pic>
-                    <p:nvPicPr>
-                      <p:cNvPr id="0" name=""/>
-                      <p:cNvPicPr/>
-                      <p:nvPr/>
-                    </p:nvPicPr>
-                    <p:blipFill>
-                      <a:blip r:embed="rId6"/>
-                      <a:stretch>
-                        <a:fillRect/>
-                      </a:stretch>
-                    </p:blipFill>
-                    <p:spPr>
-                      <a:xfrm>
-                        <a:off x="5362710" y="2002755"/>
-                        <a:ext cx="3706515" cy="4234557"/>
-                      </a:xfrm>
-                      <a:prstGeom prst="rect">
-                        <a:avLst/>
-                      </a:prstGeom>
-                    </p:spPr>
-                  </p:pic>
-                </p:oleObj>
-              </mc:Fallback>
-            </mc:AlternateContent>
-          </a:graphicData>
-        </a:graphic>
-      </p:graphicFrame>
-      <p:sp>
-        <p:nvSpPr>
-          <p:cNvPr id="6" name="TextBox 5"/>
-          <p:cNvSpPr txBox="1"/>
-          <p:nvPr/>
-        </p:nvSpPr>
-        <p:spPr>
-          <a:xfrm>
-            <a:off x="792089" y="1272209"/>
-            <a:ext cx="3203847" cy="646331"/>
-          </a:xfrm>
-          <a:prstGeom prst="rect">
-            <a:avLst/>
-          </a:prstGeom>
-          <a:noFill/>
-        </p:spPr>
-        <p:txBody>
-          <a:bodyPr wrap="square" rtlCol="0" anchor="ctr">
-            <a:spAutoFit/>
-          </a:bodyPr>
-          <a:lstStyle/>
-          <a:p>
-            <a:pPr algn="ctr"/>
-            <a:r>
-              <a:rPr lang="en-US" sz="3600" dirty="0" smtClean="0">
-                <a:solidFill>
-                  <a:schemeClr val="tx2">
-                    <a:lumMod val="25000"/>
-                  </a:schemeClr>
-                </a:solidFill>
-                <a:latin typeface="Calibri" pitchFamily="34" charset="0"/>
-                <a:cs typeface="Calibri" pitchFamily="34" charset="0"/>
-              </a:rPr>
-              <a:t>MVC</a:t>
-            </a:r>
-            <a:endParaRPr lang="ru-RU" sz="3600" dirty="0">
-              <a:solidFill>
-                <a:schemeClr val="tx2">
-                  <a:lumMod val="25000"/>
-                </a:schemeClr>
-              </a:solidFill>
-              <a:latin typeface="Calibri" pitchFamily="34" charset="0"/>
-              <a:cs typeface="Calibri" pitchFamily="34" charset="0"/>
-            </a:endParaRPr>
-          </a:p>
-        </p:txBody>
-      </p:sp>
-      <p:sp>
-        <p:nvSpPr>
-          <p:cNvPr id="7" name="TextBox 6"/>
-          <p:cNvSpPr txBox="1"/>
-          <p:nvPr/>
-        </p:nvSpPr>
-        <p:spPr>
-          <a:xfrm>
-            <a:off x="5364088" y="1268760"/>
-            <a:ext cx="3360373" cy="646331"/>
-          </a:xfrm>
-          <a:prstGeom prst="rect">
-            <a:avLst/>
-          </a:prstGeom>
-          <a:noFill/>
-        </p:spPr>
-        <p:txBody>
-          <a:bodyPr wrap="square" rtlCol="0" anchor="ctr">
-            <a:spAutoFit/>
-          </a:bodyPr>
-          <a:lstStyle/>
-          <a:p>
-            <a:pPr algn="ctr"/>
-            <a:r>
-              <a:rPr lang="en-US" sz="3600" dirty="0" smtClean="0">
-                <a:solidFill>
-                  <a:schemeClr val="tx2">
-                    <a:lumMod val="25000"/>
-                  </a:schemeClr>
-                </a:solidFill>
-                <a:latin typeface="Calibri" pitchFamily="34" charset="0"/>
-                <a:cs typeface="Calibri" pitchFamily="34" charset="0"/>
-              </a:rPr>
-              <a:t>MVP</a:t>
-            </a:r>
-            <a:endParaRPr lang="ru-RU" sz="3600" dirty="0">
-              <a:solidFill>
-                <a:schemeClr val="tx2">
-                  <a:lumMod val="25000"/>
-                </a:schemeClr>
-              </a:solidFill>
-              <a:latin typeface="Calibri" pitchFamily="34" charset="0"/>
-              <a:cs typeface="Calibri" pitchFamily="34" charset="0"/>
-            </a:endParaRPr>
-          </a:p>
-        </p:txBody>
-      </p:sp>
-    </p:spTree>
-    <p:extLst>
-      <p:ext uri="{BB962C8B-B14F-4D97-AF65-F5344CB8AC3E}">
-        <p14:creationId xmlns:p14="http://schemas.microsoft.com/office/powerpoint/2010/main" val="493335762"/>
-      </p:ext>
-    </p:extLst>
-  </p:cSld>
-  <p:clrMapOvr>
-    <a:masterClrMapping/>
-  </p:clrMapOvr>
-  <p:timing>
-    <p:tnLst>
-      <p:par>
-        <p:cTn id="1" dur="indefinite" restart="never" nodeType="tmRoot">
-          <p:childTnLst>
-            <p:seq concurrent="1" nextAc="seek">
-              <p:cTn id="2" dur="indefinite" nodeType="mainSeq">
-                <p:childTnLst>
-                  <p:par>
-                    <p:cTn id="3" fill="hold">
-                      <p:stCondLst>
-                        <p:cond delay="indefinite"/>
-                      </p:stCondLst>
-                      <p:childTnLst>
-                        <p:par>
-                          <p:cTn id="4" fill="hold">
-                            <p:stCondLst>
-                              <p:cond delay="0"/>
-                            </p:stCondLst>
-                            <p:childTnLst>
-                              <p:par>
-                                <p:cTn id="5" presetID="10" presetClass="entr" presetSubtype="0" fill="hold" nodeType="clickEffect">
-                                  <p:stCondLst>
-                                    <p:cond delay="0"/>
-                                  </p:stCondLst>
-                                  <p:childTnLst>
-                                    <p:set>
-                                      <p:cBhvr>
-                                        <p:cTn id="6" dur="1" fill="hold">
-                                          <p:stCondLst>
-                                            <p:cond delay="0"/>
-                                          </p:stCondLst>
-                                        </p:cTn>
-                                        <p:tgtEl>
-                                          <p:spTgt spid="3"/>
-                                        </p:tgtEl>
-                                        <p:attrNameLst>
-                                          <p:attrName>style.visibility</p:attrName>
-                                        </p:attrNameLst>
-                                      </p:cBhvr>
-                                      <p:to>
-                                        <p:strVal val="visible"/>
-                                      </p:to>
-                                    </p:set>
-                                    <p:animEffect transition="in" filter="fade">
-                                      <p:cBhvr>
-                                        <p:cTn id="7" dur="500"/>
-                                        <p:tgtEl>
-                                          <p:spTgt spid="3"/>
-                                        </p:tgtEl>
-                                      </p:cBhvr>
-                                    </p:animEffect>
-                                  </p:childTnLst>
-                                </p:cTn>
-                              </p:par>
-                              <p:par>
-                                <p:cTn id="8" presetID="10" presetClass="entr" presetSubtype="0" fill="hold" grpId="0" nodeType="withEffect">
-                                  <p:stCondLst>
-                                    <p:cond delay="0"/>
-                                  </p:stCondLst>
-                                  <p:childTnLst>
-                                    <p:set>
-                                      <p:cBhvr>
-                                        <p:cTn id="9" dur="1" fill="hold">
-                                          <p:stCondLst>
-                                            <p:cond delay="0"/>
-                                          </p:stCondLst>
-                                        </p:cTn>
-                                        <p:tgtEl>
-                                          <p:spTgt spid="6"/>
-                                        </p:tgtEl>
-                                        <p:attrNameLst>
-                                          <p:attrName>style.visibility</p:attrName>
-                                        </p:attrNameLst>
-                                      </p:cBhvr>
-                                      <p:to>
-                                        <p:strVal val="visible"/>
-                                      </p:to>
-                                    </p:set>
-                                    <p:animEffect transition="in" filter="fade">
-                                      <p:cBhvr>
-                                        <p:cTn id="10" dur="500"/>
-                                        <p:tgtEl>
-                                          <p:spTgt spid="6"/>
-                                        </p:tgtEl>
-                                      </p:cBhvr>
-                                    </p:animEffect>
-                                  </p:childTnLst>
-                                </p:cTn>
-                              </p:par>
-                            </p:childTnLst>
-                          </p:cTn>
-                        </p:par>
-                      </p:childTnLst>
-                    </p:cTn>
-                  </p:par>
-                  <p:par>
-                    <p:cTn id="11" fill="hold">
-                      <p:stCondLst>
-                        <p:cond delay="indefinite"/>
-                      </p:stCondLst>
-                      <p:childTnLst>
-                        <p:par>
-                          <p:cTn id="12" fill="hold">
-                            <p:stCondLst>
-                              <p:cond delay="0"/>
-                            </p:stCondLst>
-                            <p:childTnLst>
-                              <p:par>
-                                <p:cTn id="13" presetID="10" presetClass="entr" presetSubtype="0" fill="hold" nodeType="clickEffect">
-                                  <p:stCondLst>
-                                    <p:cond delay="0"/>
-                                  </p:stCondLst>
-                                  <p:childTnLst>
-                                    <p:set>
-                                      <p:cBhvr>
-                                        <p:cTn id="14" dur="1" fill="hold">
-                                          <p:stCondLst>
-                                            <p:cond delay="0"/>
-                                          </p:stCondLst>
-                                        </p:cTn>
-                                        <p:tgtEl>
-                                          <p:spTgt spid="5"/>
-                                        </p:tgtEl>
-                                        <p:attrNameLst>
-                                          <p:attrName>style.visibility</p:attrName>
-                                        </p:attrNameLst>
-                                      </p:cBhvr>
-                                      <p:to>
-                                        <p:strVal val="visible"/>
-                                      </p:to>
-                                    </p:set>
-                                    <p:animEffect transition="in" filter="fade">
-                                      <p:cBhvr>
-                                        <p:cTn id="15" dur="500"/>
-                                        <p:tgtEl>
-                                          <p:spTgt spid="5"/>
-                                        </p:tgtEl>
-                                      </p:cBhvr>
-                                    </p:animEffect>
-                                  </p:childTnLst>
-                                </p:cTn>
-                              </p:par>
-                              <p:par>
-                                <p:cTn id="16" presetID="10" presetClass="entr" presetSubtype="0" fill="hold" grpId="0" nodeType="withEffect">
-                                  <p:stCondLst>
-                                    <p:cond delay="0"/>
-                                  </p:stCondLst>
-                                  <p:childTnLst>
-                                    <p:set>
-                                      <p:cBhvr>
-                                        <p:cTn id="17" dur="1" fill="hold">
-                                          <p:stCondLst>
-                                            <p:cond delay="0"/>
-                                          </p:stCondLst>
-                                        </p:cTn>
-                                        <p:tgtEl>
-                                          <p:spTgt spid="7"/>
-                                        </p:tgtEl>
-                                        <p:attrNameLst>
-                                          <p:attrName>style.visibility</p:attrName>
-                                        </p:attrNameLst>
-                                      </p:cBhvr>
-                                      <p:to>
-                                        <p:strVal val="visible"/>
-                                      </p:to>
-                                    </p:set>
-                                    <p:animEffect transition="in" filter="fade">
-                                      <p:cBhvr>
-                                        <p:cTn id="18" dur="500"/>
-                                        <p:tgtEl>
-                                          <p:spTgt spid="7"/>
-                                        </p:tgtEl>
-                                      </p:cBhvr>
-                                    </p:animEffect>
-                                  </p:childTnLst>
-                                </p:cTn>
-                              </p:par>
-                            </p:childTnLst>
-                          </p:cTn>
-                        </p:par>
-                      </p:childTnLst>
-                    </p:cTn>
-                  </p:par>
-                </p:childTnLst>
-              </p:cTn>
-              <p:prevCondLst>
-                <p:cond evt="onPrev" delay="0">
-                  <p:tgtEl>
-                    <p:sldTgt/>
-                  </p:tgtEl>
-                </p:cond>
-              </p:prevCondLst>
-              <p:nextCondLst>
-                <p:cond evt="onNext" delay="0">
-                  <p:tgtEl>
-                    <p:sldTgt/>
-                  </p:tgtEl>
-                </p:cond>
-              </p:nextCondLst>
-            </p:seq>
-          </p:childTnLst>
-        </p:cTn>
-      </p:par>
-    </p:tnLst>
-    <p:bldLst>
-      <p:bldP spid="6" grpId="0"/>
-      <p:bldP spid="7" grpId="0"/>
-    </p:bldLst>
-  </p:timing>
-</p:sld>
-</file>
-
-<file path=ppt/slides/slide16.xml><?xml version="1.0" encoding="utf-8"?>
-<p:sld xmlns:a="http://schemas.openxmlformats.org/drawingml/2006/main" xmlns:r="http://schemas.openxmlformats.org/officeDocument/2006/relationships" xmlns:p="http://schemas.openxmlformats.org/presentationml/2006/main">
-  <p:cSld>
-    <p:spTree>
-      <p:nvGrpSpPr>
-        <p:cNvPr id="1" name=""/>
-        <p:cNvGrpSpPr/>
-        <p:nvPr/>
-      </p:nvGrpSpPr>
-      <p:grpSpPr>
-        <a:xfrm>
-          <a:off x="0" y="0"/>
-          <a:ext cx="0" cy="0"/>
-          <a:chOff x="0" y="0"/>
-          <a:chExt cx="0" cy="0"/>
-        </a:xfrm>
-      </p:grpSpPr>
-      <p:sp>
-        <p:nvSpPr>
-          <p:cNvPr id="4" name="TextBox 3"/>
-          <p:cNvSpPr txBox="1"/>
-          <p:nvPr/>
-        </p:nvSpPr>
-        <p:spPr>
-          <a:xfrm>
-            <a:off x="251520" y="190959"/>
-            <a:ext cx="8640960" cy="830997"/>
-          </a:xfrm>
-          <a:prstGeom prst="rect">
-            <a:avLst/>
-          </a:prstGeom>
-          <a:noFill/>
-        </p:spPr>
-        <p:txBody>
-          <a:bodyPr wrap="square" rtlCol="0" anchor="ctr">
-            <a:spAutoFit/>
-          </a:bodyPr>
-          <a:lstStyle/>
-          <a:p>
-            <a:r>
-              <a:rPr lang="ru-RU" sz="4800" dirty="0" smtClean="0">
-                <a:solidFill>
-                  <a:schemeClr val="tx2">
-                    <a:lumMod val="25000"/>
-                  </a:schemeClr>
-                </a:solidFill>
-                <a:latin typeface="Calibri" pitchFamily="34" charset="0"/>
-                <a:cs typeface="Calibri" pitchFamily="34" charset="0"/>
-              </a:rPr>
-              <a:t>Архитектура веб-приложения</a:t>
-            </a:r>
-            <a:endParaRPr lang="ru-RU" sz="4800" dirty="0">
-              <a:solidFill>
-                <a:schemeClr val="tx2">
-                  <a:lumMod val="25000"/>
-                </a:schemeClr>
-              </a:solidFill>
-              <a:latin typeface="Calibri" pitchFamily="34" charset="0"/>
-              <a:cs typeface="Calibri" pitchFamily="34" charset="0"/>
-            </a:endParaRPr>
-          </a:p>
-        </p:txBody>
-      </p:sp>
-      <p:graphicFrame>
-        <p:nvGraphicFramePr>
-          <p:cNvPr id="3" name="Объект 2"/>
-          <p:cNvGraphicFramePr>
-            <a:graphicFrameLocks noChangeAspect="1"/>
-          </p:cNvGraphicFramePr>
-          <p:nvPr>
-            <p:extLst>
-              <p:ext uri="{D42A27DB-BD31-4B8C-83A1-F6EECF244321}">
-                <p14:modId xmlns:p14="http://schemas.microsoft.com/office/powerpoint/2010/main" val="3656824706"/>
+                <p14:modId xmlns:p14="http://schemas.microsoft.com/office/powerpoint/2010/main" val="2717818397"/>
               </p:ext>
             </p:extLst>
           </p:nvPr>
@@ -5395,7 +4500,7 @@
           <a:graphicData uri="http://schemas.openxmlformats.org/presentationml/2006/ole">
             <mc:AlternateContent xmlns:mc="http://schemas.openxmlformats.org/markup-compatibility/2006">
               <mc:Choice xmlns:v="urn:schemas-microsoft-com:vml" Requires="v">
-                <p:oleObj spid="_x0000_s16394" name="Visio" r:id="rId3" imgW="7234971" imgH="5531760" progId="Visio.Drawing.11">
+                <p:oleObj spid="_x0000_s3102" name="Visio" r:id="rId3" imgW="7234971" imgH="5531760" progId="Visio.Drawing.11">
                   <p:embed/>
                 </p:oleObj>
               </mc:Choice>
@@ -5493,7 +4598,7 @@
     </p:spTree>
     <p:extLst>
       <p:ext uri="{BB962C8B-B14F-4D97-AF65-F5344CB8AC3E}">
-        <p14:creationId xmlns:p14="http://schemas.microsoft.com/office/powerpoint/2010/main" val="655322680"/>
+        <p14:creationId xmlns:p14="http://schemas.microsoft.com/office/powerpoint/2010/main" val="3186201731"/>
       </p:ext>
     </p:extLst>
   </p:cSld>
@@ -5510,7 +4615,7 @@
 </p:sld>
 </file>
 
-<file path=ppt/slides/slide17.xml><?xml version="1.0" encoding="utf-8"?>
+<file path=ppt/slides/slide11.xml><?xml version="1.0" encoding="utf-8"?>
 <p:sld xmlns:a="http://schemas.openxmlformats.org/drawingml/2006/main" xmlns:r="http://schemas.openxmlformats.org/officeDocument/2006/relationships" xmlns:p="http://schemas.openxmlformats.org/presentationml/2006/main">
   <p:cSld>
     <p:spTree>
@@ -5628,7 +4733,7 @@
           <p:nvPr>
             <p:extLst>
               <p:ext uri="{D42A27DB-BD31-4B8C-83A1-F6EECF244321}">
-                <p14:modId xmlns:p14="http://schemas.microsoft.com/office/powerpoint/2010/main" val="3427758103"/>
+                <p14:modId xmlns:p14="http://schemas.microsoft.com/office/powerpoint/2010/main" val="4162909663"/>
               </p:ext>
             </p:extLst>
           </p:nvPr>
@@ -5641,7 +4746,7 @@
           <a:graphicData uri="http://schemas.openxmlformats.org/presentationml/2006/ole">
             <mc:AlternateContent xmlns:mc="http://schemas.openxmlformats.org/markup-compatibility/2006">
               <mc:Choice xmlns:v="urn:schemas-microsoft-com:vml" Requires="v">
-                <p:oleObj spid="_x0000_s17418" name="Visio" r:id="rId3" imgW="7954875" imgH="3843720" progId="Visio.Drawing.11">
+                <p:oleObj spid="_x0000_s4125" name="Visio" r:id="rId3" imgW="7954875" imgH="3843720" progId="Visio.Drawing.11">
                   <p:embed/>
                 </p:oleObj>
               </mc:Choice>
@@ -5679,7 +4784,7 @@
     </p:spTree>
     <p:extLst>
       <p:ext uri="{BB962C8B-B14F-4D97-AF65-F5344CB8AC3E}">
-        <p14:creationId xmlns:p14="http://schemas.microsoft.com/office/powerpoint/2010/main" val="3019152673"/>
+        <p14:creationId xmlns:p14="http://schemas.microsoft.com/office/powerpoint/2010/main" val="1588801949"/>
       </p:ext>
     </p:extLst>
   </p:cSld>
@@ -5696,7 +4801,7 @@
 </p:sld>
 </file>
 
-<file path=ppt/slides/slide18.xml><?xml version="1.0" encoding="utf-8"?>
+<file path=ppt/slides/slide12.xml><?xml version="1.0" encoding="utf-8"?>
 <p:sld xmlns:a="http://schemas.openxmlformats.org/drawingml/2006/main" xmlns:r="http://schemas.openxmlformats.org/officeDocument/2006/relationships" xmlns:p="http://schemas.openxmlformats.org/presentationml/2006/main">
   <p:cSld>
     <p:spTree>
@@ -5814,7 +4919,7 @@
           <p:nvPr>
             <p:extLst>
               <p:ext uri="{D42A27DB-BD31-4B8C-83A1-F6EECF244321}">
-                <p14:modId xmlns:p14="http://schemas.microsoft.com/office/powerpoint/2010/main" val="2870794601"/>
+                <p14:modId xmlns:p14="http://schemas.microsoft.com/office/powerpoint/2010/main" val="1893791108"/>
               </p:ext>
             </p:extLst>
           </p:nvPr>
@@ -5827,7 +4932,7 @@
           <a:graphicData uri="http://schemas.openxmlformats.org/presentationml/2006/ole">
             <mc:AlternateContent xmlns:mc="http://schemas.openxmlformats.org/markup-compatibility/2006">
               <mc:Choice xmlns:v="urn:schemas-microsoft-com:vml" Requires="v">
-                <p:oleObj spid="_x0000_s19465" name="Visio" r:id="rId3" imgW="8675049" imgH="4026240" progId="Visio.Drawing.11">
+                <p:oleObj spid="_x0000_s5149" name="Visio" r:id="rId3" imgW="8675049" imgH="4026240" progId="Visio.Drawing.11">
                   <p:embed/>
                 </p:oleObj>
               </mc:Choice>
@@ -5865,7 +4970,7 @@
     </p:spTree>
     <p:extLst>
       <p:ext uri="{BB962C8B-B14F-4D97-AF65-F5344CB8AC3E}">
-        <p14:creationId xmlns:p14="http://schemas.microsoft.com/office/powerpoint/2010/main" val="1388848052"/>
+        <p14:creationId xmlns:p14="http://schemas.microsoft.com/office/powerpoint/2010/main" val="154633680"/>
       </p:ext>
     </p:extLst>
   </p:cSld>
@@ -5882,7 +4987,7 @@
 </p:sld>
 </file>
 
-<file path=ppt/slides/slide19.xml><?xml version="1.0" encoding="utf-8"?>
+<file path=ppt/slides/slide13.xml><?xml version="1.0" encoding="utf-8"?>
 <p:sld xmlns:a="http://schemas.openxmlformats.org/drawingml/2006/main" xmlns:r="http://schemas.openxmlformats.org/officeDocument/2006/relationships" xmlns:p="http://schemas.openxmlformats.org/presentationml/2006/main">
   <p:cSld>
     <p:spTree>
@@ -5922,10 +5027,18 @@
           <a:lstStyle/>
           <a:p>
             <a:r>
-              <a:rPr lang="ru-RU" sz="4800" dirty="0" smtClean="0"/>
+              <a:rPr lang="ru-RU" sz="4800" dirty="0" smtClean="0">
+                <a:solidFill>
+                  <a:prstClr val="black"/>
+                </a:solidFill>
+              </a:rPr>
               <a:t>Логическое проектирование базы данных</a:t>
             </a:r>
-            <a:endParaRPr lang="ru-RU" sz="4800" dirty="0"/>
+            <a:endParaRPr lang="ru-RU" sz="4800" dirty="0">
+              <a:solidFill>
+                <a:prstClr val="black"/>
+              </a:solidFill>
+            </a:endParaRPr>
           </a:p>
         </p:txBody>
       </p:sp>
@@ -6001,7 +5114,7 @@
         </p:nvSpPr>
         <p:spPr>
           <a:xfrm>
-            <a:off x="475546" y="5157192"/>
+            <a:off x="503548" y="5157192"/>
             <a:ext cx="7920880" cy="830997"/>
           </a:xfrm>
           <a:prstGeom prst="rect">
@@ -6016,17 +5129,25 @@
           <a:lstStyle/>
           <a:p>
             <a:r>
-              <a:rPr lang="ru-RU" sz="2400" dirty="0" smtClean="0"/>
+              <a:rPr lang="ru-RU" sz="2400" dirty="0" smtClean="0">
+                <a:solidFill>
+                  <a:prstClr val="black"/>
+                </a:solidFill>
+              </a:rPr>
               <a:t>Идентифицирующее отношение между сущностью «тема» и «категория»</a:t>
             </a:r>
-            <a:endParaRPr lang="ru-RU" sz="2400" dirty="0"/>
+            <a:endParaRPr lang="ru-RU" sz="2400" dirty="0">
+              <a:solidFill>
+                <a:prstClr val="black"/>
+              </a:solidFill>
+            </a:endParaRPr>
           </a:p>
         </p:txBody>
       </p:sp>
     </p:spTree>
     <p:extLst>
       <p:ext uri="{BB962C8B-B14F-4D97-AF65-F5344CB8AC3E}">
-        <p14:creationId xmlns:p14="http://schemas.microsoft.com/office/powerpoint/2010/main" val="1387174139"/>
+        <p14:creationId xmlns:p14="http://schemas.microsoft.com/office/powerpoint/2010/main" val="4200661662"/>
       </p:ext>
     </p:extLst>
   </p:cSld>
@@ -6043,7 +5164,7 @@
 </p:sld>
 </file>
 
-<file path=ppt/slides/slide2.xml><?xml version="1.0" encoding="utf-8"?>
+<file path=ppt/slides/slide14.xml><?xml version="1.0" encoding="utf-8"?>
 <p:sld xmlns:a="http://schemas.openxmlformats.org/drawingml/2006/main" xmlns:r="http://schemas.openxmlformats.org/officeDocument/2006/relationships" xmlns:p="http://schemas.openxmlformats.org/presentationml/2006/main">
   <p:cSld>
     <p:spTree>
@@ -6068,208 +5189,6 @@
         </p:nvSpPr>
         <p:spPr>
           <a:xfrm>
-            <a:off x="443817" y="652625"/>
-            <a:ext cx="8280920" cy="1569660"/>
-          </a:xfrm>
-          <a:prstGeom prst="rect">
-            <a:avLst/>
-          </a:prstGeom>
-          <a:noFill/>
-        </p:spPr>
-        <p:txBody>
-          <a:bodyPr wrap="square" rtlCol="0" anchor="ctr">
-            <a:spAutoFit/>
-          </a:bodyPr>
-          <a:lstStyle/>
-          <a:p>
-            <a:r>
-              <a:rPr lang="ru-RU" sz="4800" dirty="0" smtClean="0">
-                <a:solidFill>
-                  <a:schemeClr val="tx2">
-                    <a:lumMod val="25000"/>
-                  </a:schemeClr>
-                </a:solidFill>
-                <a:latin typeface="Calibri" pitchFamily="34" charset="0"/>
-                <a:cs typeface="Calibri" pitchFamily="34" charset="0"/>
-              </a:rPr>
-              <a:t>Категории веб-приложений, использующих </a:t>
-            </a:r>
-            <a:r>
-              <a:rPr lang="en-US" sz="4800" dirty="0" smtClean="0">
-                <a:solidFill>
-                  <a:schemeClr val="tx2">
-                    <a:lumMod val="25000"/>
-                  </a:schemeClr>
-                </a:solidFill>
-                <a:latin typeface="Calibri" pitchFamily="34" charset="0"/>
-                <a:cs typeface="Calibri" pitchFamily="34" charset="0"/>
-              </a:rPr>
-              <a:t>CMS:</a:t>
-            </a:r>
-            <a:endParaRPr lang="ru-RU" sz="4800" dirty="0">
-              <a:solidFill>
-                <a:schemeClr val="tx2">
-                  <a:lumMod val="25000"/>
-                </a:schemeClr>
-              </a:solidFill>
-              <a:latin typeface="Calibri" pitchFamily="34" charset="0"/>
-              <a:cs typeface="Calibri" pitchFamily="34" charset="0"/>
-            </a:endParaRPr>
-          </a:p>
-        </p:txBody>
-      </p:sp>
-      <p:sp>
-        <p:nvSpPr>
-          <p:cNvPr id="3" name="TextBox 2"/>
-          <p:cNvSpPr txBox="1"/>
-          <p:nvPr/>
-        </p:nvSpPr>
-        <p:spPr>
-          <a:xfrm>
-            <a:off x="463589" y="2831982"/>
-            <a:ext cx="8280920" cy="3416320"/>
-          </a:xfrm>
-          <a:prstGeom prst="rect">
-            <a:avLst/>
-          </a:prstGeom>
-          <a:noFill/>
-        </p:spPr>
-        <p:txBody>
-          <a:bodyPr wrap="square" rtlCol="0" anchor="ctr">
-            <a:spAutoFit/>
-          </a:bodyPr>
-          <a:lstStyle/>
-          <a:p>
-            <a:pPr marL="571500" indent="-571500">
-              <a:lnSpc>
-                <a:spcPct val="150000"/>
-              </a:lnSpc>
-              <a:buFontTx/>
-              <a:buChar char="-"/>
-            </a:pPr>
-            <a:r>
-              <a:rPr lang="ru-RU" sz="3600" dirty="0" smtClean="0">
-                <a:solidFill>
-                  <a:schemeClr val="tx2">
-                    <a:lumMod val="25000"/>
-                  </a:schemeClr>
-                </a:solidFill>
-                <a:latin typeface="Calibri" pitchFamily="34" charset="0"/>
-                <a:cs typeface="Calibri" pitchFamily="34" charset="0"/>
-              </a:rPr>
-              <a:t>информационные ресурсы</a:t>
-            </a:r>
-          </a:p>
-          <a:p>
-            <a:pPr marL="571500" indent="-571500">
-              <a:lnSpc>
-                <a:spcPct val="150000"/>
-              </a:lnSpc>
-              <a:buFontTx/>
-              <a:buChar char="-"/>
-            </a:pPr>
-            <a:r>
-              <a:rPr lang="ru-RU" sz="3600" dirty="0" smtClean="0">
-                <a:solidFill>
-                  <a:schemeClr val="tx2">
-                    <a:lumMod val="25000"/>
-                  </a:schemeClr>
-                </a:solidFill>
-                <a:latin typeface="Calibri" pitchFamily="34" charset="0"/>
-                <a:cs typeface="Calibri" pitchFamily="34" charset="0"/>
-              </a:rPr>
-              <a:t>интернет-представительства</a:t>
-            </a:r>
-          </a:p>
-          <a:p>
-            <a:pPr marL="571500" indent="-571500">
-              <a:lnSpc>
-                <a:spcPct val="150000"/>
-              </a:lnSpc>
-              <a:buFontTx/>
-              <a:buChar char="-"/>
-            </a:pPr>
-            <a:r>
-              <a:rPr lang="ru-RU" sz="3600" dirty="0" smtClean="0">
-                <a:solidFill>
-                  <a:schemeClr val="tx2">
-                    <a:lumMod val="25000"/>
-                  </a:schemeClr>
-                </a:solidFill>
-                <a:latin typeface="Calibri" pitchFamily="34" charset="0"/>
-                <a:cs typeface="Calibri" pitchFamily="34" charset="0"/>
-              </a:rPr>
-              <a:t>веб-сервисы</a:t>
-            </a:r>
-          </a:p>
-          <a:p>
-            <a:pPr marL="571500" indent="-571500">
-              <a:lnSpc>
-                <a:spcPct val="150000"/>
-              </a:lnSpc>
-              <a:buFontTx/>
-              <a:buChar char="-"/>
-            </a:pPr>
-            <a:r>
-              <a:rPr lang="ru-RU" sz="3600" dirty="0" smtClean="0">
-                <a:solidFill>
-                  <a:schemeClr val="tx2">
-                    <a:lumMod val="25000"/>
-                  </a:schemeClr>
-                </a:solidFill>
-                <a:latin typeface="Calibri" pitchFamily="34" charset="0"/>
-                <a:cs typeface="Calibri" pitchFamily="34" charset="0"/>
-              </a:rPr>
-              <a:t>комбинированные веб-сервисы</a:t>
-            </a:r>
-          </a:p>
-        </p:txBody>
-      </p:sp>
-    </p:spTree>
-    <p:extLst>
-      <p:ext uri="{BB962C8B-B14F-4D97-AF65-F5344CB8AC3E}">
-        <p14:creationId xmlns:p14="http://schemas.microsoft.com/office/powerpoint/2010/main" val="3068317123"/>
-      </p:ext>
-    </p:extLst>
-  </p:cSld>
-  <p:clrMapOvr>
-    <a:masterClrMapping/>
-  </p:clrMapOvr>
-  <p:timing>
-    <p:tnLst>
-      <p:par>
-        <p:cTn id="1" dur="indefinite" restart="never" nodeType="tmRoot"/>
-      </p:par>
-    </p:tnLst>
-  </p:timing>
-</p:sld>
-</file>
-
-<file path=ppt/slides/slide20.xml><?xml version="1.0" encoding="utf-8"?>
-<p:sld xmlns:a="http://schemas.openxmlformats.org/drawingml/2006/main" xmlns:r="http://schemas.openxmlformats.org/officeDocument/2006/relationships" xmlns:p="http://schemas.openxmlformats.org/presentationml/2006/main">
-  <p:cSld>
-    <p:spTree>
-      <p:nvGrpSpPr>
-        <p:cNvPr id="1" name=""/>
-        <p:cNvGrpSpPr/>
-        <p:nvPr/>
-      </p:nvGrpSpPr>
-      <p:grpSpPr>
-        <a:xfrm>
-          <a:off x="0" y="0"/>
-          <a:ext cx="0" cy="0"/>
-          <a:chOff x="0" y="0"/>
-          <a:chExt cx="0" cy="0"/>
-        </a:xfrm>
-      </p:grpSpPr>
-      <p:sp>
-        <p:nvSpPr>
-          <p:cNvPr id="4" name="TextBox 3"/>
-          <p:cNvSpPr txBox="1"/>
-          <p:nvPr/>
-        </p:nvSpPr>
-        <p:spPr>
-          <a:xfrm>
             <a:off x="323528" y="-36675"/>
             <a:ext cx="8280920" cy="1569660"/>
           </a:xfrm>
@@ -6285,10 +5204,18 @@
           <a:lstStyle/>
           <a:p>
             <a:r>
-              <a:rPr lang="ru-RU" sz="4800" dirty="0" smtClean="0"/>
+              <a:rPr lang="ru-RU" sz="4800" dirty="0" smtClean="0">
+                <a:solidFill>
+                  <a:prstClr val="black"/>
+                </a:solidFill>
+              </a:rPr>
               <a:t>Физическое проектирование базы данных</a:t>
             </a:r>
-            <a:endParaRPr lang="ru-RU" sz="4800" dirty="0"/>
+            <a:endParaRPr lang="ru-RU" sz="4800" dirty="0">
+              <a:solidFill>
+                <a:prstClr val="black"/>
+              </a:solidFill>
+            </a:endParaRPr>
           </a:p>
         </p:txBody>
       </p:sp>
@@ -6487,7 +5414,7 @@
     </p:spTree>
     <p:extLst>
       <p:ext uri="{BB962C8B-B14F-4D97-AF65-F5344CB8AC3E}">
-        <p14:creationId xmlns:p14="http://schemas.microsoft.com/office/powerpoint/2010/main" val="205580691"/>
+        <p14:creationId xmlns:p14="http://schemas.microsoft.com/office/powerpoint/2010/main" val="1677512868"/>
       </p:ext>
     </p:extLst>
   </p:cSld>
@@ -6504,7 +5431,7 @@
 </p:sld>
 </file>
 
-<file path=ppt/slides/slide21.xml><?xml version="1.0" encoding="utf-8"?>
+<file path=ppt/slides/slide15.xml><?xml version="1.0" encoding="utf-8"?>
 <p:sld xmlns:a="http://schemas.openxmlformats.org/drawingml/2006/main" xmlns:r="http://schemas.openxmlformats.org/officeDocument/2006/relationships" xmlns:p="http://schemas.openxmlformats.org/presentationml/2006/main">
   <p:cSld>
     <p:spTree>
@@ -7018,7 +5945,7 @@
     </p:spTree>
     <p:extLst>
       <p:ext uri="{BB962C8B-B14F-4D97-AF65-F5344CB8AC3E}">
-        <p14:creationId xmlns:p14="http://schemas.microsoft.com/office/powerpoint/2010/main" val="3266156340"/>
+        <p14:creationId xmlns:p14="http://schemas.microsoft.com/office/powerpoint/2010/main" val="91509198"/>
       </p:ext>
     </p:extLst>
   </p:cSld>
@@ -7345,7 +6272,7 @@
 </p:sld>
 </file>
 
-<file path=ppt/slides/slide22.xml><?xml version="1.0" encoding="utf-8"?>
+<file path=ppt/slides/slide16.xml><?xml version="1.0" encoding="utf-8"?>
 <p:sld xmlns:a="http://schemas.openxmlformats.org/drawingml/2006/main" xmlns:r="http://schemas.openxmlformats.org/officeDocument/2006/relationships" xmlns:p="http://schemas.openxmlformats.org/presentationml/2006/main">
   <p:cSld>
     <p:spTree>
@@ -7545,7 +6472,7 @@
           <p:nvPr>
             <p:extLst>
               <p:ext uri="{D42A27DB-BD31-4B8C-83A1-F6EECF244321}">
-                <p14:modId xmlns:p14="http://schemas.microsoft.com/office/powerpoint/2010/main" val="3432898757"/>
+                <p14:modId xmlns:p14="http://schemas.microsoft.com/office/powerpoint/2010/main" val="689596825"/>
               </p:ext>
             </p:extLst>
           </p:nvPr>
@@ -7558,7 +6485,7 @@
           <a:graphicData uri="http://schemas.openxmlformats.org/presentationml/2006/ole">
             <mc:AlternateContent xmlns:mc="http://schemas.openxmlformats.org/markup-compatibility/2006">
               <mc:Choice xmlns:v="urn:schemas-microsoft-com:vml" Requires="v">
-                <p:oleObj spid="_x0000_s18442" name="Visio" r:id="rId3" imgW="8526746" imgH="4026780" progId="Visio.Drawing.11">
+                <p:oleObj spid="_x0000_s7193" name="Visio" r:id="rId3" imgW="8526746" imgH="4026780" progId="Visio.Drawing.11">
                   <p:embed/>
                 </p:oleObj>
               </mc:Choice>
@@ -7596,7 +6523,7 @@
     </p:spTree>
     <p:extLst>
       <p:ext uri="{BB962C8B-B14F-4D97-AF65-F5344CB8AC3E}">
-        <p14:creationId xmlns:p14="http://schemas.microsoft.com/office/powerpoint/2010/main" val="1512625195"/>
+        <p14:creationId xmlns:p14="http://schemas.microsoft.com/office/powerpoint/2010/main" val="2767969894"/>
       </p:ext>
     </p:extLst>
   </p:cSld>
@@ -7745,7 +6672,7 @@
 </p:sld>
 </file>
 
-<file path=ppt/slides/slide23.xml><?xml version="1.0" encoding="utf-8"?>
+<file path=ppt/slides/slide17.xml><?xml version="1.0" encoding="utf-8"?>
 <p:sld xmlns:a="http://schemas.openxmlformats.org/drawingml/2006/main" xmlns:r="http://schemas.openxmlformats.org/officeDocument/2006/relationships" xmlns:p="http://schemas.openxmlformats.org/presentationml/2006/main">
   <p:cSld>
     <p:spTree>
@@ -7785,16 +6712,28 @@
           <a:lstStyle/>
           <a:p>
             <a:r>
-              <a:rPr lang="ru-RU" sz="4800" dirty="0" smtClean="0"/>
+              <a:rPr lang="ru-RU" sz="4800" dirty="0" smtClean="0">
+                <a:solidFill>
+                  <a:prstClr val="black"/>
+                </a:solidFill>
+              </a:rPr>
               <a:t>Проектирование модулей.</a:t>
             </a:r>
           </a:p>
           <a:p>
             <a:r>
-              <a:rPr lang="ru-RU" sz="3600" dirty="0" smtClean="0"/>
+              <a:rPr lang="ru-RU" sz="3600" dirty="0" smtClean="0">
+                <a:solidFill>
+                  <a:prstClr val="black"/>
+                </a:solidFill>
+              </a:rPr>
               <a:t>Регистрация</a:t>
             </a:r>
-            <a:endParaRPr lang="ru-RU" sz="3600" dirty="0"/>
+            <a:endParaRPr lang="ru-RU" sz="3600" dirty="0">
+              <a:solidFill>
+                <a:prstClr val="black"/>
+              </a:solidFill>
+            </a:endParaRPr>
           </a:p>
         </p:txBody>
       </p:sp>
@@ -7949,10 +6888,18 @@
           <a:lstStyle/>
           <a:p>
             <a:r>
-              <a:rPr lang="ru-RU" dirty="0" smtClean="0"/>
+              <a:rPr lang="ru-RU" dirty="0" smtClean="0">
+                <a:solidFill>
+                  <a:prstClr val="black"/>
+                </a:solidFill>
+              </a:rPr>
               <a:t> - Верно введенные данные</a:t>
             </a:r>
-            <a:endParaRPr lang="ru-RU" dirty="0"/>
+            <a:endParaRPr lang="ru-RU" dirty="0">
+              <a:solidFill>
+                <a:prstClr val="black"/>
+              </a:solidFill>
+            </a:endParaRPr>
           </a:p>
         </p:txBody>
       </p:sp>
@@ -7979,17 +6926,25 @@
           <a:lstStyle/>
           <a:p>
             <a:r>
-              <a:rPr lang="ru-RU" dirty="0" smtClean="0"/>
+              <a:rPr lang="ru-RU" dirty="0" smtClean="0">
+                <a:solidFill>
+                  <a:prstClr val="black"/>
+                </a:solidFill>
+              </a:rPr>
               <a:t> - Неверно введенные данные</a:t>
             </a:r>
-            <a:endParaRPr lang="ru-RU" dirty="0"/>
+            <a:endParaRPr lang="ru-RU" dirty="0">
+              <a:solidFill>
+                <a:prstClr val="black"/>
+              </a:solidFill>
+            </a:endParaRPr>
           </a:p>
         </p:txBody>
       </p:sp>
     </p:spTree>
     <p:extLst>
       <p:ext uri="{BB962C8B-B14F-4D97-AF65-F5344CB8AC3E}">
-        <p14:creationId xmlns:p14="http://schemas.microsoft.com/office/powerpoint/2010/main" val="157730296"/>
+        <p14:creationId xmlns:p14="http://schemas.microsoft.com/office/powerpoint/2010/main" val="3389567179"/>
       </p:ext>
     </p:extLst>
   </p:cSld>
@@ -8006,7 +6961,7 @@
 </p:sld>
 </file>
 
-<file path=ppt/slides/slide24.xml><?xml version="1.0" encoding="utf-8"?>
+<file path=ppt/slides/slide18.xml><?xml version="1.0" encoding="utf-8"?>
 <p:sld xmlns:a="http://schemas.openxmlformats.org/drawingml/2006/main" xmlns:r="http://schemas.openxmlformats.org/officeDocument/2006/relationships" xmlns:p="http://schemas.openxmlformats.org/presentationml/2006/main">
   <p:cSld>
     <p:spTree>
@@ -8046,16 +7001,28 @@
           <a:lstStyle/>
           <a:p>
             <a:r>
-              <a:rPr lang="ru-RU" sz="4800" dirty="0" smtClean="0"/>
+              <a:rPr lang="ru-RU" sz="4800" dirty="0" smtClean="0">
+                <a:solidFill>
+                  <a:prstClr val="black"/>
+                </a:solidFill>
+              </a:rPr>
               <a:t>Проектирование модулей.</a:t>
             </a:r>
           </a:p>
           <a:p>
             <a:r>
-              <a:rPr lang="ru-RU" sz="3600" dirty="0" smtClean="0"/>
+              <a:rPr lang="ru-RU" sz="3600" dirty="0" smtClean="0">
+                <a:solidFill>
+                  <a:prstClr val="black"/>
+                </a:solidFill>
+              </a:rPr>
               <a:t>Профиль пользователя</a:t>
             </a:r>
-            <a:endParaRPr lang="ru-RU" sz="3600" dirty="0"/>
+            <a:endParaRPr lang="ru-RU" sz="3600" dirty="0">
+              <a:solidFill>
+                <a:prstClr val="black"/>
+              </a:solidFill>
+            </a:endParaRPr>
           </a:p>
         </p:txBody>
       </p:sp>
@@ -8190,7 +7157,7 @@
     </p:spTree>
     <p:extLst>
       <p:ext uri="{BB962C8B-B14F-4D97-AF65-F5344CB8AC3E}">
-        <p14:creationId xmlns:p14="http://schemas.microsoft.com/office/powerpoint/2010/main" val="2484146632"/>
+        <p14:creationId xmlns:p14="http://schemas.microsoft.com/office/powerpoint/2010/main" val="3369476726"/>
       </p:ext>
     </p:extLst>
   </p:cSld>
@@ -8207,7 +7174,7 @@
 </p:sld>
 </file>
 
-<file path=ppt/slides/slide25.xml><?xml version="1.0" encoding="utf-8"?>
+<file path=ppt/slides/slide19.xml><?xml version="1.0" encoding="utf-8"?>
 <p:sld xmlns:a="http://schemas.openxmlformats.org/drawingml/2006/main" xmlns:r="http://schemas.openxmlformats.org/officeDocument/2006/relationships" xmlns:p="http://schemas.openxmlformats.org/presentationml/2006/main">
   <p:cSld>
     <p:spTree>
@@ -8247,16 +7214,28 @@
           <a:lstStyle/>
           <a:p>
             <a:r>
-              <a:rPr lang="ru-RU" sz="4800" dirty="0" smtClean="0"/>
+              <a:rPr lang="ru-RU" sz="4800" dirty="0" smtClean="0">
+                <a:solidFill>
+                  <a:prstClr val="black"/>
+                </a:solidFill>
+              </a:rPr>
               <a:t>Проектирование модулей.</a:t>
             </a:r>
           </a:p>
           <a:p>
             <a:r>
-              <a:rPr lang="ru-RU" sz="3600" dirty="0" smtClean="0"/>
+              <a:rPr lang="ru-RU" sz="3600" dirty="0" smtClean="0">
+                <a:solidFill>
+                  <a:prstClr val="black"/>
+                </a:solidFill>
+              </a:rPr>
               <a:t>Разделы форума</a:t>
             </a:r>
-            <a:endParaRPr lang="ru-RU" sz="3600" dirty="0"/>
+            <a:endParaRPr lang="ru-RU" sz="3600" dirty="0">
+              <a:solidFill>
+                <a:prstClr val="black"/>
+              </a:solidFill>
+            </a:endParaRPr>
           </a:p>
         </p:txBody>
       </p:sp>
@@ -8455,18 +7434,18 @@
     </p:spTree>
     <p:extLst>
       <p:ext uri="{BB962C8B-B14F-4D97-AF65-F5344CB8AC3E}">
-        <p14:creationId xmlns:p14="http://schemas.microsoft.com/office/powerpoint/2010/main" val="882461645"/>
+        <p14:creationId xmlns:p14="http://schemas.microsoft.com/office/powerpoint/2010/main" val="4051316672"/>
       </p:ext>
     </p:extLst>
   </p:cSld>
   <p:clrMapOvr>
     <a:masterClrMapping/>
   </p:clrMapOvr>
-  <mc:AlternateContent xmlns:mc="http://schemas.openxmlformats.org/markup-compatibility/2006">
-    <mc:Choice xmlns:p14="http://schemas.microsoft.com/office/powerpoint/2010/main" Requires="p14">
+  <mc:AlternateContent xmlns:mc="http://schemas.openxmlformats.org/markup-compatibility/2006" xmlns:p14="http://schemas.microsoft.com/office/powerpoint/2010/main">
+    <mc:Choice Requires="p14">
       <p:transition p14:dur="10"/>
     </mc:Choice>
-    <mc:Fallback>
+    <mc:Fallback xmlns="">
       <p:transition/>
     </mc:Fallback>
   </mc:AlternateContent>
@@ -8776,7 +7755,7 @@
 </p:sld>
 </file>
 
-<file path=ppt/slides/slide26.xml><?xml version="1.0" encoding="utf-8"?>
+<file path=ppt/slides/slide2.xml><?xml version="1.0" encoding="utf-8"?>
 <p:sld xmlns:a="http://schemas.openxmlformats.org/drawingml/2006/main" xmlns:r="http://schemas.openxmlformats.org/officeDocument/2006/relationships" xmlns:p="http://schemas.openxmlformats.org/presentationml/2006/main">
   <p:cSld>
     <p:spTree>
@@ -8801,6 +7780,208 @@
         </p:nvSpPr>
         <p:spPr>
           <a:xfrm>
+            <a:off x="443817" y="652625"/>
+            <a:ext cx="8280920" cy="1569660"/>
+          </a:xfrm>
+          <a:prstGeom prst="rect">
+            <a:avLst/>
+          </a:prstGeom>
+          <a:noFill/>
+        </p:spPr>
+        <p:txBody>
+          <a:bodyPr wrap="square" rtlCol="0" anchor="ctr">
+            <a:spAutoFit/>
+          </a:bodyPr>
+          <a:lstStyle/>
+          <a:p>
+            <a:r>
+              <a:rPr lang="ru-RU" sz="4800" dirty="0" smtClean="0">
+                <a:solidFill>
+                  <a:schemeClr val="tx2">
+                    <a:lumMod val="25000"/>
+                  </a:schemeClr>
+                </a:solidFill>
+                <a:latin typeface="Calibri" pitchFamily="34" charset="0"/>
+                <a:cs typeface="Calibri" pitchFamily="34" charset="0"/>
+              </a:rPr>
+              <a:t>Категории веб-приложений, использующих </a:t>
+            </a:r>
+            <a:r>
+              <a:rPr lang="en-US" sz="4800" dirty="0" smtClean="0">
+                <a:solidFill>
+                  <a:schemeClr val="tx2">
+                    <a:lumMod val="25000"/>
+                  </a:schemeClr>
+                </a:solidFill>
+                <a:latin typeface="Calibri" pitchFamily="34" charset="0"/>
+                <a:cs typeface="Calibri" pitchFamily="34" charset="0"/>
+              </a:rPr>
+              <a:t>CMS:</a:t>
+            </a:r>
+            <a:endParaRPr lang="ru-RU" sz="4800" dirty="0">
+              <a:solidFill>
+                <a:schemeClr val="tx2">
+                  <a:lumMod val="25000"/>
+                </a:schemeClr>
+              </a:solidFill>
+              <a:latin typeface="Calibri" pitchFamily="34" charset="0"/>
+              <a:cs typeface="Calibri" pitchFamily="34" charset="0"/>
+            </a:endParaRPr>
+          </a:p>
+        </p:txBody>
+      </p:sp>
+      <p:sp>
+        <p:nvSpPr>
+          <p:cNvPr id="3" name="TextBox 2"/>
+          <p:cNvSpPr txBox="1"/>
+          <p:nvPr/>
+        </p:nvSpPr>
+        <p:spPr>
+          <a:xfrm>
+            <a:off x="463589" y="2831982"/>
+            <a:ext cx="8280920" cy="3416320"/>
+          </a:xfrm>
+          <a:prstGeom prst="rect">
+            <a:avLst/>
+          </a:prstGeom>
+          <a:noFill/>
+        </p:spPr>
+        <p:txBody>
+          <a:bodyPr wrap="square" rtlCol="0" anchor="ctr">
+            <a:spAutoFit/>
+          </a:bodyPr>
+          <a:lstStyle/>
+          <a:p>
+            <a:pPr marL="571500" indent="-571500">
+              <a:lnSpc>
+                <a:spcPct val="150000"/>
+              </a:lnSpc>
+              <a:buFontTx/>
+              <a:buChar char="-"/>
+            </a:pPr>
+            <a:r>
+              <a:rPr lang="ru-RU" sz="3600" dirty="0" smtClean="0">
+                <a:solidFill>
+                  <a:schemeClr val="tx2">
+                    <a:lumMod val="25000"/>
+                  </a:schemeClr>
+                </a:solidFill>
+                <a:latin typeface="Calibri" pitchFamily="34" charset="0"/>
+                <a:cs typeface="Calibri" pitchFamily="34" charset="0"/>
+              </a:rPr>
+              <a:t>информационные ресурсы</a:t>
+            </a:r>
+          </a:p>
+          <a:p>
+            <a:pPr marL="571500" indent="-571500">
+              <a:lnSpc>
+                <a:spcPct val="150000"/>
+              </a:lnSpc>
+              <a:buFontTx/>
+              <a:buChar char="-"/>
+            </a:pPr>
+            <a:r>
+              <a:rPr lang="ru-RU" sz="3600" dirty="0" smtClean="0">
+                <a:solidFill>
+                  <a:schemeClr val="tx2">
+                    <a:lumMod val="25000"/>
+                  </a:schemeClr>
+                </a:solidFill>
+                <a:latin typeface="Calibri" pitchFamily="34" charset="0"/>
+                <a:cs typeface="Calibri" pitchFamily="34" charset="0"/>
+              </a:rPr>
+              <a:t>интернет-представительства</a:t>
+            </a:r>
+          </a:p>
+          <a:p>
+            <a:pPr marL="571500" indent="-571500">
+              <a:lnSpc>
+                <a:spcPct val="150000"/>
+              </a:lnSpc>
+              <a:buFontTx/>
+              <a:buChar char="-"/>
+            </a:pPr>
+            <a:r>
+              <a:rPr lang="ru-RU" sz="3600" dirty="0" smtClean="0">
+                <a:solidFill>
+                  <a:schemeClr val="tx2">
+                    <a:lumMod val="25000"/>
+                  </a:schemeClr>
+                </a:solidFill>
+                <a:latin typeface="Calibri" pitchFamily="34" charset="0"/>
+                <a:cs typeface="Calibri" pitchFamily="34" charset="0"/>
+              </a:rPr>
+              <a:t>веб-сервисы</a:t>
+            </a:r>
+          </a:p>
+          <a:p>
+            <a:pPr marL="571500" indent="-571500">
+              <a:lnSpc>
+                <a:spcPct val="150000"/>
+              </a:lnSpc>
+              <a:buFontTx/>
+              <a:buChar char="-"/>
+            </a:pPr>
+            <a:r>
+              <a:rPr lang="ru-RU" sz="3600" dirty="0" smtClean="0">
+                <a:solidFill>
+                  <a:schemeClr val="tx2">
+                    <a:lumMod val="25000"/>
+                  </a:schemeClr>
+                </a:solidFill>
+                <a:latin typeface="Calibri" pitchFamily="34" charset="0"/>
+                <a:cs typeface="Calibri" pitchFamily="34" charset="0"/>
+              </a:rPr>
+              <a:t>комбинированные веб-сервисы</a:t>
+            </a:r>
+          </a:p>
+        </p:txBody>
+      </p:sp>
+    </p:spTree>
+    <p:extLst>
+      <p:ext uri="{BB962C8B-B14F-4D97-AF65-F5344CB8AC3E}">
+        <p14:creationId xmlns:p14="http://schemas.microsoft.com/office/powerpoint/2010/main" val="1193869884"/>
+      </p:ext>
+    </p:extLst>
+  </p:cSld>
+  <p:clrMapOvr>
+    <a:masterClrMapping/>
+  </p:clrMapOvr>
+  <p:timing>
+    <p:tnLst>
+      <p:par>
+        <p:cTn id="1" dur="indefinite" restart="never" nodeType="tmRoot"/>
+      </p:par>
+    </p:tnLst>
+  </p:timing>
+</p:sld>
+</file>
+
+<file path=ppt/slides/slide20.xml><?xml version="1.0" encoding="utf-8"?>
+<p:sld xmlns:a="http://schemas.openxmlformats.org/drawingml/2006/main" xmlns:r="http://schemas.openxmlformats.org/officeDocument/2006/relationships" xmlns:p="http://schemas.openxmlformats.org/presentationml/2006/main">
+  <p:cSld>
+    <p:spTree>
+      <p:nvGrpSpPr>
+        <p:cNvPr id="1" name=""/>
+        <p:cNvGrpSpPr/>
+        <p:nvPr/>
+      </p:nvGrpSpPr>
+      <p:grpSpPr>
+        <a:xfrm>
+          <a:off x="0" y="0"/>
+          <a:ext cx="0" cy="0"/>
+          <a:chOff x="0" y="0"/>
+          <a:chExt cx="0" cy="0"/>
+        </a:xfrm>
+      </p:grpSpPr>
+      <p:sp>
+        <p:nvSpPr>
+          <p:cNvPr id="4" name="TextBox 3"/>
+          <p:cNvSpPr txBox="1"/>
+          <p:nvPr/>
+        </p:nvSpPr>
+        <p:spPr>
+          <a:xfrm>
             <a:off x="323528" y="332656"/>
             <a:ext cx="8280920" cy="830997"/>
           </a:xfrm>
@@ -8816,7 +7997,11 @@
           <a:lstStyle/>
           <a:p>
             <a:r>
-              <a:rPr lang="ru-RU" sz="4800" dirty="0" smtClean="0"/>
+              <a:rPr lang="ru-RU" sz="4800" dirty="0" smtClean="0">
+                <a:solidFill>
+                  <a:prstClr val="black"/>
+                </a:solidFill>
+              </a:rPr>
               <a:t>Проектирование модулей.</a:t>
             </a:r>
           </a:p>
@@ -8881,7 +8066,11 @@
           </a:bodyPr>
           <a:lstStyle/>
           <a:p>
-            <a:endParaRPr lang="ru-RU"/>
+            <a:endParaRPr lang="ru-RU">
+              <a:solidFill>
+                <a:prstClr val="white"/>
+              </a:solidFill>
+            </a:endParaRPr>
           </a:p>
         </p:txBody>
       </p:sp>
@@ -8894,7 +8083,7 @@
           <p:nvPr>
             <p:extLst>
               <p:ext uri="{D42A27DB-BD31-4B8C-83A1-F6EECF244321}">
-                <p14:modId xmlns:p14="http://schemas.microsoft.com/office/powerpoint/2010/main" val="1808019447"/>
+                <p14:modId xmlns:p14="http://schemas.microsoft.com/office/powerpoint/2010/main" val="4219684271"/>
               </p:ext>
             </p:extLst>
           </p:nvPr>
@@ -8907,7 +8096,7 @@
           <a:graphicData uri="http://schemas.openxmlformats.org/presentationml/2006/ole">
             <mc:AlternateContent xmlns:mc="http://schemas.openxmlformats.org/markup-compatibility/2006">
               <mc:Choice xmlns:v="urn:schemas-microsoft-com:vml" Requires="v">
-                <p:oleObj spid="_x0000_s13332" name="Visio" r:id="rId3" imgW="6322461" imgH="6354180" progId="Visio.Drawing.11">
+                <p:oleObj spid="_x0000_s8194" name="Visio" r:id="rId3" imgW="6322461" imgH="6354180" progId="Visio.Drawing.11">
                   <p:embed/>
                 </p:oleObj>
               </mc:Choice>
@@ -9020,7 +8209,11 @@
           </a:bodyPr>
           <a:lstStyle/>
           <a:p>
-            <a:endParaRPr lang="ru-RU"/>
+            <a:endParaRPr lang="ru-RU">
+              <a:solidFill>
+                <a:prstClr val="white"/>
+              </a:solidFill>
+            </a:endParaRPr>
           </a:p>
         </p:txBody>
       </p:sp>
@@ -9033,7 +8226,7 @@
           <p:nvPr>
             <p:extLst>
               <p:ext uri="{D42A27DB-BD31-4B8C-83A1-F6EECF244321}">
-                <p14:modId xmlns:p14="http://schemas.microsoft.com/office/powerpoint/2010/main" val="2483505274"/>
+                <p14:modId xmlns:p14="http://schemas.microsoft.com/office/powerpoint/2010/main" val="34484654"/>
               </p:ext>
             </p:extLst>
           </p:nvPr>
@@ -9046,7 +8239,7 @@
           <a:graphicData uri="http://schemas.openxmlformats.org/presentationml/2006/ole">
             <mc:AlternateContent xmlns:mc="http://schemas.openxmlformats.org/markup-compatibility/2006">
               <mc:Choice xmlns:v="urn:schemas-microsoft-com:vml" Requires="v">
-                <p:oleObj spid="_x0000_s13333" name="Visio" r:id="rId5" imgW="5741676" imgH="4985280" progId="Visio.Drawing.11">
+                <p:oleObj spid="_x0000_s8195" name="Visio" r:id="rId5" imgW="5741676" imgH="4985280" progId="Visio.Drawing.11">
                   <p:embed/>
                 </p:oleObj>
               </mc:Choice>
@@ -9117,7 +8310,11 @@
           <a:lstStyle/>
           <a:p>
             <a:r>
-              <a:rPr lang="ru-RU" sz="3600" dirty="0"/>
+              <a:rPr lang="ru-RU" sz="3600" dirty="0">
+                <a:solidFill>
+                  <a:prstClr val="black"/>
+                </a:solidFill>
+              </a:rPr>
               <a:t>Механизм разделения прав</a:t>
             </a:r>
           </a:p>
@@ -9126,7 +8323,7 @@
     </p:spTree>
     <p:extLst>
       <p:ext uri="{BB962C8B-B14F-4D97-AF65-F5344CB8AC3E}">
-        <p14:creationId xmlns:p14="http://schemas.microsoft.com/office/powerpoint/2010/main" val="1075865213"/>
+        <p14:creationId xmlns:p14="http://schemas.microsoft.com/office/powerpoint/2010/main" val="2751217686"/>
       </p:ext>
     </p:extLst>
   </p:cSld>
@@ -9143,7 +8340,7 @@
 </p:sld>
 </file>
 
-<file path=ppt/slides/slide27.xml><?xml version="1.0" encoding="utf-8"?>
+<file path=ppt/slides/slide21.xml><?xml version="1.0" encoding="utf-8"?>
 <p:sld xmlns:a="http://schemas.openxmlformats.org/drawingml/2006/main" xmlns:r="http://schemas.openxmlformats.org/officeDocument/2006/relationships" xmlns:p="http://schemas.openxmlformats.org/presentationml/2006/main">
   <p:cSld>
     <p:spTree>
@@ -9183,7 +8380,11 @@
           <a:lstStyle/>
           <a:p>
             <a:r>
-              <a:rPr lang="ru-RU" sz="4800" dirty="0" smtClean="0"/>
+              <a:rPr lang="ru-RU" sz="4800" dirty="0" smtClean="0">
+                <a:solidFill>
+                  <a:prstClr val="black"/>
+                </a:solidFill>
+              </a:rPr>
               <a:t>Проектирование модулей.</a:t>
             </a:r>
           </a:p>
@@ -9248,7 +8449,11 @@
           </a:bodyPr>
           <a:lstStyle/>
           <a:p>
-            <a:endParaRPr lang="ru-RU"/>
+            <a:endParaRPr lang="ru-RU">
+              <a:solidFill>
+                <a:prstClr val="white"/>
+              </a:solidFill>
+            </a:endParaRPr>
           </a:p>
         </p:txBody>
       </p:sp>
@@ -9311,7 +8516,11 @@
           </a:bodyPr>
           <a:lstStyle/>
           <a:p>
-            <a:endParaRPr lang="ru-RU"/>
+            <a:endParaRPr lang="ru-RU">
+              <a:solidFill>
+                <a:prstClr val="white"/>
+              </a:solidFill>
+            </a:endParaRPr>
           </a:p>
         </p:txBody>
       </p:sp>
@@ -9466,21 +8675,33 @@
           <a:lstStyle/>
           <a:p>
             <a:r>
-              <a:rPr lang="ru-RU" sz="3600" dirty="0"/>
+              <a:rPr lang="ru-RU" sz="3600" dirty="0">
+                <a:solidFill>
+                  <a:prstClr val="black"/>
+                </a:solidFill>
+              </a:rPr>
               <a:t>Шифрование </a:t>
             </a:r>
             <a:r>
-              <a:rPr lang="en-US" sz="3600" dirty="0" smtClean="0"/>
+              <a:rPr lang="en-US" sz="3600" dirty="0" smtClean="0">
+                <a:solidFill>
+                  <a:prstClr val="black"/>
+                </a:solidFill>
+              </a:rPr>
               <a:t>MD5</a:t>
             </a:r>
-            <a:endParaRPr lang="ru-RU" sz="3600" dirty="0"/>
+            <a:endParaRPr lang="ru-RU" sz="3600" dirty="0">
+              <a:solidFill>
+                <a:prstClr val="black"/>
+              </a:solidFill>
+            </a:endParaRPr>
           </a:p>
         </p:txBody>
       </p:sp>
     </p:spTree>
     <p:extLst>
       <p:ext uri="{BB962C8B-B14F-4D97-AF65-F5344CB8AC3E}">
-        <p14:creationId xmlns:p14="http://schemas.microsoft.com/office/powerpoint/2010/main" val="1396788787"/>
+        <p14:creationId xmlns:p14="http://schemas.microsoft.com/office/powerpoint/2010/main" val="3977544702"/>
       </p:ext>
     </p:extLst>
   </p:cSld>
@@ -9497,7 +8718,7 @@
 </p:sld>
 </file>
 
-<file path=ppt/slides/slide28.xml><?xml version="1.0" encoding="utf-8"?>
+<file path=ppt/slides/slide22.xml><?xml version="1.0" encoding="utf-8"?>
 <p:sld xmlns:a="http://schemas.openxmlformats.org/drawingml/2006/main" xmlns:r="http://schemas.openxmlformats.org/officeDocument/2006/relationships" xmlns:p="http://schemas.openxmlformats.org/presentationml/2006/main">
   <p:cSld>
     <p:spTree>
@@ -9787,7 +9008,7 @@
     </p:spTree>
     <p:extLst>
       <p:ext uri="{BB962C8B-B14F-4D97-AF65-F5344CB8AC3E}">
-        <p14:creationId xmlns:p14="http://schemas.microsoft.com/office/powerpoint/2010/main" val="1271984859"/>
+        <p14:creationId xmlns:p14="http://schemas.microsoft.com/office/powerpoint/2010/main" val="92596213"/>
       </p:ext>
     </p:extLst>
   </p:cSld>
@@ -10079,7 +9300,7 @@
     </p:spTree>
     <p:extLst>
       <p:ext uri="{BB962C8B-B14F-4D97-AF65-F5344CB8AC3E}">
-        <p14:creationId xmlns:p14="http://schemas.microsoft.com/office/powerpoint/2010/main" val="277236206"/>
+        <p14:creationId xmlns:p14="http://schemas.microsoft.com/office/powerpoint/2010/main" val="2649868190"/>
       </p:ext>
     </p:extLst>
   </p:cSld>
@@ -10138,11 +9359,10 @@
             <a:r>
               <a:rPr lang="ru-RU" sz="4800" dirty="0" smtClean="0">
                 <a:solidFill>
-                  <a:schemeClr val="tx2">
+                  <a:srgbClr val="242852">
                     <a:lumMod val="25000"/>
-                  </a:schemeClr>
-                </a:solidFill>
-                <a:latin typeface="Calibri" pitchFamily="34" charset="0"/>
+                  </a:srgbClr>
+                </a:solidFill>
                 <a:cs typeface="Calibri" pitchFamily="34" charset="0"/>
               </a:rPr>
               <a:t>Виды </a:t>
@@ -10150,11 +9370,10 @@
             <a:r>
               <a:rPr lang="ru-RU" sz="4800" dirty="0" err="1" smtClean="0">
                 <a:solidFill>
-                  <a:schemeClr val="tx2">
+                  <a:srgbClr val="242852">
                     <a:lumMod val="25000"/>
-                  </a:schemeClr>
-                </a:solidFill>
-                <a:latin typeface="Calibri" pitchFamily="34" charset="0"/>
+                  </a:srgbClr>
+                </a:solidFill>
                 <a:cs typeface="Calibri" pitchFamily="34" charset="0"/>
               </a:rPr>
               <a:t>форумных</a:t>
@@ -10162,11 +9381,10 @@
             <a:r>
               <a:rPr lang="ru-RU" sz="4800" dirty="0" smtClean="0">
                 <a:solidFill>
-                  <a:schemeClr val="tx2">
+                  <a:srgbClr val="242852">
                     <a:lumMod val="25000"/>
-                  </a:schemeClr>
-                </a:solidFill>
-                <a:latin typeface="Calibri" pitchFamily="34" charset="0"/>
+                  </a:srgbClr>
+                </a:solidFill>
                 <a:cs typeface="Calibri" pitchFamily="34" charset="0"/>
               </a:rPr>
               <a:t> </a:t>
@@ -10174,22 +9392,20 @@
             <a:r>
               <a:rPr lang="en-US" sz="4800" dirty="0" smtClean="0">
                 <a:solidFill>
-                  <a:schemeClr val="tx2">
+                  <a:srgbClr val="242852">
                     <a:lumMod val="25000"/>
-                  </a:schemeClr>
-                </a:solidFill>
-                <a:latin typeface="Calibri" pitchFamily="34" charset="0"/>
+                  </a:srgbClr>
+                </a:solidFill>
                 <a:cs typeface="Calibri" pitchFamily="34" charset="0"/>
               </a:rPr>
               <a:t>CMS:</a:t>
             </a:r>
             <a:endParaRPr lang="ru-RU" sz="4800" dirty="0">
               <a:solidFill>
-                <a:schemeClr val="tx2">
+                <a:srgbClr val="242852">
                   <a:lumMod val="25000"/>
-                </a:schemeClr>
+                </a:srgbClr>
               </a:solidFill>
-              <a:latin typeface="Calibri" pitchFamily="34" charset="0"/>
               <a:cs typeface="Calibri" pitchFamily="34" charset="0"/>
             </a:endParaRPr>
           </a:p>
@@ -10227,11 +9443,10 @@
             <a:r>
               <a:rPr lang="ru-RU" sz="3600" dirty="0" smtClean="0">
                 <a:solidFill>
-                  <a:schemeClr val="tx2">
+                  <a:srgbClr val="242852">
                     <a:lumMod val="25000"/>
-                  </a:schemeClr>
-                </a:solidFill>
-                <a:latin typeface="Calibri" pitchFamily="34" charset="0"/>
+                  </a:srgbClr>
+                </a:solidFill>
                 <a:cs typeface="Calibri" pitchFamily="34" charset="0"/>
               </a:rPr>
               <a:t>самостоятельные</a:t>
@@ -10248,11 +9463,10 @@
             <a:r>
               <a:rPr lang="ru-RU" sz="3600" dirty="0" smtClean="0">
                 <a:solidFill>
-                  <a:schemeClr val="tx2">
+                  <a:srgbClr val="242852">
                     <a:lumMod val="25000"/>
-                  </a:schemeClr>
-                </a:solidFill>
-                <a:latin typeface="Calibri" pitchFamily="34" charset="0"/>
+                  </a:srgbClr>
+                </a:solidFill>
                 <a:cs typeface="Calibri" pitchFamily="34" charset="0"/>
               </a:rPr>
               <a:t>в виде плагинов к самостоятельным </a:t>
@@ -10260,22 +9474,20 @@
             <a:r>
               <a:rPr lang="en-US" sz="3600" dirty="0" smtClean="0">
                 <a:solidFill>
-                  <a:schemeClr val="tx2">
+                  <a:srgbClr val="242852">
                     <a:lumMod val="25000"/>
-                  </a:schemeClr>
-                </a:solidFill>
-                <a:latin typeface="Calibri" pitchFamily="34" charset="0"/>
+                  </a:srgbClr>
+                </a:solidFill>
                 <a:cs typeface="Calibri" pitchFamily="34" charset="0"/>
               </a:rPr>
               <a:t>CMS</a:t>
             </a:r>
             <a:endParaRPr lang="ru-RU" sz="3600" dirty="0" smtClean="0">
               <a:solidFill>
-                <a:schemeClr val="tx2">
+                <a:srgbClr val="242852">
                   <a:lumMod val="25000"/>
-                </a:schemeClr>
+                </a:srgbClr>
               </a:solidFill>
-              <a:latin typeface="Calibri" pitchFamily="34" charset="0"/>
               <a:cs typeface="Calibri" pitchFamily="34" charset="0"/>
             </a:endParaRPr>
           </a:p>
@@ -10284,7 +9496,7 @@
     </p:spTree>
     <p:extLst>
       <p:ext uri="{BB962C8B-B14F-4D97-AF65-F5344CB8AC3E}">
-        <p14:creationId xmlns:p14="http://schemas.microsoft.com/office/powerpoint/2010/main" val="1193869884"/>
+        <p14:creationId xmlns:p14="http://schemas.microsoft.com/office/powerpoint/2010/main" val="1374223592"/>
       </p:ext>
     </p:extLst>
   </p:cSld>
@@ -10341,16 +9553,28 @@
           <a:lstStyle/>
           <a:p>
             <a:r>
-              <a:rPr lang="ru-RU" sz="4800" dirty="0" smtClean="0"/>
+              <a:rPr lang="ru-RU" sz="4800" dirty="0" smtClean="0">
+                <a:solidFill>
+                  <a:prstClr val="black"/>
+                </a:solidFill>
+              </a:rPr>
               <a:t>Аналогичные продукты</a:t>
             </a:r>
           </a:p>
           <a:p>
             <a:r>
-              <a:rPr lang="ru-RU" sz="3600" dirty="0" smtClean="0"/>
+              <a:rPr lang="ru-RU" sz="3600" dirty="0" smtClean="0">
+                <a:solidFill>
+                  <a:prstClr val="black"/>
+                </a:solidFill>
+              </a:rPr>
               <a:t>Общие недостатки</a:t>
             </a:r>
-            <a:endParaRPr lang="ru-RU" sz="3600" dirty="0"/>
+            <a:endParaRPr lang="ru-RU" sz="3600" dirty="0">
+              <a:solidFill>
+                <a:prstClr val="black"/>
+              </a:solidFill>
+            </a:endParaRPr>
           </a:p>
         </p:txBody>
       </p:sp>
@@ -10376,13 +9600,20 @@
           </a:bodyPr>
           <a:lstStyle/>
           <a:p>
-            <a:pPr lvl="0"/>
-            <a:r>
-              <a:rPr lang="ru-RU" sz="3200" dirty="0" smtClean="0"/>
+            <a:r>
+              <a:rPr lang="ru-RU" sz="3200" dirty="0" smtClean="0">
+                <a:solidFill>
+                  <a:prstClr val="black"/>
+                </a:solidFill>
+              </a:rPr>
               <a:t>Были рассмотрены следующие </a:t>
             </a:r>
             <a:r>
-              <a:rPr lang="en-US" sz="3200" dirty="0" smtClean="0"/>
+              <a:rPr lang="en-US" sz="3200" dirty="0" smtClean="0">
+                <a:solidFill>
+                  <a:prstClr val="black"/>
+                </a:solidFill>
+              </a:rPr>
               <a:t>CMS:</a:t>
             </a:r>
           </a:p>
@@ -10392,45 +9623,42 @@
               <a:buChar char="•"/>
             </a:pPr>
             <a:r>
-              <a:rPr lang="ru-RU" sz="3200" dirty="0"/>
+              <a:rPr lang="ru-RU" sz="3200" dirty="0">
+                <a:solidFill>
+                  <a:prstClr val="black"/>
+                </a:solidFill>
+              </a:rPr>
               <a:t>Плагин для </a:t>
             </a:r>
             <a:r>
-              <a:rPr lang="ru-RU" sz="3200" dirty="0" err="1"/>
+              <a:rPr lang="ru-RU" sz="3200" dirty="0" err="1">
+                <a:solidFill>
+                  <a:prstClr val="black"/>
+                </a:solidFill>
+              </a:rPr>
               <a:t>WordPress</a:t>
             </a:r>
             <a:r>
-              <a:rPr lang="ru-RU" sz="3200" dirty="0"/>
+              <a:rPr lang="ru-RU" sz="3200" dirty="0">
+                <a:solidFill>
+                  <a:prstClr val="black"/>
+                </a:solidFill>
+              </a:rPr>
               <a:t> – </a:t>
             </a:r>
             <a:r>
-              <a:rPr lang="ru-RU" sz="3200" dirty="0" err="1"/>
+              <a:rPr lang="ru-RU" sz="3200" dirty="0" err="1">
+                <a:solidFill>
+                  <a:prstClr val="black"/>
+                </a:solidFill>
+              </a:rPr>
               <a:t>Simpleforum</a:t>
             </a:r>
-            <a:endParaRPr lang="ru-RU" sz="3200" dirty="0"/>
-          </a:p>
-          <a:p>
-            <a:pPr marL="457200" lvl="0" indent="-457200">
-              <a:buFont typeface="Arial" pitchFamily="34" charset="0"/>
-              <a:buChar char="•"/>
-            </a:pPr>
-            <a:r>
-              <a:rPr lang="en-US" sz="3200" dirty="0"/>
-              <a:t>Simple Machine Forum</a:t>
-            </a:r>
-            <a:r>
-              <a:rPr lang="ru-RU" sz="3200" dirty="0"/>
-              <a:t> (</a:t>
-            </a:r>
-            <a:r>
-              <a:rPr lang="en-US" sz="3200" dirty="0"/>
-              <a:t>SMF</a:t>
-            </a:r>
-            <a:r>
-              <a:rPr lang="ru-RU" sz="3200" dirty="0" smtClean="0"/>
-              <a:t>)</a:t>
-            </a:r>
-            <a:endParaRPr lang="en-US" sz="3200" dirty="0" smtClean="0"/>
+            <a:endParaRPr lang="ru-RU" sz="3200" dirty="0">
+              <a:solidFill>
+                <a:prstClr val="black"/>
+              </a:solidFill>
+            </a:endParaRPr>
           </a:p>
           <a:p>
             <a:pPr marL="457200" indent="-457200">
@@ -10438,73 +9666,162 @@
               <a:buChar char="•"/>
             </a:pPr>
             <a:r>
-              <a:rPr lang="en-US" sz="3200" dirty="0" err="1" smtClean="0"/>
-              <a:t>phpBB</a:t>
-            </a:r>
-            <a:endParaRPr lang="ru-RU" sz="3200" dirty="0" smtClean="0"/>
-          </a:p>
-          <a:p>
-            <a:pPr lvl="0"/>
-            <a:r>
-              <a:rPr lang="ru-RU" sz="3200" dirty="0" smtClean="0"/>
-              <a:t>Были выявлены общие недостатки:</a:t>
-            </a:r>
-            <a:endParaRPr lang="ru-RU" sz="3200" dirty="0" smtClean="0"/>
-          </a:p>
-          <a:p>
-            <a:pPr marL="457200" lvl="0" indent="-457200">
+              <a:rPr lang="en-US" sz="3200" dirty="0">
+                <a:solidFill>
+                  <a:prstClr val="black"/>
+                </a:solidFill>
+              </a:rPr>
+              <a:t>Simple Machine Forum</a:t>
+            </a:r>
+            <a:r>
+              <a:rPr lang="ru-RU" sz="3200" dirty="0">
+                <a:solidFill>
+                  <a:prstClr val="black"/>
+                </a:solidFill>
+              </a:rPr>
+              <a:t> (</a:t>
+            </a:r>
+            <a:r>
+              <a:rPr lang="en-US" sz="3200" dirty="0">
+                <a:solidFill>
+                  <a:prstClr val="black"/>
+                </a:solidFill>
+              </a:rPr>
+              <a:t>SMF</a:t>
+            </a:r>
+            <a:r>
+              <a:rPr lang="ru-RU" sz="3200" dirty="0" smtClean="0">
+                <a:solidFill>
+                  <a:prstClr val="black"/>
+                </a:solidFill>
+              </a:rPr>
+              <a:t>)</a:t>
+            </a:r>
+            <a:endParaRPr lang="en-US" sz="3200" dirty="0" smtClean="0">
+              <a:solidFill>
+                <a:prstClr val="black"/>
+              </a:solidFill>
+            </a:endParaRPr>
+          </a:p>
+          <a:p>
+            <a:pPr marL="457200" indent="-457200">
               <a:buFont typeface="Arial" pitchFamily="34" charset="0"/>
               <a:buChar char="•"/>
             </a:pPr>
             <a:r>
-              <a:rPr lang="ru-RU" sz="3200" dirty="0" smtClean="0"/>
-              <a:t>сложный интерфейс</a:t>
-            </a:r>
-            <a:endParaRPr lang="ru-RU" sz="3200" dirty="0"/>
-          </a:p>
-          <a:p>
-            <a:pPr marL="457200" lvl="0" indent="-457200">
+              <a:rPr lang="en-US" sz="3200" dirty="0" err="1" smtClean="0">
+                <a:solidFill>
+                  <a:prstClr val="black"/>
+                </a:solidFill>
+              </a:rPr>
+              <a:t>phpBB</a:t>
+            </a:r>
+            <a:endParaRPr lang="ru-RU" sz="3200" dirty="0" smtClean="0">
+              <a:solidFill>
+                <a:prstClr val="black"/>
+              </a:solidFill>
+            </a:endParaRPr>
+          </a:p>
+          <a:p>
+            <a:r>
+              <a:rPr lang="ru-RU" sz="3200" dirty="0" smtClean="0">
+                <a:solidFill>
+                  <a:prstClr val="black"/>
+                </a:solidFill>
+              </a:rPr>
+              <a:t>Были выявлены общие недостатки:</a:t>
+            </a:r>
+          </a:p>
+          <a:p>
+            <a:pPr marL="457200" indent="-457200">
               <a:buFont typeface="Arial" pitchFamily="34" charset="0"/>
               <a:buChar char="•"/>
             </a:pPr>
             <a:r>
-              <a:rPr lang="ru-RU" sz="3200" dirty="0" smtClean="0"/>
-              <a:t>отсутствие </a:t>
-            </a:r>
-            <a:r>
-              <a:rPr lang="ru-RU" sz="3200" dirty="0"/>
-              <a:t>русского языка в интерфейсе</a:t>
-            </a:r>
-          </a:p>
-          <a:p>
-            <a:pPr marL="457200" lvl="0" indent="-457200">
+              <a:rPr lang="ru-RU" sz="3200" dirty="0" smtClean="0">
+                <a:solidFill>
+                  <a:prstClr val="black"/>
+                </a:solidFill>
+              </a:rPr>
+              <a:t>сложный интерфейс</a:t>
+            </a:r>
+            <a:endParaRPr lang="ru-RU" sz="3200" dirty="0">
+              <a:solidFill>
+                <a:prstClr val="black"/>
+              </a:solidFill>
+            </a:endParaRPr>
+          </a:p>
+          <a:p>
+            <a:pPr marL="457200" indent="-457200">
               <a:buFont typeface="Arial" pitchFamily="34" charset="0"/>
               <a:buChar char="•"/>
             </a:pPr>
             <a:r>
-              <a:rPr lang="ru-RU" sz="3200" dirty="0" smtClean="0"/>
+              <a:rPr lang="ru-RU" sz="3200" dirty="0" smtClean="0">
+                <a:solidFill>
+                  <a:prstClr val="black"/>
+                </a:solidFill>
+              </a:rPr>
+              <a:t>отсутствие </a:t>
+            </a:r>
+            <a:r>
+              <a:rPr lang="ru-RU" sz="3200" dirty="0">
+                <a:solidFill>
+                  <a:prstClr val="black"/>
+                </a:solidFill>
+              </a:rPr>
+              <a:t>русского языка в интерфейсе</a:t>
+            </a:r>
+          </a:p>
+          <a:p>
+            <a:pPr marL="457200" indent="-457200">
+              <a:buFont typeface="Arial" pitchFamily="34" charset="0"/>
+              <a:buChar char="•"/>
+            </a:pPr>
+            <a:r>
+              <a:rPr lang="ru-RU" sz="3200" dirty="0" smtClean="0">
+                <a:solidFill>
+                  <a:prstClr val="black"/>
+                </a:solidFill>
+              </a:rPr>
               <a:t>низкая </a:t>
             </a:r>
             <a:r>
-              <a:rPr lang="ru-RU" sz="3200" dirty="0"/>
+              <a:rPr lang="ru-RU" sz="3200" dirty="0">
+                <a:solidFill>
+                  <a:prstClr val="black"/>
+                </a:solidFill>
+              </a:rPr>
               <a:t>производительность из-за сложных запросов к базе </a:t>
             </a:r>
             <a:r>
-              <a:rPr lang="ru-RU" sz="3200" dirty="0" smtClean="0"/>
+              <a:rPr lang="ru-RU" sz="3200" dirty="0" smtClean="0">
+                <a:solidFill>
+                  <a:prstClr val="black"/>
+                </a:solidFill>
+              </a:rPr>
               <a:t>данных</a:t>
             </a:r>
             <a:r>
-              <a:rPr lang="en-US" sz="3200" dirty="0" smtClean="0"/>
+              <a:rPr lang="en-US" sz="3200" dirty="0" smtClean="0">
+                <a:solidFill>
+                  <a:prstClr val="black"/>
+                </a:solidFill>
+              </a:rPr>
               <a:t>.</a:t>
             </a:r>
-            <a:endParaRPr lang="ru-RU" sz="3200" dirty="0"/>
+            <a:endParaRPr lang="ru-RU" sz="3200" dirty="0">
+              <a:solidFill>
+                <a:prstClr val="black"/>
+              </a:solidFill>
+            </a:endParaRPr>
           </a:p>
         </p:txBody>
       </p:sp>
     </p:spTree>
     <p:extLst>
       <p:ext uri="{BB962C8B-B14F-4D97-AF65-F5344CB8AC3E}">
-        <p14:creationId xmlns:p14="http://schemas.microsoft.com/office/powerpoint/2010/main" val="4182994554"/>
+        <p14:creationId xmlns:p14="http://schemas.microsoft.com/office/powerpoint/2010/main" val="2849958629"/>
       </p:ext>
     </p:extLst>
   </p:cSld>
@@ -10561,10 +9878,18 @@
           <a:lstStyle/>
           <a:p>
             <a:r>
-              <a:rPr lang="ru-RU" sz="4800" dirty="0" smtClean="0"/>
+              <a:rPr lang="ru-RU" sz="4800" dirty="0" smtClean="0">
+                <a:solidFill>
+                  <a:prstClr val="black"/>
+                </a:solidFill>
+              </a:rPr>
               <a:t>Постановка задачи</a:t>
             </a:r>
-            <a:endParaRPr lang="ru-RU" sz="4800" dirty="0"/>
+            <a:endParaRPr lang="ru-RU" sz="4800" dirty="0">
+              <a:solidFill>
+                <a:prstClr val="black"/>
+              </a:solidFill>
+            </a:endParaRPr>
           </a:p>
         </p:txBody>
       </p:sp>
@@ -10591,142 +9916,262 @@
           <a:lstStyle/>
           <a:p>
             <a:r>
-              <a:rPr lang="ru-RU" sz="3200" dirty="0" smtClean="0"/>
-              <a:t>Реализовать </a:t>
-            </a:r>
-            <a:r>
-              <a:rPr lang="ru-RU" sz="3200" dirty="0" err="1" smtClean="0"/>
+              <a:rPr lang="ru-RU" sz="3200" dirty="0" smtClean="0">
+                <a:solidFill>
+                  <a:prstClr val="black"/>
+                </a:solidFill>
+              </a:rPr>
+              <a:t>Реализовать самостоятельную </a:t>
+            </a:r>
+            <a:r>
+              <a:rPr lang="ru-RU" sz="3200" dirty="0" err="1" smtClean="0">
+                <a:solidFill>
+                  <a:prstClr val="black"/>
+                </a:solidFill>
+              </a:rPr>
               <a:t>форумную</a:t>
             </a:r>
             <a:r>
-              <a:rPr lang="ru-RU" sz="3200" dirty="0" smtClean="0"/>
+              <a:rPr lang="ru-RU" sz="3200" dirty="0" smtClean="0">
+                <a:solidFill>
+                  <a:prstClr val="black"/>
+                </a:solidFill>
+              </a:rPr>
               <a:t> </a:t>
             </a:r>
             <a:r>
-              <a:rPr lang="en-US" sz="3200" dirty="0" smtClean="0"/>
+              <a:rPr lang="en-US" sz="3200" dirty="0" smtClean="0">
+                <a:solidFill>
+                  <a:prstClr val="black"/>
+                </a:solidFill>
+              </a:rPr>
               <a:t>CMS</a:t>
             </a:r>
             <a:r>
-              <a:rPr lang="ru-RU" sz="3200" dirty="0" smtClean="0"/>
+              <a:rPr lang="ru-RU" sz="3200" dirty="0" smtClean="0">
+                <a:solidFill>
+                  <a:prstClr val="black"/>
+                </a:solidFill>
+              </a:rPr>
               <a:t>, </a:t>
             </a:r>
             <a:r>
-              <a:rPr lang="ru-RU" sz="3200" dirty="0"/>
+              <a:rPr lang="ru-RU" sz="3200" dirty="0">
+                <a:solidFill>
+                  <a:prstClr val="black"/>
+                </a:solidFill>
+              </a:rPr>
               <a:t>удовлетворяющую следующим </a:t>
             </a:r>
             <a:r>
-              <a:rPr lang="ru-RU" sz="3200" dirty="0" smtClean="0"/>
+              <a:rPr lang="ru-RU" sz="3200" dirty="0" smtClean="0">
+                <a:solidFill>
+                  <a:prstClr val="black"/>
+                </a:solidFill>
+              </a:rPr>
               <a:t>требованиям:</a:t>
             </a:r>
           </a:p>
           <a:p>
             <a:r>
-              <a:rPr lang="ru-RU" sz="3200" dirty="0" smtClean="0"/>
-              <a:t> </a:t>
-            </a:r>
-            <a:r>
-              <a:rPr lang="ru-RU" sz="3200" dirty="0"/>
-              <a:t>- </a:t>
-            </a:r>
-            <a:r>
-              <a:rPr lang="ru-RU" sz="3200" dirty="0" smtClean="0"/>
-              <a:t>русскоязычный интерфейс</a:t>
-            </a:r>
-            <a:r>
-              <a:rPr lang="en-US" sz="3200" dirty="0" smtClean="0"/>
+              <a:rPr lang="ru-RU" sz="3200" dirty="0" smtClean="0">
+                <a:solidFill>
+                  <a:prstClr val="black"/>
+                </a:solidFill>
+              </a:rPr>
+              <a:t>- русскоязычный интерфейс</a:t>
+            </a:r>
+            <a:r>
+              <a:rPr lang="en-US" sz="3200" dirty="0" smtClean="0">
+                <a:solidFill>
+                  <a:prstClr val="black"/>
+                </a:solidFill>
+              </a:rPr>
               <a:t>;</a:t>
             </a:r>
-            <a:endParaRPr lang="ru-RU" sz="3200" dirty="0"/>
-          </a:p>
-          <a:p>
-            <a:r>
-              <a:rPr lang="ru-RU" sz="3200" dirty="0" smtClean="0"/>
+            <a:endParaRPr lang="ru-RU" sz="3200" dirty="0">
+              <a:solidFill>
+                <a:prstClr val="black"/>
+              </a:solidFill>
+            </a:endParaRPr>
+          </a:p>
+          <a:p>
+            <a:r>
+              <a:rPr lang="ru-RU" sz="3200" dirty="0" smtClean="0">
+                <a:solidFill>
+                  <a:prstClr val="black"/>
+                </a:solidFill>
+              </a:rPr>
               <a:t>- отсутствие перегруженности интерфейса</a:t>
             </a:r>
             <a:r>
-              <a:rPr lang="en-US" sz="3200" dirty="0" smtClean="0"/>
+              <a:rPr lang="en-US" sz="3200" dirty="0" smtClean="0">
+                <a:solidFill>
+                  <a:prstClr val="black"/>
+                </a:solidFill>
+              </a:rPr>
               <a:t>;</a:t>
             </a:r>
-            <a:endParaRPr lang="ru-RU" sz="3200" dirty="0"/>
-          </a:p>
-          <a:p>
-            <a:r>
-              <a:rPr lang="ru-RU" sz="3200" dirty="0" smtClean="0"/>
+            <a:endParaRPr lang="ru-RU" sz="3200" dirty="0">
+              <a:solidFill>
+                <a:prstClr val="black"/>
+              </a:solidFill>
+            </a:endParaRPr>
+          </a:p>
+          <a:p>
+            <a:r>
+              <a:rPr lang="ru-RU" sz="3200" dirty="0" smtClean="0">
+                <a:solidFill>
+                  <a:prstClr val="black"/>
+                </a:solidFill>
+              </a:rPr>
               <a:t>- основн</a:t>
             </a:r>
             <a:r>
-              <a:rPr lang="ru-RU" sz="3200" dirty="0"/>
+              <a:rPr lang="ru-RU" sz="3200" dirty="0">
+                <a:solidFill>
+                  <a:prstClr val="black"/>
+                </a:solidFill>
+              </a:rPr>
               <a:t>ы</a:t>
             </a:r>
             <a:r>
-              <a:rPr lang="ru-RU" sz="3200" dirty="0" smtClean="0"/>
+              <a:rPr lang="ru-RU" sz="3200" dirty="0" smtClean="0">
+                <a:solidFill>
+                  <a:prstClr val="black"/>
+                </a:solidFill>
+              </a:rPr>
               <a:t>е </a:t>
             </a:r>
             <a:r>
-              <a:rPr lang="ru-RU" sz="3200" dirty="0"/>
+              <a:rPr lang="ru-RU" sz="3200" dirty="0">
+                <a:solidFill>
+                  <a:prstClr val="black"/>
+                </a:solidFill>
+              </a:rPr>
               <a:t>функции </a:t>
             </a:r>
             <a:r>
-              <a:rPr lang="ru-RU" sz="3200" dirty="0" smtClean="0"/>
+              <a:rPr lang="ru-RU" sz="3200" dirty="0" smtClean="0">
+                <a:solidFill>
+                  <a:prstClr val="black"/>
+                </a:solidFill>
+              </a:rPr>
               <a:t>форума</a:t>
             </a:r>
             <a:r>
-              <a:rPr lang="en-US" sz="3200" dirty="0" smtClean="0"/>
+              <a:rPr lang="en-US" sz="3200" dirty="0" smtClean="0">
+                <a:solidFill>
+                  <a:prstClr val="black"/>
+                </a:solidFill>
+              </a:rPr>
               <a:t>;</a:t>
             </a:r>
-            <a:endParaRPr lang="ru-RU" sz="3200" dirty="0"/>
-          </a:p>
-          <a:p>
-            <a:r>
-              <a:rPr lang="ru-RU" sz="3200" dirty="0" smtClean="0"/>
+            <a:endParaRPr lang="ru-RU" sz="3200" dirty="0">
+              <a:solidFill>
+                <a:prstClr val="black"/>
+              </a:solidFill>
+            </a:endParaRPr>
+          </a:p>
+          <a:p>
+            <a:r>
+              <a:rPr lang="ru-RU" sz="3200" dirty="0" smtClean="0">
+                <a:solidFill>
+                  <a:prstClr val="black"/>
+                </a:solidFill>
+              </a:rPr>
               <a:t>- идентификация пользователя в системе</a:t>
             </a:r>
             <a:r>
-              <a:rPr lang="en-US" sz="3200" dirty="0" smtClean="0"/>
+              <a:rPr lang="en-US" sz="3200" dirty="0" smtClean="0">
+                <a:solidFill>
+                  <a:prstClr val="black"/>
+                </a:solidFill>
+              </a:rPr>
               <a:t>;</a:t>
             </a:r>
-            <a:endParaRPr lang="ru-RU" sz="3200" dirty="0"/>
-          </a:p>
-          <a:p>
-            <a:r>
-              <a:rPr lang="ru-RU" sz="3200" dirty="0" smtClean="0"/>
+            <a:endParaRPr lang="ru-RU" sz="3200" dirty="0">
+              <a:solidFill>
+                <a:prstClr val="black"/>
+              </a:solidFill>
+            </a:endParaRPr>
+          </a:p>
+          <a:p>
+            <a:r>
+              <a:rPr lang="ru-RU" sz="3200" dirty="0" smtClean="0">
+                <a:solidFill>
+                  <a:prstClr val="black"/>
+                </a:solidFill>
+              </a:rPr>
               <a:t>- разделение </a:t>
             </a:r>
             <a:r>
-              <a:rPr lang="ru-RU" sz="3200" dirty="0"/>
+              <a:rPr lang="ru-RU" sz="3200" dirty="0">
+                <a:solidFill>
+                  <a:prstClr val="black"/>
+                </a:solidFill>
+              </a:rPr>
               <a:t>прав </a:t>
             </a:r>
             <a:r>
-              <a:rPr lang="ru-RU" sz="3200" dirty="0" smtClean="0"/>
+              <a:rPr lang="ru-RU" sz="3200" dirty="0" smtClean="0">
+                <a:solidFill>
+                  <a:prstClr val="black"/>
+                </a:solidFill>
+              </a:rPr>
               <a:t>пользователей</a:t>
             </a:r>
             <a:r>
-              <a:rPr lang="en-US" sz="3200" dirty="0" smtClean="0"/>
+              <a:rPr lang="en-US" sz="3200" dirty="0" smtClean="0">
+                <a:solidFill>
+                  <a:prstClr val="black"/>
+                </a:solidFill>
+              </a:rPr>
               <a:t>;</a:t>
             </a:r>
             <a:r>
-              <a:rPr lang="ru-RU" sz="3200" dirty="0" smtClean="0"/>
+              <a:rPr lang="ru-RU" sz="3200" dirty="0" smtClean="0">
+                <a:solidFill>
+                  <a:prstClr val="black"/>
+                </a:solidFill>
+              </a:rPr>
               <a:t/>
             </a:r>
             <a:br>
-              <a:rPr lang="ru-RU" sz="3200" dirty="0" smtClean="0"/>
+              <a:rPr lang="ru-RU" sz="3200" dirty="0" smtClean="0">
+                <a:solidFill>
+                  <a:prstClr val="black"/>
+                </a:solidFill>
+              </a:rPr>
             </a:br>
             <a:r>
-              <a:rPr lang="ru-RU" sz="3200" dirty="0" smtClean="0"/>
+              <a:rPr lang="ru-RU" sz="3200" dirty="0" smtClean="0">
+                <a:solidFill>
+                  <a:prstClr val="black"/>
+                </a:solidFill>
+              </a:rPr>
               <a:t>- функции администрирования</a:t>
             </a:r>
             <a:r>
-              <a:rPr lang="en-US" sz="3200" dirty="0" smtClean="0"/>
+              <a:rPr lang="en-US" sz="3200" dirty="0" smtClean="0">
+                <a:solidFill>
+                  <a:prstClr val="black"/>
+                </a:solidFill>
+              </a:rPr>
               <a:t>.</a:t>
             </a:r>
-            <a:endParaRPr lang="ru-RU" sz="3200" dirty="0" smtClean="0"/>
+            <a:endParaRPr lang="ru-RU" sz="3200" dirty="0" smtClean="0">
+              <a:solidFill>
+                <a:prstClr val="black"/>
+              </a:solidFill>
+            </a:endParaRPr>
           </a:p>
         </p:txBody>
       </p:sp>
     </p:spTree>
     <p:extLst>
       <p:ext uri="{BB962C8B-B14F-4D97-AF65-F5344CB8AC3E}">
-        <p14:creationId xmlns:p14="http://schemas.microsoft.com/office/powerpoint/2010/main" val="3074632434"/>
+        <p14:creationId xmlns:p14="http://schemas.microsoft.com/office/powerpoint/2010/main" val="899667834"/>
       </p:ext>
     </p:extLst>
   </p:cSld>
@@ -10790,13 +10235,6 @@
                     <a:lumMod val="25000"/>
                   </a:schemeClr>
                 </a:solidFill>
-                <a:effectLst>
-                  <a:outerShdw blurRad="38100" dist="38100" dir="2700000" algn="tl">
-                    <a:srgbClr val="000000">
-                      <a:alpha val="43137"/>
-                    </a:srgbClr>
-                  </a:outerShdw>
-                </a:effectLst>
                 <a:latin typeface="Calibri" pitchFamily="34" charset="0"/>
                 <a:cs typeface="Calibri" pitchFamily="34" charset="0"/>
               </a:rPr>
@@ -10808,13 +10246,6 @@
                   <a:lumMod val="25000"/>
                 </a:schemeClr>
               </a:solidFill>
-              <a:effectLst>
-                <a:outerShdw blurRad="38100" dist="38100" dir="2700000" algn="tl">
-                  <a:srgbClr val="000000">
-                    <a:alpha val="43137"/>
-                  </a:srgbClr>
-                </a:outerShdw>
-              </a:effectLst>
               <a:latin typeface="Calibri" pitchFamily="34" charset="0"/>
               <a:cs typeface="Calibri" pitchFamily="34" charset="0"/>
             </a:endParaRPr>
@@ -10851,13 +10282,6 @@
                     <a:lumMod val="25000"/>
                   </a:schemeClr>
                 </a:solidFill>
-                <a:effectLst>
-                  <a:outerShdw blurRad="38100" dist="38100" dir="2700000" algn="tl">
-                    <a:srgbClr val="000000">
-                      <a:alpha val="43137"/>
-                    </a:srgbClr>
-                  </a:outerShdw>
-                </a:effectLst>
                 <a:latin typeface="Calibri" pitchFamily="34" charset="0"/>
                 <a:cs typeface="Calibri" pitchFamily="34" charset="0"/>
               </a:rPr>
@@ -10869,13 +10293,6 @@
                   <a:lumMod val="25000"/>
                 </a:schemeClr>
               </a:solidFill>
-              <a:effectLst>
-                <a:outerShdw blurRad="38100" dist="38100" dir="2700000" algn="tl">
-                  <a:srgbClr val="000000">
-                    <a:alpha val="43137"/>
-                  </a:srgbClr>
-                </a:outerShdw>
-              </a:effectLst>
               <a:latin typeface="Calibri" pitchFamily="34" charset="0"/>
               <a:cs typeface="Calibri" pitchFamily="34" charset="0"/>
             </a:endParaRPr>
@@ -10912,13 +10329,6 @@
                     <a:lumMod val="25000"/>
                   </a:schemeClr>
                 </a:solidFill>
-                <a:effectLst>
-                  <a:outerShdw blurRad="38100" dist="38100" dir="2700000" algn="tl">
-                    <a:srgbClr val="000000">
-                      <a:alpha val="43137"/>
-                    </a:srgbClr>
-                  </a:outerShdw>
-                </a:effectLst>
                 <a:latin typeface="Calibri" pitchFamily="34" charset="0"/>
                 <a:cs typeface="Calibri" pitchFamily="34" charset="0"/>
               </a:rPr>
@@ -10934,13 +10344,6 @@
                     <a:lumMod val="25000"/>
                   </a:schemeClr>
                 </a:solidFill>
-                <a:effectLst>
-                  <a:outerShdw blurRad="38100" dist="38100" dir="2700000" algn="tl">
-                    <a:srgbClr val="000000">
-                      <a:alpha val="43137"/>
-                    </a:srgbClr>
-                  </a:outerShdw>
-                </a:effectLst>
                 <a:latin typeface="Calibri" pitchFamily="34" charset="0"/>
                 <a:cs typeface="Calibri" pitchFamily="34" charset="0"/>
               </a:rPr>
@@ -10956,13 +10359,6 @@
                     <a:lumMod val="25000"/>
                   </a:schemeClr>
                 </a:solidFill>
-                <a:effectLst>
-                  <a:outerShdw blurRad="38100" dist="38100" dir="2700000" algn="tl">
-                    <a:srgbClr val="000000">
-                      <a:alpha val="43137"/>
-                    </a:srgbClr>
-                  </a:outerShdw>
-                </a:effectLst>
                 <a:latin typeface="Calibri" pitchFamily="34" charset="0"/>
                 <a:cs typeface="Calibri" pitchFamily="34" charset="0"/>
               </a:rPr>
@@ -10974,13 +10370,6 @@
                   <a:lumMod val="25000"/>
                 </a:schemeClr>
               </a:solidFill>
-              <a:effectLst>
-                <a:outerShdw blurRad="38100" dist="38100" dir="2700000" algn="tl">
-                  <a:srgbClr val="000000">
-                    <a:alpha val="43137"/>
-                  </a:srgbClr>
-                </a:outerShdw>
-              </a:effectLst>
               <a:latin typeface="Calibri" pitchFamily="34" charset="0"/>
               <a:cs typeface="Calibri" pitchFamily="34" charset="0"/>
             </a:endParaRPr>
@@ -11017,13 +10406,6 @@
                     <a:lumMod val="25000"/>
                   </a:schemeClr>
                 </a:solidFill>
-                <a:effectLst>
-                  <a:outerShdw blurRad="38100" dist="38100" dir="2700000" algn="tl">
-                    <a:srgbClr val="000000">
-                      <a:alpha val="43137"/>
-                    </a:srgbClr>
-                  </a:outerShdw>
-                </a:effectLst>
                 <a:latin typeface="Calibri" pitchFamily="34" charset="0"/>
                 <a:cs typeface="Calibri" pitchFamily="34" charset="0"/>
               </a:rPr>
@@ -11036,13 +10418,6 @@
                     <a:lumMod val="25000"/>
                   </a:schemeClr>
                 </a:solidFill>
-                <a:effectLst>
-                  <a:outerShdw blurRad="38100" dist="38100" dir="2700000" algn="tl">
-                    <a:srgbClr val="000000">
-                      <a:alpha val="43137"/>
-                    </a:srgbClr>
-                  </a:outerShdw>
-                </a:effectLst>
                 <a:latin typeface="Calibri" pitchFamily="34" charset="0"/>
                 <a:cs typeface="Calibri" pitchFamily="34" charset="0"/>
               </a:rPr>
@@ -11054,13 +10429,6 @@
                   <a:lumMod val="25000"/>
                 </a:schemeClr>
               </a:solidFill>
-              <a:effectLst>
-                <a:outerShdw blurRad="38100" dist="38100" dir="2700000" algn="tl">
-                  <a:srgbClr val="000000">
-                    <a:alpha val="43137"/>
-                  </a:srgbClr>
-                </a:outerShdw>
-              </a:effectLst>
               <a:latin typeface="Calibri" pitchFamily="34" charset="0"/>
               <a:cs typeface="Calibri" pitchFamily="34" charset="0"/>
             </a:endParaRPr>
@@ -11069,27 +10437,27 @@
       </p:sp>
       <p:graphicFrame>
         <p:nvGraphicFramePr>
-          <p:cNvPr id="2" name="Объект 1"/>
+          <p:cNvPr id="3" name="Объект 2"/>
           <p:cNvGraphicFramePr>
             <a:graphicFrameLocks noChangeAspect="1"/>
           </p:cNvGraphicFramePr>
           <p:nvPr>
             <p:extLst>
               <p:ext uri="{D42A27DB-BD31-4B8C-83A1-F6EECF244321}">
-                <p14:modId xmlns:p14="http://schemas.microsoft.com/office/powerpoint/2010/main" val="450149995"/>
+                <p14:modId xmlns:p14="http://schemas.microsoft.com/office/powerpoint/2010/main" val="1491879963"/>
               </p:ext>
             </p:extLst>
           </p:nvPr>
         </p:nvGraphicFramePr>
         <p:xfrm>
-          <a:off x="2314625" y="1055688"/>
-          <a:ext cx="4514751" cy="5571236"/>
+          <a:off x="2339752" y="993778"/>
+          <a:ext cx="4464496" cy="5509220"/>
         </p:xfrm>
         <a:graphic>
           <a:graphicData uri="http://schemas.openxmlformats.org/presentationml/2006/ole">
             <mc:AlternateContent xmlns:mc="http://schemas.openxmlformats.org/markup-compatibility/2006">
               <mc:Choice xmlns:v="urn:schemas-microsoft-com:vml" Requires="v">
-                <p:oleObj spid="_x0000_s14346" name="Visio" r:id="rId3" imgW="3846693" imgH="4746600" progId="Visio.Drawing.11">
+                <p:oleObj spid="_x0000_s1082" name="Visio" r:id="rId3" imgW="3846693" imgH="4746600" progId="Visio.Drawing.11">
                   <p:embed/>
                 </p:oleObj>
               </mc:Choice>
@@ -11110,8 +10478,8 @@
                     </p:blipFill>
                     <p:spPr>
                       <a:xfrm>
-                        <a:off x="2314625" y="1055688"/>
-                        <a:ext cx="4514751" cy="5571236"/>
+                        <a:off x="2339752" y="993778"/>
+                        <a:ext cx="4464496" cy="5509220"/>
                       </a:xfrm>
                       <a:prstGeom prst="rect">
                         <a:avLst/>
@@ -11127,7 +10495,7 @@
     </p:spTree>
     <p:extLst>
       <p:ext uri="{BB962C8B-B14F-4D97-AF65-F5344CB8AC3E}">
-        <p14:creationId xmlns:p14="http://schemas.microsoft.com/office/powerpoint/2010/main" val="1051544388"/>
+        <p14:creationId xmlns:p14="http://schemas.microsoft.com/office/powerpoint/2010/main" val="3768652213"/>
       </p:ext>
     </p:extLst>
   </p:cSld>
@@ -11168,7 +10536,7 @@
                                           </p:stCondLst>
                                         </p:cTn>
                                         <p:tgtEl>
-                                          <p:spTgt spid="2"/>
+                                          <p:spTgt spid="3"/>
                                         </p:tgtEl>
                                         <p:attrNameLst>
                                           <p:attrName>style.visibility</p:attrName>
@@ -11182,7 +10550,7 @@
                                       <p:cBhvr>
                                         <p:cTn id="7" dur="500"/>
                                         <p:tgtEl>
-                                          <p:spTgt spid="2"/>
+                                          <p:spTgt spid="3"/>
                                         </p:tgtEl>
                                       </p:cBhvr>
                                     </p:animEffect>
@@ -11424,23 +10792,31 @@
           <a:lstStyle/>
           <a:p>
             <a:r>
-              <a:rPr lang="ru-RU" sz="4800" dirty="0" smtClean="0"/>
+              <a:rPr lang="ru-RU" sz="4800" dirty="0" smtClean="0">
+                <a:solidFill>
+                  <a:prstClr val="black"/>
+                </a:solidFill>
+              </a:rPr>
               <a:t>Используемые средства:</a:t>
             </a:r>
-            <a:endParaRPr lang="ru-RU" sz="4800" dirty="0"/>
-          </a:p>
-        </p:txBody>
-      </p:sp>
-      <p:sp>
-        <p:nvSpPr>
-          <p:cNvPr id="3" name="TextBox 2"/>
+            <a:endParaRPr lang="ru-RU" sz="4800" dirty="0">
+              <a:solidFill>
+                <a:prstClr val="black"/>
+              </a:solidFill>
+            </a:endParaRPr>
+          </a:p>
+        </p:txBody>
+      </p:sp>
+      <p:sp>
+        <p:nvSpPr>
+          <p:cNvPr id="5" name="TextBox 4"/>
           <p:cNvSpPr txBox="1"/>
           <p:nvPr/>
         </p:nvSpPr>
         <p:spPr>
           <a:xfrm>
-            <a:off x="91320" y="2030656"/>
-            <a:ext cx="9036496" cy="3046988"/>
+            <a:off x="511582" y="1340768"/>
+            <a:ext cx="4984736" cy="1077218"/>
           </a:xfrm>
           <a:prstGeom prst="rect">
             <a:avLst/>
@@ -11453,91 +10829,260 @@
           </a:bodyPr>
           <a:lstStyle/>
           <a:p>
-            <a:pPr lvl="0"/>
-            <a:r>
-              <a:rPr lang="ru-RU" sz="3200" dirty="0" smtClean="0"/>
-              <a:t>- Веб сервер</a:t>
-            </a:r>
-            <a:r>
-              <a:rPr lang="en-US" sz="3200" dirty="0" smtClean="0"/>
-              <a:t>;</a:t>
-            </a:r>
-            <a:endParaRPr lang="ru-RU" sz="3200" dirty="0" smtClean="0"/>
-          </a:p>
-          <a:p>
-            <a:pPr lvl="0"/>
-            <a:r>
-              <a:rPr lang="ru-RU" sz="3200" dirty="0" smtClean="0"/>
-              <a:t>- Среды разработки</a:t>
-            </a:r>
-            <a:r>
-              <a:rPr lang="en-US" sz="3200" dirty="0" smtClean="0"/>
-              <a:t>;</a:t>
-            </a:r>
-            <a:endParaRPr lang="ru-RU" sz="3200" dirty="0" smtClean="0"/>
-          </a:p>
-          <a:p>
-            <a:pPr lvl="0"/>
-            <a:r>
-              <a:rPr lang="ru-RU" sz="3200" dirty="0" smtClean="0"/>
-              <a:t>- Средства </a:t>
-            </a:r>
-            <a:r>
-              <a:rPr lang="ru-RU" sz="3200" dirty="0"/>
-              <a:t>отладки программного </a:t>
-            </a:r>
-            <a:r>
-              <a:rPr lang="ru-RU" sz="3200" dirty="0" smtClean="0"/>
-              <a:t>кода</a:t>
-            </a:r>
-            <a:r>
-              <a:rPr lang="en-US" sz="3200" dirty="0" smtClean="0"/>
-              <a:t>;</a:t>
-            </a:r>
-            <a:endParaRPr lang="ru-RU" sz="3200" dirty="0"/>
-          </a:p>
-          <a:p>
-            <a:pPr lvl="0"/>
-            <a:r>
-              <a:rPr lang="ru-RU" sz="3200" dirty="0" smtClean="0"/>
-              <a:t>- Системы </a:t>
-            </a:r>
-            <a:r>
-              <a:rPr lang="ru-RU" sz="3200" dirty="0"/>
-              <a:t>контроля версий программного </a:t>
-            </a:r>
-            <a:r>
-              <a:rPr lang="ru-RU" sz="3200" dirty="0" smtClean="0"/>
-              <a:t>кода</a:t>
-            </a:r>
-            <a:r>
-              <a:rPr lang="en-US" sz="3200" dirty="0" smtClean="0"/>
-              <a:t>;</a:t>
-            </a:r>
-            <a:endParaRPr lang="ru-RU" sz="3200" dirty="0"/>
-          </a:p>
-          <a:p>
-            <a:pPr lvl="0"/>
-            <a:r>
-              <a:rPr lang="ru-RU" sz="3200" dirty="0" smtClean="0"/>
-              <a:t>- Вспомогательные средства</a:t>
-            </a:r>
-            <a:r>
-              <a:rPr lang="en-US" sz="3200" dirty="0" smtClean="0"/>
-              <a:t>.</a:t>
-            </a:r>
-            <a:endParaRPr lang="ru-RU" sz="3200" dirty="0"/>
-          </a:p>
-          <a:p>
-            <a:pPr lvl="0"/>
-            <a:endParaRPr lang="ru-RU" sz="3200" dirty="0"/>
+            <a:r>
+              <a:rPr lang="ru-RU" sz="3200" dirty="0">
+                <a:solidFill>
+                  <a:prstClr val="black"/>
+                </a:solidFill>
+              </a:rPr>
+              <a:t>Веб сервер</a:t>
+            </a:r>
+          </a:p>
+          <a:p>
+            <a:r>
+              <a:rPr lang="en-US" sz="3200" dirty="0" smtClean="0">
+                <a:solidFill>
+                  <a:prstClr val="black"/>
+                </a:solidFill>
+              </a:rPr>
+              <a:t>	- XAMPP</a:t>
+            </a:r>
+            <a:endParaRPr lang="ru-RU" sz="3200" dirty="0" smtClean="0">
+              <a:solidFill>
+                <a:prstClr val="black"/>
+              </a:solidFill>
+            </a:endParaRPr>
+          </a:p>
+        </p:txBody>
+      </p:sp>
+      <p:sp>
+        <p:nvSpPr>
+          <p:cNvPr id="6" name="TextBox 5"/>
+          <p:cNvSpPr txBox="1"/>
+          <p:nvPr/>
+        </p:nvSpPr>
+        <p:spPr>
+          <a:xfrm>
+            <a:off x="583614" y="2276872"/>
+            <a:ext cx="4984736" cy="1077218"/>
+          </a:xfrm>
+          <a:prstGeom prst="rect">
+            <a:avLst/>
+          </a:prstGeom>
+          <a:noFill/>
+        </p:spPr>
+        <p:txBody>
+          <a:bodyPr wrap="square" rtlCol="0" anchor="ctr">
+            <a:spAutoFit/>
+          </a:bodyPr>
+          <a:lstStyle/>
+          <a:p>
+            <a:r>
+              <a:rPr lang="ru-RU" sz="3200" dirty="0">
+                <a:solidFill>
+                  <a:prstClr val="black"/>
+                </a:solidFill>
+              </a:rPr>
+              <a:t>Среда разработки</a:t>
+            </a:r>
+          </a:p>
+          <a:p>
+            <a:r>
+              <a:rPr lang="en-US" sz="3200" dirty="0" smtClean="0">
+                <a:solidFill>
+                  <a:prstClr val="black"/>
+                </a:solidFill>
+              </a:rPr>
+              <a:t>	- </a:t>
+            </a:r>
+            <a:r>
+              <a:rPr lang="en-US" sz="3200" dirty="0" err="1" smtClean="0">
+                <a:solidFill>
+                  <a:prstClr val="black"/>
+                </a:solidFill>
+              </a:rPr>
+              <a:t>NetBeans</a:t>
+            </a:r>
+            <a:endParaRPr lang="ru-RU" sz="3200" dirty="0" smtClean="0">
+              <a:solidFill>
+                <a:prstClr val="black"/>
+              </a:solidFill>
+            </a:endParaRPr>
+          </a:p>
+        </p:txBody>
+      </p:sp>
+      <p:sp>
+        <p:nvSpPr>
+          <p:cNvPr id="7" name="TextBox 6"/>
+          <p:cNvSpPr txBox="1"/>
+          <p:nvPr/>
+        </p:nvSpPr>
+        <p:spPr>
+          <a:xfrm>
+            <a:off x="583614" y="3212976"/>
+            <a:ext cx="4984736" cy="1077218"/>
+          </a:xfrm>
+          <a:prstGeom prst="rect">
+            <a:avLst/>
+          </a:prstGeom>
+          <a:noFill/>
+        </p:spPr>
+        <p:txBody>
+          <a:bodyPr wrap="square" rtlCol="0" anchor="ctr">
+            <a:spAutoFit/>
+          </a:bodyPr>
+          <a:lstStyle/>
+          <a:p>
+            <a:r>
+              <a:rPr lang="ru-RU" sz="3200" dirty="0">
+                <a:solidFill>
+                  <a:prstClr val="black"/>
+                </a:solidFill>
+              </a:rPr>
+              <a:t>Средство отладки</a:t>
+            </a:r>
+          </a:p>
+          <a:p>
+            <a:r>
+              <a:rPr lang="en-US" sz="3200" dirty="0" smtClean="0">
+                <a:solidFill>
+                  <a:prstClr val="black"/>
+                </a:solidFill>
+              </a:rPr>
+              <a:t>	- Opera Dragonfly</a:t>
+            </a:r>
+            <a:endParaRPr lang="ru-RU" sz="3200" dirty="0" smtClean="0">
+              <a:solidFill>
+                <a:prstClr val="black"/>
+              </a:solidFill>
+            </a:endParaRPr>
+          </a:p>
+        </p:txBody>
+      </p:sp>
+      <p:sp>
+        <p:nvSpPr>
+          <p:cNvPr id="8" name="TextBox 7"/>
+          <p:cNvSpPr txBox="1"/>
+          <p:nvPr/>
+        </p:nvSpPr>
+        <p:spPr>
+          <a:xfrm>
+            <a:off x="583614" y="4149080"/>
+            <a:ext cx="4984736" cy="1077218"/>
+          </a:xfrm>
+          <a:prstGeom prst="rect">
+            <a:avLst/>
+          </a:prstGeom>
+          <a:noFill/>
+        </p:spPr>
+        <p:txBody>
+          <a:bodyPr wrap="square" rtlCol="0" anchor="ctr">
+            <a:spAutoFit/>
+          </a:bodyPr>
+          <a:lstStyle/>
+          <a:p>
+            <a:r>
+              <a:rPr lang="ru-RU" sz="3200" dirty="0">
+                <a:solidFill>
+                  <a:prstClr val="black"/>
+                </a:solidFill>
+              </a:rPr>
+              <a:t>Системы контроля версий</a:t>
+            </a:r>
+          </a:p>
+          <a:p>
+            <a:r>
+              <a:rPr lang="en-US" sz="3200" dirty="0" smtClean="0">
+                <a:solidFill>
+                  <a:prstClr val="black"/>
+                </a:solidFill>
+              </a:rPr>
+              <a:t>	- </a:t>
+            </a:r>
+            <a:r>
+              <a:rPr lang="en-US" sz="3200" dirty="0" err="1" smtClean="0">
+                <a:solidFill>
+                  <a:prstClr val="black"/>
+                </a:solidFill>
+              </a:rPr>
+              <a:t>Git</a:t>
+            </a:r>
+            <a:endParaRPr lang="ru-RU" sz="3200" dirty="0" smtClean="0">
+              <a:solidFill>
+                <a:prstClr val="black"/>
+              </a:solidFill>
+            </a:endParaRPr>
+          </a:p>
+        </p:txBody>
+      </p:sp>
+      <p:sp>
+        <p:nvSpPr>
+          <p:cNvPr id="9" name="TextBox 8"/>
+          <p:cNvSpPr txBox="1"/>
+          <p:nvPr/>
+        </p:nvSpPr>
+        <p:spPr>
+          <a:xfrm>
+            <a:off x="583614" y="5093022"/>
+            <a:ext cx="7344816" cy="1000274"/>
+          </a:xfrm>
+          <a:prstGeom prst="rect">
+            <a:avLst/>
+          </a:prstGeom>
+          <a:noFill/>
+        </p:spPr>
+        <p:txBody>
+          <a:bodyPr wrap="square" rtlCol="0" anchor="ctr">
+            <a:spAutoFit/>
+          </a:bodyPr>
+          <a:lstStyle/>
+          <a:p>
+            <a:r>
+              <a:rPr lang="ru-RU" sz="2800" dirty="0">
+                <a:solidFill>
+                  <a:prstClr val="black"/>
+                </a:solidFill>
+              </a:rPr>
+              <a:t>Вспомогательные средства</a:t>
+            </a:r>
+          </a:p>
+          <a:p>
+            <a:r>
+              <a:rPr lang="en-US" sz="3100" dirty="0" smtClean="0">
+                <a:solidFill>
+                  <a:prstClr val="black"/>
+                </a:solidFill>
+              </a:rPr>
+              <a:t>	- Skype, Visio</a:t>
+            </a:r>
+            <a:r>
+              <a:rPr lang="ru-RU" sz="3100" dirty="0" smtClean="0">
+                <a:solidFill>
+                  <a:prstClr val="black"/>
+                </a:solidFill>
+              </a:rPr>
+              <a:t>, </a:t>
+            </a:r>
+            <a:r>
+              <a:rPr lang="en-US" sz="3100" dirty="0" smtClean="0">
+                <a:solidFill>
+                  <a:prstClr val="black"/>
+                </a:solidFill>
+              </a:rPr>
+              <a:t>Opera, Google Chrome</a:t>
+            </a:r>
+            <a:endParaRPr lang="ru-RU" sz="3100" dirty="0" smtClean="0">
+              <a:solidFill>
+                <a:prstClr val="black"/>
+              </a:solidFill>
+            </a:endParaRPr>
           </a:p>
         </p:txBody>
       </p:sp>
     </p:spTree>
     <p:extLst>
       <p:ext uri="{BB962C8B-B14F-4D97-AF65-F5344CB8AC3E}">
-        <p14:creationId xmlns:p14="http://schemas.microsoft.com/office/powerpoint/2010/main" val="1468609376"/>
+        <p14:creationId xmlns:p14="http://schemas.microsoft.com/office/powerpoint/2010/main" val="3303552427"/>
       </p:ext>
     </p:extLst>
   </p:cSld>
@@ -11547,9 +11092,304 @@
   <p:timing>
     <p:tnLst>
       <p:par>
-        <p:cTn id="1" dur="indefinite" restart="never" nodeType="tmRoot"/>
+        <p:cTn id="1" dur="indefinite" restart="never" nodeType="tmRoot">
+          <p:childTnLst>
+            <p:seq concurrent="1" nextAc="seek">
+              <p:cTn id="2" dur="indefinite" nodeType="mainSeq">
+                <p:childTnLst>
+                  <p:par>
+                    <p:cTn id="3" fill="hold">
+                      <p:stCondLst>
+                        <p:cond delay="indefinite"/>
+                      </p:stCondLst>
+                      <p:childTnLst>
+                        <p:par>
+                          <p:cTn id="4" fill="hold">
+                            <p:stCondLst>
+                              <p:cond delay="0"/>
+                            </p:stCondLst>
+                            <p:childTnLst>
+                              <p:par>
+                                <p:cTn id="5" presetID="10" presetClass="entr" presetSubtype="0" fill="hold" grpId="0" nodeType="clickEffect">
+                                  <p:stCondLst>
+                                    <p:cond delay="0"/>
+                                  </p:stCondLst>
+                                  <p:childTnLst>
+                                    <p:set>
+                                      <p:cBhvr>
+                                        <p:cTn id="6" dur="1" fill="hold">
+                                          <p:stCondLst>
+                                            <p:cond delay="0"/>
+                                          </p:stCondLst>
+                                        </p:cTn>
+                                        <p:tgtEl>
+                                          <p:spTgt spid="5"/>
+                                        </p:tgtEl>
+                                        <p:attrNameLst>
+                                          <p:attrName>style.visibility</p:attrName>
+                                        </p:attrNameLst>
+                                      </p:cBhvr>
+                                      <p:to>
+                                        <p:strVal val="visible"/>
+                                      </p:to>
+                                    </p:set>
+                                    <p:animEffect transition="in" filter="fade">
+                                      <p:cBhvr>
+                                        <p:cTn id="7" dur="500"/>
+                                        <p:tgtEl>
+                                          <p:spTgt spid="5"/>
+                                        </p:tgtEl>
+                                      </p:cBhvr>
+                                    </p:animEffect>
+                                  </p:childTnLst>
+                                </p:cTn>
+                              </p:par>
+                            </p:childTnLst>
+                          </p:cTn>
+                        </p:par>
+                      </p:childTnLst>
+                    </p:cTn>
+                  </p:par>
+                  <p:par>
+                    <p:cTn id="8" fill="hold">
+                      <p:stCondLst>
+                        <p:cond delay="indefinite"/>
+                      </p:stCondLst>
+                      <p:childTnLst>
+                        <p:par>
+                          <p:cTn id="9" fill="hold">
+                            <p:stCondLst>
+                              <p:cond delay="0"/>
+                            </p:stCondLst>
+                            <p:childTnLst>
+                              <p:par>
+                                <p:cTn id="10" presetID="10" presetClass="entr" presetSubtype="0" fill="hold" grpId="0" nodeType="clickEffect">
+                                  <p:stCondLst>
+                                    <p:cond delay="0"/>
+                                  </p:stCondLst>
+                                  <p:childTnLst>
+                                    <p:set>
+                                      <p:cBhvr>
+                                        <p:cTn id="11" dur="1" fill="hold">
+                                          <p:stCondLst>
+                                            <p:cond delay="0"/>
+                                          </p:stCondLst>
+                                        </p:cTn>
+                                        <p:tgtEl>
+                                          <p:spTgt spid="6"/>
+                                        </p:tgtEl>
+                                        <p:attrNameLst>
+                                          <p:attrName>style.visibility</p:attrName>
+                                        </p:attrNameLst>
+                                      </p:cBhvr>
+                                      <p:to>
+                                        <p:strVal val="visible"/>
+                                      </p:to>
+                                    </p:set>
+                                    <p:animEffect transition="in" filter="fade">
+                                      <p:cBhvr>
+                                        <p:cTn id="12" dur="500"/>
+                                        <p:tgtEl>
+                                          <p:spTgt spid="6"/>
+                                        </p:tgtEl>
+                                      </p:cBhvr>
+                                    </p:animEffect>
+                                  </p:childTnLst>
+                                </p:cTn>
+                              </p:par>
+                            </p:childTnLst>
+                          </p:cTn>
+                        </p:par>
+                      </p:childTnLst>
+                    </p:cTn>
+                  </p:par>
+                  <p:par>
+                    <p:cTn id="13" fill="hold">
+                      <p:stCondLst>
+                        <p:cond delay="indefinite"/>
+                      </p:stCondLst>
+                      <p:childTnLst>
+                        <p:par>
+                          <p:cTn id="14" fill="hold">
+                            <p:stCondLst>
+                              <p:cond delay="0"/>
+                            </p:stCondLst>
+                            <p:childTnLst>
+                              <p:par>
+                                <p:cTn id="15" presetID="10" presetClass="entr" presetSubtype="0" fill="hold" grpId="0" nodeType="clickEffect">
+                                  <p:stCondLst>
+                                    <p:cond delay="0"/>
+                                  </p:stCondLst>
+                                  <p:childTnLst>
+                                    <p:set>
+                                      <p:cBhvr>
+                                        <p:cTn id="16" dur="1" fill="hold">
+                                          <p:stCondLst>
+                                            <p:cond delay="0"/>
+                                          </p:stCondLst>
+                                        </p:cTn>
+                                        <p:tgtEl>
+                                          <p:spTgt spid="7"/>
+                                        </p:tgtEl>
+                                        <p:attrNameLst>
+                                          <p:attrName>style.visibility</p:attrName>
+                                        </p:attrNameLst>
+                                      </p:cBhvr>
+                                      <p:to>
+                                        <p:strVal val="visible"/>
+                                      </p:to>
+                                    </p:set>
+                                    <p:animEffect transition="in" filter="fade">
+                                      <p:cBhvr>
+                                        <p:cTn id="17" dur="500"/>
+                                        <p:tgtEl>
+                                          <p:spTgt spid="7"/>
+                                        </p:tgtEl>
+                                      </p:cBhvr>
+                                    </p:animEffect>
+                                  </p:childTnLst>
+                                </p:cTn>
+                              </p:par>
+                            </p:childTnLst>
+                          </p:cTn>
+                        </p:par>
+                      </p:childTnLst>
+                    </p:cTn>
+                  </p:par>
+                  <p:par>
+                    <p:cTn id="18" fill="hold">
+                      <p:stCondLst>
+                        <p:cond delay="indefinite"/>
+                      </p:stCondLst>
+                      <p:childTnLst>
+                        <p:par>
+                          <p:cTn id="19" fill="hold">
+                            <p:stCondLst>
+                              <p:cond delay="0"/>
+                            </p:stCondLst>
+                            <p:childTnLst>
+                              <p:par>
+                                <p:cTn id="20" presetID="10" presetClass="entr" presetSubtype="0" fill="hold" grpId="0" nodeType="clickEffect">
+                                  <p:stCondLst>
+                                    <p:cond delay="0"/>
+                                  </p:stCondLst>
+                                  <p:childTnLst>
+                                    <p:set>
+                                      <p:cBhvr>
+                                        <p:cTn id="21" dur="1" fill="hold">
+                                          <p:stCondLst>
+                                            <p:cond delay="0"/>
+                                          </p:stCondLst>
+                                        </p:cTn>
+                                        <p:tgtEl>
+                                          <p:spTgt spid="8"/>
+                                        </p:tgtEl>
+                                        <p:attrNameLst>
+                                          <p:attrName>style.visibility</p:attrName>
+                                        </p:attrNameLst>
+                                      </p:cBhvr>
+                                      <p:to>
+                                        <p:strVal val="visible"/>
+                                      </p:to>
+                                    </p:set>
+                                    <p:animEffect transition="in" filter="fade">
+                                      <p:cBhvr>
+                                        <p:cTn id="22" dur="500"/>
+                                        <p:tgtEl>
+                                          <p:spTgt spid="8"/>
+                                        </p:tgtEl>
+                                      </p:cBhvr>
+                                    </p:animEffect>
+                                  </p:childTnLst>
+                                </p:cTn>
+                              </p:par>
+                            </p:childTnLst>
+                          </p:cTn>
+                        </p:par>
+                      </p:childTnLst>
+                    </p:cTn>
+                  </p:par>
+                  <p:par>
+                    <p:cTn id="23" fill="hold">
+                      <p:stCondLst>
+                        <p:cond delay="indefinite"/>
+                      </p:stCondLst>
+                      <p:childTnLst>
+                        <p:par>
+                          <p:cTn id="24" fill="hold">
+                            <p:stCondLst>
+                              <p:cond delay="0"/>
+                            </p:stCondLst>
+                            <p:childTnLst>
+                              <p:par>
+                                <p:cTn id="25" presetID="10" presetClass="entr" presetSubtype="0" fill="hold" grpId="0" nodeType="clickEffect">
+                                  <p:stCondLst>
+                                    <p:cond delay="0"/>
+                                  </p:stCondLst>
+                                  <p:childTnLst>
+                                    <p:set>
+                                      <p:cBhvr>
+                                        <p:cTn id="26" dur="1" fill="hold">
+                                          <p:stCondLst>
+                                            <p:cond delay="0"/>
+                                          </p:stCondLst>
+                                        </p:cTn>
+                                        <p:tgtEl>
+                                          <p:spTgt spid="9"/>
+                                        </p:tgtEl>
+                                        <p:attrNameLst>
+                                          <p:attrName>style.visibility</p:attrName>
+                                        </p:attrNameLst>
+                                      </p:cBhvr>
+                                      <p:to>
+                                        <p:strVal val="visible"/>
+                                      </p:to>
+                                    </p:set>
+                                    <p:animEffect transition="in" filter="fade">
+                                      <p:cBhvr>
+                                        <p:cTn id="27" dur="500"/>
+                                        <p:tgtEl>
+                                          <p:spTgt spid="9"/>
+                                        </p:tgtEl>
+                                      </p:cBhvr>
+                                    </p:animEffect>
+                                  </p:childTnLst>
+                                </p:cTn>
+                              </p:par>
+                            </p:childTnLst>
+                          </p:cTn>
+                        </p:par>
+                      </p:childTnLst>
+                    </p:cTn>
+                  </p:par>
+                </p:childTnLst>
+              </p:cTn>
+              <p:prevCondLst>
+                <p:cond evt="onPrev" delay="0">
+                  <p:tgtEl>
+                    <p:sldTgt/>
+                  </p:tgtEl>
+                </p:cond>
+              </p:prevCondLst>
+              <p:nextCondLst>
+                <p:cond evt="onNext" delay="0">
+                  <p:tgtEl>
+                    <p:sldTgt/>
+                  </p:tgtEl>
+                </p:cond>
+              </p:nextCondLst>
+            </p:seq>
+          </p:childTnLst>
+        </p:cTn>
       </p:par>
     </p:tnLst>
+    <p:bldLst>
+      <p:bldP spid="5" grpId="0"/>
+      <p:bldP spid="6" grpId="0"/>
+      <p:bldP spid="7" grpId="0"/>
+      <p:bldP spid="8" grpId="0"/>
+      <p:bldP spid="9" grpId="0"/>
+    </p:bldLst>
   </p:timing>
 </p:sld>
 </file>
@@ -11579,8 +11419,8 @@
         </p:nvSpPr>
         <p:spPr>
           <a:xfrm>
-            <a:off x="431540" y="332656"/>
-            <a:ext cx="8280920" cy="830997"/>
+            <a:off x="251520" y="190959"/>
+            <a:ext cx="8640960" cy="830997"/>
           </a:xfrm>
           <a:prstGeom prst="rect">
             <a:avLst/>
@@ -11593,24 +11433,155 @@
           </a:bodyPr>
           <a:lstStyle/>
           <a:p>
-            <a:r>
-              <a:rPr lang="ru-RU" sz="4800" dirty="0" smtClean="0"/>
-              <a:t>Веб сервер</a:t>
-            </a:r>
-            <a:endParaRPr lang="ru-RU" sz="4800" dirty="0"/>
-          </a:p>
-        </p:txBody>
-      </p:sp>
-      <p:sp>
-        <p:nvSpPr>
-          <p:cNvPr id="3" name="TextBox 2"/>
+            <a:pPr algn="ctr"/>
+            <a:r>
+              <a:rPr lang="ru-RU" sz="4800" dirty="0" smtClean="0">
+                <a:solidFill>
+                  <a:schemeClr val="tx2">
+                    <a:lumMod val="25000"/>
+                  </a:schemeClr>
+                </a:solidFill>
+                <a:latin typeface="Calibri" pitchFamily="34" charset="0"/>
+                <a:cs typeface="Calibri" pitchFamily="34" charset="0"/>
+              </a:rPr>
+              <a:t>Архитектура веб-приложения</a:t>
+            </a:r>
+            <a:endParaRPr lang="ru-RU" sz="4800" dirty="0">
+              <a:solidFill>
+                <a:schemeClr val="tx2">
+                  <a:lumMod val="25000"/>
+                </a:schemeClr>
+              </a:solidFill>
+              <a:latin typeface="Calibri" pitchFamily="34" charset="0"/>
+              <a:cs typeface="Calibri" pitchFamily="34" charset="0"/>
+            </a:endParaRPr>
+          </a:p>
+        </p:txBody>
+      </p:sp>
+      <p:graphicFrame>
+        <p:nvGraphicFramePr>
+          <p:cNvPr id="3" name="Объект 2"/>
+          <p:cNvGraphicFramePr>
+            <a:graphicFrameLocks noChangeAspect="1"/>
+          </p:cNvGraphicFramePr>
+          <p:nvPr>
+            <p:extLst>
+              <p:ext uri="{D42A27DB-BD31-4B8C-83A1-F6EECF244321}">
+                <p14:modId xmlns:p14="http://schemas.microsoft.com/office/powerpoint/2010/main" val="865589478"/>
+              </p:ext>
+            </p:extLst>
+          </p:nvPr>
+        </p:nvGraphicFramePr>
+        <p:xfrm>
+          <a:off x="74775" y="2236626"/>
+          <a:ext cx="5213160" cy="3766815"/>
+        </p:xfrm>
+        <a:graphic>
+          <a:graphicData uri="http://schemas.openxmlformats.org/presentationml/2006/ole">
+            <mc:AlternateContent xmlns:mc="http://schemas.openxmlformats.org/markup-compatibility/2006">
+              <mc:Choice xmlns:v="urn:schemas-microsoft-com:vml" Requires="v">
+                <p:oleObj spid="_x0000_s2130" name="Visio" r:id="rId3" imgW="4714900" imgH="3406320" progId="Visio.Drawing.11">
+                  <p:embed/>
+                </p:oleObj>
+              </mc:Choice>
+              <mc:Fallback>
+                <p:oleObj name="Visio" r:id="rId3" imgW="4714900" imgH="3406320" progId="Visio.Drawing.11">
+                  <p:embed/>
+                  <p:pic>
+                    <p:nvPicPr>
+                      <p:cNvPr id="0" name=""/>
+                      <p:cNvPicPr/>
+                      <p:nvPr/>
+                    </p:nvPicPr>
+                    <p:blipFill>
+                      <a:blip r:embed="rId4"/>
+                      <a:stretch>
+                        <a:fillRect/>
+                      </a:stretch>
+                    </p:blipFill>
+                    <p:spPr>
+                      <a:xfrm>
+                        <a:off x="74775" y="2236626"/>
+                        <a:ext cx="5213160" cy="3766815"/>
+                      </a:xfrm>
+                      <a:prstGeom prst="rect">
+                        <a:avLst/>
+                      </a:prstGeom>
+                    </p:spPr>
+                  </p:pic>
+                </p:oleObj>
+              </mc:Fallback>
+            </mc:AlternateContent>
+          </a:graphicData>
+        </a:graphic>
+      </p:graphicFrame>
+      <p:graphicFrame>
+        <p:nvGraphicFramePr>
+          <p:cNvPr id="5" name="Объект 4"/>
+          <p:cNvGraphicFramePr>
+            <a:graphicFrameLocks noChangeAspect="1"/>
+          </p:cNvGraphicFramePr>
+          <p:nvPr>
+            <p:extLst>
+              <p:ext uri="{D42A27DB-BD31-4B8C-83A1-F6EECF244321}">
+                <p14:modId xmlns:p14="http://schemas.microsoft.com/office/powerpoint/2010/main" val="2207234629"/>
+              </p:ext>
+            </p:extLst>
+          </p:nvPr>
+        </p:nvGraphicFramePr>
+        <p:xfrm>
+          <a:off x="5362710" y="2002755"/>
+          <a:ext cx="3706515" cy="4234557"/>
+        </p:xfrm>
+        <a:graphic>
+          <a:graphicData uri="http://schemas.openxmlformats.org/presentationml/2006/ole">
+            <mc:AlternateContent xmlns:mc="http://schemas.openxmlformats.org/markup-compatibility/2006">
+              <mc:Choice xmlns:v="urn:schemas-microsoft-com:vml" Requires="v">
+                <p:oleObj spid="_x0000_s2131" name="Visio" r:id="rId5" imgW="3455000" imgH="3946320" progId="Visio.Drawing.11">
+                  <p:embed/>
+                </p:oleObj>
+              </mc:Choice>
+              <mc:Fallback>
+                <p:oleObj name="Visio" r:id="rId5" imgW="3455000" imgH="3946320" progId="Visio.Drawing.11">
+                  <p:embed/>
+                  <p:pic>
+                    <p:nvPicPr>
+                      <p:cNvPr id="0" name=""/>
+                      <p:cNvPicPr/>
+                      <p:nvPr/>
+                    </p:nvPicPr>
+                    <p:blipFill>
+                      <a:blip r:embed="rId6"/>
+                      <a:stretch>
+                        <a:fillRect/>
+                      </a:stretch>
+                    </p:blipFill>
+                    <p:spPr>
+                      <a:xfrm>
+                        <a:off x="5362710" y="2002755"/>
+                        <a:ext cx="3706515" cy="4234557"/>
+                      </a:xfrm>
+                      <a:prstGeom prst="rect">
+                        <a:avLst/>
+                      </a:prstGeom>
+                    </p:spPr>
+                  </p:pic>
+                </p:oleObj>
+              </mc:Fallback>
+            </mc:AlternateContent>
+          </a:graphicData>
+        </a:graphic>
+      </p:graphicFrame>
+      <p:sp>
+        <p:nvSpPr>
+          <p:cNvPr id="6" name="TextBox 5"/>
           <p:cNvSpPr txBox="1"/>
           <p:nvPr/>
         </p:nvSpPr>
         <p:spPr>
           <a:xfrm>
-            <a:off x="69116" y="5013176"/>
-            <a:ext cx="9036496" cy="1569660"/>
+            <a:off x="792089" y="1272209"/>
+            <a:ext cx="3203847" cy="646331"/>
           </a:xfrm>
           <a:prstGeom prst="rect">
             <a:avLst/>
@@ -11623,102 +11594,82 @@
           </a:bodyPr>
           <a:lstStyle/>
           <a:p>
-            <a:pPr lvl="0"/>
-            <a:r>
-              <a:rPr lang="ru-RU" sz="3200" dirty="0" smtClean="0"/>
-              <a:t>XAMPP </a:t>
-            </a:r>
-            <a:r>
-              <a:rPr lang="ru-RU" sz="3200" dirty="0"/>
-              <a:t>— кроссплатформенная сборка веб-сервера, содержащая </a:t>
-            </a:r>
-            <a:r>
-              <a:rPr lang="ru-RU" sz="3200" dirty="0" err="1"/>
-              <a:t>Apache</a:t>
-            </a:r>
-            <a:r>
-              <a:rPr lang="ru-RU" sz="3200" dirty="0"/>
-              <a:t>, </a:t>
-            </a:r>
-            <a:r>
-              <a:rPr lang="ru-RU" sz="3200" dirty="0" err="1"/>
-              <a:t>MySQL</a:t>
-            </a:r>
-            <a:r>
-              <a:rPr lang="ru-RU" sz="3200" dirty="0"/>
-              <a:t>, интерпретатор скриптов PHP</a:t>
-            </a:r>
-          </a:p>
-        </p:txBody>
-      </p:sp>
-      <p:pic>
-        <p:nvPicPr>
-          <p:cNvPr id="11266" name="Picture 2"/>
-          <p:cNvPicPr>
-            <a:picLocks noChangeAspect="1" noChangeArrowheads="1"/>
-          </p:cNvPicPr>
+            <a:pPr algn="ctr"/>
+            <a:r>
+              <a:rPr lang="en-US" sz="3600" dirty="0" smtClean="0">
+                <a:solidFill>
+                  <a:schemeClr val="tx2">
+                    <a:lumMod val="25000"/>
+                  </a:schemeClr>
+                </a:solidFill>
+                <a:latin typeface="Calibri" pitchFamily="34" charset="0"/>
+                <a:cs typeface="Calibri" pitchFamily="34" charset="0"/>
+              </a:rPr>
+              <a:t>MVC</a:t>
+            </a:r>
+            <a:endParaRPr lang="ru-RU" sz="3600" dirty="0">
+              <a:solidFill>
+                <a:schemeClr val="tx2">
+                  <a:lumMod val="25000"/>
+                </a:schemeClr>
+              </a:solidFill>
+              <a:latin typeface="Calibri" pitchFamily="34" charset="0"/>
+              <a:cs typeface="Calibri" pitchFamily="34" charset="0"/>
+            </a:endParaRPr>
+          </a:p>
+        </p:txBody>
+      </p:sp>
+      <p:sp>
+        <p:nvSpPr>
+          <p:cNvPr id="7" name="TextBox 6"/>
+          <p:cNvSpPr txBox="1"/>
           <p:nvPr/>
-        </p:nvPicPr>
-        <p:blipFill>
-          <a:blip r:embed="rId2">
-            <a:extLst>
-              <a:ext uri="{28A0092B-C50C-407E-A947-70E740481C1C}">
-                <a14:useLocalDpi xmlns:a14="http://schemas.microsoft.com/office/drawing/2010/main" val="0"/>
-              </a:ext>
-            </a:extLst>
-          </a:blip>
-          <a:srcRect/>
-          <a:stretch>
-            <a:fillRect/>
-          </a:stretch>
-        </p:blipFill>
-        <p:spPr bwMode="auto">
+        </p:nvSpPr>
+        <p:spPr>
           <a:xfrm>
-            <a:off x="2268538" y="1125538"/>
-            <a:ext cx="4327525" cy="3832225"/>
+            <a:off x="5364088" y="1268760"/>
+            <a:ext cx="3360373" cy="646331"/>
           </a:xfrm>
           <a:prstGeom prst="rect">
             <a:avLst/>
           </a:prstGeom>
           <a:noFill/>
-          <a:ln>
-            <a:noFill/>
-          </a:ln>
-          <a:effectLst/>
-          <a:extLst>
-            <a:ext uri="{909E8E84-426E-40DD-AFC4-6F175D3DCCD1}">
-              <a14:hiddenFill xmlns:a14="http://schemas.microsoft.com/office/drawing/2010/main">
-                <a:solidFill>
-                  <a:schemeClr val="accent1"/>
-                </a:solidFill>
-              </a14:hiddenFill>
-            </a:ext>
-            <a:ext uri="{91240B29-F687-4F45-9708-019B960494DF}">
-              <a14:hiddenLine xmlns:a14="http://schemas.microsoft.com/office/drawing/2010/main" w="9525">
-                <a:solidFill>
-                  <a:schemeClr val="tx1"/>
-                </a:solidFill>
-                <a:miter lim="800000"/>
-                <a:headEnd/>
-                <a:tailEnd/>
-              </a14:hiddenLine>
-            </a:ext>
-            <a:ext uri="{AF507438-7753-43E0-B8FC-AC1667EBCBE1}">
-              <a14:hiddenEffects xmlns:a14="http://schemas.microsoft.com/office/drawing/2010/main">
-                <a:effectLst>
-                  <a:outerShdw dist="35921" dir="2700000" algn="ctr" rotWithShape="0">
-                    <a:schemeClr val="bg2"/>
-                  </a:outerShdw>
-                </a:effectLst>
-              </a14:hiddenEffects>
-            </a:ext>
-          </a:extLst>
         </p:spPr>
-      </p:pic>
+        <p:txBody>
+          <a:bodyPr wrap="square" rtlCol="0" anchor="ctr">
+            <a:spAutoFit/>
+          </a:bodyPr>
+          <a:lstStyle/>
+          <a:p>
+            <a:pPr algn="ctr"/>
+            <a:r>
+              <a:rPr lang="en-US" sz="3600" dirty="0" smtClean="0">
+                <a:solidFill>
+                  <a:schemeClr val="tx2">
+                    <a:lumMod val="25000"/>
+                  </a:schemeClr>
+                </a:solidFill>
+                <a:latin typeface="Calibri" pitchFamily="34" charset="0"/>
+                <a:cs typeface="Calibri" pitchFamily="34" charset="0"/>
+              </a:rPr>
+              <a:t>MVP</a:t>
+            </a:r>
+            <a:endParaRPr lang="ru-RU" sz="3600" dirty="0">
+              <a:solidFill>
+                <a:schemeClr val="tx2">
+                  <a:lumMod val="25000"/>
+                </a:schemeClr>
+              </a:solidFill>
+              <a:latin typeface="Calibri" pitchFamily="34" charset="0"/>
+              <a:cs typeface="Calibri" pitchFamily="34" charset="0"/>
+            </a:endParaRPr>
+          </a:p>
+        </p:txBody>
+      </p:sp>
     </p:spTree>
     <p:extLst>
       <p:ext uri="{BB962C8B-B14F-4D97-AF65-F5344CB8AC3E}">
-        <p14:creationId xmlns:p14="http://schemas.microsoft.com/office/powerpoint/2010/main" val="1762064774"/>
+        <p14:creationId xmlns:p14="http://schemas.microsoft.com/office/powerpoint/2010/main" val="1676360908"/>
       </p:ext>
     </p:extLst>
   </p:cSld>
@@ -11728,15 +11679,218 @@
   <p:timing>
     <p:tnLst>
       <p:par>
-        <p:cTn id="1" dur="indefinite" restart="never" nodeType="tmRoot"/>
+        <p:cTn id="1" dur="indefinite" restart="never" nodeType="tmRoot">
+          <p:childTnLst>
+            <p:seq concurrent="1" nextAc="seek">
+              <p:cTn id="2" dur="indefinite" nodeType="mainSeq">
+                <p:childTnLst>
+                  <p:par>
+                    <p:cTn id="3" fill="hold">
+                      <p:stCondLst>
+                        <p:cond delay="indefinite"/>
+                      </p:stCondLst>
+                      <p:childTnLst>
+                        <p:par>
+                          <p:cTn id="4" fill="hold">
+                            <p:stCondLst>
+                              <p:cond delay="0"/>
+                            </p:stCondLst>
+                            <p:childTnLst>
+                              <p:par>
+                                <p:cTn id="5" presetID="10" presetClass="entr" presetSubtype="0" fill="hold" nodeType="clickEffect">
+                                  <p:stCondLst>
+                                    <p:cond delay="0"/>
+                                  </p:stCondLst>
+                                  <p:childTnLst>
+                                    <p:set>
+                                      <p:cBhvr>
+                                        <p:cTn id="6" dur="1" fill="hold">
+                                          <p:stCondLst>
+                                            <p:cond delay="0"/>
+                                          </p:stCondLst>
+                                        </p:cTn>
+                                        <p:tgtEl>
+                                          <p:spTgt spid="3"/>
+                                        </p:tgtEl>
+                                        <p:attrNameLst>
+                                          <p:attrName>style.visibility</p:attrName>
+                                        </p:attrNameLst>
+                                      </p:cBhvr>
+                                      <p:to>
+                                        <p:strVal val="visible"/>
+                                      </p:to>
+                                    </p:set>
+                                    <p:animEffect transition="in" filter="fade">
+                                      <p:cBhvr>
+                                        <p:cTn id="7" dur="500"/>
+                                        <p:tgtEl>
+                                          <p:spTgt spid="3"/>
+                                        </p:tgtEl>
+                                      </p:cBhvr>
+                                    </p:animEffect>
+                                  </p:childTnLst>
+                                </p:cTn>
+                              </p:par>
+                              <p:par>
+                                <p:cTn id="8" presetID="10" presetClass="entr" presetSubtype="0" fill="hold" grpId="0" nodeType="withEffect">
+                                  <p:stCondLst>
+                                    <p:cond delay="0"/>
+                                  </p:stCondLst>
+                                  <p:childTnLst>
+                                    <p:set>
+                                      <p:cBhvr>
+                                        <p:cTn id="9" dur="1" fill="hold">
+                                          <p:stCondLst>
+                                            <p:cond delay="0"/>
+                                          </p:stCondLst>
+                                        </p:cTn>
+                                        <p:tgtEl>
+                                          <p:spTgt spid="6"/>
+                                        </p:tgtEl>
+                                        <p:attrNameLst>
+                                          <p:attrName>style.visibility</p:attrName>
+                                        </p:attrNameLst>
+                                      </p:cBhvr>
+                                      <p:to>
+                                        <p:strVal val="visible"/>
+                                      </p:to>
+                                    </p:set>
+                                    <p:animEffect transition="in" filter="fade">
+                                      <p:cBhvr>
+                                        <p:cTn id="10" dur="500"/>
+                                        <p:tgtEl>
+                                          <p:spTgt spid="6"/>
+                                        </p:tgtEl>
+                                      </p:cBhvr>
+                                    </p:animEffect>
+                                  </p:childTnLst>
+                                </p:cTn>
+                              </p:par>
+                            </p:childTnLst>
+                          </p:cTn>
+                        </p:par>
+                      </p:childTnLst>
+                    </p:cTn>
+                  </p:par>
+                  <p:par>
+                    <p:cTn id="11" fill="hold">
+                      <p:stCondLst>
+                        <p:cond delay="indefinite"/>
+                      </p:stCondLst>
+                      <p:childTnLst>
+                        <p:par>
+                          <p:cTn id="12" fill="hold">
+                            <p:stCondLst>
+                              <p:cond delay="0"/>
+                            </p:stCondLst>
+                            <p:childTnLst>
+                              <p:par>
+                                <p:cTn id="13" presetID="10" presetClass="entr" presetSubtype="0" fill="hold" nodeType="clickEffect">
+                                  <p:stCondLst>
+                                    <p:cond delay="0"/>
+                                  </p:stCondLst>
+                                  <p:childTnLst>
+                                    <p:set>
+                                      <p:cBhvr>
+                                        <p:cTn id="14" dur="1" fill="hold">
+                                          <p:stCondLst>
+                                            <p:cond delay="0"/>
+                                          </p:stCondLst>
+                                        </p:cTn>
+                                        <p:tgtEl>
+                                          <p:spTgt spid="5"/>
+                                        </p:tgtEl>
+                                        <p:attrNameLst>
+                                          <p:attrName>style.visibility</p:attrName>
+                                        </p:attrNameLst>
+                                      </p:cBhvr>
+                                      <p:to>
+                                        <p:strVal val="visible"/>
+                                      </p:to>
+                                    </p:set>
+                                    <p:animEffect transition="in" filter="fade">
+                                      <p:cBhvr>
+                                        <p:cTn id="15" dur="500"/>
+                                        <p:tgtEl>
+                                          <p:spTgt spid="5"/>
+                                        </p:tgtEl>
+                                      </p:cBhvr>
+                                    </p:animEffect>
+                                  </p:childTnLst>
+                                </p:cTn>
+                              </p:par>
+                              <p:par>
+                                <p:cTn id="16" presetID="10" presetClass="entr" presetSubtype="0" fill="hold" grpId="0" nodeType="withEffect">
+                                  <p:stCondLst>
+                                    <p:cond delay="0"/>
+                                  </p:stCondLst>
+                                  <p:childTnLst>
+                                    <p:set>
+                                      <p:cBhvr>
+                                        <p:cTn id="17" dur="1" fill="hold">
+                                          <p:stCondLst>
+                                            <p:cond delay="0"/>
+                                          </p:stCondLst>
+                                        </p:cTn>
+                                        <p:tgtEl>
+                                          <p:spTgt spid="7"/>
+                                        </p:tgtEl>
+                                        <p:attrNameLst>
+                                          <p:attrName>style.visibility</p:attrName>
+                                        </p:attrNameLst>
+                                      </p:cBhvr>
+                                      <p:to>
+                                        <p:strVal val="visible"/>
+                                      </p:to>
+                                    </p:set>
+                                    <p:animEffect transition="in" filter="fade">
+                                      <p:cBhvr>
+                                        <p:cTn id="18" dur="500"/>
+                                        <p:tgtEl>
+                                          <p:spTgt spid="7"/>
+                                        </p:tgtEl>
+                                      </p:cBhvr>
+                                    </p:animEffect>
+                                  </p:childTnLst>
+                                </p:cTn>
+                              </p:par>
+                            </p:childTnLst>
+                          </p:cTn>
+                        </p:par>
+                      </p:childTnLst>
+                    </p:cTn>
+                  </p:par>
+                </p:childTnLst>
+              </p:cTn>
+              <p:prevCondLst>
+                <p:cond evt="onPrev" delay="0">
+                  <p:tgtEl>
+                    <p:sldTgt/>
+                  </p:tgtEl>
+                </p:cond>
+              </p:prevCondLst>
+              <p:nextCondLst>
+                <p:cond evt="onNext" delay="0">
+                  <p:tgtEl>
+                    <p:sldTgt/>
+                  </p:tgtEl>
+                </p:cond>
+              </p:nextCondLst>
+            </p:seq>
+          </p:childTnLst>
+        </p:cTn>
       </p:par>
     </p:tnLst>
+    <p:bldLst>
+      <p:bldP spid="6" grpId="0"/>
+      <p:bldP spid="7" grpId="0"/>
+    </p:bldLst>
   </p:timing>
 </p:sld>
 </file>
 
 <file path=ppt/theme/theme1.xml><?xml version="1.0" encoding="utf-8"?>
-<a:theme xmlns:a="http://schemas.openxmlformats.org/drawingml/2006/main" name="Базовая">
+<a:theme xmlns:a="http://schemas.openxmlformats.org/drawingml/2006/main" name="1_Базовая">
   <a:themeElements>
     <a:clrScheme name="Другая 1">
       <a:dk1>
@@ -11776,16 +11930,76 @@
         <a:srgbClr val="3EBBF0"/>
       </a:folHlink>
     </a:clrScheme>
-    <a:fontScheme name="Другая 1">
+    <a:fontScheme name="Стандартная">
       <a:majorFont>
         <a:latin typeface="Calibri"/>
         <a:ea typeface=""/>
         <a:cs typeface=""/>
+        <a:font script="Jpan" typeface="ＭＳ Ｐゴシック"/>
+        <a:font script="Hang" typeface="맑은 고딕"/>
+        <a:font script="Hans" typeface="宋体"/>
+        <a:font script="Hant" typeface="新細明體"/>
+        <a:font script="Arab" typeface="Times New Roman"/>
+        <a:font script="Hebr" typeface="Times New Roman"/>
+        <a:font script="Thai" typeface="Angsana New"/>
+        <a:font script="Ethi" typeface="Nyala"/>
+        <a:font script="Beng" typeface="Vrinda"/>
+        <a:font script="Gujr" typeface="Shruti"/>
+        <a:font script="Khmr" typeface="MoolBoran"/>
+        <a:font script="Knda" typeface="Tunga"/>
+        <a:font script="Guru" typeface="Raavi"/>
+        <a:font script="Cans" typeface="Euphemia"/>
+        <a:font script="Cher" typeface="Plantagenet Cherokee"/>
+        <a:font script="Yiii" typeface="Microsoft Yi Baiti"/>
+        <a:font script="Tibt" typeface="Microsoft Himalaya"/>
+        <a:font script="Thaa" typeface="MV Boli"/>
+        <a:font script="Deva" typeface="Mangal"/>
+        <a:font script="Telu" typeface="Gautami"/>
+        <a:font script="Taml" typeface="Latha"/>
+        <a:font script="Syrc" typeface="Estrangelo Edessa"/>
+        <a:font script="Orya" typeface="Kalinga"/>
+        <a:font script="Mlym" typeface="Kartika"/>
+        <a:font script="Laoo" typeface="DokChampa"/>
+        <a:font script="Sinh" typeface="Iskoola Pota"/>
+        <a:font script="Mong" typeface="Mongolian Baiti"/>
+        <a:font script="Viet" typeface="Times New Roman"/>
+        <a:font script="Uigh" typeface="Microsoft Uighur"/>
+        <a:font script="Geor" typeface="Sylfaen"/>
       </a:majorFont>
       <a:minorFont>
         <a:latin typeface="Calibri"/>
         <a:ea typeface=""/>
         <a:cs typeface=""/>
+        <a:font script="Jpan" typeface="ＭＳ Ｐゴシック"/>
+        <a:font script="Hang" typeface="맑은 고딕"/>
+        <a:font script="Hans" typeface="宋体"/>
+        <a:font script="Hant" typeface="新細明體"/>
+        <a:font script="Arab" typeface="Arial"/>
+        <a:font script="Hebr" typeface="Arial"/>
+        <a:font script="Thai" typeface="Cordia New"/>
+        <a:font script="Ethi" typeface="Nyala"/>
+        <a:font script="Beng" typeface="Vrinda"/>
+        <a:font script="Gujr" typeface="Shruti"/>
+        <a:font script="Khmr" typeface="DaunPenh"/>
+        <a:font script="Knda" typeface="Tunga"/>
+        <a:font script="Guru" typeface="Raavi"/>
+        <a:font script="Cans" typeface="Euphemia"/>
+        <a:font script="Cher" typeface="Plantagenet Cherokee"/>
+        <a:font script="Yiii" typeface="Microsoft Yi Baiti"/>
+        <a:font script="Tibt" typeface="Microsoft Himalaya"/>
+        <a:font script="Thaa" typeface="MV Boli"/>
+        <a:font script="Deva" typeface="Mangal"/>
+        <a:font script="Telu" typeface="Gautami"/>
+        <a:font script="Taml" typeface="Latha"/>
+        <a:font script="Syrc" typeface="Estrangelo Edessa"/>
+        <a:font script="Orya" typeface="Kalinga"/>
+        <a:font script="Mlym" typeface="Kartika"/>
+        <a:font script="Laoo" typeface="DokChampa"/>
+        <a:font script="Sinh" typeface="Iskoola Pota"/>
+        <a:font script="Mong" typeface="Mongolian Baiti"/>
+        <a:font script="Viet" typeface="Arial"/>
+        <a:font script="Uigh" typeface="Microsoft Uighur"/>
+        <a:font script="Geor" typeface="Sylfaen"/>
       </a:minorFont>
     </a:fontScheme>
     <a:fmtScheme name="Базовая">

--- a/!docs/common.pptx
+++ b/!docs/common.pptx
@@ -440,7 +440,7 @@
                 </a:solidFill>
               </a:rPr>
               <a:pPr/>
-              <a:t>12.06.2012</a:t>
+              <a:t>17.06.2012</a:t>
             </a:fld>
             <a:endParaRPr lang="ru-RU">
               <a:solidFill>
@@ -647,7 +647,7 @@
                 </a:solidFill>
               </a:rPr>
               <a:pPr/>
-              <a:t>12.06.2012</a:t>
+              <a:t>17.06.2012</a:t>
             </a:fld>
             <a:endParaRPr lang="ru-RU">
               <a:solidFill>
@@ -859,7 +859,7 @@
                 </a:solidFill>
               </a:rPr>
               <a:pPr/>
-              <a:t>12.06.2012</a:t>
+              <a:t>17.06.2012</a:t>
             </a:fld>
             <a:endParaRPr lang="ru-RU">
               <a:solidFill>
@@ -1061,7 +1061,7 @@
                 </a:solidFill>
               </a:rPr>
               <a:pPr/>
-              <a:t>12.06.2012</a:t>
+              <a:t>17.06.2012</a:t>
             </a:fld>
             <a:endParaRPr lang="ru-RU">
               <a:solidFill>
@@ -1359,7 +1359,7 @@
                 </a:solidFill>
               </a:rPr>
               <a:pPr/>
-              <a:t>12.06.2012</a:t>
+              <a:t>17.06.2012</a:t>
             </a:fld>
             <a:endParaRPr lang="ru-RU">
               <a:solidFill>
@@ -1536,7 +1536,7 @@
                 </a:solidFill>
               </a:rPr>
               <a:pPr/>
-              <a:t>12.06.2012</a:t>
+              <a:t>17.06.2012</a:t>
             </a:fld>
             <a:endParaRPr lang="ru-RU">
               <a:solidFill>
@@ -2231,7 +2231,7 @@
                 </a:solidFill>
               </a:rPr>
               <a:pPr/>
-              <a:t>12.06.2012</a:t>
+              <a:t>17.06.2012</a:t>
             </a:fld>
             <a:endParaRPr lang="ru-RU">
               <a:solidFill>
@@ -2381,7 +2381,7 @@
                 </a:solidFill>
               </a:rPr>
               <a:pPr/>
-              <a:t>12.06.2012</a:t>
+              <a:t>17.06.2012</a:t>
             </a:fld>
             <a:endParaRPr lang="ru-RU">
               <a:solidFill>
@@ -2508,7 +2508,7 @@
                 </a:solidFill>
               </a:rPr>
               <a:pPr/>
-              <a:t>12.06.2012</a:t>
+              <a:t>17.06.2012</a:t>
             </a:fld>
             <a:endParaRPr lang="ru-RU">
               <a:solidFill>
@@ -2839,7 +2839,7 @@
                 </a:solidFill>
               </a:rPr>
               <a:pPr/>
-              <a:t>12.06.2012</a:t>
+              <a:t>17.06.2012</a:t>
             </a:fld>
             <a:endParaRPr lang="ru-RU">
               <a:solidFill>
@@ -3203,7 +3203,7 @@
                 </a:solidFill>
               </a:rPr>
               <a:pPr/>
-              <a:t>12.06.2012</a:t>
+              <a:t>17.06.2012</a:t>
             </a:fld>
             <a:endParaRPr lang="ru-RU">
               <a:solidFill>
@@ -3713,7 +3713,7 @@
                 </a:solidFill>
               </a:rPr>
               <a:pPr/>
-              <a:t>12.06.2012</a:t>
+              <a:t>17.06.2012</a:t>
             </a:fld>
             <a:endParaRPr lang="ru-RU">
               <a:solidFill>
@@ -4500,7 +4500,7 @@
           <a:graphicData uri="http://schemas.openxmlformats.org/presentationml/2006/ole">
             <mc:AlternateContent xmlns:mc="http://schemas.openxmlformats.org/markup-compatibility/2006">
               <mc:Choice xmlns:v="urn:schemas-microsoft-com:vml" Requires="v">
-                <p:oleObj spid="_x0000_s3102" name="Visio" r:id="rId3" imgW="7234971" imgH="5531760" progId="Visio.Drawing.11">
+                <p:oleObj spid="_x0000_s3107" name="Visio" r:id="rId3" imgW="7234971" imgH="5531760" progId="Visio.Drawing.11">
                   <p:embed/>
                 </p:oleObj>
               </mc:Choice>
@@ -4746,7 +4746,7 @@
           <a:graphicData uri="http://schemas.openxmlformats.org/presentationml/2006/ole">
             <mc:AlternateContent xmlns:mc="http://schemas.openxmlformats.org/markup-compatibility/2006">
               <mc:Choice xmlns:v="urn:schemas-microsoft-com:vml" Requires="v">
-                <p:oleObj spid="_x0000_s4125" name="Visio" r:id="rId3" imgW="7954875" imgH="3843720" progId="Visio.Drawing.11">
+                <p:oleObj spid="_x0000_s4130" name="Visio" r:id="rId3" imgW="7954875" imgH="3843720" progId="Visio.Drawing.11">
                   <p:embed/>
                 </p:oleObj>
               </mc:Choice>
@@ -4932,7 +4932,7 @@
           <a:graphicData uri="http://schemas.openxmlformats.org/presentationml/2006/ole">
             <mc:AlternateContent xmlns:mc="http://schemas.openxmlformats.org/markup-compatibility/2006">
               <mc:Choice xmlns:v="urn:schemas-microsoft-com:vml" Requires="v">
-                <p:oleObj spid="_x0000_s5149" name="Visio" r:id="rId3" imgW="8675049" imgH="4026240" progId="Visio.Drawing.11">
+                <p:oleObj spid="_x0000_s5154" name="Visio" r:id="rId3" imgW="8675049" imgH="4026240" progId="Visio.Drawing.11">
                   <p:embed/>
                 </p:oleObj>
               </mc:Choice>
@@ -6485,7 +6485,7 @@
           <a:graphicData uri="http://schemas.openxmlformats.org/presentationml/2006/ole">
             <mc:AlternateContent xmlns:mc="http://schemas.openxmlformats.org/markup-compatibility/2006">
               <mc:Choice xmlns:v="urn:schemas-microsoft-com:vml" Requires="v">
-                <p:oleObj spid="_x0000_s7193" name="Visio" r:id="rId3" imgW="8526746" imgH="4026780" progId="Visio.Drawing.11">
+                <p:oleObj spid="_x0000_s7198" name="Visio" r:id="rId3" imgW="8526746" imgH="4026780" progId="Visio.Drawing.11">
                   <p:embed/>
                 </p:oleObj>
               </mc:Choice>
@@ -8096,7 +8096,7 @@
           <a:graphicData uri="http://schemas.openxmlformats.org/presentationml/2006/ole">
             <mc:AlternateContent xmlns:mc="http://schemas.openxmlformats.org/markup-compatibility/2006">
               <mc:Choice xmlns:v="urn:schemas-microsoft-com:vml" Requires="v">
-                <p:oleObj spid="_x0000_s8194" name="Visio" r:id="rId3" imgW="6322461" imgH="6354180" progId="Visio.Drawing.11">
+                <p:oleObj spid="_x0000_s8204" name="Visio" r:id="rId3" imgW="6322461" imgH="6354180" progId="Visio.Drawing.11">
                   <p:embed/>
                 </p:oleObj>
               </mc:Choice>
@@ -8239,7 +8239,7 @@
           <a:graphicData uri="http://schemas.openxmlformats.org/presentationml/2006/ole">
             <mc:AlternateContent xmlns:mc="http://schemas.openxmlformats.org/markup-compatibility/2006">
               <mc:Choice xmlns:v="urn:schemas-microsoft-com:vml" Requires="v">
-                <p:oleObj spid="_x0000_s8195" name="Visio" r:id="rId5" imgW="5741676" imgH="4985280" progId="Visio.Drawing.11">
+                <p:oleObj spid="_x0000_s8205" name="Visio" r:id="rId5" imgW="5741676" imgH="4985280" progId="Visio.Drawing.11">
                   <p:embed/>
                 </p:oleObj>
               </mc:Choice>
@@ -9538,8 +9538,8 @@
         </p:nvSpPr>
         <p:spPr>
           <a:xfrm>
-            <a:off x="431540" y="188640"/>
-            <a:ext cx="8280920" cy="1384995"/>
+            <a:off x="431540" y="260648"/>
+            <a:ext cx="8280920" cy="830997"/>
           </a:xfrm>
           <a:prstGeom prst="rect">
             <a:avLst/>
@@ -9558,19 +9558,9 @@
                   <a:prstClr val="black"/>
                 </a:solidFill>
               </a:rPr>
-              <a:t>Аналогичные продукты</a:t>
-            </a:r>
-          </a:p>
-          <a:p>
-            <a:r>
-              <a:rPr lang="ru-RU" sz="3600" dirty="0" smtClean="0">
-                <a:solidFill>
-                  <a:prstClr val="black"/>
-                </a:solidFill>
-              </a:rPr>
-              <a:t>Общие недостатки</a:t>
-            </a:r>
-            <a:endParaRPr lang="ru-RU" sz="3600" dirty="0">
+              <a:t>Анализ аналогов</a:t>
+            </a:r>
+            <a:endParaRPr lang="ru-RU" sz="4800" dirty="0" smtClean="0">
               <a:solidFill>
                 <a:prstClr val="black"/>
               </a:solidFill>
@@ -9586,7 +9576,7 @@
         </p:nvSpPr>
         <p:spPr>
           <a:xfrm>
-            <a:off x="395536" y="1916832"/>
+            <a:off x="323528" y="1785005"/>
             <a:ext cx="9036496" cy="4524315"/>
           </a:xfrm>
           <a:prstGeom prst="rect">
@@ -9600,35 +9590,25 @@
           </a:bodyPr>
           <a:lstStyle/>
           <a:p>
-            <a:r>
-              <a:rPr lang="ru-RU" sz="3200" dirty="0" smtClean="0">
-                <a:solidFill>
-                  <a:prstClr val="black"/>
-                </a:solidFill>
-              </a:rPr>
-              <a:t>Были рассмотрены следующие </a:t>
-            </a:r>
-            <a:r>
-              <a:rPr lang="en-US" sz="3200" dirty="0" smtClean="0">
-                <a:solidFill>
-                  <a:prstClr val="black"/>
-                </a:solidFill>
-              </a:rPr>
-              <a:t>CMS:</a:t>
-            </a:r>
-          </a:p>
-          <a:p>
             <a:pPr marL="457200" indent="-457200">
               <a:buFont typeface="Arial" pitchFamily="34" charset="0"/>
               <a:buChar char="•"/>
             </a:pPr>
             <a:r>
+              <a:rPr lang="ru-RU" sz="3200" dirty="0" smtClean="0">
+                <a:solidFill>
+                  <a:prstClr val="black"/>
+                </a:solidFill>
+              </a:rPr>
+              <a:t>Плагин </a:t>
+            </a:r>
+            <a:r>
               <a:rPr lang="ru-RU" sz="3200" dirty="0">
                 <a:solidFill>
                   <a:prstClr val="black"/>
                 </a:solidFill>
               </a:rPr>
-              <a:t>Плагин для </a:t>
+              <a:t>для </a:t>
             </a:r>
             <a:r>
               <a:rPr lang="ru-RU" sz="3200" dirty="0" err="1">
@@ -9723,27 +9703,43 @@
             </a:endParaRPr>
           </a:p>
           <a:p>
+            <a:endParaRPr lang="ru-RU" sz="3200" dirty="0" smtClean="0">
+              <a:solidFill>
+                <a:prstClr val="black"/>
+              </a:solidFill>
+            </a:endParaRPr>
+          </a:p>
+          <a:p>
             <a:r>
               <a:rPr lang="ru-RU" sz="3200" dirty="0" smtClean="0">
                 <a:solidFill>
                   <a:prstClr val="black"/>
                 </a:solidFill>
               </a:rPr>
-              <a:t>Были выявлены общие недостатки:</a:t>
-            </a:r>
-          </a:p>
-          <a:p>
-            <a:pPr marL="457200" indent="-457200">
-              <a:buFont typeface="Arial" pitchFamily="34" charset="0"/>
-              <a:buChar char="•"/>
-            </a:pPr>
+              <a:t>Общие недостатки:</a:t>
+            </a:r>
+            <a:endParaRPr lang="ru-RU" sz="3200" dirty="0" smtClean="0">
+              <a:solidFill>
+                <a:prstClr val="black"/>
+              </a:solidFill>
+            </a:endParaRPr>
+          </a:p>
+          <a:p>
             <a:r>
               <a:rPr lang="ru-RU" sz="3200" dirty="0" smtClean="0">
                 <a:solidFill>
                   <a:prstClr val="black"/>
                 </a:solidFill>
               </a:rPr>
-              <a:t>сложный интерфейс</a:t>
+              <a:t>- сложный </a:t>
+            </a:r>
+            <a:r>
+              <a:rPr lang="ru-RU" sz="3200" dirty="0" smtClean="0">
+                <a:solidFill>
+                  <a:prstClr val="black"/>
+                </a:solidFill>
+              </a:rPr>
+              <a:t>интерфейс</a:t>
             </a:r>
             <a:endParaRPr lang="ru-RU" sz="3200" dirty="0">
               <a:solidFill>
@@ -9752,17 +9748,13 @@
             </a:endParaRPr>
           </a:p>
           <a:p>
-            <a:pPr marL="457200" indent="-457200">
-              <a:buFont typeface="Arial" pitchFamily="34" charset="0"/>
-              <a:buChar char="•"/>
-            </a:pPr>
             <a:r>
               <a:rPr lang="ru-RU" sz="3200" dirty="0" smtClean="0">
                 <a:solidFill>
                   <a:prstClr val="black"/>
                 </a:solidFill>
               </a:rPr>
-              <a:t>отсутствие </a:t>
+              <a:t>- отсутствие </a:t>
             </a:r>
             <a:r>
               <a:rPr lang="ru-RU" sz="3200" dirty="0">
@@ -9774,17 +9766,13 @@
             </a:r>
           </a:p>
           <a:p>
-            <a:pPr marL="457200" indent="-457200">
-              <a:buFont typeface="Arial" pitchFamily="34" charset="0"/>
-              <a:buChar char="•"/>
-            </a:pPr>
             <a:r>
               <a:rPr lang="ru-RU" sz="3200" dirty="0" smtClean="0">
                 <a:solidFill>
                   <a:prstClr val="black"/>
                 </a:solidFill>
               </a:rPr>
-              <a:t>низкая </a:t>
+              <a:t>- низкая </a:t>
             </a:r>
             <a:r>
               <a:rPr lang="ru-RU" sz="3200" dirty="0">
@@ -10457,7 +10445,7 @@
           <a:graphicData uri="http://schemas.openxmlformats.org/presentationml/2006/ole">
             <mc:AlternateContent xmlns:mc="http://schemas.openxmlformats.org/markup-compatibility/2006">
               <mc:Choice xmlns:v="urn:schemas-microsoft-com:vml" Requires="v">
-                <p:oleObj spid="_x0000_s1082" name="Visio" r:id="rId3" imgW="3846693" imgH="4746600" progId="Visio.Drawing.11">
+                <p:oleObj spid="_x0000_s1087" name="Visio" r:id="rId3" imgW="3846693" imgH="4746600" progId="Visio.Drawing.11">
                   <p:embed/>
                 </p:oleObj>
               </mc:Choice>
@@ -10777,7 +10765,7 @@
         </p:nvSpPr>
         <p:spPr>
           <a:xfrm>
-            <a:off x="431540" y="332656"/>
+            <a:off x="251520" y="332656"/>
             <a:ext cx="8280920" cy="830997"/>
           </a:xfrm>
           <a:prstGeom prst="rect">
@@ -10815,8 +10803,8 @@
         </p:nvSpPr>
         <p:spPr>
           <a:xfrm>
-            <a:off x="511582" y="1340768"/>
-            <a:ext cx="4984736" cy="1077218"/>
+            <a:off x="307344" y="1579875"/>
+            <a:ext cx="4984736" cy="1015663"/>
           </a:xfrm>
           <a:prstGeom prst="rect">
             <a:avLst/>
@@ -10830,29 +10818,50 @@
           <a:lstStyle/>
           <a:p>
             <a:r>
-              <a:rPr lang="ru-RU" sz="3200" dirty="0">
+              <a:rPr lang="ru-RU" sz="3000" dirty="0">
                 <a:solidFill>
                   <a:prstClr val="black"/>
                 </a:solidFill>
               </a:rPr>
-              <a:t>Веб сервер</a:t>
-            </a:r>
-          </a:p>
-          <a:p>
-            <a:r>
-              <a:rPr lang="en-US" sz="3200" dirty="0" smtClean="0">
+              <a:t>Веб </a:t>
+            </a:r>
+            <a:r>
+              <a:rPr lang="ru-RU" sz="3000" dirty="0" smtClean="0">
                 <a:solidFill>
                   <a:prstClr val="black"/>
                 </a:solidFill>
               </a:rPr>
-              <a:t>	- XAMPP</a:t>
-            </a:r>
-            <a:endParaRPr lang="ru-RU" sz="3200" dirty="0" smtClean="0">
+              <a:t>сервер</a:t>
+            </a:r>
+            <a:r>
+              <a:rPr lang="ru-RU" sz="3000" dirty="0">
+                <a:solidFill>
+                  <a:prstClr val="black"/>
+                </a:solidFill>
+              </a:rPr>
+              <a:t>:</a:t>
+            </a:r>
+            <a:endParaRPr lang="ru-RU" sz="3000" dirty="0">
               <a:solidFill>
                 <a:prstClr val="black"/>
               </a:solidFill>
             </a:endParaRPr>
           </a:p>
+          <a:p>
+            <a:r>
+              <a:rPr lang="en-US" sz="3000" dirty="0" smtClean="0">
+                <a:solidFill>
+                  <a:prstClr val="black"/>
+                </a:solidFill>
+              </a:rPr>
+              <a:t>	- XAMPP</a:t>
+            </a:r>
+            <a:endParaRPr lang="ru-RU" sz="3000" dirty="0" smtClean="0">
+              <a:solidFill>
+                <a:prstClr val="black"/>
+              </a:solidFill>
+            </a:endParaRPr>
+          </a:p>
         </p:txBody>
       </p:sp>
       <p:sp>
@@ -10863,8 +10872,8 @@
         </p:nvSpPr>
         <p:spPr>
           <a:xfrm>
-            <a:off x="583614" y="2276872"/>
-            <a:ext cx="4984736" cy="1077218"/>
+            <a:off x="323552" y="2515979"/>
+            <a:ext cx="4984736" cy="1015663"/>
           </a:xfrm>
           <a:prstGeom prst="rect">
             <a:avLst/>
@@ -10878,37 +10887,50 @@
           <a:lstStyle/>
           <a:p>
             <a:r>
-              <a:rPr lang="ru-RU" sz="3200" dirty="0">
+              <a:rPr lang="ru-RU" sz="3000" dirty="0">
                 <a:solidFill>
                   <a:prstClr val="black"/>
                 </a:solidFill>
               </a:rPr>
-              <a:t>Среда разработки</a:t>
-            </a:r>
-          </a:p>
-          <a:p>
-            <a:r>
-              <a:rPr lang="en-US" sz="3200" dirty="0" smtClean="0">
+              <a:t>Среда </a:t>
+            </a:r>
+            <a:r>
+              <a:rPr lang="ru-RU" sz="3000" dirty="0" smtClean="0">
                 <a:solidFill>
                   <a:prstClr val="black"/>
                 </a:solidFill>
               </a:rPr>
-              <a:t>	- </a:t>
-            </a:r>
-            <a:r>
-              <a:rPr lang="en-US" sz="3200" dirty="0" err="1" smtClean="0">
-                <a:solidFill>
-                  <a:prstClr val="black"/>
-                </a:solidFill>
-              </a:rPr>
-              <a:t>NetBeans</a:t>
-            </a:r>
-            <a:endParaRPr lang="ru-RU" sz="3200" dirty="0" smtClean="0">
+              <a:t>разработки:</a:t>
+            </a:r>
+            <a:endParaRPr lang="ru-RU" sz="3000" dirty="0">
               <a:solidFill>
                 <a:prstClr val="black"/>
               </a:solidFill>
             </a:endParaRPr>
           </a:p>
+          <a:p>
+            <a:r>
+              <a:rPr lang="en-US" sz="3000" dirty="0" smtClean="0">
+                <a:solidFill>
+                  <a:prstClr val="black"/>
+                </a:solidFill>
+              </a:rPr>
+              <a:t>	- </a:t>
+            </a:r>
+            <a:r>
+              <a:rPr lang="en-US" sz="3000" dirty="0" err="1" smtClean="0">
+                <a:solidFill>
+                  <a:prstClr val="black"/>
+                </a:solidFill>
+              </a:rPr>
+              <a:t>NetBeans</a:t>
+            </a:r>
+            <a:endParaRPr lang="ru-RU" sz="3000" dirty="0" smtClean="0">
+              <a:solidFill>
+                <a:prstClr val="black"/>
+              </a:solidFill>
+            </a:endParaRPr>
+          </a:p>
         </p:txBody>
       </p:sp>
       <p:sp>
@@ -10919,8 +10941,8 @@
         </p:nvSpPr>
         <p:spPr>
           <a:xfrm>
-            <a:off x="583614" y="3212976"/>
-            <a:ext cx="4984736" cy="1077218"/>
+            <a:off x="323552" y="3452083"/>
+            <a:ext cx="8956938" cy="1015663"/>
           </a:xfrm>
           <a:prstGeom prst="rect">
             <a:avLst/>
@@ -10934,29 +10956,90 @@
           <a:lstStyle/>
           <a:p>
             <a:r>
-              <a:rPr lang="ru-RU" sz="3200" dirty="0">
+              <a:rPr lang="ru-RU" sz="3000" dirty="0">
                 <a:solidFill>
                   <a:prstClr val="black"/>
                 </a:solidFill>
               </a:rPr>
-              <a:t>Средство отладки</a:t>
-            </a:r>
-          </a:p>
-          <a:p>
-            <a:r>
-              <a:rPr lang="en-US" sz="3200" dirty="0" smtClean="0">
+              <a:t>Средство </a:t>
+            </a:r>
+            <a:r>
+              <a:rPr lang="ru-RU" sz="3000" dirty="0" smtClean="0">
                 <a:solidFill>
                   <a:prstClr val="black"/>
                 </a:solidFill>
               </a:rPr>
-              <a:t>	- Opera Dragonfly</a:t>
-            </a:r>
-            <a:endParaRPr lang="ru-RU" sz="3200" dirty="0" smtClean="0">
+              <a:t>отладки:</a:t>
+            </a:r>
+            <a:endParaRPr lang="ru-RU" sz="3000" dirty="0">
               <a:solidFill>
                 <a:prstClr val="black"/>
               </a:solidFill>
             </a:endParaRPr>
           </a:p>
+          <a:p>
+            <a:r>
+              <a:rPr lang="en-US" sz="3000" dirty="0" smtClean="0">
+                <a:solidFill>
+                  <a:prstClr val="black"/>
+                </a:solidFill>
+              </a:rPr>
+              <a:t>	- Opera </a:t>
+            </a:r>
+            <a:r>
+              <a:rPr lang="en-US" sz="3000" dirty="0" smtClean="0">
+                <a:solidFill>
+                  <a:prstClr val="black"/>
+                </a:solidFill>
+              </a:rPr>
+              <a:t>Dragonfly</a:t>
+            </a:r>
+            <a:r>
+              <a:rPr lang="ru-RU" sz="3000" dirty="0" smtClean="0">
+                <a:solidFill>
+                  <a:prstClr val="black"/>
+                </a:solidFill>
+              </a:rPr>
+              <a:t>, </a:t>
+            </a:r>
+            <a:r>
+              <a:rPr lang="ru-RU" sz="3000" dirty="0" err="1" smtClean="0">
+                <a:solidFill>
+                  <a:prstClr val="black"/>
+                </a:solidFill>
+              </a:rPr>
+              <a:t>Отлатчик</a:t>
+            </a:r>
+            <a:r>
+              <a:rPr lang="ru-RU" sz="3000" dirty="0" smtClean="0">
+                <a:solidFill>
+                  <a:prstClr val="black"/>
+                </a:solidFill>
+              </a:rPr>
+              <a:t> </a:t>
+            </a:r>
+            <a:r>
+              <a:rPr lang="en-US" sz="3000" dirty="0" smtClean="0">
+                <a:solidFill>
+                  <a:prstClr val="black"/>
+                </a:solidFill>
+              </a:rPr>
+              <a:t>Chrome, </a:t>
+            </a:r>
+            <a:r>
+              <a:rPr lang="en-US" sz="3000" dirty="0" err="1" smtClean="0">
+                <a:solidFill>
+                  <a:prstClr val="black"/>
+                </a:solidFill>
+              </a:rPr>
+              <a:t>Xdebug</a:t>
+            </a:r>
+            <a:endParaRPr lang="ru-RU" sz="3000" dirty="0" smtClean="0">
+              <a:solidFill>
+                <a:prstClr val="black"/>
+              </a:solidFill>
+            </a:endParaRPr>
+          </a:p>
         </p:txBody>
       </p:sp>
       <p:sp>
@@ -10967,8 +11050,8 @@
         </p:nvSpPr>
         <p:spPr>
           <a:xfrm>
-            <a:off x="583614" y="4149080"/>
-            <a:ext cx="4984736" cy="1077218"/>
+            <a:off x="323552" y="4388187"/>
+            <a:ext cx="4984736" cy="1015663"/>
           </a:xfrm>
           <a:prstGeom prst="rect">
             <a:avLst/>
@@ -10982,37 +11065,58 @@
           <a:lstStyle/>
           <a:p>
             <a:r>
-              <a:rPr lang="ru-RU" sz="3200" dirty="0">
+              <a:rPr lang="ru-RU" sz="3000" dirty="0" smtClean="0">
                 <a:solidFill>
                   <a:prstClr val="black"/>
                 </a:solidFill>
               </a:rPr>
-              <a:t>Системы контроля версий</a:t>
-            </a:r>
-          </a:p>
-          <a:p>
-            <a:r>
-              <a:rPr lang="en-US" sz="3200" dirty="0" smtClean="0">
+              <a:t>Система </a:t>
+            </a:r>
+            <a:r>
+              <a:rPr lang="ru-RU" sz="3000" dirty="0">
                 <a:solidFill>
                   <a:prstClr val="black"/>
                 </a:solidFill>
               </a:rPr>
-              <a:t>	- </a:t>
-            </a:r>
-            <a:r>
-              <a:rPr lang="en-US" sz="3200" dirty="0" err="1" smtClean="0">
+              <a:t>контроля </a:t>
+            </a:r>
+            <a:r>
+              <a:rPr lang="ru-RU" sz="3000" dirty="0" smtClean="0">
                 <a:solidFill>
                   <a:prstClr val="black"/>
                 </a:solidFill>
               </a:rPr>
-              <a:t>Git</a:t>
-            </a:r>
-            <a:endParaRPr lang="ru-RU" sz="3200" dirty="0" smtClean="0">
+              <a:t>версий:</a:t>
+            </a:r>
+            <a:endParaRPr lang="ru-RU" sz="3000" dirty="0">
               <a:solidFill>
                 <a:prstClr val="black"/>
               </a:solidFill>
             </a:endParaRPr>
           </a:p>
+          <a:p>
+            <a:r>
+              <a:rPr lang="en-US" sz="3000" dirty="0" smtClean="0">
+                <a:solidFill>
+                  <a:prstClr val="black"/>
+                </a:solidFill>
+              </a:rPr>
+              <a:t>	- </a:t>
+            </a:r>
+            <a:r>
+              <a:rPr lang="en-US" sz="3000" dirty="0" err="1" smtClean="0">
+                <a:solidFill>
+                  <a:prstClr val="black"/>
+                </a:solidFill>
+              </a:rPr>
+              <a:t>Git</a:t>
+            </a:r>
+            <a:endParaRPr lang="ru-RU" sz="3000" dirty="0" smtClean="0">
+              <a:solidFill>
+                <a:prstClr val="black"/>
+              </a:solidFill>
+            </a:endParaRPr>
+          </a:p>
         </p:txBody>
       </p:sp>
       <p:sp>
@@ -11023,8 +11127,8 @@
         </p:nvSpPr>
         <p:spPr>
           <a:xfrm>
-            <a:off x="583614" y="5093022"/>
-            <a:ext cx="7344816" cy="1000274"/>
+            <a:off x="323552" y="5293657"/>
+            <a:ext cx="7344816" cy="1015663"/>
           </a:xfrm>
           <a:prstGeom prst="rect">
             <a:avLst/>
@@ -11038,25 +11142,38 @@
           <a:lstStyle/>
           <a:p>
             <a:r>
-              <a:rPr lang="ru-RU" sz="2800" dirty="0">
+              <a:rPr lang="ru-RU" sz="3000" dirty="0">
                 <a:solidFill>
                   <a:prstClr val="black"/>
                 </a:solidFill>
               </a:rPr>
-              <a:t>Вспомогательные средства</a:t>
-            </a:r>
-          </a:p>
-          <a:p>
-            <a:r>
-              <a:rPr lang="en-US" sz="3100" dirty="0" smtClean="0">
+              <a:t>Вспомогательные </a:t>
+            </a:r>
+            <a:r>
+              <a:rPr lang="ru-RU" sz="3000" dirty="0" smtClean="0">
                 <a:solidFill>
                   <a:prstClr val="black"/>
                 </a:solidFill>
               </a:rPr>
+              <a:t>средства:</a:t>
+            </a:r>
+            <a:endParaRPr lang="ru-RU" sz="3000" dirty="0">
+              <a:solidFill>
+                <a:prstClr val="black"/>
+              </a:solidFill>
+            </a:endParaRPr>
+          </a:p>
+          <a:p>
+            <a:r>
+              <a:rPr lang="en-US" sz="3000" dirty="0" smtClean="0">
+                <a:solidFill>
+                  <a:prstClr val="black"/>
+                </a:solidFill>
+              </a:rPr>
               <a:t>	- Skype, Visio</a:t>
             </a:r>
             <a:r>
-              <a:rPr lang="ru-RU" sz="3100" dirty="0" smtClean="0">
+              <a:rPr lang="ru-RU" sz="3000" dirty="0" smtClean="0">
                 <a:solidFill>
                   <a:prstClr val="black"/>
                 </a:solidFill>
@@ -11064,14 +11181,14 @@
               <a:t>, </a:t>
             </a:r>
             <a:r>
-              <a:rPr lang="en-US" sz="3100" dirty="0" smtClean="0">
+              <a:rPr lang="en-US" sz="3000" dirty="0" smtClean="0">
                 <a:solidFill>
                   <a:prstClr val="black"/>
                 </a:solidFill>
               </a:rPr>
               <a:t>Opera, Google Chrome</a:t>
             </a:r>
-            <a:endParaRPr lang="ru-RU" sz="3100" dirty="0" smtClean="0">
+            <a:endParaRPr lang="ru-RU" sz="3000" dirty="0" smtClean="0">
               <a:solidFill>
                 <a:prstClr val="black"/>
               </a:solidFill>
@@ -11480,7 +11597,7 @@
           <a:graphicData uri="http://schemas.openxmlformats.org/presentationml/2006/ole">
             <mc:AlternateContent xmlns:mc="http://schemas.openxmlformats.org/markup-compatibility/2006">
               <mc:Choice xmlns:v="urn:schemas-microsoft-com:vml" Requires="v">
-                <p:oleObj spid="_x0000_s2130" name="Visio" r:id="rId3" imgW="4714900" imgH="3406320" progId="Visio.Drawing.11">
+                <p:oleObj spid="_x0000_s2140" name="Visio" r:id="rId3" imgW="4714900" imgH="3406320" progId="Visio.Drawing.11">
                   <p:embed/>
                 </p:oleObj>
               </mc:Choice>
@@ -11537,7 +11654,7 @@
           <a:graphicData uri="http://schemas.openxmlformats.org/presentationml/2006/ole">
             <mc:AlternateContent xmlns:mc="http://schemas.openxmlformats.org/markup-compatibility/2006">
               <mc:Choice xmlns:v="urn:schemas-microsoft-com:vml" Requires="v">
-                <p:oleObj spid="_x0000_s2131" name="Visio" r:id="rId5" imgW="3455000" imgH="3946320" progId="Visio.Drawing.11">
+                <p:oleObj spid="_x0000_s2141" name="Visio" r:id="rId5" imgW="3455000" imgH="3946320" progId="Visio.Drawing.11">
                   <p:embed/>
                 </p:oleObj>
               </mc:Choice>

--- a/!docs/common.pptx
+++ b/!docs/common.pptx
@@ -4500,7 +4500,7 @@
           <a:graphicData uri="http://schemas.openxmlformats.org/presentationml/2006/ole">
             <mc:AlternateContent xmlns:mc="http://schemas.openxmlformats.org/markup-compatibility/2006">
               <mc:Choice xmlns:v="urn:schemas-microsoft-com:vml" Requires="v">
-                <p:oleObj spid="_x0000_s3107" name="Visio" r:id="rId3" imgW="7234971" imgH="5531760" progId="Visio.Drawing.11">
+                <p:oleObj spid="_x0000_s3108" name="Visio" r:id="rId3" imgW="7234971" imgH="5531760" progId="Visio.Drawing.11">
                   <p:embed/>
                 </p:oleObj>
               </mc:Choice>
@@ -4746,7 +4746,7 @@
           <a:graphicData uri="http://schemas.openxmlformats.org/presentationml/2006/ole">
             <mc:AlternateContent xmlns:mc="http://schemas.openxmlformats.org/markup-compatibility/2006">
               <mc:Choice xmlns:v="urn:schemas-microsoft-com:vml" Requires="v">
-                <p:oleObj spid="_x0000_s4130" name="Visio" r:id="rId3" imgW="7954875" imgH="3843720" progId="Visio.Drawing.11">
+                <p:oleObj spid="_x0000_s4131" name="Visio" r:id="rId3" imgW="7954875" imgH="3843720" progId="Visio.Drawing.11">
                   <p:embed/>
                 </p:oleObj>
               </mc:Choice>
@@ -4932,7 +4932,7 @@
           <a:graphicData uri="http://schemas.openxmlformats.org/presentationml/2006/ole">
             <mc:AlternateContent xmlns:mc="http://schemas.openxmlformats.org/markup-compatibility/2006">
               <mc:Choice xmlns:v="urn:schemas-microsoft-com:vml" Requires="v">
-                <p:oleObj spid="_x0000_s5154" name="Visio" r:id="rId3" imgW="8675049" imgH="4026240" progId="Visio.Drawing.11">
+                <p:oleObj spid="_x0000_s5155" name="Visio" r:id="rId3" imgW="8675049" imgH="4026240" progId="Visio.Drawing.11">
                   <p:embed/>
                 </p:oleObj>
               </mc:Choice>
@@ -6485,7 +6485,7 @@
           <a:graphicData uri="http://schemas.openxmlformats.org/presentationml/2006/ole">
             <mc:AlternateContent xmlns:mc="http://schemas.openxmlformats.org/markup-compatibility/2006">
               <mc:Choice xmlns:v="urn:schemas-microsoft-com:vml" Requires="v">
-                <p:oleObj spid="_x0000_s7198" name="Visio" r:id="rId3" imgW="8526746" imgH="4026780" progId="Visio.Drawing.11">
+                <p:oleObj spid="_x0000_s7199" name="Visio" r:id="rId3" imgW="8526746" imgH="4026780" progId="Visio.Drawing.11">
                   <p:embed/>
                 </p:oleObj>
               </mc:Choice>
@@ -8096,7 +8096,7 @@
           <a:graphicData uri="http://schemas.openxmlformats.org/presentationml/2006/ole">
             <mc:AlternateContent xmlns:mc="http://schemas.openxmlformats.org/markup-compatibility/2006">
               <mc:Choice xmlns:v="urn:schemas-microsoft-com:vml" Requires="v">
-                <p:oleObj spid="_x0000_s8204" name="Visio" r:id="rId3" imgW="6322461" imgH="6354180" progId="Visio.Drawing.11">
+                <p:oleObj spid="_x0000_s8206" name="Visio" r:id="rId3" imgW="6322461" imgH="6354180" progId="Visio.Drawing.11">
                   <p:embed/>
                 </p:oleObj>
               </mc:Choice>
@@ -8239,7 +8239,7 @@
           <a:graphicData uri="http://schemas.openxmlformats.org/presentationml/2006/ole">
             <mc:AlternateContent xmlns:mc="http://schemas.openxmlformats.org/markup-compatibility/2006">
               <mc:Choice xmlns:v="urn:schemas-microsoft-com:vml" Requires="v">
-                <p:oleObj spid="_x0000_s8205" name="Visio" r:id="rId5" imgW="5741676" imgH="4985280" progId="Visio.Drawing.11">
+                <p:oleObj spid="_x0000_s8207" name="Visio" r:id="rId5" imgW="5741676" imgH="4985280" progId="Visio.Drawing.11">
                   <p:embed/>
                 </p:oleObj>
               </mc:Choice>
@@ -9560,11 +9560,6 @@
               </a:rPr>
               <a:t>Анализ аналогов</a:t>
             </a:r>
-            <a:endParaRPr lang="ru-RU" sz="4800" dirty="0" smtClean="0">
-              <a:solidFill>
-                <a:prstClr val="black"/>
-              </a:solidFill>
-            </a:endParaRPr>
           </a:p>
         </p:txBody>
       </p:sp>
@@ -9718,11 +9713,6 @@
               </a:rPr>
               <a:t>Общие недостатки:</a:t>
             </a:r>
-            <a:endParaRPr lang="ru-RU" sz="3200" dirty="0" smtClean="0">
-              <a:solidFill>
-                <a:prstClr val="black"/>
-              </a:solidFill>
-            </a:endParaRPr>
           </a:p>
           <a:p>
             <a:r>
@@ -9731,15 +9721,7 @@
                   <a:prstClr val="black"/>
                 </a:solidFill>
               </a:rPr>
-              <a:t>- сложный </a:t>
-            </a:r>
-            <a:r>
-              <a:rPr lang="ru-RU" sz="3200" dirty="0" smtClean="0">
-                <a:solidFill>
-                  <a:prstClr val="black"/>
-                </a:solidFill>
-              </a:rPr>
-              <a:t>интерфейс</a:t>
+              <a:t>- сложный интерфейс</a:t>
             </a:r>
             <a:endParaRPr lang="ru-RU" sz="3200" dirty="0">
               <a:solidFill>
@@ -10445,7 +10427,7 @@
           <a:graphicData uri="http://schemas.openxmlformats.org/presentationml/2006/ole">
             <mc:AlternateContent xmlns:mc="http://schemas.openxmlformats.org/markup-compatibility/2006">
               <mc:Choice xmlns:v="urn:schemas-microsoft-com:vml" Requires="v">
-                <p:oleObj spid="_x0000_s1087" name="Visio" r:id="rId3" imgW="3846693" imgH="4746600" progId="Visio.Drawing.11">
+                <p:oleObj spid="_x0000_s1088" name="Visio" r:id="rId3" imgW="3846693" imgH="4746600" progId="Visio.Drawing.11">
                   <p:embed/>
                 </p:oleObj>
               </mc:Choice>
@@ -10765,7 +10747,7 @@
         </p:nvSpPr>
         <p:spPr>
           <a:xfrm>
-            <a:off x="251520" y="332656"/>
+            <a:off x="179512" y="332656"/>
             <a:ext cx="8280920" cy="830997"/>
           </a:xfrm>
           <a:prstGeom prst="rect">
@@ -10803,7 +10785,7 @@
         </p:nvSpPr>
         <p:spPr>
           <a:xfrm>
-            <a:off x="307344" y="1579875"/>
+            <a:off x="179512" y="1164929"/>
             <a:ext cx="4984736" cy="1015663"/>
           </a:xfrm>
           <a:prstGeom prst="rect">
@@ -10841,27 +10823,30 @@
               </a:rPr>
               <a:t>:</a:t>
             </a:r>
-            <a:endParaRPr lang="ru-RU" sz="3000" dirty="0">
+          </a:p>
+          <a:p>
+            <a:r>
+              <a:rPr lang="en-US" sz="3000" dirty="0" smtClean="0">
+                <a:solidFill>
+                  <a:prstClr val="black"/>
+                </a:solidFill>
+              </a:rPr>
+              <a:t>	</a:t>
+            </a:r>
+            <a:r>
+              <a:rPr lang="en-US" sz="2400" dirty="0" smtClean="0">
+                <a:solidFill>
+                  <a:prstClr val="black"/>
+                </a:solidFill>
+              </a:rPr>
+              <a:t>- XAMPP</a:t>
+            </a:r>
+            <a:endParaRPr lang="ru-RU" sz="2400" dirty="0" smtClean="0">
               <a:solidFill>
                 <a:prstClr val="black"/>
               </a:solidFill>
             </a:endParaRPr>
           </a:p>
-          <a:p>
-            <a:r>
-              <a:rPr lang="en-US" sz="3000" dirty="0" smtClean="0">
-                <a:solidFill>
-                  <a:prstClr val="black"/>
-                </a:solidFill>
-              </a:rPr>
-              <a:t>	- XAMPP</a:t>
-            </a:r>
-            <a:endParaRPr lang="ru-RU" sz="3000" dirty="0" smtClean="0">
-              <a:solidFill>
-                <a:prstClr val="black"/>
-              </a:solidFill>
-            </a:endParaRPr>
-          </a:p>
         </p:txBody>
       </p:sp>
       <p:sp>
@@ -10872,7 +10857,7 @@
         </p:nvSpPr>
         <p:spPr>
           <a:xfrm>
-            <a:off x="323552" y="2515979"/>
+            <a:off x="179512" y="2181868"/>
             <a:ext cx="4984736" cy="1015663"/>
           </a:xfrm>
           <a:prstGeom prst="rect">
@@ -10915,17 +10900,25 @@
                   <a:prstClr val="black"/>
                 </a:solidFill>
               </a:rPr>
-              <a:t>	- </a:t>
-            </a:r>
-            <a:r>
-              <a:rPr lang="en-US" sz="3000" dirty="0" err="1" smtClean="0">
+              <a:t>	</a:t>
+            </a:r>
+            <a:r>
+              <a:rPr lang="en-US" sz="2400" dirty="0" smtClean="0">
                 <a:solidFill>
                   <a:prstClr val="black"/>
                 </a:solidFill>
               </a:rPr>
+              <a:t>- </a:t>
+            </a:r>
+            <a:r>
+              <a:rPr lang="en-US" sz="2400" dirty="0" err="1" smtClean="0">
+                <a:solidFill>
+                  <a:prstClr val="black"/>
+                </a:solidFill>
+              </a:rPr>
               <a:t>NetBeans</a:t>
             </a:r>
-            <a:endParaRPr lang="ru-RU" sz="3000" dirty="0" smtClean="0">
+            <a:endParaRPr lang="ru-RU" sz="2400" dirty="0" smtClean="0">
               <a:solidFill>
                 <a:prstClr val="black"/>
               </a:solidFill>
@@ -10941,8 +10934,8 @@
         </p:nvSpPr>
         <p:spPr>
           <a:xfrm>
-            <a:off x="323552" y="3452083"/>
-            <a:ext cx="8956938" cy="1015663"/>
+            <a:off x="179512" y="3198807"/>
+            <a:ext cx="8956938" cy="923330"/>
           </a:xfrm>
           <a:prstGeom prst="rect">
             <a:avLst/>
@@ -10956,12 +10949,12 @@
           <a:lstStyle/>
           <a:p>
             <a:r>
-              <a:rPr lang="ru-RU" sz="3000" dirty="0">
+              <a:rPr lang="ru-RU" sz="3000" dirty="0" smtClean="0">
                 <a:solidFill>
                   <a:prstClr val="black"/>
                 </a:solidFill>
               </a:rPr>
-              <a:t>Средство </a:t>
+              <a:t>Средства </a:t>
             </a:r>
             <a:r>
               <a:rPr lang="ru-RU" sz="3000" dirty="0" smtClean="0">
@@ -10978,63 +10971,72 @@
             </a:endParaRPr>
           </a:p>
           <a:p>
-            <a:r>
-              <a:rPr lang="en-US" sz="3000" dirty="0" smtClean="0">
+            <a:pPr lvl="2"/>
+            <a:r>
+              <a:rPr lang="en-US" sz="2400" dirty="0" smtClean="0">
                 <a:solidFill>
                   <a:prstClr val="black"/>
                 </a:solidFill>
               </a:rPr>
-              <a:t>	- Opera </a:t>
-            </a:r>
-            <a:r>
-              <a:rPr lang="en-US" sz="3000" dirty="0" smtClean="0">
+              <a:t>- Opera Dragonfly</a:t>
+            </a:r>
+            <a:r>
+              <a:rPr lang="ru-RU" sz="2400" dirty="0" smtClean="0">
                 <a:solidFill>
                   <a:prstClr val="black"/>
                 </a:solidFill>
               </a:rPr>
-              <a:t>Dragonfly</a:t>
-            </a:r>
-            <a:r>
-              <a:rPr lang="ru-RU" sz="3000" dirty="0" smtClean="0">
+              <a:t>, отладчик </a:t>
+            </a:r>
+            <a:r>
+              <a:rPr lang="en-US" sz="2400" dirty="0" smtClean="0">
                 <a:solidFill>
                   <a:prstClr val="black"/>
                 </a:solidFill>
               </a:rPr>
-              <a:t>, </a:t>
-            </a:r>
-            <a:r>
-              <a:rPr lang="ru-RU" sz="3000" dirty="0" err="1" smtClean="0">
+              <a:t>Google</a:t>
+            </a:r>
+            <a:r>
+              <a:rPr lang="ru-RU" sz="2400" dirty="0" smtClean="0">
                 <a:solidFill>
                   <a:prstClr val="black"/>
                 </a:solidFill>
               </a:rPr>
-              <a:t>Отлатчик</a:t>
-            </a:r>
-            <a:r>
-              <a:rPr lang="ru-RU" sz="3000" dirty="0" smtClean="0">
+              <a:t> </a:t>
+            </a:r>
+            <a:r>
+              <a:rPr lang="en-US" sz="2400" dirty="0">
                 <a:solidFill>
                   <a:prstClr val="black"/>
                 </a:solidFill>
               </a:rPr>
+              <a:t>Chrome, </a:t>
+            </a:r>
+            <a:r>
+              <a:rPr lang="en-US" sz="2400" dirty="0" err="1" smtClean="0">
+                <a:solidFill>
+                  <a:prstClr val="black"/>
+                </a:solidFill>
+              </a:rPr>
+              <a:t>NetBeans</a:t>
+            </a:r>
+            <a:r>
+              <a:rPr lang="en-US" sz="2400" dirty="0" smtClean="0">
+                <a:solidFill>
+                  <a:prstClr val="black"/>
+                </a:solidFill>
+              </a:rPr>
               <a:t> </a:t>
             </a:r>
             <a:r>
-              <a:rPr lang="en-US" sz="3000" dirty="0" smtClean="0">
+              <a:rPr lang="en-US" sz="2400" dirty="0" err="1" smtClean="0">
                 <a:solidFill>
                   <a:prstClr val="black"/>
                 </a:solidFill>
               </a:rPr>
-              <a:t>Chrome, </a:t>
-            </a:r>
-            <a:r>
-              <a:rPr lang="en-US" sz="3000" dirty="0" err="1" smtClean="0">
-                <a:solidFill>
-                  <a:prstClr val="black"/>
-                </a:solidFill>
-              </a:rPr>
               <a:t>Xdebug</a:t>
             </a:r>
-            <a:endParaRPr lang="ru-RU" sz="3000" dirty="0" smtClean="0">
+            <a:endParaRPr lang="ru-RU" sz="2400" dirty="0" smtClean="0">
               <a:solidFill>
                 <a:prstClr val="black"/>
               </a:solidFill>
@@ -11050,7 +11052,7 @@
         </p:nvSpPr>
         <p:spPr>
           <a:xfrm>
-            <a:off x="323552" y="4388187"/>
+            <a:off x="179512" y="4123413"/>
             <a:ext cx="4984736" cy="1015663"/>
           </a:xfrm>
           <a:prstGeom prst="rect">
@@ -11101,17 +11103,25 @@
                   <a:prstClr val="black"/>
                 </a:solidFill>
               </a:rPr>
-              <a:t>	- </a:t>
-            </a:r>
-            <a:r>
-              <a:rPr lang="en-US" sz="3000" dirty="0" err="1" smtClean="0">
+              <a:t>	</a:t>
+            </a:r>
+            <a:r>
+              <a:rPr lang="en-US" sz="2400" dirty="0" smtClean="0">
                 <a:solidFill>
                   <a:prstClr val="black"/>
                 </a:solidFill>
               </a:rPr>
+              <a:t>- </a:t>
+            </a:r>
+            <a:r>
+              <a:rPr lang="en-US" sz="2400" dirty="0" err="1" smtClean="0">
+                <a:solidFill>
+                  <a:prstClr val="black"/>
+                </a:solidFill>
+              </a:rPr>
               <a:t>Git</a:t>
             </a:r>
-            <a:endParaRPr lang="ru-RU" sz="3000" dirty="0" smtClean="0">
+            <a:endParaRPr lang="ru-RU" sz="2400" dirty="0" smtClean="0">
               <a:solidFill>
                 <a:prstClr val="black"/>
               </a:solidFill>
@@ -11127,8 +11137,8 @@
         </p:nvSpPr>
         <p:spPr>
           <a:xfrm>
-            <a:off x="323552" y="5293657"/>
-            <a:ext cx="7344816" cy="1015663"/>
+            <a:off x="179512" y="5140350"/>
+            <a:ext cx="8784976" cy="1754326"/>
           </a:xfrm>
           <a:prstGeom prst="rect">
             <a:avLst/>
@@ -11170,25 +11180,167 @@
                   <a:prstClr val="black"/>
                 </a:solidFill>
               </a:rPr>
-              <a:t>	- Skype, Visio</a:t>
-            </a:r>
-            <a:r>
-              <a:rPr lang="ru-RU" sz="3000" dirty="0" smtClean="0">
+              <a:t>	</a:t>
+            </a:r>
+            <a:r>
+              <a:rPr lang="en-US" sz="2400" dirty="0" smtClean="0">
                 <a:solidFill>
                   <a:prstClr val="black"/>
                 </a:solidFill>
               </a:rPr>
-              <a:t>, </a:t>
-            </a:r>
-            <a:r>
-              <a:rPr lang="en-US" sz="3000" dirty="0" smtClean="0">
+              <a:t>- Skype, </a:t>
+            </a:r>
+            <a:r>
+              <a:rPr lang="en-US" sz="2400" dirty="0" smtClean="0">
                 <a:solidFill>
                   <a:prstClr val="black"/>
                 </a:solidFill>
               </a:rPr>
-              <a:t>Opera, Google Chrome</a:t>
-            </a:r>
-            <a:endParaRPr lang="ru-RU" sz="3000" dirty="0" smtClean="0">
+              <a:t>Visio</a:t>
+            </a:r>
+            <a:endParaRPr lang="ru-RU" sz="2400" dirty="0" smtClean="0">
+              <a:solidFill>
+                <a:prstClr val="black"/>
+              </a:solidFill>
+            </a:endParaRPr>
+          </a:p>
+          <a:p>
+            <a:r>
+              <a:rPr lang="ru-RU" sz="2400" dirty="0">
+                <a:solidFill>
+                  <a:prstClr val="black"/>
+                </a:solidFill>
+              </a:rPr>
+              <a:t>	</a:t>
+            </a:r>
+            <a:r>
+              <a:rPr lang="ru-RU" sz="2400" dirty="0" smtClean="0">
+                <a:solidFill>
+                  <a:prstClr val="black"/>
+                </a:solidFill>
+              </a:rPr>
+              <a:t>- </a:t>
+            </a:r>
+            <a:r>
+              <a:rPr lang="en-US" sz="2400" dirty="0" smtClean="0">
+                <a:solidFill>
+                  <a:prstClr val="black"/>
+                </a:solidFill>
+              </a:rPr>
+              <a:t>Opera</a:t>
+            </a:r>
+            <a:r>
+              <a:rPr lang="en-US" sz="2400" dirty="0" smtClean="0">
+                <a:solidFill>
+                  <a:prstClr val="black"/>
+                </a:solidFill>
+              </a:rPr>
+              <a:t>, Google </a:t>
+            </a:r>
+            <a:r>
+              <a:rPr lang="en-US" sz="2400" dirty="0" smtClean="0">
+                <a:solidFill>
+                  <a:prstClr val="black"/>
+                </a:solidFill>
+              </a:rPr>
+              <a:t>Chrome, Firefox,</a:t>
+            </a:r>
+            <a:r>
+              <a:rPr lang="ru-RU" sz="2400" dirty="0" smtClean="0">
+                <a:solidFill>
+                  <a:prstClr val="black"/>
+                </a:solidFill>
+              </a:rPr>
+              <a:t> </a:t>
+            </a:r>
+            <a:r>
+              <a:rPr lang="en-US" sz="2400" dirty="0">
+                <a:solidFill>
+                  <a:prstClr val="black"/>
+                </a:solidFill>
+              </a:rPr>
+              <a:t>Internet</a:t>
+            </a:r>
+            <a:r>
+              <a:rPr lang="ru-RU" sz="2400" dirty="0">
+                <a:solidFill>
+                  <a:prstClr val="black"/>
+                </a:solidFill>
+              </a:rPr>
+              <a:t>  </a:t>
+            </a:r>
+            <a:r>
+              <a:rPr lang="en-US" sz="2400" dirty="0">
+                <a:solidFill>
+                  <a:prstClr val="black"/>
+                </a:solidFill>
+              </a:rPr>
+              <a:t>Explorer </a:t>
+            </a:r>
+            <a:r>
+              <a:rPr lang="en-US" sz="2400" dirty="0" smtClean="0">
+                <a:solidFill>
+                  <a:prstClr val="black"/>
+                </a:solidFill>
+              </a:rPr>
+              <a:t>9 </a:t>
+            </a:r>
+            <a:endParaRPr lang="ru-RU" sz="2400" dirty="0" smtClean="0">
+              <a:solidFill>
+                <a:prstClr val="black"/>
+              </a:solidFill>
+            </a:endParaRPr>
+          </a:p>
+          <a:p>
+            <a:r>
+              <a:rPr lang="ru-RU" sz="2400" dirty="0">
+                <a:solidFill>
+                  <a:prstClr val="black"/>
+                </a:solidFill>
+              </a:rPr>
+              <a:t>	</a:t>
+            </a:r>
+            <a:r>
+              <a:rPr lang="ru-RU" sz="2400" dirty="0" smtClean="0">
+                <a:solidFill>
+                  <a:prstClr val="black"/>
+                </a:solidFill>
+              </a:rPr>
+              <a:t>- </a:t>
+            </a:r>
+            <a:r>
+              <a:rPr lang="en-US" sz="2400" dirty="0" smtClean="0">
+                <a:solidFill>
+                  <a:prstClr val="black"/>
+                </a:solidFill>
+              </a:rPr>
+              <a:t>Opera Mini, </a:t>
+            </a:r>
+            <a:r>
+              <a:rPr lang="en-US" sz="2400" dirty="0" smtClean="0">
+                <a:solidFill>
+                  <a:prstClr val="black"/>
+                </a:solidFill>
+              </a:rPr>
+              <a:t>Android </a:t>
+            </a:r>
+            <a:r>
+              <a:rPr lang="ru-RU" sz="2400" dirty="0" smtClean="0">
+                <a:solidFill>
+                  <a:prstClr val="black"/>
+                </a:solidFill>
+              </a:rPr>
+              <a:t>Браузер</a:t>
+            </a:r>
+            <a:r>
+              <a:rPr lang="en-US" sz="2400" dirty="0" smtClean="0">
+                <a:solidFill>
+                  <a:prstClr val="black"/>
+                </a:solidFill>
+              </a:rPr>
+              <a:t> </a:t>
+            </a:r>
+            <a:endParaRPr lang="ru-RU" sz="2400" dirty="0" smtClean="0">
               <a:solidFill>
                 <a:prstClr val="black"/>
               </a:solidFill>
@@ -11597,7 +11749,7 @@
           <a:graphicData uri="http://schemas.openxmlformats.org/presentationml/2006/ole">
             <mc:AlternateContent xmlns:mc="http://schemas.openxmlformats.org/markup-compatibility/2006">
               <mc:Choice xmlns:v="urn:schemas-microsoft-com:vml" Requires="v">
-                <p:oleObj spid="_x0000_s2140" name="Visio" r:id="rId3" imgW="4714900" imgH="3406320" progId="Visio.Drawing.11">
+                <p:oleObj spid="_x0000_s2142" name="Visio" r:id="rId3" imgW="4714900" imgH="3406320" progId="Visio.Drawing.11">
                   <p:embed/>
                 </p:oleObj>
               </mc:Choice>
@@ -11654,7 +11806,7 @@
           <a:graphicData uri="http://schemas.openxmlformats.org/presentationml/2006/ole">
             <mc:AlternateContent xmlns:mc="http://schemas.openxmlformats.org/markup-compatibility/2006">
               <mc:Choice xmlns:v="urn:schemas-microsoft-com:vml" Requires="v">
-                <p:oleObj spid="_x0000_s2141" name="Visio" r:id="rId5" imgW="3455000" imgH="3946320" progId="Visio.Drawing.11">
+                <p:oleObj spid="_x0000_s2143" name="Visio" r:id="rId5" imgW="3455000" imgH="3946320" progId="Visio.Drawing.11">
                   <p:embed/>
                 </p:oleObj>
               </mc:Choice>

--- a/!docs/common.pptx
+++ b/!docs/common.pptx
@@ -4,6 +4,9 @@
   <p:sldMasterIdLst>
     <p:sldMasterId id="2147483708" r:id="rId1"/>
   </p:sldMasterIdLst>
+  <p:notesMasterIdLst>
+    <p:notesMasterId r:id="rId24"/>
+  </p:notesMasterIdLst>
   <p:sldIdLst>
     <p:sldId id="256" r:id="rId2"/>
     <p:sldId id="261" r:id="rId3"/>
@@ -29,7 +32,7 @@
     <p:sldId id="266" r:id="rId23"/>
   </p:sldIdLst>
   <p:sldSz cx="9144000" cy="6858000" type="screen4x3"/>
-  <p:notesSz cx="6858000" cy="9144000"/>
+  <p:notesSz cx="6742113" cy="9872663"/>
   <p:defaultTextStyle>
     <a:defPPr>
       <a:defRPr lang="ru-RU"/>
@@ -192,6 +195,440 @@
 </p:presentation>
 </file>
 
+<file path=ppt/notesMasters/notesMaster1.xml><?xml version="1.0" encoding="utf-8"?>
+<p:notesMaster xmlns:a="http://schemas.openxmlformats.org/drawingml/2006/main" xmlns:r="http://schemas.openxmlformats.org/officeDocument/2006/relationships" xmlns:p="http://schemas.openxmlformats.org/presentationml/2006/main">
+  <p:cSld>
+    <p:bg>
+      <p:bgRef idx="1001">
+        <a:schemeClr val="bg1"/>
+      </p:bgRef>
+    </p:bg>
+    <p:spTree>
+      <p:nvGrpSpPr>
+        <p:cNvPr id="1" name=""/>
+        <p:cNvGrpSpPr/>
+        <p:nvPr/>
+      </p:nvGrpSpPr>
+      <p:grpSpPr>
+        <a:xfrm>
+          <a:off x="0" y="0"/>
+          <a:ext cx="0" cy="0"/>
+          <a:chOff x="0" y="0"/>
+          <a:chExt cx="0" cy="0"/>
+        </a:xfrm>
+      </p:grpSpPr>
+      <p:sp>
+        <p:nvSpPr>
+          <p:cNvPr id="2" name="Верхний колонтитул 1"/>
+          <p:cNvSpPr>
+            <a:spLocks noGrp="1"/>
+          </p:cNvSpPr>
+          <p:nvPr>
+            <p:ph type="hdr" sz="quarter"/>
+          </p:nvPr>
+        </p:nvSpPr>
+        <p:spPr>
+          <a:xfrm>
+            <a:off x="0" y="0"/>
+            <a:ext cx="2921000" cy="493713"/>
+          </a:xfrm>
+          <a:prstGeom prst="rect">
+            <a:avLst/>
+          </a:prstGeom>
+        </p:spPr>
+        <p:txBody>
+          <a:bodyPr vert="horz" lIns="91440" tIns="45720" rIns="91440" bIns="45720" rtlCol="0"/>
+          <a:lstStyle>
+            <a:lvl1pPr algn="l">
+              <a:defRPr sz="1200"/>
+            </a:lvl1pPr>
+          </a:lstStyle>
+          <a:p>
+            <a:endParaRPr lang="ru-RU"/>
+          </a:p>
+        </p:txBody>
+      </p:sp>
+      <p:sp>
+        <p:nvSpPr>
+          <p:cNvPr id="3" name="Дата 2"/>
+          <p:cNvSpPr>
+            <a:spLocks noGrp="1"/>
+          </p:cNvSpPr>
+          <p:nvPr>
+            <p:ph type="dt" idx="1"/>
+          </p:nvPr>
+        </p:nvSpPr>
+        <p:spPr>
+          <a:xfrm>
+            <a:off x="3819525" y="0"/>
+            <a:ext cx="2921000" cy="493713"/>
+          </a:xfrm>
+          <a:prstGeom prst="rect">
+            <a:avLst/>
+          </a:prstGeom>
+        </p:spPr>
+        <p:txBody>
+          <a:bodyPr vert="horz" lIns="91440" tIns="45720" rIns="91440" bIns="45720" rtlCol="0"/>
+          <a:lstStyle>
+            <a:lvl1pPr algn="r">
+              <a:defRPr sz="1200"/>
+            </a:lvl1pPr>
+          </a:lstStyle>
+          <a:p>
+            <a:fld id="{59851017-8183-45E9-888D-6F0FECAF3D58}" type="datetimeFigureOut">
+              <a:rPr lang="ru-RU" smtClean="0"/>
+              <a:t>19.06.2012</a:t>
+            </a:fld>
+            <a:endParaRPr lang="ru-RU"/>
+          </a:p>
+        </p:txBody>
+      </p:sp>
+      <p:sp>
+        <p:nvSpPr>
+          <p:cNvPr id="4" name="Образ слайда 3"/>
+          <p:cNvSpPr>
+            <a:spLocks noGrp="1" noRot="1" noChangeAspect="1"/>
+          </p:cNvSpPr>
+          <p:nvPr>
+            <p:ph type="sldImg" idx="2"/>
+          </p:nvPr>
+        </p:nvSpPr>
+        <p:spPr>
+          <a:xfrm>
+            <a:off x="903288" y="739775"/>
+            <a:ext cx="4935537" cy="3703638"/>
+          </a:xfrm>
+          <a:prstGeom prst="rect">
+            <a:avLst/>
+          </a:prstGeom>
+          <a:noFill/>
+          <a:ln w="12700">
+            <a:solidFill>
+              <a:prstClr val="black"/>
+            </a:solidFill>
+          </a:ln>
+        </p:spPr>
+        <p:txBody>
+          <a:bodyPr vert="horz" lIns="91440" tIns="45720" rIns="91440" bIns="45720" rtlCol="0" anchor="ctr"/>
+          <a:lstStyle/>
+          <a:p>
+            <a:endParaRPr lang="ru-RU"/>
+          </a:p>
+        </p:txBody>
+      </p:sp>
+      <p:sp>
+        <p:nvSpPr>
+          <p:cNvPr id="5" name="Заметки 4"/>
+          <p:cNvSpPr>
+            <a:spLocks noGrp="1"/>
+          </p:cNvSpPr>
+          <p:nvPr>
+            <p:ph type="body" sz="quarter" idx="3"/>
+          </p:nvPr>
+        </p:nvSpPr>
+        <p:spPr>
+          <a:xfrm>
+            <a:off x="674688" y="4689475"/>
+            <a:ext cx="5392737" cy="4443413"/>
+          </a:xfrm>
+          <a:prstGeom prst="rect">
+            <a:avLst/>
+          </a:prstGeom>
+        </p:spPr>
+        <p:txBody>
+          <a:bodyPr vert="horz" lIns="91440" tIns="45720" rIns="91440" bIns="45720" rtlCol="0"/>
+          <a:lstStyle/>
+          <a:p>
+            <a:pPr lvl="0"/>
+            <a:r>
+              <a:rPr lang="ru-RU" smtClean="0"/>
+              <a:t>Образец текста</a:t>
+            </a:r>
+          </a:p>
+          <a:p>
+            <a:pPr lvl="1"/>
+            <a:r>
+              <a:rPr lang="ru-RU" smtClean="0"/>
+              <a:t>Второй уровень</a:t>
+            </a:r>
+          </a:p>
+          <a:p>
+            <a:pPr lvl="2"/>
+            <a:r>
+              <a:rPr lang="ru-RU" smtClean="0"/>
+              <a:t>Третий уровень</a:t>
+            </a:r>
+          </a:p>
+          <a:p>
+            <a:pPr lvl="3"/>
+            <a:r>
+              <a:rPr lang="ru-RU" smtClean="0"/>
+              <a:t>Четвертый уровень</a:t>
+            </a:r>
+          </a:p>
+          <a:p>
+            <a:pPr lvl="4"/>
+            <a:r>
+              <a:rPr lang="ru-RU" smtClean="0"/>
+              <a:t>Пятый уровень</a:t>
+            </a:r>
+            <a:endParaRPr lang="ru-RU"/>
+          </a:p>
+        </p:txBody>
+      </p:sp>
+      <p:sp>
+        <p:nvSpPr>
+          <p:cNvPr id="6" name="Нижний колонтитул 5"/>
+          <p:cNvSpPr>
+            <a:spLocks noGrp="1"/>
+          </p:cNvSpPr>
+          <p:nvPr>
+            <p:ph type="ftr" sz="quarter" idx="4"/>
+          </p:nvPr>
+        </p:nvSpPr>
+        <p:spPr>
+          <a:xfrm>
+            <a:off x="0" y="9377363"/>
+            <a:ext cx="2921000" cy="493712"/>
+          </a:xfrm>
+          <a:prstGeom prst="rect">
+            <a:avLst/>
+          </a:prstGeom>
+        </p:spPr>
+        <p:txBody>
+          <a:bodyPr vert="horz" lIns="91440" tIns="45720" rIns="91440" bIns="45720" rtlCol="0" anchor="b"/>
+          <a:lstStyle>
+            <a:lvl1pPr algn="l">
+              <a:defRPr sz="1200"/>
+            </a:lvl1pPr>
+          </a:lstStyle>
+          <a:p>
+            <a:endParaRPr lang="ru-RU"/>
+          </a:p>
+        </p:txBody>
+      </p:sp>
+      <p:sp>
+        <p:nvSpPr>
+          <p:cNvPr id="7" name="Номер слайда 6"/>
+          <p:cNvSpPr>
+            <a:spLocks noGrp="1"/>
+          </p:cNvSpPr>
+          <p:nvPr>
+            <p:ph type="sldNum" sz="quarter" idx="5"/>
+          </p:nvPr>
+        </p:nvSpPr>
+        <p:spPr>
+          <a:xfrm>
+            <a:off x="3819525" y="9377363"/>
+            <a:ext cx="2921000" cy="493712"/>
+          </a:xfrm>
+          <a:prstGeom prst="rect">
+            <a:avLst/>
+          </a:prstGeom>
+        </p:spPr>
+        <p:txBody>
+          <a:bodyPr vert="horz" lIns="91440" tIns="45720" rIns="91440" bIns="45720" rtlCol="0" anchor="b"/>
+          <a:lstStyle>
+            <a:lvl1pPr algn="r">
+              <a:defRPr sz="1200"/>
+            </a:lvl1pPr>
+          </a:lstStyle>
+          <a:p>
+            <a:fld id="{47ADB33F-9425-47A6-BDF0-0AB550A37F73}" type="slidenum">
+              <a:rPr lang="ru-RU" smtClean="0"/>
+              <a:t>‹#›</a:t>
+            </a:fld>
+            <a:endParaRPr lang="ru-RU"/>
+          </a:p>
+        </p:txBody>
+      </p:sp>
+    </p:spTree>
+    <p:extLst>
+      <p:ext uri="{BB962C8B-B14F-4D97-AF65-F5344CB8AC3E}">
+        <p14:creationId xmlns:p14="http://schemas.microsoft.com/office/powerpoint/2010/main" val="3134672033"/>
+      </p:ext>
+    </p:extLst>
+  </p:cSld>
+  <p:clrMap bg1="lt1" tx1="dk1" bg2="lt2" tx2="dk2" accent1="accent1" accent2="accent2" accent3="accent3" accent4="accent4" accent5="accent5" accent6="accent6" hlink="hlink" folHlink="folHlink"/>
+  <p:notesStyle>
+    <a:lvl1pPr marL="0" algn="l" defTabSz="914400" rtl="0" eaLnBrk="1" latinLnBrk="0" hangingPunct="1">
+      <a:defRPr sz="1200" kern="1200">
+        <a:solidFill>
+          <a:schemeClr val="tx1"/>
+        </a:solidFill>
+        <a:latin typeface="+mn-lt"/>
+        <a:ea typeface="+mn-ea"/>
+        <a:cs typeface="+mn-cs"/>
+      </a:defRPr>
+    </a:lvl1pPr>
+    <a:lvl2pPr marL="457200" algn="l" defTabSz="914400" rtl="0" eaLnBrk="1" latinLnBrk="0" hangingPunct="1">
+      <a:defRPr sz="1200" kern="1200">
+        <a:solidFill>
+          <a:schemeClr val="tx1"/>
+        </a:solidFill>
+        <a:latin typeface="+mn-lt"/>
+        <a:ea typeface="+mn-ea"/>
+        <a:cs typeface="+mn-cs"/>
+      </a:defRPr>
+    </a:lvl2pPr>
+    <a:lvl3pPr marL="914400" algn="l" defTabSz="914400" rtl="0" eaLnBrk="1" latinLnBrk="0" hangingPunct="1">
+      <a:defRPr sz="1200" kern="1200">
+        <a:solidFill>
+          <a:schemeClr val="tx1"/>
+        </a:solidFill>
+        <a:latin typeface="+mn-lt"/>
+        <a:ea typeface="+mn-ea"/>
+        <a:cs typeface="+mn-cs"/>
+      </a:defRPr>
+    </a:lvl3pPr>
+    <a:lvl4pPr marL="1371600" algn="l" defTabSz="914400" rtl="0" eaLnBrk="1" latinLnBrk="0" hangingPunct="1">
+      <a:defRPr sz="1200" kern="1200">
+        <a:solidFill>
+          <a:schemeClr val="tx1"/>
+        </a:solidFill>
+        <a:latin typeface="+mn-lt"/>
+        <a:ea typeface="+mn-ea"/>
+        <a:cs typeface="+mn-cs"/>
+      </a:defRPr>
+    </a:lvl4pPr>
+    <a:lvl5pPr marL="1828800" algn="l" defTabSz="914400" rtl="0" eaLnBrk="1" latinLnBrk="0" hangingPunct="1">
+      <a:defRPr sz="1200" kern="1200">
+        <a:solidFill>
+          <a:schemeClr val="tx1"/>
+        </a:solidFill>
+        <a:latin typeface="+mn-lt"/>
+        <a:ea typeface="+mn-ea"/>
+        <a:cs typeface="+mn-cs"/>
+      </a:defRPr>
+    </a:lvl5pPr>
+    <a:lvl6pPr marL="2286000" algn="l" defTabSz="914400" rtl="0" eaLnBrk="1" latinLnBrk="0" hangingPunct="1">
+      <a:defRPr sz="1200" kern="1200">
+        <a:solidFill>
+          <a:schemeClr val="tx1"/>
+        </a:solidFill>
+        <a:latin typeface="+mn-lt"/>
+        <a:ea typeface="+mn-ea"/>
+        <a:cs typeface="+mn-cs"/>
+      </a:defRPr>
+    </a:lvl6pPr>
+    <a:lvl7pPr marL="2743200" algn="l" defTabSz="914400" rtl="0" eaLnBrk="1" latinLnBrk="0" hangingPunct="1">
+      <a:defRPr sz="1200" kern="1200">
+        <a:solidFill>
+          <a:schemeClr val="tx1"/>
+        </a:solidFill>
+        <a:latin typeface="+mn-lt"/>
+        <a:ea typeface="+mn-ea"/>
+        <a:cs typeface="+mn-cs"/>
+      </a:defRPr>
+    </a:lvl7pPr>
+    <a:lvl8pPr marL="3200400" algn="l" defTabSz="914400" rtl="0" eaLnBrk="1" latinLnBrk="0" hangingPunct="1">
+      <a:defRPr sz="1200" kern="1200">
+        <a:solidFill>
+          <a:schemeClr val="tx1"/>
+        </a:solidFill>
+        <a:latin typeface="+mn-lt"/>
+        <a:ea typeface="+mn-ea"/>
+        <a:cs typeface="+mn-cs"/>
+      </a:defRPr>
+    </a:lvl8pPr>
+    <a:lvl9pPr marL="3657600" algn="l" defTabSz="914400" rtl="0" eaLnBrk="1" latinLnBrk="0" hangingPunct="1">
+      <a:defRPr sz="1200" kern="1200">
+        <a:solidFill>
+          <a:schemeClr val="tx1"/>
+        </a:solidFill>
+        <a:latin typeface="+mn-lt"/>
+        <a:ea typeface="+mn-ea"/>
+        <a:cs typeface="+mn-cs"/>
+      </a:defRPr>
+    </a:lvl9pPr>
+  </p:notesStyle>
+</p:notesMaster>
+</file>
+
+<file path=ppt/notesSlides/notesSlide1.xml><?xml version="1.0" encoding="utf-8"?>
+<p:notes xmlns:a="http://schemas.openxmlformats.org/drawingml/2006/main" xmlns:r="http://schemas.openxmlformats.org/officeDocument/2006/relationships" xmlns:p="http://schemas.openxmlformats.org/presentationml/2006/main">
+  <p:cSld>
+    <p:spTree>
+      <p:nvGrpSpPr>
+        <p:cNvPr id="1" name=""/>
+        <p:cNvGrpSpPr/>
+        <p:nvPr/>
+      </p:nvGrpSpPr>
+      <p:grpSpPr>
+        <a:xfrm>
+          <a:off x="0" y="0"/>
+          <a:ext cx="0" cy="0"/>
+          <a:chOff x="0" y="0"/>
+          <a:chExt cx="0" cy="0"/>
+        </a:xfrm>
+      </p:grpSpPr>
+      <p:sp>
+        <p:nvSpPr>
+          <p:cNvPr id="2" name="Образ слайда 1"/>
+          <p:cNvSpPr>
+            <a:spLocks noGrp="1" noRot="1" noChangeAspect="1"/>
+          </p:cNvSpPr>
+          <p:nvPr>
+            <p:ph type="sldImg"/>
+          </p:nvPr>
+        </p:nvSpPr>
+        <p:spPr/>
+      </p:sp>
+      <p:sp>
+        <p:nvSpPr>
+          <p:cNvPr id="3" name="Заметки 2"/>
+          <p:cNvSpPr>
+            <a:spLocks noGrp="1"/>
+          </p:cNvSpPr>
+          <p:nvPr>
+            <p:ph type="body" idx="1"/>
+          </p:nvPr>
+        </p:nvSpPr>
+        <p:spPr/>
+        <p:txBody>
+          <a:bodyPr/>
+          <a:lstStyle/>
+          <a:p>
+            <a:endParaRPr lang="ru-RU"/>
+          </a:p>
+        </p:txBody>
+      </p:sp>
+      <p:sp>
+        <p:nvSpPr>
+          <p:cNvPr id="4" name="Номер слайда 3"/>
+          <p:cNvSpPr>
+            <a:spLocks noGrp="1"/>
+          </p:cNvSpPr>
+          <p:nvPr>
+            <p:ph type="sldNum" sz="quarter" idx="10"/>
+          </p:nvPr>
+        </p:nvSpPr>
+        <p:spPr/>
+        <p:txBody>
+          <a:bodyPr/>
+          <a:lstStyle/>
+          <a:p>
+            <a:fld id="{47ADB33F-9425-47A6-BDF0-0AB550A37F73}" type="slidenum">
+              <a:rPr lang="ru-RU" smtClean="0"/>
+              <a:t>1</a:t>
+            </a:fld>
+            <a:endParaRPr lang="ru-RU"/>
+          </a:p>
+        </p:txBody>
+      </p:sp>
+    </p:spTree>
+    <p:extLst>
+      <p:ext uri="{BB962C8B-B14F-4D97-AF65-F5344CB8AC3E}">
+        <p14:creationId xmlns:p14="http://schemas.microsoft.com/office/powerpoint/2010/main" val="1628768866"/>
+      </p:ext>
+    </p:extLst>
+  </p:cSld>
+  <p:clrMapOvr>
+    <a:masterClrMapping/>
+  </p:clrMapOvr>
+</p:notes>
+</file>
+
 <file path=ppt/slideLayouts/slideLayout1.xml><?xml version="1.0" encoding="utf-8"?>
 <p:sldLayout xmlns:a="http://schemas.openxmlformats.org/drawingml/2006/main" xmlns:r="http://schemas.openxmlformats.org/officeDocument/2006/relationships" xmlns:p="http://schemas.openxmlformats.org/presentationml/2006/main" type="title" preserve="1">
   <p:cSld name="Титульный слайд">
@@ -440,7 +877,7 @@
                 </a:solidFill>
               </a:rPr>
               <a:pPr/>
-              <a:t>17.06.2012</a:t>
+              <a:t>19.06.2012</a:t>
             </a:fld>
             <a:endParaRPr lang="ru-RU">
               <a:solidFill>
@@ -647,7 +1084,7 @@
                 </a:solidFill>
               </a:rPr>
               <a:pPr/>
-              <a:t>17.06.2012</a:t>
+              <a:t>19.06.2012</a:t>
             </a:fld>
             <a:endParaRPr lang="ru-RU">
               <a:solidFill>
@@ -859,7 +1296,7 @@
                 </a:solidFill>
               </a:rPr>
               <a:pPr/>
-              <a:t>17.06.2012</a:t>
+              <a:t>19.06.2012</a:t>
             </a:fld>
             <a:endParaRPr lang="ru-RU">
               <a:solidFill>
@@ -1061,7 +1498,7 @@
                 </a:solidFill>
               </a:rPr>
               <a:pPr/>
-              <a:t>17.06.2012</a:t>
+              <a:t>19.06.2012</a:t>
             </a:fld>
             <a:endParaRPr lang="ru-RU">
               <a:solidFill>
@@ -1359,7 +1796,7 @@
                 </a:solidFill>
               </a:rPr>
               <a:pPr/>
-              <a:t>17.06.2012</a:t>
+              <a:t>19.06.2012</a:t>
             </a:fld>
             <a:endParaRPr lang="ru-RU">
               <a:solidFill>
@@ -1536,7 +1973,7 @@
                 </a:solidFill>
               </a:rPr>
               <a:pPr/>
-              <a:t>17.06.2012</a:t>
+              <a:t>19.06.2012</a:t>
             </a:fld>
             <a:endParaRPr lang="ru-RU">
               <a:solidFill>
@@ -2231,7 +2668,7 @@
                 </a:solidFill>
               </a:rPr>
               <a:pPr/>
-              <a:t>17.06.2012</a:t>
+              <a:t>19.06.2012</a:t>
             </a:fld>
             <a:endParaRPr lang="ru-RU">
               <a:solidFill>
@@ -2381,7 +2818,7 @@
                 </a:solidFill>
               </a:rPr>
               <a:pPr/>
-              <a:t>17.06.2012</a:t>
+              <a:t>19.06.2012</a:t>
             </a:fld>
             <a:endParaRPr lang="ru-RU">
               <a:solidFill>
@@ -2508,7 +2945,7 @@
                 </a:solidFill>
               </a:rPr>
               <a:pPr/>
-              <a:t>17.06.2012</a:t>
+              <a:t>19.06.2012</a:t>
             </a:fld>
             <a:endParaRPr lang="ru-RU">
               <a:solidFill>
@@ -2839,7 +3276,7 @@
                 </a:solidFill>
               </a:rPr>
               <a:pPr/>
-              <a:t>17.06.2012</a:t>
+              <a:t>19.06.2012</a:t>
             </a:fld>
             <a:endParaRPr lang="ru-RU">
               <a:solidFill>
@@ -3203,7 +3640,7 @@
                 </a:solidFill>
               </a:rPr>
               <a:pPr/>
-              <a:t>17.06.2012</a:t>
+              <a:t>19.06.2012</a:t>
             </a:fld>
             <a:endParaRPr lang="ru-RU">
               <a:solidFill>
@@ -3713,7 +4150,7 @@
                 </a:solidFill>
               </a:rPr>
               <a:pPr/>
-              <a:t>17.06.2012</a:t>
+              <a:t>19.06.2012</a:t>
             </a:fld>
             <a:endParaRPr lang="ru-RU">
               <a:solidFill>
@@ -4261,7 +4698,7 @@
         </p:nvSpPr>
         <p:spPr>
           <a:xfrm>
-            <a:off x="431540" y="2274838"/>
+            <a:off x="431540" y="1772816"/>
             <a:ext cx="8280920" cy="2308324"/>
           </a:xfrm>
           <a:prstGeom prst="rect">
@@ -4384,6 +4821,68 @@
               <a:t> веб-сайта</a:t>
             </a:r>
             <a:endParaRPr lang="ru-RU" sz="4800" dirty="0">
+              <a:solidFill>
+                <a:schemeClr val="tx2">
+                  <a:lumMod val="25000"/>
+                </a:schemeClr>
+              </a:solidFill>
+              <a:latin typeface="Calibri" pitchFamily="34" charset="0"/>
+              <a:cs typeface="Calibri" pitchFamily="34" charset="0"/>
+            </a:endParaRPr>
+          </a:p>
+        </p:txBody>
+      </p:sp>
+      <p:sp>
+        <p:nvSpPr>
+          <p:cNvPr id="3" name="TextBox 2"/>
+          <p:cNvSpPr txBox="1"/>
+          <p:nvPr/>
+        </p:nvSpPr>
+        <p:spPr>
+          <a:xfrm>
+            <a:off x="431540" y="5373216"/>
+            <a:ext cx="8280920" cy="1077218"/>
+          </a:xfrm>
+          <a:prstGeom prst="rect">
+            <a:avLst/>
+          </a:prstGeom>
+          <a:noFill/>
+        </p:spPr>
+        <p:txBody>
+          <a:bodyPr wrap="square" rtlCol="0" anchor="ctr">
+            <a:spAutoFit/>
+          </a:bodyPr>
+          <a:lstStyle/>
+          <a:p>
+            <a:pPr algn="r"/>
+            <a:r>
+              <a:rPr lang="ru-RU" sz="3200" dirty="0" smtClean="0">
+                <a:solidFill>
+                  <a:schemeClr val="tx2">
+                    <a:lumMod val="25000"/>
+                  </a:schemeClr>
+                </a:solidFill>
+                <a:latin typeface="Calibri" pitchFamily="34" charset="0"/>
+                <a:cs typeface="Calibri" pitchFamily="34" charset="0"/>
+              </a:rPr>
+              <a:t>Стаценко Д.О.</a:t>
+            </a:r>
+          </a:p>
+          <a:p>
+            <a:pPr algn="r"/>
+            <a:r>
+              <a:rPr lang="ru-RU" sz="3200" dirty="0" smtClean="0">
+                <a:solidFill>
+                  <a:schemeClr val="tx2">
+                    <a:lumMod val="25000"/>
+                  </a:schemeClr>
+                </a:solidFill>
+                <a:latin typeface="Calibri" pitchFamily="34" charset="0"/>
+                <a:cs typeface="Calibri" pitchFamily="34" charset="0"/>
+              </a:rPr>
+              <a:t>Серпиков С.В.</a:t>
+            </a:r>
+            <a:endParaRPr lang="ru-RU" sz="3200" dirty="0" smtClean="0">
               <a:solidFill>
                 <a:schemeClr val="tx2">
                   <a:lumMod val="25000"/>
@@ -4500,7 +4999,7 @@
           <a:graphicData uri="http://schemas.openxmlformats.org/presentationml/2006/ole">
             <mc:AlternateContent xmlns:mc="http://schemas.openxmlformats.org/markup-compatibility/2006">
               <mc:Choice xmlns:v="urn:schemas-microsoft-com:vml" Requires="v">
-                <p:oleObj spid="_x0000_s3108" name="Visio" r:id="rId3" imgW="7234971" imgH="5531760" progId="Visio.Drawing.11">
+                <p:oleObj spid="_x0000_s3110" name="Visio" r:id="rId3" imgW="7234971" imgH="5531760" progId="Visio.Drawing.11">
                   <p:embed/>
                 </p:oleObj>
               </mc:Choice>
@@ -4746,7 +5245,7 @@
           <a:graphicData uri="http://schemas.openxmlformats.org/presentationml/2006/ole">
             <mc:AlternateContent xmlns:mc="http://schemas.openxmlformats.org/markup-compatibility/2006">
               <mc:Choice xmlns:v="urn:schemas-microsoft-com:vml" Requires="v">
-                <p:oleObj spid="_x0000_s4131" name="Visio" r:id="rId3" imgW="7954875" imgH="3843720" progId="Visio.Drawing.11">
+                <p:oleObj spid="_x0000_s4133" name="Visio" r:id="rId3" imgW="7954875" imgH="3843720" progId="Visio.Drawing.11">
                   <p:embed/>
                 </p:oleObj>
               </mc:Choice>
@@ -4932,7 +5431,7 @@
           <a:graphicData uri="http://schemas.openxmlformats.org/presentationml/2006/ole">
             <mc:AlternateContent xmlns:mc="http://schemas.openxmlformats.org/markup-compatibility/2006">
               <mc:Choice xmlns:v="urn:schemas-microsoft-com:vml" Requires="v">
-                <p:oleObj spid="_x0000_s5155" name="Visio" r:id="rId3" imgW="8675049" imgH="4026240" progId="Visio.Drawing.11">
+                <p:oleObj spid="_x0000_s5157" name="Visio" r:id="rId3" imgW="8675049" imgH="4026240" progId="Visio.Drawing.11">
                   <p:embed/>
                 </p:oleObj>
               </mc:Choice>
@@ -6485,7 +6984,7 @@
           <a:graphicData uri="http://schemas.openxmlformats.org/presentationml/2006/ole">
             <mc:AlternateContent xmlns:mc="http://schemas.openxmlformats.org/markup-compatibility/2006">
               <mc:Choice xmlns:v="urn:schemas-microsoft-com:vml" Requires="v">
-                <p:oleObj spid="_x0000_s7199" name="Visio" r:id="rId3" imgW="8526746" imgH="4026780" progId="Visio.Drawing.11">
+                <p:oleObj spid="_x0000_s7201" name="Visio" r:id="rId3" imgW="8526746" imgH="4026780" progId="Visio.Drawing.11">
                   <p:embed/>
                 </p:oleObj>
               </mc:Choice>
@@ -8096,7 +8595,7 @@
           <a:graphicData uri="http://schemas.openxmlformats.org/presentationml/2006/ole">
             <mc:AlternateContent xmlns:mc="http://schemas.openxmlformats.org/markup-compatibility/2006">
               <mc:Choice xmlns:v="urn:schemas-microsoft-com:vml" Requires="v">
-                <p:oleObj spid="_x0000_s8206" name="Visio" r:id="rId3" imgW="6322461" imgH="6354180" progId="Visio.Drawing.11">
+                <p:oleObj spid="_x0000_s8210" name="Visio" r:id="rId3" imgW="6322461" imgH="6354180" progId="Visio.Drawing.11">
                   <p:embed/>
                 </p:oleObj>
               </mc:Choice>
@@ -8239,7 +8738,7 @@
           <a:graphicData uri="http://schemas.openxmlformats.org/presentationml/2006/ole">
             <mc:AlternateContent xmlns:mc="http://schemas.openxmlformats.org/markup-compatibility/2006">
               <mc:Choice xmlns:v="urn:schemas-microsoft-com:vml" Requires="v">
-                <p:oleObj spid="_x0000_s8207" name="Visio" r:id="rId5" imgW="5741676" imgH="4985280" progId="Visio.Drawing.11">
+                <p:oleObj spid="_x0000_s8211" name="Visio" r:id="rId5" imgW="5741676" imgH="4985280" progId="Visio.Drawing.11">
                   <p:embed/>
                 </p:oleObj>
               </mc:Choice>
@@ -10427,7 +10926,7 @@
           <a:graphicData uri="http://schemas.openxmlformats.org/presentationml/2006/ole">
             <mc:AlternateContent xmlns:mc="http://schemas.openxmlformats.org/markup-compatibility/2006">
               <mc:Choice xmlns:v="urn:schemas-microsoft-com:vml" Requires="v">
-                <p:oleObj spid="_x0000_s1088" name="Visio" r:id="rId3" imgW="3846693" imgH="4746600" progId="Visio.Drawing.11">
+                <p:oleObj spid="_x0000_s1090" name="Visio" r:id="rId3" imgW="3846693" imgH="4746600" progId="Visio.Drawing.11">
                   <p:embed/>
                 </p:oleObj>
               </mc:Choice>
@@ -10954,15 +11453,7 @@
                   <a:prstClr val="black"/>
                 </a:solidFill>
               </a:rPr>
-              <a:t>Средства </a:t>
-            </a:r>
-            <a:r>
-              <a:rPr lang="ru-RU" sz="3000" dirty="0" smtClean="0">
-                <a:solidFill>
-                  <a:prstClr val="black"/>
-                </a:solidFill>
-              </a:rPr>
-              <a:t>отладки:</a:t>
+              <a:t>Средства отладки:</a:t>
             </a:r>
             <a:endParaRPr lang="ru-RU" sz="3000" dirty="0">
               <a:solidFill>
@@ -11188,15 +11679,7 @@
                   <a:prstClr val="black"/>
                 </a:solidFill>
               </a:rPr>
-              <a:t>- Skype, </a:t>
-            </a:r>
-            <a:r>
-              <a:rPr lang="en-US" sz="2400" dirty="0" smtClean="0">
-                <a:solidFill>
-                  <a:prstClr val="black"/>
-                </a:solidFill>
-              </a:rPr>
-              <a:t>Visio</a:t>
+              <a:t>- Skype, Visio</a:t>
             </a:r>
             <a:endParaRPr lang="ru-RU" sz="2400" dirty="0" smtClean="0">
               <a:solidFill>
@@ -11227,23 +11710,7 @@
                   <a:prstClr val="black"/>
                 </a:solidFill>
               </a:rPr>
-              <a:t>Opera</a:t>
-            </a:r>
-            <a:r>
-              <a:rPr lang="en-US" sz="2400" dirty="0" smtClean="0">
-                <a:solidFill>
-                  <a:prstClr val="black"/>
-                </a:solidFill>
-              </a:rPr>
-              <a:t>, Google </a:t>
-            </a:r>
-            <a:r>
-              <a:rPr lang="en-US" sz="2400" dirty="0" smtClean="0">
-                <a:solidFill>
-                  <a:prstClr val="black"/>
-                </a:solidFill>
-              </a:rPr>
-              <a:t>Chrome, Firefox,</a:t>
+              <a:t>Opera, Google Chrome, Firefox,</a:t>
             </a:r>
             <a:r>
               <a:rPr lang="ru-RU" sz="2400" dirty="0" smtClean="0">
@@ -11314,15 +11781,7 @@
                   <a:prstClr val="black"/>
                 </a:solidFill>
               </a:rPr>
-              <a:t>Opera Mini, </a:t>
-            </a:r>
-            <a:r>
-              <a:rPr lang="en-US" sz="2400" dirty="0" smtClean="0">
-                <a:solidFill>
-                  <a:prstClr val="black"/>
-                </a:solidFill>
-              </a:rPr>
-              <a:t>Android </a:t>
+              <a:t>Opera Mini, Android </a:t>
             </a:r>
             <a:r>
               <a:rPr lang="ru-RU" sz="2400" dirty="0" smtClean="0">
@@ -11749,7 +12208,7 @@
           <a:graphicData uri="http://schemas.openxmlformats.org/presentationml/2006/ole">
             <mc:AlternateContent xmlns:mc="http://schemas.openxmlformats.org/markup-compatibility/2006">
               <mc:Choice xmlns:v="urn:schemas-microsoft-com:vml" Requires="v">
-                <p:oleObj spid="_x0000_s2142" name="Visio" r:id="rId3" imgW="4714900" imgH="3406320" progId="Visio.Drawing.11">
+                <p:oleObj spid="_x0000_s2146" name="Visio" r:id="rId3" imgW="4714900" imgH="3406320" progId="Visio.Drawing.11">
                   <p:embed/>
                 </p:oleObj>
               </mc:Choice>
@@ -11806,7 +12265,7 @@
           <a:graphicData uri="http://schemas.openxmlformats.org/presentationml/2006/ole">
             <mc:AlternateContent xmlns:mc="http://schemas.openxmlformats.org/markup-compatibility/2006">
               <mc:Choice xmlns:v="urn:schemas-microsoft-com:vml" Requires="v">
-                <p:oleObj spid="_x0000_s2143" name="Visio" r:id="rId5" imgW="3455000" imgH="3946320" progId="Visio.Drawing.11">
+                <p:oleObj spid="_x0000_s2147" name="Visio" r:id="rId5" imgW="3455000" imgH="3946320" progId="Visio.Drawing.11">
                   <p:embed/>
                 </p:oleObj>
               </mc:Choice>
@@ -12433,4 +12892,289 @@
   <a:objectDefaults/>
   <a:extraClrSchemeLst/>
 </a:theme>
+</file>
+
+<file path=ppt/theme/theme2.xml><?xml version="1.0" encoding="utf-8"?>
+<a:theme xmlns:a="http://schemas.openxmlformats.org/drawingml/2006/main" name="Тема Office">
+  <a:themeElements>
+    <a:clrScheme name="Стандартная">
+      <a:dk1>
+        <a:sysClr val="windowText" lastClr="000000"/>
+      </a:dk1>
+      <a:lt1>
+        <a:sysClr val="window" lastClr="FFFFFF"/>
+      </a:lt1>
+      <a:dk2>
+        <a:srgbClr val="1F497D"/>
+      </a:dk2>
+      <a:lt2>
+        <a:srgbClr val="EEECE1"/>
+      </a:lt2>
+      <a:accent1>
+        <a:srgbClr val="4F81BD"/>
+      </a:accent1>
+      <a:accent2>
+        <a:srgbClr val="C0504D"/>
+      </a:accent2>
+      <a:accent3>
+        <a:srgbClr val="9BBB59"/>
+      </a:accent3>
+      <a:accent4>
+        <a:srgbClr val="8064A2"/>
+      </a:accent4>
+      <a:accent5>
+        <a:srgbClr val="4BACC6"/>
+      </a:accent5>
+      <a:accent6>
+        <a:srgbClr val="F79646"/>
+      </a:accent6>
+      <a:hlink>
+        <a:srgbClr val="0000FF"/>
+      </a:hlink>
+      <a:folHlink>
+        <a:srgbClr val="800080"/>
+      </a:folHlink>
+    </a:clrScheme>
+    <a:fontScheme name="Стандартная">
+      <a:majorFont>
+        <a:latin typeface="Calibri"/>
+        <a:ea typeface=""/>
+        <a:cs typeface=""/>
+        <a:font script="Jpan" typeface="ＭＳ Ｐゴシック"/>
+        <a:font script="Hang" typeface="맑은 고딕"/>
+        <a:font script="Hans" typeface="宋体"/>
+        <a:font script="Hant" typeface="新細明體"/>
+        <a:font script="Arab" typeface="Times New Roman"/>
+        <a:font script="Hebr" typeface="Times New Roman"/>
+        <a:font script="Thai" typeface="Angsana New"/>
+        <a:font script="Ethi" typeface="Nyala"/>
+        <a:font script="Beng" typeface="Vrinda"/>
+        <a:font script="Gujr" typeface="Shruti"/>
+        <a:font script="Khmr" typeface="MoolBoran"/>
+        <a:font script="Knda" typeface="Tunga"/>
+        <a:font script="Guru" typeface="Raavi"/>
+        <a:font script="Cans" typeface="Euphemia"/>
+        <a:font script="Cher" typeface="Plantagenet Cherokee"/>
+        <a:font script="Yiii" typeface="Microsoft Yi Baiti"/>
+        <a:font script="Tibt" typeface="Microsoft Himalaya"/>
+        <a:font script="Thaa" typeface="MV Boli"/>
+        <a:font script="Deva" typeface="Mangal"/>
+        <a:font script="Telu" typeface="Gautami"/>
+        <a:font script="Taml" typeface="Latha"/>
+        <a:font script="Syrc" typeface="Estrangelo Edessa"/>
+        <a:font script="Orya" typeface="Kalinga"/>
+        <a:font script="Mlym" typeface="Kartika"/>
+        <a:font script="Laoo" typeface="DokChampa"/>
+        <a:font script="Sinh" typeface="Iskoola Pota"/>
+        <a:font script="Mong" typeface="Mongolian Baiti"/>
+        <a:font script="Viet" typeface="Times New Roman"/>
+        <a:font script="Uigh" typeface="Microsoft Uighur"/>
+        <a:font script="Geor" typeface="Sylfaen"/>
+      </a:majorFont>
+      <a:minorFont>
+        <a:latin typeface="Calibri"/>
+        <a:ea typeface=""/>
+        <a:cs typeface=""/>
+        <a:font script="Jpan" typeface="ＭＳ Ｐゴシック"/>
+        <a:font script="Hang" typeface="맑은 고딕"/>
+        <a:font script="Hans" typeface="宋体"/>
+        <a:font script="Hant" typeface="新細明體"/>
+        <a:font script="Arab" typeface="Arial"/>
+        <a:font script="Hebr" typeface="Arial"/>
+        <a:font script="Thai" typeface="Cordia New"/>
+        <a:font script="Ethi" typeface="Nyala"/>
+        <a:font script="Beng" typeface="Vrinda"/>
+        <a:font script="Gujr" typeface="Shruti"/>
+        <a:font script="Khmr" typeface="DaunPenh"/>
+        <a:font script="Knda" typeface="Tunga"/>
+        <a:font script="Guru" typeface="Raavi"/>
+        <a:font script="Cans" typeface="Euphemia"/>
+        <a:font script="Cher" typeface="Plantagenet Cherokee"/>
+        <a:font script="Yiii" typeface="Microsoft Yi Baiti"/>
+        <a:font script="Tibt" typeface="Microsoft Himalaya"/>
+        <a:font script="Thaa" typeface="MV Boli"/>
+        <a:font script="Deva" typeface="Mangal"/>
+        <a:font script="Telu" typeface="Gautami"/>
+        <a:font script="Taml" typeface="Latha"/>
+        <a:font script="Syrc" typeface="Estrangelo Edessa"/>
+        <a:font script="Orya" typeface="Kalinga"/>
+        <a:font script="Mlym" typeface="Kartika"/>
+        <a:font script="Laoo" typeface="DokChampa"/>
+        <a:font script="Sinh" typeface="Iskoola Pota"/>
+        <a:font script="Mong" typeface="Mongolian Baiti"/>
+        <a:font script="Viet" typeface="Arial"/>
+        <a:font script="Uigh" typeface="Microsoft Uighur"/>
+        <a:font script="Geor" typeface="Sylfaen"/>
+      </a:minorFont>
+    </a:fontScheme>
+    <a:fmtScheme name="Стандартная">
+      <a:fillStyleLst>
+        <a:solidFill>
+          <a:schemeClr val="phClr"/>
+        </a:solidFill>
+        <a:gradFill rotWithShape="1">
+          <a:gsLst>
+            <a:gs pos="0">
+              <a:schemeClr val="phClr">
+                <a:tint val="50000"/>
+                <a:satMod val="300000"/>
+              </a:schemeClr>
+            </a:gs>
+            <a:gs pos="35000">
+              <a:schemeClr val="phClr">
+                <a:tint val="37000"/>
+                <a:satMod val="300000"/>
+              </a:schemeClr>
+            </a:gs>
+            <a:gs pos="100000">
+              <a:schemeClr val="phClr">
+                <a:tint val="15000"/>
+                <a:satMod val="350000"/>
+              </a:schemeClr>
+            </a:gs>
+          </a:gsLst>
+          <a:lin ang="16200000" scaled="1"/>
+        </a:gradFill>
+        <a:gradFill rotWithShape="1">
+          <a:gsLst>
+            <a:gs pos="0">
+              <a:schemeClr val="phClr">
+                <a:shade val="51000"/>
+                <a:satMod val="130000"/>
+              </a:schemeClr>
+            </a:gs>
+            <a:gs pos="80000">
+              <a:schemeClr val="phClr">
+                <a:shade val="93000"/>
+                <a:satMod val="130000"/>
+              </a:schemeClr>
+            </a:gs>
+            <a:gs pos="100000">
+              <a:schemeClr val="phClr">
+                <a:shade val="94000"/>
+                <a:satMod val="135000"/>
+              </a:schemeClr>
+            </a:gs>
+          </a:gsLst>
+          <a:lin ang="16200000" scaled="0"/>
+        </a:gradFill>
+      </a:fillStyleLst>
+      <a:lnStyleLst>
+        <a:ln w="9525" cap="flat" cmpd="sng" algn="ctr">
+          <a:solidFill>
+            <a:schemeClr val="phClr">
+              <a:shade val="95000"/>
+              <a:satMod val="105000"/>
+            </a:schemeClr>
+          </a:solidFill>
+          <a:prstDash val="solid"/>
+        </a:ln>
+        <a:ln w="25400" cap="flat" cmpd="sng" algn="ctr">
+          <a:solidFill>
+            <a:schemeClr val="phClr"/>
+          </a:solidFill>
+          <a:prstDash val="solid"/>
+        </a:ln>
+        <a:ln w="38100" cap="flat" cmpd="sng" algn="ctr">
+          <a:solidFill>
+            <a:schemeClr val="phClr"/>
+          </a:solidFill>
+          <a:prstDash val="solid"/>
+        </a:ln>
+      </a:lnStyleLst>
+      <a:effectStyleLst>
+        <a:effectStyle>
+          <a:effectLst>
+            <a:outerShdw blurRad="40000" dist="20000" dir="5400000" rotWithShape="0">
+              <a:srgbClr val="000000">
+                <a:alpha val="38000"/>
+              </a:srgbClr>
+            </a:outerShdw>
+          </a:effectLst>
+        </a:effectStyle>
+        <a:effectStyle>
+          <a:effectLst>
+            <a:outerShdw blurRad="40000" dist="23000" dir="5400000" rotWithShape="0">
+              <a:srgbClr val="000000">
+                <a:alpha val="35000"/>
+              </a:srgbClr>
+            </a:outerShdw>
+          </a:effectLst>
+        </a:effectStyle>
+        <a:effectStyle>
+          <a:effectLst>
+            <a:outerShdw blurRad="40000" dist="23000" dir="5400000" rotWithShape="0">
+              <a:srgbClr val="000000">
+                <a:alpha val="35000"/>
+              </a:srgbClr>
+            </a:outerShdw>
+          </a:effectLst>
+          <a:scene3d>
+            <a:camera prst="orthographicFront">
+              <a:rot lat="0" lon="0" rev="0"/>
+            </a:camera>
+            <a:lightRig rig="threePt" dir="t">
+              <a:rot lat="0" lon="0" rev="1200000"/>
+            </a:lightRig>
+          </a:scene3d>
+          <a:sp3d>
+            <a:bevelT w="63500" h="25400"/>
+          </a:sp3d>
+        </a:effectStyle>
+      </a:effectStyleLst>
+      <a:bgFillStyleLst>
+        <a:solidFill>
+          <a:schemeClr val="phClr"/>
+        </a:solidFill>
+        <a:gradFill rotWithShape="1">
+          <a:gsLst>
+            <a:gs pos="0">
+              <a:schemeClr val="phClr">
+                <a:tint val="40000"/>
+                <a:satMod val="350000"/>
+              </a:schemeClr>
+            </a:gs>
+            <a:gs pos="40000">
+              <a:schemeClr val="phClr">
+                <a:tint val="45000"/>
+                <a:shade val="99000"/>
+                <a:satMod val="350000"/>
+              </a:schemeClr>
+            </a:gs>
+            <a:gs pos="100000">
+              <a:schemeClr val="phClr">
+                <a:shade val="20000"/>
+                <a:satMod val="255000"/>
+              </a:schemeClr>
+            </a:gs>
+          </a:gsLst>
+          <a:path path="circle">
+            <a:fillToRect l="50000" t="-80000" r="50000" b="180000"/>
+          </a:path>
+        </a:gradFill>
+        <a:gradFill rotWithShape="1">
+          <a:gsLst>
+            <a:gs pos="0">
+              <a:schemeClr val="phClr">
+                <a:tint val="80000"/>
+                <a:satMod val="300000"/>
+              </a:schemeClr>
+            </a:gs>
+            <a:gs pos="100000">
+              <a:schemeClr val="phClr">
+                <a:shade val="30000"/>
+                <a:satMod val="200000"/>
+              </a:schemeClr>
+            </a:gs>
+          </a:gsLst>
+          <a:path path="circle">
+            <a:fillToRect l="50000" t="50000" r="50000" b="50000"/>
+          </a:path>
+        </a:gradFill>
+      </a:bgFillStyleLst>
+    </a:fmtScheme>
+  </a:themeElements>
+  <a:objectDefaults/>
+  <a:extraClrSchemeLst/>
+</a:theme>
 </file>
--- a/!docs/common.pptx
+++ b/!docs/common.pptx
@@ -4856,7 +4856,7 @@
           <a:p>
             <a:pPr algn="r"/>
             <a:r>
-              <a:rPr lang="ru-RU" sz="3200" dirty="0" smtClean="0">
+              <a:rPr lang="ru-RU" sz="3200" dirty="0">
                 <a:solidFill>
                   <a:schemeClr val="tx2">
                     <a:lumMod val="25000"/>
@@ -4865,7 +4865,7 @@
                 <a:latin typeface="Calibri" pitchFamily="34" charset="0"/>
                 <a:cs typeface="Calibri" pitchFamily="34" charset="0"/>
               </a:rPr>
-              <a:t>Стаценко Д.О.</a:t>
+              <a:t>Серпиков С.В.</a:t>
             </a:r>
           </a:p>
           <a:p>
@@ -4880,7 +4880,31 @@
                 <a:latin typeface="Calibri" pitchFamily="34" charset="0"/>
                 <a:cs typeface="Calibri" pitchFamily="34" charset="0"/>
               </a:rPr>
-              <a:t>Серпиков С.В.</a:t>
+              <a:t>Стаценко </a:t>
+            </a:r>
+            <a:r>
+              <a:rPr lang="ru-RU" sz="3200" dirty="0" smtClean="0">
+                <a:solidFill>
+                  <a:schemeClr val="tx2">
+                    <a:lumMod val="25000"/>
+                  </a:schemeClr>
+                </a:solidFill>
+                <a:latin typeface="Calibri" pitchFamily="34" charset="0"/>
+                <a:cs typeface="Calibri" pitchFamily="34" charset="0"/>
+              </a:rPr>
+              <a:t>Д.О</a:t>
+            </a:r>
+            <a:r>
+              <a:rPr lang="ru-RU" sz="3200" dirty="0" smtClean="0">
+                <a:solidFill>
+                  <a:schemeClr val="tx2">
+                    <a:lumMod val="25000"/>
+                  </a:schemeClr>
+                </a:solidFill>
+                <a:latin typeface="Calibri" pitchFamily="34" charset="0"/>
+                <a:cs typeface="Calibri" pitchFamily="34" charset="0"/>
+              </a:rPr>
+              <a:t>.</a:t>
             </a:r>
             <a:endParaRPr lang="ru-RU" sz="3200" dirty="0" smtClean="0">
               <a:solidFill>
@@ -4999,7 +5023,7 @@
           <a:graphicData uri="http://schemas.openxmlformats.org/presentationml/2006/ole">
             <mc:AlternateContent xmlns:mc="http://schemas.openxmlformats.org/markup-compatibility/2006">
               <mc:Choice xmlns:v="urn:schemas-microsoft-com:vml" Requires="v">
-                <p:oleObj spid="_x0000_s3110" name="Visio" r:id="rId3" imgW="7234971" imgH="5531760" progId="Visio.Drawing.11">
+                <p:oleObj spid="_x0000_s3112" name="Visio" r:id="rId3" imgW="7234971" imgH="5531760" progId="Visio.Drawing.11">
                   <p:embed/>
                 </p:oleObj>
               </mc:Choice>
@@ -5245,7 +5269,7 @@
           <a:graphicData uri="http://schemas.openxmlformats.org/presentationml/2006/ole">
             <mc:AlternateContent xmlns:mc="http://schemas.openxmlformats.org/markup-compatibility/2006">
               <mc:Choice xmlns:v="urn:schemas-microsoft-com:vml" Requires="v">
-                <p:oleObj spid="_x0000_s4133" name="Visio" r:id="rId3" imgW="7954875" imgH="3843720" progId="Visio.Drawing.11">
+                <p:oleObj spid="_x0000_s4135" name="Visio" r:id="rId3" imgW="7954875" imgH="3843720" progId="Visio.Drawing.11">
                   <p:embed/>
                 </p:oleObj>
               </mc:Choice>
@@ -5431,7 +5455,7 @@
           <a:graphicData uri="http://schemas.openxmlformats.org/presentationml/2006/ole">
             <mc:AlternateContent xmlns:mc="http://schemas.openxmlformats.org/markup-compatibility/2006">
               <mc:Choice xmlns:v="urn:schemas-microsoft-com:vml" Requires="v">
-                <p:oleObj spid="_x0000_s5157" name="Visio" r:id="rId3" imgW="8675049" imgH="4026240" progId="Visio.Drawing.11">
+                <p:oleObj spid="_x0000_s5159" name="Visio" r:id="rId3" imgW="8675049" imgH="4026240" progId="Visio.Drawing.11">
                   <p:embed/>
                 </p:oleObj>
               </mc:Choice>
@@ -6984,7 +7008,7 @@
           <a:graphicData uri="http://schemas.openxmlformats.org/presentationml/2006/ole">
             <mc:AlternateContent xmlns:mc="http://schemas.openxmlformats.org/markup-compatibility/2006">
               <mc:Choice xmlns:v="urn:schemas-microsoft-com:vml" Requires="v">
-                <p:oleObj spid="_x0000_s7201" name="Visio" r:id="rId3" imgW="8526746" imgH="4026780" progId="Visio.Drawing.11">
+                <p:oleObj spid="_x0000_s7203" name="Visio" r:id="rId3" imgW="8526746" imgH="4026780" progId="Visio.Drawing.11">
                   <p:embed/>
                 </p:oleObj>
               </mc:Choice>
@@ -8595,7 +8619,7 @@
           <a:graphicData uri="http://schemas.openxmlformats.org/presentationml/2006/ole">
             <mc:AlternateContent xmlns:mc="http://schemas.openxmlformats.org/markup-compatibility/2006">
               <mc:Choice xmlns:v="urn:schemas-microsoft-com:vml" Requires="v">
-                <p:oleObj spid="_x0000_s8210" name="Visio" r:id="rId3" imgW="6322461" imgH="6354180" progId="Visio.Drawing.11">
+                <p:oleObj spid="_x0000_s8214" name="Visio" r:id="rId3" imgW="6322461" imgH="6354180" progId="Visio.Drawing.11">
                   <p:embed/>
                 </p:oleObj>
               </mc:Choice>
@@ -8738,7 +8762,7 @@
           <a:graphicData uri="http://schemas.openxmlformats.org/presentationml/2006/ole">
             <mc:AlternateContent xmlns:mc="http://schemas.openxmlformats.org/markup-compatibility/2006">
               <mc:Choice xmlns:v="urn:schemas-microsoft-com:vml" Requires="v">
-                <p:oleObj spid="_x0000_s8211" name="Visio" r:id="rId5" imgW="5741676" imgH="4985280" progId="Visio.Drawing.11">
+                <p:oleObj spid="_x0000_s8215" name="Visio" r:id="rId5" imgW="5741676" imgH="4985280" progId="Visio.Drawing.11">
                   <p:embed/>
                 </p:oleObj>
               </mc:Choice>
@@ -10926,7 +10950,7 @@
           <a:graphicData uri="http://schemas.openxmlformats.org/presentationml/2006/ole">
             <mc:AlternateContent xmlns:mc="http://schemas.openxmlformats.org/markup-compatibility/2006">
               <mc:Choice xmlns:v="urn:schemas-microsoft-com:vml" Requires="v">
-                <p:oleObj spid="_x0000_s1090" name="Visio" r:id="rId3" imgW="3846693" imgH="4746600" progId="Visio.Drawing.11">
+                <p:oleObj spid="_x0000_s1092" name="Visio" r:id="rId3" imgW="3846693" imgH="4746600" progId="Visio.Drawing.11">
                   <p:embed/>
                 </p:oleObj>
               </mc:Choice>
@@ -12208,7 +12232,7 @@
           <a:graphicData uri="http://schemas.openxmlformats.org/presentationml/2006/ole">
             <mc:AlternateContent xmlns:mc="http://schemas.openxmlformats.org/markup-compatibility/2006">
               <mc:Choice xmlns:v="urn:schemas-microsoft-com:vml" Requires="v">
-                <p:oleObj spid="_x0000_s2146" name="Visio" r:id="rId3" imgW="4714900" imgH="3406320" progId="Visio.Drawing.11">
+                <p:oleObj spid="_x0000_s2150" name="Visio" r:id="rId3" imgW="4714900" imgH="3406320" progId="Visio.Drawing.11">
                   <p:embed/>
                 </p:oleObj>
               </mc:Choice>
@@ -12265,7 +12289,7 @@
           <a:graphicData uri="http://schemas.openxmlformats.org/presentationml/2006/ole">
             <mc:AlternateContent xmlns:mc="http://schemas.openxmlformats.org/markup-compatibility/2006">
               <mc:Choice xmlns:v="urn:schemas-microsoft-com:vml" Requires="v">
-                <p:oleObj spid="_x0000_s2147" name="Visio" r:id="rId5" imgW="3455000" imgH="3946320" progId="Visio.Drawing.11">
+                <p:oleObj spid="_x0000_s2151" name="Visio" r:id="rId5" imgW="3455000" imgH="3946320" progId="Visio.Drawing.11">
                   <p:embed/>
                 </p:oleObj>
               </mc:Choice>
